--- a/primeira entrega.pptx
+++ b/primeira entrega.pptx
@@ -1,26 +1,121 @@
 
 <file path=ppt/presentation.xml><?xml version="1.0" encoding="utf-8"?>
-<p:presentation xmlns:a="http://schemas.openxmlformats.org/drawingml/2006/main" xmlns:p="http://schemas.openxmlformats.org/presentationml/2006/main" xmlns:r="http://schemas.openxmlformats.org/officeDocument/2006/relationships" xmlns:p14="http://schemas.microsoft.com/office/powerpoint/2010/main" xmlns:p15="http://schemas.microsoft.com/office/powerpoint/2012/main" xmlns:mc="http://schemas.openxmlformats.org/markup-compatibility/2006">
+<p:presentation xmlns:a="http://schemas.openxmlformats.org/drawingml/2006/main" xmlns:r="http://schemas.openxmlformats.org/officeDocument/2006/relationships" xmlns:p="http://schemas.openxmlformats.org/presentationml/2006/main">
   <p:sldMasterIdLst>
-    <p:sldMasterId id="2147483648" r:id="rId2"/>
-    <p:sldMasterId id="2147483661" r:id="rId3"/>
+    <p:sldMasterId id="2147483648" r:id="rId1"/>
+    <p:sldMasterId id="2147483661" r:id="rId2"/>
   </p:sldMasterIdLst>
   <p:sldIdLst>
-    <p:sldId id="256" r:id="rId4"/>
-    <p:sldId id="257" r:id="rId5"/>
-    <p:sldId id="258" r:id="rId6"/>
-    <p:sldId id="259" r:id="rId7"/>
-    <p:sldId id="260" r:id="rId8"/>
-    <p:sldId id="261" r:id="rId9"/>
-    <p:sldId id="262" r:id="rId10"/>
+    <p:sldId id="256" r:id="rId3"/>
+    <p:sldId id="257" r:id="rId4"/>
+    <p:sldId id="258" r:id="rId5"/>
+    <p:sldId id="259" r:id="rId6"/>
+    <p:sldId id="260" r:id="rId7"/>
+    <p:sldId id="261" r:id="rId8"/>
+    <p:sldId id="262" r:id="rId9"/>
   </p:sldIdLst>
   <p:sldSz cx="12192000" cy="6858000"/>
   <p:notesSz cx="6858000" cy="9144000"/>
+  <p:defaultTextStyle>
+    <a:defPPr>
+      <a:defRPr lang="pt-BR"/>
+    </a:defPPr>
+    <a:lvl1pPr marL="0" algn="l" defTabSz="914400" rtl="0" eaLnBrk="1" latinLnBrk="0" hangingPunct="1">
+      <a:defRPr sz="1800" kern="1200">
+        <a:solidFill>
+          <a:schemeClr val="tx1"/>
+        </a:solidFill>
+        <a:latin typeface="+mn-lt"/>
+        <a:ea typeface="+mn-ea"/>
+        <a:cs typeface="+mn-cs"/>
+      </a:defRPr>
+    </a:lvl1pPr>
+    <a:lvl2pPr marL="457200" algn="l" defTabSz="914400" rtl="0" eaLnBrk="1" latinLnBrk="0" hangingPunct="1">
+      <a:defRPr sz="1800" kern="1200">
+        <a:solidFill>
+          <a:schemeClr val="tx1"/>
+        </a:solidFill>
+        <a:latin typeface="+mn-lt"/>
+        <a:ea typeface="+mn-ea"/>
+        <a:cs typeface="+mn-cs"/>
+      </a:defRPr>
+    </a:lvl2pPr>
+    <a:lvl3pPr marL="914400" algn="l" defTabSz="914400" rtl="0" eaLnBrk="1" latinLnBrk="0" hangingPunct="1">
+      <a:defRPr sz="1800" kern="1200">
+        <a:solidFill>
+          <a:schemeClr val="tx1"/>
+        </a:solidFill>
+        <a:latin typeface="+mn-lt"/>
+        <a:ea typeface="+mn-ea"/>
+        <a:cs typeface="+mn-cs"/>
+      </a:defRPr>
+    </a:lvl3pPr>
+    <a:lvl4pPr marL="1371600" algn="l" defTabSz="914400" rtl="0" eaLnBrk="1" latinLnBrk="0" hangingPunct="1">
+      <a:defRPr sz="1800" kern="1200">
+        <a:solidFill>
+          <a:schemeClr val="tx1"/>
+        </a:solidFill>
+        <a:latin typeface="+mn-lt"/>
+        <a:ea typeface="+mn-ea"/>
+        <a:cs typeface="+mn-cs"/>
+      </a:defRPr>
+    </a:lvl4pPr>
+    <a:lvl5pPr marL="1828800" algn="l" defTabSz="914400" rtl="0" eaLnBrk="1" latinLnBrk="0" hangingPunct="1">
+      <a:defRPr sz="1800" kern="1200">
+        <a:solidFill>
+          <a:schemeClr val="tx1"/>
+        </a:solidFill>
+        <a:latin typeface="+mn-lt"/>
+        <a:ea typeface="+mn-ea"/>
+        <a:cs typeface="+mn-cs"/>
+      </a:defRPr>
+    </a:lvl5pPr>
+    <a:lvl6pPr marL="2286000" algn="l" defTabSz="914400" rtl="0" eaLnBrk="1" latinLnBrk="0" hangingPunct="1">
+      <a:defRPr sz="1800" kern="1200">
+        <a:solidFill>
+          <a:schemeClr val="tx1"/>
+        </a:solidFill>
+        <a:latin typeface="+mn-lt"/>
+        <a:ea typeface="+mn-ea"/>
+        <a:cs typeface="+mn-cs"/>
+      </a:defRPr>
+    </a:lvl6pPr>
+    <a:lvl7pPr marL="2743200" algn="l" defTabSz="914400" rtl="0" eaLnBrk="1" latinLnBrk="0" hangingPunct="1">
+      <a:defRPr sz="1800" kern="1200">
+        <a:solidFill>
+          <a:schemeClr val="tx1"/>
+        </a:solidFill>
+        <a:latin typeface="+mn-lt"/>
+        <a:ea typeface="+mn-ea"/>
+        <a:cs typeface="+mn-cs"/>
+      </a:defRPr>
+    </a:lvl7pPr>
+    <a:lvl8pPr marL="3200400" algn="l" defTabSz="914400" rtl="0" eaLnBrk="1" latinLnBrk="0" hangingPunct="1">
+      <a:defRPr sz="1800" kern="1200">
+        <a:solidFill>
+          <a:schemeClr val="tx1"/>
+        </a:solidFill>
+        <a:latin typeface="+mn-lt"/>
+        <a:ea typeface="+mn-ea"/>
+        <a:cs typeface="+mn-cs"/>
+      </a:defRPr>
+    </a:lvl8pPr>
+    <a:lvl9pPr marL="3657600" algn="l" defTabSz="914400" rtl="0" eaLnBrk="1" latinLnBrk="0" hangingPunct="1">
+      <a:defRPr sz="1800" kern="1200">
+        <a:solidFill>
+          <a:schemeClr val="tx1"/>
+        </a:solidFill>
+        <a:latin typeface="+mn-lt"/>
+        <a:ea typeface="+mn-ea"/>
+        <a:cs typeface="+mn-cs"/>
+      </a:defRPr>
+    </a:lvl9pPr>
+  </p:defaultTextStyle>
 </p:presentation>
 </file>
 
 <file path=ppt/slideLayouts/slideLayout1.xml><?xml version="1.0" encoding="utf-8"?>
-<p:sldLayout xmlns:a="http://schemas.openxmlformats.org/drawingml/2006/main" xmlns:p="http://schemas.openxmlformats.org/presentationml/2006/main" xmlns:r="http://schemas.openxmlformats.org/officeDocument/2006/relationships" xmlns:p14="http://schemas.microsoft.com/office/powerpoint/2010/main" xmlns:p15="http://schemas.microsoft.com/office/powerpoint/2012/main" xmlns:mc="http://schemas.openxmlformats.org/markup-compatibility/2006" type="blank" preserve="1">
+<p:sldLayout xmlns:a="http://schemas.openxmlformats.org/drawingml/2006/main" xmlns:r="http://schemas.openxmlformats.org/officeDocument/2006/relationships" xmlns:p="http://schemas.openxmlformats.org/presentationml/2006/main" type="blank" preserve="1">
   <p:cSld name="Blank Slide">
     <p:spTree>
       <p:nvGrpSpPr>
@@ -38,11 +133,14 @@
       </p:grpSpPr>
     </p:spTree>
   </p:cSld>
+  <p:clrMapOvr>
+    <a:masterClrMapping/>
+  </p:clrMapOvr>
 </p:sldLayout>
 </file>
 
 <file path=ppt/slideLayouts/slideLayout10.xml><?xml version="1.0" encoding="utf-8"?>
-<p:sldLayout xmlns:a="http://schemas.openxmlformats.org/drawingml/2006/main" xmlns:p="http://schemas.openxmlformats.org/presentationml/2006/main" xmlns:r="http://schemas.openxmlformats.org/officeDocument/2006/relationships" xmlns:p14="http://schemas.microsoft.com/office/powerpoint/2010/main" xmlns:p15="http://schemas.microsoft.com/office/powerpoint/2012/main" xmlns:mc="http://schemas.openxmlformats.org/markup-compatibility/2006" type="objOverTx" preserve="1">
+<p:sldLayout xmlns:a="http://schemas.openxmlformats.org/drawingml/2006/main" xmlns:r="http://schemas.openxmlformats.org/officeDocument/2006/relationships" xmlns:p="http://schemas.openxmlformats.org/presentationml/2006/main" type="objOverTx" preserve="1">
   <p:cSld name="Title, Content over Content">
     <p:spTree>
       <p:nvGrpSpPr>
@@ -78,9 +176,10 @@
           </a:prstGeom>
         </p:spPr>
         <p:txBody>
-          <a:bodyPr lIns="0" rIns="0" tIns="0" bIns="0" anchor="ctr"/>
-          <a:p>
-            <a:endParaRPr b="0" lang="pt-BR" sz="1400" spc="-1" strike="noStrike">
+          <a:bodyPr lIns="0" tIns="0" rIns="0" bIns="0" anchor="ctr"/>
+          <a:lstStyle/>
+          <a:p>
+            <a:endParaRPr lang="pt-BR" sz="1400" b="0" strike="noStrike" spc="-1">
               <a:solidFill>
                 <a:srgbClr val="000000"/>
               </a:solidFill>
@@ -109,11 +208,12 @@
           </a:prstGeom>
         </p:spPr>
         <p:txBody>
-          <a:bodyPr lIns="0" rIns="0" tIns="0" bIns="0">
+          <a:bodyPr lIns="0" tIns="0" rIns="0" bIns="0">
             <a:normAutofit/>
           </a:bodyPr>
-          <a:p>
-            <a:endParaRPr b="0" lang="pt-BR" sz="1400" spc="-1" strike="noStrike">
+          <a:lstStyle/>
+          <a:p>
+            <a:endParaRPr lang="pt-BR" sz="1400" b="0" strike="noStrike" spc="-1">
               <a:solidFill>
                 <a:srgbClr val="000000"/>
               </a:solidFill>
@@ -142,11 +242,12 @@
           </a:prstGeom>
         </p:spPr>
         <p:txBody>
-          <a:bodyPr lIns="0" rIns="0" tIns="0" bIns="0">
+          <a:bodyPr lIns="0" tIns="0" rIns="0" bIns="0">
             <a:normAutofit/>
           </a:bodyPr>
-          <a:p>
-            <a:endParaRPr b="0" lang="pt-BR" sz="1400" spc="-1" strike="noStrike">
+          <a:lstStyle/>
+          <a:p>
+            <a:endParaRPr lang="pt-BR" sz="1400" b="0" strike="noStrike" spc="-1">
               <a:solidFill>
                 <a:srgbClr val="000000"/>
               </a:solidFill>
@@ -157,11 +258,14 @@
       </p:sp>
     </p:spTree>
   </p:cSld>
+  <p:clrMapOvr>
+    <a:masterClrMapping/>
+  </p:clrMapOvr>
 </p:sldLayout>
 </file>
 
 <file path=ppt/slideLayouts/slideLayout11.xml><?xml version="1.0" encoding="utf-8"?>
-<p:sldLayout xmlns:a="http://schemas.openxmlformats.org/drawingml/2006/main" xmlns:p="http://schemas.openxmlformats.org/presentationml/2006/main" xmlns:r="http://schemas.openxmlformats.org/officeDocument/2006/relationships" xmlns:p14="http://schemas.microsoft.com/office/powerpoint/2010/main" xmlns:p15="http://schemas.microsoft.com/office/powerpoint/2012/main" xmlns:mc="http://schemas.openxmlformats.org/markup-compatibility/2006" type="fourObj" preserve="1">
+<p:sldLayout xmlns:a="http://schemas.openxmlformats.org/drawingml/2006/main" xmlns:r="http://schemas.openxmlformats.org/officeDocument/2006/relationships" xmlns:p="http://schemas.openxmlformats.org/presentationml/2006/main" type="fourObj" preserve="1">
   <p:cSld name="Title, 4 Content">
     <p:spTree>
       <p:nvGrpSpPr>
@@ -197,9 +301,10 @@
           </a:prstGeom>
         </p:spPr>
         <p:txBody>
-          <a:bodyPr lIns="0" rIns="0" tIns="0" bIns="0" anchor="ctr"/>
-          <a:p>
-            <a:endParaRPr b="0" lang="pt-BR" sz="1400" spc="-1" strike="noStrike">
+          <a:bodyPr lIns="0" tIns="0" rIns="0" bIns="0" anchor="ctr"/>
+          <a:lstStyle/>
+          <a:p>
+            <a:endParaRPr lang="pt-BR" sz="1400" b="0" strike="noStrike" spc="-1">
               <a:solidFill>
                 <a:srgbClr val="000000"/>
               </a:solidFill>
@@ -228,11 +333,12 @@
           </a:prstGeom>
         </p:spPr>
         <p:txBody>
-          <a:bodyPr lIns="0" rIns="0" tIns="0" bIns="0">
+          <a:bodyPr lIns="0" tIns="0" rIns="0" bIns="0">
             <a:normAutofit/>
           </a:bodyPr>
-          <a:p>
-            <a:endParaRPr b="0" lang="pt-BR" sz="1400" spc="-1" strike="noStrike">
+          <a:lstStyle/>
+          <a:p>
+            <a:endParaRPr lang="pt-BR" sz="1400" b="0" strike="noStrike" spc="-1">
               <a:solidFill>
                 <a:srgbClr val="000000"/>
               </a:solidFill>
@@ -261,11 +367,12 @@
           </a:prstGeom>
         </p:spPr>
         <p:txBody>
-          <a:bodyPr lIns="0" rIns="0" tIns="0" bIns="0">
+          <a:bodyPr lIns="0" tIns="0" rIns="0" bIns="0">
             <a:normAutofit/>
           </a:bodyPr>
-          <a:p>
-            <a:endParaRPr b="0" lang="pt-BR" sz="1400" spc="-1" strike="noStrike">
+          <a:lstStyle/>
+          <a:p>
+            <a:endParaRPr lang="pt-BR" sz="1400" b="0" strike="noStrike" spc="-1">
               <a:solidFill>
                 <a:srgbClr val="000000"/>
               </a:solidFill>
@@ -294,11 +401,12 @@
           </a:prstGeom>
         </p:spPr>
         <p:txBody>
-          <a:bodyPr lIns="0" rIns="0" tIns="0" bIns="0">
+          <a:bodyPr lIns="0" tIns="0" rIns="0" bIns="0">
             <a:normAutofit/>
           </a:bodyPr>
-          <a:p>
-            <a:endParaRPr b="0" lang="pt-BR" sz="1400" spc="-1" strike="noStrike">
+          <a:lstStyle/>
+          <a:p>
+            <a:endParaRPr lang="pt-BR" sz="1400" b="0" strike="noStrike" spc="-1">
               <a:solidFill>
                 <a:srgbClr val="000000"/>
               </a:solidFill>
@@ -327,11 +435,12 @@
           </a:prstGeom>
         </p:spPr>
         <p:txBody>
-          <a:bodyPr lIns="0" rIns="0" tIns="0" bIns="0">
+          <a:bodyPr lIns="0" tIns="0" rIns="0" bIns="0">
             <a:normAutofit/>
           </a:bodyPr>
-          <a:p>
-            <a:endParaRPr b="0" lang="pt-BR" sz="1400" spc="-1" strike="noStrike">
+          <a:lstStyle/>
+          <a:p>
+            <a:endParaRPr lang="pt-BR" sz="1400" b="0" strike="noStrike" spc="-1">
               <a:solidFill>
                 <a:srgbClr val="000000"/>
               </a:solidFill>
@@ -342,11 +451,14 @@
       </p:sp>
     </p:spTree>
   </p:cSld>
+  <p:clrMapOvr>
+    <a:masterClrMapping/>
+  </p:clrMapOvr>
 </p:sldLayout>
 </file>
 
 <file path=ppt/slideLayouts/slideLayout12.xml><?xml version="1.0" encoding="utf-8"?>
-<p:sldLayout xmlns:a="http://schemas.openxmlformats.org/drawingml/2006/main" xmlns:p="http://schemas.openxmlformats.org/presentationml/2006/main" xmlns:r="http://schemas.openxmlformats.org/officeDocument/2006/relationships" xmlns:p14="http://schemas.microsoft.com/office/powerpoint/2010/main" xmlns:p15="http://schemas.microsoft.com/office/powerpoint/2012/main" xmlns:mc="http://schemas.openxmlformats.org/markup-compatibility/2006" type="blank" preserve="1">
+<p:sldLayout xmlns:a="http://schemas.openxmlformats.org/drawingml/2006/main" xmlns:r="http://schemas.openxmlformats.org/officeDocument/2006/relationships" xmlns:p="http://schemas.openxmlformats.org/presentationml/2006/main" type="blank" preserve="1">
   <p:cSld name="Title, 6 Content">
     <p:spTree>
       <p:nvGrpSpPr>
@@ -382,9 +494,10 @@
           </a:prstGeom>
         </p:spPr>
         <p:txBody>
-          <a:bodyPr lIns="0" rIns="0" tIns="0" bIns="0" anchor="ctr"/>
-          <a:p>
-            <a:endParaRPr b="0" lang="pt-BR" sz="1400" spc="-1" strike="noStrike">
+          <a:bodyPr lIns="0" tIns="0" rIns="0" bIns="0" anchor="ctr"/>
+          <a:lstStyle/>
+          <a:p>
+            <a:endParaRPr lang="pt-BR" sz="1400" b="0" strike="noStrike" spc="-1">
               <a:solidFill>
                 <a:srgbClr val="000000"/>
               </a:solidFill>
@@ -413,11 +526,12 @@
           </a:prstGeom>
         </p:spPr>
         <p:txBody>
-          <a:bodyPr lIns="0" rIns="0" tIns="0" bIns="0">
+          <a:bodyPr lIns="0" tIns="0" rIns="0" bIns="0">
             <a:normAutofit/>
           </a:bodyPr>
-          <a:p>
-            <a:endParaRPr b="0" lang="pt-BR" sz="1400" spc="-1" strike="noStrike">
+          <a:lstStyle/>
+          <a:p>
+            <a:endParaRPr lang="pt-BR" sz="1400" b="0" strike="noStrike" spc="-1">
               <a:solidFill>
                 <a:srgbClr val="000000"/>
               </a:solidFill>
@@ -446,11 +560,12 @@
           </a:prstGeom>
         </p:spPr>
         <p:txBody>
-          <a:bodyPr lIns="0" rIns="0" tIns="0" bIns="0">
+          <a:bodyPr lIns="0" tIns="0" rIns="0" bIns="0">
             <a:normAutofit/>
           </a:bodyPr>
-          <a:p>
-            <a:endParaRPr b="0" lang="pt-BR" sz="1400" spc="-1" strike="noStrike">
+          <a:lstStyle/>
+          <a:p>
+            <a:endParaRPr lang="pt-BR" sz="1400" b="0" strike="noStrike" spc="-1">
               <a:solidFill>
                 <a:srgbClr val="000000"/>
               </a:solidFill>
@@ -479,11 +594,12 @@
           </a:prstGeom>
         </p:spPr>
         <p:txBody>
-          <a:bodyPr lIns="0" rIns="0" tIns="0" bIns="0">
+          <a:bodyPr lIns="0" tIns="0" rIns="0" bIns="0">
             <a:normAutofit/>
           </a:bodyPr>
-          <a:p>
-            <a:endParaRPr b="0" lang="pt-BR" sz="1400" spc="-1" strike="noStrike">
+          <a:lstStyle/>
+          <a:p>
+            <a:endParaRPr lang="pt-BR" sz="1400" b="0" strike="noStrike" spc="-1">
               <a:solidFill>
                 <a:srgbClr val="000000"/>
               </a:solidFill>
@@ -512,11 +628,12 @@
           </a:prstGeom>
         </p:spPr>
         <p:txBody>
-          <a:bodyPr lIns="0" rIns="0" tIns="0" bIns="0">
+          <a:bodyPr lIns="0" tIns="0" rIns="0" bIns="0">
             <a:normAutofit/>
           </a:bodyPr>
-          <a:p>
-            <a:endParaRPr b="0" lang="pt-BR" sz="1400" spc="-1" strike="noStrike">
+          <a:lstStyle/>
+          <a:p>
+            <a:endParaRPr lang="pt-BR" sz="1400" b="0" strike="noStrike" spc="-1">
               <a:solidFill>
                 <a:srgbClr val="000000"/>
               </a:solidFill>
@@ -545,11 +662,12 @@
           </a:prstGeom>
         </p:spPr>
         <p:txBody>
-          <a:bodyPr lIns="0" rIns="0" tIns="0" bIns="0">
+          <a:bodyPr lIns="0" tIns="0" rIns="0" bIns="0">
             <a:normAutofit/>
           </a:bodyPr>
-          <a:p>
-            <a:endParaRPr b="0" lang="pt-BR" sz="1400" spc="-1" strike="noStrike">
+          <a:lstStyle/>
+          <a:p>
+            <a:endParaRPr lang="pt-BR" sz="1400" b="0" strike="noStrike" spc="-1">
               <a:solidFill>
                 <a:srgbClr val="000000"/>
               </a:solidFill>
@@ -578,11 +696,12 @@
           </a:prstGeom>
         </p:spPr>
         <p:txBody>
-          <a:bodyPr lIns="0" rIns="0" tIns="0" bIns="0">
+          <a:bodyPr lIns="0" tIns="0" rIns="0" bIns="0">
             <a:normAutofit/>
           </a:bodyPr>
-          <a:p>
-            <a:endParaRPr b="0" lang="pt-BR" sz="1400" spc="-1" strike="noStrike">
+          <a:lstStyle/>
+          <a:p>
+            <a:endParaRPr lang="pt-BR" sz="1400" b="0" strike="noStrike" spc="-1">
               <a:solidFill>
                 <a:srgbClr val="000000"/>
               </a:solidFill>
@@ -593,11 +712,14 @@
       </p:sp>
     </p:spTree>
   </p:cSld>
+  <p:clrMapOvr>
+    <a:masterClrMapping/>
+  </p:clrMapOvr>
 </p:sldLayout>
 </file>
 
 <file path=ppt/slideLayouts/slideLayout13.xml><?xml version="1.0" encoding="utf-8"?>
-<p:sldLayout xmlns:a="http://schemas.openxmlformats.org/drawingml/2006/main" xmlns:p="http://schemas.openxmlformats.org/presentationml/2006/main" xmlns:r="http://schemas.openxmlformats.org/officeDocument/2006/relationships" xmlns:p14="http://schemas.microsoft.com/office/powerpoint/2010/main" xmlns:p15="http://schemas.microsoft.com/office/powerpoint/2012/main" xmlns:mc="http://schemas.openxmlformats.org/markup-compatibility/2006" type="blank" preserve="1">
+<p:sldLayout xmlns:a="http://schemas.openxmlformats.org/drawingml/2006/main" xmlns:r="http://schemas.openxmlformats.org/officeDocument/2006/relationships" xmlns:p="http://schemas.openxmlformats.org/presentationml/2006/main" type="blank" preserve="1">
   <p:cSld name="Blank Slide">
     <p:spTree>
       <p:nvGrpSpPr>
@@ -615,11 +737,14 @@
       </p:grpSpPr>
     </p:spTree>
   </p:cSld>
+  <p:clrMapOvr>
+    <a:masterClrMapping/>
+  </p:clrMapOvr>
 </p:sldLayout>
 </file>
 
 <file path=ppt/slideLayouts/slideLayout14.xml><?xml version="1.0" encoding="utf-8"?>
-<p:sldLayout xmlns:a="http://schemas.openxmlformats.org/drawingml/2006/main" xmlns:p="http://schemas.openxmlformats.org/presentationml/2006/main" xmlns:r="http://schemas.openxmlformats.org/officeDocument/2006/relationships" xmlns:p14="http://schemas.microsoft.com/office/powerpoint/2010/main" xmlns:p15="http://schemas.microsoft.com/office/powerpoint/2012/main" xmlns:mc="http://schemas.openxmlformats.org/markup-compatibility/2006" type="tx" preserve="1">
+<p:sldLayout xmlns:a="http://schemas.openxmlformats.org/drawingml/2006/main" xmlns:r="http://schemas.openxmlformats.org/officeDocument/2006/relationships" xmlns:p="http://schemas.openxmlformats.org/presentationml/2006/main" type="tx" preserve="1">
   <p:cSld name="Title Slide">
     <p:spTree>
       <p:nvGrpSpPr>
@@ -655,9 +780,10 @@
           </a:prstGeom>
         </p:spPr>
         <p:txBody>
-          <a:bodyPr lIns="0" rIns="0" tIns="0" bIns="0" anchor="ctr"/>
-          <a:p>
-            <a:endParaRPr b="0" lang="pt-BR" sz="1400" spc="-1" strike="noStrike">
+          <a:bodyPr lIns="0" tIns="0" rIns="0" bIns="0" anchor="ctr"/>
+          <a:lstStyle/>
+          <a:p>
+            <a:endParaRPr lang="pt-BR" sz="1400" b="0" strike="noStrike" spc="-1">
               <a:solidFill>
                 <a:srgbClr val="000000"/>
               </a:solidFill>
@@ -686,10 +812,11 @@
           </a:prstGeom>
         </p:spPr>
         <p:txBody>
-          <a:bodyPr lIns="0" rIns="0" tIns="0" bIns="0" anchor="ctr"/>
+          <a:bodyPr lIns="0" tIns="0" rIns="0" bIns="0" anchor="ctr"/>
+          <a:lstStyle/>
           <a:p>
             <a:pPr algn="ctr"/>
-            <a:endParaRPr b="0" lang="pt-BR" sz="3200" spc="-1" strike="noStrike">
+            <a:endParaRPr lang="pt-BR" sz="3200" b="0" strike="noStrike" spc="-1">
               <a:latin typeface="Arial"/>
             </a:endParaRPr>
           </a:p>
@@ -697,11 +824,14 @@
       </p:sp>
     </p:spTree>
   </p:cSld>
+  <p:clrMapOvr>
+    <a:masterClrMapping/>
+  </p:clrMapOvr>
 </p:sldLayout>
 </file>
 
 <file path=ppt/slideLayouts/slideLayout15.xml><?xml version="1.0" encoding="utf-8"?>
-<p:sldLayout xmlns:a="http://schemas.openxmlformats.org/drawingml/2006/main" xmlns:p="http://schemas.openxmlformats.org/presentationml/2006/main" xmlns:r="http://schemas.openxmlformats.org/officeDocument/2006/relationships" xmlns:p14="http://schemas.microsoft.com/office/powerpoint/2010/main" xmlns:p15="http://schemas.microsoft.com/office/powerpoint/2012/main" xmlns:mc="http://schemas.openxmlformats.org/markup-compatibility/2006" type="obj" preserve="1">
+<p:sldLayout xmlns:a="http://schemas.openxmlformats.org/drawingml/2006/main" xmlns:r="http://schemas.openxmlformats.org/officeDocument/2006/relationships" xmlns:p="http://schemas.openxmlformats.org/presentationml/2006/main" type="obj" preserve="1">
   <p:cSld name="Title, Content">
     <p:spTree>
       <p:nvGrpSpPr>
@@ -737,9 +867,10 @@
           </a:prstGeom>
         </p:spPr>
         <p:txBody>
-          <a:bodyPr lIns="0" rIns="0" tIns="0" bIns="0" anchor="ctr"/>
-          <a:p>
-            <a:endParaRPr b="0" lang="pt-BR" sz="1400" spc="-1" strike="noStrike">
+          <a:bodyPr lIns="0" tIns="0" rIns="0" bIns="0" anchor="ctr"/>
+          <a:lstStyle/>
+          <a:p>
+            <a:endParaRPr lang="pt-BR" sz="1400" b="0" strike="noStrike" spc="-1">
               <a:solidFill>
                 <a:srgbClr val="000000"/>
               </a:solidFill>
@@ -768,11 +899,12 @@
           </a:prstGeom>
         </p:spPr>
         <p:txBody>
-          <a:bodyPr lIns="0" rIns="0" tIns="0" bIns="0">
+          <a:bodyPr lIns="0" tIns="0" rIns="0" bIns="0">
             <a:normAutofit/>
           </a:bodyPr>
-          <a:p>
-            <a:endParaRPr b="0" lang="pt-BR" sz="1400" spc="-1" strike="noStrike">
+          <a:lstStyle/>
+          <a:p>
+            <a:endParaRPr lang="pt-BR" sz="1400" b="0" strike="noStrike" spc="-1">
               <a:solidFill>
                 <a:srgbClr val="000000"/>
               </a:solidFill>
@@ -783,11 +915,14 @@
       </p:sp>
     </p:spTree>
   </p:cSld>
+  <p:clrMapOvr>
+    <a:masterClrMapping/>
+  </p:clrMapOvr>
 </p:sldLayout>
 </file>
 
 <file path=ppt/slideLayouts/slideLayout16.xml><?xml version="1.0" encoding="utf-8"?>
-<p:sldLayout xmlns:a="http://schemas.openxmlformats.org/drawingml/2006/main" xmlns:p="http://schemas.openxmlformats.org/presentationml/2006/main" xmlns:r="http://schemas.openxmlformats.org/officeDocument/2006/relationships" xmlns:p14="http://schemas.microsoft.com/office/powerpoint/2010/main" xmlns:p15="http://schemas.microsoft.com/office/powerpoint/2012/main" xmlns:mc="http://schemas.openxmlformats.org/markup-compatibility/2006" type="twoObj" preserve="1">
+<p:sldLayout xmlns:a="http://schemas.openxmlformats.org/drawingml/2006/main" xmlns:r="http://schemas.openxmlformats.org/officeDocument/2006/relationships" xmlns:p="http://schemas.openxmlformats.org/presentationml/2006/main" type="twoObj" preserve="1">
   <p:cSld name="Title, 2 Content">
     <p:spTree>
       <p:nvGrpSpPr>
@@ -823,9 +958,10 @@
           </a:prstGeom>
         </p:spPr>
         <p:txBody>
-          <a:bodyPr lIns="0" rIns="0" tIns="0" bIns="0" anchor="ctr"/>
-          <a:p>
-            <a:endParaRPr b="0" lang="pt-BR" sz="1400" spc="-1" strike="noStrike">
+          <a:bodyPr lIns="0" tIns="0" rIns="0" bIns="0" anchor="ctr"/>
+          <a:lstStyle/>
+          <a:p>
+            <a:endParaRPr lang="pt-BR" sz="1400" b="0" strike="noStrike" spc="-1">
               <a:solidFill>
                 <a:srgbClr val="000000"/>
               </a:solidFill>
@@ -854,11 +990,12 @@
           </a:prstGeom>
         </p:spPr>
         <p:txBody>
-          <a:bodyPr lIns="0" rIns="0" tIns="0" bIns="0">
+          <a:bodyPr lIns="0" tIns="0" rIns="0" bIns="0">
             <a:normAutofit/>
           </a:bodyPr>
-          <a:p>
-            <a:endParaRPr b="0" lang="pt-BR" sz="1400" spc="-1" strike="noStrike">
+          <a:lstStyle/>
+          <a:p>
+            <a:endParaRPr lang="pt-BR" sz="1400" b="0" strike="noStrike" spc="-1">
               <a:solidFill>
                 <a:srgbClr val="000000"/>
               </a:solidFill>
@@ -887,11 +1024,12 @@
           </a:prstGeom>
         </p:spPr>
         <p:txBody>
-          <a:bodyPr lIns="0" rIns="0" tIns="0" bIns="0">
+          <a:bodyPr lIns="0" tIns="0" rIns="0" bIns="0">
             <a:normAutofit/>
           </a:bodyPr>
-          <a:p>
-            <a:endParaRPr b="0" lang="pt-BR" sz="1400" spc="-1" strike="noStrike">
+          <a:lstStyle/>
+          <a:p>
+            <a:endParaRPr lang="pt-BR" sz="1400" b="0" strike="noStrike" spc="-1">
               <a:solidFill>
                 <a:srgbClr val="000000"/>
               </a:solidFill>
@@ -902,11 +1040,14 @@
       </p:sp>
     </p:spTree>
   </p:cSld>
+  <p:clrMapOvr>
+    <a:masterClrMapping/>
+  </p:clrMapOvr>
 </p:sldLayout>
 </file>
 
 <file path=ppt/slideLayouts/slideLayout17.xml><?xml version="1.0" encoding="utf-8"?>
-<p:sldLayout xmlns:a="http://schemas.openxmlformats.org/drawingml/2006/main" xmlns:p="http://schemas.openxmlformats.org/presentationml/2006/main" xmlns:r="http://schemas.openxmlformats.org/officeDocument/2006/relationships" xmlns:p14="http://schemas.microsoft.com/office/powerpoint/2010/main" xmlns:p15="http://schemas.microsoft.com/office/powerpoint/2012/main" xmlns:mc="http://schemas.openxmlformats.org/markup-compatibility/2006" type="titleOnly" preserve="1">
+<p:sldLayout xmlns:a="http://schemas.openxmlformats.org/drawingml/2006/main" xmlns:r="http://schemas.openxmlformats.org/officeDocument/2006/relationships" xmlns:p="http://schemas.openxmlformats.org/presentationml/2006/main" type="titleOnly" preserve="1">
   <p:cSld name="Title Only">
     <p:spTree>
       <p:nvGrpSpPr>
@@ -942,9 +1083,10 @@
           </a:prstGeom>
         </p:spPr>
         <p:txBody>
-          <a:bodyPr lIns="0" rIns="0" tIns="0" bIns="0" anchor="ctr"/>
-          <a:p>
-            <a:endParaRPr b="0" lang="pt-BR" sz="1400" spc="-1" strike="noStrike">
+          <a:bodyPr lIns="0" tIns="0" rIns="0" bIns="0" anchor="ctr"/>
+          <a:lstStyle/>
+          <a:p>
+            <a:endParaRPr lang="pt-BR" sz="1400" b="0" strike="noStrike" spc="-1">
               <a:solidFill>
                 <a:srgbClr val="000000"/>
               </a:solidFill>
@@ -955,11 +1097,14 @@
       </p:sp>
     </p:spTree>
   </p:cSld>
+  <p:clrMapOvr>
+    <a:masterClrMapping/>
+  </p:clrMapOvr>
 </p:sldLayout>
 </file>
 
 <file path=ppt/slideLayouts/slideLayout18.xml><?xml version="1.0" encoding="utf-8"?>
-<p:sldLayout xmlns:a="http://schemas.openxmlformats.org/drawingml/2006/main" xmlns:p="http://schemas.openxmlformats.org/presentationml/2006/main" xmlns:r="http://schemas.openxmlformats.org/officeDocument/2006/relationships" xmlns:p14="http://schemas.microsoft.com/office/powerpoint/2010/main" xmlns:p15="http://schemas.microsoft.com/office/powerpoint/2012/main" xmlns:mc="http://schemas.openxmlformats.org/markup-compatibility/2006" type="objOnly" preserve="1">
+<p:sldLayout xmlns:a="http://schemas.openxmlformats.org/drawingml/2006/main" xmlns:r="http://schemas.openxmlformats.org/officeDocument/2006/relationships" xmlns:p="http://schemas.openxmlformats.org/presentationml/2006/main" type="objOnly" preserve="1">
   <p:cSld name="Centered Text">
     <p:spTree>
       <p:nvGrpSpPr>
@@ -995,10 +1140,11 @@
           </a:prstGeom>
         </p:spPr>
         <p:txBody>
-          <a:bodyPr lIns="0" rIns="0" tIns="0" bIns="0" anchor="ctr"/>
+          <a:bodyPr lIns="0" tIns="0" rIns="0" bIns="0" anchor="ctr"/>
+          <a:lstStyle/>
           <a:p>
             <a:pPr algn="ctr"/>
-            <a:endParaRPr b="0" lang="pt-BR" sz="3200" spc="-1" strike="noStrike">
+            <a:endParaRPr lang="pt-BR" sz="3200" b="0" strike="noStrike" spc="-1">
               <a:latin typeface="Arial"/>
             </a:endParaRPr>
           </a:p>
@@ -1006,11 +1152,14 @@
       </p:sp>
     </p:spTree>
   </p:cSld>
+  <p:clrMapOvr>
+    <a:masterClrMapping/>
+  </p:clrMapOvr>
 </p:sldLayout>
 </file>
 
 <file path=ppt/slideLayouts/slideLayout19.xml><?xml version="1.0" encoding="utf-8"?>
-<p:sldLayout xmlns:a="http://schemas.openxmlformats.org/drawingml/2006/main" xmlns:p="http://schemas.openxmlformats.org/presentationml/2006/main" xmlns:r="http://schemas.openxmlformats.org/officeDocument/2006/relationships" xmlns:p14="http://schemas.microsoft.com/office/powerpoint/2010/main" xmlns:p15="http://schemas.microsoft.com/office/powerpoint/2012/main" xmlns:mc="http://schemas.openxmlformats.org/markup-compatibility/2006" type="twoObjAndObj" preserve="1">
+<p:sldLayout xmlns:a="http://schemas.openxmlformats.org/drawingml/2006/main" xmlns:r="http://schemas.openxmlformats.org/officeDocument/2006/relationships" xmlns:p="http://schemas.openxmlformats.org/presentationml/2006/main" type="twoObjAndObj" preserve="1">
   <p:cSld name="Title, 2 Content and Content">
     <p:spTree>
       <p:nvGrpSpPr>
@@ -1046,9 +1195,10 @@
           </a:prstGeom>
         </p:spPr>
         <p:txBody>
-          <a:bodyPr lIns="0" rIns="0" tIns="0" bIns="0" anchor="ctr"/>
-          <a:p>
-            <a:endParaRPr b="0" lang="pt-BR" sz="1400" spc="-1" strike="noStrike">
+          <a:bodyPr lIns="0" tIns="0" rIns="0" bIns="0" anchor="ctr"/>
+          <a:lstStyle/>
+          <a:p>
+            <a:endParaRPr lang="pt-BR" sz="1400" b="0" strike="noStrike" spc="-1">
               <a:solidFill>
                 <a:srgbClr val="000000"/>
               </a:solidFill>
@@ -1077,11 +1227,12 @@
           </a:prstGeom>
         </p:spPr>
         <p:txBody>
-          <a:bodyPr lIns="0" rIns="0" tIns="0" bIns="0">
+          <a:bodyPr lIns="0" tIns="0" rIns="0" bIns="0">
             <a:normAutofit/>
           </a:bodyPr>
-          <a:p>
-            <a:endParaRPr b="0" lang="pt-BR" sz="1400" spc="-1" strike="noStrike">
+          <a:lstStyle/>
+          <a:p>
+            <a:endParaRPr lang="pt-BR" sz="1400" b="0" strike="noStrike" spc="-1">
               <a:solidFill>
                 <a:srgbClr val="000000"/>
               </a:solidFill>
@@ -1110,11 +1261,12 @@
           </a:prstGeom>
         </p:spPr>
         <p:txBody>
-          <a:bodyPr lIns="0" rIns="0" tIns="0" bIns="0">
+          <a:bodyPr lIns="0" tIns="0" rIns="0" bIns="0">
             <a:normAutofit/>
           </a:bodyPr>
-          <a:p>
-            <a:endParaRPr b="0" lang="pt-BR" sz="1400" spc="-1" strike="noStrike">
+          <a:lstStyle/>
+          <a:p>
+            <a:endParaRPr lang="pt-BR" sz="1400" b="0" strike="noStrike" spc="-1">
               <a:solidFill>
                 <a:srgbClr val="000000"/>
               </a:solidFill>
@@ -1143,11 +1295,12 @@
           </a:prstGeom>
         </p:spPr>
         <p:txBody>
-          <a:bodyPr lIns="0" rIns="0" tIns="0" bIns="0">
+          <a:bodyPr lIns="0" tIns="0" rIns="0" bIns="0">
             <a:normAutofit/>
           </a:bodyPr>
-          <a:p>
-            <a:endParaRPr b="0" lang="pt-BR" sz="1400" spc="-1" strike="noStrike">
+          <a:lstStyle/>
+          <a:p>
+            <a:endParaRPr lang="pt-BR" sz="1400" b="0" strike="noStrike" spc="-1">
               <a:solidFill>
                 <a:srgbClr val="000000"/>
               </a:solidFill>
@@ -1158,11 +1311,14 @@
       </p:sp>
     </p:spTree>
   </p:cSld>
+  <p:clrMapOvr>
+    <a:masterClrMapping/>
+  </p:clrMapOvr>
 </p:sldLayout>
 </file>
 
 <file path=ppt/slideLayouts/slideLayout2.xml><?xml version="1.0" encoding="utf-8"?>
-<p:sldLayout xmlns:a="http://schemas.openxmlformats.org/drawingml/2006/main" xmlns:p="http://schemas.openxmlformats.org/presentationml/2006/main" xmlns:r="http://schemas.openxmlformats.org/officeDocument/2006/relationships" xmlns:p14="http://schemas.microsoft.com/office/powerpoint/2010/main" xmlns:p15="http://schemas.microsoft.com/office/powerpoint/2012/main" xmlns:mc="http://schemas.openxmlformats.org/markup-compatibility/2006" type="tx" preserve="1">
+<p:sldLayout xmlns:a="http://schemas.openxmlformats.org/drawingml/2006/main" xmlns:r="http://schemas.openxmlformats.org/officeDocument/2006/relationships" xmlns:p="http://schemas.openxmlformats.org/presentationml/2006/main" type="tx" preserve="1">
   <p:cSld name="Title Slide">
     <p:spTree>
       <p:nvGrpSpPr>
@@ -1198,9 +1354,10 @@
           </a:prstGeom>
         </p:spPr>
         <p:txBody>
-          <a:bodyPr lIns="0" rIns="0" tIns="0" bIns="0" anchor="ctr"/>
-          <a:p>
-            <a:endParaRPr b="0" lang="pt-BR" sz="1400" spc="-1" strike="noStrike">
+          <a:bodyPr lIns="0" tIns="0" rIns="0" bIns="0" anchor="ctr"/>
+          <a:lstStyle/>
+          <a:p>
+            <a:endParaRPr lang="pt-BR" sz="1400" b="0" strike="noStrike" spc="-1">
               <a:solidFill>
                 <a:srgbClr val="000000"/>
               </a:solidFill>
@@ -1229,10 +1386,11 @@
           </a:prstGeom>
         </p:spPr>
         <p:txBody>
-          <a:bodyPr lIns="0" rIns="0" tIns="0" bIns="0" anchor="ctr"/>
+          <a:bodyPr lIns="0" tIns="0" rIns="0" bIns="0" anchor="ctr"/>
+          <a:lstStyle/>
           <a:p>
             <a:pPr algn="ctr"/>
-            <a:endParaRPr b="0" lang="pt-BR" sz="3200" spc="-1" strike="noStrike">
+            <a:endParaRPr lang="pt-BR" sz="3200" b="0" strike="noStrike" spc="-1">
               <a:latin typeface="Arial"/>
             </a:endParaRPr>
           </a:p>
@@ -1240,11 +1398,14 @@
       </p:sp>
     </p:spTree>
   </p:cSld>
+  <p:clrMapOvr>
+    <a:masterClrMapping/>
+  </p:clrMapOvr>
 </p:sldLayout>
 </file>
 
 <file path=ppt/slideLayouts/slideLayout20.xml><?xml version="1.0" encoding="utf-8"?>
-<p:sldLayout xmlns:a="http://schemas.openxmlformats.org/drawingml/2006/main" xmlns:p="http://schemas.openxmlformats.org/presentationml/2006/main" xmlns:r="http://schemas.openxmlformats.org/officeDocument/2006/relationships" xmlns:p14="http://schemas.microsoft.com/office/powerpoint/2010/main" xmlns:p15="http://schemas.microsoft.com/office/powerpoint/2012/main" xmlns:mc="http://schemas.openxmlformats.org/markup-compatibility/2006" type="objAndTwoObj" preserve="1">
+<p:sldLayout xmlns:a="http://schemas.openxmlformats.org/drawingml/2006/main" xmlns:r="http://schemas.openxmlformats.org/officeDocument/2006/relationships" xmlns:p="http://schemas.openxmlformats.org/presentationml/2006/main" type="objAndTwoObj" preserve="1">
   <p:cSld name="Title Content and 2 Content">
     <p:spTree>
       <p:nvGrpSpPr>
@@ -1280,9 +1441,10 @@
           </a:prstGeom>
         </p:spPr>
         <p:txBody>
-          <a:bodyPr lIns="0" rIns="0" tIns="0" bIns="0" anchor="ctr"/>
-          <a:p>
-            <a:endParaRPr b="0" lang="pt-BR" sz="1400" spc="-1" strike="noStrike">
+          <a:bodyPr lIns="0" tIns="0" rIns="0" bIns="0" anchor="ctr"/>
+          <a:lstStyle/>
+          <a:p>
+            <a:endParaRPr lang="pt-BR" sz="1400" b="0" strike="noStrike" spc="-1">
               <a:solidFill>
                 <a:srgbClr val="000000"/>
               </a:solidFill>
@@ -1311,11 +1473,12 @@
           </a:prstGeom>
         </p:spPr>
         <p:txBody>
-          <a:bodyPr lIns="0" rIns="0" tIns="0" bIns="0">
+          <a:bodyPr lIns="0" tIns="0" rIns="0" bIns="0">
             <a:normAutofit/>
           </a:bodyPr>
-          <a:p>
-            <a:endParaRPr b="0" lang="pt-BR" sz="1400" spc="-1" strike="noStrike">
+          <a:lstStyle/>
+          <a:p>
+            <a:endParaRPr lang="pt-BR" sz="1400" b="0" strike="noStrike" spc="-1">
               <a:solidFill>
                 <a:srgbClr val="000000"/>
               </a:solidFill>
@@ -1344,11 +1507,12 @@
           </a:prstGeom>
         </p:spPr>
         <p:txBody>
-          <a:bodyPr lIns="0" rIns="0" tIns="0" bIns="0">
+          <a:bodyPr lIns="0" tIns="0" rIns="0" bIns="0">
             <a:normAutofit/>
           </a:bodyPr>
-          <a:p>
-            <a:endParaRPr b="0" lang="pt-BR" sz="1400" spc="-1" strike="noStrike">
+          <a:lstStyle/>
+          <a:p>
+            <a:endParaRPr lang="pt-BR" sz="1400" b="0" strike="noStrike" spc="-1">
               <a:solidFill>
                 <a:srgbClr val="000000"/>
               </a:solidFill>
@@ -1377,11 +1541,12 @@
           </a:prstGeom>
         </p:spPr>
         <p:txBody>
-          <a:bodyPr lIns="0" rIns="0" tIns="0" bIns="0">
+          <a:bodyPr lIns="0" tIns="0" rIns="0" bIns="0">
             <a:normAutofit/>
           </a:bodyPr>
-          <a:p>
-            <a:endParaRPr b="0" lang="pt-BR" sz="1400" spc="-1" strike="noStrike">
+          <a:lstStyle/>
+          <a:p>
+            <a:endParaRPr lang="pt-BR" sz="1400" b="0" strike="noStrike" spc="-1">
               <a:solidFill>
                 <a:srgbClr val="000000"/>
               </a:solidFill>
@@ -1392,11 +1557,14 @@
       </p:sp>
     </p:spTree>
   </p:cSld>
+  <p:clrMapOvr>
+    <a:masterClrMapping/>
+  </p:clrMapOvr>
 </p:sldLayout>
 </file>
 
 <file path=ppt/slideLayouts/slideLayout21.xml><?xml version="1.0" encoding="utf-8"?>
-<p:sldLayout xmlns:a="http://schemas.openxmlformats.org/drawingml/2006/main" xmlns:p="http://schemas.openxmlformats.org/presentationml/2006/main" xmlns:r="http://schemas.openxmlformats.org/officeDocument/2006/relationships" xmlns:p14="http://schemas.microsoft.com/office/powerpoint/2010/main" xmlns:p15="http://schemas.microsoft.com/office/powerpoint/2012/main" xmlns:mc="http://schemas.openxmlformats.org/markup-compatibility/2006" type="twoObjOverTx" preserve="1">
+<p:sldLayout xmlns:a="http://schemas.openxmlformats.org/drawingml/2006/main" xmlns:r="http://schemas.openxmlformats.org/officeDocument/2006/relationships" xmlns:p="http://schemas.openxmlformats.org/presentationml/2006/main" type="twoObjOverTx" preserve="1">
   <p:cSld name="Title, 2 Content over Content">
     <p:spTree>
       <p:nvGrpSpPr>
@@ -1432,9 +1600,10 @@
           </a:prstGeom>
         </p:spPr>
         <p:txBody>
-          <a:bodyPr lIns="0" rIns="0" tIns="0" bIns="0" anchor="ctr"/>
-          <a:p>
-            <a:endParaRPr b="0" lang="pt-BR" sz="1400" spc="-1" strike="noStrike">
+          <a:bodyPr lIns="0" tIns="0" rIns="0" bIns="0" anchor="ctr"/>
+          <a:lstStyle/>
+          <a:p>
+            <a:endParaRPr lang="pt-BR" sz="1400" b="0" strike="noStrike" spc="-1">
               <a:solidFill>
                 <a:srgbClr val="000000"/>
               </a:solidFill>
@@ -1463,11 +1632,12 @@
           </a:prstGeom>
         </p:spPr>
         <p:txBody>
-          <a:bodyPr lIns="0" rIns="0" tIns="0" bIns="0">
+          <a:bodyPr lIns="0" tIns="0" rIns="0" bIns="0">
             <a:normAutofit/>
           </a:bodyPr>
-          <a:p>
-            <a:endParaRPr b="0" lang="pt-BR" sz="1400" spc="-1" strike="noStrike">
+          <a:lstStyle/>
+          <a:p>
+            <a:endParaRPr lang="pt-BR" sz="1400" b="0" strike="noStrike" spc="-1">
               <a:solidFill>
                 <a:srgbClr val="000000"/>
               </a:solidFill>
@@ -1496,11 +1666,12 @@
           </a:prstGeom>
         </p:spPr>
         <p:txBody>
-          <a:bodyPr lIns="0" rIns="0" tIns="0" bIns="0">
+          <a:bodyPr lIns="0" tIns="0" rIns="0" bIns="0">
             <a:normAutofit/>
           </a:bodyPr>
-          <a:p>
-            <a:endParaRPr b="0" lang="pt-BR" sz="1400" spc="-1" strike="noStrike">
+          <a:lstStyle/>
+          <a:p>
+            <a:endParaRPr lang="pt-BR" sz="1400" b="0" strike="noStrike" spc="-1">
               <a:solidFill>
                 <a:srgbClr val="000000"/>
               </a:solidFill>
@@ -1529,11 +1700,12 @@
           </a:prstGeom>
         </p:spPr>
         <p:txBody>
-          <a:bodyPr lIns="0" rIns="0" tIns="0" bIns="0">
+          <a:bodyPr lIns="0" tIns="0" rIns="0" bIns="0">
             <a:normAutofit/>
           </a:bodyPr>
-          <a:p>
-            <a:endParaRPr b="0" lang="pt-BR" sz="1400" spc="-1" strike="noStrike">
+          <a:lstStyle/>
+          <a:p>
+            <a:endParaRPr lang="pt-BR" sz="1400" b="0" strike="noStrike" spc="-1">
               <a:solidFill>
                 <a:srgbClr val="000000"/>
               </a:solidFill>
@@ -1544,11 +1716,14 @@
       </p:sp>
     </p:spTree>
   </p:cSld>
+  <p:clrMapOvr>
+    <a:masterClrMapping/>
+  </p:clrMapOvr>
 </p:sldLayout>
 </file>
 
 <file path=ppt/slideLayouts/slideLayout22.xml><?xml version="1.0" encoding="utf-8"?>
-<p:sldLayout xmlns:a="http://schemas.openxmlformats.org/drawingml/2006/main" xmlns:p="http://schemas.openxmlformats.org/presentationml/2006/main" xmlns:r="http://schemas.openxmlformats.org/officeDocument/2006/relationships" xmlns:p14="http://schemas.microsoft.com/office/powerpoint/2010/main" xmlns:p15="http://schemas.microsoft.com/office/powerpoint/2012/main" xmlns:mc="http://schemas.openxmlformats.org/markup-compatibility/2006" type="objOverTx" preserve="1">
+<p:sldLayout xmlns:a="http://schemas.openxmlformats.org/drawingml/2006/main" xmlns:r="http://schemas.openxmlformats.org/officeDocument/2006/relationships" xmlns:p="http://schemas.openxmlformats.org/presentationml/2006/main" type="objOverTx" preserve="1">
   <p:cSld name="Title, Content over Content">
     <p:spTree>
       <p:nvGrpSpPr>
@@ -1584,9 +1759,10 @@
           </a:prstGeom>
         </p:spPr>
         <p:txBody>
-          <a:bodyPr lIns="0" rIns="0" tIns="0" bIns="0" anchor="ctr"/>
-          <a:p>
-            <a:endParaRPr b="0" lang="pt-BR" sz="1400" spc="-1" strike="noStrike">
+          <a:bodyPr lIns="0" tIns="0" rIns="0" bIns="0" anchor="ctr"/>
+          <a:lstStyle/>
+          <a:p>
+            <a:endParaRPr lang="pt-BR" sz="1400" b="0" strike="noStrike" spc="-1">
               <a:solidFill>
                 <a:srgbClr val="000000"/>
               </a:solidFill>
@@ -1615,11 +1791,12 @@
           </a:prstGeom>
         </p:spPr>
         <p:txBody>
-          <a:bodyPr lIns="0" rIns="0" tIns="0" bIns="0">
+          <a:bodyPr lIns="0" tIns="0" rIns="0" bIns="0">
             <a:normAutofit/>
           </a:bodyPr>
-          <a:p>
-            <a:endParaRPr b="0" lang="pt-BR" sz="1400" spc="-1" strike="noStrike">
+          <a:lstStyle/>
+          <a:p>
+            <a:endParaRPr lang="pt-BR" sz="1400" b="0" strike="noStrike" spc="-1">
               <a:solidFill>
                 <a:srgbClr val="000000"/>
               </a:solidFill>
@@ -1648,11 +1825,12 @@
           </a:prstGeom>
         </p:spPr>
         <p:txBody>
-          <a:bodyPr lIns="0" rIns="0" tIns="0" bIns="0">
+          <a:bodyPr lIns="0" tIns="0" rIns="0" bIns="0">
             <a:normAutofit/>
           </a:bodyPr>
-          <a:p>
-            <a:endParaRPr b="0" lang="pt-BR" sz="1400" spc="-1" strike="noStrike">
+          <a:lstStyle/>
+          <a:p>
+            <a:endParaRPr lang="pt-BR" sz="1400" b="0" strike="noStrike" spc="-1">
               <a:solidFill>
                 <a:srgbClr val="000000"/>
               </a:solidFill>
@@ -1663,11 +1841,14 @@
       </p:sp>
     </p:spTree>
   </p:cSld>
+  <p:clrMapOvr>
+    <a:masterClrMapping/>
+  </p:clrMapOvr>
 </p:sldLayout>
 </file>
 
 <file path=ppt/slideLayouts/slideLayout23.xml><?xml version="1.0" encoding="utf-8"?>
-<p:sldLayout xmlns:a="http://schemas.openxmlformats.org/drawingml/2006/main" xmlns:p="http://schemas.openxmlformats.org/presentationml/2006/main" xmlns:r="http://schemas.openxmlformats.org/officeDocument/2006/relationships" xmlns:p14="http://schemas.microsoft.com/office/powerpoint/2010/main" xmlns:p15="http://schemas.microsoft.com/office/powerpoint/2012/main" xmlns:mc="http://schemas.openxmlformats.org/markup-compatibility/2006" type="fourObj" preserve="1">
+<p:sldLayout xmlns:a="http://schemas.openxmlformats.org/drawingml/2006/main" xmlns:r="http://schemas.openxmlformats.org/officeDocument/2006/relationships" xmlns:p="http://schemas.openxmlformats.org/presentationml/2006/main" type="fourObj" preserve="1">
   <p:cSld name="Title, 4 Content">
     <p:spTree>
       <p:nvGrpSpPr>
@@ -1703,9 +1884,10 @@
           </a:prstGeom>
         </p:spPr>
         <p:txBody>
-          <a:bodyPr lIns="0" rIns="0" tIns="0" bIns="0" anchor="ctr"/>
-          <a:p>
-            <a:endParaRPr b="0" lang="pt-BR" sz="1400" spc="-1" strike="noStrike">
+          <a:bodyPr lIns="0" tIns="0" rIns="0" bIns="0" anchor="ctr"/>
+          <a:lstStyle/>
+          <a:p>
+            <a:endParaRPr lang="pt-BR" sz="1400" b="0" strike="noStrike" spc="-1">
               <a:solidFill>
                 <a:srgbClr val="000000"/>
               </a:solidFill>
@@ -1734,11 +1916,12 @@
           </a:prstGeom>
         </p:spPr>
         <p:txBody>
-          <a:bodyPr lIns="0" rIns="0" tIns="0" bIns="0">
+          <a:bodyPr lIns="0" tIns="0" rIns="0" bIns="0">
             <a:normAutofit/>
           </a:bodyPr>
-          <a:p>
-            <a:endParaRPr b="0" lang="pt-BR" sz="1400" spc="-1" strike="noStrike">
+          <a:lstStyle/>
+          <a:p>
+            <a:endParaRPr lang="pt-BR" sz="1400" b="0" strike="noStrike" spc="-1">
               <a:solidFill>
                 <a:srgbClr val="000000"/>
               </a:solidFill>
@@ -1767,11 +1950,12 @@
           </a:prstGeom>
         </p:spPr>
         <p:txBody>
-          <a:bodyPr lIns="0" rIns="0" tIns="0" bIns="0">
+          <a:bodyPr lIns="0" tIns="0" rIns="0" bIns="0">
             <a:normAutofit/>
           </a:bodyPr>
-          <a:p>
-            <a:endParaRPr b="0" lang="pt-BR" sz="1400" spc="-1" strike="noStrike">
+          <a:lstStyle/>
+          <a:p>
+            <a:endParaRPr lang="pt-BR" sz="1400" b="0" strike="noStrike" spc="-1">
               <a:solidFill>
                 <a:srgbClr val="000000"/>
               </a:solidFill>
@@ -1800,11 +1984,12 @@
           </a:prstGeom>
         </p:spPr>
         <p:txBody>
-          <a:bodyPr lIns="0" rIns="0" tIns="0" bIns="0">
+          <a:bodyPr lIns="0" tIns="0" rIns="0" bIns="0">
             <a:normAutofit/>
           </a:bodyPr>
-          <a:p>
-            <a:endParaRPr b="0" lang="pt-BR" sz="1400" spc="-1" strike="noStrike">
+          <a:lstStyle/>
+          <a:p>
+            <a:endParaRPr lang="pt-BR" sz="1400" b="0" strike="noStrike" spc="-1">
               <a:solidFill>
                 <a:srgbClr val="000000"/>
               </a:solidFill>
@@ -1833,11 +2018,12 @@
           </a:prstGeom>
         </p:spPr>
         <p:txBody>
-          <a:bodyPr lIns="0" rIns="0" tIns="0" bIns="0">
+          <a:bodyPr lIns="0" tIns="0" rIns="0" bIns="0">
             <a:normAutofit/>
           </a:bodyPr>
-          <a:p>
-            <a:endParaRPr b="0" lang="pt-BR" sz="1400" spc="-1" strike="noStrike">
+          <a:lstStyle/>
+          <a:p>
+            <a:endParaRPr lang="pt-BR" sz="1400" b="0" strike="noStrike" spc="-1">
               <a:solidFill>
                 <a:srgbClr val="000000"/>
               </a:solidFill>
@@ -1848,11 +2034,14 @@
       </p:sp>
     </p:spTree>
   </p:cSld>
+  <p:clrMapOvr>
+    <a:masterClrMapping/>
+  </p:clrMapOvr>
 </p:sldLayout>
 </file>
 
 <file path=ppt/slideLayouts/slideLayout24.xml><?xml version="1.0" encoding="utf-8"?>
-<p:sldLayout xmlns:a="http://schemas.openxmlformats.org/drawingml/2006/main" xmlns:p="http://schemas.openxmlformats.org/presentationml/2006/main" xmlns:r="http://schemas.openxmlformats.org/officeDocument/2006/relationships" xmlns:p14="http://schemas.microsoft.com/office/powerpoint/2010/main" xmlns:p15="http://schemas.microsoft.com/office/powerpoint/2012/main" xmlns:mc="http://schemas.openxmlformats.org/markup-compatibility/2006" type="blank" preserve="1">
+<p:sldLayout xmlns:a="http://schemas.openxmlformats.org/drawingml/2006/main" xmlns:r="http://schemas.openxmlformats.org/officeDocument/2006/relationships" xmlns:p="http://schemas.openxmlformats.org/presentationml/2006/main" type="blank" preserve="1">
   <p:cSld name="Title, 6 Content">
     <p:spTree>
       <p:nvGrpSpPr>
@@ -1888,9 +2077,10 @@
           </a:prstGeom>
         </p:spPr>
         <p:txBody>
-          <a:bodyPr lIns="0" rIns="0" tIns="0" bIns="0" anchor="ctr"/>
-          <a:p>
-            <a:endParaRPr b="0" lang="pt-BR" sz="1400" spc="-1" strike="noStrike">
+          <a:bodyPr lIns="0" tIns="0" rIns="0" bIns="0" anchor="ctr"/>
+          <a:lstStyle/>
+          <a:p>
+            <a:endParaRPr lang="pt-BR" sz="1400" b="0" strike="noStrike" spc="-1">
               <a:solidFill>
                 <a:srgbClr val="000000"/>
               </a:solidFill>
@@ -1919,11 +2109,12 @@
           </a:prstGeom>
         </p:spPr>
         <p:txBody>
-          <a:bodyPr lIns="0" rIns="0" tIns="0" bIns="0">
+          <a:bodyPr lIns="0" tIns="0" rIns="0" bIns="0">
             <a:normAutofit/>
           </a:bodyPr>
-          <a:p>
-            <a:endParaRPr b="0" lang="pt-BR" sz="1400" spc="-1" strike="noStrike">
+          <a:lstStyle/>
+          <a:p>
+            <a:endParaRPr lang="pt-BR" sz="1400" b="0" strike="noStrike" spc="-1">
               <a:solidFill>
                 <a:srgbClr val="000000"/>
               </a:solidFill>
@@ -1952,11 +2143,12 @@
           </a:prstGeom>
         </p:spPr>
         <p:txBody>
-          <a:bodyPr lIns="0" rIns="0" tIns="0" bIns="0">
+          <a:bodyPr lIns="0" tIns="0" rIns="0" bIns="0">
             <a:normAutofit/>
           </a:bodyPr>
-          <a:p>
-            <a:endParaRPr b="0" lang="pt-BR" sz="1400" spc="-1" strike="noStrike">
+          <a:lstStyle/>
+          <a:p>
+            <a:endParaRPr lang="pt-BR" sz="1400" b="0" strike="noStrike" spc="-1">
               <a:solidFill>
                 <a:srgbClr val="000000"/>
               </a:solidFill>
@@ -1985,11 +2177,12 @@
           </a:prstGeom>
         </p:spPr>
         <p:txBody>
-          <a:bodyPr lIns="0" rIns="0" tIns="0" bIns="0">
+          <a:bodyPr lIns="0" tIns="0" rIns="0" bIns="0">
             <a:normAutofit/>
           </a:bodyPr>
-          <a:p>
-            <a:endParaRPr b="0" lang="pt-BR" sz="1400" spc="-1" strike="noStrike">
+          <a:lstStyle/>
+          <a:p>
+            <a:endParaRPr lang="pt-BR" sz="1400" b="0" strike="noStrike" spc="-1">
               <a:solidFill>
                 <a:srgbClr val="000000"/>
               </a:solidFill>
@@ -2018,11 +2211,12 @@
           </a:prstGeom>
         </p:spPr>
         <p:txBody>
-          <a:bodyPr lIns="0" rIns="0" tIns="0" bIns="0">
+          <a:bodyPr lIns="0" tIns="0" rIns="0" bIns="0">
             <a:normAutofit/>
           </a:bodyPr>
-          <a:p>
-            <a:endParaRPr b="0" lang="pt-BR" sz="1400" spc="-1" strike="noStrike">
+          <a:lstStyle/>
+          <a:p>
+            <a:endParaRPr lang="pt-BR" sz="1400" b="0" strike="noStrike" spc="-1">
               <a:solidFill>
                 <a:srgbClr val="000000"/>
               </a:solidFill>
@@ -2051,11 +2245,12 @@
           </a:prstGeom>
         </p:spPr>
         <p:txBody>
-          <a:bodyPr lIns="0" rIns="0" tIns="0" bIns="0">
+          <a:bodyPr lIns="0" tIns="0" rIns="0" bIns="0">
             <a:normAutofit/>
           </a:bodyPr>
-          <a:p>
-            <a:endParaRPr b="0" lang="pt-BR" sz="1400" spc="-1" strike="noStrike">
+          <a:lstStyle/>
+          <a:p>
+            <a:endParaRPr lang="pt-BR" sz="1400" b="0" strike="noStrike" spc="-1">
               <a:solidFill>
                 <a:srgbClr val="000000"/>
               </a:solidFill>
@@ -2084,11 +2279,12 @@
           </a:prstGeom>
         </p:spPr>
         <p:txBody>
-          <a:bodyPr lIns="0" rIns="0" tIns="0" bIns="0">
+          <a:bodyPr lIns="0" tIns="0" rIns="0" bIns="0">
             <a:normAutofit/>
           </a:bodyPr>
-          <a:p>
-            <a:endParaRPr b="0" lang="pt-BR" sz="1400" spc="-1" strike="noStrike">
+          <a:lstStyle/>
+          <a:p>
+            <a:endParaRPr lang="pt-BR" sz="1400" b="0" strike="noStrike" spc="-1">
               <a:solidFill>
                 <a:srgbClr val="000000"/>
               </a:solidFill>
@@ -2099,11 +2295,14 @@
       </p:sp>
     </p:spTree>
   </p:cSld>
+  <p:clrMapOvr>
+    <a:masterClrMapping/>
+  </p:clrMapOvr>
 </p:sldLayout>
 </file>
 
 <file path=ppt/slideLayouts/slideLayout3.xml><?xml version="1.0" encoding="utf-8"?>
-<p:sldLayout xmlns:a="http://schemas.openxmlformats.org/drawingml/2006/main" xmlns:p="http://schemas.openxmlformats.org/presentationml/2006/main" xmlns:r="http://schemas.openxmlformats.org/officeDocument/2006/relationships" xmlns:p14="http://schemas.microsoft.com/office/powerpoint/2010/main" xmlns:p15="http://schemas.microsoft.com/office/powerpoint/2012/main" xmlns:mc="http://schemas.openxmlformats.org/markup-compatibility/2006" type="obj" preserve="1">
+<p:sldLayout xmlns:a="http://schemas.openxmlformats.org/drawingml/2006/main" xmlns:r="http://schemas.openxmlformats.org/officeDocument/2006/relationships" xmlns:p="http://schemas.openxmlformats.org/presentationml/2006/main" type="obj" preserve="1">
   <p:cSld name="Title, Content">
     <p:spTree>
       <p:nvGrpSpPr>
@@ -2139,9 +2338,10 @@
           </a:prstGeom>
         </p:spPr>
         <p:txBody>
-          <a:bodyPr lIns="0" rIns="0" tIns="0" bIns="0" anchor="ctr"/>
-          <a:p>
-            <a:endParaRPr b="0" lang="pt-BR" sz="1400" spc="-1" strike="noStrike">
+          <a:bodyPr lIns="0" tIns="0" rIns="0" bIns="0" anchor="ctr"/>
+          <a:lstStyle/>
+          <a:p>
+            <a:endParaRPr lang="pt-BR" sz="1400" b="0" strike="noStrike" spc="-1">
               <a:solidFill>
                 <a:srgbClr val="000000"/>
               </a:solidFill>
@@ -2170,11 +2370,12 @@
           </a:prstGeom>
         </p:spPr>
         <p:txBody>
-          <a:bodyPr lIns="0" rIns="0" tIns="0" bIns="0">
+          <a:bodyPr lIns="0" tIns="0" rIns="0" bIns="0">
             <a:normAutofit/>
           </a:bodyPr>
-          <a:p>
-            <a:endParaRPr b="0" lang="pt-BR" sz="1400" spc="-1" strike="noStrike">
+          <a:lstStyle/>
+          <a:p>
+            <a:endParaRPr lang="pt-BR" sz="1400" b="0" strike="noStrike" spc="-1">
               <a:solidFill>
                 <a:srgbClr val="000000"/>
               </a:solidFill>
@@ -2185,11 +2386,14 @@
       </p:sp>
     </p:spTree>
   </p:cSld>
+  <p:clrMapOvr>
+    <a:masterClrMapping/>
+  </p:clrMapOvr>
 </p:sldLayout>
 </file>
 
 <file path=ppt/slideLayouts/slideLayout4.xml><?xml version="1.0" encoding="utf-8"?>
-<p:sldLayout xmlns:a="http://schemas.openxmlformats.org/drawingml/2006/main" xmlns:p="http://schemas.openxmlformats.org/presentationml/2006/main" xmlns:r="http://schemas.openxmlformats.org/officeDocument/2006/relationships" xmlns:p14="http://schemas.microsoft.com/office/powerpoint/2010/main" xmlns:p15="http://schemas.microsoft.com/office/powerpoint/2012/main" xmlns:mc="http://schemas.openxmlformats.org/markup-compatibility/2006" type="twoObj" preserve="1">
+<p:sldLayout xmlns:a="http://schemas.openxmlformats.org/drawingml/2006/main" xmlns:r="http://schemas.openxmlformats.org/officeDocument/2006/relationships" xmlns:p="http://schemas.openxmlformats.org/presentationml/2006/main" type="twoObj" preserve="1">
   <p:cSld name="Title, 2 Content">
     <p:spTree>
       <p:nvGrpSpPr>
@@ -2225,9 +2429,10 @@
           </a:prstGeom>
         </p:spPr>
         <p:txBody>
-          <a:bodyPr lIns="0" rIns="0" tIns="0" bIns="0" anchor="ctr"/>
-          <a:p>
-            <a:endParaRPr b="0" lang="pt-BR" sz="1400" spc="-1" strike="noStrike">
+          <a:bodyPr lIns="0" tIns="0" rIns="0" bIns="0" anchor="ctr"/>
+          <a:lstStyle/>
+          <a:p>
+            <a:endParaRPr lang="pt-BR" sz="1400" b="0" strike="noStrike" spc="-1">
               <a:solidFill>
                 <a:srgbClr val="000000"/>
               </a:solidFill>
@@ -2256,11 +2461,12 @@
           </a:prstGeom>
         </p:spPr>
         <p:txBody>
-          <a:bodyPr lIns="0" rIns="0" tIns="0" bIns="0">
+          <a:bodyPr lIns="0" tIns="0" rIns="0" bIns="0">
             <a:normAutofit/>
           </a:bodyPr>
-          <a:p>
-            <a:endParaRPr b="0" lang="pt-BR" sz="1400" spc="-1" strike="noStrike">
+          <a:lstStyle/>
+          <a:p>
+            <a:endParaRPr lang="pt-BR" sz="1400" b="0" strike="noStrike" spc="-1">
               <a:solidFill>
                 <a:srgbClr val="000000"/>
               </a:solidFill>
@@ -2289,11 +2495,12 @@
           </a:prstGeom>
         </p:spPr>
         <p:txBody>
-          <a:bodyPr lIns="0" rIns="0" tIns="0" bIns="0">
+          <a:bodyPr lIns="0" tIns="0" rIns="0" bIns="0">
             <a:normAutofit/>
           </a:bodyPr>
-          <a:p>
-            <a:endParaRPr b="0" lang="pt-BR" sz="1400" spc="-1" strike="noStrike">
+          <a:lstStyle/>
+          <a:p>
+            <a:endParaRPr lang="pt-BR" sz="1400" b="0" strike="noStrike" spc="-1">
               <a:solidFill>
                 <a:srgbClr val="000000"/>
               </a:solidFill>
@@ -2304,11 +2511,14 @@
       </p:sp>
     </p:spTree>
   </p:cSld>
+  <p:clrMapOvr>
+    <a:masterClrMapping/>
+  </p:clrMapOvr>
 </p:sldLayout>
 </file>
 
 <file path=ppt/slideLayouts/slideLayout5.xml><?xml version="1.0" encoding="utf-8"?>
-<p:sldLayout xmlns:a="http://schemas.openxmlformats.org/drawingml/2006/main" xmlns:p="http://schemas.openxmlformats.org/presentationml/2006/main" xmlns:r="http://schemas.openxmlformats.org/officeDocument/2006/relationships" xmlns:p14="http://schemas.microsoft.com/office/powerpoint/2010/main" xmlns:p15="http://schemas.microsoft.com/office/powerpoint/2012/main" xmlns:mc="http://schemas.openxmlformats.org/markup-compatibility/2006" type="titleOnly" preserve="1">
+<p:sldLayout xmlns:a="http://schemas.openxmlformats.org/drawingml/2006/main" xmlns:r="http://schemas.openxmlformats.org/officeDocument/2006/relationships" xmlns:p="http://schemas.openxmlformats.org/presentationml/2006/main" type="titleOnly" preserve="1">
   <p:cSld name="Title Only">
     <p:spTree>
       <p:nvGrpSpPr>
@@ -2344,9 +2554,10 @@
           </a:prstGeom>
         </p:spPr>
         <p:txBody>
-          <a:bodyPr lIns="0" rIns="0" tIns="0" bIns="0" anchor="ctr"/>
-          <a:p>
-            <a:endParaRPr b="0" lang="pt-BR" sz="1400" spc="-1" strike="noStrike">
+          <a:bodyPr lIns="0" tIns="0" rIns="0" bIns="0" anchor="ctr"/>
+          <a:lstStyle/>
+          <a:p>
+            <a:endParaRPr lang="pt-BR" sz="1400" b="0" strike="noStrike" spc="-1">
               <a:solidFill>
                 <a:srgbClr val="000000"/>
               </a:solidFill>
@@ -2357,11 +2568,14 @@
       </p:sp>
     </p:spTree>
   </p:cSld>
+  <p:clrMapOvr>
+    <a:masterClrMapping/>
+  </p:clrMapOvr>
 </p:sldLayout>
 </file>
 
 <file path=ppt/slideLayouts/slideLayout6.xml><?xml version="1.0" encoding="utf-8"?>
-<p:sldLayout xmlns:a="http://schemas.openxmlformats.org/drawingml/2006/main" xmlns:p="http://schemas.openxmlformats.org/presentationml/2006/main" xmlns:r="http://schemas.openxmlformats.org/officeDocument/2006/relationships" xmlns:p14="http://schemas.microsoft.com/office/powerpoint/2010/main" xmlns:p15="http://schemas.microsoft.com/office/powerpoint/2012/main" xmlns:mc="http://schemas.openxmlformats.org/markup-compatibility/2006" type="objOnly" preserve="1">
+<p:sldLayout xmlns:a="http://schemas.openxmlformats.org/drawingml/2006/main" xmlns:r="http://schemas.openxmlformats.org/officeDocument/2006/relationships" xmlns:p="http://schemas.openxmlformats.org/presentationml/2006/main" type="objOnly" preserve="1">
   <p:cSld name="Centered Text">
     <p:spTree>
       <p:nvGrpSpPr>
@@ -2397,10 +2611,11 @@
           </a:prstGeom>
         </p:spPr>
         <p:txBody>
-          <a:bodyPr lIns="0" rIns="0" tIns="0" bIns="0" anchor="ctr"/>
+          <a:bodyPr lIns="0" tIns="0" rIns="0" bIns="0" anchor="ctr"/>
+          <a:lstStyle/>
           <a:p>
             <a:pPr algn="ctr"/>
-            <a:endParaRPr b="0" lang="pt-BR" sz="3200" spc="-1" strike="noStrike">
+            <a:endParaRPr lang="pt-BR" sz="3200" b="0" strike="noStrike" spc="-1">
               <a:latin typeface="Arial"/>
             </a:endParaRPr>
           </a:p>
@@ -2408,11 +2623,14 @@
       </p:sp>
     </p:spTree>
   </p:cSld>
+  <p:clrMapOvr>
+    <a:masterClrMapping/>
+  </p:clrMapOvr>
 </p:sldLayout>
 </file>
 
 <file path=ppt/slideLayouts/slideLayout7.xml><?xml version="1.0" encoding="utf-8"?>
-<p:sldLayout xmlns:a="http://schemas.openxmlformats.org/drawingml/2006/main" xmlns:p="http://schemas.openxmlformats.org/presentationml/2006/main" xmlns:r="http://schemas.openxmlformats.org/officeDocument/2006/relationships" xmlns:p14="http://schemas.microsoft.com/office/powerpoint/2010/main" xmlns:p15="http://schemas.microsoft.com/office/powerpoint/2012/main" xmlns:mc="http://schemas.openxmlformats.org/markup-compatibility/2006" type="twoObjAndObj" preserve="1">
+<p:sldLayout xmlns:a="http://schemas.openxmlformats.org/drawingml/2006/main" xmlns:r="http://schemas.openxmlformats.org/officeDocument/2006/relationships" xmlns:p="http://schemas.openxmlformats.org/presentationml/2006/main" type="twoObjAndObj" preserve="1">
   <p:cSld name="Title, 2 Content and Content">
     <p:spTree>
       <p:nvGrpSpPr>
@@ -2448,9 +2666,10 @@
           </a:prstGeom>
         </p:spPr>
         <p:txBody>
-          <a:bodyPr lIns="0" rIns="0" tIns="0" bIns="0" anchor="ctr"/>
-          <a:p>
-            <a:endParaRPr b="0" lang="pt-BR" sz="1400" spc="-1" strike="noStrike">
+          <a:bodyPr lIns="0" tIns="0" rIns="0" bIns="0" anchor="ctr"/>
+          <a:lstStyle/>
+          <a:p>
+            <a:endParaRPr lang="pt-BR" sz="1400" b="0" strike="noStrike" spc="-1">
               <a:solidFill>
                 <a:srgbClr val="000000"/>
               </a:solidFill>
@@ -2479,11 +2698,12 @@
           </a:prstGeom>
         </p:spPr>
         <p:txBody>
-          <a:bodyPr lIns="0" rIns="0" tIns="0" bIns="0">
+          <a:bodyPr lIns="0" tIns="0" rIns="0" bIns="0">
             <a:normAutofit/>
           </a:bodyPr>
-          <a:p>
-            <a:endParaRPr b="0" lang="pt-BR" sz="1400" spc="-1" strike="noStrike">
+          <a:lstStyle/>
+          <a:p>
+            <a:endParaRPr lang="pt-BR" sz="1400" b="0" strike="noStrike" spc="-1">
               <a:solidFill>
                 <a:srgbClr val="000000"/>
               </a:solidFill>
@@ -2512,11 +2732,12 @@
           </a:prstGeom>
         </p:spPr>
         <p:txBody>
-          <a:bodyPr lIns="0" rIns="0" tIns="0" bIns="0">
+          <a:bodyPr lIns="0" tIns="0" rIns="0" bIns="0">
             <a:normAutofit/>
           </a:bodyPr>
-          <a:p>
-            <a:endParaRPr b="0" lang="pt-BR" sz="1400" spc="-1" strike="noStrike">
+          <a:lstStyle/>
+          <a:p>
+            <a:endParaRPr lang="pt-BR" sz="1400" b="0" strike="noStrike" spc="-1">
               <a:solidFill>
                 <a:srgbClr val="000000"/>
               </a:solidFill>
@@ -2545,11 +2766,12 @@
           </a:prstGeom>
         </p:spPr>
         <p:txBody>
-          <a:bodyPr lIns="0" rIns="0" tIns="0" bIns="0">
+          <a:bodyPr lIns="0" tIns="0" rIns="0" bIns="0">
             <a:normAutofit/>
           </a:bodyPr>
-          <a:p>
-            <a:endParaRPr b="0" lang="pt-BR" sz="1400" spc="-1" strike="noStrike">
+          <a:lstStyle/>
+          <a:p>
+            <a:endParaRPr lang="pt-BR" sz="1400" b="0" strike="noStrike" spc="-1">
               <a:solidFill>
                 <a:srgbClr val="000000"/>
               </a:solidFill>
@@ -2560,11 +2782,14 @@
       </p:sp>
     </p:spTree>
   </p:cSld>
+  <p:clrMapOvr>
+    <a:masterClrMapping/>
+  </p:clrMapOvr>
 </p:sldLayout>
 </file>
 
 <file path=ppt/slideLayouts/slideLayout8.xml><?xml version="1.0" encoding="utf-8"?>
-<p:sldLayout xmlns:a="http://schemas.openxmlformats.org/drawingml/2006/main" xmlns:p="http://schemas.openxmlformats.org/presentationml/2006/main" xmlns:r="http://schemas.openxmlformats.org/officeDocument/2006/relationships" xmlns:p14="http://schemas.microsoft.com/office/powerpoint/2010/main" xmlns:p15="http://schemas.microsoft.com/office/powerpoint/2012/main" xmlns:mc="http://schemas.openxmlformats.org/markup-compatibility/2006" type="objAndTwoObj" preserve="1">
+<p:sldLayout xmlns:a="http://schemas.openxmlformats.org/drawingml/2006/main" xmlns:r="http://schemas.openxmlformats.org/officeDocument/2006/relationships" xmlns:p="http://schemas.openxmlformats.org/presentationml/2006/main" type="objAndTwoObj" preserve="1">
   <p:cSld name="Title Content and 2 Content">
     <p:spTree>
       <p:nvGrpSpPr>
@@ -2600,9 +2825,10 @@
           </a:prstGeom>
         </p:spPr>
         <p:txBody>
-          <a:bodyPr lIns="0" rIns="0" tIns="0" bIns="0" anchor="ctr"/>
-          <a:p>
-            <a:endParaRPr b="0" lang="pt-BR" sz="1400" spc="-1" strike="noStrike">
+          <a:bodyPr lIns="0" tIns="0" rIns="0" bIns="0" anchor="ctr"/>
+          <a:lstStyle/>
+          <a:p>
+            <a:endParaRPr lang="pt-BR" sz="1400" b="0" strike="noStrike" spc="-1">
               <a:solidFill>
                 <a:srgbClr val="000000"/>
               </a:solidFill>
@@ -2631,11 +2857,12 @@
           </a:prstGeom>
         </p:spPr>
         <p:txBody>
-          <a:bodyPr lIns="0" rIns="0" tIns="0" bIns="0">
+          <a:bodyPr lIns="0" tIns="0" rIns="0" bIns="0">
             <a:normAutofit/>
           </a:bodyPr>
-          <a:p>
-            <a:endParaRPr b="0" lang="pt-BR" sz="1400" spc="-1" strike="noStrike">
+          <a:lstStyle/>
+          <a:p>
+            <a:endParaRPr lang="pt-BR" sz="1400" b="0" strike="noStrike" spc="-1">
               <a:solidFill>
                 <a:srgbClr val="000000"/>
               </a:solidFill>
@@ -2664,11 +2891,12 @@
           </a:prstGeom>
         </p:spPr>
         <p:txBody>
-          <a:bodyPr lIns="0" rIns="0" tIns="0" bIns="0">
+          <a:bodyPr lIns="0" tIns="0" rIns="0" bIns="0">
             <a:normAutofit/>
           </a:bodyPr>
-          <a:p>
-            <a:endParaRPr b="0" lang="pt-BR" sz="1400" spc="-1" strike="noStrike">
+          <a:lstStyle/>
+          <a:p>
+            <a:endParaRPr lang="pt-BR" sz="1400" b="0" strike="noStrike" spc="-1">
               <a:solidFill>
                 <a:srgbClr val="000000"/>
               </a:solidFill>
@@ -2697,11 +2925,12 @@
           </a:prstGeom>
         </p:spPr>
         <p:txBody>
-          <a:bodyPr lIns="0" rIns="0" tIns="0" bIns="0">
+          <a:bodyPr lIns="0" tIns="0" rIns="0" bIns="0">
             <a:normAutofit/>
           </a:bodyPr>
-          <a:p>
-            <a:endParaRPr b="0" lang="pt-BR" sz="1400" spc="-1" strike="noStrike">
+          <a:lstStyle/>
+          <a:p>
+            <a:endParaRPr lang="pt-BR" sz="1400" b="0" strike="noStrike" spc="-1">
               <a:solidFill>
                 <a:srgbClr val="000000"/>
               </a:solidFill>
@@ -2712,11 +2941,14 @@
       </p:sp>
     </p:spTree>
   </p:cSld>
+  <p:clrMapOvr>
+    <a:masterClrMapping/>
+  </p:clrMapOvr>
 </p:sldLayout>
 </file>
 
 <file path=ppt/slideLayouts/slideLayout9.xml><?xml version="1.0" encoding="utf-8"?>
-<p:sldLayout xmlns:a="http://schemas.openxmlformats.org/drawingml/2006/main" xmlns:p="http://schemas.openxmlformats.org/presentationml/2006/main" xmlns:r="http://schemas.openxmlformats.org/officeDocument/2006/relationships" xmlns:p14="http://schemas.microsoft.com/office/powerpoint/2010/main" xmlns:p15="http://schemas.microsoft.com/office/powerpoint/2012/main" xmlns:mc="http://schemas.openxmlformats.org/markup-compatibility/2006" type="twoObjOverTx" preserve="1">
+<p:sldLayout xmlns:a="http://schemas.openxmlformats.org/drawingml/2006/main" xmlns:r="http://schemas.openxmlformats.org/officeDocument/2006/relationships" xmlns:p="http://schemas.openxmlformats.org/presentationml/2006/main" type="twoObjOverTx" preserve="1">
   <p:cSld name="Title, 2 Content over Content">
     <p:spTree>
       <p:nvGrpSpPr>
@@ -2752,9 +2984,10 @@
           </a:prstGeom>
         </p:spPr>
         <p:txBody>
-          <a:bodyPr lIns="0" rIns="0" tIns="0" bIns="0" anchor="ctr"/>
-          <a:p>
-            <a:endParaRPr b="0" lang="pt-BR" sz="1400" spc="-1" strike="noStrike">
+          <a:bodyPr lIns="0" tIns="0" rIns="0" bIns="0" anchor="ctr"/>
+          <a:lstStyle/>
+          <a:p>
+            <a:endParaRPr lang="pt-BR" sz="1400" b="0" strike="noStrike" spc="-1">
               <a:solidFill>
                 <a:srgbClr val="000000"/>
               </a:solidFill>
@@ -2783,11 +3016,12 @@
           </a:prstGeom>
         </p:spPr>
         <p:txBody>
-          <a:bodyPr lIns="0" rIns="0" tIns="0" bIns="0">
+          <a:bodyPr lIns="0" tIns="0" rIns="0" bIns="0">
             <a:normAutofit/>
           </a:bodyPr>
-          <a:p>
-            <a:endParaRPr b="0" lang="pt-BR" sz="1400" spc="-1" strike="noStrike">
+          <a:lstStyle/>
+          <a:p>
+            <a:endParaRPr lang="pt-BR" sz="1400" b="0" strike="noStrike" spc="-1">
               <a:solidFill>
                 <a:srgbClr val="000000"/>
               </a:solidFill>
@@ -2816,11 +3050,12 @@
           </a:prstGeom>
         </p:spPr>
         <p:txBody>
-          <a:bodyPr lIns="0" rIns="0" tIns="0" bIns="0">
+          <a:bodyPr lIns="0" tIns="0" rIns="0" bIns="0">
             <a:normAutofit/>
           </a:bodyPr>
-          <a:p>
-            <a:endParaRPr b="0" lang="pt-BR" sz="1400" spc="-1" strike="noStrike">
+          <a:lstStyle/>
+          <a:p>
+            <a:endParaRPr lang="pt-BR" sz="1400" b="0" strike="noStrike" spc="-1">
               <a:solidFill>
                 <a:srgbClr val="000000"/>
               </a:solidFill>
@@ -2849,11 +3084,12 @@
           </a:prstGeom>
         </p:spPr>
         <p:txBody>
-          <a:bodyPr lIns="0" rIns="0" tIns="0" bIns="0">
+          <a:bodyPr lIns="0" tIns="0" rIns="0" bIns="0">
             <a:normAutofit/>
           </a:bodyPr>
-          <a:p>
-            <a:endParaRPr b="0" lang="pt-BR" sz="1400" spc="-1" strike="noStrike">
+          <a:lstStyle/>
+          <a:p>
+            <a:endParaRPr lang="pt-BR" sz="1400" b="0" strike="noStrike" spc="-1">
               <a:solidFill>
                 <a:srgbClr val="000000"/>
               </a:solidFill>
@@ -2864,17 +3100,21 @@
       </p:sp>
     </p:spTree>
   </p:cSld>
+  <p:clrMapOvr>
+    <a:masterClrMapping/>
+  </p:clrMapOvr>
 </p:sldLayout>
 </file>
 
 <file path=ppt/slideMasters/slideMaster1.xml><?xml version="1.0" encoding="utf-8"?>
-<p:sldMaster xmlns:a="http://schemas.openxmlformats.org/drawingml/2006/main" xmlns:p="http://schemas.openxmlformats.org/presentationml/2006/main" xmlns:r="http://schemas.openxmlformats.org/officeDocument/2006/relationships" xmlns:p14="http://schemas.microsoft.com/office/powerpoint/2010/main" xmlns:p15="http://schemas.microsoft.com/office/powerpoint/2012/main" xmlns:mc="http://schemas.openxmlformats.org/markup-compatibility/2006">
+<p:sldMaster xmlns:a="http://schemas.openxmlformats.org/drawingml/2006/main" xmlns:r="http://schemas.openxmlformats.org/officeDocument/2006/relationships" xmlns:p="http://schemas.openxmlformats.org/presentationml/2006/main">
   <p:cSld>
     <p:bg>
       <p:bgPr>
         <a:solidFill>
-          <a:srgbClr val="ffffff"/>
+          <a:srgbClr val="FFFFFF"/>
         </a:solidFill>
+        <a:effectLst/>
       </p:bgPr>
     </p:bg>
     <p:spTree>
@@ -2893,7 +3133,7 @@
       </p:grpSpPr>
       <p:sp>
         <p:nvSpPr>
-          <p:cNvPr id="0" name="PlaceHolder 1"/>
+          <p:cNvPr id="5" name="PlaceHolder 1"/>
           <p:cNvSpPr>
             <a:spLocks noGrp="1"/>
           </p:cNvSpPr>
@@ -2912,9 +3152,10 @@
         </p:spPr>
         <p:txBody>
           <a:bodyPr anchor="b"/>
+          <a:lstStyle/>
           <a:p>
             <a:r>
-              <a:rPr b="0" lang="pt-BR" sz="6000" spc="-1" strike="noStrike">
+              <a:rPr lang="pt-BR" sz="6000" b="0" strike="noStrike" spc="-1">
                 <a:solidFill>
                   <a:srgbClr val="000000"/>
                 </a:solidFill>
@@ -2922,18 +3163,12 @@
               </a:rPr>
               <a:t>Clique para editar o formato do texto do título</a:t>
             </a:r>
-            <a:endParaRPr b="0" lang="pt-BR" sz="6000" spc="-1" strike="noStrike">
-              <a:solidFill>
-                <a:srgbClr val="000000"/>
-              </a:solidFill>
-              <a:latin typeface="Arial"/>
-            </a:endParaRPr>
-          </a:p>
-        </p:txBody>
-      </p:sp>
-      <p:sp>
-        <p:nvSpPr>
-          <p:cNvPr id="1" name="PlaceHolder 2"/>
+          </a:p>
+        </p:txBody>
+      </p:sp>
+      <p:sp>
+        <p:nvSpPr>
+          <p:cNvPr id="6" name="PlaceHolder 2"/>
           <p:cNvSpPr>
             <a:spLocks noGrp="1"/>
           </p:cNvSpPr>
@@ -2952,8 +3187,9 @@
         </p:spPr>
         <p:txBody>
           <a:bodyPr anchor="ctr"/>
-          <a:p>
-            <a:endParaRPr b="0" lang="pt-BR" sz="2400" spc="-1" strike="noStrike">
+          <a:lstStyle/>
+          <a:p>
+            <a:endParaRPr lang="pt-BR" sz="2400" b="0" strike="noStrike" spc="-1">
               <a:latin typeface="Times New Roman"/>
             </a:endParaRPr>
           </a:p>
@@ -2980,8 +3216,9 @@
         </p:spPr>
         <p:txBody>
           <a:bodyPr anchor="ctr"/>
-          <a:p>
-            <a:endParaRPr b="0" lang="pt-BR" sz="2400" spc="-1" strike="noStrike">
+          <a:lstStyle/>
+          <a:p>
+            <a:endParaRPr lang="pt-BR" sz="2400" b="0" strike="noStrike" spc="-1">
               <a:latin typeface="Times New Roman"/>
             </a:endParaRPr>
           </a:p>
@@ -3008,6 +3245,7 @@
         </p:spPr>
         <p:txBody>
           <a:bodyPr anchor="ctr"/>
+          <a:lstStyle/>
           <a:p>
             <a:pPr algn="r">
               <a:lnSpc>
@@ -3015,16 +3253,16 @@
               </a:lnSpc>
             </a:pPr>
             <a:fld id="{2DBB7463-23D3-4F56-9055-751B32085695}" type="slidenum">
-              <a:rPr b="0" lang="pt-BR" sz="1200" spc="-1" strike="noStrike">
+              <a:rPr lang="pt-BR" sz="1200" b="0" strike="noStrike" spc="-1">
                 <a:solidFill>
                   <a:srgbClr val="929599"/>
                 </a:solidFill>
                 <a:latin typeface="Trebuchet MS"/>
                 <a:ea typeface="Trebuchet MS"/>
               </a:rPr>
-              <a:t>&lt;número&gt;</a:t>
+              <a:t>‹nº›</a:t>
             </a:fld>
-            <a:endParaRPr b="0" lang="pt-BR" sz="1200" spc="-1" strike="noStrike">
+            <a:endParaRPr lang="pt-BR" sz="1200" b="0" strike="noStrike" spc="-1">
               <a:latin typeface="Times New Roman"/>
             </a:endParaRPr>
           </a:p>
@@ -3050,9 +3288,10 @@
           </a:prstGeom>
         </p:spPr>
         <p:txBody>
-          <a:bodyPr lIns="0" rIns="0" tIns="0" bIns="0">
+          <a:bodyPr lIns="0" tIns="0" rIns="0" bIns="0">
             <a:normAutofit/>
           </a:bodyPr>
+          <a:lstStyle/>
           <a:p>
             <a:pPr marL="432000" indent="-324000">
               <a:spcBef>
@@ -3066,7 +3305,7 @@
               <a:buChar char=""/>
             </a:pPr>
             <a:r>
-              <a:rPr b="0" lang="pt-BR" sz="1400" spc="-1" strike="noStrike">
+              <a:rPr lang="pt-BR" sz="1400" b="0" strike="noStrike" spc="-1">
                 <a:solidFill>
                   <a:srgbClr val="000000"/>
                 </a:solidFill>
@@ -3074,15 +3313,9 @@
               </a:rPr>
               <a:t>Clique para editar o formato do texto da estrutura de tópicos</a:t>
             </a:r>
-            <a:endParaRPr b="0" lang="pt-BR" sz="1400" spc="-1" strike="noStrike">
-              <a:solidFill>
-                <a:srgbClr val="000000"/>
-              </a:solidFill>
-              <a:latin typeface="Arial"/>
-            </a:endParaRPr>
-          </a:p>
-          <a:p>
-            <a:pPr lvl="1" marL="864000" indent="-324000">
+          </a:p>
+          <a:p>
+            <a:pPr marL="864000" lvl="1" indent="-324000">
               <a:spcBef>
                 <a:spcPts val="1134"/>
               </a:spcBef>
@@ -3094,7 +3327,7 @@
               <a:buChar char=""/>
             </a:pPr>
             <a:r>
-              <a:rPr b="0" lang="pt-BR" sz="1400" spc="-1" strike="noStrike">
+              <a:rPr lang="pt-BR" sz="1400" b="0" strike="noStrike" spc="-1">
                 <a:solidFill>
                   <a:srgbClr val="000000"/>
                 </a:solidFill>
@@ -3102,15 +3335,9 @@
               </a:rPr>
               <a:t>2.º nível da estrutura de tópicos</a:t>
             </a:r>
-            <a:endParaRPr b="0" lang="pt-BR" sz="1400" spc="-1" strike="noStrike">
-              <a:solidFill>
-                <a:srgbClr val="000000"/>
-              </a:solidFill>
-              <a:latin typeface="Arial"/>
-            </a:endParaRPr>
-          </a:p>
-          <a:p>
-            <a:pPr lvl="2" marL="1296000" indent="-288000">
+          </a:p>
+          <a:p>
+            <a:pPr marL="1296000" lvl="2" indent="-288000">
               <a:spcBef>
                 <a:spcPts val="850"/>
               </a:spcBef>
@@ -3122,7 +3349,7 @@
               <a:buChar char=""/>
             </a:pPr>
             <a:r>
-              <a:rPr b="0" lang="pt-BR" sz="1400" spc="-1" strike="noStrike">
+              <a:rPr lang="pt-BR" sz="1400" b="0" strike="noStrike" spc="-1">
                 <a:solidFill>
                   <a:srgbClr val="000000"/>
                 </a:solidFill>
@@ -3130,15 +3357,9 @@
               </a:rPr>
               <a:t>3.º nível da estrutura de tópicos</a:t>
             </a:r>
-            <a:endParaRPr b="0" lang="pt-BR" sz="1400" spc="-1" strike="noStrike">
-              <a:solidFill>
-                <a:srgbClr val="000000"/>
-              </a:solidFill>
-              <a:latin typeface="Arial"/>
-            </a:endParaRPr>
-          </a:p>
-          <a:p>
-            <a:pPr lvl="3" marL="1728000" indent="-216000">
+          </a:p>
+          <a:p>
+            <a:pPr marL="1728000" lvl="3" indent="-216000">
               <a:spcBef>
                 <a:spcPts val="567"/>
               </a:spcBef>
@@ -3150,7 +3371,7 @@
               <a:buChar char=""/>
             </a:pPr>
             <a:r>
-              <a:rPr b="0" lang="pt-BR" sz="1400" spc="-1" strike="noStrike">
+              <a:rPr lang="pt-BR" sz="1400" b="0" strike="noStrike" spc="-1">
                 <a:solidFill>
                   <a:srgbClr val="000000"/>
                 </a:solidFill>
@@ -3158,15 +3379,9 @@
               </a:rPr>
               <a:t>4.º nível da estrutura de tópicos</a:t>
             </a:r>
-            <a:endParaRPr b="0" lang="pt-BR" sz="1400" spc="-1" strike="noStrike">
-              <a:solidFill>
-                <a:srgbClr val="000000"/>
-              </a:solidFill>
-              <a:latin typeface="Arial"/>
-            </a:endParaRPr>
-          </a:p>
-          <a:p>
-            <a:pPr lvl="4" marL="2160000" indent="-216000">
+          </a:p>
+          <a:p>
+            <a:pPr marL="2160000" lvl="4" indent="-216000">
               <a:spcBef>
                 <a:spcPts val="283"/>
               </a:spcBef>
@@ -3178,7 +3393,7 @@
               <a:buChar char=""/>
             </a:pPr>
             <a:r>
-              <a:rPr b="0" lang="pt-BR" sz="2000" spc="-1" strike="noStrike">
+              <a:rPr lang="pt-BR" sz="2000" b="0" strike="noStrike" spc="-1">
                 <a:solidFill>
                   <a:srgbClr val="000000"/>
                 </a:solidFill>
@@ -3186,15 +3401,9 @@
               </a:rPr>
               <a:t>5.º nível da estrutura de tópicos</a:t>
             </a:r>
-            <a:endParaRPr b="0" lang="pt-BR" sz="2000" spc="-1" strike="noStrike">
-              <a:solidFill>
-                <a:srgbClr val="000000"/>
-              </a:solidFill>
-              <a:latin typeface="Arial"/>
-            </a:endParaRPr>
-          </a:p>
-          <a:p>
-            <a:pPr lvl="5" marL="2592000" indent="-216000">
+          </a:p>
+          <a:p>
+            <a:pPr marL="2592000" lvl="5" indent="-216000">
               <a:spcBef>
                 <a:spcPts val="283"/>
               </a:spcBef>
@@ -3206,7 +3415,7 @@
               <a:buChar char=""/>
             </a:pPr>
             <a:r>
-              <a:rPr b="0" lang="pt-BR" sz="2000" spc="-1" strike="noStrike">
+              <a:rPr lang="pt-BR" sz="2000" b="0" strike="noStrike" spc="-1">
                 <a:solidFill>
                   <a:srgbClr val="000000"/>
                 </a:solidFill>
@@ -3214,15 +3423,9 @@
               </a:rPr>
               <a:t>6.º nível da estrutura de tópicos</a:t>
             </a:r>
-            <a:endParaRPr b="0" lang="pt-BR" sz="2000" spc="-1" strike="noStrike">
-              <a:solidFill>
-                <a:srgbClr val="000000"/>
-              </a:solidFill>
-              <a:latin typeface="Arial"/>
-            </a:endParaRPr>
-          </a:p>
-          <a:p>
-            <a:pPr lvl="6" marL="3024000" indent="-216000">
+          </a:p>
+          <a:p>
+            <a:pPr marL="3024000" lvl="6" indent="-216000">
               <a:spcBef>
                 <a:spcPts val="283"/>
               </a:spcBef>
@@ -3234,7 +3437,7 @@
               <a:buChar char=""/>
             </a:pPr>
             <a:r>
-              <a:rPr b="0" lang="pt-BR" sz="2000" spc="-1" strike="noStrike">
+              <a:rPr lang="pt-BR" sz="2000" b="0" strike="noStrike" spc="-1">
                 <a:solidFill>
                   <a:srgbClr val="000000"/>
                 </a:solidFill>
@@ -3242,43 +3445,318 @@
               </a:rPr>
               <a:t>7.º nível da estrutura de tópicos</a:t>
             </a:r>
-            <a:endParaRPr b="0" lang="pt-BR" sz="2000" spc="-1" strike="noStrike">
-              <a:solidFill>
-                <a:srgbClr val="000000"/>
-              </a:solidFill>
-              <a:latin typeface="Arial"/>
-            </a:endParaRPr>
           </a:p>
         </p:txBody>
       </p:sp>
     </p:spTree>
   </p:cSld>
-  <p:clrMap bg1="lt1" bg2="lt2" tx1="dk1" tx2="dk2" accent1="accent1" accent2="accent2" accent3="accent3" accent4="accent4" accent5="accent5" accent6="accent6" hlink="hlink" folHlink="folHlink"/>
+  <p:clrMap bg1="lt1" tx1="dk1" bg2="lt2" tx2="dk2" accent1="accent1" accent2="accent2" accent3="accent3" accent4="accent4" accent5="accent5" accent6="accent6" hlink="hlink" folHlink="folHlink"/>
   <p:sldLayoutIdLst>
-    <p:sldLayoutId id="2147483649" r:id="rId2"/>
-    <p:sldLayoutId id="2147483650" r:id="rId3"/>
-    <p:sldLayoutId id="2147483651" r:id="rId4"/>
-    <p:sldLayoutId id="2147483652" r:id="rId5"/>
-    <p:sldLayoutId id="2147483653" r:id="rId6"/>
-    <p:sldLayoutId id="2147483654" r:id="rId7"/>
-    <p:sldLayoutId id="2147483655" r:id="rId8"/>
-    <p:sldLayoutId id="2147483656" r:id="rId9"/>
-    <p:sldLayoutId id="2147483657" r:id="rId10"/>
-    <p:sldLayoutId id="2147483658" r:id="rId11"/>
-    <p:sldLayoutId id="2147483659" r:id="rId12"/>
-    <p:sldLayoutId id="2147483660" r:id="rId13"/>
+    <p:sldLayoutId id="2147483649" r:id="rId1"/>
+    <p:sldLayoutId id="2147483650" r:id="rId2"/>
+    <p:sldLayoutId id="2147483651" r:id="rId3"/>
+    <p:sldLayoutId id="2147483652" r:id="rId4"/>
+    <p:sldLayoutId id="2147483653" r:id="rId5"/>
+    <p:sldLayoutId id="2147483654" r:id="rId6"/>
+    <p:sldLayoutId id="2147483655" r:id="rId7"/>
+    <p:sldLayoutId id="2147483656" r:id="rId8"/>
+    <p:sldLayoutId id="2147483657" r:id="rId9"/>
+    <p:sldLayoutId id="2147483658" r:id="rId10"/>
+    <p:sldLayoutId id="2147483659" r:id="rId11"/>
+    <p:sldLayoutId id="2147483660" r:id="rId12"/>
   </p:sldLayoutIdLst>
+  <p:txStyles>
+    <p:titleStyle>
+      <a:lvl1pPr algn="l" defTabSz="914400" rtl="0" eaLnBrk="1" latinLnBrk="0" hangingPunct="1">
+        <a:lnSpc>
+          <a:spcPct val="90000"/>
+        </a:lnSpc>
+        <a:spcBef>
+          <a:spcPct val="0"/>
+        </a:spcBef>
+        <a:buNone/>
+        <a:defRPr sz="4400" kern="1200">
+          <a:solidFill>
+            <a:schemeClr val="tx1"/>
+          </a:solidFill>
+          <a:latin typeface="+mj-lt"/>
+          <a:ea typeface="+mj-ea"/>
+          <a:cs typeface="+mj-cs"/>
+        </a:defRPr>
+      </a:lvl1pPr>
+    </p:titleStyle>
+    <p:bodyStyle>
+      <a:lvl1pPr marL="228600" indent="-228600" algn="l" defTabSz="914400" rtl="0" eaLnBrk="1" latinLnBrk="0" hangingPunct="1">
+        <a:lnSpc>
+          <a:spcPct val="90000"/>
+        </a:lnSpc>
+        <a:spcBef>
+          <a:spcPts val="1000"/>
+        </a:spcBef>
+        <a:buFont typeface="Arial" panose="020B0604020202020204" pitchFamily="34" charset="0"/>
+        <a:buChar char="•"/>
+        <a:defRPr sz="2800" kern="1200">
+          <a:solidFill>
+            <a:schemeClr val="tx1"/>
+          </a:solidFill>
+          <a:latin typeface="+mn-lt"/>
+          <a:ea typeface="+mn-ea"/>
+          <a:cs typeface="+mn-cs"/>
+        </a:defRPr>
+      </a:lvl1pPr>
+      <a:lvl2pPr marL="685800" indent="-228600" algn="l" defTabSz="914400" rtl="0" eaLnBrk="1" latinLnBrk="0" hangingPunct="1">
+        <a:lnSpc>
+          <a:spcPct val="90000"/>
+        </a:lnSpc>
+        <a:spcBef>
+          <a:spcPts val="500"/>
+        </a:spcBef>
+        <a:buFont typeface="Arial" panose="020B0604020202020204" pitchFamily="34" charset="0"/>
+        <a:buChar char="•"/>
+        <a:defRPr sz="2400" kern="1200">
+          <a:solidFill>
+            <a:schemeClr val="tx1"/>
+          </a:solidFill>
+          <a:latin typeface="+mn-lt"/>
+          <a:ea typeface="+mn-ea"/>
+          <a:cs typeface="+mn-cs"/>
+        </a:defRPr>
+      </a:lvl2pPr>
+      <a:lvl3pPr marL="1143000" indent="-228600" algn="l" defTabSz="914400" rtl="0" eaLnBrk="1" latinLnBrk="0" hangingPunct="1">
+        <a:lnSpc>
+          <a:spcPct val="90000"/>
+        </a:lnSpc>
+        <a:spcBef>
+          <a:spcPts val="500"/>
+        </a:spcBef>
+        <a:buFont typeface="Arial" panose="020B0604020202020204" pitchFamily="34" charset="0"/>
+        <a:buChar char="•"/>
+        <a:defRPr sz="2000" kern="1200">
+          <a:solidFill>
+            <a:schemeClr val="tx1"/>
+          </a:solidFill>
+          <a:latin typeface="+mn-lt"/>
+          <a:ea typeface="+mn-ea"/>
+          <a:cs typeface="+mn-cs"/>
+        </a:defRPr>
+      </a:lvl3pPr>
+      <a:lvl4pPr marL="1600200" indent="-228600" algn="l" defTabSz="914400" rtl="0" eaLnBrk="1" latinLnBrk="0" hangingPunct="1">
+        <a:lnSpc>
+          <a:spcPct val="90000"/>
+        </a:lnSpc>
+        <a:spcBef>
+          <a:spcPts val="500"/>
+        </a:spcBef>
+        <a:buFont typeface="Arial" panose="020B0604020202020204" pitchFamily="34" charset="0"/>
+        <a:buChar char="•"/>
+        <a:defRPr sz="1800" kern="1200">
+          <a:solidFill>
+            <a:schemeClr val="tx1"/>
+          </a:solidFill>
+          <a:latin typeface="+mn-lt"/>
+          <a:ea typeface="+mn-ea"/>
+          <a:cs typeface="+mn-cs"/>
+        </a:defRPr>
+      </a:lvl4pPr>
+      <a:lvl5pPr marL="2057400" indent="-228600" algn="l" defTabSz="914400" rtl="0" eaLnBrk="1" latinLnBrk="0" hangingPunct="1">
+        <a:lnSpc>
+          <a:spcPct val="90000"/>
+        </a:lnSpc>
+        <a:spcBef>
+          <a:spcPts val="500"/>
+        </a:spcBef>
+        <a:buFont typeface="Arial" panose="020B0604020202020204" pitchFamily="34" charset="0"/>
+        <a:buChar char="•"/>
+        <a:defRPr sz="1800" kern="1200">
+          <a:solidFill>
+            <a:schemeClr val="tx1"/>
+          </a:solidFill>
+          <a:latin typeface="+mn-lt"/>
+          <a:ea typeface="+mn-ea"/>
+          <a:cs typeface="+mn-cs"/>
+        </a:defRPr>
+      </a:lvl5pPr>
+      <a:lvl6pPr marL="2514600" indent="-228600" algn="l" defTabSz="914400" rtl="0" eaLnBrk="1" latinLnBrk="0" hangingPunct="1">
+        <a:lnSpc>
+          <a:spcPct val="90000"/>
+        </a:lnSpc>
+        <a:spcBef>
+          <a:spcPts val="500"/>
+        </a:spcBef>
+        <a:buFont typeface="Arial" panose="020B0604020202020204" pitchFamily="34" charset="0"/>
+        <a:buChar char="•"/>
+        <a:defRPr sz="1800" kern="1200">
+          <a:solidFill>
+            <a:schemeClr val="tx1"/>
+          </a:solidFill>
+          <a:latin typeface="+mn-lt"/>
+          <a:ea typeface="+mn-ea"/>
+          <a:cs typeface="+mn-cs"/>
+        </a:defRPr>
+      </a:lvl6pPr>
+      <a:lvl7pPr marL="2971800" indent="-228600" algn="l" defTabSz="914400" rtl="0" eaLnBrk="1" latinLnBrk="0" hangingPunct="1">
+        <a:lnSpc>
+          <a:spcPct val="90000"/>
+        </a:lnSpc>
+        <a:spcBef>
+          <a:spcPts val="500"/>
+        </a:spcBef>
+        <a:buFont typeface="Arial" panose="020B0604020202020204" pitchFamily="34" charset="0"/>
+        <a:buChar char="•"/>
+        <a:defRPr sz="1800" kern="1200">
+          <a:solidFill>
+            <a:schemeClr val="tx1"/>
+          </a:solidFill>
+          <a:latin typeface="+mn-lt"/>
+          <a:ea typeface="+mn-ea"/>
+          <a:cs typeface="+mn-cs"/>
+        </a:defRPr>
+      </a:lvl7pPr>
+      <a:lvl8pPr marL="3429000" indent="-228600" algn="l" defTabSz="914400" rtl="0" eaLnBrk="1" latinLnBrk="0" hangingPunct="1">
+        <a:lnSpc>
+          <a:spcPct val="90000"/>
+        </a:lnSpc>
+        <a:spcBef>
+          <a:spcPts val="500"/>
+        </a:spcBef>
+        <a:buFont typeface="Arial" panose="020B0604020202020204" pitchFamily="34" charset="0"/>
+        <a:buChar char="•"/>
+        <a:defRPr sz="1800" kern="1200">
+          <a:solidFill>
+            <a:schemeClr val="tx1"/>
+          </a:solidFill>
+          <a:latin typeface="+mn-lt"/>
+          <a:ea typeface="+mn-ea"/>
+          <a:cs typeface="+mn-cs"/>
+        </a:defRPr>
+      </a:lvl8pPr>
+      <a:lvl9pPr marL="3886200" indent="-228600" algn="l" defTabSz="914400" rtl="0" eaLnBrk="1" latinLnBrk="0" hangingPunct="1">
+        <a:lnSpc>
+          <a:spcPct val="90000"/>
+        </a:lnSpc>
+        <a:spcBef>
+          <a:spcPts val="500"/>
+        </a:spcBef>
+        <a:buFont typeface="Arial" panose="020B0604020202020204" pitchFamily="34" charset="0"/>
+        <a:buChar char="•"/>
+        <a:defRPr sz="1800" kern="1200">
+          <a:solidFill>
+            <a:schemeClr val="tx1"/>
+          </a:solidFill>
+          <a:latin typeface="+mn-lt"/>
+          <a:ea typeface="+mn-ea"/>
+          <a:cs typeface="+mn-cs"/>
+        </a:defRPr>
+      </a:lvl9pPr>
+    </p:bodyStyle>
+    <p:otherStyle>
+      <a:defPPr>
+        <a:defRPr lang="pt-BR"/>
+      </a:defPPr>
+      <a:lvl1pPr marL="0" algn="l" defTabSz="914400" rtl="0" eaLnBrk="1" latinLnBrk="0" hangingPunct="1">
+        <a:defRPr sz="1800" kern="1200">
+          <a:solidFill>
+            <a:schemeClr val="tx1"/>
+          </a:solidFill>
+          <a:latin typeface="+mn-lt"/>
+          <a:ea typeface="+mn-ea"/>
+          <a:cs typeface="+mn-cs"/>
+        </a:defRPr>
+      </a:lvl1pPr>
+      <a:lvl2pPr marL="457200" algn="l" defTabSz="914400" rtl="0" eaLnBrk="1" latinLnBrk="0" hangingPunct="1">
+        <a:defRPr sz="1800" kern="1200">
+          <a:solidFill>
+            <a:schemeClr val="tx1"/>
+          </a:solidFill>
+          <a:latin typeface="+mn-lt"/>
+          <a:ea typeface="+mn-ea"/>
+          <a:cs typeface="+mn-cs"/>
+        </a:defRPr>
+      </a:lvl2pPr>
+      <a:lvl3pPr marL="914400" algn="l" defTabSz="914400" rtl="0" eaLnBrk="1" latinLnBrk="0" hangingPunct="1">
+        <a:defRPr sz="1800" kern="1200">
+          <a:solidFill>
+            <a:schemeClr val="tx1"/>
+          </a:solidFill>
+          <a:latin typeface="+mn-lt"/>
+          <a:ea typeface="+mn-ea"/>
+          <a:cs typeface="+mn-cs"/>
+        </a:defRPr>
+      </a:lvl3pPr>
+      <a:lvl4pPr marL="1371600" algn="l" defTabSz="914400" rtl="0" eaLnBrk="1" latinLnBrk="0" hangingPunct="1">
+        <a:defRPr sz="1800" kern="1200">
+          <a:solidFill>
+            <a:schemeClr val="tx1"/>
+          </a:solidFill>
+          <a:latin typeface="+mn-lt"/>
+          <a:ea typeface="+mn-ea"/>
+          <a:cs typeface="+mn-cs"/>
+        </a:defRPr>
+      </a:lvl4pPr>
+      <a:lvl5pPr marL="1828800" algn="l" defTabSz="914400" rtl="0" eaLnBrk="1" latinLnBrk="0" hangingPunct="1">
+        <a:defRPr sz="1800" kern="1200">
+          <a:solidFill>
+            <a:schemeClr val="tx1"/>
+          </a:solidFill>
+          <a:latin typeface="+mn-lt"/>
+          <a:ea typeface="+mn-ea"/>
+          <a:cs typeface="+mn-cs"/>
+        </a:defRPr>
+      </a:lvl5pPr>
+      <a:lvl6pPr marL="2286000" algn="l" defTabSz="914400" rtl="0" eaLnBrk="1" latinLnBrk="0" hangingPunct="1">
+        <a:defRPr sz="1800" kern="1200">
+          <a:solidFill>
+            <a:schemeClr val="tx1"/>
+          </a:solidFill>
+          <a:latin typeface="+mn-lt"/>
+          <a:ea typeface="+mn-ea"/>
+          <a:cs typeface="+mn-cs"/>
+        </a:defRPr>
+      </a:lvl6pPr>
+      <a:lvl7pPr marL="2743200" algn="l" defTabSz="914400" rtl="0" eaLnBrk="1" latinLnBrk="0" hangingPunct="1">
+        <a:defRPr sz="1800" kern="1200">
+          <a:solidFill>
+            <a:schemeClr val="tx1"/>
+          </a:solidFill>
+          <a:latin typeface="+mn-lt"/>
+          <a:ea typeface="+mn-ea"/>
+          <a:cs typeface="+mn-cs"/>
+        </a:defRPr>
+      </a:lvl7pPr>
+      <a:lvl8pPr marL="3200400" algn="l" defTabSz="914400" rtl="0" eaLnBrk="1" latinLnBrk="0" hangingPunct="1">
+        <a:defRPr sz="1800" kern="1200">
+          <a:solidFill>
+            <a:schemeClr val="tx1"/>
+          </a:solidFill>
+          <a:latin typeface="+mn-lt"/>
+          <a:ea typeface="+mn-ea"/>
+          <a:cs typeface="+mn-cs"/>
+        </a:defRPr>
+      </a:lvl8pPr>
+      <a:lvl9pPr marL="3657600" algn="l" defTabSz="914400" rtl="0" eaLnBrk="1" latinLnBrk="0" hangingPunct="1">
+        <a:defRPr sz="1800" kern="1200">
+          <a:solidFill>
+            <a:schemeClr val="tx1"/>
+          </a:solidFill>
+          <a:latin typeface="+mn-lt"/>
+          <a:ea typeface="+mn-ea"/>
+          <a:cs typeface="+mn-cs"/>
+        </a:defRPr>
+      </a:lvl9pPr>
+    </p:otherStyle>
+  </p:txStyles>
 </p:sldMaster>
 </file>
 
 <file path=ppt/slideMasters/slideMaster2.xml><?xml version="1.0" encoding="utf-8"?>
-<p:sldMaster xmlns:a="http://schemas.openxmlformats.org/drawingml/2006/main" xmlns:p="http://schemas.openxmlformats.org/presentationml/2006/main" xmlns:r="http://schemas.openxmlformats.org/officeDocument/2006/relationships" xmlns:p14="http://schemas.microsoft.com/office/powerpoint/2010/main" xmlns:p15="http://schemas.microsoft.com/office/powerpoint/2012/main" xmlns:mc="http://schemas.openxmlformats.org/markup-compatibility/2006">
+<p:sldMaster xmlns:a="http://schemas.openxmlformats.org/drawingml/2006/main" xmlns:r="http://schemas.openxmlformats.org/officeDocument/2006/relationships" xmlns:p="http://schemas.openxmlformats.org/presentationml/2006/main">
   <p:cSld>
     <p:bg>
       <p:bgPr>
         <a:solidFill>
-          <a:srgbClr val="ffffff"/>
+          <a:srgbClr val="FFFFFF"/>
         </a:solidFill>
+        <a:effectLst/>
       </p:bgPr>
     </p:bg>
     <p:spTree>
@@ -3316,157 +3794,17 @@
         </p:spPr>
         <p:txBody>
           <a:bodyPr anchor="ctr"/>
+          <a:lstStyle/>
           <a:p>
             <a:r>
-              <a:rPr b="0" lang="pt-BR" sz="4400" spc="-1" strike="noStrike">
+              <a:rPr lang="pt-BR" sz="4400" b="0" strike="noStrike" spc="-1">
                 <a:solidFill>
                   <a:srgbClr val="000000"/>
                 </a:solidFill>
                 <a:latin typeface="Arial"/>
               </a:rPr>
-              <a:t>Cli</a:t>
+              <a:t>Clique para editar o formato do texto do título</a:t>
             </a:r>
-            <a:r>
-              <a:rPr b="0" lang="pt-BR" sz="4400" spc="-1" strike="noStrike">
-                <a:solidFill>
-                  <a:srgbClr val="000000"/>
-                </a:solidFill>
-                <a:latin typeface="Arial"/>
-              </a:rPr>
-              <a:t>que </a:t>
-            </a:r>
-            <a:r>
-              <a:rPr b="0" lang="pt-BR" sz="4400" spc="-1" strike="noStrike">
-                <a:solidFill>
-                  <a:srgbClr val="000000"/>
-                </a:solidFill>
-                <a:latin typeface="Arial"/>
-              </a:rPr>
-              <a:t>par</a:t>
-            </a:r>
-            <a:r>
-              <a:rPr b="0" lang="pt-BR" sz="4400" spc="-1" strike="noStrike">
-                <a:solidFill>
-                  <a:srgbClr val="000000"/>
-                </a:solidFill>
-                <a:latin typeface="Arial"/>
-              </a:rPr>
-              <a:t>a </a:t>
-            </a:r>
-            <a:r>
-              <a:rPr b="0" lang="pt-BR" sz="4400" spc="-1" strike="noStrike">
-                <a:solidFill>
-                  <a:srgbClr val="000000"/>
-                </a:solidFill>
-                <a:latin typeface="Arial"/>
-              </a:rPr>
-              <a:t>edit</a:t>
-            </a:r>
-            <a:r>
-              <a:rPr b="0" lang="pt-BR" sz="4400" spc="-1" strike="noStrike">
-                <a:solidFill>
-                  <a:srgbClr val="000000"/>
-                </a:solidFill>
-                <a:latin typeface="Arial"/>
-              </a:rPr>
-              <a:t>ar </a:t>
-            </a:r>
-            <a:r>
-              <a:rPr b="0" lang="pt-BR" sz="4400" spc="-1" strike="noStrike">
-                <a:solidFill>
-                  <a:srgbClr val="000000"/>
-                </a:solidFill>
-                <a:latin typeface="Arial"/>
-              </a:rPr>
-              <a:t>o </a:t>
-            </a:r>
-            <a:r>
-              <a:rPr b="0" lang="pt-BR" sz="4400" spc="-1" strike="noStrike">
-                <a:solidFill>
-                  <a:srgbClr val="000000"/>
-                </a:solidFill>
-                <a:latin typeface="Arial"/>
-              </a:rPr>
-              <a:t>for</a:t>
-            </a:r>
-            <a:r>
-              <a:rPr b="0" lang="pt-BR" sz="4400" spc="-1" strike="noStrike">
-                <a:solidFill>
-                  <a:srgbClr val="000000"/>
-                </a:solidFill>
-                <a:latin typeface="Arial"/>
-              </a:rPr>
-              <a:t>mat</a:t>
-            </a:r>
-            <a:r>
-              <a:rPr b="0" lang="pt-BR" sz="4400" spc="-1" strike="noStrike">
-                <a:solidFill>
-                  <a:srgbClr val="000000"/>
-                </a:solidFill>
-                <a:latin typeface="Arial"/>
-              </a:rPr>
-              <a:t>o </a:t>
-            </a:r>
-            <a:r>
-              <a:rPr b="0" lang="pt-BR" sz="4400" spc="-1" strike="noStrike">
-                <a:solidFill>
-                  <a:srgbClr val="000000"/>
-                </a:solidFill>
-                <a:latin typeface="Arial"/>
-              </a:rPr>
-              <a:t>do </a:t>
-            </a:r>
-            <a:r>
-              <a:rPr b="0" lang="pt-BR" sz="4400" spc="-1" strike="noStrike">
-                <a:solidFill>
-                  <a:srgbClr val="000000"/>
-                </a:solidFill>
-                <a:latin typeface="Arial"/>
-              </a:rPr>
-              <a:t>text</a:t>
-            </a:r>
-            <a:r>
-              <a:rPr b="0" lang="pt-BR" sz="4400" spc="-1" strike="noStrike">
-                <a:solidFill>
-                  <a:srgbClr val="000000"/>
-                </a:solidFill>
-                <a:latin typeface="Arial"/>
-              </a:rPr>
-              <a:t>o </a:t>
-            </a:r>
-            <a:r>
-              <a:rPr b="0" lang="pt-BR" sz="4400" spc="-1" strike="noStrike">
-                <a:solidFill>
-                  <a:srgbClr val="000000"/>
-                </a:solidFill>
-                <a:latin typeface="Arial"/>
-              </a:rPr>
-              <a:t>do </a:t>
-            </a:r>
-            <a:r>
-              <a:rPr b="0" lang="pt-BR" sz="4400" spc="-1" strike="noStrike">
-                <a:solidFill>
-                  <a:srgbClr val="000000"/>
-                </a:solidFill>
-                <a:latin typeface="Arial"/>
-              </a:rPr>
-              <a:t>títul</a:t>
-            </a:r>
-            <a:r>
-              <a:rPr b="0" lang="pt-BR" sz="4400" spc="-1" strike="noStrike">
-                <a:solidFill>
-                  <a:srgbClr val="000000"/>
-                </a:solidFill>
-                <a:latin typeface="Arial"/>
-              </a:rPr>
-              <a:t>o</a:t>
-            </a:r>
-            <a:endParaRPr b="0" lang="pt-BR" sz="4400" spc="-1" strike="noStrike">
-              <a:solidFill>
-                <a:srgbClr val="000000"/>
-              </a:solidFill>
-              <a:latin typeface="Arial"/>
-            </a:endParaRPr>
           </a:p>
         </p:txBody>
       </p:sp>
@@ -3491,6 +3829,7 @@
         </p:spPr>
         <p:txBody>
           <a:bodyPr/>
+          <a:lstStyle/>
           <a:p>
             <a:pPr marL="432000" indent="-324000">
               <a:spcBef>
@@ -3504,7 +3843,7 @@
               <a:buChar char=""/>
             </a:pPr>
             <a:r>
-              <a:rPr b="0" lang="pt-BR" sz="2800" spc="-1" strike="noStrike">
+              <a:rPr lang="pt-BR" sz="2800" b="0" strike="noStrike" spc="-1">
                 <a:solidFill>
                   <a:srgbClr val="000000"/>
                 </a:solidFill>
@@ -3512,15 +3851,9 @@
               </a:rPr>
               <a:t>Clique para editar o formato do texto da estrutura de tópicos</a:t>
             </a:r>
-            <a:endParaRPr b="0" lang="pt-BR" sz="2800" spc="-1" strike="noStrike">
-              <a:solidFill>
-                <a:srgbClr val="000000"/>
-              </a:solidFill>
-              <a:latin typeface="Arial"/>
-            </a:endParaRPr>
-          </a:p>
-          <a:p>
-            <a:pPr lvl="1" marL="864000" indent="-324000">
+          </a:p>
+          <a:p>
+            <a:pPr marL="864000" lvl="1" indent="-324000">
               <a:spcBef>
                 <a:spcPts val="1134"/>
               </a:spcBef>
@@ -3532,7 +3865,7 @@
               <a:buChar char=""/>
             </a:pPr>
             <a:r>
-              <a:rPr b="0" lang="pt-BR" sz="2800" spc="-1" strike="noStrike">
+              <a:rPr lang="pt-BR" sz="2800" b="0" strike="noStrike" spc="-1">
                 <a:solidFill>
                   <a:srgbClr val="000000"/>
                 </a:solidFill>
@@ -3540,15 +3873,9 @@
               </a:rPr>
               <a:t>2.º nível da estrutura de tópicos</a:t>
             </a:r>
-            <a:endParaRPr b="0" lang="pt-BR" sz="2800" spc="-1" strike="noStrike">
-              <a:solidFill>
-                <a:srgbClr val="000000"/>
-              </a:solidFill>
-              <a:latin typeface="Arial"/>
-            </a:endParaRPr>
-          </a:p>
-          <a:p>
-            <a:pPr lvl="2" marL="1296000" indent="-288000">
+          </a:p>
+          <a:p>
+            <a:pPr marL="1296000" lvl="2" indent="-288000">
               <a:spcBef>
                 <a:spcPts val="850"/>
               </a:spcBef>
@@ -3560,7 +3887,7 @@
               <a:buChar char=""/>
             </a:pPr>
             <a:r>
-              <a:rPr b="0" lang="pt-BR" sz="2800" spc="-1" strike="noStrike">
+              <a:rPr lang="pt-BR" sz="2800" b="0" strike="noStrike" spc="-1">
                 <a:solidFill>
                   <a:srgbClr val="000000"/>
                 </a:solidFill>
@@ -3568,15 +3895,9 @@
               </a:rPr>
               <a:t>3.º nível da estrutura de tópicos</a:t>
             </a:r>
-            <a:endParaRPr b="0" lang="pt-BR" sz="2800" spc="-1" strike="noStrike">
-              <a:solidFill>
-                <a:srgbClr val="000000"/>
-              </a:solidFill>
-              <a:latin typeface="Arial"/>
-            </a:endParaRPr>
-          </a:p>
-          <a:p>
-            <a:pPr lvl="3" marL="1728000" indent="-216000">
+          </a:p>
+          <a:p>
+            <a:pPr marL="1728000" lvl="3" indent="-216000">
               <a:spcBef>
                 <a:spcPts val="567"/>
               </a:spcBef>
@@ -3588,7 +3909,7 @@
               <a:buChar char=""/>
             </a:pPr>
             <a:r>
-              <a:rPr b="0" lang="pt-BR" sz="2800" spc="-1" strike="noStrike">
+              <a:rPr lang="pt-BR" sz="2800" b="0" strike="noStrike" spc="-1">
                 <a:solidFill>
                   <a:srgbClr val="000000"/>
                 </a:solidFill>
@@ -3596,15 +3917,9 @@
               </a:rPr>
               <a:t>4.º nível da estrutura de tópicos</a:t>
             </a:r>
-            <a:endParaRPr b="0" lang="pt-BR" sz="2800" spc="-1" strike="noStrike">
-              <a:solidFill>
-                <a:srgbClr val="000000"/>
-              </a:solidFill>
-              <a:latin typeface="Arial"/>
-            </a:endParaRPr>
-          </a:p>
-          <a:p>
-            <a:pPr lvl="4" marL="2160000" indent="-216000">
+          </a:p>
+          <a:p>
+            <a:pPr marL="2160000" lvl="4" indent="-216000">
               <a:spcBef>
                 <a:spcPts val="283"/>
               </a:spcBef>
@@ -3616,7 +3931,7 @@
               <a:buChar char=""/>
             </a:pPr>
             <a:r>
-              <a:rPr b="0" lang="pt-BR" sz="2800" spc="-1" strike="noStrike">
+              <a:rPr lang="pt-BR" sz="2800" b="0" strike="noStrike" spc="-1">
                 <a:solidFill>
                   <a:srgbClr val="000000"/>
                 </a:solidFill>
@@ -3624,15 +3939,9 @@
               </a:rPr>
               <a:t>5.º nível da estrutura de tópicos</a:t>
             </a:r>
-            <a:endParaRPr b="0" lang="pt-BR" sz="2800" spc="-1" strike="noStrike">
-              <a:solidFill>
-                <a:srgbClr val="000000"/>
-              </a:solidFill>
-              <a:latin typeface="Arial"/>
-            </a:endParaRPr>
-          </a:p>
-          <a:p>
-            <a:pPr lvl="5" marL="2592000" indent="-216000">
+          </a:p>
+          <a:p>
+            <a:pPr marL="2592000" lvl="5" indent="-216000">
               <a:spcBef>
                 <a:spcPts val="283"/>
               </a:spcBef>
@@ -3644,7 +3953,7 @@
               <a:buChar char=""/>
             </a:pPr>
             <a:r>
-              <a:rPr b="0" lang="pt-BR" sz="2800" spc="-1" strike="noStrike">
+              <a:rPr lang="pt-BR" sz="2800" b="0" strike="noStrike" spc="-1">
                 <a:solidFill>
                   <a:srgbClr val="000000"/>
                 </a:solidFill>
@@ -3652,15 +3961,9 @@
               </a:rPr>
               <a:t>6.º nível da estrutura de tópicos</a:t>
             </a:r>
-            <a:endParaRPr b="0" lang="pt-BR" sz="2800" spc="-1" strike="noStrike">
-              <a:solidFill>
-                <a:srgbClr val="000000"/>
-              </a:solidFill>
-              <a:latin typeface="Arial"/>
-            </a:endParaRPr>
-          </a:p>
-          <a:p>
-            <a:pPr lvl="6" marL="3024000" indent="-216000">
+          </a:p>
+          <a:p>
+            <a:pPr marL="3024000" lvl="6" indent="-216000">
               <a:spcBef>
                 <a:spcPts val="283"/>
               </a:spcBef>
@@ -3672,7 +3975,7 @@
               <a:buChar char=""/>
             </a:pPr>
             <a:r>
-              <a:rPr b="0" lang="pt-BR" sz="2800" spc="-1" strike="noStrike">
+              <a:rPr lang="pt-BR" sz="2800" b="0" strike="noStrike" spc="-1">
                 <a:solidFill>
                   <a:srgbClr val="000000"/>
                 </a:solidFill>
@@ -3680,12 +3983,6 @@
               </a:rPr>
               <a:t>7.º nível da estrutura de tópicos</a:t>
             </a:r>
-            <a:endParaRPr b="0" lang="pt-BR" sz="2800" spc="-1" strike="noStrike">
-              <a:solidFill>
-                <a:srgbClr val="000000"/>
-              </a:solidFill>
-              <a:latin typeface="Arial"/>
-            </a:endParaRPr>
           </a:p>
         </p:txBody>
       </p:sp>
@@ -3710,8 +4007,9 @@
         </p:spPr>
         <p:txBody>
           <a:bodyPr anchor="ctr"/>
-          <a:p>
-            <a:endParaRPr b="0" lang="pt-BR" sz="2400" spc="-1" strike="noStrike">
+          <a:lstStyle/>
+          <a:p>
+            <a:endParaRPr lang="pt-BR" sz="2400" b="0" strike="noStrike" spc="-1">
               <a:latin typeface="Times New Roman"/>
             </a:endParaRPr>
           </a:p>
@@ -3738,8 +4036,9 @@
         </p:spPr>
         <p:txBody>
           <a:bodyPr anchor="ctr"/>
-          <a:p>
-            <a:endParaRPr b="0" lang="pt-BR" sz="2400" spc="-1" strike="noStrike">
+          <a:lstStyle/>
+          <a:p>
+            <a:endParaRPr lang="pt-BR" sz="2400" b="0" strike="noStrike" spc="-1">
               <a:latin typeface="Times New Roman"/>
             </a:endParaRPr>
           </a:p>
@@ -3766,6 +4065,7 @@
         </p:spPr>
         <p:txBody>
           <a:bodyPr anchor="ctr"/>
+          <a:lstStyle/>
           <a:p>
             <a:pPr algn="r">
               <a:lnSpc>
@@ -3773,16 +4073,16 @@
               </a:lnSpc>
             </a:pPr>
             <a:fld id="{D8AAB397-EC60-46EB-966F-525DB16B6039}" type="slidenum">
-              <a:rPr b="0" lang="pt-BR" sz="1200" spc="-1" strike="noStrike">
+              <a:rPr lang="pt-BR" sz="1200" b="0" strike="noStrike" spc="-1">
                 <a:solidFill>
                   <a:srgbClr val="929599"/>
                 </a:solidFill>
                 <a:latin typeface="Trebuchet MS"/>
                 <a:ea typeface="Trebuchet MS"/>
               </a:rPr>
-              <a:t>1</a:t>
+              <a:t>‹nº›</a:t>
             </a:fld>
-            <a:endParaRPr b="0" lang="pt-BR" sz="1200" spc="-1" strike="noStrike">
+            <a:endParaRPr lang="pt-BR" sz="1200" b="0" strike="noStrike" spc="-1">
               <a:latin typeface="Times New Roman"/>
             </a:endParaRPr>
           </a:p>
@@ -3790,32 +4090,313 @@
       </p:sp>
     </p:spTree>
   </p:cSld>
-  <p:clrMap bg1="lt1" bg2="lt2" tx1="dk1" tx2="dk2" accent1="accent1" accent2="accent2" accent3="accent3" accent4="accent4" accent5="accent5" accent6="accent6" hlink="hlink" folHlink="folHlink"/>
+  <p:clrMap bg1="lt1" tx1="dk1" bg2="lt2" tx2="dk2" accent1="accent1" accent2="accent2" accent3="accent3" accent4="accent4" accent5="accent5" accent6="accent6" hlink="hlink" folHlink="folHlink"/>
   <p:sldLayoutIdLst>
-    <p:sldLayoutId id="2147483662" r:id="rId2"/>
-    <p:sldLayoutId id="2147483663" r:id="rId3"/>
-    <p:sldLayoutId id="2147483664" r:id="rId4"/>
-    <p:sldLayoutId id="2147483665" r:id="rId5"/>
-    <p:sldLayoutId id="2147483666" r:id="rId6"/>
-    <p:sldLayoutId id="2147483667" r:id="rId7"/>
-    <p:sldLayoutId id="2147483668" r:id="rId8"/>
-    <p:sldLayoutId id="2147483669" r:id="rId9"/>
-    <p:sldLayoutId id="2147483670" r:id="rId10"/>
-    <p:sldLayoutId id="2147483671" r:id="rId11"/>
-    <p:sldLayoutId id="2147483672" r:id="rId12"/>
-    <p:sldLayoutId id="2147483673" r:id="rId13"/>
+    <p:sldLayoutId id="2147483662" r:id="rId1"/>
+    <p:sldLayoutId id="2147483663" r:id="rId2"/>
+    <p:sldLayoutId id="2147483664" r:id="rId3"/>
+    <p:sldLayoutId id="2147483665" r:id="rId4"/>
+    <p:sldLayoutId id="2147483666" r:id="rId5"/>
+    <p:sldLayoutId id="2147483667" r:id="rId6"/>
+    <p:sldLayoutId id="2147483668" r:id="rId7"/>
+    <p:sldLayoutId id="2147483669" r:id="rId8"/>
+    <p:sldLayoutId id="2147483670" r:id="rId9"/>
+    <p:sldLayoutId id="2147483671" r:id="rId10"/>
+    <p:sldLayoutId id="2147483672" r:id="rId11"/>
+    <p:sldLayoutId id="2147483673" r:id="rId12"/>
   </p:sldLayoutIdLst>
+  <p:txStyles>
+    <p:titleStyle>
+      <a:lvl1pPr algn="l" defTabSz="914400" rtl="0" eaLnBrk="1" latinLnBrk="0" hangingPunct="1">
+        <a:lnSpc>
+          <a:spcPct val="90000"/>
+        </a:lnSpc>
+        <a:spcBef>
+          <a:spcPct val="0"/>
+        </a:spcBef>
+        <a:buNone/>
+        <a:defRPr sz="4400" kern="1200">
+          <a:solidFill>
+            <a:schemeClr val="tx1"/>
+          </a:solidFill>
+          <a:latin typeface="+mj-lt"/>
+          <a:ea typeface="+mj-ea"/>
+          <a:cs typeface="+mj-cs"/>
+        </a:defRPr>
+      </a:lvl1pPr>
+    </p:titleStyle>
+    <p:bodyStyle>
+      <a:lvl1pPr marL="228600" indent="-228600" algn="l" defTabSz="914400" rtl="0" eaLnBrk="1" latinLnBrk="0" hangingPunct="1">
+        <a:lnSpc>
+          <a:spcPct val="90000"/>
+        </a:lnSpc>
+        <a:spcBef>
+          <a:spcPts val="1000"/>
+        </a:spcBef>
+        <a:buFont typeface="Arial" panose="020B0604020202020204" pitchFamily="34" charset="0"/>
+        <a:buChar char="•"/>
+        <a:defRPr sz="2800" kern="1200">
+          <a:solidFill>
+            <a:schemeClr val="tx1"/>
+          </a:solidFill>
+          <a:latin typeface="+mn-lt"/>
+          <a:ea typeface="+mn-ea"/>
+          <a:cs typeface="+mn-cs"/>
+        </a:defRPr>
+      </a:lvl1pPr>
+      <a:lvl2pPr marL="685800" indent="-228600" algn="l" defTabSz="914400" rtl="0" eaLnBrk="1" latinLnBrk="0" hangingPunct="1">
+        <a:lnSpc>
+          <a:spcPct val="90000"/>
+        </a:lnSpc>
+        <a:spcBef>
+          <a:spcPts val="500"/>
+        </a:spcBef>
+        <a:buFont typeface="Arial" panose="020B0604020202020204" pitchFamily="34" charset="0"/>
+        <a:buChar char="•"/>
+        <a:defRPr sz="2400" kern="1200">
+          <a:solidFill>
+            <a:schemeClr val="tx1"/>
+          </a:solidFill>
+          <a:latin typeface="+mn-lt"/>
+          <a:ea typeface="+mn-ea"/>
+          <a:cs typeface="+mn-cs"/>
+        </a:defRPr>
+      </a:lvl2pPr>
+      <a:lvl3pPr marL="1143000" indent="-228600" algn="l" defTabSz="914400" rtl="0" eaLnBrk="1" latinLnBrk="0" hangingPunct="1">
+        <a:lnSpc>
+          <a:spcPct val="90000"/>
+        </a:lnSpc>
+        <a:spcBef>
+          <a:spcPts val="500"/>
+        </a:spcBef>
+        <a:buFont typeface="Arial" panose="020B0604020202020204" pitchFamily="34" charset="0"/>
+        <a:buChar char="•"/>
+        <a:defRPr sz="2000" kern="1200">
+          <a:solidFill>
+            <a:schemeClr val="tx1"/>
+          </a:solidFill>
+          <a:latin typeface="+mn-lt"/>
+          <a:ea typeface="+mn-ea"/>
+          <a:cs typeface="+mn-cs"/>
+        </a:defRPr>
+      </a:lvl3pPr>
+      <a:lvl4pPr marL="1600200" indent="-228600" algn="l" defTabSz="914400" rtl="0" eaLnBrk="1" latinLnBrk="0" hangingPunct="1">
+        <a:lnSpc>
+          <a:spcPct val="90000"/>
+        </a:lnSpc>
+        <a:spcBef>
+          <a:spcPts val="500"/>
+        </a:spcBef>
+        <a:buFont typeface="Arial" panose="020B0604020202020204" pitchFamily="34" charset="0"/>
+        <a:buChar char="•"/>
+        <a:defRPr sz="1800" kern="1200">
+          <a:solidFill>
+            <a:schemeClr val="tx1"/>
+          </a:solidFill>
+          <a:latin typeface="+mn-lt"/>
+          <a:ea typeface="+mn-ea"/>
+          <a:cs typeface="+mn-cs"/>
+        </a:defRPr>
+      </a:lvl4pPr>
+      <a:lvl5pPr marL="2057400" indent="-228600" algn="l" defTabSz="914400" rtl="0" eaLnBrk="1" latinLnBrk="0" hangingPunct="1">
+        <a:lnSpc>
+          <a:spcPct val="90000"/>
+        </a:lnSpc>
+        <a:spcBef>
+          <a:spcPts val="500"/>
+        </a:spcBef>
+        <a:buFont typeface="Arial" panose="020B0604020202020204" pitchFamily="34" charset="0"/>
+        <a:buChar char="•"/>
+        <a:defRPr sz="1800" kern="1200">
+          <a:solidFill>
+            <a:schemeClr val="tx1"/>
+          </a:solidFill>
+          <a:latin typeface="+mn-lt"/>
+          <a:ea typeface="+mn-ea"/>
+          <a:cs typeface="+mn-cs"/>
+        </a:defRPr>
+      </a:lvl5pPr>
+      <a:lvl6pPr marL="2514600" indent="-228600" algn="l" defTabSz="914400" rtl="0" eaLnBrk="1" latinLnBrk="0" hangingPunct="1">
+        <a:lnSpc>
+          <a:spcPct val="90000"/>
+        </a:lnSpc>
+        <a:spcBef>
+          <a:spcPts val="500"/>
+        </a:spcBef>
+        <a:buFont typeface="Arial" panose="020B0604020202020204" pitchFamily="34" charset="0"/>
+        <a:buChar char="•"/>
+        <a:defRPr sz="1800" kern="1200">
+          <a:solidFill>
+            <a:schemeClr val="tx1"/>
+          </a:solidFill>
+          <a:latin typeface="+mn-lt"/>
+          <a:ea typeface="+mn-ea"/>
+          <a:cs typeface="+mn-cs"/>
+        </a:defRPr>
+      </a:lvl6pPr>
+      <a:lvl7pPr marL="2971800" indent="-228600" algn="l" defTabSz="914400" rtl="0" eaLnBrk="1" latinLnBrk="0" hangingPunct="1">
+        <a:lnSpc>
+          <a:spcPct val="90000"/>
+        </a:lnSpc>
+        <a:spcBef>
+          <a:spcPts val="500"/>
+        </a:spcBef>
+        <a:buFont typeface="Arial" panose="020B0604020202020204" pitchFamily="34" charset="0"/>
+        <a:buChar char="•"/>
+        <a:defRPr sz="1800" kern="1200">
+          <a:solidFill>
+            <a:schemeClr val="tx1"/>
+          </a:solidFill>
+          <a:latin typeface="+mn-lt"/>
+          <a:ea typeface="+mn-ea"/>
+          <a:cs typeface="+mn-cs"/>
+        </a:defRPr>
+      </a:lvl7pPr>
+      <a:lvl8pPr marL="3429000" indent="-228600" algn="l" defTabSz="914400" rtl="0" eaLnBrk="1" latinLnBrk="0" hangingPunct="1">
+        <a:lnSpc>
+          <a:spcPct val="90000"/>
+        </a:lnSpc>
+        <a:spcBef>
+          <a:spcPts val="500"/>
+        </a:spcBef>
+        <a:buFont typeface="Arial" panose="020B0604020202020204" pitchFamily="34" charset="0"/>
+        <a:buChar char="•"/>
+        <a:defRPr sz="1800" kern="1200">
+          <a:solidFill>
+            <a:schemeClr val="tx1"/>
+          </a:solidFill>
+          <a:latin typeface="+mn-lt"/>
+          <a:ea typeface="+mn-ea"/>
+          <a:cs typeface="+mn-cs"/>
+        </a:defRPr>
+      </a:lvl8pPr>
+      <a:lvl9pPr marL="3886200" indent="-228600" algn="l" defTabSz="914400" rtl="0" eaLnBrk="1" latinLnBrk="0" hangingPunct="1">
+        <a:lnSpc>
+          <a:spcPct val="90000"/>
+        </a:lnSpc>
+        <a:spcBef>
+          <a:spcPts val="500"/>
+        </a:spcBef>
+        <a:buFont typeface="Arial" panose="020B0604020202020204" pitchFamily="34" charset="0"/>
+        <a:buChar char="•"/>
+        <a:defRPr sz="1800" kern="1200">
+          <a:solidFill>
+            <a:schemeClr val="tx1"/>
+          </a:solidFill>
+          <a:latin typeface="+mn-lt"/>
+          <a:ea typeface="+mn-ea"/>
+          <a:cs typeface="+mn-cs"/>
+        </a:defRPr>
+      </a:lvl9pPr>
+    </p:bodyStyle>
+    <p:otherStyle>
+      <a:defPPr>
+        <a:defRPr lang="pt-BR"/>
+      </a:defPPr>
+      <a:lvl1pPr marL="0" algn="l" defTabSz="914400" rtl="0" eaLnBrk="1" latinLnBrk="0" hangingPunct="1">
+        <a:defRPr sz="1800" kern="1200">
+          <a:solidFill>
+            <a:schemeClr val="tx1"/>
+          </a:solidFill>
+          <a:latin typeface="+mn-lt"/>
+          <a:ea typeface="+mn-ea"/>
+          <a:cs typeface="+mn-cs"/>
+        </a:defRPr>
+      </a:lvl1pPr>
+      <a:lvl2pPr marL="457200" algn="l" defTabSz="914400" rtl="0" eaLnBrk="1" latinLnBrk="0" hangingPunct="1">
+        <a:defRPr sz="1800" kern="1200">
+          <a:solidFill>
+            <a:schemeClr val="tx1"/>
+          </a:solidFill>
+          <a:latin typeface="+mn-lt"/>
+          <a:ea typeface="+mn-ea"/>
+          <a:cs typeface="+mn-cs"/>
+        </a:defRPr>
+      </a:lvl2pPr>
+      <a:lvl3pPr marL="914400" algn="l" defTabSz="914400" rtl="0" eaLnBrk="1" latinLnBrk="0" hangingPunct="1">
+        <a:defRPr sz="1800" kern="1200">
+          <a:solidFill>
+            <a:schemeClr val="tx1"/>
+          </a:solidFill>
+          <a:latin typeface="+mn-lt"/>
+          <a:ea typeface="+mn-ea"/>
+          <a:cs typeface="+mn-cs"/>
+        </a:defRPr>
+      </a:lvl3pPr>
+      <a:lvl4pPr marL="1371600" algn="l" defTabSz="914400" rtl="0" eaLnBrk="1" latinLnBrk="0" hangingPunct="1">
+        <a:defRPr sz="1800" kern="1200">
+          <a:solidFill>
+            <a:schemeClr val="tx1"/>
+          </a:solidFill>
+          <a:latin typeface="+mn-lt"/>
+          <a:ea typeface="+mn-ea"/>
+          <a:cs typeface="+mn-cs"/>
+        </a:defRPr>
+      </a:lvl4pPr>
+      <a:lvl5pPr marL="1828800" algn="l" defTabSz="914400" rtl="0" eaLnBrk="1" latinLnBrk="0" hangingPunct="1">
+        <a:defRPr sz="1800" kern="1200">
+          <a:solidFill>
+            <a:schemeClr val="tx1"/>
+          </a:solidFill>
+          <a:latin typeface="+mn-lt"/>
+          <a:ea typeface="+mn-ea"/>
+          <a:cs typeface="+mn-cs"/>
+        </a:defRPr>
+      </a:lvl5pPr>
+      <a:lvl6pPr marL="2286000" algn="l" defTabSz="914400" rtl="0" eaLnBrk="1" latinLnBrk="0" hangingPunct="1">
+        <a:defRPr sz="1800" kern="1200">
+          <a:solidFill>
+            <a:schemeClr val="tx1"/>
+          </a:solidFill>
+          <a:latin typeface="+mn-lt"/>
+          <a:ea typeface="+mn-ea"/>
+          <a:cs typeface="+mn-cs"/>
+        </a:defRPr>
+      </a:lvl6pPr>
+      <a:lvl7pPr marL="2743200" algn="l" defTabSz="914400" rtl="0" eaLnBrk="1" latinLnBrk="0" hangingPunct="1">
+        <a:defRPr sz="1800" kern="1200">
+          <a:solidFill>
+            <a:schemeClr val="tx1"/>
+          </a:solidFill>
+          <a:latin typeface="+mn-lt"/>
+          <a:ea typeface="+mn-ea"/>
+          <a:cs typeface="+mn-cs"/>
+        </a:defRPr>
+      </a:lvl7pPr>
+      <a:lvl8pPr marL="3200400" algn="l" defTabSz="914400" rtl="0" eaLnBrk="1" latinLnBrk="0" hangingPunct="1">
+        <a:defRPr sz="1800" kern="1200">
+          <a:solidFill>
+            <a:schemeClr val="tx1"/>
+          </a:solidFill>
+          <a:latin typeface="+mn-lt"/>
+          <a:ea typeface="+mn-ea"/>
+          <a:cs typeface="+mn-cs"/>
+        </a:defRPr>
+      </a:lvl8pPr>
+      <a:lvl9pPr marL="3657600" algn="l" defTabSz="914400" rtl="0" eaLnBrk="1" latinLnBrk="0" hangingPunct="1">
+        <a:defRPr sz="1800" kern="1200">
+          <a:solidFill>
+            <a:schemeClr val="tx1"/>
+          </a:solidFill>
+          <a:latin typeface="+mn-lt"/>
+          <a:ea typeface="+mn-ea"/>
+          <a:cs typeface="+mn-cs"/>
+        </a:defRPr>
+      </a:lvl9pPr>
+    </p:otherStyle>
+  </p:txStyles>
 </p:sldMaster>
 </file>
 
 <file path=ppt/slides/slide1.xml><?xml version="1.0" encoding="utf-8"?>
-<p:sld xmlns:a="http://schemas.openxmlformats.org/drawingml/2006/main" xmlns:p="http://schemas.openxmlformats.org/presentationml/2006/main" xmlns:r="http://schemas.openxmlformats.org/officeDocument/2006/relationships" xmlns:p14="http://schemas.microsoft.com/office/powerpoint/2010/main" xmlns:p15="http://schemas.microsoft.com/office/powerpoint/2012/main" xmlns:mc="http://schemas.openxmlformats.org/markup-compatibility/2006">
+<p:sld xmlns:a="http://schemas.openxmlformats.org/drawingml/2006/main" xmlns:r="http://schemas.openxmlformats.org/officeDocument/2006/relationships" xmlns:p="http://schemas.openxmlformats.org/presentationml/2006/main">
   <p:cSld>
     <p:bg>
       <p:bgPr>
         <a:solidFill>
-          <a:srgbClr val="ffffff"/>
+          <a:srgbClr val="FFFFFF"/>
         </a:solidFill>
+        <a:effectLst/>
       </p:bgPr>
     </p:bg>
     <p:spTree>
@@ -3847,164 +4428,28 @@
             <a:avLst/>
           </a:prstGeom>
           <a:solidFill>
-            <a:srgbClr val="347c36"/>
+            <a:srgbClr val="347C36"/>
           </a:solidFill>
           <a:ln>
             <a:noFill/>
           </a:ln>
         </p:spPr>
         <p:style>
-          <a:lnRef idx="0"/>
-          <a:fillRef idx="0"/>
-          <a:effectRef idx="0"/>
+          <a:lnRef idx="0">
+            <a:scrgbClr r="0" g="0" b="0"/>
+          </a:lnRef>
+          <a:fillRef idx="0">
+            <a:scrgbClr r="0" g="0" b="0"/>
+          </a:fillRef>
+          <a:effectRef idx="0">
+            <a:scrgbClr r="0" g="0" b="0"/>
+          </a:effectRef>
           <a:fontRef idx="minor"/>
         </p:style>
       </p:sp>
       <p:pic>
         <p:nvPicPr>
-          <p:cNvPr id="83" name="Google Shape;89;p13" descr=""/>
-          <p:cNvPicPr/>
-          <p:nvPr/>
-        </p:nvPicPr>
-        <p:blipFill>
-          <a:blip r:embed="rId1"/>
-          <a:stretch/>
-        </p:blipFill>
-        <p:spPr>
-          <a:xfrm>
-            <a:off x="10561680" y="0"/>
-            <a:ext cx="1083960" cy="2507760"/>
-          </a:xfrm>
-          <a:prstGeom prst="rect">
-            <a:avLst/>
-          </a:prstGeom>
-          <a:ln>
-            <a:noFill/>
-          </a:ln>
-        </p:spPr>
-      </p:pic>
-      <p:sp>
-        <p:nvSpPr>
-          <p:cNvPr id="84" name="CustomShape 2"/>
-          <p:cNvSpPr/>
-          <p:nvPr/>
-        </p:nvSpPr>
-        <p:spPr>
-          <a:xfrm>
-            <a:off x="2296800" y="2234160"/>
-            <a:ext cx="7513200" cy="1323000"/>
-          </a:xfrm>
-          <a:prstGeom prst="rect">
-            <a:avLst/>
-          </a:prstGeom>
-          <a:noFill/>
-          <a:ln>
-            <a:noFill/>
-          </a:ln>
-        </p:spPr>
-        <p:style>
-          <a:lnRef idx="0"/>
-          <a:fillRef idx="0"/>
-          <a:effectRef idx="0"/>
-          <a:fontRef idx="minor"/>
-        </p:style>
-        <p:txBody>
-          <a:bodyPr/>
-          <a:p>
-            <a:pPr algn="ctr">
-              <a:lnSpc>
-                <a:spcPct val="100000"/>
-              </a:lnSpc>
-            </a:pPr>
-            <a:br/>
-            <a:r>
-              <a:rPr b="1" lang="pt-BR" sz="3200" spc="-1" strike="noStrike">
-                <a:solidFill>
-                  <a:srgbClr val="8dc641"/>
-                </a:solidFill>
-                <a:latin typeface="Arial"/>
-                <a:ea typeface="Arial"/>
-              </a:rPr>
-              <a:t>Prática  de análise de sistemas</a:t>
-            </a:r>
-            <a:endParaRPr b="0" lang="pt-BR" sz="3200" spc="-1" strike="noStrike">
-              <a:latin typeface="Arial"/>
-            </a:endParaRPr>
-          </a:p>
-          <a:p>
-            <a:pPr algn="ctr">
-              <a:lnSpc>
-                <a:spcPct val="100000"/>
-              </a:lnSpc>
-            </a:pPr>
-            <a:endParaRPr b="0" lang="pt-BR" sz="3200" spc="-1" strike="noStrike">
-              <a:latin typeface="Arial"/>
-            </a:endParaRPr>
-          </a:p>
-        </p:txBody>
-      </p:sp>
-      <p:sp>
-        <p:nvSpPr>
-          <p:cNvPr id="85" name="CustomShape 3"/>
-          <p:cNvSpPr/>
-          <p:nvPr/>
-        </p:nvSpPr>
-        <p:spPr>
-          <a:xfrm>
-            <a:off x="504000" y="6479280"/>
-            <a:ext cx="11130840" cy="720720"/>
-          </a:xfrm>
-          <a:prstGeom prst="rect">
-            <a:avLst/>
-          </a:prstGeom>
-          <a:noFill/>
-          <a:ln>
-            <a:noFill/>
-          </a:ln>
-        </p:spPr>
-        <p:style>
-          <a:lnRef idx="0"/>
-          <a:fillRef idx="0"/>
-          <a:effectRef idx="0"/>
-          <a:fontRef idx="minor"/>
-        </p:style>
-        <p:txBody>
-          <a:bodyPr/>
-          <a:p>
-            <a:pPr algn="ctr">
-              <a:lnSpc>
-                <a:spcPct val="100000"/>
-              </a:lnSpc>
-            </a:pPr>
-            <a:r>
-              <a:rPr b="1" lang="pt-BR" sz="1500" spc="-1" strike="noStrike">
-                <a:solidFill>
-                  <a:srgbClr val="8dc641"/>
-                </a:solidFill>
-                <a:latin typeface="Arial"/>
-                <a:ea typeface="Arial"/>
-              </a:rPr>
-              <a:t> </a:t>
-            </a:r>
-            <a:r>
-              <a:rPr b="1" lang="pt-BR" sz="1500" spc="-1" strike="noStrike">
-                <a:solidFill>
-                  <a:srgbClr val="8dc641"/>
-                </a:solidFill>
-                <a:latin typeface="Arial"/>
-                <a:ea typeface="Arial"/>
-              </a:rPr>
-              <a:t>Fabio Vasques, Gieder Loreto</a:t>
-            </a:r>
-            <a:endParaRPr b="0" lang="pt-BR" sz="1500" spc="-1" strike="noStrike">
-              <a:latin typeface="Arial"/>
-            </a:endParaRPr>
-          </a:p>
-        </p:txBody>
-      </p:sp>
-      <p:pic>
-        <p:nvPicPr>
-          <p:cNvPr id="86" name="Google Shape;92;p13" descr=""/>
+          <p:cNvPr id="83" name="Google Shape;89;p13"/>
           <p:cNvPicPr/>
           <p:nvPr/>
         </p:nvPicPr>
@@ -4014,8 +4459,8 @@
         </p:blipFill>
         <p:spPr>
           <a:xfrm>
-            <a:off x="268920" y="573840"/>
-            <a:ext cx="5751720" cy="1359720"/>
+            <a:off x="10561680" y="0"/>
+            <a:ext cx="1083960" cy="2507760"/>
           </a:xfrm>
           <a:prstGeom prst="rect">
             <a:avLst/>
@@ -4027,14 +4472,14 @@
       </p:pic>
       <p:sp>
         <p:nvSpPr>
-          <p:cNvPr id="87" name="TextShape 4"/>
-          <p:cNvSpPr txBox="1"/>
+          <p:cNvPr id="84" name="CustomShape 2"/>
+          <p:cNvSpPr/>
           <p:nvPr/>
         </p:nvSpPr>
         <p:spPr>
           <a:xfrm>
-            <a:off x="3415320" y="2748600"/>
-            <a:ext cx="4891320" cy="829440"/>
+            <a:off x="2296800" y="2234160"/>
+            <a:ext cx="7513200" cy="1323000"/>
           </a:xfrm>
           <a:prstGeom prst="rect">
             <a:avLst/>
@@ -4044,30 +4489,187 @@
             <a:noFill/>
           </a:ln>
         </p:spPr>
-        <p:txBody>
-          <a:bodyPr lIns="90000" rIns="90000" tIns="45000" bIns="45000"/>
+        <p:style>
+          <a:lnRef idx="0">
+            <a:scrgbClr r="0" g="0" b="0"/>
+          </a:lnRef>
+          <a:fillRef idx="0">
+            <a:scrgbClr r="0" g="0" b="0"/>
+          </a:fillRef>
+          <a:effectRef idx="0">
+            <a:scrgbClr r="0" g="0" b="0"/>
+          </a:effectRef>
+          <a:fontRef idx="minor"/>
+        </p:style>
+        <p:txBody>
+          <a:bodyPr/>
+          <a:lstStyle/>
           <a:p>
             <a:pPr algn="ctr">
               <a:lnSpc>
                 <a:spcPct val="100000"/>
               </a:lnSpc>
             </a:pPr>
-            <a:endParaRPr b="1" lang="pt-BR" sz="1800" spc="-1" strike="noStrike">
-              <a:latin typeface="Arial"/>
-            </a:endParaRPr>
-          </a:p>
-          <a:p>
+            <a:br>
+              <a:rPr dirty="0"/>
+            </a:br>
             <a:r>
-              <a:rPr b="1" lang="pt-BR" sz="2000" spc="-1" strike="noStrike">
+              <a:rPr lang="pt-BR" sz="3200" b="1" strike="noStrike" spc="-1" dirty="0">
                 <a:solidFill>
-                  <a:srgbClr val="8dc641"/>
+                  <a:srgbClr val="8DC641"/>
+                </a:solidFill>
+                <a:latin typeface="Arial"/>
+                <a:ea typeface="Arial"/>
+              </a:rPr>
+              <a:t>Prática  de análise de sistemas</a:t>
+            </a:r>
+            <a:endParaRPr lang="pt-BR" sz="3200" b="0" strike="noStrike" spc="-1" dirty="0">
+              <a:latin typeface="Arial"/>
+            </a:endParaRPr>
+          </a:p>
+          <a:p>
+            <a:pPr algn="ctr">
+              <a:lnSpc>
+                <a:spcPct val="100000"/>
+              </a:lnSpc>
+            </a:pPr>
+            <a:endParaRPr lang="pt-BR" sz="3200" b="0" strike="noStrike" spc="-1" dirty="0">
+              <a:latin typeface="Arial"/>
+            </a:endParaRPr>
+          </a:p>
+        </p:txBody>
+      </p:sp>
+      <p:sp>
+        <p:nvSpPr>
+          <p:cNvPr id="85" name="CustomShape 3"/>
+          <p:cNvSpPr/>
+          <p:nvPr/>
+        </p:nvSpPr>
+        <p:spPr>
+          <a:xfrm>
+            <a:off x="504000" y="6479280"/>
+            <a:ext cx="11130840" cy="720720"/>
+          </a:xfrm>
+          <a:prstGeom prst="rect">
+            <a:avLst/>
+          </a:prstGeom>
+          <a:noFill/>
+          <a:ln>
+            <a:noFill/>
+          </a:ln>
+        </p:spPr>
+        <p:style>
+          <a:lnRef idx="0">
+            <a:scrgbClr r="0" g="0" b="0"/>
+          </a:lnRef>
+          <a:fillRef idx="0">
+            <a:scrgbClr r="0" g="0" b="0"/>
+          </a:fillRef>
+          <a:effectRef idx="0">
+            <a:scrgbClr r="0" g="0" b="0"/>
+          </a:effectRef>
+          <a:fontRef idx="minor"/>
+        </p:style>
+        <p:txBody>
+          <a:bodyPr/>
+          <a:lstStyle/>
+          <a:p>
+            <a:pPr algn="ctr">
+              <a:lnSpc>
+                <a:spcPct val="100000"/>
+              </a:lnSpc>
+            </a:pPr>
+            <a:r>
+              <a:rPr lang="pt-BR" sz="1500" b="1" strike="noStrike" spc="-1">
+                <a:solidFill>
+                  <a:srgbClr val="8DC641"/>
+                </a:solidFill>
+                <a:latin typeface="Arial"/>
+                <a:ea typeface="Arial"/>
+              </a:rPr>
+              <a:t> Fabio Vasques, Gieder Loreto</a:t>
+            </a:r>
+            <a:endParaRPr lang="pt-BR" sz="1500" b="0" strike="noStrike" spc="-1">
+              <a:latin typeface="Arial"/>
+            </a:endParaRPr>
+          </a:p>
+        </p:txBody>
+      </p:sp>
+      <p:pic>
+        <p:nvPicPr>
+          <p:cNvPr id="86" name="Google Shape;92;p13"/>
+          <p:cNvPicPr/>
+          <p:nvPr/>
+        </p:nvPicPr>
+        <p:blipFill>
+          <a:blip r:embed="rId3"/>
+          <a:stretch/>
+        </p:blipFill>
+        <p:spPr>
+          <a:xfrm>
+            <a:off x="268920" y="573840"/>
+            <a:ext cx="5751720" cy="1359720"/>
+          </a:xfrm>
+          <a:prstGeom prst="rect">
+            <a:avLst/>
+          </a:prstGeom>
+          <a:ln>
+            <a:noFill/>
+          </a:ln>
+        </p:spPr>
+      </p:pic>
+      <p:sp>
+        <p:nvSpPr>
+          <p:cNvPr id="87" name="TextShape 4"/>
+          <p:cNvSpPr txBox="1"/>
+          <p:nvPr/>
+        </p:nvSpPr>
+        <p:spPr>
+          <a:xfrm>
+            <a:off x="3415320" y="2748600"/>
+            <a:ext cx="4891320" cy="829440"/>
+          </a:xfrm>
+          <a:prstGeom prst="rect">
+            <a:avLst/>
+          </a:prstGeom>
+          <a:noFill/>
+          <a:ln>
+            <a:noFill/>
+          </a:ln>
+        </p:spPr>
+        <p:txBody>
+          <a:bodyPr lIns="90000" tIns="45000" rIns="90000" bIns="45000"/>
+          <a:lstStyle/>
+          <a:p>
+            <a:pPr algn="ctr">
+              <a:lnSpc>
+                <a:spcPct val="100000"/>
+              </a:lnSpc>
+            </a:pPr>
+            <a:endParaRPr lang="pt-BR" sz="1800" b="1" strike="noStrike" spc="-1" dirty="0">
+              <a:latin typeface="Arial"/>
+            </a:endParaRPr>
+          </a:p>
+          <a:p>
+            <a:r>
+              <a:rPr lang="pt-BR" sz="2000" b="1" strike="noStrike" spc="-1" dirty="0">
+                <a:solidFill>
+                  <a:srgbClr val="8DC641"/>
                 </a:solidFill>
                 <a:latin typeface="Arial"/>
                 <a:ea typeface="Arial"/>
               </a:rPr>
               <a:t>Processo (etapas de desenvolvimento)</a:t>
             </a:r>
-            <a:endParaRPr b="1" lang="pt-BR" sz="2000" spc="-1" strike="noStrike">
+          </a:p>
+          <a:p>
+            <a:r>
+              <a:rPr lang="pt-BR" sz="2000" b="1" spc="-1" dirty="0">
+                <a:latin typeface="Arial"/>
+              </a:rPr>
+              <a:t>(TESTE TITULO GIT)</a:t>
+            </a:r>
+            <a:endParaRPr lang="pt-BR" sz="2000" b="1" strike="noStrike" spc="-1" dirty="0">
               <a:latin typeface="Arial"/>
             </a:endParaRPr>
           </a:p>
@@ -4093,30 +4695,25 @@
           </a:ln>
         </p:spPr>
         <p:txBody>
-          <a:bodyPr lIns="90000" rIns="90000" tIns="45000" bIns="45000"/>
+          <a:bodyPr lIns="90000" tIns="45000" rIns="90000" bIns="45000"/>
+          <a:lstStyle/>
           <a:p>
             <a:pPr algn="just"/>
             <a:r>
-              <a:rPr b="1" lang="pt-BR" sz="1800" spc="-1" strike="noStrike">
+              <a:rPr lang="pt-BR" sz="1800" b="1" strike="noStrike" spc="-1">
                 <a:solidFill>
-                  <a:srgbClr val="62a73b"/>
+                  <a:srgbClr val="62A73B"/>
                 </a:solidFill>
                 <a:latin typeface="Arial"/>
               </a:rPr>
               <a:t>Será usado a ferramenta git para controle de versionamento do sistema a ser desenvolvido, além disso durante a etapa de desenvolvimento será usado o método cascata onde será feito todo o planejamento, execução, validação e entrega do produto final.</a:t>
             </a:r>
-            <a:endParaRPr b="1" lang="pt-BR" sz="1800" spc="-1" strike="noStrike">
+          </a:p>
+          <a:p>
+            <a:pPr algn="just"/>
+            <a:endParaRPr lang="pt-BR" sz="1800" b="1" strike="noStrike" spc="-1">
               <a:solidFill>
-                <a:srgbClr val="62a73b"/>
-              </a:solidFill>
-              <a:latin typeface="Arial"/>
-            </a:endParaRPr>
-          </a:p>
-          <a:p>
-            <a:pPr algn="just"/>
-            <a:endParaRPr b="1" lang="pt-BR" sz="1800" spc="-1" strike="noStrike">
-              <a:solidFill>
-                <a:srgbClr val="62a73b"/>
+                <a:srgbClr val="62A73B"/>
               </a:solidFill>
               <a:latin typeface="Arial"/>
             </a:endParaRPr>
@@ -4125,6 +4722,9 @@
       </p:sp>
     </p:spTree>
   </p:cSld>
+  <p:clrMapOvr>
+    <a:masterClrMapping/>
+  </p:clrMapOvr>
   <p:timing>
     <p:tnLst>
       <p:par>
@@ -4133,14 +4733,14 @@
             <p:seq>
               <p:cTn id="2" dur="indefinite" nodeType="mainSeq"/>
               <p:prevCondLst>
-                <p:cond delay="0" evt="onPrev">
+                <p:cond evt="onPrev" delay="0">
                   <p:tgtEl>
                     <p:sldTgt/>
                   </p:tgtEl>
                 </p:cond>
               </p:prevCondLst>
               <p:nextCondLst>
-                <p:cond delay="0" evt="onNext">
+                <p:cond evt="onNext" delay="0">
                   <p:tgtEl>
                     <p:sldTgt/>
                   </p:tgtEl>
@@ -4156,13 +4756,14 @@
 </file>
 
 <file path=ppt/slides/slide2.xml><?xml version="1.0" encoding="utf-8"?>
-<p:sld xmlns:a="http://schemas.openxmlformats.org/drawingml/2006/main" xmlns:p="http://schemas.openxmlformats.org/presentationml/2006/main" xmlns:r="http://schemas.openxmlformats.org/officeDocument/2006/relationships" xmlns:p14="http://schemas.microsoft.com/office/powerpoint/2010/main" xmlns:p15="http://schemas.microsoft.com/office/powerpoint/2012/main" xmlns:mc="http://schemas.openxmlformats.org/markup-compatibility/2006">
+<p:sld xmlns:a="http://schemas.openxmlformats.org/drawingml/2006/main" xmlns:r="http://schemas.openxmlformats.org/officeDocument/2006/relationships" xmlns:p="http://schemas.openxmlformats.org/presentationml/2006/main">
   <p:cSld>
     <p:bg>
       <p:bgPr>
         <a:solidFill>
-          <a:srgbClr val="ffffff"/>
+          <a:srgbClr val="FFFFFF"/>
         </a:solidFill>
+        <a:effectLst/>
       </p:bgPr>
     </p:bg>
     <p:spTree>
@@ -4194,27 +4795,33 @@
             <a:avLst/>
           </a:prstGeom>
           <a:solidFill>
-            <a:srgbClr val="347c36"/>
+            <a:srgbClr val="347C36"/>
           </a:solidFill>
           <a:ln>
             <a:noFill/>
           </a:ln>
         </p:spPr>
         <p:style>
-          <a:lnRef idx="0"/>
-          <a:fillRef idx="0"/>
-          <a:effectRef idx="0"/>
+          <a:lnRef idx="0">
+            <a:scrgbClr r="0" g="0" b="0"/>
+          </a:lnRef>
+          <a:fillRef idx="0">
+            <a:scrgbClr r="0" g="0" b="0"/>
+          </a:fillRef>
+          <a:effectRef idx="0">
+            <a:scrgbClr r="0" g="0" b="0"/>
+          </a:effectRef>
           <a:fontRef idx="minor"/>
         </p:style>
       </p:sp>
       <p:pic>
         <p:nvPicPr>
-          <p:cNvPr id="90" name="Google Shape;89;p13" descr=""/>
+          <p:cNvPr id="90" name="Google Shape;89;p13"/>
           <p:cNvPicPr/>
           <p:nvPr/>
         </p:nvPicPr>
         <p:blipFill>
-          <a:blip r:embed="rId1"/>
+          <a:blip r:embed="rId2"/>
           <a:stretch/>
         </p:blipFill>
         <p:spPr>
@@ -4250,13 +4857,20 @@
           </a:ln>
         </p:spPr>
         <p:style>
-          <a:lnRef idx="0"/>
-          <a:fillRef idx="0"/>
-          <a:effectRef idx="0"/>
+          <a:lnRef idx="0">
+            <a:scrgbClr r="0" g="0" b="0"/>
+          </a:lnRef>
+          <a:fillRef idx="0">
+            <a:scrgbClr r="0" g="0" b="0"/>
+          </a:fillRef>
+          <a:effectRef idx="0">
+            <a:scrgbClr r="0" g="0" b="0"/>
+          </a:effectRef>
           <a:fontRef idx="minor"/>
         </p:style>
         <p:txBody>
           <a:bodyPr/>
+          <a:lstStyle/>
           <a:p>
             <a:pPr algn="ctr">
               <a:lnSpc>
@@ -4265,16 +4879,16 @@
             </a:pPr>
             <a:br/>
             <a:r>
-              <a:rPr b="1" lang="pt-BR" sz="3200" spc="-1" strike="noStrike">
+              <a:rPr lang="pt-BR" sz="3200" b="1" strike="noStrike" spc="-1">
                 <a:solidFill>
-                  <a:srgbClr val="8dc641"/>
+                  <a:srgbClr val="8DC641"/>
                 </a:solidFill>
                 <a:latin typeface="Arial"/>
                 <a:ea typeface="Arial"/>
               </a:rPr>
               <a:t>Prática  de análise de sistemas</a:t>
             </a:r>
-            <a:endParaRPr b="0" lang="pt-BR" sz="3200" spc="-1" strike="noStrike">
+            <a:endParaRPr lang="pt-BR" sz="3200" b="0" strike="noStrike" spc="-1">
               <a:latin typeface="Arial"/>
             </a:endParaRPr>
           </a:p>
@@ -4284,7 +4898,7 @@
                 <a:spcPct val="100000"/>
               </a:lnSpc>
             </a:pPr>
-            <a:endParaRPr b="0" lang="pt-BR" sz="3200" spc="-1" strike="noStrike">
+            <a:endParaRPr lang="pt-BR" sz="3200" b="0" strike="noStrike" spc="-1">
               <a:latin typeface="Arial"/>
             </a:endParaRPr>
           </a:p>
@@ -4310,13 +4924,20 @@
           </a:ln>
         </p:spPr>
         <p:style>
-          <a:lnRef idx="0"/>
-          <a:fillRef idx="0"/>
-          <a:effectRef idx="0"/>
+          <a:lnRef idx="0">
+            <a:scrgbClr r="0" g="0" b="0"/>
+          </a:lnRef>
+          <a:fillRef idx="0">
+            <a:scrgbClr r="0" g="0" b="0"/>
+          </a:fillRef>
+          <a:effectRef idx="0">
+            <a:scrgbClr r="0" g="0" b="0"/>
+          </a:effectRef>
           <a:fontRef idx="minor"/>
         </p:style>
         <p:txBody>
           <a:bodyPr/>
+          <a:lstStyle/>
           <a:p>
             <a:pPr algn="ctr">
               <a:lnSpc>
@@ -4324,26 +4945,16 @@
               </a:lnSpc>
             </a:pPr>
             <a:r>
-              <a:rPr b="1" lang="pt-BR" sz="1500" spc="-1" strike="noStrike">
+              <a:rPr lang="pt-BR" sz="1500" b="1" strike="noStrike" spc="-1">
                 <a:solidFill>
-                  <a:srgbClr val="8dc641"/>
+                  <a:srgbClr val="8DC641"/>
                 </a:solidFill>
                 <a:latin typeface="Arial"/>
                 <a:ea typeface="Arial"/>
               </a:rPr>
-              <a:t> </a:t>
+              <a:t> Fabio Vasques, Gieder Loreto</a:t>
             </a:r>
-            <a:r>
-              <a:rPr b="1" lang="pt-BR" sz="1500" spc="-1" strike="noStrike">
-                <a:solidFill>
-                  <a:srgbClr val="8dc641"/>
-                </a:solidFill>
-                <a:latin typeface="Arial"/>
-                <a:ea typeface="Arial"/>
-              </a:rPr>
-              <a:t>Fabio Vasques, Gieder Loreto</a:t>
-            </a:r>
-            <a:endParaRPr b="0" lang="pt-BR" sz="1500" spc="-1" strike="noStrike">
+            <a:endParaRPr lang="pt-BR" sz="1500" b="0" strike="noStrike" spc="-1">
               <a:latin typeface="Arial"/>
             </a:endParaRPr>
           </a:p>
@@ -4351,12 +4962,12 @@
       </p:sp>
       <p:pic>
         <p:nvPicPr>
-          <p:cNvPr id="93" name="Google Shape;92;p13" descr=""/>
+          <p:cNvPr id="93" name="Google Shape;92;p13"/>
           <p:cNvPicPr/>
           <p:nvPr/>
         </p:nvPicPr>
         <p:blipFill>
-          <a:blip r:embed="rId2"/>
+          <a:blip r:embed="rId3"/>
           <a:stretch/>
         </p:blipFill>
         <p:spPr>
@@ -4392,29 +5003,30 @@
           </a:ln>
         </p:spPr>
         <p:txBody>
-          <a:bodyPr lIns="90000" rIns="90000" tIns="45000" bIns="45000"/>
+          <a:bodyPr lIns="90000" tIns="45000" rIns="90000" bIns="45000"/>
+          <a:lstStyle/>
           <a:p>
             <a:pPr algn="ctr">
               <a:lnSpc>
                 <a:spcPct val="100000"/>
               </a:lnSpc>
             </a:pPr>
-            <a:endParaRPr b="1" lang="pt-BR" sz="1800" spc="-1" strike="noStrike">
+            <a:endParaRPr lang="pt-BR" sz="1800" b="1" strike="noStrike" spc="-1">
               <a:latin typeface="Arial"/>
             </a:endParaRPr>
           </a:p>
           <a:p>
             <a:r>
-              <a:rPr b="1" lang="pt-BR" sz="2000" spc="-1" strike="noStrike">
+              <a:rPr lang="pt-BR" sz="2000" b="1" strike="noStrike" spc="-1">
                 <a:solidFill>
-                  <a:srgbClr val="8dc641"/>
+                  <a:srgbClr val="8DC641"/>
                 </a:solidFill>
                 <a:latin typeface="Arial"/>
                 <a:ea typeface="Arial"/>
               </a:rPr>
               <a:t>Processo (etapas de desenvolvimento)</a:t>
             </a:r>
-            <a:endParaRPr b="1" lang="pt-BR" sz="2000" spc="-1" strike="noStrike">
+            <a:endParaRPr lang="pt-BR" sz="2000" b="1" strike="noStrike" spc="-1">
               <a:latin typeface="Arial"/>
             </a:endParaRPr>
           </a:p>
@@ -4440,24 +5052,19 @@
           </a:ln>
         </p:spPr>
         <p:txBody>
-          <a:bodyPr lIns="90000" rIns="90000" tIns="45000" bIns="45000"/>
+          <a:bodyPr lIns="90000" tIns="45000" rIns="90000" bIns="45000"/>
+          <a:lstStyle/>
           <a:p>
             <a:pPr algn="just"/>
             <a:r>
-              <a:rPr b="1" lang="pt-BR" sz="1800" spc="-1" strike="noStrike">
+              <a:rPr lang="pt-BR" sz="1800" b="1" strike="noStrike" spc="-1">
                 <a:solidFill>
-                  <a:srgbClr val="62a73b"/>
+                  <a:srgbClr val="62A73B"/>
                 </a:solidFill>
                 <a:latin typeface="Arial"/>
               </a:rPr>
               <a:t>.</a:t>
             </a:r>
-            <a:endParaRPr b="1" lang="pt-BR" sz="1800" spc="-1" strike="noStrike">
-              <a:solidFill>
-                <a:srgbClr val="62a73b"/>
-              </a:solidFill>
-              <a:latin typeface="Arial"/>
-            </a:endParaRPr>
           </a:p>
         </p:txBody>
       </p:sp>
@@ -4481,7 +5088,8 @@
           </a:ln>
         </p:spPr>
         <p:txBody>
-          <a:bodyPr lIns="90000" rIns="90000" tIns="45000" bIns="45000"/>
+          <a:bodyPr lIns="90000" tIns="45000" rIns="90000" bIns="45000"/>
+          <a:lstStyle/>
           <a:p>
             <a:pPr algn="just">
               <a:lnSpc>
@@ -4489,15 +5097,15 @@
               </a:lnSpc>
             </a:pPr>
             <a:r>
-              <a:rPr b="1" lang="pt-BR" sz="1800" spc="-1" strike="noStrike">
+              <a:rPr lang="pt-BR" sz="1800" b="1" strike="noStrike" spc="-1">
                 <a:solidFill>
-                  <a:srgbClr val="62a73b"/>
+                  <a:srgbClr val="62A73B"/>
                 </a:solidFill>
                 <a:latin typeface="Arial"/>
               </a:rPr>
               <a:t>-Será feito o levantamento de requisitos e todas as necessidades que o sistema precisa ter.</a:t>
             </a:r>
-            <a:endParaRPr b="1" lang="pt-BR" sz="1800" spc="-1" strike="noStrike">
+            <a:endParaRPr lang="pt-BR" sz="1800" b="1" strike="noStrike" spc="-1">
               <a:latin typeface="Arial"/>
             </a:endParaRPr>
           </a:p>
@@ -4508,15 +5116,15 @@
               </a:lnSpc>
             </a:pPr>
             <a:r>
-              <a:rPr b="1" lang="pt-BR" sz="1800" spc="-1" strike="noStrike">
+              <a:rPr lang="pt-BR" sz="1800" b="1" strike="noStrike" spc="-1">
                 <a:solidFill>
-                  <a:srgbClr val="62a73b"/>
+                  <a:srgbClr val="62A73B"/>
                 </a:solidFill>
                 <a:latin typeface="Arial"/>
               </a:rPr>
               <a:t>-Depois iremos para a fase de planejamento onde definiremos as estimativas, cronograma e</a:t>
             </a:r>
-            <a:endParaRPr b="1" lang="pt-BR" sz="1800" spc="-1" strike="noStrike">
+            <a:endParaRPr lang="pt-BR" sz="1800" b="1" strike="noStrike" spc="-1">
               <a:latin typeface="Arial"/>
             </a:endParaRPr>
           </a:p>
@@ -4527,24 +5135,15 @@
               </a:lnSpc>
             </a:pPr>
             <a:r>
-              <a:rPr b="1" lang="pt-BR" sz="1800" spc="-1" strike="noStrike">
+              <a:rPr lang="pt-BR" sz="1800" b="1" strike="noStrike" spc="-1">
                 <a:solidFill>
-                  <a:srgbClr val="62a73b"/>
+                  <a:srgbClr val="62A73B"/>
                 </a:solidFill>
                 <a:latin typeface="Arial"/>
               </a:rPr>
-              <a:t> </a:t>
+              <a:t> o acompanhamento.</a:t>
             </a:r>
-            <a:r>
-              <a:rPr b="1" lang="pt-BR" sz="1800" spc="-1" strike="noStrike">
-                <a:solidFill>
-                  <a:srgbClr val="62a73b"/>
-                </a:solidFill>
-                <a:latin typeface="Arial"/>
-              </a:rPr>
-              <a:t>o acompanhamento.</a:t>
-            </a:r>
-            <a:endParaRPr b="1" lang="pt-BR" sz="1800" spc="-1" strike="noStrike">
+            <a:endParaRPr lang="pt-BR" sz="1800" b="1" strike="noStrike" spc="-1">
               <a:latin typeface="Arial"/>
             </a:endParaRPr>
           </a:p>
@@ -4555,15 +5154,15 @@
               </a:lnSpc>
             </a:pPr>
             <a:r>
-              <a:rPr b="1" lang="pt-BR" sz="1800" spc="-1" strike="noStrike">
+              <a:rPr lang="pt-BR" sz="1800" b="1" strike="noStrike" spc="-1">
                 <a:solidFill>
-                  <a:srgbClr val="62a73b"/>
+                  <a:srgbClr val="62A73B"/>
                 </a:solidFill>
                 <a:latin typeface="Arial"/>
               </a:rPr>
               <a:t>-Após isso partiremos para a modelagem onde será feito a análise do projeto</a:t>
             </a:r>
-            <a:endParaRPr b="1" lang="pt-BR" sz="1800" spc="-1" strike="noStrike">
+            <a:endParaRPr lang="pt-BR" sz="1800" b="1" strike="noStrike" spc="-1">
               <a:latin typeface="Arial"/>
             </a:endParaRPr>
           </a:p>
@@ -4574,30 +5173,30 @@
               </a:lnSpc>
             </a:pPr>
             <a:r>
-              <a:rPr b="1" lang="pt-BR" sz="1800" spc="-1" strike="noStrike">
+              <a:rPr lang="pt-BR" sz="1800" b="1" strike="noStrike" spc="-1">
                 <a:solidFill>
-                  <a:srgbClr val="62a73b"/>
+                  <a:srgbClr val="62A73B"/>
                 </a:solidFill>
                 <a:latin typeface="Arial"/>
               </a:rPr>
               <a:t>-Depois chegaremos a fase da codificação e testes.</a:t>
             </a:r>
-            <a:endParaRPr b="1" lang="pt-BR" sz="1800" spc="-1" strike="noStrike">
+            <a:endParaRPr lang="pt-BR" sz="1800" b="1" strike="noStrike" spc="-1">
               <a:latin typeface="Arial"/>
             </a:endParaRPr>
           </a:p>
           <a:p>
             <a:pPr algn="just"/>
             <a:r>
-              <a:rPr b="1" lang="pt-BR" sz="1800" spc="-1" strike="noStrike">
+              <a:rPr lang="pt-BR" sz="1800" b="1" strike="noStrike" spc="-1">
                 <a:solidFill>
-                  <a:srgbClr val="62a73b"/>
+                  <a:srgbClr val="62A73B"/>
                 </a:solidFill>
                 <a:latin typeface="Arial"/>
               </a:rPr>
               <a:t>-por ultimo a entrega do projeto final.</a:t>
             </a:r>
-            <a:endParaRPr b="1" lang="pt-BR" sz="1800" spc="-1" strike="noStrike">
+            <a:endParaRPr lang="pt-BR" sz="1800" b="1" strike="noStrike" spc="-1">
               <a:latin typeface="Arial"/>
             </a:endParaRPr>
           </a:p>
@@ -4605,22 +5204,25 @@
       </p:sp>
     </p:spTree>
   </p:cSld>
+  <p:clrMapOvr>
+    <a:masterClrMapping/>
+  </p:clrMapOvr>
   <p:timing>
     <p:tnLst>
       <p:par>
-        <p:cTn id="3" dur="indefinite" restart="never" nodeType="tmRoot">
+        <p:cTn id="1" dur="indefinite" restart="never" nodeType="tmRoot">
           <p:childTnLst>
             <p:seq>
-              <p:cTn id="4" dur="indefinite" nodeType="mainSeq"/>
+              <p:cTn id="2" dur="indefinite" nodeType="mainSeq"/>
               <p:prevCondLst>
-                <p:cond delay="0" evt="onPrev">
+                <p:cond evt="onPrev" delay="0">
                   <p:tgtEl>
                     <p:sldTgt/>
                   </p:tgtEl>
                 </p:cond>
               </p:prevCondLst>
               <p:nextCondLst>
-                <p:cond delay="0" evt="onNext">
+                <p:cond evt="onNext" delay="0">
                   <p:tgtEl>
                     <p:sldTgt/>
                   </p:tgtEl>
@@ -4636,13 +5238,14 @@
 </file>
 
 <file path=ppt/slides/slide3.xml><?xml version="1.0" encoding="utf-8"?>
-<p:sld xmlns:a="http://schemas.openxmlformats.org/drawingml/2006/main" xmlns:p="http://schemas.openxmlformats.org/presentationml/2006/main" xmlns:r="http://schemas.openxmlformats.org/officeDocument/2006/relationships" xmlns:p14="http://schemas.microsoft.com/office/powerpoint/2010/main" xmlns:p15="http://schemas.microsoft.com/office/powerpoint/2012/main" xmlns:mc="http://schemas.openxmlformats.org/markup-compatibility/2006">
+<p:sld xmlns:a="http://schemas.openxmlformats.org/drawingml/2006/main" xmlns:r="http://schemas.openxmlformats.org/officeDocument/2006/relationships" xmlns:p="http://schemas.openxmlformats.org/presentationml/2006/main">
   <p:cSld>
     <p:bg>
       <p:bgPr>
         <a:solidFill>
-          <a:srgbClr val="ffffff"/>
+          <a:srgbClr val="FFFFFF"/>
         </a:solidFill>
+        <a:effectLst/>
       </p:bgPr>
     </p:bg>
     <p:spTree>
@@ -4674,27 +5277,33 @@
             <a:avLst/>
           </a:prstGeom>
           <a:solidFill>
-            <a:srgbClr val="347c36"/>
+            <a:srgbClr val="347C36"/>
           </a:solidFill>
           <a:ln>
             <a:noFill/>
           </a:ln>
         </p:spPr>
         <p:style>
-          <a:lnRef idx="0"/>
-          <a:fillRef idx="0"/>
-          <a:effectRef idx="0"/>
+          <a:lnRef idx="0">
+            <a:scrgbClr r="0" g="0" b="0"/>
+          </a:lnRef>
+          <a:fillRef idx="0">
+            <a:scrgbClr r="0" g="0" b="0"/>
+          </a:fillRef>
+          <a:effectRef idx="0">
+            <a:scrgbClr r="0" g="0" b="0"/>
+          </a:effectRef>
           <a:fontRef idx="minor"/>
         </p:style>
       </p:sp>
       <p:pic>
         <p:nvPicPr>
-          <p:cNvPr id="98" name="Google Shape;89;p13" descr=""/>
+          <p:cNvPr id="98" name="Google Shape;89;p13"/>
           <p:cNvPicPr/>
           <p:nvPr/>
         </p:nvPicPr>
         <p:blipFill>
-          <a:blip r:embed="rId1"/>
+          <a:blip r:embed="rId2"/>
           <a:stretch/>
         </p:blipFill>
         <p:spPr>
@@ -4730,13 +5339,20 @@
           </a:ln>
         </p:spPr>
         <p:style>
-          <a:lnRef idx="0"/>
-          <a:fillRef idx="0"/>
-          <a:effectRef idx="0"/>
+          <a:lnRef idx="0">
+            <a:scrgbClr r="0" g="0" b="0"/>
+          </a:lnRef>
+          <a:fillRef idx="0">
+            <a:scrgbClr r="0" g="0" b="0"/>
+          </a:fillRef>
+          <a:effectRef idx="0">
+            <a:scrgbClr r="0" g="0" b="0"/>
+          </a:effectRef>
           <a:fontRef idx="minor"/>
         </p:style>
         <p:txBody>
           <a:bodyPr/>
+          <a:lstStyle/>
           <a:p>
             <a:pPr algn="ctr">
               <a:lnSpc>
@@ -4745,16 +5361,16 @@
             </a:pPr>
             <a:br/>
             <a:r>
-              <a:rPr b="1" lang="pt-BR" sz="3200" spc="-1" strike="noStrike">
+              <a:rPr lang="pt-BR" sz="3200" b="1" strike="noStrike" spc="-1">
                 <a:solidFill>
-                  <a:srgbClr val="8dc641"/>
+                  <a:srgbClr val="8DC641"/>
                 </a:solidFill>
                 <a:latin typeface="Arial"/>
                 <a:ea typeface="Arial"/>
               </a:rPr>
               <a:t>Prática  de análise de sistemas</a:t>
             </a:r>
-            <a:endParaRPr b="0" lang="pt-BR" sz="3200" spc="-1" strike="noStrike">
+            <a:endParaRPr lang="pt-BR" sz="3200" b="0" strike="noStrike" spc="-1">
               <a:latin typeface="Arial"/>
             </a:endParaRPr>
           </a:p>
@@ -4764,7 +5380,7 @@
                 <a:spcPct val="100000"/>
               </a:lnSpc>
             </a:pPr>
-            <a:endParaRPr b="0" lang="pt-BR" sz="3200" spc="-1" strike="noStrike">
+            <a:endParaRPr lang="pt-BR" sz="3200" b="0" strike="noStrike" spc="-1">
               <a:latin typeface="Arial"/>
             </a:endParaRPr>
           </a:p>
@@ -4790,13 +5406,20 @@
           </a:ln>
         </p:spPr>
         <p:style>
-          <a:lnRef idx="0"/>
-          <a:fillRef idx="0"/>
-          <a:effectRef idx="0"/>
+          <a:lnRef idx="0">
+            <a:scrgbClr r="0" g="0" b="0"/>
+          </a:lnRef>
+          <a:fillRef idx="0">
+            <a:scrgbClr r="0" g="0" b="0"/>
+          </a:fillRef>
+          <a:effectRef idx="0">
+            <a:scrgbClr r="0" g="0" b="0"/>
+          </a:effectRef>
           <a:fontRef idx="minor"/>
         </p:style>
         <p:txBody>
           <a:bodyPr/>
+          <a:lstStyle/>
           <a:p>
             <a:pPr algn="ctr">
               <a:lnSpc>
@@ -4804,26 +5427,16 @@
               </a:lnSpc>
             </a:pPr>
             <a:r>
-              <a:rPr b="1" lang="pt-BR" sz="1500" spc="-1" strike="noStrike">
+              <a:rPr lang="pt-BR" sz="1500" b="1" strike="noStrike" spc="-1">
                 <a:solidFill>
-                  <a:srgbClr val="8dc641"/>
+                  <a:srgbClr val="8DC641"/>
                 </a:solidFill>
                 <a:latin typeface="Arial"/>
                 <a:ea typeface="Arial"/>
               </a:rPr>
-              <a:t> </a:t>
+              <a:t> Fabio Vasques, Gieder Loreto</a:t>
             </a:r>
-            <a:r>
-              <a:rPr b="1" lang="pt-BR" sz="1500" spc="-1" strike="noStrike">
-                <a:solidFill>
-                  <a:srgbClr val="8dc641"/>
-                </a:solidFill>
-                <a:latin typeface="Arial"/>
-                <a:ea typeface="Arial"/>
-              </a:rPr>
-              <a:t>Fabio Vasques, Gieder Loreto</a:t>
-            </a:r>
-            <a:endParaRPr b="0" lang="pt-BR" sz="1500" spc="-1" strike="noStrike">
+            <a:endParaRPr lang="pt-BR" sz="1500" b="0" strike="noStrike" spc="-1">
               <a:latin typeface="Arial"/>
             </a:endParaRPr>
           </a:p>
@@ -4831,12 +5444,12 @@
       </p:sp>
       <p:pic>
         <p:nvPicPr>
-          <p:cNvPr id="101" name="Google Shape;92;p13" descr=""/>
+          <p:cNvPr id="101" name="Google Shape;92;p13"/>
           <p:cNvPicPr/>
           <p:nvPr/>
         </p:nvPicPr>
         <p:blipFill>
-          <a:blip r:embed="rId2"/>
+          <a:blip r:embed="rId3"/>
           <a:stretch/>
         </p:blipFill>
         <p:spPr>
@@ -4872,39 +5485,30 @@
           </a:ln>
         </p:spPr>
         <p:txBody>
-          <a:bodyPr lIns="90000" rIns="90000" tIns="45000" bIns="45000"/>
+          <a:bodyPr lIns="90000" tIns="45000" rIns="90000" bIns="45000"/>
+          <a:lstStyle/>
           <a:p>
             <a:pPr algn="ctr">
               <a:lnSpc>
                 <a:spcPct val="100000"/>
               </a:lnSpc>
             </a:pPr>
-            <a:endParaRPr b="1" lang="pt-BR" sz="1800" spc="-1" strike="noStrike">
+            <a:endParaRPr lang="pt-BR" sz="1800" b="1" strike="noStrike" spc="-1">
               <a:latin typeface="Arial"/>
             </a:endParaRPr>
           </a:p>
           <a:p>
             <a:r>
-              <a:rPr b="1" lang="pt-BR" sz="2000" spc="-1" strike="noStrike">
+              <a:rPr lang="pt-BR" sz="2000" b="1" strike="noStrike" spc="-1">
                 <a:solidFill>
-                  <a:srgbClr val="8dc641"/>
+                  <a:srgbClr val="8DC641"/>
                 </a:solidFill>
                 <a:latin typeface="Arial"/>
                 <a:ea typeface="Arial"/>
               </a:rPr>
-              <a:t>Processo (etapas de </a:t>
+              <a:t>Processo (etapas de desenvolvimento)</a:t>
             </a:r>
-            <a:r>
-              <a:rPr b="1" lang="pt-BR" sz="2000" spc="-1" strike="noStrike">
-                <a:solidFill>
-                  <a:srgbClr val="8dc641"/>
-                </a:solidFill>
-                <a:latin typeface="Arial"/>
-                <a:ea typeface="Arial"/>
-              </a:rPr>
-              <a:t>desenvolvimento)</a:t>
-            </a:r>
-            <a:endParaRPr b="1" lang="pt-BR" sz="2000" spc="-1" strike="noStrike">
+            <a:endParaRPr lang="pt-BR" sz="2000" b="1" strike="noStrike" spc="-1">
               <a:latin typeface="Arial"/>
             </a:endParaRPr>
           </a:p>
@@ -4930,24 +5534,19 @@
           </a:ln>
         </p:spPr>
         <p:txBody>
-          <a:bodyPr lIns="90000" rIns="90000" tIns="45000" bIns="45000"/>
+          <a:bodyPr lIns="90000" tIns="45000" rIns="90000" bIns="45000"/>
+          <a:lstStyle/>
           <a:p>
             <a:pPr algn="just"/>
             <a:r>
-              <a:rPr b="1" lang="pt-BR" sz="1800" spc="-1" strike="noStrike">
+              <a:rPr lang="pt-BR" sz="1800" b="1" strike="noStrike" spc="-1">
                 <a:solidFill>
-                  <a:srgbClr val="62a73b"/>
+                  <a:srgbClr val="62A73B"/>
                 </a:solidFill>
                 <a:latin typeface="Arial"/>
               </a:rPr>
               <a:t>.</a:t>
             </a:r>
-            <a:endParaRPr b="1" lang="pt-BR" sz="1800" spc="-1" strike="noStrike">
-              <a:solidFill>
-                <a:srgbClr val="62a73b"/>
-              </a:solidFill>
-              <a:latin typeface="Arial"/>
-            </a:endParaRPr>
           </a:p>
         </p:txBody>
       </p:sp>
@@ -4969,13 +5568,19 @@
             <a:solidFill>
               <a:srgbClr val="000000"/>
             </a:solidFill>
-            <a:tailEnd len="med" type="triangle" w="med"/>
+            <a:tailEnd type="triangle" w="med" len="med"/>
           </a:ln>
         </p:spPr>
         <p:style>
-          <a:lnRef idx="0"/>
-          <a:fillRef idx="0"/>
-          <a:effectRef idx="0"/>
+          <a:lnRef idx="0">
+            <a:scrgbClr r="0" g="0" b="0"/>
+          </a:lnRef>
+          <a:fillRef idx="0">
+            <a:scrgbClr r="0" g="0" b="0"/>
+          </a:fillRef>
+          <a:effectRef idx="0">
+            <a:scrgbClr r="0" g="0" b="0"/>
+          </a:effectRef>
           <a:fontRef idx="minor"/>
         </p:style>
       </p:sp>
@@ -5008,6 +5613,7 @@
               <a:avLst/>
               <a:gdLst/>
               <a:ahLst/>
+              <a:cxnLst/>
               <a:rect l="0" t="0" r="r" b="b"/>
               <a:pathLst>
                 <a:path w="3402" h="2102">
@@ -5052,14 +5658,20 @@
             <a:noFill/>
             <a:ln>
               <a:solidFill>
-                <a:srgbClr val="3465a4"/>
+                <a:srgbClr val="3465A4"/>
               </a:solidFill>
             </a:ln>
           </p:spPr>
           <p:style>
-            <a:lnRef idx="0"/>
-            <a:fillRef idx="0"/>
-            <a:effectRef idx="0"/>
+            <a:lnRef idx="0">
+              <a:scrgbClr r="0" g="0" b="0"/>
+            </a:lnRef>
+            <a:fillRef idx="0">
+              <a:scrgbClr r="0" g="0" b="0"/>
+            </a:fillRef>
+            <a:effectRef idx="0">
+              <a:scrgbClr r="0" g="0" b="0"/>
+            </a:effectRef>
             <a:fontRef idx="minor"/>
           </p:style>
         </p:sp>
@@ -5103,41 +5715,33 @@
             </a:ln>
           </p:spPr>
           <p:txBody>
-            <a:bodyPr lIns="90000" rIns="90000" tIns="45000" bIns="45000"/>
+            <a:bodyPr lIns="90000" tIns="45000" rIns="90000" bIns="45000"/>
+            <a:lstStyle/>
             <a:p>
               <a:r>
-                <a:rPr b="1" lang="pt-BR" sz="1000" spc="-1" strike="noStrike">
+                <a:rPr lang="pt-BR" sz="1000" b="1" strike="noStrike" spc="-1">
                   <a:solidFill>
-                    <a:srgbClr val="89c765"/>
+                    <a:srgbClr val="89C765"/>
                   </a:solidFill>
                   <a:latin typeface="Arial"/>
                 </a:rPr>
                 <a:t>-Levantamento</a:t>
               </a:r>
-              <a:endParaRPr b="1" lang="pt-BR" sz="1000" spc="-1" strike="noStrike">
+              <a:endParaRPr lang="pt-BR" sz="1000" b="1" strike="noStrike" spc="-1">
                 <a:latin typeface="Arial"/>
               </a:endParaRPr>
             </a:p>
             <a:p>
               <a:r>
-                <a:rPr b="1" lang="pt-BR" sz="1000" spc="-1" strike="noStrike">
+                <a:rPr lang="pt-BR" sz="1000" b="1" strike="noStrike" spc="-1">
                   <a:solidFill>
-                    <a:srgbClr val="89c765"/>
+                    <a:srgbClr val="89C765"/>
                   </a:solidFill>
                   <a:latin typeface="Arial"/>
                 </a:rPr>
-                <a:t> </a:t>
+                <a:t> de requisitos</a:t>
               </a:r>
-              <a:r>
-                <a:rPr b="1" lang="pt-BR" sz="1000" spc="-1" strike="noStrike">
-                  <a:solidFill>
-                    <a:srgbClr val="89c765"/>
-                  </a:solidFill>
-                  <a:latin typeface="Arial"/>
-                </a:rPr>
-                <a:t>de requisitos</a:t>
-              </a:r>
-              <a:endParaRPr b="1" lang="pt-BR" sz="1000" spc="-1" strike="noStrike">
+              <a:endParaRPr lang="pt-BR" sz="1000" b="1" strike="noStrike" spc="-1">
                 <a:latin typeface="Arial"/>
               </a:endParaRPr>
             </a:p>
@@ -5162,13 +5766,19 @@
             <a:solidFill>
               <a:srgbClr val="000000"/>
             </a:solidFill>
-            <a:tailEnd len="med" type="triangle" w="med"/>
+            <a:tailEnd type="triangle" w="med" len="med"/>
           </a:ln>
         </p:spPr>
         <p:style>
-          <a:lnRef idx="0"/>
-          <a:fillRef idx="0"/>
-          <a:effectRef idx="0"/>
+          <a:lnRef idx="0">
+            <a:scrgbClr r="0" g="0" b="0"/>
+          </a:lnRef>
+          <a:fillRef idx="0">
+            <a:scrgbClr r="0" g="0" b="0"/>
+          </a:fillRef>
+          <a:effectRef idx="0">
+            <a:scrgbClr r="0" g="0" b="0"/>
+          </a:effectRef>
           <a:fontRef idx="minor"/>
         </p:style>
       </p:sp>
@@ -5201,6 +5811,7 @@
               <a:avLst/>
               <a:gdLst/>
               <a:ahLst/>
+              <a:cxnLst/>
               <a:rect l="0" t="0" r="r" b="b"/>
               <a:pathLst>
                 <a:path w="3402" h="2102">
@@ -5245,14 +5856,20 @@
             <a:noFill/>
             <a:ln>
               <a:solidFill>
-                <a:srgbClr val="3465a4"/>
+                <a:srgbClr val="3465A4"/>
               </a:solidFill>
             </a:ln>
           </p:spPr>
           <p:style>
-            <a:lnRef idx="0"/>
-            <a:fillRef idx="0"/>
-            <a:effectRef idx="0"/>
+            <a:lnRef idx="0">
+              <a:scrgbClr r="0" g="0" b="0"/>
+            </a:lnRef>
+            <a:fillRef idx="0">
+              <a:scrgbClr r="0" g="0" b="0"/>
+            </a:fillRef>
+            <a:effectRef idx="0">
+              <a:scrgbClr r="0" g="0" b="0"/>
+            </a:effectRef>
             <a:fontRef idx="minor"/>
           </p:style>
         </p:sp>
@@ -5296,46 +5913,47 @@
             </a:ln>
           </p:spPr>
           <p:txBody>
-            <a:bodyPr lIns="90000" rIns="90000" tIns="45000" bIns="45000"/>
+            <a:bodyPr lIns="90000" tIns="45000" rIns="90000" bIns="45000"/>
+            <a:lstStyle/>
             <a:p>
               <a:r>
-                <a:rPr b="1" lang="pt-BR" sz="1000" spc="-1" strike="noStrike">
+                <a:rPr lang="pt-BR" sz="1000" b="1" strike="noStrike" spc="-1">
                   <a:solidFill>
-                    <a:srgbClr val="89c765"/>
+                    <a:srgbClr val="89C765"/>
                   </a:solidFill>
                   <a:latin typeface="Arial"/>
                 </a:rPr>
                 <a:t>-Planejamento</a:t>
               </a:r>
-              <a:endParaRPr b="1" lang="pt-BR" sz="1000" spc="-1" strike="noStrike">
+              <a:endParaRPr lang="pt-BR" sz="1000" b="1" strike="noStrike" spc="-1">
                 <a:latin typeface="Arial"/>
               </a:endParaRPr>
             </a:p>
             <a:p>
               <a:r>
-                <a:rPr b="1" lang="pt-BR" sz="1000" spc="-1" strike="noStrike">
+                <a:rPr lang="pt-BR" sz="1000" b="1" strike="noStrike" spc="-1">
                   <a:solidFill>
-                    <a:srgbClr val="89c765"/>
+                    <a:srgbClr val="89C765"/>
                   </a:solidFill>
                   <a:latin typeface="Arial"/>
                 </a:rPr>
                 <a:t>-Estimativas</a:t>
               </a:r>
-              <a:endParaRPr b="1" lang="pt-BR" sz="1000" spc="-1" strike="noStrike">
+              <a:endParaRPr lang="pt-BR" sz="1000" b="1" strike="noStrike" spc="-1">
                 <a:latin typeface="Arial"/>
               </a:endParaRPr>
             </a:p>
             <a:p>
               <a:r>
-                <a:rPr b="1" lang="pt-BR" sz="1000" spc="-1" strike="noStrike">
+                <a:rPr lang="pt-BR" sz="1000" b="1" strike="noStrike" spc="-1">
                   <a:solidFill>
-                    <a:srgbClr val="89c765"/>
+                    <a:srgbClr val="89C765"/>
                   </a:solidFill>
                   <a:latin typeface="Arial"/>
                 </a:rPr>
                 <a:t>-cronograma</a:t>
               </a:r>
-              <a:endParaRPr b="1" lang="pt-BR" sz="1000" spc="-1" strike="noStrike">
+              <a:endParaRPr lang="pt-BR" sz="1000" b="1" strike="noStrike" spc="-1">
                 <a:latin typeface="Arial"/>
               </a:endParaRPr>
             </a:p>
@@ -5360,13 +5978,19 @@
             <a:solidFill>
               <a:srgbClr val="000000"/>
             </a:solidFill>
-            <a:tailEnd len="med" type="triangle" w="med"/>
+            <a:tailEnd type="triangle" w="med" len="med"/>
           </a:ln>
         </p:spPr>
         <p:style>
-          <a:lnRef idx="0"/>
-          <a:fillRef idx="0"/>
-          <a:effectRef idx="0"/>
+          <a:lnRef idx="0">
+            <a:scrgbClr r="0" g="0" b="0"/>
+          </a:lnRef>
+          <a:fillRef idx="0">
+            <a:scrgbClr r="0" g="0" b="0"/>
+          </a:fillRef>
+          <a:effectRef idx="0">
+            <a:scrgbClr r="0" g="0" b="0"/>
+          </a:effectRef>
           <a:fontRef idx="minor"/>
         </p:style>
       </p:sp>
@@ -5399,6 +6023,7 @@
               <a:avLst/>
               <a:gdLst/>
               <a:ahLst/>
+              <a:cxnLst/>
               <a:rect l="0" t="0" r="r" b="b"/>
               <a:pathLst>
                 <a:path w="3402" h="2102">
@@ -5443,14 +6068,20 @@
             <a:noFill/>
             <a:ln>
               <a:solidFill>
-                <a:srgbClr val="3465a4"/>
+                <a:srgbClr val="3465A4"/>
               </a:solidFill>
             </a:ln>
           </p:spPr>
           <p:style>
-            <a:lnRef idx="0"/>
-            <a:fillRef idx="0"/>
-            <a:effectRef idx="0"/>
+            <a:lnRef idx="0">
+              <a:scrgbClr r="0" g="0" b="0"/>
+            </a:lnRef>
+            <a:fillRef idx="0">
+              <a:scrgbClr r="0" g="0" b="0"/>
+            </a:fillRef>
+            <a:effectRef idx="0">
+              <a:scrgbClr r="0" g="0" b="0"/>
+            </a:effectRef>
             <a:fontRef idx="minor"/>
           </p:style>
         </p:sp>
@@ -5494,55 +6125,47 @@
             </a:ln>
           </p:spPr>
           <p:txBody>
-            <a:bodyPr lIns="90000" rIns="90000" tIns="45000" bIns="45000"/>
+            <a:bodyPr lIns="90000" tIns="45000" rIns="90000" bIns="45000"/>
+            <a:lstStyle/>
             <a:p>
               <a:r>
-                <a:rPr b="1" lang="pt-BR" sz="1000" spc="-1" strike="noStrike">
+                <a:rPr lang="pt-BR" sz="1000" b="1" strike="noStrike" spc="-1">
                   <a:solidFill>
-                    <a:srgbClr val="89c765"/>
+                    <a:srgbClr val="89C765"/>
                   </a:solidFill>
                   <a:latin typeface="Arial"/>
                 </a:rPr>
                 <a:t>-Modelagem</a:t>
               </a:r>
-              <a:endParaRPr b="1" lang="pt-BR" sz="1000" spc="-1" strike="noStrike">
+              <a:endParaRPr lang="pt-BR" sz="1000" b="1" strike="noStrike" spc="-1">
                 <a:latin typeface="Arial"/>
               </a:endParaRPr>
             </a:p>
             <a:p>
               <a:r>
-                <a:rPr b="1" lang="pt-BR" sz="1000" spc="-1" strike="noStrike">
+                <a:rPr lang="pt-BR" sz="1000" b="1" strike="noStrike" spc="-1">
                   <a:solidFill>
-                    <a:srgbClr val="89c765"/>
+                    <a:srgbClr val="89C765"/>
                   </a:solidFill>
                   <a:latin typeface="Arial"/>
                 </a:rPr>
                 <a:t>-Análise</a:t>
               </a:r>
-              <a:endParaRPr b="1" lang="pt-BR" sz="1000" spc="-1" strike="noStrike">
+              <a:endParaRPr lang="pt-BR" sz="1000" b="1" strike="noStrike" spc="-1">
                 <a:latin typeface="Arial"/>
               </a:endParaRPr>
             </a:p>
             <a:p>
               <a:r>
-                <a:rPr b="1" lang="pt-BR" sz="1000" spc="-1" strike="noStrike">
+                <a:rPr lang="pt-BR" sz="1000" b="1" strike="noStrike" spc="-1">
                   <a:solidFill>
-                    <a:srgbClr val="89c765"/>
+                    <a:srgbClr val="89C765"/>
                   </a:solidFill>
                   <a:latin typeface="Arial"/>
                 </a:rPr>
-                <a:t> </a:t>
+                <a:t> do projeto</a:t>
               </a:r>
-              <a:r>
-                <a:rPr b="1" lang="pt-BR" sz="1000" spc="-1" strike="noStrike">
-                  <a:solidFill>
-                    <a:srgbClr val="89c765"/>
-                  </a:solidFill>
-                  <a:latin typeface="Arial"/>
-                </a:rPr>
-                <a:t>do projeto</a:t>
-              </a:r>
-              <a:endParaRPr b="1" lang="pt-BR" sz="1000" spc="-1" strike="noStrike">
+              <a:endParaRPr lang="pt-BR" sz="1000" b="1" strike="noStrike" spc="-1">
                 <a:latin typeface="Arial"/>
               </a:endParaRPr>
             </a:p>
@@ -5567,13 +6190,19 @@
             <a:solidFill>
               <a:srgbClr val="000000"/>
             </a:solidFill>
-            <a:tailEnd len="med" type="triangle" w="med"/>
+            <a:tailEnd type="triangle" w="med" len="med"/>
           </a:ln>
         </p:spPr>
         <p:style>
-          <a:lnRef idx="0"/>
-          <a:fillRef idx="0"/>
-          <a:effectRef idx="0"/>
+          <a:lnRef idx="0">
+            <a:scrgbClr r="0" g="0" b="0"/>
+          </a:lnRef>
+          <a:fillRef idx="0">
+            <a:scrgbClr r="0" g="0" b="0"/>
+          </a:fillRef>
+          <a:effectRef idx="0">
+            <a:scrgbClr r="0" g="0" b="0"/>
+          </a:effectRef>
           <a:fontRef idx="minor"/>
         </p:style>
       </p:sp>
@@ -5606,6 +6235,7 @@
               <a:avLst/>
               <a:gdLst/>
               <a:ahLst/>
+              <a:cxnLst/>
               <a:rect l="0" t="0" r="r" b="b"/>
               <a:pathLst>
                 <a:path w="3402" h="2102">
@@ -5650,14 +6280,20 @@
             <a:noFill/>
             <a:ln>
               <a:solidFill>
-                <a:srgbClr val="3465a4"/>
+                <a:srgbClr val="3465A4"/>
               </a:solidFill>
             </a:ln>
           </p:spPr>
           <p:style>
-            <a:lnRef idx="0"/>
-            <a:fillRef idx="0"/>
-            <a:effectRef idx="0"/>
+            <a:lnRef idx="0">
+              <a:scrgbClr r="0" g="0" b="0"/>
+            </a:lnRef>
+            <a:fillRef idx="0">
+              <a:scrgbClr r="0" g="0" b="0"/>
+            </a:fillRef>
+            <a:effectRef idx="0">
+              <a:scrgbClr r="0" g="0" b="0"/>
+            </a:effectRef>
             <a:fontRef idx="minor"/>
           </p:style>
         </p:sp>
@@ -5701,32 +6337,33 @@
             </a:ln>
           </p:spPr>
           <p:txBody>
-            <a:bodyPr lIns="90000" rIns="90000" tIns="45000" bIns="45000"/>
+            <a:bodyPr lIns="90000" tIns="45000" rIns="90000" bIns="45000"/>
+            <a:lstStyle/>
             <a:p>
               <a:r>
-                <a:rPr b="1" lang="pt-BR" sz="1000" spc="-1" strike="noStrike">
+                <a:rPr lang="pt-BR" sz="1000" b="1" strike="noStrike" spc="-1">
                   <a:solidFill>
-                    <a:srgbClr val="89c765"/>
+                    <a:srgbClr val="89C765"/>
                   </a:solidFill>
                   <a:latin typeface="Arial"/>
                 </a:rPr>
                 <a:t>-Codificação</a:t>
               </a:r>
-              <a:endParaRPr b="1" lang="pt-BR" sz="1000" spc="-1" strike="noStrike">
+              <a:endParaRPr lang="pt-BR" sz="1000" b="1" strike="noStrike" spc="-1">
                 <a:latin typeface="Arial"/>
               </a:endParaRPr>
             </a:p>
             <a:p>
               <a:r>
-                <a:rPr b="1" lang="pt-BR" sz="1000" spc="-1" strike="noStrike">
+                <a:rPr lang="pt-BR" sz="1000" b="1" strike="noStrike" spc="-1">
                   <a:solidFill>
-                    <a:srgbClr val="89c765"/>
+                    <a:srgbClr val="89C765"/>
                   </a:solidFill>
                   <a:latin typeface="Arial"/>
                 </a:rPr>
                 <a:t>e testes</a:t>
               </a:r>
-              <a:endParaRPr b="1" lang="pt-BR" sz="1000" spc="-1" strike="noStrike">
+              <a:endParaRPr lang="pt-BR" sz="1000" b="1" strike="noStrike" spc="-1">
                 <a:latin typeface="Arial"/>
               </a:endParaRPr>
             </a:p>
@@ -5751,13 +6388,19 @@
             <a:solidFill>
               <a:srgbClr val="000000"/>
             </a:solidFill>
-            <a:tailEnd len="med" type="triangle" w="med"/>
+            <a:tailEnd type="triangle" w="med" len="med"/>
           </a:ln>
         </p:spPr>
         <p:style>
-          <a:lnRef idx="0"/>
-          <a:fillRef idx="0"/>
-          <a:effectRef idx="0"/>
+          <a:lnRef idx="0">
+            <a:scrgbClr r="0" g="0" b="0"/>
+          </a:lnRef>
+          <a:fillRef idx="0">
+            <a:scrgbClr r="0" g="0" b="0"/>
+          </a:fillRef>
+          <a:effectRef idx="0">
+            <a:scrgbClr r="0" g="0" b="0"/>
+          </a:effectRef>
           <a:fontRef idx="minor"/>
         </p:style>
       </p:sp>
@@ -5790,6 +6433,7 @@
               <a:avLst/>
               <a:gdLst/>
               <a:ahLst/>
+              <a:cxnLst/>
               <a:rect l="0" t="0" r="r" b="b"/>
               <a:pathLst>
                 <a:path w="3402" h="2102">
@@ -5834,14 +6478,20 @@
             <a:noFill/>
             <a:ln>
               <a:solidFill>
-                <a:srgbClr val="3465a4"/>
+                <a:srgbClr val="3465A4"/>
               </a:solidFill>
             </a:ln>
           </p:spPr>
           <p:style>
-            <a:lnRef idx="0"/>
-            <a:fillRef idx="0"/>
-            <a:effectRef idx="0"/>
+            <a:lnRef idx="0">
+              <a:scrgbClr r="0" g="0" b="0"/>
+            </a:lnRef>
+            <a:fillRef idx="0">
+              <a:scrgbClr r="0" g="0" b="0"/>
+            </a:fillRef>
+            <a:effectRef idx="0">
+              <a:scrgbClr r="0" g="0" b="0"/>
+            </a:effectRef>
             <a:fontRef idx="minor"/>
           </p:style>
         </p:sp>
@@ -5885,51 +6535,52 @@
             </a:ln>
           </p:spPr>
           <p:txBody>
-            <a:bodyPr lIns="90000" rIns="90000" tIns="45000" bIns="45000"/>
+            <a:bodyPr lIns="90000" tIns="45000" rIns="90000" bIns="45000"/>
+            <a:lstStyle/>
             <a:p>
               <a:r>
-                <a:rPr b="1" lang="pt-BR" sz="1000" spc="-1" strike="noStrike">
+                <a:rPr lang="pt-BR" sz="1000" b="1" strike="noStrike" spc="-1">
                   <a:solidFill>
-                    <a:srgbClr val="89c765"/>
+                    <a:srgbClr val="89C765"/>
                   </a:solidFill>
                   <a:latin typeface="Arial"/>
                 </a:rPr>
                 <a:t>-Entrega </a:t>
               </a:r>
-              <a:endParaRPr b="1" lang="pt-BR" sz="1000" spc="-1" strike="noStrike">
+              <a:endParaRPr lang="pt-BR" sz="1000" b="1" strike="noStrike" spc="-1">
                 <a:latin typeface="Arial"/>
               </a:endParaRPr>
             </a:p>
             <a:p>
               <a:r>
-                <a:rPr b="1" lang="pt-BR" sz="1000" spc="-1" strike="noStrike">
+                <a:rPr lang="pt-BR" sz="1000" b="1" strike="noStrike" spc="-1">
                   <a:solidFill>
-                    <a:srgbClr val="89c765"/>
+                    <a:srgbClr val="89C765"/>
                   </a:solidFill>
                   <a:latin typeface="Arial"/>
                 </a:rPr>
                 <a:t>do projeto </a:t>
               </a:r>
-              <a:endParaRPr b="1" lang="pt-BR" sz="1000" spc="-1" strike="noStrike">
+              <a:endParaRPr lang="pt-BR" sz="1000" b="1" strike="noStrike" spc="-1">
                 <a:latin typeface="Arial"/>
               </a:endParaRPr>
             </a:p>
             <a:p>
               <a:r>
-                <a:rPr b="1" lang="pt-BR" sz="1000" spc="-1" strike="noStrike">
+                <a:rPr lang="pt-BR" sz="1000" b="1" strike="noStrike" spc="-1">
                   <a:solidFill>
-                    <a:srgbClr val="89c765"/>
+                    <a:srgbClr val="89C765"/>
                   </a:solidFill>
                   <a:latin typeface="Arial"/>
                 </a:rPr>
                 <a:t>Final</a:t>
               </a:r>
-              <a:endParaRPr b="1" lang="pt-BR" sz="1000" spc="-1" strike="noStrike">
+              <a:endParaRPr lang="pt-BR" sz="1000" b="1" strike="noStrike" spc="-1">
                 <a:latin typeface="Arial"/>
               </a:endParaRPr>
             </a:p>
             <a:p>
-              <a:endParaRPr b="1" lang="pt-BR" sz="1000" spc="-1" strike="noStrike">
+              <a:endParaRPr lang="pt-BR" sz="1000" b="1" strike="noStrike" spc="-1">
                 <a:latin typeface="Arial"/>
               </a:endParaRPr>
             </a:p>
@@ -5938,22 +6589,25 @@
       </p:grpSp>
     </p:spTree>
   </p:cSld>
+  <p:clrMapOvr>
+    <a:masterClrMapping/>
+  </p:clrMapOvr>
   <p:timing>
     <p:tnLst>
       <p:par>
-        <p:cTn id="5" dur="indefinite" restart="never" nodeType="tmRoot">
+        <p:cTn id="1" dur="indefinite" restart="never" nodeType="tmRoot">
           <p:childTnLst>
             <p:seq>
-              <p:cTn id="6" dur="indefinite" nodeType="mainSeq"/>
+              <p:cTn id="2" dur="indefinite" nodeType="mainSeq"/>
               <p:prevCondLst>
-                <p:cond delay="0" evt="onPrev">
+                <p:cond evt="onPrev" delay="0">
                   <p:tgtEl>
                     <p:sldTgt/>
                   </p:tgtEl>
                 </p:cond>
               </p:prevCondLst>
               <p:nextCondLst>
-                <p:cond delay="0" evt="onNext">
+                <p:cond evt="onNext" delay="0">
                   <p:tgtEl>
                     <p:sldTgt/>
                   </p:tgtEl>
@@ -5969,13 +6623,14 @@
 </file>
 
 <file path=ppt/slides/slide4.xml><?xml version="1.0" encoding="utf-8"?>
-<p:sld xmlns:a="http://schemas.openxmlformats.org/drawingml/2006/main" xmlns:p="http://schemas.openxmlformats.org/presentationml/2006/main" xmlns:r="http://schemas.openxmlformats.org/officeDocument/2006/relationships" xmlns:p14="http://schemas.microsoft.com/office/powerpoint/2010/main" xmlns:p15="http://schemas.microsoft.com/office/powerpoint/2012/main" xmlns:mc="http://schemas.openxmlformats.org/markup-compatibility/2006">
+<p:sld xmlns:a="http://schemas.openxmlformats.org/drawingml/2006/main" xmlns:r="http://schemas.openxmlformats.org/officeDocument/2006/relationships" xmlns:p="http://schemas.openxmlformats.org/presentationml/2006/main">
   <p:cSld>
     <p:bg>
       <p:bgPr>
         <a:solidFill>
-          <a:srgbClr val="ffffff"/>
+          <a:srgbClr val="FFFFFF"/>
         </a:solidFill>
+        <a:effectLst/>
       </p:bgPr>
     </p:bg>
     <p:spTree>
@@ -6007,27 +6662,33 @@
             <a:avLst/>
           </a:prstGeom>
           <a:solidFill>
-            <a:srgbClr val="347c36"/>
+            <a:srgbClr val="347C36"/>
           </a:solidFill>
           <a:ln>
             <a:noFill/>
           </a:ln>
         </p:spPr>
         <p:style>
-          <a:lnRef idx="0"/>
-          <a:fillRef idx="0"/>
-          <a:effectRef idx="0"/>
+          <a:lnRef idx="0">
+            <a:scrgbClr r="0" g="0" b="0"/>
+          </a:lnRef>
+          <a:fillRef idx="0">
+            <a:scrgbClr r="0" g="0" b="0"/>
+          </a:fillRef>
+          <a:effectRef idx="0">
+            <a:scrgbClr r="0" g="0" b="0"/>
+          </a:effectRef>
           <a:fontRef idx="minor"/>
         </p:style>
       </p:sp>
       <p:pic>
         <p:nvPicPr>
-          <p:cNvPr id="130" name="Google Shape;89;p13" descr=""/>
+          <p:cNvPr id="130" name="Google Shape;89;p13"/>
           <p:cNvPicPr/>
           <p:nvPr/>
         </p:nvPicPr>
         <p:blipFill>
-          <a:blip r:embed="rId1"/>
+          <a:blip r:embed="rId2"/>
           <a:stretch/>
         </p:blipFill>
         <p:spPr>
@@ -6063,13 +6724,20 @@
           </a:ln>
         </p:spPr>
         <p:style>
-          <a:lnRef idx="0"/>
-          <a:fillRef idx="0"/>
-          <a:effectRef idx="0"/>
+          <a:lnRef idx="0">
+            <a:scrgbClr r="0" g="0" b="0"/>
+          </a:lnRef>
+          <a:fillRef idx="0">
+            <a:scrgbClr r="0" g="0" b="0"/>
+          </a:fillRef>
+          <a:effectRef idx="0">
+            <a:scrgbClr r="0" g="0" b="0"/>
+          </a:effectRef>
           <a:fontRef idx="minor"/>
         </p:style>
         <p:txBody>
           <a:bodyPr/>
+          <a:lstStyle/>
           <a:p>
             <a:pPr algn="ctr">
               <a:lnSpc>
@@ -6078,16 +6746,16 @@
             </a:pPr>
             <a:br/>
             <a:r>
-              <a:rPr b="1" lang="pt-BR" sz="3200" spc="-1" strike="noStrike">
+              <a:rPr lang="pt-BR" sz="3200" b="1" strike="noStrike" spc="-1">
                 <a:solidFill>
-                  <a:srgbClr val="8dc641"/>
+                  <a:srgbClr val="8DC641"/>
                 </a:solidFill>
                 <a:latin typeface="Arial"/>
                 <a:ea typeface="Arial"/>
               </a:rPr>
               <a:t>Prática  de análise de sistemas</a:t>
             </a:r>
-            <a:endParaRPr b="0" lang="pt-BR" sz="3200" spc="-1" strike="noStrike">
+            <a:endParaRPr lang="pt-BR" sz="3200" b="0" strike="noStrike" spc="-1">
               <a:latin typeface="Arial"/>
             </a:endParaRPr>
           </a:p>
@@ -6097,7 +6765,7 @@
                 <a:spcPct val="100000"/>
               </a:lnSpc>
             </a:pPr>
-            <a:endParaRPr b="0" lang="pt-BR" sz="3200" spc="-1" strike="noStrike">
+            <a:endParaRPr lang="pt-BR" sz="3200" b="0" strike="noStrike" spc="-1">
               <a:latin typeface="Arial"/>
             </a:endParaRPr>
           </a:p>
@@ -6107,7 +6775,7 @@
                 <a:spcPct val="100000"/>
               </a:lnSpc>
             </a:pPr>
-            <a:endParaRPr b="0" lang="pt-BR" sz="3200" spc="-1" strike="noStrike">
+            <a:endParaRPr lang="pt-BR" sz="3200" b="0" strike="noStrike" spc="-1">
               <a:latin typeface="Arial"/>
             </a:endParaRPr>
           </a:p>
@@ -6133,13 +6801,20 @@
           </a:ln>
         </p:spPr>
         <p:style>
-          <a:lnRef idx="0"/>
-          <a:fillRef idx="0"/>
-          <a:effectRef idx="0"/>
+          <a:lnRef idx="0">
+            <a:scrgbClr r="0" g="0" b="0"/>
+          </a:lnRef>
+          <a:fillRef idx="0">
+            <a:scrgbClr r="0" g="0" b="0"/>
+          </a:fillRef>
+          <a:effectRef idx="0">
+            <a:scrgbClr r="0" g="0" b="0"/>
+          </a:effectRef>
           <a:fontRef idx="minor"/>
         </p:style>
         <p:txBody>
           <a:bodyPr/>
+          <a:lstStyle/>
           <a:p>
             <a:pPr algn="ctr">
               <a:lnSpc>
@@ -6147,26 +6822,16 @@
               </a:lnSpc>
             </a:pPr>
             <a:r>
-              <a:rPr b="1" lang="pt-BR" sz="1500" spc="-1" strike="noStrike">
+              <a:rPr lang="pt-BR" sz="1500" b="1" strike="noStrike" spc="-1">
                 <a:solidFill>
-                  <a:srgbClr val="8dc641"/>
+                  <a:srgbClr val="8DC641"/>
                 </a:solidFill>
                 <a:latin typeface="Arial"/>
                 <a:ea typeface="Arial"/>
               </a:rPr>
-              <a:t> </a:t>
+              <a:t> Fabio Vasques, Gieder Loreto</a:t>
             </a:r>
-            <a:r>
-              <a:rPr b="1" lang="pt-BR" sz="1500" spc="-1" strike="noStrike">
-                <a:solidFill>
-                  <a:srgbClr val="8dc641"/>
-                </a:solidFill>
-                <a:latin typeface="Arial"/>
-                <a:ea typeface="Arial"/>
-              </a:rPr>
-              <a:t>Fabio Vasques, Gieder Loreto</a:t>
-            </a:r>
-            <a:endParaRPr b="0" lang="pt-BR" sz="1500" spc="-1" strike="noStrike">
+            <a:endParaRPr lang="pt-BR" sz="1500" b="0" strike="noStrike" spc="-1">
               <a:latin typeface="Arial"/>
             </a:endParaRPr>
           </a:p>
@@ -6174,12 +6839,12 @@
       </p:sp>
       <p:pic>
         <p:nvPicPr>
-          <p:cNvPr id="133" name="Google Shape;92;p13" descr=""/>
+          <p:cNvPr id="133" name="Google Shape;92;p13"/>
           <p:cNvPicPr/>
           <p:nvPr/>
         </p:nvPicPr>
         <p:blipFill>
-          <a:blip r:embed="rId2"/>
+          <a:blip r:embed="rId3"/>
           <a:stretch/>
         </p:blipFill>
         <p:spPr>
@@ -6215,75 +6880,69 @@
           </a:ln>
         </p:spPr>
         <p:txBody>
-          <a:bodyPr lIns="0" rIns="0" tIns="0" bIns="0"/>
+          <a:bodyPr lIns="0" tIns="0" rIns="0" bIns="0"/>
+          <a:lstStyle/>
           <a:p>
             <a:r>
-              <a:rPr b="1" lang="pt-BR" sz="1800" spc="-1" strike="noStrike">
+              <a:rPr lang="pt-BR" sz="1800" b="1" strike="noStrike" spc="-1">
                 <a:solidFill>
-                  <a:srgbClr val="8dc641"/>
+                  <a:srgbClr val="8DC641"/>
                 </a:solidFill>
                 <a:latin typeface="Arial"/>
               </a:rPr>
               <a:t>Front End : Bootstrap 4, Jquery, git, </a:t>
             </a:r>
             <a:r>
-              <a:rPr b="1" lang="pt-BR" sz="1800" spc="-1" strike="noStrike">
+              <a:rPr lang="pt-BR" sz="1800" b="1" strike="noStrike" spc="-1">
                 <a:solidFill>
-                  <a:srgbClr val="8dc641"/>
+                  <a:srgbClr val="8DC641"/>
                 </a:solidFill>
                 <a:latin typeface="Arial"/>
                 <a:ea typeface="Arial"/>
               </a:rPr>
               <a:t>Sublime text/ vscode</a:t>
             </a:r>
-            <a:endParaRPr b="1" lang="pt-BR" sz="1800" spc="-1" strike="noStrike">
+          </a:p>
+          <a:p>
+            <a:endParaRPr lang="pt-BR" sz="1800" b="1" strike="noStrike" spc="-1">
               <a:solidFill>
-                <a:srgbClr val="8dc641"/>
+                <a:srgbClr val="8DC641"/>
               </a:solidFill>
               <a:latin typeface="Arial"/>
               <a:ea typeface="Arial"/>
             </a:endParaRPr>
           </a:p>
           <a:p>
-            <a:endParaRPr b="1" lang="pt-BR" sz="1800" spc="-1" strike="noStrike">
-              <a:solidFill>
-                <a:srgbClr val="8dc641"/>
-              </a:solidFill>
-              <a:latin typeface="Arial"/>
-              <a:ea typeface="Arial"/>
-            </a:endParaRPr>
-          </a:p>
-          <a:p>
             <a:r>
-              <a:rPr b="1" lang="pt-BR" sz="1800" spc="-1" strike="noStrike">
+              <a:rPr lang="pt-BR" sz="1800" b="1" strike="noStrike" spc="-1">
                 <a:solidFill>
-                  <a:srgbClr val="8dc641"/>
+                  <a:srgbClr val="8DC641"/>
                 </a:solidFill>
                 <a:latin typeface="Arial"/>
               </a:rPr>
               <a:t>Back End: PHP, MYSQL, Mysql workbend</a:t>
             </a:r>
-            <a:endParaRPr b="1" lang="pt-BR" sz="1800" spc="-1" strike="noStrike">
+            <a:endParaRPr lang="pt-BR" sz="1800" b="1" strike="noStrike" spc="-1">
               <a:solidFill>
-                <a:srgbClr val="8dc641"/>
+                <a:srgbClr val="8DC641"/>
               </a:solidFill>
               <a:latin typeface="Arial"/>
               <a:ea typeface="Arial"/>
             </a:endParaRPr>
           </a:p>
           <a:p>
-            <a:endParaRPr b="1" lang="pt-BR" sz="1800" spc="-1" strike="noStrike">
+            <a:endParaRPr lang="pt-BR" sz="1800" b="1" strike="noStrike" spc="-1">
               <a:solidFill>
-                <a:srgbClr val="8dc641"/>
+                <a:srgbClr val="8DC641"/>
               </a:solidFill>
               <a:latin typeface="Arial"/>
               <a:ea typeface="Arial"/>
             </a:endParaRPr>
           </a:p>
           <a:p>
-            <a:endParaRPr b="1" lang="pt-BR" sz="1800" spc="-1" strike="noStrike">
+            <a:endParaRPr lang="pt-BR" sz="1800" b="1" strike="noStrike" spc="-1">
               <a:solidFill>
-                <a:srgbClr val="8dc641"/>
+                <a:srgbClr val="8DC641"/>
               </a:solidFill>
               <a:latin typeface="Arial"/>
               <a:ea typeface="Arial"/>
@@ -6311,29 +6970,20 @@
           </a:ln>
         </p:spPr>
         <p:txBody>
-          <a:bodyPr lIns="90000" rIns="90000" tIns="45000" bIns="45000"/>
+          <a:bodyPr lIns="90000" tIns="45000" rIns="90000" bIns="45000"/>
+          <a:lstStyle/>
           <a:p>
             <a:r>
-              <a:rPr b="1" lang="pt-BR" sz="2600" spc="-1" strike="noStrike">
+              <a:rPr lang="pt-BR" sz="2600" b="1" strike="noStrike" spc="-1">
                 <a:solidFill>
-                  <a:srgbClr val="8dc641"/>
+                  <a:srgbClr val="8DC641"/>
                 </a:solidFill>
                 <a:latin typeface="Arial"/>
                 <a:ea typeface="Arial"/>
               </a:rPr>
-              <a:t> </a:t>
+              <a:t> Tecnologias envolvidas nas etapas</a:t>
             </a:r>
-            <a:r>
-              <a:rPr b="1" lang="pt-BR" sz="2600" spc="-1" strike="noStrike">
-                <a:solidFill>
-                  <a:srgbClr val="8dc641"/>
-                </a:solidFill>
-                <a:latin typeface="Arial"/>
-                <a:ea typeface="Arial"/>
-              </a:rPr>
-              <a:t>Tecnologias envolvidas nas etapas</a:t>
-            </a:r>
-            <a:endParaRPr b="1" lang="pt-BR" sz="2600" spc="-1" strike="noStrike">
+            <a:endParaRPr lang="pt-BR" sz="2600" b="1" strike="noStrike" spc="-1">
               <a:latin typeface="Arial"/>
             </a:endParaRPr>
           </a:p>
@@ -6341,22 +6991,25 @@
       </p:sp>
     </p:spTree>
   </p:cSld>
+  <p:clrMapOvr>
+    <a:masterClrMapping/>
+  </p:clrMapOvr>
   <p:timing>
     <p:tnLst>
       <p:par>
-        <p:cTn id="7" dur="indefinite" restart="never" nodeType="tmRoot">
+        <p:cTn id="1" dur="indefinite" restart="never" nodeType="tmRoot">
           <p:childTnLst>
             <p:seq>
-              <p:cTn id="8" dur="indefinite" nodeType="mainSeq"/>
+              <p:cTn id="2" dur="indefinite" nodeType="mainSeq"/>
               <p:prevCondLst>
-                <p:cond delay="0" evt="onPrev">
+                <p:cond evt="onPrev" delay="0">
                   <p:tgtEl>
                     <p:sldTgt/>
                   </p:tgtEl>
                 </p:cond>
               </p:prevCondLst>
               <p:nextCondLst>
-                <p:cond delay="0" evt="onNext">
+                <p:cond evt="onNext" delay="0">
                   <p:tgtEl>
                     <p:sldTgt/>
                   </p:tgtEl>
@@ -6372,13 +7025,14 @@
 </file>
 
 <file path=ppt/slides/slide5.xml><?xml version="1.0" encoding="utf-8"?>
-<p:sld xmlns:a="http://schemas.openxmlformats.org/drawingml/2006/main" xmlns:p="http://schemas.openxmlformats.org/presentationml/2006/main" xmlns:r="http://schemas.openxmlformats.org/officeDocument/2006/relationships" xmlns:p14="http://schemas.microsoft.com/office/powerpoint/2010/main" xmlns:p15="http://schemas.microsoft.com/office/powerpoint/2012/main" xmlns:mc="http://schemas.openxmlformats.org/markup-compatibility/2006">
+<p:sld xmlns:a="http://schemas.openxmlformats.org/drawingml/2006/main" xmlns:r="http://schemas.openxmlformats.org/officeDocument/2006/relationships" xmlns:p="http://schemas.openxmlformats.org/presentationml/2006/main">
   <p:cSld>
     <p:bg>
       <p:bgPr>
         <a:solidFill>
-          <a:srgbClr val="ffffff"/>
+          <a:srgbClr val="FFFFFF"/>
         </a:solidFill>
+        <a:effectLst/>
       </p:bgPr>
     </p:bg>
     <p:spTree>
@@ -6410,27 +7064,33 @@
             <a:avLst/>
           </a:prstGeom>
           <a:solidFill>
-            <a:srgbClr val="347c36"/>
+            <a:srgbClr val="347C36"/>
           </a:solidFill>
           <a:ln>
             <a:noFill/>
           </a:ln>
         </p:spPr>
         <p:style>
-          <a:lnRef idx="0"/>
-          <a:fillRef idx="0"/>
-          <a:effectRef idx="0"/>
+          <a:lnRef idx="0">
+            <a:scrgbClr r="0" g="0" b="0"/>
+          </a:lnRef>
+          <a:fillRef idx="0">
+            <a:scrgbClr r="0" g="0" b="0"/>
+          </a:fillRef>
+          <a:effectRef idx="0">
+            <a:scrgbClr r="0" g="0" b="0"/>
+          </a:effectRef>
           <a:fontRef idx="minor"/>
         </p:style>
       </p:sp>
       <p:pic>
         <p:nvPicPr>
-          <p:cNvPr id="137" name="Google Shape;89;p13" descr=""/>
+          <p:cNvPr id="137" name="Google Shape;89;p13"/>
           <p:cNvPicPr/>
           <p:nvPr/>
         </p:nvPicPr>
         <p:blipFill>
-          <a:blip r:embed="rId1"/>
+          <a:blip r:embed="rId2"/>
           <a:stretch/>
         </p:blipFill>
         <p:spPr>
@@ -6466,13 +7126,20 @@
           </a:ln>
         </p:spPr>
         <p:style>
-          <a:lnRef idx="0"/>
-          <a:fillRef idx="0"/>
-          <a:effectRef idx="0"/>
+          <a:lnRef idx="0">
+            <a:scrgbClr r="0" g="0" b="0"/>
+          </a:lnRef>
+          <a:fillRef idx="0">
+            <a:scrgbClr r="0" g="0" b="0"/>
+          </a:fillRef>
+          <a:effectRef idx="0">
+            <a:scrgbClr r="0" g="0" b="0"/>
+          </a:effectRef>
           <a:fontRef idx="minor"/>
         </p:style>
         <p:txBody>
           <a:bodyPr/>
+          <a:lstStyle/>
           <a:p>
             <a:pPr algn="ctr">
               <a:lnSpc>
@@ -6481,16 +7148,16 @@
             </a:pPr>
             <a:br/>
             <a:r>
-              <a:rPr b="1" lang="pt-BR" sz="3200" spc="-1" strike="noStrike">
+              <a:rPr lang="pt-BR" sz="3200" b="1" strike="noStrike" spc="-1">
                 <a:solidFill>
-                  <a:srgbClr val="8dc641"/>
+                  <a:srgbClr val="8DC641"/>
                 </a:solidFill>
                 <a:latin typeface="Arial"/>
                 <a:ea typeface="Arial"/>
               </a:rPr>
               <a:t>Prática  de análise de sistemas</a:t>
             </a:r>
-            <a:endParaRPr b="0" lang="pt-BR" sz="3200" spc="-1" strike="noStrike">
+            <a:endParaRPr lang="pt-BR" sz="3200" b="0" strike="noStrike" spc="-1">
               <a:latin typeface="Arial"/>
             </a:endParaRPr>
           </a:p>
@@ -6500,7 +7167,7 @@
                 <a:spcPct val="100000"/>
               </a:lnSpc>
             </a:pPr>
-            <a:endParaRPr b="0" lang="pt-BR" sz="3200" spc="-1" strike="noStrike">
+            <a:endParaRPr lang="pt-BR" sz="3200" b="0" strike="noStrike" spc="-1">
               <a:latin typeface="Arial"/>
             </a:endParaRPr>
           </a:p>
@@ -6511,26 +7178,16 @@
               </a:lnSpc>
             </a:pPr>
             <a:r>
-              <a:rPr b="1" lang="pt-BR" sz="2600" spc="-1" strike="noStrike">
+              <a:rPr lang="pt-BR" sz="2600" b="1" strike="noStrike" spc="-1">
                 <a:solidFill>
-                  <a:srgbClr val="8dc641"/>
+                  <a:srgbClr val="8DC641"/>
                 </a:solidFill>
                 <a:latin typeface="Arial"/>
                 <a:ea typeface="Arial"/>
               </a:rPr>
-              <a:t> </a:t>
+              <a:t> Tecnologias envolvidas nas etapas</a:t>
             </a:r>
-            <a:r>
-              <a:rPr b="1" lang="pt-BR" sz="2600" spc="-1" strike="noStrike">
-                <a:solidFill>
-                  <a:srgbClr val="8dc641"/>
-                </a:solidFill>
-                <a:latin typeface="Arial"/>
-                <a:ea typeface="Arial"/>
-              </a:rPr>
-              <a:t>Tecnologias envolvidas nas etapas</a:t>
-            </a:r>
-            <a:endParaRPr b="0" lang="pt-BR" sz="2600" spc="-1" strike="noStrike">
+            <a:endParaRPr lang="pt-BR" sz="2600" b="0" strike="noStrike" spc="-1">
               <a:latin typeface="Arial"/>
             </a:endParaRPr>
           </a:p>
@@ -6556,13 +7213,20 @@
           </a:ln>
         </p:spPr>
         <p:style>
-          <a:lnRef idx="0"/>
-          <a:fillRef idx="0"/>
-          <a:effectRef idx="0"/>
+          <a:lnRef idx="0">
+            <a:scrgbClr r="0" g="0" b="0"/>
+          </a:lnRef>
+          <a:fillRef idx="0">
+            <a:scrgbClr r="0" g="0" b="0"/>
+          </a:fillRef>
+          <a:effectRef idx="0">
+            <a:scrgbClr r="0" g="0" b="0"/>
+          </a:effectRef>
           <a:fontRef idx="minor"/>
         </p:style>
         <p:txBody>
           <a:bodyPr/>
+          <a:lstStyle/>
           <a:p>
             <a:pPr algn="ctr">
               <a:lnSpc>
@@ -6570,26 +7234,16 @@
               </a:lnSpc>
             </a:pPr>
             <a:r>
-              <a:rPr b="1" lang="pt-BR" sz="1500" spc="-1" strike="noStrike">
+              <a:rPr lang="pt-BR" sz="1500" b="1" strike="noStrike" spc="-1">
                 <a:solidFill>
-                  <a:srgbClr val="8dc641"/>
+                  <a:srgbClr val="8DC641"/>
                 </a:solidFill>
                 <a:latin typeface="Arial"/>
                 <a:ea typeface="Arial"/>
               </a:rPr>
-              <a:t> </a:t>
+              <a:t> Fabio Vasques, Gieder Loreto</a:t>
             </a:r>
-            <a:r>
-              <a:rPr b="1" lang="pt-BR" sz="1500" spc="-1" strike="noStrike">
-                <a:solidFill>
-                  <a:srgbClr val="8dc641"/>
-                </a:solidFill>
-                <a:latin typeface="Arial"/>
-                <a:ea typeface="Arial"/>
-              </a:rPr>
-              <a:t>Fabio Vasques, Gieder Loreto</a:t>
-            </a:r>
-            <a:endParaRPr b="0" lang="pt-BR" sz="1500" spc="-1" strike="noStrike">
+            <a:endParaRPr lang="pt-BR" sz="1500" b="0" strike="noStrike" spc="-1">
               <a:latin typeface="Arial"/>
             </a:endParaRPr>
           </a:p>
@@ -6597,12 +7251,12 @@
       </p:sp>
       <p:pic>
         <p:nvPicPr>
-          <p:cNvPr id="140" name="Google Shape;92;p13" descr=""/>
+          <p:cNvPr id="140" name="Google Shape;92;p13"/>
           <p:cNvPicPr/>
           <p:nvPr/>
         </p:nvPicPr>
         <p:blipFill>
-          <a:blip r:embed="rId2"/>
+          <a:blip r:embed="rId3"/>
           <a:stretch/>
         </p:blipFill>
         <p:spPr>
@@ -6620,22 +7274,25 @@
       </p:pic>
     </p:spTree>
   </p:cSld>
+  <p:clrMapOvr>
+    <a:masterClrMapping/>
+  </p:clrMapOvr>
   <p:timing>
     <p:tnLst>
       <p:par>
-        <p:cTn id="9" dur="indefinite" restart="never" nodeType="tmRoot">
+        <p:cTn id="1" dur="indefinite" restart="never" nodeType="tmRoot">
           <p:childTnLst>
             <p:seq>
-              <p:cTn id="10" dur="indefinite" nodeType="mainSeq"/>
+              <p:cTn id="2" dur="indefinite" nodeType="mainSeq"/>
               <p:prevCondLst>
-                <p:cond delay="0" evt="onPrev">
+                <p:cond evt="onPrev" delay="0">
                   <p:tgtEl>
                     <p:sldTgt/>
                   </p:tgtEl>
                 </p:cond>
               </p:prevCondLst>
               <p:nextCondLst>
-                <p:cond delay="0" evt="onNext">
+                <p:cond evt="onNext" delay="0">
                   <p:tgtEl>
                     <p:sldTgt/>
                   </p:tgtEl>
@@ -6651,13 +7308,14 @@
 </file>
 
 <file path=ppt/slides/slide6.xml><?xml version="1.0" encoding="utf-8"?>
-<p:sld xmlns:a="http://schemas.openxmlformats.org/drawingml/2006/main" xmlns:p="http://schemas.openxmlformats.org/presentationml/2006/main" xmlns:r="http://schemas.openxmlformats.org/officeDocument/2006/relationships" xmlns:p14="http://schemas.microsoft.com/office/powerpoint/2010/main" xmlns:p15="http://schemas.microsoft.com/office/powerpoint/2012/main" xmlns:mc="http://schemas.openxmlformats.org/markup-compatibility/2006">
+<p:sld xmlns:a="http://schemas.openxmlformats.org/drawingml/2006/main" xmlns:r="http://schemas.openxmlformats.org/officeDocument/2006/relationships" xmlns:p="http://schemas.openxmlformats.org/presentationml/2006/main">
   <p:cSld>
     <p:bg>
       <p:bgPr>
         <a:solidFill>
-          <a:srgbClr val="ffffff"/>
+          <a:srgbClr val="FFFFFF"/>
         </a:solidFill>
+        <a:effectLst/>
       </p:bgPr>
     </p:bg>
     <p:spTree>
@@ -6689,27 +7347,33 @@
             <a:avLst/>
           </a:prstGeom>
           <a:solidFill>
-            <a:srgbClr val="347c36"/>
+            <a:srgbClr val="347C36"/>
           </a:solidFill>
           <a:ln>
             <a:noFill/>
           </a:ln>
         </p:spPr>
         <p:style>
-          <a:lnRef idx="0"/>
-          <a:fillRef idx="0"/>
-          <a:effectRef idx="0"/>
+          <a:lnRef idx="0">
+            <a:scrgbClr r="0" g="0" b="0"/>
+          </a:lnRef>
+          <a:fillRef idx="0">
+            <a:scrgbClr r="0" g="0" b="0"/>
+          </a:fillRef>
+          <a:effectRef idx="0">
+            <a:scrgbClr r="0" g="0" b="0"/>
+          </a:effectRef>
           <a:fontRef idx="minor"/>
         </p:style>
       </p:sp>
       <p:pic>
         <p:nvPicPr>
-          <p:cNvPr id="142" name="Google Shape;89;p13" descr=""/>
+          <p:cNvPr id="142" name="Google Shape;89;p13"/>
           <p:cNvPicPr/>
           <p:nvPr/>
         </p:nvPicPr>
         <p:blipFill>
-          <a:blip r:embed="rId1"/>
+          <a:blip r:embed="rId2"/>
           <a:stretch/>
         </p:blipFill>
         <p:spPr>
@@ -6745,13 +7409,20 @@
           </a:ln>
         </p:spPr>
         <p:style>
-          <a:lnRef idx="0"/>
-          <a:fillRef idx="0"/>
-          <a:effectRef idx="0"/>
+          <a:lnRef idx="0">
+            <a:scrgbClr r="0" g="0" b="0"/>
+          </a:lnRef>
+          <a:fillRef idx="0">
+            <a:scrgbClr r="0" g="0" b="0"/>
+          </a:fillRef>
+          <a:effectRef idx="0">
+            <a:scrgbClr r="0" g="0" b="0"/>
+          </a:effectRef>
           <a:fontRef idx="minor"/>
         </p:style>
         <p:txBody>
           <a:bodyPr/>
+          <a:lstStyle/>
           <a:p>
             <a:pPr algn="ctr">
               <a:lnSpc>
@@ -6760,16 +7431,16 @@
             </a:pPr>
             <a:br/>
             <a:r>
-              <a:rPr b="1" lang="pt-BR" sz="3200" spc="-1" strike="noStrike">
+              <a:rPr lang="pt-BR" sz="3200" b="1" strike="noStrike" spc="-1">
                 <a:solidFill>
-                  <a:srgbClr val="8dc641"/>
+                  <a:srgbClr val="8DC641"/>
                 </a:solidFill>
                 <a:latin typeface="Arial"/>
                 <a:ea typeface="Arial"/>
               </a:rPr>
               <a:t>Prática  de análise de sistemas</a:t>
             </a:r>
-            <a:endParaRPr b="0" lang="pt-BR" sz="3200" spc="-1" strike="noStrike">
+            <a:endParaRPr lang="pt-BR" sz="3200" b="0" strike="noStrike" spc="-1">
               <a:latin typeface="Arial"/>
             </a:endParaRPr>
           </a:p>
@@ -6779,7 +7450,7 @@
                 <a:spcPct val="100000"/>
               </a:lnSpc>
             </a:pPr>
-            <a:endParaRPr b="0" lang="pt-BR" sz="3200" spc="-1" strike="noStrike">
+            <a:endParaRPr lang="pt-BR" sz="3200" b="0" strike="noStrike" spc="-1">
               <a:latin typeface="Arial"/>
             </a:endParaRPr>
           </a:p>
@@ -6790,16 +7461,16 @@
               </a:lnSpc>
             </a:pPr>
             <a:r>
-              <a:rPr b="1" lang="pt-BR" sz="2600" spc="-1" strike="noStrike">
+              <a:rPr lang="pt-BR" sz="2600" b="1" strike="noStrike" spc="-1">
                 <a:solidFill>
-                  <a:srgbClr val="8dc641"/>
+                  <a:srgbClr val="8DC641"/>
                 </a:solidFill>
                 <a:latin typeface="Arial"/>
                 <a:ea typeface="Arial"/>
               </a:rPr>
               <a:t>Aplicações das tecnologias (onde serão aplicadas)</a:t>
             </a:r>
-            <a:endParaRPr b="0" lang="pt-BR" sz="2600" spc="-1" strike="noStrike">
+            <a:endParaRPr lang="pt-BR" sz="2600" b="0" strike="noStrike" spc="-1">
               <a:latin typeface="Arial"/>
             </a:endParaRPr>
           </a:p>
@@ -6825,13 +7496,20 @@
           </a:ln>
         </p:spPr>
         <p:style>
-          <a:lnRef idx="0"/>
-          <a:fillRef idx="0"/>
-          <a:effectRef idx="0"/>
+          <a:lnRef idx="0">
+            <a:scrgbClr r="0" g="0" b="0"/>
+          </a:lnRef>
+          <a:fillRef idx="0">
+            <a:scrgbClr r="0" g="0" b="0"/>
+          </a:fillRef>
+          <a:effectRef idx="0">
+            <a:scrgbClr r="0" g="0" b="0"/>
+          </a:effectRef>
           <a:fontRef idx="minor"/>
         </p:style>
         <p:txBody>
           <a:bodyPr/>
+          <a:lstStyle/>
           <a:p>
             <a:pPr algn="ctr">
               <a:lnSpc>
@@ -6839,26 +7517,16 @@
               </a:lnSpc>
             </a:pPr>
             <a:r>
-              <a:rPr b="1" lang="pt-BR" sz="1500" spc="-1" strike="noStrike">
+              <a:rPr lang="pt-BR" sz="1500" b="1" strike="noStrike" spc="-1">
                 <a:solidFill>
-                  <a:srgbClr val="8dc641"/>
+                  <a:srgbClr val="8DC641"/>
                 </a:solidFill>
                 <a:latin typeface="Arial"/>
                 <a:ea typeface="Arial"/>
               </a:rPr>
-              <a:t> </a:t>
+              <a:t> Fabio Vasques, Gieder Loreto</a:t>
             </a:r>
-            <a:r>
-              <a:rPr b="1" lang="pt-BR" sz="1500" spc="-1" strike="noStrike">
-                <a:solidFill>
-                  <a:srgbClr val="8dc641"/>
-                </a:solidFill>
-                <a:latin typeface="Arial"/>
-                <a:ea typeface="Arial"/>
-              </a:rPr>
-              <a:t>Fabio Vasques, Gieder Loreto</a:t>
-            </a:r>
-            <a:endParaRPr b="0" lang="pt-BR" sz="1500" spc="-1" strike="noStrike">
+            <a:endParaRPr lang="pt-BR" sz="1500" b="0" strike="noStrike" spc="-1">
               <a:latin typeface="Arial"/>
             </a:endParaRPr>
           </a:p>
@@ -6866,12 +7534,12 @@
       </p:sp>
       <p:pic>
         <p:nvPicPr>
-          <p:cNvPr id="145" name="Google Shape;92;p13" descr=""/>
+          <p:cNvPr id="145" name="Google Shape;92;p13"/>
           <p:cNvPicPr/>
           <p:nvPr/>
         </p:nvPicPr>
         <p:blipFill>
-          <a:blip r:embed="rId2"/>
+          <a:blip r:embed="rId3"/>
           <a:stretch/>
         </p:blipFill>
         <p:spPr>
@@ -6889,22 +7557,25 @@
       </p:pic>
     </p:spTree>
   </p:cSld>
+  <p:clrMapOvr>
+    <a:masterClrMapping/>
+  </p:clrMapOvr>
   <p:timing>
     <p:tnLst>
       <p:par>
-        <p:cTn id="11" dur="indefinite" restart="never" nodeType="tmRoot">
+        <p:cTn id="1" dur="indefinite" restart="never" nodeType="tmRoot">
           <p:childTnLst>
             <p:seq>
-              <p:cTn id="12" dur="indefinite" nodeType="mainSeq"/>
+              <p:cTn id="2" dur="indefinite" nodeType="mainSeq"/>
               <p:prevCondLst>
-                <p:cond delay="0" evt="onPrev">
+                <p:cond evt="onPrev" delay="0">
                   <p:tgtEl>
                     <p:sldTgt/>
                   </p:tgtEl>
                 </p:cond>
               </p:prevCondLst>
               <p:nextCondLst>
-                <p:cond delay="0" evt="onNext">
+                <p:cond evt="onNext" delay="0">
                   <p:tgtEl>
                     <p:sldTgt/>
                   </p:tgtEl>
@@ -6920,13 +7591,14 @@
 </file>
 
 <file path=ppt/slides/slide7.xml><?xml version="1.0" encoding="utf-8"?>
-<p:sld xmlns:a="http://schemas.openxmlformats.org/drawingml/2006/main" xmlns:p="http://schemas.openxmlformats.org/presentationml/2006/main" xmlns:r="http://schemas.openxmlformats.org/officeDocument/2006/relationships" xmlns:p14="http://schemas.microsoft.com/office/powerpoint/2010/main" xmlns:p15="http://schemas.microsoft.com/office/powerpoint/2012/main" xmlns:mc="http://schemas.openxmlformats.org/markup-compatibility/2006">
+<p:sld xmlns:a="http://schemas.openxmlformats.org/drawingml/2006/main" xmlns:r="http://schemas.openxmlformats.org/officeDocument/2006/relationships" xmlns:p="http://schemas.openxmlformats.org/presentationml/2006/main">
   <p:cSld>
     <p:bg>
       <p:bgPr>
         <a:solidFill>
-          <a:srgbClr val="ffffff"/>
+          <a:srgbClr val="FFFFFF"/>
         </a:solidFill>
+        <a:effectLst/>
       </p:bgPr>
     </p:bg>
     <p:spTree>
@@ -6958,27 +7630,33 @@
             <a:avLst/>
           </a:prstGeom>
           <a:solidFill>
-            <a:srgbClr val="347c36"/>
+            <a:srgbClr val="347C36"/>
           </a:solidFill>
           <a:ln>
             <a:noFill/>
           </a:ln>
         </p:spPr>
         <p:style>
-          <a:lnRef idx="0"/>
-          <a:fillRef idx="0"/>
-          <a:effectRef idx="0"/>
+          <a:lnRef idx="0">
+            <a:scrgbClr r="0" g="0" b="0"/>
+          </a:lnRef>
+          <a:fillRef idx="0">
+            <a:scrgbClr r="0" g="0" b="0"/>
+          </a:fillRef>
+          <a:effectRef idx="0">
+            <a:scrgbClr r="0" g="0" b="0"/>
+          </a:effectRef>
           <a:fontRef idx="minor"/>
         </p:style>
       </p:sp>
       <p:pic>
         <p:nvPicPr>
-          <p:cNvPr id="147" name="Google Shape;89;p13" descr=""/>
+          <p:cNvPr id="147" name="Google Shape;89;p13"/>
           <p:cNvPicPr/>
           <p:nvPr/>
         </p:nvPicPr>
         <p:blipFill>
-          <a:blip r:embed="rId1"/>
+          <a:blip r:embed="rId2"/>
           <a:stretch/>
         </p:blipFill>
         <p:spPr>
@@ -7014,13 +7692,20 @@
           </a:ln>
         </p:spPr>
         <p:style>
-          <a:lnRef idx="0"/>
-          <a:fillRef idx="0"/>
-          <a:effectRef idx="0"/>
+          <a:lnRef idx="0">
+            <a:scrgbClr r="0" g="0" b="0"/>
+          </a:lnRef>
+          <a:fillRef idx="0">
+            <a:scrgbClr r="0" g="0" b="0"/>
+          </a:fillRef>
+          <a:effectRef idx="0">
+            <a:scrgbClr r="0" g="0" b="0"/>
+          </a:effectRef>
           <a:fontRef idx="minor"/>
         </p:style>
         <p:txBody>
           <a:bodyPr/>
+          <a:lstStyle/>
           <a:p>
             <a:pPr algn="ctr">
               <a:lnSpc>
@@ -7029,16 +7714,16 @@
             </a:pPr>
             <a:br/>
             <a:r>
-              <a:rPr b="1" lang="pt-BR" sz="3200" spc="-1" strike="noStrike">
+              <a:rPr lang="pt-BR" sz="3200" b="1" strike="noStrike" spc="-1">
                 <a:solidFill>
-                  <a:srgbClr val="8dc641"/>
+                  <a:srgbClr val="8DC641"/>
                 </a:solidFill>
                 <a:latin typeface="Arial"/>
                 <a:ea typeface="Arial"/>
               </a:rPr>
               <a:t>Prática  de análise de sistemas</a:t>
             </a:r>
-            <a:endParaRPr b="0" lang="pt-BR" sz="3200" spc="-1" strike="noStrike">
+            <a:endParaRPr lang="pt-BR" sz="3200" b="0" strike="noStrike" spc="-1">
               <a:latin typeface="Arial"/>
             </a:endParaRPr>
           </a:p>
@@ -7048,7 +7733,7 @@
                 <a:spcPct val="100000"/>
               </a:lnSpc>
             </a:pPr>
-            <a:endParaRPr b="0" lang="pt-BR" sz="3200" spc="-1" strike="noStrike">
+            <a:endParaRPr lang="pt-BR" sz="3200" b="0" strike="noStrike" spc="-1">
               <a:latin typeface="Arial"/>
             </a:endParaRPr>
           </a:p>
@@ -7059,26 +7744,16 @@
               </a:lnSpc>
             </a:pPr>
             <a:r>
-              <a:rPr b="1" lang="pt-BR" sz="2600" spc="-1" strike="noStrike">
+              <a:rPr lang="pt-BR" sz="2600" b="1" strike="noStrike" spc="-1">
                 <a:solidFill>
-                  <a:srgbClr val="8dc641"/>
+                  <a:srgbClr val="8DC641"/>
                 </a:solidFill>
                 <a:latin typeface="Arial"/>
                 <a:ea typeface="Arial"/>
               </a:rPr>
-              <a:t> </a:t>
+              <a:t> Cronograma (quando cada etapa será entregue)</a:t>
             </a:r>
-            <a:r>
-              <a:rPr b="1" lang="pt-BR" sz="2600" spc="-1" strike="noStrike">
-                <a:solidFill>
-                  <a:srgbClr val="8dc641"/>
-                </a:solidFill>
-                <a:latin typeface="Arial"/>
-                <a:ea typeface="Arial"/>
-              </a:rPr>
-              <a:t>Cronograma (quando cada etapa será entregue)</a:t>
-            </a:r>
-            <a:endParaRPr b="0" lang="pt-BR" sz="2600" spc="-1" strike="noStrike">
+            <a:endParaRPr lang="pt-BR" sz="2600" b="0" strike="noStrike" spc="-1">
               <a:latin typeface="Arial"/>
             </a:endParaRPr>
           </a:p>
@@ -7104,13 +7779,20 @@
           </a:ln>
         </p:spPr>
         <p:style>
-          <a:lnRef idx="0"/>
-          <a:fillRef idx="0"/>
-          <a:effectRef idx="0"/>
+          <a:lnRef idx="0">
+            <a:scrgbClr r="0" g="0" b="0"/>
+          </a:lnRef>
+          <a:fillRef idx="0">
+            <a:scrgbClr r="0" g="0" b="0"/>
+          </a:fillRef>
+          <a:effectRef idx="0">
+            <a:scrgbClr r="0" g="0" b="0"/>
+          </a:effectRef>
           <a:fontRef idx="minor"/>
         </p:style>
         <p:txBody>
           <a:bodyPr/>
+          <a:lstStyle/>
           <a:p>
             <a:pPr algn="ctr">
               <a:lnSpc>
@@ -7118,26 +7800,16 @@
               </a:lnSpc>
             </a:pPr>
             <a:r>
-              <a:rPr b="1" lang="pt-BR" sz="1500" spc="-1" strike="noStrike">
+              <a:rPr lang="pt-BR" sz="1500" b="1" strike="noStrike" spc="-1">
                 <a:solidFill>
-                  <a:srgbClr val="8dc641"/>
+                  <a:srgbClr val="8DC641"/>
                 </a:solidFill>
                 <a:latin typeface="Arial"/>
                 <a:ea typeface="Arial"/>
               </a:rPr>
-              <a:t> </a:t>
+              <a:t> Fabio Vasques, Gieder Loreto</a:t>
             </a:r>
-            <a:r>
-              <a:rPr b="1" lang="pt-BR" sz="1500" spc="-1" strike="noStrike">
-                <a:solidFill>
-                  <a:srgbClr val="8dc641"/>
-                </a:solidFill>
-                <a:latin typeface="Arial"/>
-                <a:ea typeface="Arial"/>
-              </a:rPr>
-              <a:t>Fabio Vasques, Gieder Loreto</a:t>
-            </a:r>
-            <a:endParaRPr b="0" lang="pt-BR" sz="1500" spc="-1" strike="noStrike">
+            <a:endParaRPr lang="pt-BR" sz="1500" b="0" strike="noStrike" spc="-1">
               <a:latin typeface="Arial"/>
             </a:endParaRPr>
           </a:p>
@@ -7145,12 +7817,12 @@
       </p:sp>
       <p:pic>
         <p:nvPicPr>
-          <p:cNvPr id="150" name="Google Shape;92;p13" descr=""/>
+          <p:cNvPr id="150" name="Google Shape;92;p13"/>
           <p:cNvPicPr/>
           <p:nvPr/>
         </p:nvPicPr>
         <p:blipFill>
-          <a:blip r:embed="rId2"/>
+          <a:blip r:embed="rId3"/>
           <a:stretch/>
         </p:blipFill>
         <p:spPr>
@@ -7168,22 +7840,25 @@
       </p:pic>
     </p:spTree>
   </p:cSld>
+  <p:clrMapOvr>
+    <a:masterClrMapping/>
+  </p:clrMapOvr>
   <p:timing>
     <p:tnLst>
       <p:par>
-        <p:cTn id="13" dur="indefinite" restart="never" nodeType="tmRoot">
+        <p:cTn id="1" dur="indefinite" restart="never" nodeType="tmRoot">
           <p:childTnLst>
             <p:seq>
-              <p:cTn id="14" dur="indefinite" nodeType="mainSeq"/>
+              <p:cTn id="2" dur="indefinite" nodeType="mainSeq"/>
               <p:prevCondLst>
-                <p:cond delay="0" evt="onPrev">
+                <p:cond evt="onPrev" delay="0">
                   <p:tgtEl>
                     <p:sldTgt/>
                   </p:tgtEl>
                 </p:cond>
               </p:prevCondLst>
               <p:nextCondLst>
-                <p:cond delay="0" evt="onNext">
+                <p:cond evt="onNext" delay="0">
                   <p:tgtEl>
                     <p:sldTgt/>
                   </p:tgtEl>
@@ -7209,22 +7884,22 @@
         <a:sysClr val="window" lastClr="FFFFFF"/>
       </a:lt1>
       <a:dk2>
-        <a:srgbClr val="6a7887"/>
+        <a:srgbClr val="6A7887"/>
       </a:dk2>
       <a:lt2>
-        <a:srgbClr val="e7e6e6"/>
+        <a:srgbClr val="E7E6E6"/>
       </a:lt2>
       <a:accent1>
-        <a:srgbClr val="1d9a78"/>
+        <a:srgbClr val="1D9A78"/>
       </a:accent1>
       <a:accent2>
-        <a:srgbClr val="7bc68e"/>
+        <a:srgbClr val="7BC68E"/>
       </a:accent2>
       <a:accent3>
-        <a:srgbClr val="3f3f3f"/>
+        <a:srgbClr val="3F3F3F"/>
       </a:accent3>
       <a:accent4>
-        <a:srgbClr val="3f3f3f"/>
+        <a:srgbClr val="3F3F3F"/>
       </a:accent4>
       <a:accent5>
         <a:srgbClr val="595959"/>
@@ -7418,6 +8093,8 @@
       </a:bgFillStyleLst>
     </a:fmtScheme>
   </a:themeElements>
+  <a:objectDefaults/>
+  <a:extraClrSchemeLst/>
 </a:theme>
 </file>
 
@@ -7432,22 +8109,22 @@
         <a:sysClr val="window" lastClr="FFFFFF"/>
       </a:lt1>
       <a:dk2>
-        <a:srgbClr val="6a7887"/>
+        <a:srgbClr val="6A7887"/>
       </a:dk2>
       <a:lt2>
-        <a:srgbClr val="e7e6e6"/>
+        <a:srgbClr val="E7E6E6"/>
       </a:lt2>
       <a:accent1>
-        <a:srgbClr val="1d9a78"/>
+        <a:srgbClr val="1D9A78"/>
       </a:accent1>
       <a:accent2>
-        <a:srgbClr val="7bc68e"/>
+        <a:srgbClr val="7BC68E"/>
       </a:accent2>
       <a:accent3>
-        <a:srgbClr val="3f3f3f"/>
+        <a:srgbClr val="3F3F3F"/>
       </a:accent3>
       <a:accent4>
-        <a:srgbClr val="3f3f3f"/>
+        <a:srgbClr val="3F3F3F"/>
       </a:accent4>
       <a:accent5>
         <a:srgbClr val="595959"/>
@@ -7641,5 +8318,7 @@
       </a:bgFillStyleLst>
     </a:fmtScheme>
   </a:themeElements>
+  <a:objectDefaults/>
+  <a:extraClrSchemeLst/>
 </a:theme>
 </file>
--- a/primeira entrega.pptx
+++ b/primeira entrega.pptx
@@ -1,26 +1,121 @@
 
 <file path=ppt/presentation.xml><?xml version="1.0" encoding="utf-8"?>
-<p:presentation xmlns:a="http://schemas.openxmlformats.org/drawingml/2006/main" xmlns:p="http://schemas.openxmlformats.org/presentationml/2006/main" xmlns:r="http://schemas.openxmlformats.org/officeDocument/2006/relationships" xmlns:p14="http://schemas.microsoft.com/office/powerpoint/2010/main" xmlns:p15="http://schemas.microsoft.com/office/powerpoint/2012/main" xmlns:mc="http://schemas.openxmlformats.org/markup-compatibility/2006">
+<p:presentation xmlns:a="http://schemas.openxmlformats.org/drawingml/2006/main" xmlns:r="http://schemas.openxmlformats.org/officeDocument/2006/relationships" xmlns:p="http://schemas.openxmlformats.org/presentationml/2006/main">
   <p:sldMasterIdLst>
-    <p:sldMasterId id="2147483648" r:id="rId2"/>
-    <p:sldMasterId id="2147483661" r:id="rId3"/>
+    <p:sldMasterId id="2147483648" r:id="rId1"/>
+    <p:sldMasterId id="2147483661" r:id="rId2"/>
   </p:sldMasterIdLst>
   <p:sldIdLst>
-    <p:sldId id="256" r:id="rId4"/>
-    <p:sldId id="257" r:id="rId5"/>
-    <p:sldId id="258" r:id="rId6"/>
-    <p:sldId id="259" r:id="rId7"/>
-    <p:sldId id="260" r:id="rId8"/>
-    <p:sldId id="261" r:id="rId9"/>
-    <p:sldId id="262" r:id="rId10"/>
+    <p:sldId id="256" r:id="rId3"/>
+    <p:sldId id="257" r:id="rId4"/>
+    <p:sldId id="258" r:id="rId5"/>
+    <p:sldId id="259" r:id="rId6"/>
+    <p:sldId id="260" r:id="rId7"/>
+    <p:sldId id="261" r:id="rId8"/>
+    <p:sldId id="262" r:id="rId9"/>
   </p:sldIdLst>
   <p:sldSz cx="12192000" cy="6858000"/>
   <p:notesSz cx="6858000" cy="9144000"/>
+  <p:defaultTextStyle>
+    <a:defPPr>
+      <a:defRPr lang="pt-BR"/>
+    </a:defPPr>
+    <a:lvl1pPr marL="0" algn="l" defTabSz="914400" rtl="0" eaLnBrk="1" latinLnBrk="0" hangingPunct="1">
+      <a:defRPr sz="1800" kern="1200">
+        <a:solidFill>
+          <a:schemeClr val="tx1"/>
+        </a:solidFill>
+        <a:latin typeface="+mn-lt"/>
+        <a:ea typeface="+mn-ea"/>
+        <a:cs typeface="+mn-cs"/>
+      </a:defRPr>
+    </a:lvl1pPr>
+    <a:lvl2pPr marL="457200" algn="l" defTabSz="914400" rtl="0" eaLnBrk="1" latinLnBrk="0" hangingPunct="1">
+      <a:defRPr sz="1800" kern="1200">
+        <a:solidFill>
+          <a:schemeClr val="tx1"/>
+        </a:solidFill>
+        <a:latin typeface="+mn-lt"/>
+        <a:ea typeface="+mn-ea"/>
+        <a:cs typeface="+mn-cs"/>
+      </a:defRPr>
+    </a:lvl2pPr>
+    <a:lvl3pPr marL="914400" algn="l" defTabSz="914400" rtl="0" eaLnBrk="1" latinLnBrk="0" hangingPunct="1">
+      <a:defRPr sz="1800" kern="1200">
+        <a:solidFill>
+          <a:schemeClr val="tx1"/>
+        </a:solidFill>
+        <a:latin typeface="+mn-lt"/>
+        <a:ea typeface="+mn-ea"/>
+        <a:cs typeface="+mn-cs"/>
+      </a:defRPr>
+    </a:lvl3pPr>
+    <a:lvl4pPr marL="1371600" algn="l" defTabSz="914400" rtl="0" eaLnBrk="1" latinLnBrk="0" hangingPunct="1">
+      <a:defRPr sz="1800" kern="1200">
+        <a:solidFill>
+          <a:schemeClr val="tx1"/>
+        </a:solidFill>
+        <a:latin typeface="+mn-lt"/>
+        <a:ea typeface="+mn-ea"/>
+        <a:cs typeface="+mn-cs"/>
+      </a:defRPr>
+    </a:lvl4pPr>
+    <a:lvl5pPr marL="1828800" algn="l" defTabSz="914400" rtl="0" eaLnBrk="1" latinLnBrk="0" hangingPunct="1">
+      <a:defRPr sz="1800" kern="1200">
+        <a:solidFill>
+          <a:schemeClr val="tx1"/>
+        </a:solidFill>
+        <a:latin typeface="+mn-lt"/>
+        <a:ea typeface="+mn-ea"/>
+        <a:cs typeface="+mn-cs"/>
+      </a:defRPr>
+    </a:lvl5pPr>
+    <a:lvl6pPr marL="2286000" algn="l" defTabSz="914400" rtl="0" eaLnBrk="1" latinLnBrk="0" hangingPunct="1">
+      <a:defRPr sz="1800" kern="1200">
+        <a:solidFill>
+          <a:schemeClr val="tx1"/>
+        </a:solidFill>
+        <a:latin typeface="+mn-lt"/>
+        <a:ea typeface="+mn-ea"/>
+        <a:cs typeface="+mn-cs"/>
+      </a:defRPr>
+    </a:lvl6pPr>
+    <a:lvl7pPr marL="2743200" algn="l" defTabSz="914400" rtl="0" eaLnBrk="1" latinLnBrk="0" hangingPunct="1">
+      <a:defRPr sz="1800" kern="1200">
+        <a:solidFill>
+          <a:schemeClr val="tx1"/>
+        </a:solidFill>
+        <a:latin typeface="+mn-lt"/>
+        <a:ea typeface="+mn-ea"/>
+        <a:cs typeface="+mn-cs"/>
+      </a:defRPr>
+    </a:lvl7pPr>
+    <a:lvl8pPr marL="3200400" algn="l" defTabSz="914400" rtl="0" eaLnBrk="1" latinLnBrk="0" hangingPunct="1">
+      <a:defRPr sz="1800" kern="1200">
+        <a:solidFill>
+          <a:schemeClr val="tx1"/>
+        </a:solidFill>
+        <a:latin typeface="+mn-lt"/>
+        <a:ea typeface="+mn-ea"/>
+        <a:cs typeface="+mn-cs"/>
+      </a:defRPr>
+    </a:lvl8pPr>
+    <a:lvl9pPr marL="3657600" algn="l" defTabSz="914400" rtl="0" eaLnBrk="1" latinLnBrk="0" hangingPunct="1">
+      <a:defRPr sz="1800" kern="1200">
+        <a:solidFill>
+          <a:schemeClr val="tx1"/>
+        </a:solidFill>
+        <a:latin typeface="+mn-lt"/>
+        <a:ea typeface="+mn-ea"/>
+        <a:cs typeface="+mn-cs"/>
+      </a:defRPr>
+    </a:lvl9pPr>
+  </p:defaultTextStyle>
 </p:presentation>
 </file>
 
 <file path=ppt/slideLayouts/slideLayout1.xml><?xml version="1.0" encoding="utf-8"?>
-<p:sldLayout xmlns:a="http://schemas.openxmlformats.org/drawingml/2006/main" xmlns:p="http://schemas.openxmlformats.org/presentationml/2006/main" xmlns:r="http://schemas.openxmlformats.org/officeDocument/2006/relationships" xmlns:p14="http://schemas.microsoft.com/office/powerpoint/2010/main" xmlns:p15="http://schemas.microsoft.com/office/powerpoint/2012/main" xmlns:mc="http://schemas.openxmlformats.org/markup-compatibility/2006" type="blank" preserve="1">
+<p:sldLayout xmlns:a="http://schemas.openxmlformats.org/drawingml/2006/main" xmlns:r="http://schemas.openxmlformats.org/officeDocument/2006/relationships" xmlns:p="http://schemas.openxmlformats.org/presentationml/2006/main" type="blank" preserve="1">
   <p:cSld name="Blank Slide">
     <p:spTree>
       <p:nvGrpSpPr>
@@ -38,11 +133,14 @@
       </p:grpSpPr>
     </p:spTree>
   </p:cSld>
+  <p:clrMapOvr>
+    <a:masterClrMapping/>
+  </p:clrMapOvr>
 </p:sldLayout>
 </file>
 
 <file path=ppt/slideLayouts/slideLayout10.xml><?xml version="1.0" encoding="utf-8"?>
-<p:sldLayout xmlns:a="http://schemas.openxmlformats.org/drawingml/2006/main" xmlns:p="http://schemas.openxmlformats.org/presentationml/2006/main" xmlns:r="http://schemas.openxmlformats.org/officeDocument/2006/relationships" xmlns:p14="http://schemas.microsoft.com/office/powerpoint/2010/main" xmlns:p15="http://schemas.microsoft.com/office/powerpoint/2012/main" xmlns:mc="http://schemas.openxmlformats.org/markup-compatibility/2006" type="objOverTx" preserve="1">
+<p:sldLayout xmlns:a="http://schemas.openxmlformats.org/drawingml/2006/main" xmlns:r="http://schemas.openxmlformats.org/officeDocument/2006/relationships" xmlns:p="http://schemas.openxmlformats.org/presentationml/2006/main" type="objOverTx" preserve="1">
   <p:cSld name="Title, Content over Content">
     <p:spTree>
       <p:nvGrpSpPr>
@@ -78,9 +176,10 @@
           </a:prstGeom>
         </p:spPr>
         <p:txBody>
-          <a:bodyPr lIns="0" rIns="0" tIns="0" bIns="0" anchor="ctr"/>
-          <a:p>
-            <a:endParaRPr b="0" lang="pt-BR" sz="1400" spc="-1" strike="noStrike">
+          <a:bodyPr lIns="0" tIns="0" rIns="0" bIns="0" anchor="ctr"/>
+          <a:lstStyle/>
+          <a:p>
+            <a:endParaRPr lang="pt-BR" sz="1400" b="0" strike="noStrike" spc="-1">
               <a:solidFill>
                 <a:srgbClr val="000000"/>
               </a:solidFill>
@@ -109,11 +208,12 @@
           </a:prstGeom>
         </p:spPr>
         <p:txBody>
-          <a:bodyPr lIns="0" rIns="0" tIns="0" bIns="0">
+          <a:bodyPr lIns="0" tIns="0" rIns="0" bIns="0">
             <a:normAutofit/>
           </a:bodyPr>
-          <a:p>
-            <a:endParaRPr b="0" lang="pt-BR" sz="1400" spc="-1" strike="noStrike">
+          <a:lstStyle/>
+          <a:p>
+            <a:endParaRPr lang="pt-BR" sz="1400" b="0" strike="noStrike" spc="-1">
               <a:solidFill>
                 <a:srgbClr val="000000"/>
               </a:solidFill>
@@ -142,11 +242,12 @@
           </a:prstGeom>
         </p:spPr>
         <p:txBody>
-          <a:bodyPr lIns="0" rIns="0" tIns="0" bIns="0">
+          <a:bodyPr lIns="0" tIns="0" rIns="0" bIns="0">
             <a:normAutofit/>
           </a:bodyPr>
-          <a:p>
-            <a:endParaRPr b="0" lang="pt-BR" sz="1400" spc="-1" strike="noStrike">
+          <a:lstStyle/>
+          <a:p>
+            <a:endParaRPr lang="pt-BR" sz="1400" b="0" strike="noStrike" spc="-1">
               <a:solidFill>
                 <a:srgbClr val="000000"/>
               </a:solidFill>
@@ -157,11 +258,14 @@
       </p:sp>
     </p:spTree>
   </p:cSld>
+  <p:clrMapOvr>
+    <a:masterClrMapping/>
+  </p:clrMapOvr>
 </p:sldLayout>
 </file>
 
 <file path=ppt/slideLayouts/slideLayout11.xml><?xml version="1.0" encoding="utf-8"?>
-<p:sldLayout xmlns:a="http://schemas.openxmlformats.org/drawingml/2006/main" xmlns:p="http://schemas.openxmlformats.org/presentationml/2006/main" xmlns:r="http://schemas.openxmlformats.org/officeDocument/2006/relationships" xmlns:p14="http://schemas.microsoft.com/office/powerpoint/2010/main" xmlns:p15="http://schemas.microsoft.com/office/powerpoint/2012/main" xmlns:mc="http://schemas.openxmlformats.org/markup-compatibility/2006" type="fourObj" preserve="1">
+<p:sldLayout xmlns:a="http://schemas.openxmlformats.org/drawingml/2006/main" xmlns:r="http://schemas.openxmlformats.org/officeDocument/2006/relationships" xmlns:p="http://schemas.openxmlformats.org/presentationml/2006/main" type="fourObj" preserve="1">
   <p:cSld name="Title, 4 Content">
     <p:spTree>
       <p:nvGrpSpPr>
@@ -197,9 +301,10 @@
           </a:prstGeom>
         </p:spPr>
         <p:txBody>
-          <a:bodyPr lIns="0" rIns="0" tIns="0" bIns="0" anchor="ctr"/>
-          <a:p>
-            <a:endParaRPr b="0" lang="pt-BR" sz="1400" spc="-1" strike="noStrike">
+          <a:bodyPr lIns="0" tIns="0" rIns="0" bIns="0" anchor="ctr"/>
+          <a:lstStyle/>
+          <a:p>
+            <a:endParaRPr lang="pt-BR" sz="1400" b="0" strike="noStrike" spc="-1">
               <a:solidFill>
                 <a:srgbClr val="000000"/>
               </a:solidFill>
@@ -228,11 +333,12 @@
           </a:prstGeom>
         </p:spPr>
         <p:txBody>
-          <a:bodyPr lIns="0" rIns="0" tIns="0" bIns="0">
+          <a:bodyPr lIns="0" tIns="0" rIns="0" bIns="0">
             <a:normAutofit/>
           </a:bodyPr>
-          <a:p>
-            <a:endParaRPr b="0" lang="pt-BR" sz="1400" spc="-1" strike="noStrike">
+          <a:lstStyle/>
+          <a:p>
+            <a:endParaRPr lang="pt-BR" sz="1400" b="0" strike="noStrike" spc="-1">
               <a:solidFill>
                 <a:srgbClr val="000000"/>
               </a:solidFill>
@@ -261,11 +367,12 @@
           </a:prstGeom>
         </p:spPr>
         <p:txBody>
-          <a:bodyPr lIns="0" rIns="0" tIns="0" bIns="0">
+          <a:bodyPr lIns="0" tIns="0" rIns="0" bIns="0">
             <a:normAutofit/>
           </a:bodyPr>
-          <a:p>
-            <a:endParaRPr b="0" lang="pt-BR" sz="1400" spc="-1" strike="noStrike">
+          <a:lstStyle/>
+          <a:p>
+            <a:endParaRPr lang="pt-BR" sz="1400" b="0" strike="noStrike" spc="-1">
               <a:solidFill>
                 <a:srgbClr val="000000"/>
               </a:solidFill>
@@ -294,11 +401,12 @@
           </a:prstGeom>
         </p:spPr>
         <p:txBody>
-          <a:bodyPr lIns="0" rIns="0" tIns="0" bIns="0">
+          <a:bodyPr lIns="0" tIns="0" rIns="0" bIns="0">
             <a:normAutofit/>
           </a:bodyPr>
-          <a:p>
-            <a:endParaRPr b="0" lang="pt-BR" sz="1400" spc="-1" strike="noStrike">
+          <a:lstStyle/>
+          <a:p>
+            <a:endParaRPr lang="pt-BR" sz="1400" b="0" strike="noStrike" spc="-1">
               <a:solidFill>
                 <a:srgbClr val="000000"/>
               </a:solidFill>
@@ -327,11 +435,12 @@
           </a:prstGeom>
         </p:spPr>
         <p:txBody>
-          <a:bodyPr lIns="0" rIns="0" tIns="0" bIns="0">
+          <a:bodyPr lIns="0" tIns="0" rIns="0" bIns="0">
             <a:normAutofit/>
           </a:bodyPr>
-          <a:p>
-            <a:endParaRPr b="0" lang="pt-BR" sz="1400" spc="-1" strike="noStrike">
+          <a:lstStyle/>
+          <a:p>
+            <a:endParaRPr lang="pt-BR" sz="1400" b="0" strike="noStrike" spc="-1">
               <a:solidFill>
                 <a:srgbClr val="000000"/>
               </a:solidFill>
@@ -342,11 +451,14 @@
       </p:sp>
     </p:spTree>
   </p:cSld>
+  <p:clrMapOvr>
+    <a:masterClrMapping/>
+  </p:clrMapOvr>
 </p:sldLayout>
 </file>
 
 <file path=ppt/slideLayouts/slideLayout12.xml><?xml version="1.0" encoding="utf-8"?>
-<p:sldLayout xmlns:a="http://schemas.openxmlformats.org/drawingml/2006/main" xmlns:p="http://schemas.openxmlformats.org/presentationml/2006/main" xmlns:r="http://schemas.openxmlformats.org/officeDocument/2006/relationships" xmlns:p14="http://schemas.microsoft.com/office/powerpoint/2010/main" xmlns:p15="http://schemas.microsoft.com/office/powerpoint/2012/main" xmlns:mc="http://schemas.openxmlformats.org/markup-compatibility/2006" type="blank" preserve="1">
+<p:sldLayout xmlns:a="http://schemas.openxmlformats.org/drawingml/2006/main" xmlns:r="http://schemas.openxmlformats.org/officeDocument/2006/relationships" xmlns:p="http://schemas.openxmlformats.org/presentationml/2006/main" type="blank" preserve="1">
   <p:cSld name="Title, 6 Content">
     <p:spTree>
       <p:nvGrpSpPr>
@@ -382,9 +494,10 @@
           </a:prstGeom>
         </p:spPr>
         <p:txBody>
-          <a:bodyPr lIns="0" rIns="0" tIns="0" bIns="0" anchor="ctr"/>
-          <a:p>
-            <a:endParaRPr b="0" lang="pt-BR" sz="1400" spc="-1" strike="noStrike">
+          <a:bodyPr lIns="0" tIns="0" rIns="0" bIns="0" anchor="ctr"/>
+          <a:lstStyle/>
+          <a:p>
+            <a:endParaRPr lang="pt-BR" sz="1400" b="0" strike="noStrike" spc="-1">
               <a:solidFill>
                 <a:srgbClr val="000000"/>
               </a:solidFill>
@@ -413,11 +526,12 @@
           </a:prstGeom>
         </p:spPr>
         <p:txBody>
-          <a:bodyPr lIns="0" rIns="0" tIns="0" bIns="0">
+          <a:bodyPr lIns="0" tIns="0" rIns="0" bIns="0">
             <a:normAutofit/>
           </a:bodyPr>
-          <a:p>
-            <a:endParaRPr b="0" lang="pt-BR" sz="1400" spc="-1" strike="noStrike">
+          <a:lstStyle/>
+          <a:p>
+            <a:endParaRPr lang="pt-BR" sz="1400" b="0" strike="noStrike" spc="-1">
               <a:solidFill>
                 <a:srgbClr val="000000"/>
               </a:solidFill>
@@ -446,11 +560,12 @@
           </a:prstGeom>
         </p:spPr>
         <p:txBody>
-          <a:bodyPr lIns="0" rIns="0" tIns="0" bIns="0">
+          <a:bodyPr lIns="0" tIns="0" rIns="0" bIns="0">
             <a:normAutofit/>
           </a:bodyPr>
-          <a:p>
-            <a:endParaRPr b="0" lang="pt-BR" sz="1400" spc="-1" strike="noStrike">
+          <a:lstStyle/>
+          <a:p>
+            <a:endParaRPr lang="pt-BR" sz="1400" b="0" strike="noStrike" spc="-1">
               <a:solidFill>
                 <a:srgbClr val="000000"/>
               </a:solidFill>
@@ -479,11 +594,12 @@
           </a:prstGeom>
         </p:spPr>
         <p:txBody>
-          <a:bodyPr lIns="0" rIns="0" tIns="0" bIns="0">
+          <a:bodyPr lIns="0" tIns="0" rIns="0" bIns="0">
             <a:normAutofit/>
           </a:bodyPr>
-          <a:p>
-            <a:endParaRPr b="0" lang="pt-BR" sz="1400" spc="-1" strike="noStrike">
+          <a:lstStyle/>
+          <a:p>
+            <a:endParaRPr lang="pt-BR" sz="1400" b="0" strike="noStrike" spc="-1">
               <a:solidFill>
                 <a:srgbClr val="000000"/>
               </a:solidFill>
@@ -512,11 +628,12 @@
           </a:prstGeom>
         </p:spPr>
         <p:txBody>
-          <a:bodyPr lIns="0" rIns="0" tIns="0" bIns="0">
+          <a:bodyPr lIns="0" tIns="0" rIns="0" bIns="0">
             <a:normAutofit/>
           </a:bodyPr>
-          <a:p>
-            <a:endParaRPr b="0" lang="pt-BR" sz="1400" spc="-1" strike="noStrike">
+          <a:lstStyle/>
+          <a:p>
+            <a:endParaRPr lang="pt-BR" sz="1400" b="0" strike="noStrike" spc="-1">
               <a:solidFill>
                 <a:srgbClr val="000000"/>
               </a:solidFill>
@@ -545,11 +662,12 @@
           </a:prstGeom>
         </p:spPr>
         <p:txBody>
-          <a:bodyPr lIns="0" rIns="0" tIns="0" bIns="0">
+          <a:bodyPr lIns="0" tIns="0" rIns="0" bIns="0">
             <a:normAutofit/>
           </a:bodyPr>
-          <a:p>
-            <a:endParaRPr b="0" lang="pt-BR" sz="1400" spc="-1" strike="noStrike">
+          <a:lstStyle/>
+          <a:p>
+            <a:endParaRPr lang="pt-BR" sz="1400" b="0" strike="noStrike" spc="-1">
               <a:solidFill>
                 <a:srgbClr val="000000"/>
               </a:solidFill>
@@ -578,11 +696,12 @@
           </a:prstGeom>
         </p:spPr>
         <p:txBody>
-          <a:bodyPr lIns="0" rIns="0" tIns="0" bIns="0">
+          <a:bodyPr lIns="0" tIns="0" rIns="0" bIns="0">
             <a:normAutofit/>
           </a:bodyPr>
-          <a:p>
-            <a:endParaRPr b="0" lang="pt-BR" sz="1400" spc="-1" strike="noStrike">
+          <a:lstStyle/>
+          <a:p>
+            <a:endParaRPr lang="pt-BR" sz="1400" b="0" strike="noStrike" spc="-1">
               <a:solidFill>
                 <a:srgbClr val="000000"/>
               </a:solidFill>
@@ -593,11 +712,14 @@
       </p:sp>
     </p:spTree>
   </p:cSld>
+  <p:clrMapOvr>
+    <a:masterClrMapping/>
+  </p:clrMapOvr>
 </p:sldLayout>
 </file>
 
 <file path=ppt/slideLayouts/slideLayout13.xml><?xml version="1.0" encoding="utf-8"?>
-<p:sldLayout xmlns:a="http://schemas.openxmlformats.org/drawingml/2006/main" xmlns:p="http://schemas.openxmlformats.org/presentationml/2006/main" xmlns:r="http://schemas.openxmlformats.org/officeDocument/2006/relationships" xmlns:p14="http://schemas.microsoft.com/office/powerpoint/2010/main" xmlns:p15="http://schemas.microsoft.com/office/powerpoint/2012/main" xmlns:mc="http://schemas.openxmlformats.org/markup-compatibility/2006" type="blank" preserve="1">
+<p:sldLayout xmlns:a="http://schemas.openxmlformats.org/drawingml/2006/main" xmlns:r="http://schemas.openxmlformats.org/officeDocument/2006/relationships" xmlns:p="http://schemas.openxmlformats.org/presentationml/2006/main" type="blank" preserve="1">
   <p:cSld name="Blank Slide">
     <p:spTree>
       <p:nvGrpSpPr>
@@ -615,11 +737,14 @@
       </p:grpSpPr>
     </p:spTree>
   </p:cSld>
+  <p:clrMapOvr>
+    <a:masterClrMapping/>
+  </p:clrMapOvr>
 </p:sldLayout>
 </file>
 
 <file path=ppt/slideLayouts/slideLayout14.xml><?xml version="1.0" encoding="utf-8"?>
-<p:sldLayout xmlns:a="http://schemas.openxmlformats.org/drawingml/2006/main" xmlns:p="http://schemas.openxmlformats.org/presentationml/2006/main" xmlns:r="http://schemas.openxmlformats.org/officeDocument/2006/relationships" xmlns:p14="http://schemas.microsoft.com/office/powerpoint/2010/main" xmlns:p15="http://schemas.microsoft.com/office/powerpoint/2012/main" xmlns:mc="http://schemas.openxmlformats.org/markup-compatibility/2006" type="tx" preserve="1">
+<p:sldLayout xmlns:a="http://schemas.openxmlformats.org/drawingml/2006/main" xmlns:r="http://schemas.openxmlformats.org/officeDocument/2006/relationships" xmlns:p="http://schemas.openxmlformats.org/presentationml/2006/main" type="tx" preserve="1">
   <p:cSld name="Title Slide">
     <p:spTree>
       <p:nvGrpSpPr>
@@ -655,9 +780,10 @@
           </a:prstGeom>
         </p:spPr>
         <p:txBody>
-          <a:bodyPr lIns="0" rIns="0" tIns="0" bIns="0" anchor="ctr"/>
-          <a:p>
-            <a:endParaRPr b="0" lang="pt-BR" sz="1400" spc="-1" strike="noStrike">
+          <a:bodyPr lIns="0" tIns="0" rIns="0" bIns="0" anchor="ctr"/>
+          <a:lstStyle/>
+          <a:p>
+            <a:endParaRPr lang="pt-BR" sz="1400" b="0" strike="noStrike" spc="-1">
               <a:solidFill>
                 <a:srgbClr val="000000"/>
               </a:solidFill>
@@ -686,10 +812,11 @@
           </a:prstGeom>
         </p:spPr>
         <p:txBody>
-          <a:bodyPr lIns="0" rIns="0" tIns="0" bIns="0" anchor="ctr"/>
+          <a:bodyPr lIns="0" tIns="0" rIns="0" bIns="0" anchor="ctr"/>
+          <a:lstStyle/>
           <a:p>
             <a:pPr algn="ctr"/>
-            <a:endParaRPr b="0" lang="pt-BR" sz="3200" spc="-1" strike="noStrike">
+            <a:endParaRPr lang="pt-BR" sz="3200" b="0" strike="noStrike" spc="-1">
               <a:latin typeface="Arial"/>
             </a:endParaRPr>
           </a:p>
@@ -697,11 +824,14 @@
       </p:sp>
     </p:spTree>
   </p:cSld>
+  <p:clrMapOvr>
+    <a:masterClrMapping/>
+  </p:clrMapOvr>
 </p:sldLayout>
 </file>
 
 <file path=ppt/slideLayouts/slideLayout15.xml><?xml version="1.0" encoding="utf-8"?>
-<p:sldLayout xmlns:a="http://schemas.openxmlformats.org/drawingml/2006/main" xmlns:p="http://schemas.openxmlformats.org/presentationml/2006/main" xmlns:r="http://schemas.openxmlformats.org/officeDocument/2006/relationships" xmlns:p14="http://schemas.microsoft.com/office/powerpoint/2010/main" xmlns:p15="http://schemas.microsoft.com/office/powerpoint/2012/main" xmlns:mc="http://schemas.openxmlformats.org/markup-compatibility/2006" type="obj" preserve="1">
+<p:sldLayout xmlns:a="http://schemas.openxmlformats.org/drawingml/2006/main" xmlns:r="http://schemas.openxmlformats.org/officeDocument/2006/relationships" xmlns:p="http://schemas.openxmlformats.org/presentationml/2006/main" type="obj" preserve="1">
   <p:cSld name="Title, Content">
     <p:spTree>
       <p:nvGrpSpPr>
@@ -737,9 +867,10 @@
           </a:prstGeom>
         </p:spPr>
         <p:txBody>
-          <a:bodyPr lIns="0" rIns="0" tIns="0" bIns="0" anchor="ctr"/>
-          <a:p>
-            <a:endParaRPr b="0" lang="pt-BR" sz="1400" spc="-1" strike="noStrike">
+          <a:bodyPr lIns="0" tIns="0" rIns="0" bIns="0" anchor="ctr"/>
+          <a:lstStyle/>
+          <a:p>
+            <a:endParaRPr lang="pt-BR" sz="1400" b="0" strike="noStrike" spc="-1">
               <a:solidFill>
                 <a:srgbClr val="000000"/>
               </a:solidFill>
@@ -768,11 +899,12 @@
           </a:prstGeom>
         </p:spPr>
         <p:txBody>
-          <a:bodyPr lIns="0" rIns="0" tIns="0" bIns="0">
+          <a:bodyPr lIns="0" tIns="0" rIns="0" bIns="0">
             <a:normAutofit/>
           </a:bodyPr>
-          <a:p>
-            <a:endParaRPr b="0" lang="pt-BR" sz="1400" spc="-1" strike="noStrike">
+          <a:lstStyle/>
+          <a:p>
+            <a:endParaRPr lang="pt-BR" sz="1400" b="0" strike="noStrike" spc="-1">
               <a:solidFill>
                 <a:srgbClr val="000000"/>
               </a:solidFill>
@@ -783,11 +915,14 @@
       </p:sp>
     </p:spTree>
   </p:cSld>
+  <p:clrMapOvr>
+    <a:masterClrMapping/>
+  </p:clrMapOvr>
 </p:sldLayout>
 </file>
 
 <file path=ppt/slideLayouts/slideLayout16.xml><?xml version="1.0" encoding="utf-8"?>
-<p:sldLayout xmlns:a="http://schemas.openxmlformats.org/drawingml/2006/main" xmlns:p="http://schemas.openxmlformats.org/presentationml/2006/main" xmlns:r="http://schemas.openxmlformats.org/officeDocument/2006/relationships" xmlns:p14="http://schemas.microsoft.com/office/powerpoint/2010/main" xmlns:p15="http://schemas.microsoft.com/office/powerpoint/2012/main" xmlns:mc="http://schemas.openxmlformats.org/markup-compatibility/2006" type="twoObj" preserve="1">
+<p:sldLayout xmlns:a="http://schemas.openxmlformats.org/drawingml/2006/main" xmlns:r="http://schemas.openxmlformats.org/officeDocument/2006/relationships" xmlns:p="http://schemas.openxmlformats.org/presentationml/2006/main" type="twoObj" preserve="1">
   <p:cSld name="Title, 2 Content">
     <p:spTree>
       <p:nvGrpSpPr>
@@ -823,9 +958,10 @@
           </a:prstGeom>
         </p:spPr>
         <p:txBody>
-          <a:bodyPr lIns="0" rIns="0" tIns="0" bIns="0" anchor="ctr"/>
-          <a:p>
-            <a:endParaRPr b="0" lang="pt-BR" sz="1400" spc="-1" strike="noStrike">
+          <a:bodyPr lIns="0" tIns="0" rIns="0" bIns="0" anchor="ctr"/>
+          <a:lstStyle/>
+          <a:p>
+            <a:endParaRPr lang="pt-BR" sz="1400" b="0" strike="noStrike" spc="-1">
               <a:solidFill>
                 <a:srgbClr val="000000"/>
               </a:solidFill>
@@ -854,11 +990,12 @@
           </a:prstGeom>
         </p:spPr>
         <p:txBody>
-          <a:bodyPr lIns="0" rIns="0" tIns="0" bIns="0">
+          <a:bodyPr lIns="0" tIns="0" rIns="0" bIns="0">
             <a:normAutofit/>
           </a:bodyPr>
-          <a:p>
-            <a:endParaRPr b="0" lang="pt-BR" sz="1400" spc="-1" strike="noStrike">
+          <a:lstStyle/>
+          <a:p>
+            <a:endParaRPr lang="pt-BR" sz="1400" b="0" strike="noStrike" spc="-1">
               <a:solidFill>
                 <a:srgbClr val="000000"/>
               </a:solidFill>
@@ -887,11 +1024,12 @@
           </a:prstGeom>
         </p:spPr>
         <p:txBody>
-          <a:bodyPr lIns="0" rIns="0" tIns="0" bIns="0">
+          <a:bodyPr lIns="0" tIns="0" rIns="0" bIns="0">
             <a:normAutofit/>
           </a:bodyPr>
-          <a:p>
-            <a:endParaRPr b="0" lang="pt-BR" sz="1400" spc="-1" strike="noStrike">
+          <a:lstStyle/>
+          <a:p>
+            <a:endParaRPr lang="pt-BR" sz="1400" b="0" strike="noStrike" spc="-1">
               <a:solidFill>
                 <a:srgbClr val="000000"/>
               </a:solidFill>
@@ -902,11 +1040,14 @@
       </p:sp>
     </p:spTree>
   </p:cSld>
+  <p:clrMapOvr>
+    <a:masterClrMapping/>
+  </p:clrMapOvr>
 </p:sldLayout>
 </file>
 
 <file path=ppt/slideLayouts/slideLayout17.xml><?xml version="1.0" encoding="utf-8"?>
-<p:sldLayout xmlns:a="http://schemas.openxmlformats.org/drawingml/2006/main" xmlns:p="http://schemas.openxmlformats.org/presentationml/2006/main" xmlns:r="http://schemas.openxmlformats.org/officeDocument/2006/relationships" xmlns:p14="http://schemas.microsoft.com/office/powerpoint/2010/main" xmlns:p15="http://schemas.microsoft.com/office/powerpoint/2012/main" xmlns:mc="http://schemas.openxmlformats.org/markup-compatibility/2006" type="titleOnly" preserve="1">
+<p:sldLayout xmlns:a="http://schemas.openxmlformats.org/drawingml/2006/main" xmlns:r="http://schemas.openxmlformats.org/officeDocument/2006/relationships" xmlns:p="http://schemas.openxmlformats.org/presentationml/2006/main" type="titleOnly" preserve="1">
   <p:cSld name="Title Only">
     <p:spTree>
       <p:nvGrpSpPr>
@@ -942,9 +1083,10 @@
           </a:prstGeom>
         </p:spPr>
         <p:txBody>
-          <a:bodyPr lIns="0" rIns="0" tIns="0" bIns="0" anchor="ctr"/>
-          <a:p>
-            <a:endParaRPr b="0" lang="pt-BR" sz="1400" spc="-1" strike="noStrike">
+          <a:bodyPr lIns="0" tIns="0" rIns="0" bIns="0" anchor="ctr"/>
+          <a:lstStyle/>
+          <a:p>
+            <a:endParaRPr lang="pt-BR" sz="1400" b="0" strike="noStrike" spc="-1">
               <a:solidFill>
                 <a:srgbClr val="000000"/>
               </a:solidFill>
@@ -955,11 +1097,14 @@
       </p:sp>
     </p:spTree>
   </p:cSld>
+  <p:clrMapOvr>
+    <a:masterClrMapping/>
+  </p:clrMapOvr>
 </p:sldLayout>
 </file>
 
 <file path=ppt/slideLayouts/slideLayout18.xml><?xml version="1.0" encoding="utf-8"?>
-<p:sldLayout xmlns:a="http://schemas.openxmlformats.org/drawingml/2006/main" xmlns:p="http://schemas.openxmlformats.org/presentationml/2006/main" xmlns:r="http://schemas.openxmlformats.org/officeDocument/2006/relationships" xmlns:p14="http://schemas.microsoft.com/office/powerpoint/2010/main" xmlns:p15="http://schemas.microsoft.com/office/powerpoint/2012/main" xmlns:mc="http://schemas.openxmlformats.org/markup-compatibility/2006" type="objOnly" preserve="1">
+<p:sldLayout xmlns:a="http://schemas.openxmlformats.org/drawingml/2006/main" xmlns:r="http://schemas.openxmlformats.org/officeDocument/2006/relationships" xmlns:p="http://schemas.openxmlformats.org/presentationml/2006/main" type="objOnly" preserve="1">
   <p:cSld name="Centered Text">
     <p:spTree>
       <p:nvGrpSpPr>
@@ -995,10 +1140,11 @@
           </a:prstGeom>
         </p:spPr>
         <p:txBody>
-          <a:bodyPr lIns="0" rIns="0" tIns="0" bIns="0" anchor="ctr"/>
+          <a:bodyPr lIns="0" tIns="0" rIns="0" bIns="0" anchor="ctr"/>
+          <a:lstStyle/>
           <a:p>
             <a:pPr algn="ctr"/>
-            <a:endParaRPr b="0" lang="pt-BR" sz="3200" spc="-1" strike="noStrike">
+            <a:endParaRPr lang="pt-BR" sz="3200" b="0" strike="noStrike" spc="-1">
               <a:latin typeface="Arial"/>
             </a:endParaRPr>
           </a:p>
@@ -1006,11 +1152,14 @@
       </p:sp>
     </p:spTree>
   </p:cSld>
+  <p:clrMapOvr>
+    <a:masterClrMapping/>
+  </p:clrMapOvr>
 </p:sldLayout>
 </file>
 
 <file path=ppt/slideLayouts/slideLayout19.xml><?xml version="1.0" encoding="utf-8"?>
-<p:sldLayout xmlns:a="http://schemas.openxmlformats.org/drawingml/2006/main" xmlns:p="http://schemas.openxmlformats.org/presentationml/2006/main" xmlns:r="http://schemas.openxmlformats.org/officeDocument/2006/relationships" xmlns:p14="http://schemas.microsoft.com/office/powerpoint/2010/main" xmlns:p15="http://schemas.microsoft.com/office/powerpoint/2012/main" xmlns:mc="http://schemas.openxmlformats.org/markup-compatibility/2006" type="twoObjAndObj" preserve="1">
+<p:sldLayout xmlns:a="http://schemas.openxmlformats.org/drawingml/2006/main" xmlns:r="http://schemas.openxmlformats.org/officeDocument/2006/relationships" xmlns:p="http://schemas.openxmlformats.org/presentationml/2006/main" type="twoObjAndObj" preserve="1">
   <p:cSld name="Title, 2 Content and Content">
     <p:spTree>
       <p:nvGrpSpPr>
@@ -1046,9 +1195,10 @@
           </a:prstGeom>
         </p:spPr>
         <p:txBody>
-          <a:bodyPr lIns="0" rIns="0" tIns="0" bIns="0" anchor="ctr"/>
-          <a:p>
-            <a:endParaRPr b="0" lang="pt-BR" sz="1400" spc="-1" strike="noStrike">
+          <a:bodyPr lIns="0" tIns="0" rIns="0" bIns="0" anchor="ctr"/>
+          <a:lstStyle/>
+          <a:p>
+            <a:endParaRPr lang="pt-BR" sz="1400" b="0" strike="noStrike" spc="-1">
               <a:solidFill>
                 <a:srgbClr val="000000"/>
               </a:solidFill>
@@ -1077,11 +1227,12 @@
           </a:prstGeom>
         </p:spPr>
         <p:txBody>
-          <a:bodyPr lIns="0" rIns="0" tIns="0" bIns="0">
+          <a:bodyPr lIns="0" tIns="0" rIns="0" bIns="0">
             <a:normAutofit/>
           </a:bodyPr>
-          <a:p>
-            <a:endParaRPr b="0" lang="pt-BR" sz="1400" spc="-1" strike="noStrike">
+          <a:lstStyle/>
+          <a:p>
+            <a:endParaRPr lang="pt-BR" sz="1400" b="0" strike="noStrike" spc="-1">
               <a:solidFill>
                 <a:srgbClr val="000000"/>
               </a:solidFill>
@@ -1110,11 +1261,12 @@
           </a:prstGeom>
         </p:spPr>
         <p:txBody>
-          <a:bodyPr lIns="0" rIns="0" tIns="0" bIns="0">
+          <a:bodyPr lIns="0" tIns="0" rIns="0" bIns="0">
             <a:normAutofit/>
           </a:bodyPr>
-          <a:p>
-            <a:endParaRPr b="0" lang="pt-BR" sz="1400" spc="-1" strike="noStrike">
+          <a:lstStyle/>
+          <a:p>
+            <a:endParaRPr lang="pt-BR" sz="1400" b="0" strike="noStrike" spc="-1">
               <a:solidFill>
                 <a:srgbClr val="000000"/>
               </a:solidFill>
@@ -1143,11 +1295,12 @@
           </a:prstGeom>
         </p:spPr>
         <p:txBody>
-          <a:bodyPr lIns="0" rIns="0" tIns="0" bIns="0">
+          <a:bodyPr lIns="0" tIns="0" rIns="0" bIns="0">
             <a:normAutofit/>
           </a:bodyPr>
-          <a:p>
-            <a:endParaRPr b="0" lang="pt-BR" sz="1400" spc="-1" strike="noStrike">
+          <a:lstStyle/>
+          <a:p>
+            <a:endParaRPr lang="pt-BR" sz="1400" b="0" strike="noStrike" spc="-1">
               <a:solidFill>
                 <a:srgbClr val="000000"/>
               </a:solidFill>
@@ -1158,11 +1311,14 @@
       </p:sp>
     </p:spTree>
   </p:cSld>
+  <p:clrMapOvr>
+    <a:masterClrMapping/>
+  </p:clrMapOvr>
 </p:sldLayout>
 </file>
 
 <file path=ppt/slideLayouts/slideLayout2.xml><?xml version="1.0" encoding="utf-8"?>
-<p:sldLayout xmlns:a="http://schemas.openxmlformats.org/drawingml/2006/main" xmlns:p="http://schemas.openxmlformats.org/presentationml/2006/main" xmlns:r="http://schemas.openxmlformats.org/officeDocument/2006/relationships" xmlns:p14="http://schemas.microsoft.com/office/powerpoint/2010/main" xmlns:p15="http://schemas.microsoft.com/office/powerpoint/2012/main" xmlns:mc="http://schemas.openxmlformats.org/markup-compatibility/2006" type="tx" preserve="1">
+<p:sldLayout xmlns:a="http://schemas.openxmlformats.org/drawingml/2006/main" xmlns:r="http://schemas.openxmlformats.org/officeDocument/2006/relationships" xmlns:p="http://schemas.openxmlformats.org/presentationml/2006/main" type="tx" preserve="1">
   <p:cSld name="Title Slide">
     <p:spTree>
       <p:nvGrpSpPr>
@@ -1198,9 +1354,10 @@
           </a:prstGeom>
         </p:spPr>
         <p:txBody>
-          <a:bodyPr lIns="0" rIns="0" tIns="0" bIns="0" anchor="ctr"/>
-          <a:p>
-            <a:endParaRPr b="0" lang="pt-BR" sz="1400" spc="-1" strike="noStrike">
+          <a:bodyPr lIns="0" tIns="0" rIns="0" bIns="0" anchor="ctr"/>
+          <a:lstStyle/>
+          <a:p>
+            <a:endParaRPr lang="pt-BR" sz="1400" b="0" strike="noStrike" spc="-1">
               <a:solidFill>
                 <a:srgbClr val="000000"/>
               </a:solidFill>
@@ -1229,10 +1386,11 @@
           </a:prstGeom>
         </p:spPr>
         <p:txBody>
-          <a:bodyPr lIns="0" rIns="0" tIns="0" bIns="0" anchor="ctr"/>
+          <a:bodyPr lIns="0" tIns="0" rIns="0" bIns="0" anchor="ctr"/>
+          <a:lstStyle/>
           <a:p>
             <a:pPr algn="ctr"/>
-            <a:endParaRPr b="0" lang="pt-BR" sz="3200" spc="-1" strike="noStrike">
+            <a:endParaRPr lang="pt-BR" sz="3200" b="0" strike="noStrike" spc="-1">
               <a:latin typeface="Arial"/>
             </a:endParaRPr>
           </a:p>
@@ -1240,11 +1398,14 @@
       </p:sp>
     </p:spTree>
   </p:cSld>
+  <p:clrMapOvr>
+    <a:masterClrMapping/>
+  </p:clrMapOvr>
 </p:sldLayout>
 </file>
 
 <file path=ppt/slideLayouts/slideLayout20.xml><?xml version="1.0" encoding="utf-8"?>
-<p:sldLayout xmlns:a="http://schemas.openxmlformats.org/drawingml/2006/main" xmlns:p="http://schemas.openxmlformats.org/presentationml/2006/main" xmlns:r="http://schemas.openxmlformats.org/officeDocument/2006/relationships" xmlns:p14="http://schemas.microsoft.com/office/powerpoint/2010/main" xmlns:p15="http://schemas.microsoft.com/office/powerpoint/2012/main" xmlns:mc="http://schemas.openxmlformats.org/markup-compatibility/2006" type="objAndTwoObj" preserve="1">
+<p:sldLayout xmlns:a="http://schemas.openxmlformats.org/drawingml/2006/main" xmlns:r="http://schemas.openxmlformats.org/officeDocument/2006/relationships" xmlns:p="http://schemas.openxmlformats.org/presentationml/2006/main" type="objAndTwoObj" preserve="1">
   <p:cSld name="Title Content and 2 Content">
     <p:spTree>
       <p:nvGrpSpPr>
@@ -1280,9 +1441,10 @@
           </a:prstGeom>
         </p:spPr>
         <p:txBody>
-          <a:bodyPr lIns="0" rIns="0" tIns="0" bIns="0" anchor="ctr"/>
-          <a:p>
-            <a:endParaRPr b="0" lang="pt-BR" sz="1400" spc="-1" strike="noStrike">
+          <a:bodyPr lIns="0" tIns="0" rIns="0" bIns="0" anchor="ctr"/>
+          <a:lstStyle/>
+          <a:p>
+            <a:endParaRPr lang="pt-BR" sz="1400" b="0" strike="noStrike" spc="-1">
               <a:solidFill>
                 <a:srgbClr val="000000"/>
               </a:solidFill>
@@ -1311,11 +1473,12 @@
           </a:prstGeom>
         </p:spPr>
         <p:txBody>
-          <a:bodyPr lIns="0" rIns="0" tIns="0" bIns="0">
+          <a:bodyPr lIns="0" tIns="0" rIns="0" bIns="0">
             <a:normAutofit/>
           </a:bodyPr>
-          <a:p>
-            <a:endParaRPr b="0" lang="pt-BR" sz="1400" spc="-1" strike="noStrike">
+          <a:lstStyle/>
+          <a:p>
+            <a:endParaRPr lang="pt-BR" sz="1400" b="0" strike="noStrike" spc="-1">
               <a:solidFill>
                 <a:srgbClr val="000000"/>
               </a:solidFill>
@@ -1344,11 +1507,12 @@
           </a:prstGeom>
         </p:spPr>
         <p:txBody>
-          <a:bodyPr lIns="0" rIns="0" tIns="0" bIns="0">
+          <a:bodyPr lIns="0" tIns="0" rIns="0" bIns="0">
             <a:normAutofit/>
           </a:bodyPr>
-          <a:p>
-            <a:endParaRPr b="0" lang="pt-BR" sz="1400" spc="-1" strike="noStrike">
+          <a:lstStyle/>
+          <a:p>
+            <a:endParaRPr lang="pt-BR" sz="1400" b="0" strike="noStrike" spc="-1">
               <a:solidFill>
                 <a:srgbClr val="000000"/>
               </a:solidFill>
@@ -1377,11 +1541,12 @@
           </a:prstGeom>
         </p:spPr>
         <p:txBody>
-          <a:bodyPr lIns="0" rIns="0" tIns="0" bIns="0">
+          <a:bodyPr lIns="0" tIns="0" rIns="0" bIns="0">
             <a:normAutofit/>
           </a:bodyPr>
-          <a:p>
-            <a:endParaRPr b="0" lang="pt-BR" sz="1400" spc="-1" strike="noStrike">
+          <a:lstStyle/>
+          <a:p>
+            <a:endParaRPr lang="pt-BR" sz="1400" b="0" strike="noStrike" spc="-1">
               <a:solidFill>
                 <a:srgbClr val="000000"/>
               </a:solidFill>
@@ -1392,11 +1557,14 @@
       </p:sp>
     </p:spTree>
   </p:cSld>
+  <p:clrMapOvr>
+    <a:masterClrMapping/>
+  </p:clrMapOvr>
 </p:sldLayout>
 </file>
 
 <file path=ppt/slideLayouts/slideLayout21.xml><?xml version="1.0" encoding="utf-8"?>
-<p:sldLayout xmlns:a="http://schemas.openxmlformats.org/drawingml/2006/main" xmlns:p="http://schemas.openxmlformats.org/presentationml/2006/main" xmlns:r="http://schemas.openxmlformats.org/officeDocument/2006/relationships" xmlns:p14="http://schemas.microsoft.com/office/powerpoint/2010/main" xmlns:p15="http://schemas.microsoft.com/office/powerpoint/2012/main" xmlns:mc="http://schemas.openxmlformats.org/markup-compatibility/2006" type="twoObjOverTx" preserve="1">
+<p:sldLayout xmlns:a="http://schemas.openxmlformats.org/drawingml/2006/main" xmlns:r="http://schemas.openxmlformats.org/officeDocument/2006/relationships" xmlns:p="http://schemas.openxmlformats.org/presentationml/2006/main" type="twoObjOverTx" preserve="1">
   <p:cSld name="Title, 2 Content over Content">
     <p:spTree>
       <p:nvGrpSpPr>
@@ -1432,9 +1600,10 @@
           </a:prstGeom>
         </p:spPr>
         <p:txBody>
-          <a:bodyPr lIns="0" rIns="0" tIns="0" bIns="0" anchor="ctr"/>
-          <a:p>
-            <a:endParaRPr b="0" lang="pt-BR" sz="1400" spc="-1" strike="noStrike">
+          <a:bodyPr lIns="0" tIns="0" rIns="0" bIns="0" anchor="ctr"/>
+          <a:lstStyle/>
+          <a:p>
+            <a:endParaRPr lang="pt-BR" sz="1400" b="0" strike="noStrike" spc="-1">
               <a:solidFill>
                 <a:srgbClr val="000000"/>
               </a:solidFill>
@@ -1463,11 +1632,12 @@
           </a:prstGeom>
         </p:spPr>
         <p:txBody>
-          <a:bodyPr lIns="0" rIns="0" tIns="0" bIns="0">
+          <a:bodyPr lIns="0" tIns="0" rIns="0" bIns="0">
             <a:normAutofit/>
           </a:bodyPr>
-          <a:p>
-            <a:endParaRPr b="0" lang="pt-BR" sz="1400" spc="-1" strike="noStrike">
+          <a:lstStyle/>
+          <a:p>
+            <a:endParaRPr lang="pt-BR" sz="1400" b="0" strike="noStrike" spc="-1">
               <a:solidFill>
                 <a:srgbClr val="000000"/>
               </a:solidFill>
@@ -1496,11 +1666,12 @@
           </a:prstGeom>
         </p:spPr>
         <p:txBody>
-          <a:bodyPr lIns="0" rIns="0" tIns="0" bIns="0">
+          <a:bodyPr lIns="0" tIns="0" rIns="0" bIns="0">
             <a:normAutofit/>
           </a:bodyPr>
-          <a:p>
-            <a:endParaRPr b="0" lang="pt-BR" sz="1400" spc="-1" strike="noStrike">
+          <a:lstStyle/>
+          <a:p>
+            <a:endParaRPr lang="pt-BR" sz="1400" b="0" strike="noStrike" spc="-1">
               <a:solidFill>
                 <a:srgbClr val="000000"/>
               </a:solidFill>
@@ -1529,11 +1700,12 @@
           </a:prstGeom>
         </p:spPr>
         <p:txBody>
-          <a:bodyPr lIns="0" rIns="0" tIns="0" bIns="0">
+          <a:bodyPr lIns="0" tIns="0" rIns="0" bIns="0">
             <a:normAutofit/>
           </a:bodyPr>
-          <a:p>
-            <a:endParaRPr b="0" lang="pt-BR" sz="1400" spc="-1" strike="noStrike">
+          <a:lstStyle/>
+          <a:p>
+            <a:endParaRPr lang="pt-BR" sz="1400" b="0" strike="noStrike" spc="-1">
               <a:solidFill>
                 <a:srgbClr val="000000"/>
               </a:solidFill>
@@ -1544,11 +1716,14 @@
       </p:sp>
     </p:spTree>
   </p:cSld>
+  <p:clrMapOvr>
+    <a:masterClrMapping/>
+  </p:clrMapOvr>
 </p:sldLayout>
 </file>
 
 <file path=ppt/slideLayouts/slideLayout22.xml><?xml version="1.0" encoding="utf-8"?>
-<p:sldLayout xmlns:a="http://schemas.openxmlformats.org/drawingml/2006/main" xmlns:p="http://schemas.openxmlformats.org/presentationml/2006/main" xmlns:r="http://schemas.openxmlformats.org/officeDocument/2006/relationships" xmlns:p14="http://schemas.microsoft.com/office/powerpoint/2010/main" xmlns:p15="http://schemas.microsoft.com/office/powerpoint/2012/main" xmlns:mc="http://schemas.openxmlformats.org/markup-compatibility/2006" type="objOverTx" preserve="1">
+<p:sldLayout xmlns:a="http://schemas.openxmlformats.org/drawingml/2006/main" xmlns:r="http://schemas.openxmlformats.org/officeDocument/2006/relationships" xmlns:p="http://schemas.openxmlformats.org/presentationml/2006/main" type="objOverTx" preserve="1">
   <p:cSld name="Title, Content over Content">
     <p:spTree>
       <p:nvGrpSpPr>
@@ -1584,9 +1759,10 @@
           </a:prstGeom>
         </p:spPr>
         <p:txBody>
-          <a:bodyPr lIns="0" rIns="0" tIns="0" bIns="0" anchor="ctr"/>
-          <a:p>
-            <a:endParaRPr b="0" lang="pt-BR" sz="1400" spc="-1" strike="noStrike">
+          <a:bodyPr lIns="0" tIns="0" rIns="0" bIns="0" anchor="ctr"/>
+          <a:lstStyle/>
+          <a:p>
+            <a:endParaRPr lang="pt-BR" sz="1400" b="0" strike="noStrike" spc="-1">
               <a:solidFill>
                 <a:srgbClr val="000000"/>
               </a:solidFill>
@@ -1615,11 +1791,12 @@
           </a:prstGeom>
         </p:spPr>
         <p:txBody>
-          <a:bodyPr lIns="0" rIns="0" tIns="0" bIns="0">
+          <a:bodyPr lIns="0" tIns="0" rIns="0" bIns="0">
             <a:normAutofit/>
           </a:bodyPr>
-          <a:p>
-            <a:endParaRPr b="0" lang="pt-BR" sz="1400" spc="-1" strike="noStrike">
+          <a:lstStyle/>
+          <a:p>
+            <a:endParaRPr lang="pt-BR" sz="1400" b="0" strike="noStrike" spc="-1">
               <a:solidFill>
                 <a:srgbClr val="000000"/>
               </a:solidFill>
@@ -1648,11 +1825,12 @@
           </a:prstGeom>
         </p:spPr>
         <p:txBody>
-          <a:bodyPr lIns="0" rIns="0" tIns="0" bIns="0">
+          <a:bodyPr lIns="0" tIns="0" rIns="0" bIns="0">
             <a:normAutofit/>
           </a:bodyPr>
-          <a:p>
-            <a:endParaRPr b="0" lang="pt-BR" sz="1400" spc="-1" strike="noStrike">
+          <a:lstStyle/>
+          <a:p>
+            <a:endParaRPr lang="pt-BR" sz="1400" b="0" strike="noStrike" spc="-1">
               <a:solidFill>
                 <a:srgbClr val="000000"/>
               </a:solidFill>
@@ -1663,11 +1841,14 @@
       </p:sp>
     </p:spTree>
   </p:cSld>
+  <p:clrMapOvr>
+    <a:masterClrMapping/>
+  </p:clrMapOvr>
 </p:sldLayout>
 </file>
 
 <file path=ppt/slideLayouts/slideLayout23.xml><?xml version="1.0" encoding="utf-8"?>
-<p:sldLayout xmlns:a="http://schemas.openxmlformats.org/drawingml/2006/main" xmlns:p="http://schemas.openxmlformats.org/presentationml/2006/main" xmlns:r="http://schemas.openxmlformats.org/officeDocument/2006/relationships" xmlns:p14="http://schemas.microsoft.com/office/powerpoint/2010/main" xmlns:p15="http://schemas.microsoft.com/office/powerpoint/2012/main" xmlns:mc="http://schemas.openxmlformats.org/markup-compatibility/2006" type="fourObj" preserve="1">
+<p:sldLayout xmlns:a="http://schemas.openxmlformats.org/drawingml/2006/main" xmlns:r="http://schemas.openxmlformats.org/officeDocument/2006/relationships" xmlns:p="http://schemas.openxmlformats.org/presentationml/2006/main" type="fourObj" preserve="1">
   <p:cSld name="Title, 4 Content">
     <p:spTree>
       <p:nvGrpSpPr>
@@ -1703,9 +1884,10 @@
           </a:prstGeom>
         </p:spPr>
         <p:txBody>
-          <a:bodyPr lIns="0" rIns="0" tIns="0" bIns="0" anchor="ctr"/>
-          <a:p>
-            <a:endParaRPr b="0" lang="pt-BR" sz="1400" spc="-1" strike="noStrike">
+          <a:bodyPr lIns="0" tIns="0" rIns="0" bIns="0" anchor="ctr"/>
+          <a:lstStyle/>
+          <a:p>
+            <a:endParaRPr lang="pt-BR" sz="1400" b="0" strike="noStrike" spc="-1">
               <a:solidFill>
                 <a:srgbClr val="000000"/>
               </a:solidFill>
@@ -1734,11 +1916,12 @@
           </a:prstGeom>
         </p:spPr>
         <p:txBody>
-          <a:bodyPr lIns="0" rIns="0" tIns="0" bIns="0">
+          <a:bodyPr lIns="0" tIns="0" rIns="0" bIns="0">
             <a:normAutofit/>
           </a:bodyPr>
-          <a:p>
-            <a:endParaRPr b="0" lang="pt-BR" sz="1400" spc="-1" strike="noStrike">
+          <a:lstStyle/>
+          <a:p>
+            <a:endParaRPr lang="pt-BR" sz="1400" b="0" strike="noStrike" spc="-1">
               <a:solidFill>
                 <a:srgbClr val="000000"/>
               </a:solidFill>
@@ -1767,11 +1950,12 @@
           </a:prstGeom>
         </p:spPr>
         <p:txBody>
-          <a:bodyPr lIns="0" rIns="0" tIns="0" bIns="0">
+          <a:bodyPr lIns="0" tIns="0" rIns="0" bIns="0">
             <a:normAutofit/>
           </a:bodyPr>
-          <a:p>
-            <a:endParaRPr b="0" lang="pt-BR" sz="1400" spc="-1" strike="noStrike">
+          <a:lstStyle/>
+          <a:p>
+            <a:endParaRPr lang="pt-BR" sz="1400" b="0" strike="noStrike" spc="-1">
               <a:solidFill>
                 <a:srgbClr val="000000"/>
               </a:solidFill>
@@ -1800,11 +1984,12 @@
           </a:prstGeom>
         </p:spPr>
         <p:txBody>
-          <a:bodyPr lIns="0" rIns="0" tIns="0" bIns="0">
+          <a:bodyPr lIns="0" tIns="0" rIns="0" bIns="0">
             <a:normAutofit/>
           </a:bodyPr>
-          <a:p>
-            <a:endParaRPr b="0" lang="pt-BR" sz="1400" spc="-1" strike="noStrike">
+          <a:lstStyle/>
+          <a:p>
+            <a:endParaRPr lang="pt-BR" sz="1400" b="0" strike="noStrike" spc="-1">
               <a:solidFill>
                 <a:srgbClr val="000000"/>
               </a:solidFill>
@@ -1833,11 +2018,12 @@
           </a:prstGeom>
         </p:spPr>
         <p:txBody>
-          <a:bodyPr lIns="0" rIns="0" tIns="0" bIns="0">
+          <a:bodyPr lIns="0" tIns="0" rIns="0" bIns="0">
             <a:normAutofit/>
           </a:bodyPr>
-          <a:p>
-            <a:endParaRPr b="0" lang="pt-BR" sz="1400" spc="-1" strike="noStrike">
+          <a:lstStyle/>
+          <a:p>
+            <a:endParaRPr lang="pt-BR" sz="1400" b="0" strike="noStrike" spc="-1">
               <a:solidFill>
                 <a:srgbClr val="000000"/>
               </a:solidFill>
@@ -1848,11 +2034,14 @@
       </p:sp>
     </p:spTree>
   </p:cSld>
+  <p:clrMapOvr>
+    <a:masterClrMapping/>
+  </p:clrMapOvr>
 </p:sldLayout>
 </file>
 
 <file path=ppt/slideLayouts/slideLayout24.xml><?xml version="1.0" encoding="utf-8"?>
-<p:sldLayout xmlns:a="http://schemas.openxmlformats.org/drawingml/2006/main" xmlns:p="http://schemas.openxmlformats.org/presentationml/2006/main" xmlns:r="http://schemas.openxmlformats.org/officeDocument/2006/relationships" xmlns:p14="http://schemas.microsoft.com/office/powerpoint/2010/main" xmlns:p15="http://schemas.microsoft.com/office/powerpoint/2012/main" xmlns:mc="http://schemas.openxmlformats.org/markup-compatibility/2006" type="blank" preserve="1">
+<p:sldLayout xmlns:a="http://schemas.openxmlformats.org/drawingml/2006/main" xmlns:r="http://schemas.openxmlformats.org/officeDocument/2006/relationships" xmlns:p="http://schemas.openxmlformats.org/presentationml/2006/main" type="blank" preserve="1">
   <p:cSld name="Title, 6 Content">
     <p:spTree>
       <p:nvGrpSpPr>
@@ -1888,9 +2077,10 @@
           </a:prstGeom>
         </p:spPr>
         <p:txBody>
-          <a:bodyPr lIns="0" rIns="0" tIns="0" bIns="0" anchor="ctr"/>
-          <a:p>
-            <a:endParaRPr b="0" lang="pt-BR" sz="1400" spc="-1" strike="noStrike">
+          <a:bodyPr lIns="0" tIns="0" rIns="0" bIns="0" anchor="ctr"/>
+          <a:lstStyle/>
+          <a:p>
+            <a:endParaRPr lang="pt-BR" sz="1400" b="0" strike="noStrike" spc="-1">
               <a:solidFill>
                 <a:srgbClr val="000000"/>
               </a:solidFill>
@@ -1919,11 +2109,12 @@
           </a:prstGeom>
         </p:spPr>
         <p:txBody>
-          <a:bodyPr lIns="0" rIns="0" tIns="0" bIns="0">
+          <a:bodyPr lIns="0" tIns="0" rIns="0" bIns="0">
             <a:normAutofit/>
           </a:bodyPr>
-          <a:p>
-            <a:endParaRPr b="0" lang="pt-BR" sz="1400" spc="-1" strike="noStrike">
+          <a:lstStyle/>
+          <a:p>
+            <a:endParaRPr lang="pt-BR" sz="1400" b="0" strike="noStrike" spc="-1">
               <a:solidFill>
                 <a:srgbClr val="000000"/>
               </a:solidFill>
@@ -1952,11 +2143,12 @@
           </a:prstGeom>
         </p:spPr>
         <p:txBody>
-          <a:bodyPr lIns="0" rIns="0" tIns="0" bIns="0">
+          <a:bodyPr lIns="0" tIns="0" rIns="0" bIns="0">
             <a:normAutofit/>
           </a:bodyPr>
-          <a:p>
-            <a:endParaRPr b="0" lang="pt-BR" sz="1400" spc="-1" strike="noStrike">
+          <a:lstStyle/>
+          <a:p>
+            <a:endParaRPr lang="pt-BR" sz="1400" b="0" strike="noStrike" spc="-1">
               <a:solidFill>
                 <a:srgbClr val="000000"/>
               </a:solidFill>
@@ -1985,11 +2177,12 @@
           </a:prstGeom>
         </p:spPr>
         <p:txBody>
-          <a:bodyPr lIns="0" rIns="0" tIns="0" bIns="0">
+          <a:bodyPr lIns="0" tIns="0" rIns="0" bIns="0">
             <a:normAutofit/>
           </a:bodyPr>
-          <a:p>
-            <a:endParaRPr b="0" lang="pt-BR" sz="1400" spc="-1" strike="noStrike">
+          <a:lstStyle/>
+          <a:p>
+            <a:endParaRPr lang="pt-BR" sz="1400" b="0" strike="noStrike" spc="-1">
               <a:solidFill>
                 <a:srgbClr val="000000"/>
               </a:solidFill>
@@ -2018,11 +2211,12 @@
           </a:prstGeom>
         </p:spPr>
         <p:txBody>
-          <a:bodyPr lIns="0" rIns="0" tIns="0" bIns="0">
+          <a:bodyPr lIns="0" tIns="0" rIns="0" bIns="0">
             <a:normAutofit/>
           </a:bodyPr>
-          <a:p>
-            <a:endParaRPr b="0" lang="pt-BR" sz="1400" spc="-1" strike="noStrike">
+          <a:lstStyle/>
+          <a:p>
+            <a:endParaRPr lang="pt-BR" sz="1400" b="0" strike="noStrike" spc="-1">
               <a:solidFill>
                 <a:srgbClr val="000000"/>
               </a:solidFill>
@@ -2051,11 +2245,12 @@
           </a:prstGeom>
         </p:spPr>
         <p:txBody>
-          <a:bodyPr lIns="0" rIns="0" tIns="0" bIns="0">
+          <a:bodyPr lIns="0" tIns="0" rIns="0" bIns="0">
             <a:normAutofit/>
           </a:bodyPr>
-          <a:p>
-            <a:endParaRPr b="0" lang="pt-BR" sz="1400" spc="-1" strike="noStrike">
+          <a:lstStyle/>
+          <a:p>
+            <a:endParaRPr lang="pt-BR" sz="1400" b="0" strike="noStrike" spc="-1">
               <a:solidFill>
                 <a:srgbClr val="000000"/>
               </a:solidFill>
@@ -2084,11 +2279,12 @@
           </a:prstGeom>
         </p:spPr>
         <p:txBody>
-          <a:bodyPr lIns="0" rIns="0" tIns="0" bIns="0">
+          <a:bodyPr lIns="0" tIns="0" rIns="0" bIns="0">
             <a:normAutofit/>
           </a:bodyPr>
-          <a:p>
-            <a:endParaRPr b="0" lang="pt-BR" sz="1400" spc="-1" strike="noStrike">
+          <a:lstStyle/>
+          <a:p>
+            <a:endParaRPr lang="pt-BR" sz="1400" b="0" strike="noStrike" spc="-1">
               <a:solidFill>
                 <a:srgbClr val="000000"/>
               </a:solidFill>
@@ -2099,11 +2295,14 @@
       </p:sp>
     </p:spTree>
   </p:cSld>
+  <p:clrMapOvr>
+    <a:masterClrMapping/>
+  </p:clrMapOvr>
 </p:sldLayout>
 </file>
 
 <file path=ppt/slideLayouts/slideLayout3.xml><?xml version="1.0" encoding="utf-8"?>
-<p:sldLayout xmlns:a="http://schemas.openxmlformats.org/drawingml/2006/main" xmlns:p="http://schemas.openxmlformats.org/presentationml/2006/main" xmlns:r="http://schemas.openxmlformats.org/officeDocument/2006/relationships" xmlns:p14="http://schemas.microsoft.com/office/powerpoint/2010/main" xmlns:p15="http://schemas.microsoft.com/office/powerpoint/2012/main" xmlns:mc="http://schemas.openxmlformats.org/markup-compatibility/2006" type="obj" preserve="1">
+<p:sldLayout xmlns:a="http://schemas.openxmlformats.org/drawingml/2006/main" xmlns:r="http://schemas.openxmlformats.org/officeDocument/2006/relationships" xmlns:p="http://schemas.openxmlformats.org/presentationml/2006/main" type="obj" preserve="1">
   <p:cSld name="Title, Content">
     <p:spTree>
       <p:nvGrpSpPr>
@@ -2139,9 +2338,10 @@
           </a:prstGeom>
         </p:spPr>
         <p:txBody>
-          <a:bodyPr lIns="0" rIns="0" tIns="0" bIns="0" anchor="ctr"/>
-          <a:p>
-            <a:endParaRPr b="0" lang="pt-BR" sz="1400" spc="-1" strike="noStrike">
+          <a:bodyPr lIns="0" tIns="0" rIns="0" bIns="0" anchor="ctr"/>
+          <a:lstStyle/>
+          <a:p>
+            <a:endParaRPr lang="pt-BR" sz="1400" b="0" strike="noStrike" spc="-1">
               <a:solidFill>
                 <a:srgbClr val="000000"/>
               </a:solidFill>
@@ -2170,11 +2370,12 @@
           </a:prstGeom>
         </p:spPr>
         <p:txBody>
-          <a:bodyPr lIns="0" rIns="0" tIns="0" bIns="0">
+          <a:bodyPr lIns="0" tIns="0" rIns="0" bIns="0">
             <a:normAutofit/>
           </a:bodyPr>
-          <a:p>
-            <a:endParaRPr b="0" lang="pt-BR" sz="1400" spc="-1" strike="noStrike">
+          <a:lstStyle/>
+          <a:p>
+            <a:endParaRPr lang="pt-BR" sz="1400" b="0" strike="noStrike" spc="-1">
               <a:solidFill>
                 <a:srgbClr val="000000"/>
               </a:solidFill>
@@ -2185,11 +2386,14 @@
       </p:sp>
     </p:spTree>
   </p:cSld>
+  <p:clrMapOvr>
+    <a:masterClrMapping/>
+  </p:clrMapOvr>
 </p:sldLayout>
 </file>
 
 <file path=ppt/slideLayouts/slideLayout4.xml><?xml version="1.0" encoding="utf-8"?>
-<p:sldLayout xmlns:a="http://schemas.openxmlformats.org/drawingml/2006/main" xmlns:p="http://schemas.openxmlformats.org/presentationml/2006/main" xmlns:r="http://schemas.openxmlformats.org/officeDocument/2006/relationships" xmlns:p14="http://schemas.microsoft.com/office/powerpoint/2010/main" xmlns:p15="http://schemas.microsoft.com/office/powerpoint/2012/main" xmlns:mc="http://schemas.openxmlformats.org/markup-compatibility/2006" type="twoObj" preserve="1">
+<p:sldLayout xmlns:a="http://schemas.openxmlformats.org/drawingml/2006/main" xmlns:r="http://schemas.openxmlformats.org/officeDocument/2006/relationships" xmlns:p="http://schemas.openxmlformats.org/presentationml/2006/main" type="twoObj" preserve="1">
   <p:cSld name="Title, 2 Content">
     <p:spTree>
       <p:nvGrpSpPr>
@@ -2225,9 +2429,10 @@
           </a:prstGeom>
         </p:spPr>
         <p:txBody>
-          <a:bodyPr lIns="0" rIns="0" tIns="0" bIns="0" anchor="ctr"/>
-          <a:p>
-            <a:endParaRPr b="0" lang="pt-BR" sz="1400" spc="-1" strike="noStrike">
+          <a:bodyPr lIns="0" tIns="0" rIns="0" bIns="0" anchor="ctr"/>
+          <a:lstStyle/>
+          <a:p>
+            <a:endParaRPr lang="pt-BR" sz="1400" b="0" strike="noStrike" spc="-1">
               <a:solidFill>
                 <a:srgbClr val="000000"/>
               </a:solidFill>
@@ -2256,11 +2461,12 @@
           </a:prstGeom>
         </p:spPr>
         <p:txBody>
-          <a:bodyPr lIns="0" rIns="0" tIns="0" bIns="0">
+          <a:bodyPr lIns="0" tIns="0" rIns="0" bIns="0">
             <a:normAutofit/>
           </a:bodyPr>
-          <a:p>
-            <a:endParaRPr b="0" lang="pt-BR" sz="1400" spc="-1" strike="noStrike">
+          <a:lstStyle/>
+          <a:p>
+            <a:endParaRPr lang="pt-BR" sz="1400" b="0" strike="noStrike" spc="-1">
               <a:solidFill>
                 <a:srgbClr val="000000"/>
               </a:solidFill>
@@ -2289,11 +2495,12 @@
           </a:prstGeom>
         </p:spPr>
         <p:txBody>
-          <a:bodyPr lIns="0" rIns="0" tIns="0" bIns="0">
+          <a:bodyPr lIns="0" tIns="0" rIns="0" bIns="0">
             <a:normAutofit/>
           </a:bodyPr>
-          <a:p>
-            <a:endParaRPr b="0" lang="pt-BR" sz="1400" spc="-1" strike="noStrike">
+          <a:lstStyle/>
+          <a:p>
+            <a:endParaRPr lang="pt-BR" sz="1400" b="0" strike="noStrike" spc="-1">
               <a:solidFill>
                 <a:srgbClr val="000000"/>
               </a:solidFill>
@@ -2304,11 +2511,14 @@
       </p:sp>
     </p:spTree>
   </p:cSld>
+  <p:clrMapOvr>
+    <a:masterClrMapping/>
+  </p:clrMapOvr>
 </p:sldLayout>
 </file>
 
 <file path=ppt/slideLayouts/slideLayout5.xml><?xml version="1.0" encoding="utf-8"?>
-<p:sldLayout xmlns:a="http://schemas.openxmlformats.org/drawingml/2006/main" xmlns:p="http://schemas.openxmlformats.org/presentationml/2006/main" xmlns:r="http://schemas.openxmlformats.org/officeDocument/2006/relationships" xmlns:p14="http://schemas.microsoft.com/office/powerpoint/2010/main" xmlns:p15="http://schemas.microsoft.com/office/powerpoint/2012/main" xmlns:mc="http://schemas.openxmlformats.org/markup-compatibility/2006" type="titleOnly" preserve="1">
+<p:sldLayout xmlns:a="http://schemas.openxmlformats.org/drawingml/2006/main" xmlns:r="http://schemas.openxmlformats.org/officeDocument/2006/relationships" xmlns:p="http://schemas.openxmlformats.org/presentationml/2006/main" type="titleOnly" preserve="1">
   <p:cSld name="Title Only">
     <p:spTree>
       <p:nvGrpSpPr>
@@ -2344,9 +2554,10 @@
           </a:prstGeom>
         </p:spPr>
         <p:txBody>
-          <a:bodyPr lIns="0" rIns="0" tIns="0" bIns="0" anchor="ctr"/>
-          <a:p>
-            <a:endParaRPr b="0" lang="pt-BR" sz="1400" spc="-1" strike="noStrike">
+          <a:bodyPr lIns="0" tIns="0" rIns="0" bIns="0" anchor="ctr"/>
+          <a:lstStyle/>
+          <a:p>
+            <a:endParaRPr lang="pt-BR" sz="1400" b="0" strike="noStrike" spc="-1">
               <a:solidFill>
                 <a:srgbClr val="000000"/>
               </a:solidFill>
@@ -2357,11 +2568,14 @@
       </p:sp>
     </p:spTree>
   </p:cSld>
+  <p:clrMapOvr>
+    <a:masterClrMapping/>
+  </p:clrMapOvr>
 </p:sldLayout>
 </file>
 
 <file path=ppt/slideLayouts/slideLayout6.xml><?xml version="1.0" encoding="utf-8"?>
-<p:sldLayout xmlns:a="http://schemas.openxmlformats.org/drawingml/2006/main" xmlns:p="http://schemas.openxmlformats.org/presentationml/2006/main" xmlns:r="http://schemas.openxmlformats.org/officeDocument/2006/relationships" xmlns:p14="http://schemas.microsoft.com/office/powerpoint/2010/main" xmlns:p15="http://schemas.microsoft.com/office/powerpoint/2012/main" xmlns:mc="http://schemas.openxmlformats.org/markup-compatibility/2006" type="objOnly" preserve="1">
+<p:sldLayout xmlns:a="http://schemas.openxmlformats.org/drawingml/2006/main" xmlns:r="http://schemas.openxmlformats.org/officeDocument/2006/relationships" xmlns:p="http://schemas.openxmlformats.org/presentationml/2006/main" type="objOnly" preserve="1">
   <p:cSld name="Centered Text">
     <p:spTree>
       <p:nvGrpSpPr>
@@ -2397,10 +2611,11 @@
           </a:prstGeom>
         </p:spPr>
         <p:txBody>
-          <a:bodyPr lIns="0" rIns="0" tIns="0" bIns="0" anchor="ctr"/>
+          <a:bodyPr lIns="0" tIns="0" rIns="0" bIns="0" anchor="ctr"/>
+          <a:lstStyle/>
           <a:p>
             <a:pPr algn="ctr"/>
-            <a:endParaRPr b="0" lang="pt-BR" sz="3200" spc="-1" strike="noStrike">
+            <a:endParaRPr lang="pt-BR" sz="3200" b="0" strike="noStrike" spc="-1">
               <a:latin typeface="Arial"/>
             </a:endParaRPr>
           </a:p>
@@ -2408,11 +2623,14 @@
       </p:sp>
     </p:spTree>
   </p:cSld>
+  <p:clrMapOvr>
+    <a:masterClrMapping/>
+  </p:clrMapOvr>
 </p:sldLayout>
 </file>
 
 <file path=ppt/slideLayouts/slideLayout7.xml><?xml version="1.0" encoding="utf-8"?>
-<p:sldLayout xmlns:a="http://schemas.openxmlformats.org/drawingml/2006/main" xmlns:p="http://schemas.openxmlformats.org/presentationml/2006/main" xmlns:r="http://schemas.openxmlformats.org/officeDocument/2006/relationships" xmlns:p14="http://schemas.microsoft.com/office/powerpoint/2010/main" xmlns:p15="http://schemas.microsoft.com/office/powerpoint/2012/main" xmlns:mc="http://schemas.openxmlformats.org/markup-compatibility/2006" type="twoObjAndObj" preserve="1">
+<p:sldLayout xmlns:a="http://schemas.openxmlformats.org/drawingml/2006/main" xmlns:r="http://schemas.openxmlformats.org/officeDocument/2006/relationships" xmlns:p="http://schemas.openxmlformats.org/presentationml/2006/main" type="twoObjAndObj" preserve="1">
   <p:cSld name="Title, 2 Content and Content">
     <p:spTree>
       <p:nvGrpSpPr>
@@ -2448,9 +2666,10 @@
           </a:prstGeom>
         </p:spPr>
         <p:txBody>
-          <a:bodyPr lIns="0" rIns="0" tIns="0" bIns="0" anchor="ctr"/>
-          <a:p>
-            <a:endParaRPr b="0" lang="pt-BR" sz="1400" spc="-1" strike="noStrike">
+          <a:bodyPr lIns="0" tIns="0" rIns="0" bIns="0" anchor="ctr"/>
+          <a:lstStyle/>
+          <a:p>
+            <a:endParaRPr lang="pt-BR" sz="1400" b="0" strike="noStrike" spc="-1">
               <a:solidFill>
                 <a:srgbClr val="000000"/>
               </a:solidFill>
@@ -2479,11 +2698,12 @@
           </a:prstGeom>
         </p:spPr>
         <p:txBody>
-          <a:bodyPr lIns="0" rIns="0" tIns="0" bIns="0">
+          <a:bodyPr lIns="0" tIns="0" rIns="0" bIns="0">
             <a:normAutofit/>
           </a:bodyPr>
-          <a:p>
-            <a:endParaRPr b="0" lang="pt-BR" sz="1400" spc="-1" strike="noStrike">
+          <a:lstStyle/>
+          <a:p>
+            <a:endParaRPr lang="pt-BR" sz="1400" b="0" strike="noStrike" spc="-1">
               <a:solidFill>
                 <a:srgbClr val="000000"/>
               </a:solidFill>
@@ -2512,11 +2732,12 @@
           </a:prstGeom>
         </p:spPr>
         <p:txBody>
-          <a:bodyPr lIns="0" rIns="0" tIns="0" bIns="0">
+          <a:bodyPr lIns="0" tIns="0" rIns="0" bIns="0">
             <a:normAutofit/>
           </a:bodyPr>
-          <a:p>
-            <a:endParaRPr b="0" lang="pt-BR" sz="1400" spc="-1" strike="noStrike">
+          <a:lstStyle/>
+          <a:p>
+            <a:endParaRPr lang="pt-BR" sz="1400" b="0" strike="noStrike" spc="-1">
               <a:solidFill>
                 <a:srgbClr val="000000"/>
               </a:solidFill>
@@ -2545,11 +2766,12 @@
           </a:prstGeom>
         </p:spPr>
         <p:txBody>
-          <a:bodyPr lIns="0" rIns="0" tIns="0" bIns="0">
+          <a:bodyPr lIns="0" tIns="0" rIns="0" bIns="0">
             <a:normAutofit/>
           </a:bodyPr>
-          <a:p>
-            <a:endParaRPr b="0" lang="pt-BR" sz="1400" spc="-1" strike="noStrike">
+          <a:lstStyle/>
+          <a:p>
+            <a:endParaRPr lang="pt-BR" sz="1400" b="0" strike="noStrike" spc="-1">
               <a:solidFill>
                 <a:srgbClr val="000000"/>
               </a:solidFill>
@@ -2560,11 +2782,14 @@
       </p:sp>
     </p:spTree>
   </p:cSld>
+  <p:clrMapOvr>
+    <a:masterClrMapping/>
+  </p:clrMapOvr>
 </p:sldLayout>
 </file>
 
 <file path=ppt/slideLayouts/slideLayout8.xml><?xml version="1.0" encoding="utf-8"?>
-<p:sldLayout xmlns:a="http://schemas.openxmlformats.org/drawingml/2006/main" xmlns:p="http://schemas.openxmlformats.org/presentationml/2006/main" xmlns:r="http://schemas.openxmlformats.org/officeDocument/2006/relationships" xmlns:p14="http://schemas.microsoft.com/office/powerpoint/2010/main" xmlns:p15="http://schemas.microsoft.com/office/powerpoint/2012/main" xmlns:mc="http://schemas.openxmlformats.org/markup-compatibility/2006" type="objAndTwoObj" preserve="1">
+<p:sldLayout xmlns:a="http://schemas.openxmlformats.org/drawingml/2006/main" xmlns:r="http://schemas.openxmlformats.org/officeDocument/2006/relationships" xmlns:p="http://schemas.openxmlformats.org/presentationml/2006/main" type="objAndTwoObj" preserve="1">
   <p:cSld name="Title Content and 2 Content">
     <p:spTree>
       <p:nvGrpSpPr>
@@ -2600,9 +2825,10 @@
           </a:prstGeom>
         </p:spPr>
         <p:txBody>
-          <a:bodyPr lIns="0" rIns="0" tIns="0" bIns="0" anchor="ctr"/>
-          <a:p>
-            <a:endParaRPr b="0" lang="pt-BR" sz="1400" spc="-1" strike="noStrike">
+          <a:bodyPr lIns="0" tIns="0" rIns="0" bIns="0" anchor="ctr"/>
+          <a:lstStyle/>
+          <a:p>
+            <a:endParaRPr lang="pt-BR" sz="1400" b="0" strike="noStrike" spc="-1">
               <a:solidFill>
                 <a:srgbClr val="000000"/>
               </a:solidFill>
@@ -2631,11 +2857,12 @@
           </a:prstGeom>
         </p:spPr>
         <p:txBody>
-          <a:bodyPr lIns="0" rIns="0" tIns="0" bIns="0">
+          <a:bodyPr lIns="0" tIns="0" rIns="0" bIns="0">
             <a:normAutofit/>
           </a:bodyPr>
-          <a:p>
-            <a:endParaRPr b="0" lang="pt-BR" sz="1400" spc="-1" strike="noStrike">
+          <a:lstStyle/>
+          <a:p>
+            <a:endParaRPr lang="pt-BR" sz="1400" b="0" strike="noStrike" spc="-1">
               <a:solidFill>
                 <a:srgbClr val="000000"/>
               </a:solidFill>
@@ -2664,11 +2891,12 @@
           </a:prstGeom>
         </p:spPr>
         <p:txBody>
-          <a:bodyPr lIns="0" rIns="0" tIns="0" bIns="0">
+          <a:bodyPr lIns="0" tIns="0" rIns="0" bIns="0">
             <a:normAutofit/>
           </a:bodyPr>
-          <a:p>
-            <a:endParaRPr b="0" lang="pt-BR" sz="1400" spc="-1" strike="noStrike">
+          <a:lstStyle/>
+          <a:p>
+            <a:endParaRPr lang="pt-BR" sz="1400" b="0" strike="noStrike" spc="-1">
               <a:solidFill>
                 <a:srgbClr val="000000"/>
               </a:solidFill>
@@ -2697,11 +2925,12 @@
           </a:prstGeom>
         </p:spPr>
         <p:txBody>
-          <a:bodyPr lIns="0" rIns="0" tIns="0" bIns="0">
+          <a:bodyPr lIns="0" tIns="0" rIns="0" bIns="0">
             <a:normAutofit/>
           </a:bodyPr>
-          <a:p>
-            <a:endParaRPr b="0" lang="pt-BR" sz="1400" spc="-1" strike="noStrike">
+          <a:lstStyle/>
+          <a:p>
+            <a:endParaRPr lang="pt-BR" sz="1400" b="0" strike="noStrike" spc="-1">
               <a:solidFill>
                 <a:srgbClr val="000000"/>
               </a:solidFill>
@@ -2712,11 +2941,14 @@
       </p:sp>
     </p:spTree>
   </p:cSld>
+  <p:clrMapOvr>
+    <a:masterClrMapping/>
+  </p:clrMapOvr>
 </p:sldLayout>
 </file>
 
 <file path=ppt/slideLayouts/slideLayout9.xml><?xml version="1.0" encoding="utf-8"?>
-<p:sldLayout xmlns:a="http://schemas.openxmlformats.org/drawingml/2006/main" xmlns:p="http://schemas.openxmlformats.org/presentationml/2006/main" xmlns:r="http://schemas.openxmlformats.org/officeDocument/2006/relationships" xmlns:p14="http://schemas.microsoft.com/office/powerpoint/2010/main" xmlns:p15="http://schemas.microsoft.com/office/powerpoint/2012/main" xmlns:mc="http://schemas.openxmlformats.org/markup-compatibility/2006" type="twoObjOverTx" preserve="1">
+<p:sldLayout xmlns:a="http://schemas.openxmlformats.org/drawingml/2006/main" xmlns:r="http://schemas.openxmlformats.org/officeDocument/2006/relationships" xmlns:p="http://schemas.openxmlformats.org/presentationml/2006/main" type="twoObjOverTx" preserve="1">
   <p:cSld name="Title, 2 Content over Content">
     <p:spTree>
       <p:nvGrpSpPr>
@@ -2752,9 +2984,10 @@
           </a:prstGeom>
         </p:spPr>
         <p:txBody>
-          <a:bodyPr lIns="0" rIns="0" tIns="0" bIns="0" anchor="ctr"/>
-          <a:p>
-            <a:endParaRPr b="0" lang="pt-BR" sz="1400" spc="-1" strike="noStrike">
+          <a:bodyPr lIns="0" tIns="0" rIns="0" bIns="0" anchor="ctr"/>
+          <a:lstStyle/>
+          <a:p>
+            <a:endParaRPr lang="pt-BR" sz="1400" b="0" strike="noStrike" spc="-1">
               <a:solidFill>
                 <a:srgbClr val="000000"/>
               </a:solidFill>
@@ -2783,11 +3016,12 @@
           </a:prstGeom>
         </p:spPr>
         <p:txBody>
-          <a:bodyPr lIns="0" rIns="0" tIns="0" bIns="0">
+          <a:bodyPr lIns="0" tIns="0" rIns="0" bIns="0">
             <a:normAutofit/>
           </a:bodyPr>
-          <a:p>
-            <a:endParaRPr b="0" lang="pt-BR" sz="1400" spc="-1" strike="noStrike">
+          <a:lstStyle/>
+          <a:p>
+            <a:endParaRPr lang="pt-BR" sz="1400" b="0" strike="noStrike" spc="-1">
               <a:solidFill>
                 <a:srgbClr val="000000"/>
               </a:solidFill>
@@ -2816,11 +3050,12 @@
           </a:prstGeom>
         </p:spPr>
         <p:txBody>
-          <a:bodyPr lIns="0" rIns="0" tIns="0" bIns="0">
+          <a:bodyPr lIns="0" tIns="0" rIns="0" bIns="0">
             <a:normAutofit/>
           </a:bodyPr>
-          <a:p>
-            <a:endParaRPr b="0" lang="pt-BR" sz="1400" spc="-1" strike="noStrike">
+          <a:lstStyle/>
+          <a:p>
+            <a:endParaRPr lang="pt-BR" sz="1400" b="0" strike="noStrike" spc="-1">
               <a:solidFill>
                 <a:srgbClr val="000000"/>
               </a:solidFill>
@@ -2849,11 +3084,12 @@
           </a:prstGeom>
         </p:spPr>
         <p:txBody>
-          <a:bodyPr lIns="0" rIns="0" tIns="0" bIns="0">
+          <a:bodyPr lIns="0" tIns="0" rIns="0" bIns="0">
             <a:normAutofit/>
           </a:bodyPr>
-          <a:p>
-            <a:endParaRPr b="0" lang="pt-BR" sz="1400" spc="-1" strike="noStrike">
+          <a:lstStyle/>
+          <a:p>
+            <a:endParaRPr lang="pt-BR" sz="1400" b="0" strike="noStrike" spc="-1">
               <a:solidFill>
                 <a:srgbClr val="000000"/>
               </a:solidFill>
@@ -2864,17 +3100,21 @@
       </p:sp>
     </p:spTree>
   </p:cSld>
+  <p:clrMapOvr>
+    <a:masterClrMapping/>
+  </p:clrMapOvr>
 </p:sldLayout>
 </file>
 
 <file path=ppt/slideMasters/slideMaster1.xml><?xml version="1.0" encoding="utf-8"?>
-<p:sldMaster xmlns:a="http://schemas.openxmlformats.org/drawingml/2006/main" xmlns:p="http://schemas.openxmlformats.org/presentationml/2006/main" xmlns:r="http://schemas.openxmlformats.org/officeDocument/2006/relationships" xmlns:p14="http://schemas.microsoft.com/office/powerpoint/2010/main" xmlns:p15="http://schemas.microsoft.com/office/powerpoint/2012/main" xmlns:mc="http://schemas.openxmlformats.org/markup-compatibility/2006">
+<p:sldMaster xmlns:a="http://schemas.openxmlformats.org/drawingml/2006/main" xmlns:r="http://schemas.openxmlformats.org/officeDocument/2006/relationships" xmlns:p="http://schemas.openxmlformats.org/presentationml/2006/main">
   <p:cSld>
     <p:bg>
       <p:bgPr>
         <a:solidFill>
-          <a:srgbClr val="ffffff"/>
+          <a:srgbClr val="FFFFFF"/>
         </a:solidFill>
+        <a:effectLst/>
       </p:bgPr>
     </p:bg>
     <p:spTree>
@@ -2893,7 +3133,7 @@
       </p:grpSpPr>
       <p:sp>
         <p:nvSpPr>
-          <p:cNvPr id="0" name="PlaceHolder 1"/>
+          <p:cNvPr id="5" name="PlaceHolder 1"/>
           <p:cNvSpPr>
             <a:spLocks noGrp="1"/>
           </p:cNvSpPr>
@@ -2912,9 +3152,10 @@
         </p:spPr>
         <p:txBody>
           <a:bodyPr anchor="b"/>
+          <a:lstStyle/>
           <a:p>
             <a:r>
-              <a:rPr b="0" lang="pt-BR" sz="6000" spc="-1" strike="noStrike">
+              <a:rPr lang="pt-BR" sz="6000" b="0" strike="noStrike" spc="-1">
                 <a:solidFill>
                   <a:srgbClr val="000000"/>
                 </a:solidFill>
@@ -2922,18 +3163,12 @@
               </a:rPr>
               <a:t>Clique para editar o formato do texto do título</a:t>
             </a:r>
-            <a:endParaRPr b="0" lang="pt-BR" sz="6000" spc="-1" strike="noStrike">
-              <a:solidFill>
-                <a:srgbClr val="000000"/>
-              </a:solidFill>
-              <a:latin typeface="Arial"/>
-            </a:endParaRPr>
-          </a:p>
-        </p:txBody>
-      </p:sp>
-      <p:sp>
-        <p:nvSpPr>
-          <p:cNvPr id="1" name="PlaceHolder 2"/>
+          </a:p>
+        </p:txBody>
+      </p:sp>
+      <p:sp>
+        <p:nvSpPr>
+          <p:cNvPr id="6" name="PlaceHolder 2"/>
           <p:cNvSpPr>
             <a:spLocks noGrp="1"/>
           </p:cNvSpPr>
@@ -2952,8 +3187,9 @@
         </p:spPr>
         <p:txBody>
           <a:bodyPr anchor="ctr"/>
-          <a:p>
-            <a:endParaRPr b="0" lang="pt-BR" sz="2400" spc="-1" strike="noStrike">
+          <a:lstStyle/>
+          <a:p>
+            <a:endParaRPr lang="pt-BR" sz="2400" b="0" strike="noStrike" spc="-1">
               <a:latin typeface="Times New Roman"/>
             </a:endParaRPr>
           </a:p>
@@ -2980,8 +3216,9 @@
         </p:spPr>
         <p:txBody>
           <a:bodyPr anchor="ctr"/>
-          <a:p>
-            <a:endParaRPr b="0" lang="pt-BR" sz="2400" spc="-1" strike="noStrike">
+          <a:lstStyle/>
+          <a:p>
+            <a:endParaRPr lang="pt-BR" sz="2400" b="0" strike="noStrike" spc="-1">
               <a:latin typeface="Times New Roman"/>
             </a:endParaRPr>
           </a:p>
@@ -3008,6 +3245,7 @@
         </p:spPr>
         <p:txBody>
           <a:bodyPr anchor="ctr"/>
+          <a:lstStyle/>
           <a:p>
             <a:pPr algn="r">
               <a:lnSpc>
@@ -3015,16 +3253,16 @@
               </a:lnSpc>
             </a:pPr>
             <a:fld id="{2DBB7463-23D3-4F56-9055-751B32085695}" type="slidenum">
-              <a:rPr b="0" lang="pt-BR" sz="1200" spc="-1" strike="noStrike">
+              <a:rPr lang="pt-BR" sz="1200" b="0" strike="noStrike" spc="-1">
                 <a:solidFill>
                   <a:srgbClr val="929599"/>
                 </a:solidFill>
                 <a:latin typeface="Trebuchet MS"/>
                 <a:ea typeface="Trebuchet MS"/>
               </a:rPr>
-              <a:t>&lt;número&gt;</a:t>
+              <a:t>‹nº›</a:t>
             </a:fld>
-            <a:endParaRPr b="0" lang="pt-BR" sz="1200" spc="-1" strike="noStrike">
+            <a:endParaRPr lang="pt-BR" sz="1200" b="0" strike="noStrike" spc="-1">
               <a:latin typeface="Times New Roman"/>
             </a:endParaRPr>
           </a:p>
@@ -3050,9 +3288,10 @@
           </a:prstGeom>
         </p:spPr>
         <p:txBody>
-          <a:bodyPr lIns="0" rIns="0" tIns="0" bIns="0">
+          <a:bodyPr lIns="0" tIns="0" rIns="0" bIns="0">
             <a:normAutofit/>
           </a:bodyPr>
+          <a:lstStyle/>
           <a:p>
             <a:pPr marL="432000" indent="-324000">
               <a:spcBef>
@@ -3066,7 +3305,7 @@
               <a:buChar char=""/>
             </a:pPr>
             <a:r>
-              <a:rPr b="0" lang="pt-BR" sz="1400" spc="-1" strike="noStrike">
+              <a:rPr lang="pt-BR" sz="1400" b="0" strike="noStrike" spc="-1">
                 <a:solidFill>
                   <a:srgbClr val="000000"/>
                 </a:solidFill>
@@ -3074,15 +3313,9 @@
               </a:rPr>
               <a:t>Clique para editar o formato do texto da estrutura de tópicos</a:t>
             </a:r>
-            <a:endParaRPr b="0" lang="pt-BR" sz="1400" spc="-1" strike="noStrike">
-              <a:solidFill>
-                <a:srgbClr val="000000"/>
-              </a:solidFill>
-              <a:latin typeface="Arial"/>
-            </a:endParaRPr>
-          </a:p>
-          <a:p>
-            <a:pPr lvl="1" marL="864000" indent="-324000">
+          </a:p>
+          <a:p>
+            <a:pPr marL="864000" lvl="1" indent="-324000">
               <a:spcBef>
                 <a:spcPts val="1134"/>
               </a:spcBef>
@@ -3094,7 +3327,7 @@
               <a:buChar char=""/>
             </a:pPr>
             <a:r>
-              <a:rPr b="0" lang="pt-BR" sz="1400" spc="-1" strike="noStrike">
+              <a:rPr lang="pt-BR" sz="1400" b="0" strike="noStrike" spc="-1">
                 <a:solidFill>
                   <a:srgbClr val="000000"/>
                 </a:solidFill>
@@ -3102,15 +3335,9 @@
               </a:rPr>
               <a:t>2.º nível da estrutura de tópicos</a:t>
             </a:r>
-            <a:endParaRPr b="0" lang="pt-BR" sz="1400" spc="-1" strike="noStrike">
-              <a:solidFill>
-                <a:srgbClr val="000000"/>
-              </a:solidFill>
-              <a:latin typeface="Arial"/>
-            </a:endParaRPr>
-          </a:p>
-          <a:p>
-            <a:pPr lvl="2" marL="1296000" indent="-288000">
+          </a:p>
+          <a:p>
+            <a:pPr marL="1296000" lvl="2" indent="-288000">
               <a:spcBef>
                 <a:spcPts val="850"/>
               </a:spcBef>
@@ -3122,7 +3349,7 @@
               <a:buChar char=""/>
             </a:pPr>
             <a:r>
-              <a:rPr b="0" lang="pt-BR" sz="1400" spc="-1" strike="noStrike">
+              <a:rPr lang="pt-BR" sz="1400" b="0" strike="noStrike" spc="-1">
                 <a:solidFill>
                   <a:srgbClr val="000000"/>
                 </a:solidFill>
@@ -3130,15 +3357,9 @@
               </a:rPr>
               <a:t>3.º nível da estrutura de tópicos</a:t>
             </a:r>
-            <a:endParaRPr b="0" lang="pt-BR" sz="1400" spc="-1" strike="noStrike">
-              <a:solidFill>
-                <a:srgbClr val="000000"/>
-              </a:solidFill>
-              <a:latin typeface="Arial"/>
-            </a:endParaRPr>
-          </a:p>
-          <a:p>
-            <a:pPr lvl="3" marL="1728000" indent="-216000">
+          </a:p>
+          <a:p>
+            <a:pPr marL="1728000" lvl="3" indent="-216000">
               <a:spcBef>
                 <a:spcPts val="567"/>
               </a:spcBef>
@@ -3150,7 +3371,7 @@
               <a:buChar char=""/>
             </a:pPr>
             <a:r>
-              <a:rPr b="0" lang="pt-BR" sz="1400" spc="-1" strike="noStrike">
+              <a:rPr lang="pt-BR" sz="1400" b="0" strike="noStrike" spc="-1">
                 <a:solidFill>
                   <a:srgbClr val="000000"/>
                 </a:solidFill>
@@ -3158,15 +3379,9 @@
               </a:rPr>
               <a:t>4.º nível da estrutura de tópicos</a:t>
             </a:r>
-            <a:endParaRPr b="0" lang="pt-BR" sz="1400" spc="-1" strike="noStrike">
-              <a:solidFill>
-                <a:srgbClr val="000000"/>
-              </a:solidFill>
-              <a:latin typeface="Arial"/>
-            </a:endParaRPr>
-          </a:p>
-          <a:p>
-            <a:pPr lvl="4" marL="2160000" indent="-216000">
+          </a:p>
+          <a:p>
+            <a:pPr marL="2160000" lvl="4" indent="-216000">
               <a:spcBef>
                 <a:spcPts val="283"/>
               </a:spcBef>
@@ -3178,7 +3393,7 @@
               <a:buChar char=""/>
             </a:pPr>
             <a:r>
-              <a:rPr b="0" lang="pt-BR" sz="2000" spc="-1" strike="noStrike">
+              <a:rPr lang="pt-BR" sz="2000" b="0" strike="noStrike" spc="-1">
                 <a:solidFill>
                   <a:srgbClr val="000000"/>
                 </a:solidFill>
@@ -3186,15 +3401,9 @@
               </a:rPr>
               <a:t>5.º nível da estrutura de tópicos</a:t>
             </a:r>
-            <a:endParaRPr b="0" lang="pt-BR" sz="2000" spc="-1" strike="noStrike">
-              <a:solidFill>
-                <a:srgbClr val="000000"/>
-              </a:solidFill>
-              <a:latin typeface="Arial"/>
-            </a:endParaRPr>
-          </a:p>
-          <a:p>
-            <a:pPr lvl="5" marL="2592000" indent="-216000">
+          </a:p>
+          <a:p>
+            <a:pPr marL="2592000" lvl="5" indent="-216000">
               <a:spcBef>
                 <a:spcPts val="283"/>
               </a:spcBef>
@@ -3206,7 +3415,7 @@
               <a:buChar char=""/>
             </a:pPr>
             <a:r>
-              <a:rPr b="0" lang="pt-BR" sz="2000" spc="-1" strike="noStrike">
+              <a:rPr lang="pt-BR" sz="2000" b="0" strike="noStrike" spc="-1">
                 <a:solidFill>
                   <a:srgbClr val="000000"/>
                 </a:solidFill>
@@ -3214,15 +3423,9 @@
               </a:rPr>
               <a:t>6.º nível da estrutura de tópicos</a:t>
             </a:r>
-            <a:endParaRPr b="0" lang="pt-BR" sz="2000" spc="-1" strike="noStrike">
-              <a:solidFill>
-                <a:srgbClr val="000000"/>
-              </a:solidFill>
-              <a:latin typeface="Arial"/>
-            </a:endParaRPr>
-          </a:p>
-          <a:p>
-            <a:pPr lvl="6" marL="3024000" indent="-216000">
+          </a:p>
+          <a:p>
+            <a:pPr marL="3024000" lvl="6" indent="-216000">
               <a:spcBef>
                 <a:spcPts val="283"/>
               </a:spcBef>
@@ -3234,7 +3437,7 @@
               <a:buChar char=""/>
             </a:pPr>
             <a:r>
-              <a:rPr b="0" lang="pt-BR" sz="2000" spc="-1" strike="noStrike">
+              <a:rPr lang="pt-BR" sz="2000" b="0" strike="noStrike" spc="-1">
                 <a:solidFill>
                   <a:srgbClr val="000000"/>
                 </a:solidFill>
@@ -3242,43 +3445,318 @@
               </a:rPr>
               <a:t>7.º nível da estrutura de tópicos</a:t>
             </a:r>
-            <a:endParaRPr b="0" lang="pt-BR" sz="2000" spc="-1" strike="noStrike">
-              <a:solidFill>
-                <a:srgbClr val="000000"/>
-              </a:solidFill>
-              <a:latin typeface="Arial"/>
-            </a:endParaRPr>
           </a:p>
         </p:txBody>
       </p:sp>
     </p:spTree>
   </p:cSld>
-  <p:clrMap bg1="lt1" bg2="lt2" tx1="dk1" tx2="dk2" accent1="accent1" accent2="accent2" accent3="accent3" accent4="accent4" accent5="accent5" accent6="accent6" hlink="hlink" folHlink="folHlink"/>
+  <p:clrMap bg1="lt1" tx1="dk1" bg2="lt2" tx2="dk2" accent1="accent1" accent2="accent2" accent3="accent3" accent4="accent4" accent5="accent5" accent6="accent6" hlink="hlink" folHlink="folHlink"/>
   <p:sldLayoutIdLst>
-    <p:sldLayoutId id="2147483649" r:id="rId2"/>
-    <p:sldLayoutId id="2147483650" r:id="rId3"/>
-    <p:sldLayoutId id="2147483651" r:id="rId4"/>
-    <p:sldLayoutId id="2147483652" r:id="rId5"/>
-    <p:sldLayoutId id="2147483653" r:id="rId6"/>
-    <p:sldLayoutId id="2147483654" r:id="rId7"/>
-    <p:sldLayoutId id="2147483655" r:id="rId8"/>
-    <p:sldLayoutId id="2147483656" r:id="rId9"/>
-    <p:sldLayoutId id="2147483657" r:id="rId10"/>
-    <p:sldLayoutId id="2147483658" r:id="rId11"/>
-    <p:sldLayoutId id="2147483659" r:id="rId12"/>
-    <p:sldLayoutId id="2147483660" r:id="rId13"/>
+    <p:sldLayoutId id="2147483649" r:id="rId1"/>
+    <p:sldLayoutId id="2147483650" r:id="rId2"/>
+    <p:sldLayoutId id="2147483651" r:id="rId3"/>
+    <p:sldLayoutId id="2147483652" r:id="rId4"/>
+    <p:sldLayoutId id="2147483653" r:id="rId5"/>
+    <p:sldLayoutId id="2147483654" r:id="rId6"/>
+    <p:sldLayoutId id="2147483655" r:id="rId7"/>
+    <p:sldLayoutId id="2147483656" r:id="rId8"/>
+    <p:sldLayoutId id="2147483657" r:id="rId9"/>
+    <p:sldLayoutId id="2147483658" r:id="rId10"/>
+    <p:sldLayoutId id="2147483659" r:id="rId11"/>
+    <p:sldLayoutId id="2147483660" r:id="rId12"/>
   </p:sldLayoutIdLst>
+  <p:txStyles>
+    <p:titleStyle>
+      <a:lvl1pPr algn="l" defTabSz="914400" rtl="0" eaLnBrk="1" latinLnBrk="0" hangingPunct="1">
+        <a:lnSpc>
+          <a:spcPct val="90000"/>
+        </a:lnSpc>
+        <a:spcBef>
+          <a:spcPct val="0"/>
+        </a:spcBef>
+        <a:buNone/>
+        <a:defRPr sz="4400" kern="1200">
+          <a:solidFill>
+            <a:schemeClr val="tx1"/>
+          </a:solidFill>
+          <a:latin typeface="+mj-lt"/>
+          <a:ea typeface="+mj-ea"/>
+          <a:cs typeface="+mj-cs"/>
+        </a:defRPr>
+      </a:lvl1pPr>
+    </p:titleStyle>
+    <p:bodyStyle>
+      <a:lvl1pPr marL="228600" indent="-228600" algn="l" defTabSz="914400" rtl="0" eaLnBrk="1" latinLnBrk="0" hangingPunct="1">
+        <a:lnSpc>
+          <a:spcPct val="90000"/>
+        </a:lnSpc>
+        <a:spcBef>
+          <a:spcPts val="1000"/>
+        </a:spcBef>
+        <a:buFont typeface="Arial" panose="020B0604020202020204" pitchFamily="34" charset="0"/>
+        <a:buChar char="•"/>
+        <a:defRPr sz="2800" kern="1200">
+          <a:solidFill>
+            <a:schemeClr val="tx1"/>
+          </a:solidFill>
+          <a:latin typeface="+mn-lt"/>
+          <a:ea typeface="+mn-ea"/>
+          <a:cs typeface="+mn-cs"/>
+        </a:defRPr>
+      </a:lvl1pPr>
+      <a:lvl2pPr marL="685800" indent="-228600" algn="l" defTabSz="914400" rtl="0" eaLnBrk="1" latinLnBrk="0" hangingPunct="1">
+        <a:lnSpc>
+          <a:spcPct val="90000"/>
+        </a:lnSpc>
+        <a:spcBef>
+          <a:spcPts val="500"/>
+        </a:spcBef>
+        <a:buFont typeface="Arial" panose="020B0604020202020204" pitchFamily="34" charset="0"/>
+        <a:buChar char="•"/>
+        <a:defRPr sz="2400" kern="1200">
+          <a:solidFill>
+            <a:schemeClr val="tx1"/>
+          </a:solidFill>
+          <a:latin typeface="+mn-lt"/>
+          <a:ea typeface="+mn-ea"/>
+          <a:cs typeface="+mn-cs"/>
+        </a:defRPr>
+      </a:lvl2pPr>
+      <a:lvl3pPr marL="1143000" indent="-228600" algn="l" defTabSz="914400" rtl="0" eaLnBrk="1" latinLnBrk="0" hangingPunct="1">
+        <a:lnSpc>
+          <a:spcPct val="90000"/>
+        </a:lnSpc>
+        <a:spcBef>
+          <a:spcPts val="500"/>
+        </a:spcBef>
+        <a:buFont typeface="Arial" panose="020B0604020202020204" pitchFamily="34" charset="0"/>
+        <a:buChar char="•"/>
+        <a:defRPr sz="2000" kern="1200">
+          <a:solidFill>
+            <a:schemeClr val="tx1"/>
+          </a:solidFill>
+          <a:latin typeface="+mn-lt"/>
+          <a:ea typeface="+mn-ea"/>
+          <a:cs typeface="+mn-cs"/>
+        </a:defRPr>
+      </a:lvl3pPr>
+      <a:lvl4pPr marL="1600200" indent="-228600" algn="l" defTabSz="914400" rtl="0" eaLnBrk="1" latinLnBrk="0" hangingPunct="1">
+        <a:lnSpc>
+          <a:spcPct val="90000"/>
+        </a:lnSpc>
+        <a:spcBef>
+          <a:spcPts val="500"/>
+        </a:spcBef>
+        <a:buFont typeface="Arial" panose="020B0604020202020204" pitchFamily="34" charset="0"/>
+        <a:buChar char="•"/>
+        <a:defRPr sz="1800" kern="1200">
+          <a:solidFill>
+            <a:schemeClr val="tx1"/>
+          </a:solidFill>
+          <a:latin typeface="+mn-lt"/>
+          <a:ea typeface="+mn-ea"/>
+          <a:cs typeface="+mn-cs"/>
+        </a:defRPr>
+      </a:lvl4pPr>
+      <a:lvl5pPr marL="2057400" indent="-228600" algn="l" defTabSz="914400" rtl="0" eaLnBrk="1" latinLnBrk="0" hangingPunct="1">
+        <a:lnSpc>
+          <a:spcPct val="90000"/>
+        </a:lnSpc>
+        <a:spcBef>
+          <a:spcPts val="500"/>
+        </a:spcBef>
+        <a:buFont typeface="Arial" panose="020B0604020202020204" pitchFamily="34" charset="0"/>
+        <a:buChar char="•"/>
+        <a:defRPr sz="1800" kern="1200">
+          <a:solidFill>
+            <a:schemeClr val="tx1"/>
+          </a:solidFill>
+          <a:latin typeface="+mn-lt"/>
+          <a:ea typeface="+mn-ea"/>
+          <a:cs typeface="+mn-cs"/>
+        </a:defRPr>
+      </a:lvl5pPr>
+      <a:lvl6pPr marL="2514600" indent="-228600" algn="l" defTabSz="914400" rtl="0" eaLnBrk="1" latinLnBrk="0" hangingPunct="1">
+        <a:lnSpc>
+          <a:spcPct val="90000"/>
+        </a:lnSpc>
+        <a:spcBef>
+          <a:spcPts val="500"/>
+        </a:spcBef>
+        <a:buFont typeface="Arial" panose="020B0604020202020204" pitchFamily="34" charset="0"/>
+        <a:buChar char="•"/>
+        <a:defRPr sz="1800" kern="1200">
+          <a:solidFill>
+            <a:schemeClr val="tx1"/>
+          </a:solidFill>
+          <a:latin typeface="+mn-lt"/>
+          <a:ea typeface="+mn-ea"/>
+          <a:cs typeface="+mn-cs"/>
+        </a:defRPr>
+      </a:lvl6pPr>
+      <a:lvl7pPr marL="2971800" indent="-228600" algn="l" defTabSz="914400" rtl="0" eaLnBrk="1" latinLnBrk="0" hangingPunct="1">
+        <a:lnSpc>
+          <a:spcPct val="90000"/>
+        </a:lnSpc>
+        <a:spcBef>
+          <a:spcPts val="500"/>
+        </a:spcBef>
+        <a:buFont typeface="Arial" panose="020B0604020202020204" pitchFamily="34" charset="0"/>
+        <a:buChar char="•"/>
+        <a:defRPr sz="1800" kern="1200">
+          <a:solidFill>
+            <a:schemeClr val="tx1"/>
+          </a:solidFill>
+          <a:latin typeface="+mn-lt"/>
+          <a:ea typeface="+mn-ea"/>
+          <a:cs typeface="+mn-cs"/>
+        </a:defRPr>
+      </a:lvl7pPr>
+      <a:lvl8pPr marL="3429000" indent="-228600" algn="l" defTabSz="914400" rtl="0" eaLnBrk="1" latinLnBrk="0" hangingPunct="1">
+        <a:lnSpc>
+          <a:spcPct val="90000"/>
+        </a:lnSpc>
+        <a:spcBef>
+          <a:spcPts val="500"/>
+        </a:spcBef>
+        <a:buFont typeface="Arial" panose="020B0604020202020204" pitchFamily="34" charset="0"/>
+        <a:buChar char="•"/>
+        <a:defRPr sz="1800" kern="1200">
+          <a:solidFill>
+            <a:schemeClr val="tx1"/>
+          </a:solidFill>
+          <a:latin typeface="+mn-lt"/>
+          <a:ea typeface="+mn-ea"/>
+          <a:cs typeface="+mn-cs"/>
+        </a:defRPr>
+      </a:lvl8pPr>
+      <a:lvl9pPr marL="3886200" indent="-228600" algn="l" defTabSz="914400" rtl="0" eaLnBrk="1" latinLnBrk="0" hangingPunct="1">
+        <a:lnSpc>
+          <a:spcPct val="90000"/>
+        </a:lnSpc>
+        <a:spcBef>
+          <a:spcPts val="500"/>
+        </a:spcBef>
+        <a:buFont typeface="Arial" panose="020B0604020202020204" pitchFamily="34" charset="0"/>
+        <a:buChar char="•"/>
+        <a:defRPr sz="1800" kern="1200">
+          <a:solidFill>
+            <a:schemeClr val="tx1"/>
+          </a:solidFill>
+          <a:latin typeface="+mn-lt"/>
+          <a:ea typeface="+mn-ea"/>
+          <a:cs typeface="+mn-cs"/>
+        </a:defRPr>
+      </a:lvl9pPr>
+    </p:bodyStyle>
+    <p:otherStyle>
+      <a:defPPr>
+        <a:defRPr lang="pt-BR"/>
+      </a:defPPr>
+      <a:lvl1pPr marL="0" algn="l" defTabSz="914400" rtl="0" eaLnBrk="1" latinLnBrk="0" hangingPunct="1">
+        <a:defRPr sz="1800" kern="1200">
+          <a:solidFill>
+            <a:schemeClr val="tx1"/>
+          </a:solidFill>
+          <a:latin typeface="+mn-lt"/>
+          <a:ea typeface="+mn-ea"/>
+          <a:cs typeface="+mn-cs"/>
+        </a:defRPr>
+      </a:lvl1pPr>
+      <a:lvl2pPr marL="457200" algn="l" defTabSz="914400" rtl="0" eaLnBrk="1" latinLnBrk="0" hangingPunct="1">
+        <a:defRPr sz="1800" kern="1200">
+          <a:solidFill>
+            <a:schemeClr val="tx1"/>
+          </a:solidFill>
+          <a:latin typeface="+mn-lt"/>
+          <a:ea typeface="+mn-ea"/>
+          <a:cs typeface="+mn-cs"/>
+        </a:defRPr>
+      </a:lvl2pPr>
+      <a:lvl3pPr marL="914400" algn="l" defTabSz="914400" rtl="0" eaLnBrk="1" latinLnBrk="0" hangingPunct="1">
+        <a:defRPr sz="1800" kern="1200">
+          <a:solidFill>
+            <a:schemeClr val="tx1"/>
+          </a:solidFill>
+          <a:latin typeface="+mn-lt"/>
+          <a:ea typeface="+mn-ea"/>
+          <a:cs typeface="+mn-cs"/>
+        </a:defRPr>
+      </a:lvl3pPr>
+      <a:lvl4pPr marL="1371600" algn="l" defTabSz="914400" rtl="0" eaLnBrk="1" latinLnBrk="0" hangingPunct="1">
+        <a:defRPr sz="1800" kern="1200">
+          <a:solidFill>
+            <a:schemeClr val="tx1"/>
+          </a:solidFill>
+          <a:latin typeface="+mn-lt"/>
+          <a:ea typeface="+mn-ea"/>
+          <a:cs typeface="+mn-cs"/>
+        </a:defRPr>
+      </a:lvl4pPr>
+      <a:lvl5pPr marL="1828800" algn="l" defTabSz="914400" rtl="0" eaLnBrk="1" latinLnBrk="0" hangingPunct="1">
+        <a:defRPr sz="1800" kern="1200">
+          <a:solidFill>
+            <a:schemeClr val="tx1"/>
+          </a:solidFill>
+          <a:latin typeface="+mn-lt"/>
+          <a:ea typeface="+mn-ea"/>
+          <a:cs typeface="+mn-cs"/>
+        </a:defRPr>
+      </a:lvl5pPr>
+      <a:lvl6pPr marL="2286000" algn="l" defTabSz="914400" rtl="0" eaLnBrk="1" latinLnBrk="0" hangingPunct="1">
+        <a:defRPr sz="1800" kern="1200">
+          <a:solidFill>
+            <a:schemeClr val="tx1"/>
+          </a:solidFill>
+          <a:latin typeface="+mn-lt"/>
+          <a:ea typeface="+mn-ea"/>
+          <a:cs typeface="+mn-cs"/>
+        </a:defRPr>
+      </a:lvl6pPr>
+      <a:lvl7pPr marL="2743200" algn="l" defTabSz="914400" rtl="0" eaLnBrk="1" latinLnBrk="0" hangingPunct="1">
+        <a:defRPr sz="1800" kern="1200">
+          <a:solidFill>
+            <a:schemeClr val="tx1"/>
+          </a:solidFill>
+          <a:latin typeface="+mn-lt"/>
+          <a:ea typeface="+mn-ea"/>
+          <a:cs typeface="+mn-cs"/>
+        </a:defRPr>
+      </a:lvl7pPr>
+      <a:lvl8pPr marL="3200400" algn="l" defTabSz="914400" rtl="0" eaLnBrk="1" latinLnBrk="0" hangingPunct="1">
+        <a:defRPr sz="1800" kern="1200">
+          <a:solidFill>
+            <a:schemeClr val="tx1"/>
+          </a:solidFill>
+          <a:latin typeface="+mn-lt"/>
+          <a:ea typeface="+mn-ea"/>
+          <a:cs typeface="+mn-cs"/>
+        </a:defRPr>
+      </a:lvl8pPr>
+      <a:lvl9pPr marL="3657600" algn="l" defTabSz="914400" rtl="0" eaLnBrk="1" latinLnBrk="0" hangingPunct="1">
+        <a:defRPr sz="1800" kern="1200">
+          <a:solidFill>
+            <a:schemeClr val="tx1"/>
+          </a:solidFill>
+          <a:latin typeface="+mn-lt"/>
+          <a:ea typeface="+mn-ea"/>
+          <a:cs typeface="+mn-cs"/>
+        </a:defRPr>
+      </a:lvl9pPr>
+    </p:otherStyle>
+  </p:txStyles>
 </p:sldMaster>
 </file>
 
 <file path=ppt/slideMasters/slideMaster2.xml><?xml version="1.0" encoding="utf-8"?>
-<p:sldMaster xmlns:a="http://schemas.openxmlformats.org/drawingml/2006/main" xmlns:p="http://schemas.openxmlformats.org/presentationml/2006/main" xmlns:r="http://schemas.openxmlformats.org/officeDocument/2006/relationships" xmlns:p14="http://schemas.microsoft.com/office/powerpoint/2010/main" xmlns:p15="http://schemas.microsoft.com/office/powerpoint/2012/main" xmlns:mc="http://schemas.openxmlformats.org/markup-compatibility/2006">
+<p:sldMaster xmlns:a="http://schemas.openxmlformats.org/drawingml/2006/main" xmlns:r="http://schemas.openxmlformats.org/officeDocument/2006/relationships" xmlns:p="http://schemas.openxmlformats.org/presentationml/2006/main">
   <p:cSld>
     <p:bg>
       <p:bgPr>
         <a:solidFill>
-          <a:srgbClr val="ffffff"/>
+          <a:srgbClr val="FFFFFF"/>
         </a:solidFill>
+        <a:effectLst/>
       </p:bgPr>
     </p:bg>
     <p:spTree>
@@ -3316,157 +3794,17 @@
         </p:spPr>
         <p:txBody>
           <a:bodyPr anchor="ctr"/>
+          <a:lstStyle/>
           <a:p>
             <a:r>
-              <a:rPr b="0" lang="pt-BR" sz="4400" spc="-1" strike="noStrike">
+              <a:rPr lang="pt-BR" sz="4400" b="0" strike="noStrike" spc="-1">
                 <a:solidFill>
                   <a:srgbClr val="000000"/>
                 </a:solidFill>
                 <a:latin typeface="Arial"/>
               </a:rPr>
-              <a:t>Cli</a:t>
+              <a:t>Clique para editar o formato do texto do título</a:t>
             </a:r>
-            <a:r>
-              <a:rPr b="0" lang="pt-BR" sz="4400" spc="-1" strike="noStrike">
-                <a:solidFill>
-                  <a:srgbClr val="000000"/>
-                </a:solidFill>
-                <a:latin typeface="Arial"/>
-              </a:rPr>
-              <a:t>que </a:t>
-            </a:r>
-            <a:r>
-              <a:rPr b="0" lang="pt-BR" sz="4400" spc="-1" strike="noStrike">
-                <a:solidFill>
-                  <a:srgbClr val="000000"/>
-                </a:solidFill>
-                <a:latin typeface="Arial"/>
-              </a:rPr>
-              <a:t>par</a:t>
-            </a:r>
-            <a:r>
-              <a:rPr b="0" lang="pt-BR" sz="4400" spc="-1" strike="noStrike">
-                <a:solidFill>
-                  <a:srgbClr val="000000"/>
-                </a:solidFill>
-                <a:latin typeface="Arial"/>
-              </a:rPr>
-              <a:t>a </a:t>
-            </a:r>
-            <a:r>
-              <a:rPr b="0" lang="pt-BR" sz="4400" spc="-1" strike="noStrike">
-                <a:solidFill>
-                  <a:srgbClr val="000000"/>
-                </a:solidFill>
-                <a:latin typeface="Arial"/>
-              </a:rPr>
-              <a:t>edit</a:t>
-            </a:r>
-            <a:r>
-              <a:rPr b="0" lang="pt-BR" sz="4400" spc="-1" strike="noStrike">
-                <a:solidFill>
-                  <a:srgbClr val="000000"/>
-                </a:solidFill>
-                <a:latin typeface="Arial"/>
-              </a:rPr>
-              <a:t>ar </a:t>
-            </a:r>
-            <a:r>
-              <a:rPr b="0" lang="pt-BR" sz="4400" spc="-1" strike="noStrike">
-                <a:solidFill>
-                  <a:srgbClr val="000000"/>
-                </a:solidFill>
-                <a:latin typeface="Arial"/>
-              </a:rPr>
-              <a:t>o </a:t>
-            </a:r>
-            <a:r>
-              <a:rPr b="0" lang="pt-BR" sz="4400" spc="-1" strike="noStrike">
-                <a:solidFill>
-                  <a:srgbClr val="000000"/>
-                </a:solidFill>
-                <a:latin typeface="Arial"/>
-              </a:rPr>
-              <a:t>for</a:t>
-            </a:r>
-            <a:r>
-              <a:rPr b="0" lang="pt-BR" sz="4400" spc="-1" strike="noStrike">
-                <a:solidFill>
-                  <a:srgbClr val="000000"/>
-                </a:solidFill>
-                <a:latin typeface="Arial"/>
-              </a:rPr>
-              <a:t>mat</a:t>
-            </a:r>
-            <a:r>
-              <a:rPr b="0" lang="pt-BR" sz="4400" spc="-1" strike="noStrike">
-                <a:solidFill>
-                  <a:srgbClr val="000000"/>
-                </a:solidFill>
-                <a:latin typeface="Arial"/>
-              </a:rPr>
-              <a:t>o </a:t>
-            </a:r>
-            <a:r>
-              <a:rPr b="0" lang="pt-BR" sz="4400" spc="-1" strike="noStrike">
-                <a:solidFill>
-                  <a:srgbClr val="000000"/>
-                </a:solidFill>
-                <a:latin typeface="Arial"/>
-              </a:rPr>
-              <a:t>do </a:t>
-            </a:r>
-            <a:r>
-              <a:rPr b="0" lang="pt-BR" sz="4400" spc="-1" strike="noStrike">
-                <a:solidFill>
-                  <a:srgbClr val="000000"/>
-                </a:solidFill>
-                <a:latin typeface="Arial"/>
-              </a:rPr>
-              <a:t>text</a:t>
-            </a:r>
-            <a:r>
-              <a:rPr b="0" lang="pt-BR" sz="4400" spc="-1" strike="noStrike">
-                <a:solidFill>
-                  <a:srgbClr val="000000"/>
-                </a:solidFill>
-                <a:latin typeface="Arial"/>
-              </a:rPr>
-              <a:t>o </a:t>
-            </a:r>
-            <a:r>
-              <a:rPr b="0" lang="pt-BR" sz="4400" spc="-1" strike="noStrike">
-                <a:solidFill>
-                  <a:srgbClr val="000000"/>
-                </a:solidFill>
-                <a:latin typeface="Arial"/>
-              </a:rPr>
-              <a:t>do </a:t>
-            </a:r>
-            <a:r>
-              <a:rPr b="0" lang="pt-BR" sz="4400" spc="-1" strike="noStrike">
-                <a:solidFill>
-                  <a:srgbClr val="000000"/>
-                </a:solidFill>
-                <a:latin typeface="Arial"/>
-              </a:rPr>
-              <a:t>títul</a:t>
-            </a:r>
-            <a:r>
-              <a:rPr b="0" lang="pt-BR" sz="4400" spc="-1" strike="noStrike">
-                <a:solidFill>
-                  <a:srgbClr val="000000"/>
-                </a:solidFill>
-                <a:latin typeface="Arial"/>
-              </a:rPr>
-              <a:t>o</a:t>
-            </a:r>
-            <a:endParaRPr b="0" lang="pt-BR" sz="4400" spc="-1" strike="noStrike">
-              <a:solidFill>
-                <a:srgbClr val="000000"/>
-              </a:solidFill>
-              <a:latin typeface="Arial"/>
-            </a:endParaRPr>
           </a:p>
         </p:txBody>
       </p:sp>
@@ -3491,6 +3829,7 @@
         </p:spPr>
         <p:txBody>
           <a:bodyPr/>
+          <a:lstStyle/>
           <a:p>
             <a:pPr marL="432000" indent="-324000">
               <a:spcBef>
@@ -3504,7 +3843,7 @@
               <a:buChar char=""/>
             </a:pPr>
             <a:r>
-              <a:rPr b="0" lang="pt-BR" sz="2800" spc="-1" strike="noStrike">
+              <a:rPr lang="pt-BR" sz="2800" b="0" strike="noStrike" spc="-1">
                 <a:solidFill>
                   <a:srgbClr val="000000"/>
                 </a:solidFill>
@@ -3512,15 +3851,9 @@
               </a:rPr>
               <a:t>Clique para editar o formato do texto da estrutura de tópicos</a:t>
             </a:r>
-            <a:endParaRPr b="0" lang="pt-BR" sz="2800" spc="-1" strike="noStrike">
-              <a:solidFill>
-                <a:srgbClr val="000000"/>
-              </a:solidFill>
-              <a:latin typeface="Arial"/>
-            </a:endParaRPr>
-          </a:p>
-          <a:p>
-            <a:pPr lvl="1" marL="864000" indent="-324000">
+          </a:p>
+          <a:p>
+            <a:pPr marL="864000" lvl="1" indent="-324000">
               <a:spcBef>
                 <a:spcPts val="1134"/>
               </a:spcBef>
@@ -3532,7 +3865,7 @@
               <a:buChar char=""/>
             </a:pPr>
             <a:r>
-              <a:rPr b="0" lang="pt-BR" sz="2800" spc="-1" strike="noStrike">
+              <a:rPr lang="pt-BR" sz="2800" b="0" strike="noStrike" spc="-1">
                 <a:solidFill>
                   <a:srgbClr val="000000"/>
                 </a:solidFill>
@@ -3540,15 +3873,9 @@
               </a:rPr>
               <a:t>2.º nível da estrutura de tópicos</a:t>
             </a:r>
-            <a:endParaRPr b="0" lang="pt-BR" sz="2800" spc="-1" strike="noStrike">
-              <a:solidFill>
-                <a:srgbClr val="000000"/>
-              </a:solidFill>
-              <a:latin typeface="Arial"/>
-            </a:endParaRPr>
-          </a:p>
-          <a:p>
-            <a:pPr lvl="2" marL="1296000" indent="-288000">
+          </a:p>
+          <a:p>
+            <a:pPr marL="1296000" lvl="2" indent="-288000">
               <a:spcBef>
                 <a:spcPts val="850"/>
               </a:spcBef>
@@ -3560,7 +3887,7 @@
               <a:buChar char=""/>
             </a:pPr>
             <a:r>
-              <a:rPr b="0" lang="pt-BR" sz="2800" spc="-1" strike="noStrike">
+              <a:rPr lang="pt-BR" sz="2800" b="0" strike="noStrike" spc="-1">
                 <a:solidFill>
                   <a:srgbClr val="000000"/>
                 </a:solidFill>
@@ -3568,15 +3895,9 @@
               </a:rPr>
               <a:t>3.º nível da estrutura de tópicos</a:t>
             </a:r>
-            <a:endParaRPr b="0" lang="pt-BR" sz="2800" spc="-1" strike="noStrike">
-              <a:solidFill>
-                <a:srgbClr val="000000"/>
-              </a:solidFill>
-              <a:latin typeface="Arial"/>
-            </a:endParaRPr>
-          </a:p>
-          <a:p>
-            <a:pPr lvl="3" marL="1728000" indent="-216000">
+          </a:p>
+          <a:p>
+            <a:pPr marL="1728000" lvl="3" indent="-216000">
               <a:spcBef>
                 <a:spcPts val="567"/>
               </a:spcBef>
@@ -3588,7 +3909,7 @@
               <a:buChar char=""/>
             </a:pPr>
             <a:r>
-              <a:rPr b="0" lang="pt-BR" sz="2800" spc="-1" strike="noStrike">
+              <a:rPr lang="pt-BR" sz="2800" b="0" strike="noStrike" spc="-1">
                 <a:solidFill>
                   <a:srgbClr val="000000"/>
                 </a:solidFill>
@@ -3596,15 +3917,9 @@
               </a:rPr>
               <a:t>4.º nível da estrutura de tópicos</a:t>
             </a:r>
-            <a:endParaRPr b="0" lang="pt-BR" sz="2800" spc="-1" strike="noStrike">
-              <a:solidFill>
-                <a:srgbClr val="000000"/>
-              </a:solidFill>
-              <a:latin typeface="Arial"/>
-            </a:endParaRPr>
-          </a:p>
-          <a:p>
-            <a:pPr lvl="4" marL="2160000" indent="-216000">
+          </a:p>
+          <a:p>
+            <a:pPr marL="2160000" lvl="4" indent="-216000">
               <a:spcBef>
                 <a:spcPts val="283"/>
               </a:spcBef>
@@ -3616,7 +3931,7 @@
               <a:buChar char=""/>
             </a:pPr>
             <a:r>
-              <a:rPr b="0" lang="pt-BR" sz="2800" spc="-1" strike="noStrike">
+              <a:rPr lang="pt-BR" sz="2800" b="0" strike="noStrike" spc="-1">
                 <a:solidFill>
                   <a:srgbClr val="000000"/>
                 </a:solidFill>
@@ -3624,15 +3939,9 @@
               </a:rPr>
               <a:t>5.º nível da estrutura de tópicos</a:t>
             </a:r>
-            <a:endParaRPr b="0" lang="pt-BR" sz="2800" spc="-1" strike="noStrike">
-              <a:solidFill>
-                <a:srgbClr val="000000"/>
-              </a:solidFill>
-              <a:latin typeface="Arial"/>
-            </a:endParaRPr>
-          </a:p>
-          <a:p>
-            <a:pPr lvl="5" marL="2592000" indent="-216000">
+          </a:p>
+          <a:p>
+            <a:pPr marL="2592000" lvl="5" indent="-216000">
               <a:spcBef>
                 <a:spcPts val="283"/>
               </a:spcBef>
@@ -3644,7 +3953,7 @@
               <a:buChar char=""/>
             </a:pPr>
             <a:r>
-              <a:rPr b="0" lang="pt-BR" sz="2800" spc="-1" strike="noStrike">
+              <a:rPr lang="pt-BR" sz="2800" b="0" strike="noStrike" spc="-1">
                 <a:solidFill>
                   <a:srgbClr val="000000"/>
                 </a:solidFill>
@@ -3652,15 +3961,9 @@
               </a:rPr>
               <a:t>6.º nível da estrutura de tópicos</a:t>
             </a:r>
-            <a:endParaRPr b="0" lang="pt-BR" sz="2800" spc="-1" strike="noStrike">
-              <a:solidFill>
-                <a:srgbClr val="000000"/>
-              </a:solidFill>
-              <a:latin typeface="Arial"/>
-            </a:endParaRPr>
-          </a:p>
-          <a:p>
-            <a:pPr lvl="6" marL="3024000" indent="-216000">
+          </a:p>
+          <a:p>
+            <a:pPr marL="3024000" lvl="6" indent="-216000">
               <a:spcBef>
                 <a:spcPts val="283"/>
               </a:spcBef>
@@ -3672,7 +3975,7 @@
               <a:buChar char=""/>
             </a:pPr>
             <a:r>
-              <a:rPr b="0" lang="pt-BR" sz="2800" spc="-1" strike="noStrike">
+              <a:rPr lang="pt-BR" sz="2800" b="0" strike="noStrike" spc="-1">
                 <a:solidFill>
                   <a:srgbClr val="000000"/>
                 </a:solidFill>
@@ -3680,12 +3983,6 @@
               </a:rPr>
               <a:t>7.º nível da estrutura de tópicos</a:t>
             </a:r>
-            <a:endParaRPr b="0" lang="pt-BR" sz="2800" spc="-1" strike="noStrike">
-              <a:solidFill>
-                <a:srgbClr val="000000"/>
-              </a:solidFill>
-              <a:latin typeface="Arial"/>
-            </a:endParaRPr>
           </a:p>
         </p:txBody>
       </p:sp>
@@ -3710,8 +4007,9 @@
         </p:spPr>
         <p:txBody>
           <a:bodyPr anchor="ctr"/>
-          <a:p>
-            <a:endParaRPr b="0" lang="pt-BR" sz="2400" spc="-1" strike="noStrike">
+          <a:lstStyle/>
+          <a:p>
+            <a:endParaRPr lang="pt-BR" sz="2400" b="0" strike="noStrike" spc="-1">
               <a:latin typeface="Times New Roman"/>
             </a:endParaRPr>
           </a:p>
@@ -3738,8 +4036,9 @@
         </p:spPr>
         <p:txBody>
           <a:bodyPr anchor="ctr"/>
-          <a:p>
-            <a:endParaRPr b="0" lang="pt-BR" sz="2400" spc="-1" strike="noStrike">
+          <a:lstStyle/>
+          <a:p>
+            <a:endParaRPr lang="pt-BR" sz="2400" b="0" strike="noStrike" spc="-1">
               <a:latin typeface="Times New Roman"/>
             </a:endParaRPr>
           </a:p>
@@ -3766,6 +4065,7 @@
         </p:spPr>
         <p:txBody>
           <a:bodyPr anchor="ctr"/>
+          <a:lstStyle/>
           <a:p>
             <a:pPr algn="r">
               <a:lnSpc>
@@ -3773,16 +4073,16 @@
               </a:lnSpc>
             </a:pPr>
             <a:fld id="{D8AAB397-EC60-46EB-966F-525DB16B6039}" type="slidenum">
-              <a:rPr b="0" lang="pt-BR" sz="1200" spc="-1" strike="noStrike">
+              <a:rPr lang="pt-BR" sz="1200" b="0" strike="noStrike" spc="-1">
                 <a:solidFill>
                   <a:srgbClr val="929599"/>
                 </a:solidFill>
                 <a:latin typeface="Trebuchet MS"/>
                 <a:ea typeface="Trebuchet MS"/>
               </a:rPr>
-              <a:t>1</a:t>
+              <a:t>‹nº›</a:t>
             </a:fld>
-            <a:endParaRPr b="0" lang="pt-BR" sz="1200" spc="-1" strike="noStrike">
+            <a:endParaRPr lang="pt-BR" sz="1200" b="0" strike="noStrike" spc="-1">
               <a:latin typeface="Times New Roman"/>
             </a:endParaRPr>
           </a:p>
@@ -3790,32 +4090,313 @@
       </p:sp>
     </p:spTree>
   </p:cSld>
-  <p:clrMap bg1="lt1" bg2="lt2" tx1="dk1" tx2="dk2" accent1="accent1" accent2="accent2" accent3="accent3" accent4="accent4" accent5="accent5" accent6="accent6" hlink="hlink" folHlink="folHlink"/>
+  <p:clrMap bg1="lt1" tx1="dk1" bg2="lt2" tx2="dk2" accent1="accent1" accent2="accent2" accent3="accent3" accent4="accent4" accent5="accent5" accent6="accent6" hlink="hlink" folHlink="folHlink"/>
   <p:sldLayoutIdLst>
-    <p:sldLayoutId id="2147483662" r:id="rId2"/>
-    <p:sldLayoutId id="2147483663" r:id="rId3"/>
-    <p:sldLayoutId id="2147483664" r:id="rId4"/>
-    <p:sldLayoutId id="2147483665" r:id="rId5"/>
-    <p:sldLayoutId id="2147483666" r:id="rId6"/>
-    <p:sldLayoutId id="2147483667" r:id="rId7"/>
-    <p:sldLayoutId id="2147483668" r:id="rId8"/>
-    <p:sldLayoutId id="2147483669" r:id="rId9"/>
-    <p:sldLayoutId id="2147483670" r:id="rId10"/>
-    <p:sldLayoutId id="2147483671" r:id="rId11"/>
-    <p:sldLayoutId id="2147483672" r:id="rId12"/>
-    <p:sldLayoutId id="2147483673" r:id="rId13"/>
+    <p:sldLayoutId id="2147483662" r:id="rId1"/>
+    <p:sldLayoutId id="2147483663" r:id="rId2"/>
+    <p:sldLayoutId id="2147483664" r:id="rId3"/>
+    <p:sldLayoutId id="2147483665" r:id="rId4"/>
+    <p:sldLayoutId id="2147483666" r:id="rId5"/>
+    <p:sldLayoutId id="2147483667" r:id="rId6"/>
+    <p:sldLayoutId id="2147483668" r:id="rId7"/>
+    <p:sldLayoutId id="2147483669" r:id="rId8"/>
+    <p:sldLayoutId id="2147483670" r:id="rId9"/>
+    <p:sldLayoutId id="2147483671" r:id="rId10"/>
+    <p:sldLayoutId id="2147483672" r:id="rId11"/>
+    <p:sldLayoutId id="2147483673" r:id="rId12"/>
   </p:sldLayoutIdLst>
+  <p:txStyles>
+    <p:titleStyle>
+      <a:lvl1pPr algn="l" defTabSz="914400" rtl="0" eaLnBrk="1" latinLnBrk="0" hangingPunct="1">
+        <a:lnSpc>
+          <a:spcPct val="90000"/>
+        </a:lnSpc>
+        <a:spcBef>
+          <a:spcPct val="0"/>
+        </a:spcBef>
+        <a:buNone/>
+        <a:defRPr sz="4400" kern="1200">
+          <a:solidFill>
+            <a:schemeClr val="tx1"/>
+          </a:solidFill>
+          <a:latin typeface="+mj-lt"/>
+          <a:ea typeface="+mj-ea"/>
+          <a:cs typeface="+mj-cs"/>
+        </a:defRPr>
+      </a:lvl1pPr>
+    </p:titleStyle>
+    <p:bodyStyle>
+      <a:lvl1pPr marL="228600" indent="-228600" algn="l" defTabSz="914400" rtl="0" eaLnBrk="1" latinLnBrk="0" hangingPunct="1">
+        <a:lnSpc>
+          <a:spcPct val="90000"/>
+        </a:lnSpc>
+        <a:spcBef>
+          <a:spcPts val="1000"/>
+        </a:spcBef>
+        <a:buFont typeface="Arial" panose="020B0604020202020204" pitchFamily="34" charset="0"/>
+        <a:buChar char="•"/>
+        <a:defRPr sz="2800" kern="1200">
+          <a:solidFill>
+            <a:schemeClr val="tx1"/>
+          </a:solidFill>
+          <a:latin typeface="+mn-lt"/>
+          <a:ea typeface="+mn-ea"/>
+          <a:cs typeface="+mn-cs"/>
+        </a:defRPr>
+      </a:lvl1pPr>
+      <a:lvl2pPr marL="685800" indent="-228600" algn="l" defTabSz="914400" rtl="0" eaLnBrk="1" latinLnBrk="0" hangingPunct="1">
+        <a:lnSpc>
+          <a:spcPct val="90000"/>
+        </a:lnSpc>
+        <a:spcBef>
+          <a:spcPts val="500"/>
+        </a:spcBef>
+        <a:buFont typeface="Arial" panose="020B0604020202020204" pitchFamily="34" charset="0"/>
+        <a:buChar char="•"/>
+        <a:defRPr sz="2400" kern="1200">
+          <a:solidFill>
+            <a:schemeClr val="tx1"/>
+          </a:solidFill>
+          <a:latin typeface="+mn-lt"/>
+          <a:ea typeface="+mn-ea"/>
+          <a:cs typeface="+mn-cs"/>
+        </a:defRPr>
+      </a:lvl2pPr>
+      <a:lvl3pPr marL="1143000" indent="-228600" algn="l" defTabSz="914400" rtl="0" eaLnBrk="1" latinLnBrk="0" hangingPunct="1">
+        <a:lnSpc>
+          <a:spcPct val="90000"/>
+        </a:lnSpc>
+        <a:spcBef>
+          <a:spcPts val="500"/>
+        </a:spcBef>
+        <a:buFont typeface="Arial" panose="020B0604020202020204" pitchFamily="34" charset="0"/>
+        <a:buChar char="•"/>
+        <a:defRPr sz="2000" kern="1200">
+          <a:solidFill>
+            <a:schemeClr val="tx1"/>
+          </a:solidFill>
+          <a:latin typeface="+mn-lt"/>
+          <a:ea typeface="+mn-ea"/>
+          <a:cs typeface="+mn-cs"/>
+        </a:defRPr>
+      </a:lvl3pPr>
+      <a:lvl4pPr marL="1600200" indent="-228600" algn="l" defTabSz="914400" rtl="0" eaLnBrk="1" latinLnBrk="0" hangingPunct="1">
+        <a:lnSpc>
+          <a:spcPct val="90000"/>
+        </a:lnSpc>
+        <a:spcBef>
+          <a:spcPts val="500"/>
+        </a:spcBef>
+        <a:buFont typeface="Arial" panose="020B0604020202020204" pitchFamily="34" charset="0"/>
+        <a:buChar char="•"/>
+        <a:defRPr sz="1800" kern="1200">
+          <a:solidFill>
+            <a:schemeClr val="tx1"/>
+          </a:solidFill>
+          <a:latin typeface="+mn-lt"/>
+          <a:ea typeface="+mn-ea"/>
+          <a:cs typeface="+mn-cs"/>
+        </a:defRPr>
+      </a:lvl4pPr>
+      <a:lvl5pPr marL="2057400" indent="-228600" algn="l" defTabSz="914400" rtl="0" eaLnBrk="1" latinLnBrk="0" hangingPunct="1">
+        <a:lnSpc>
+          <a:spcPct val="90000"/>
+        </a:lnSpc>
+        <a:spcBef>
+          <a:spcPts val="500"/>
+        </a:spcBef>
+        <a:buFont typeface="Arial" panose="020B0604020202020204" pitchFamily="34" charset="0"/>
+        <a:buChar char="•"/>
+        <a:defRPr sz="1800" kern="1200">
+          <a:solidFill>
+            <a:schemeClr val="tx1"/>
+          </a:solidFill>
+          <a:latin typeface="+mn-lt"/>
+          <a:ea typeface="+mn-ea"/>
+          <a:cs typeface="+mn-cs"/>
+        </a:defRPr>
+      </a:lvl5pPr>
+      <a:lvl6pPr marL="2514600" indent="-228600" algn="l" defTabSz="914400" rtl="0" eaLnBrk="1" latinLnBrk="0" hangingPunct="1">
+        <a:lnSpc>
+          <a:spcPct val="90000"/>
+        </a:lnSpc>
+        <a:spcBef>
+          <a:spcPts val="500"/>
+        </a:spcBef>
+        <a:buFont typeface="Arial" panose="020B0604020202020204" pitchFamily="34" charset="0"/>
+        <a:buChar char="•"/>
+        <a:defRPr sz="1800" kern="1200">
+          <a:solidFill>
+            <a:schemeClr val="tx1"/>
+          </a:solidFill>
+          <a:latin typeface="+mn-lt"/>
+          <a:ea typeface="+mn-ea"/>
+          <a:cs typeface="+mn-cs"/>
+        </a:defRPr>
+      </a:lvl6pPr>
+      <a:lvl7pPr marL="2971800" indent="-228600" algn="l" defTabSz="914400" rtl="0" eaLnBrk="1" latinLnBrk="0" hangingPunct="1">
+        <a:lnSpc>
+          <a:spcPct val="90000"/>
+        </a:lnSpc>
+        <a:spcBef>
+          <a:spcPts val="500"/>
+        </a:spcBef>
+        <a:buFont typeface="Arial" panose="020B0604020202020204" pitchFamily="34" charset="0"/>
+        <a:buChar char="•"/>
+        <a:defRPr sz="1800" kern="1200">
+          <a:solidFill>
+            <a:schemeClr val="tx1"/>
+          </a:solidFill>
+          <a:latin typeface="+mn-lt"/>
+          <a:ea typeface="+mn-ea"/>
+          <a:cs typeface="+mn-cs"/>
+        </a:defRPr>
+      </a:lvl7pPr>
+      <a:lvl8pPr marL="3429000" indent="-228600" algn="l" defTabSz="914400" rtl="0" eaLnBrk="1" latinLnBrk="0" hangingPunct="1">
+        <a:lnSpc>
+          <a:spcPct val="90000"/>
+        </a:lnSpc>
+        <a:spcBef>
+          <a:spcPts val="500"/>
+        </a:spcBef>
+        <a:buFont typeface="Arial" panose="020B0604020202020204" pitchFamily="34" charset="0"/>
+        <a:buChar char="•"/>
+        <a:defRPr sz="1800" kern="1200">
+          <a:solidFill>
+            <a:schemeClr val="tx1"/>
+          </a:solidFill>
+          <a:latin typeface="+mn-lt"/>
+          <a:ea typeface="+mn-ea"/>
+          <a:cs typeface="+mn-cs"/>
+        </a:defRPr>
+      </a:lvl8pPr>
+      <a:lvl9pPr marL="3886200" indent="-228600" algn="l" defTabSz="914400" rtl="0" eaLnBrk="1" latinLnBrk="0" hangingPunct="1">
+        <a:lnSpc>
+          <a:spcPct val="90000"/>
+        </a:lnSpc>
+        <a:spcBef>
+          <a:spcPts val="500"/>
+        </a:spcBef>
+        <a:buFont typeface="Arial" panose="020B0604020202020204" pitchFamily="34" charset="0"/>
+        <a:buChar char="•"/>
+        <a:defRPr sz="1800" kern="1200">
+          <a:solidFill>
+            <a:schemeClr val="tx1"/>
+          </a:solidFill>
+          <a:latin typeface="+mn-lt"/>
+          <a:ea typeface="+mn-ea"/>
+          <a:cs typeface="+mn-cs"/>
+        </a:defRPr>
+      </a:lvl9pPr>
+    </p:bodyStyle>
+    <p:otherStyle>
+      <a:defPPr>
+        <a:defRPr lang="pt-BR"/>
+      </a:defPPr>
+      <a:lvl1pPr marL="0" algn="l" defTabSz="914400" rtl="0" eaLnBrk="1" latinLnBrk="0" hangingPunct="1">
+        <a:defRPr sz="1800" kern="1200">
+          <a:solidFill>
+            <a:schemeClr val="tx1"/>
+          </a:solidFill>
+          <a:latin typeface="+mn-lt"/>
+          <a:ea typeface="+mn-ea"/>
+          <a:cs typeface="+mn-cs"/>
+        </a:defRPr>
+      </a:lvl1pPr>
+      <a:lvl2pPr marL="457200" algn="l" defTabSz="914400" rtl="0" eaLnBrk="1" latinLnBrk="0" hangingPunct="1">
+        <a:defRPr sz="1800" kern="1200">
+          <a:solidFill>
+            <a:schemeClr val="tx1"/>
+          </a:solidFill>
+          <a:latin typeface="+mn-lt"/>
+          <a:ea typeface="+mn-ea"/>
+          <a:cs typeface="+mn-cs"/>
+        </a:defRPr>
+      </a:lvl2pPr>
+      <a:lvl3pPr marL="914400" algn="l" defTabSz="914400" rtl="0" eaLnBrk="1" latinLnBrk="0" hangingPunct="1">
+        <a:defRPr sz="1800" kern="1200">
+          <a:solidFill>
+            <a:schemeClr val="tx1"/>
+          </a:solidFill>
+          <a:latin typeface="+mn-lt"/>
+          <a:ea typeface="+mn-ea"/>
+          <a:cs typeface="+mn-cs"/>
+        </a:defRPr>
+      </a:lvl3pPr>
+      <a:lvl4pPr marL="1371600" algn="l" defTabSz="914400" rtl="0" eaLnBrk="1" latinLnBrk="0" hangingPunct="1">
+        <a:defRPr sz="1800" kern="1200">
+          <a:solidFill>
+            <a:schemeClr val="tx1"/>
+          </a:solidFill>
+          <a:latin typeface="+mn-lt"/>
+          <a:ea typeface="+mn-ea"/>
+          <a:cs typeface="+mn-cs"/>
+        </a:defRPr>
+      </a:lvl4pPr>
+      <a:lvl5pPr marL="1828800" algn="l" defTabSz="914400" rtl="0" eaLnBrk="1" latinLnBrk="0" hangingPunct="1">
+        <a:defRPr sz="1800" kern="1200">
+          <a:solidFill>
+            <a:schemeClr val="tx1"/>
+          </a:solidFill>
+          <a:latin typeface="+mn-lt"/>
+          <a:ea typeface="+mn-ea"/>
+          <a:cs typeface="+mn-cs"/>
+        </a:defRPr>
+      </a:lvl5pPr>
+      <a:lvl6pPr marL="2286000" algn="l" defTabSz="914400" rtl="0" eaLnBrk="1" latinLnBrk="0" hangingPunct="1">
+        <a:defRPr sz="1800" kern="1200">
+          <a:solidFill>
+            <a:schemeClr val="tx1"/>
+          </a:solidFill>
+          <a:latin typeface="+mn-lt"/>
+          <a:ea typeface="+mn-ea"/>
+          <a:cs typeface="+mn-cs"/>
+        </a:defRPr>
+      </a:lvl6pPr>
+      <a:lvl7pPr marL="2743200" algn="l" defTabSz="914400" rtl="0" eaLnBrk="1" latinLnBrk="0" hangingPunct="1">
+        <a:defRPr sz="1800" kern="1200">
+          <a:solidFill>
+            <a:schemeClr val="tx1"/>
+          </a:solidFill>
+          <a:latin typeface="+mn-lt"/>
+          <a:ea typeface="+mn-ea"/>
+          <a:cs typeface="+mn-cs"/>
+        </a:defRPr>
+      </a:lvl7pPr>
+      <a:lvl8pPr marL="3200400" algn="l" defTabSz="914400" rtl="0" eaLnBrk="1" latinLnBrk="0" hangingPunct="1">
+        <a:defRPr sz="1800" kern="1200">
+          <a:solidFill>
+            <a:schemeClr val="tx1"/>
+          </a:solidFill>
+          <a:latin typeface="+mn-lt"/>
+          <a:ea typeface="+mn-ea"/>
+          <a:cs typeface="+mn-cs"/>
+        </a:defRPr>
+      </a:lvl8pPr>
+      <a:lvl9pPr marL="3657600" algn="l" defTabSz="914400" rtl="0" eaLnBrk="1" latinLnBrk="0" hangingPunct="1">
+        <a:defRPr sz="1800" kern="1200">
+          <a:solidFill>
+            <a:schemeClr val="tx1"/>
+          </a:solidFill>
+          <a:latin typeface="+mn-lt"/>
+          <a:ea typeface="+mn-ea"/>
+          <a:cs typeface="+mn-cs"/>
+        </a:defRPr>
+      </a:lvl9pPr>
+    </p:otherStyle>
+  </p:txStyles>
 </p:sldMaster>
 </file>
 
 <file path=ppt/slides/slide1.xml><?xml version="1.0" encoding="utf-8"?>
-<p:sld xmlns:a="http://schemas.openxmlformats.org/drawingml/2006/main" xmlns:p="http://schemas.openxmlformats.org/presentationml/2006/main" xmlns:r="http://schemas.openxmlformats.org/officeDocument/2006/relationships" xmlns:p14="http://schemas.microsoft.com/office/powerpoint/2010/main" xmlns:p15="http://schemas.microsoft.com/office/powerpoint/2012/main" xmlns:mc="http://schemas.openxmlformats.org/markup-compatibility/2006">
+<p:sld xmlns:a="http://schemas.openxmlformats.org/drawingml/2006/main" xmlns:r="http://schemas.openxmlformats.org/officeDocument/2006/relationships" xmlns:p="http://schemas.openxmlformats.org/presentationml/2006/main">
   <p:cSld>
     <p:bg>
       <p:bgPr>
         <a:solidFill>
-          <a:srgbClr val="ffffff"/>
+          <a:srgbClr val="FFFFFF"/>
         </a:solidFill>
+        <a:effectLst/>
       </p:bgPr>
     </p:bg>
     <p:spTree>
@@ -3847,164 +4428,28 @@
             <a:avLst/>
           </a:prstGeom>
           <a:solidFill>
-            <a:srgbClr val="347c36"/>
+            <a:srgbClr val="347C36"/>
           </a:solidFill>
           <a:ln>
             <a:noFill/>
           </a:ln>
         </p:spPr>
         <p:style>
-          <a:lnRef idx="0"/>
-          <a:fillRef idx="0"/>
-          <a:effectRef idx="0"/>
+          <a:lnRef idx="0">
+            <a:scrgbClr r="0" g="0" b="0"/>
+          </a:lnRef>
+          <a:fillRef idx="0">
+            <a:scrgbClr r="0" g="0" b="0"/>
+          </a:fillRef>
+          <a:effectRef idx="0">
+            <a:scrgbClr r="0" g="0" b="0"/>
+          </a:effectRef>
           <a:fontRef idx="minor"/>
         </p:style>
       </p:sp>
       <p:pic>
         <p:nvPicPr>
-          <p:cNvPr id="83" name="Google Shape;89;p13" descr=""/>
-          <p:cNvPicPr/>
-          <p:nvPr/>
-        </p:nvPicPr>
-        <p:blipFill>
-          <a:blip r:embed="rId1"/>
-          <a:stretch/>
-        </p:blipFill>
-        <p:spPr>
-          <a:xfrm>
-            <a:off x="10561680" y="0"/>
-            <a:ext cx="1083960" cy="2507760"/>
-          </a:xfrm>
-          <a:prstGeom prst="rect">
-            <a:avLst/>
-          </a:prstGeom>
-          <a:ln>
-            <a:noFill/>
-          </a:ln>
-        </p:spPr>
-      </p:pic>
-      <p:sp>
-        <p:nvSpPr>
-          <p:cNvPr id="84" name="CustomShape 2"/>
-          <p:cNvSpPr/>
-          <p:nvPr/>
-        </p:nvSpPr>
-        <p:spPr>
-          <a:xfrm>
-            <a:off x="2296800" y="2234160"/>
-            <a:ext cx="7513200" cy="1323000"/>
-          </a:xfrm>
-          <a:prstGeom prst="rect">
-            <a:avLst/>
-          </a:prstGeom>
-          <a:noFill/>
-          <a:ln>
-            <a:noFill/>
-          </a:ln>
-        </p:spPr>
-        <p:style>
-          <a:lnRef idx="0"/>
-          <a:fillRef idx="0"/>
-          <a:effectRef idx="0"/>
-          <a:fontRef idx="minor"/>
-        </p:style>
-        <p:txBody>
-          <a:bodyPr/>
-          <a:p>
-            <a:pPr algn="ctr">
-              <a:lnSpc>
-                <a:spcPct val="100000"/>
-              </a:lnSpc>
-            </a:pPr>
-            <a:br/>
-            <a:r>
-              <a:rPr b="1" lang="pt-BR" sz="3200" spc="-1" strike="noStrike">
-                <a:solidFill>
-                  <a:srgbClr val="8dc641"/>
-                </a:solidFill>
-                <a:latin typeface="Arial"/>
-                <a:ea typeface="Arial"/>
-              </a:rPr>
-              <a:t>Prática  de análise de sistemas</a:t>
-            </a:r>
-            <a:endParaRPr b="0" lang="pt-BR" sz="3200" spc="-1" strike="noStrike">
-              <a:latin typeface="Arial"/>
-            </a:endParaRPr>
-          </a:p>
-          <a:p>
-            <a:pPr algn="ctr">
-              <a:lnSpc>
-                <a:spcPct val="100000"/>
-              </a:lnSpc>
-            </a:pPr>
-            <a:endParaRPr b="0" lang="pt-BR" sz="3200" spc="-1" strike="noStrike">
-              <a:latin typeface="Arial"/>
-            </a:endParaRPr>
-          </a:p>
-        </p:txBody>
-      </p:sp>
-      <p:sp>
-        <p:nvSpPr>
-          <p:cNvPr id="85" name="CustomShape 3"/>
-          <p:cNvSpPr/>
-          <p:nvPr/>
-        </p:nvSpPr>
-        <p:spPr>
-          <a:xfrm>
-            <a:off x="504000" y="6479280"/>
-            <a:ext cx="11130840" cy="720720"/>
-          </a:xfrm>
-          <a:prstGeom prst="rect">
-            <a:avLst/>
-          </a:prstGeom>
-          <a:noFill/>
-          <a:ln>
-            <a:noFill/>
-          </a:ln>
-        </p:spPr>
-        <p:style>
-          <a:lnRef idx="0"/>
-          <a:fillRef idx="0"/>
-          <a:effectRef idx="0"/>
-          <a:fontRef idx="minor"/>
-        </p:style>
-        <p:txBody>
-          <a:bodyPr/>
-          <a:p>
-            <a:pPr algn="ctr">
-              <a:lnSpc>
-                <a:spcPct val="100000"/>
-              </a:lnSpc>
-            </a:pPr>
-            <a:r>
-              <a:rPr b="1" lang="pt-BR" sz="1500" spc="-1" strike="noStrike">
-                <a:solidFill>
-                  <a:srgbClr val="8dc641"/>
-                </a:solidFill>
-                <a:latin typeface="Arial"/>
-                <a:ea typeface="Arial"/>
-              </a:rPr>
-              <a:t> </a:t>
-            </a:r>
-            <a:r>
-              <a:rPr b="1" lang="pt-BR" sz="1500" spc="-1" strike="noStrike">
-                <a:solidFill>
-                  <a:srgbClr val="8dc641"/>
-                </a:solidFill>
-                <a:latin typeface="Arial"/>
-                <a:ea typeface="Arial"/>
-              </a:rPr>
-              <a:t>Fabio Vasques, Gieder Loreto</a:t>
-            </a:r>
-            <a:endParaRPr b="0" lang="pt-BR" sz="1500" spc="-1" strike="noStrike">
-              <a:latin typeface="Arial"/>
-            </a:endParaRPr>
-          </a:p>
-        </p:txBody>
-      </p:sp>
-      <p:pic>
-        <p:nvPicPr>
-          <p:cNvPr id="86" name="Google Shape;92;p13" descr=""/>
+          <p:cNvPr id="83" name="Google Shape;89;p13"/>
           <p:cNvPicPr/>
           <p:nvPr/>
         </p:nvPicPr>
@@ -4014,8 +4459,8 @@
         </p:blipFill>
         <p:spPr>
           <a:xfrm>
-            <a:off x="268920" y="573840"/>
-            <a:ext cx="5751720" cy="1359720"/>
+            <a:off x="10561680" y="0"/>
+            <a:ext cx="1083960" cy="2507760"/>
           </a:xfrm>
           <a:prstGeom prst="rect">
             <a:avLst/>
@@ -4027,14 +4472,14 @@
       </p:pic>
       <p:sp>
         <p:nvSpPr>
-          <p:cNvPr id="87" name="TextShape 4"/>
-          <p:cNvSpPr txBox="1"/>
+          <p:cNvPr id="84" name="CustomShape 2"/>
+          <p:cNvSpPr/>
           <p:nvPr/>
         </p:nvSpPr>
         <p:spPr>
           <a:xfrm>
-            <a:off x="3415320" y="2748600"/>
-            <a:ext cx="4891320" cy="829440"/>
+            <a:off x="2296800" y="2234160"/>
+            <a:ext cx="7513200" cy="1323000"/>
           </a:xfrm>
           <a:prstGeom prst="rect">
             <a:avLst/>
@@ -4044,30 +4489,182 @@
             <a:noFill/>
           </a:ln>
         </p:spPr>
-        <p:txBody>
-          <a:bodyPr lIns="90000" rIns="90000" tIns="45000" bIns="45000"/>
+        <p:style>
+          <a:lnRef idx="0">
+            <a:scrgbClr r="0" g="0" b="0"/>
+          </a:lnRef>
+          <a:fillRef idx="0">
+            <a:scrgbClr r="0" g="0" b="0"/>
+          </a:fillRef>
+          <a:effectRef idx="0">
+            <a:scrgbClr r="0" g="0" b="0"/>
+          </a:effectRef>
+          <a:fontRef idx="minor"/>
+        </p:style>
+        <p:txBody>
+          <a:bodyPr/>
+          <a:lstStyle/>
           <a:p>
             <a:pPr algn="ctr">
               <a:lnSpc>
                 <a:spcPct val="100000"/>
               </a:lnSpc>
             </a:pPr>
-            <a:endParaRPr b="1" lang="pt-BR" sz="1800" spc="-1" strike="noStrike">
-              <a:latin typeface="Arial"/>
-            </a:endParaRPr>
-          </a:p>
-          <a:p>
+            <a:br>
+              <a:rPr dirty="0"/>
+            </a:br>
             <a:r>
-              <a:rPr b="1" lang="pt-BR" sz="2000" spc="-1" strike="noStrike">
+              <a:rPr lang="pt-BR" sz="3200" b="1" strike="noStrike" spc="-1" dirty="0">
                 <a:solidFill>
-                  <a:srgbClr val="8dc641"/>
+                  <a:srgbClr val="FF0000"/>
+                </a:solidFill>
+                <a:latin typeface="Arial"/>
+                <a:ea typeface="Arial"/>
+              </a:rPr>
+              <a:t>Prática  de análise de sistemas</a:t>
+            </a:r>
+            <a:endParaRPr lang="pt-BR" sz="3200" b="0" strike="noStrike" spc="-1" dirty="0">
+              <a:solidFill>
+                <a:srgbClr val="FF0000"/>
+              </a:solidFill>
+              <a:latin typeface="Arial"/>
+            </a:endParaRPr>
+          </a:p>
+          <a:p>
+            <a:pPr algn="ctr">
+              <a:lnSpc>
+                <a:spcPct val="100000"/>
+              </a:lnSpc>
+            </a:pPr>
+            <a:endParaRPr lang="pt-BR" sz="3200" b="0" strike="noStrike" spc="-1" dirty="0">
+              <a:latin typeface="Arial"/>
+            </a:endParaRPr>
+          </a:p>
+        </p:txBody>
+      </p:sp>
+      <p:sp>
+        <p:nvSpPr>
+          <p:cNvPr id="85" name="CustomShape 3"/>
+          <p:cNvSpPr/>
+          <p:nvPr/>
+        </p:nvSpPr>
+        <p:spPr>
+          <a:xfrm>
+            <a:off x="504000" y="6479280"/>
+            <a:ext cx="11130840" cy="720720"/>
+          </a:xfrm>
+          <a:prstGeom prst="rect">
+            <a:avLst/>
+          </a:prstGeom>
+          <a:noFill/>
+          <a:ln>
+            <a:noFill/>
+          </a:ln>
+        </p:spPr>
+        <p:style>
+          <a:lnRef idx="0">
+            <a:scrgbClr r="0" g="0" b="0"/>
+          </a:lnRef>
+          <a:fillRef idx="0">
+            <a:scrgbClr r="0" g="0" b="0"/>
+          </a:fillRef>
+          <a:effectRef idx="0">
+            <a:scrgbClr r="0" g="0" b="0"/>
+          </a:effectRef>
+          <a:fontRef idx="minor"/>
+        </p:style>
+        <p:txBody>
+          <a:bodyPr/>
+          <a:lstStyle/>
+          <a:p>
+            <a:pPr algn="ctr">
+              <a:lnSpc>
+                <a:spcPct val="100000"/>
+              </a:lnSpc>
+            </a:pPr>
+            <a:r>
+              <a:rPr lang="pt-BR" sz="1500" b="1" strike="noStrike" spc="-1">
+                <a:solidFill>
+                  <a:srgbClr val="8DC641"/>
+                </a:solidFill>
+                <a:latin typeface="Arial"/>
+                <a:ea typeface="Arial"/>
+              </a:rPr>
+              <a:t> Fabio Vasques, Gieder Loreto</a:t>
+            </a:r>
+            <a:endParaRPr lang="pt-BR" sz="1500" b="0" strike="noStrike" spc="-1">
+              <a:latin typeface="Arial"/>
+            </a:endParaRPr>
+          </a:p>
+        </p:txBody>
+      </p:sp>
+      <p:pic>
+        <p:nvPicPr>
+          <p:cNvPr id="86" name="Google Shape;92;p13"/>
+          <p:cNvPicPr/>
+          <p:nvPr/>
+        </p:nvPicPr>
+        <p:blipFill>
+          <a:blip r:embed="rId3"/>
+          <a:stretch/>
+        </p:blipFill>
+        <p:spPr>
+          <a:xfrm>
+            <a:off x="268920" y="573840"/>
+            <a:ext cx="5751720" cy="1359720"/>
+          </a:xfrm>
+          <a:prstGeom prst="rect">
+            <a:avLst/>
+          </a:prstGeom>
+          <a:ln>
+            <a:noFill/>
+          </a:ln>
+        </p:spPr>
+      </p:pic>
+      <p:sp>
+        <p:nvSpPr>
+          <p:cNvPr id="87" name="TextShape 4"/>
+          <p:cNvSpPr txBox="1"/>
+          <p:nvPr/>
+        </p:nvSpPr>
+        <p:spPr>
+          <a:xfrm>
+            <a:off x="3415320" y="2748600"/>
+            <a:ext cx="4891320" cy="829440"/>
+          </a:xfrm>
+          <a:prstGeom prst="rect">
+            <a:avLst/>
+          </a:prstGeom>
+          <a:noFill/>
+          <a:ln>
+            <a:noFill/>
+          </a:ln>
+        </p:spPr>
+        <p:txBody>
+          <a:bodyPr lIns="90000" tIns="45000" rIns="90000" bIns="45000"/>
+          <a:lstStyle/>
+          <a:p>
+            <a:pPr algn="ctr">
+              <a:lnSpc>
+                <a:spcPct val="100000"/>
+              </a:lnSpc>
+            </a:pPr>
+            <a:endParaRPr lang="pt-BR" sz="1800" b="1" strike="noStrike" spc="-1" dirty="0">
+              <a:latin typeface="Arial"/>
+            </a:endParaRPr>
+          </a:p>
+          <a:p>
+            <a:r>
+              <a:rPr lang="pt-BR" sz="2000" b="1" strike="noStrike" spc="-1" dirty="0">
+                <a:solidFill>
+                  <a:srgbClr val="8DC641"/>
                 </a:solidFill>
                 <a:latin typeface="Arial"/>
                 <a:ea typeface="Arial"/>
               </a:rPr>
               <a:t>Processo (etapas de desenvolvimento)</a:t>
             </a:r>
-            <a:endParaRPr b="1" lang="pt-BR" sz="2000" spc="-1" strike="noStrike">
+            <a:endParaRPr lang="pt-BR" sz="2000" b="1" strike="noStrike" spc="-1" dirty="0">
               <a:latin typeface="Arial"/>
             </a:endParaRPr>
           </a:p>
@@ -4093,30 +4690,25 @@
           </a:ln>
         </p:spPr>
         <p:txBody>
-          <a:bodyPr lIns="90000" rIns="90000" tIns="45000" bIns="45000"/>
+          <a:bodyPr lIns="90000" tIns="45000" rIns="90000" bIns="45000"/>
+          <a:lstStyle/>
           <a:p>
             <a:pPr algn="just"/>
             <a:r>
-              <a:rPr b="1" lang="pt-BR" sz="1800" spc="-1" strike="noStrike">
+              <a:rPr lang="pt-BR" sz="1800" b="1" strike="noStrike" spc="-1">
                 <a:solidFill>
-                  <a:srgbClr val="62a73b"/>
+                  <a:srgbClr val="62A73B"/>
                 </a:solidFill>
                 <a:latin typeface="Arial"/>
               </a:rPr>
               <a:t>Será usado a ferramenta git para controle de versionamento do sistema a ser desenvolvido, além disso durante a etapa de desenvolvimento será usado o método cascata onde será feito todo o planejamento, execução, validação e entrega do produto final.</a:t>
             </a:r>
-            <a:endParaRPr b="1" lang="pt-BR" sz="1800" spc="-1" strike="noStrike">
+          </a:p>
+          <a:p>
+            <a:pPr algn="just"/>
+            <a:endParaRPr lang="pt-BR" sz="1800" b="1" strike="noStrike" spc="-1">
               <a:solidFill>
-                <a:srgbClr val="62a73b"/>
-              </a:solidFill>
-              <a:latin typeface="Arial"/>
-            </a:endParaRPr>
-          </a:p>
-          <a:p>
-            <a:pPr algn="just"/>
-            <a:endParaRPr b="1" lang="pt-BR" sz="1800" spc="-1" strike="noStrike">
-              <a:solidFill>
-                <a:srgbClr val="62a73b"/>
+                <a:srgbClr val="62A73B"/>
               </a:solidFill>
               <a:latin typeface="Arial"/>
             </a:endParaRPr>
@@ -4125,6 +4717,9 @@
       </p:sp>
     </p:spTree>
   </p:cSld>
+  <p:clrMapOvr>
+    <a:masterClrMapping/>
+  </p:clrMapOvr>
   <p:timing>
     <p:tnLst>
       <p:par>
@@ -4133,14 +4728,14 @@
             <p:seq>
               <p:cTn id="2" dur="indefinite" nodeType="mainSeq"/>
               <p:prevCondLst>
-                <p:cond delay="0" evt="onPrev">
+                <p:cond evt="onPrev" delay="0">
                   <p:tgtEl>
                     <p:sldTgt/>
                   </p:tgtEl>
                 </p:cond>
               </p:prevCondLst>
               <p:nextCondLst>
-                <p:cond delay="0" evt="onNext">
+                <p:cond evt="onNext" delay="0">
                   <p:tgtEl>
                     <p:sldTgt/>
                   </p:tgtEl>
@@ -4156,13 +4751,14 @@
 </file>
 
 <file path=ppt/slides/slide2.xml><?xml version="1.0" encoding="utf-8"?>
-<p:sld xmlns:a="http://schemas.openxmlformats.org/drawingml/2006/main" xmlns:p="http://schemas.openxmlformats.org/presentationml/2006/main" xmlns:r="http://schemas.openxmlformats.org/officeDocument/2006/relationships" xmlns:p14="http://schemas.microsoft.com/office/powerpoint/2010/main" xmlns:p15="http://schemas.microsoft.com/office/powerpoint/2012/main" xmlns:mc="http://schemas.openxmlformats.org/markup-compatibility/2006">
+<p:sld xmlns:a="http://schemas.openxmlformats.org/drawingml/2006/main" xmlns:r="http://schemas.openxmlformats.org/officeDocument/2006/relationships" xmlns:p="http://schemas.openxmlformats.org/presentationml/2006/main">
   <p:cSld>
     <p:bg>
       <p:bgPr>
         <a:solidFill>
-          <a:srgbClr val="ffffff"/>
+          <a:srgbClr val="FFFFFF"/>
         </a:solidFill>
+        <a:effectLst/>
       </p:bgPr>
     </p:bg>
     <p:spTree>
@@ -4194,27 +4790,33 @@
             <a:avLst/>
           </a:prstGeom>
           <a:solidFill>
-            <a:srgbClr val="347c36"/>
+            <a:srgbClr val="347C36"/>
           </a:solidFill>
           <a:ln>
             <a:noFill/>
           </a:ln>
         </p:spPr>
         <p:style>
-          <a:lnRef idx="0"/>
-          <a:fillRef idx="0"/>
-          <a:effectRef idx="0"/>
+          <a:lnRef idx="0">
+            <a:scrgbClr r="0" g="0" b="0"/>
+          </a:lnRef>
+          <a:fillRef idx="0">
+            <a:scrgbClr r="0" g="0" b="0"/>
+          </a:fillRef>
+          <a:effectRef idx="0">
+            <a:scrgbClr r="0" g="0" b="0"/>
+          </a:effectRef>
           <a:fontRef idx="minor"/>
         </p:style>
       </p:sp>
       <p:pic>
         <p:nvPicPr>
-          <p:cNvPr id="90" name="Google Shape;89;p13" descr=""/>
+          <p:cNvPr id="90" name="Google Shape;89;p13"/>
           <p:cNvPicPr/>
           <p:nvPr/>
         </p:nvPicPr>
         <p:blipFill>
-          <a:blip r:embed="rId1"/>
+          <a:blip r:embed="rId2"/>
           <a:stretch/>
         </p:blipFill>
         <p:spPr>
@@ -4250,13 +4852,20 @@
           </a:ln>
         </p:spPr>
         <p:style>
-          <a:lnRef idx="0"/>
-          <a:fillRef idx="0"/>
-          <a:effectRef idx="0"/>
+          <a:lnRef idx="0">
+            <a:scrgbClr r="0" g="0" b="0"/>
+          </a:lnRef>
+          <a:fillRef idx="0">
+            <a:scrgbClr r="0" g="0" b="0"/>
+          </a:fillRef>
+          <a:effectRef idx="0">
+            <a:scrgbClr r="0" g="0" b="0"/>
+          </a:effectRef>
           <a:fontRef idx="minor"/>
         </p:style>
         <p:txBody>
           <a:bodyPr/>
+          <a:lstStyle/>
           <a:p>
             <a:pPr algn="ctr">
               <a:lnSpc>
@@ -4265,16 +4874,16 @@
             </a:pPr>
             <a:br/>
             <a:r>
-              <a:rPr b="1" lang="pt-BR" sz="3200" spc="-1" strike="noStrike">
+              <a:rPr lang="pt-BR" sz="3200" b="1" strike="noStrike" spc="-1">
                 <a:solidFill>
-                  <a:srgbClr val="8dc641"/>
+                  <a:srgbClr val="8DC641"/>
                 </a:solidFill>
                 <a:latin typeface="Arial"/>
                 <a:ea typeface="Arial"/>
               </a:rPr>
               <a:t>Prática  de análise de sistemas</a:t>
             </a:r>
-            <a:endParaRPr b="0" lang="pt-BR" sz="3200" spc="-1" strike="noStrike">
+            <a:endParaRPr lang="pt-BR" sz="3200" b="0" strike="noStrike" spc="-1">
               <a:latin typeface="Arial"/>
             </a:endParaRPr>
           </a:p>
@@ -4284,7 +4893,7 @@
                 <a:spcPct val="100000"/>
               </a:lnSpc>
             </a:pPr>
-            <a:endParaRPr b="0" lang="pt-BR" sz="3200" spc="-1" strike="noStrike">
+            <a:endParaRPr lang="pt-BR" sz="3200" b="0" strike="noStrike" spc="-1">
               <a:latin typeface="Arial"/>
             </a:endParaRPr>
           </a:p>
@@ -4310,13 +4919,20 @@
           </a:ln>
         </p:spPr>
         <p:style>
-          <a:lnRef idx="0"/>
-          <a:fillRef idx="0"/>
-          <a:effectRef idx="0"/>
+          <a:lnRef idx="0">
+            <a:scrgbClr r="0" g="0" b="0"/>
+          </a:lnRef>
+          <a:fillRef idx="0">
+            <a:scrgbClr r="0" g="0" b="0"/>
+          </a:fillRef>
+          <a:effectRef idx="0">
+            <a:scrgbClr r="0" g="0" b="0"/>
+          </a:effectRef>
           <a:fontRef idx="minor"/>
         </p:style>
         <p:txBody>
           <a:bodyPr/>
+          <a:lstStyle/>
           <a:p>
             <a:pPr algn="ctr">
               <a:lnSpc>
@@ -4324,26 +4940,16 @@
               </a:lnSpc>
             </a:pPr>
             <a:r>
-              <a:rPr b="1" lang="pt-BR" sz="1500" spc="-1" strike="noStrike">
+              <a:rPr lang="pt-BR" sz="1500" b="1" strike="noStrike" spc="-1">
                 <a:solidFill>
-                  <a:srgbClr val="8dc641"/>
+                  <a:srgbClr val="8DC641"/>
                 </a:solidFill>
                 <a:latin typeface="Arial"/>
                 <a:ea typeface="Arial"/>
               </a:rPr>
-              <a:t> </a:t>
+              <a:t> Fabio Vasques, Gieder Loreto</a:t>
             </a:r>
-            <a:r>
-              <a:rPr b="1" lang="pt-BR" sz="1500" spc="-1" strike="noStrike">
-                <a:solidFill>
-                  <a:srgbClr val="8dc641"/>
-                </a:solidFill>
-                <a:latin typeface="Arial"/>
-                <a:ea typeface="Arial"/>
-              </a:rPr>
-              <a:t>Fabio Vasques, Gieder Loreto</a:t>
-            </a:r>
-            <a:endParaRPr b="0" lang="pt-BR" sz="1500" spc="-1" strike="noStrike">
+            <a:endParaRPr lang="pt-BR" sz="1500" b="0" strike="noStrike" spc="-1">
               <a:latin typeface="Arial"/>
             </a:endParaRPr>
           </a:p>
@@ -4351,12 +4957,12 @@
       </p:sp>
       <p:pic>
         <p:nvPicPr>
-          <p:cNvPr id="93" name="Google Shape;92;p13" descr=""/>
+          <p:cNvPr id="93" name="Google Shape;92;p13"/>
           <p:cNvPicPr/>
           <p:nvPr/>
         </p:nvPicPr>
         <p:blipFill>
-          <a:blip r:embed="rId2"/>
+          <a:blip r:embed="rId3"/>
           <a:stretch/>
         </p:blipFill>
         <p:spPr>
@@ -4392,29 +4998,30 @@
           </a:ln>
         </p:spPr>
         <p:txBody>
-          <a:bodyPr lIns="90000" rIns="90000" tIns="45000" bIns="45000"/>
+          <a:bodyPr lIns="90000" tIns="45000" rIns="90000" bIns="45000"/>
+          <a:lstStyle/>
           <a:p>
             <a:pPr algn="ctr">
               <a:lnSpc>
                 <a:spcPct val="100000"/>
               </a:lnSpc>
             </a:pPr>
-            <a:endParaRPr b="1" lang="pt-BR" sz="1800" spc="-1" strike="noStrike">
+            <a:endParaRPr lang="pt-BR" sz="1800" b="1" strike="noStrike" spc="-1">
               <a:latin typeface="Arial"/>
             </a:endParaRPr>
           </a:p>
           <a:p>
             <a:r>
-              <a:rPr b="1" lang="pt-BR" sz="2000" spc="-1" strike="noStrike">
+              <a:rPr lang="pt-BR" sz="2000" b="1" strike="noStrike" spc="-1">
                 <a:solidFill>
-                  <a:srgbClr val="8dc641"/>
+                  <a:srgbClr val="8DC641"/>
                 </a:solidFill>
                 <a:latin typeface="Arial"/>
                 <a:ea typeface="Arial"/>
               </a:rPr>
               <a:t>Processo (etapas de desenvolvimento)</a:t>
             </a:r>
-            <a:endParaRPr b="1" lang="pt-BR" sz="2000" spc="-1" strike="noStrike">
+            <a:endParaRPr lang="pt-BR" sz="2000" b="1" strike="noStrike" spc="-1">
               <a:latin typeface="Arial"/>
             </a:endParaRPr>
           </a:p>
@@ -4440,24 +5047,19 @@
           </a:ln>
         </p:spPr>
         <p:txBody>
-          <a:bodyPr lIns="90000" rIns="90000" tIns="45000" bIns="45000"/>
+          <a:bodyPr lIns="90000" tIns="45000" rIns="90000" bIns="45000"/>
+          <a:lstStyle/>
           <a:p>
             <a:pPr algn="just"/>
             <a:r>
-              <a:rPr b="1" lang="pt-BR" sz="1800" spc="-1" strike="noStrike">
+              <a:rPr lang="pt-BR" sz="1800" b="1" strike="noStrike" spc="-1">
                 <a:solidFill>
-                  <a:srgbClr val="62a73b"/>
+                  <a:srgbClr val="62A73B"/>
                 </a:solidFill>
                 <a:latin typeface="Arial"/>
               </a:rPr>
               <a:t>.</a:t>
             </a:r>
-            <a:endParaRPr b="1" lang="pt-BR" sz="1800" spc="-1" strike="noStrike">
-              <a:solidFill>
-                <a:srgbClr val="62a73b"/>
-              </a:solidFill>
-              <a:latin typeface="Arial"/>
-            </a:endParaRPr>
           </a:p>
         </p:txBody>
       </p:sp>
@@ -4481,7 +5083,8 @@
           </a:ln>
         </p:spPr>
         <p:txBody>
-          <a:bodyPr lIns="90000" rIns="90000" tIns="45000" bIns="45000"/>
+          <a:bodyPr lIns="90000" tIns="45000" rIns="90000" bIns="45000"/>
+          <a:lstStyle/>
           <a:p>
             <a:pPr algn="just">
               <a:lnSpc>
@@ -4489,15 +5092,15 @@
               </a:lnSpc>
             </a:pPr>
             <a:r>
-              <a:rPr b="1" lang="pt-BR" sz="1800" spc="-1" strike="noStrike">
+              <a:rPr lang="pt-BR" sz="1800" b="1" strike="noStrike" spc="-1">
                 <a:solidFill>
-                  <a:srgbClr val="62a73b"/>
+                  <a:srgbClr val="62A73B"/>
                 </a:solidFill>
                 <a:latin typeface="Arial"/>
               </a:rPr>
               <a:t>-Será feito o levantamento de requisitos e todas as necessidades que o sistema precisa ter.</a:t>
             </a:r>
-            <a:endParaRPr b="1" lang="pt-BR" sz="1800" spc="-1" strike="noStrike">
+            <a:endParaRPr lang="pt-BR" sz="1800" b="1" strike="noStrike" spc="-1">
               <a:latin typeface="Arial"/>
             </a:endParaRPr>
           </a:p>
@@ -4508,15 +5111,15 @@
               </a:lnSpc>
             </a:pPr>
             <a:r>
-              <a:rPr b="1" lang="pt-BR" sz="1800" spc="-1" strike="noStrike">
+              <a:rPr lang="pt-BR" sz="1800" b="1" strike="noStrike" spc="-1">
                 <a:solidFill>
-                  <a:srgbClr val="62a73b"/>
+                  <a:srgbClr val="62A73B"/>
                 </a:solidFill>
                 <a:latin typeface="Arial"/>
               </a:rPr>
               <a:t>-Depois iremos para a fase de planejamento onde definiremos as estimativas, cronograma e</a:t>
             </a:r>
-            <a:endParaRPr b="1" lang="pt-BR" sz="1800" spc="-1" strike="noStrike">
+            <a:endParaRPr lang="pt-BR" sz="1800" b="1" strike="noStrike" spc="-1">
               <a:latin typeface="Arial"/>
             </a:endParaRPr>
           </a:p>
@@ -4527,24 +5130,15 @@
               </a:lnSpc>
             </a:pPr>
             <a:r>
-              <a:rPr b="1" lang="pt-BR" sz="1800" spc="-1" strike="noStrike">
+              <a:rPr lang="pt-BR" sz="1800" b="1" strike="noStrike" spc="-1">
                 <a:solidFill>
-                  <a:srgbClr val="62a73b"/>
+                  <a:srgbClr val="62A73B"/>
                 </a:solidFill>
                 <a:latin typeface="Arial"/>
               </a:rPr>
-              <a:t> </a:t>
+              <a:t> o acompanhamento.</a:t>
             </a:r>
-            <a:r>
-              <a:rPr b="1" lang="pt-BR" sz="1800" spc="-1" strike="noStrike">
-                <a:solidFill>
-                  <a:srgbClr val="62a73b"/>
-                </a:solidFill>
-                <a:latin typeface="Arial"/>
-              </a:rPr>
-              <a:t>o acompanhamento.</a:t>
-            </a:r>
-            <a:endParaRPr b="1" lang="pt-BR" sz="1800" spc="-1" strike="noStrike">
+            <a:endParaRPr lang="pt-BR" sz="1800" b="1" strike="noStrike" spc="-1">
               <a:latin typeface="Arial"/>
             </a:endParaRPr>
           </a:p>
@@ -4555,15 +5149,15 @@
               </a:lnSpc>
             </a:pPr>
             <a:r>
-              <a:rPr b="1" lang="pt-BR" sz="1800" spc="-1" strike="noStrike">
+              <a:rPr lang="pt-BR" sz="1800" b="1" strike="noStrike" spc="-1">
                 <a:solidFill>
-                  <a:srgbClr val="62a73b"/>
+                  <a:srgbClr val="62A73B"/>
                 </a:solidFill>
                 <a:latin typeface="Arial"/>
               </a:rPr>
               <a:t>-Após isso partiremos para a modelagem onde será feito a análise do projeto</a:t>
             </a:r>
-            <a:endParaRPr b="1" lang="pt-BR" sz="1800" spc="-1" strike="noStrike">
+            <a:endParaRPr lang="pt-BR" sz="1800" b="1" strike="noStrike" spc="-1">
               <a:latin typeface="Arial"/>
             </a:endParaRPr>
           </a:p>
@@ -4574,30 +5168,30 @@
               </a:lnSpc>
             </a:pPr>
             <a:r>
-              <a:rPr b="1" lang="pt-BR" sz="1800" spc="-1" strike="noStrike">
+              <a:rPr lang="pt-BR" sz="1800" b="1" strike="noStrike" spc="-1">
                 <a:solidFill>
-                  <a:srgbClr val="62a73b"/>
+                  <a:srgbClr val="62A73B"/>
                 </a:solidFill>
                 <a:latin typeface="Arial"/>
               </a:rPr>
               <a:t>-Depois chegaremos a fase da codificação e testes.</a:t>
             </a:r>
-            <a:endParaRPr b="1" lang="pt-BR" sz="1800" spc="-1" strike="noStrike">
+            <a:endParaRPr lang="pt-BR" sz="1800" b="1" strike="noStrike" spc="-1">
               <a:latin typeface="Arial"/>
             </a:endParaRPr>
           </a:p>
           <a:p>
             <a:pPr algn="just"/>
             <a:r>
-              <a:rPr b="1" lang="pt-BR" sz="1800" spc="-1" strike="noStrike">
+              <a:rPr lang="pt-BR" sz="1800" b="1" strike="noStrike" spc="-1">
                 <a:solidFill>
-                  <a:srgbClr val="62a73b"/>
+                  <a:srgbClr val="62A73B"/>
                 </a:solidFill>
                 <a:latin typeface="Arial"/>
               </a:rPr>
               <a:t>-por ultimo a entrega do projeto final.</a:t>
             </a:r>
-            <a:endParaRPr b="1" lang="pt-BR" sz="1800" spc="-1" strike="noStrike">
+            <a:endParaRPr lang="pt-BR" sz="1800" b="1" strike="noStrike" spc="-1">
               <a:latin typeface="Arial"/>
             </a:endParaRPr>
           </a:p>
@@ -4605,22 +5199,25 @@
       </p:sp>
     </p:spTree>
   </p:cSld>
+  <p:clrMapOvr>
+    <a:masterClrMapping/>
+  </p:clrMapOvr>
   <p:timing>
     <p:tnLst>
       <p:par>
-        <p:cTn id="3" dur="indefinite" restart="never" nodeType="tmRoot">
+        <p:cTn id="1" dur="indefinite" restart="never" nodeType="tmRoot">
           <p:childTnLst>
             <p:seq>
-              <p:cTn id="4" dur="indefinite" nodeType="mainSeq"/>
+              <p:cTn id="2" dur="indefinite" nodeType="mainSeq"/>
               <p:prevCondLst>
-                <p:cond delay="0" evt="onPrev">
+                <p:cond evt="onPrev" delay="0">
                   <p:tgtEl>
                     <p:sldTgt/>
                   </p:tgtEl>
                 </p:cond>
               </p:prevCondLst>
               <p:nextCondLst>
-                <p:cond delay="0" evt="onNext">
+                <p:cond evt="onNext" delay="0">
                   <p:tgtEl>
                     <p:sldTgt/>
                   </p:tgtEl>
@@ -4636,13 +5233,14 @@
 </file>
 
 <file path=ppt/slides/slide3.xml><?xml version="1.0" encoding="utf-8"?>
-<p:sld xmlns:a="http://schemas.openxmlformats.org/drawingml/2006/main" xmlns:p="http://schemas.openxmlformats.org/presentationml/2006/main" xmlns:r="http://schemas.openxmlformats.org/officeDocument/2006/relationships" xmlns:p14="http://schemas.microsoft.com/office/powerpoint/2010/main" xmlns:p15="http://schemas.microsoft.com/office/powerpoint/2012/main" xmlns:mc="http://schemas.openxmlformats.org/markup-compatibility/2006">
+<p:sld xmlns:a="http://schemas.openxmlformats.org/drawingml/2006/main" xmlns:r="http://schemas.openxmlformats.org/officeDocument/2006/relationships" xmlns:p="http://schemas.openxmlformats.org/presentationml/2006/main">
   <p:cSld>
     <p:bg>
       <p:bgPr>
         <a:solidFill>
-          <a:srgbClr val="ffffff"/>
+          <a:srgbClr val="FFFFFF"/>
         </a:solidFill>
+        <a:effectLst/>
       </p:bgPr>
     </p:bg>
     <p:spTree>
@@ -4674,27 +5272,33 @@
             <a:avLst/>
           </a:prstGeom>
           <a:solidFill>
-            <a:srgbClr val="347c36"/>
+            <a:srgbClr val="347C36"/>
           </a:solidFill>
           <a:ln>
             <a:noFill/>
           </a:ln>
         </p:spPr>
         <p:style>
-          <a:lnRef idx="0"/>
-          <a:fillRef idx="0"/>
-          <a:effectRef idx="0"/>
+          <a:lnRef idx="0">
+            <a:scrgbClr r="0" g="0" b="0"/>
+          </a:lnRef>
+          <a:fillRef idx="0">
+            <a:scrgbClr r="0" g="0" b="0"/>
+          </a:fillRef>
+          <a:effectRef idx="0">
+            <a:scrgbClr r="0" g="0" b="0"/>
+          </a:effectRef>
           <a:fontRef idx="minor"/>
         </p:style>
       </p:sp>
       <p:pic>
         <p:nvPicPr>
-          <p:cNvPr id="98" name="Google Shape;89;p13" descr=""/>
+          <p:cNvPr id="98" name="Google Shape;89;p13"/>
           <p:cNvPicPr/>
           <p:nvPr/>
         </p:nvPicPr>
         <p:blipFill>
-          <a:blip r:embed="rId1"/>
+          <a:blip r:embed="rId2"/>
           <a:stretch/>
         </p:blipFill>
         <p:spPr>
@@ -4730,13 +5334,20 @@
           </a:ln>
         </p:spPr>
         <p:style>
-          <a:lnRef idx="0"/>
-          <a:fillRef idx="0"/>
-          <a:effectRef idx="0"/>
+          <a:lnRef idx="0">
+            <a:scrgbClr r="0" g="0" b="0"/>
+          </a:lnRef>
+          <a:fillRef idx="0">
+            <a:scrgbClr r="0" g="0" b="0"/>
+          </a:fillRef>
+          <a:effectRef idx="0">
+            <a:scrgbClr r="0" g="0" b="0"/>
+          </a:effectRef>
           <a:fontRef idx="minor"/>
         </p:style>
         <p:txBody>
           <a:bodyPr/>
+          <a:lstStyle/>
           <a:p>
             <a:pPr algn="ctr">
               <a:lnSpc>
@@ -4745,16 +5356,16 @@
             </a:pPr>
             <a:br/>
             <a:r>
-              <a:rPr b="1" lang="pt-BR" sz="3200" spc="-1" strike="noStrike">
+              <a:rPr lang="pt-BR" sz="3200" b="1" strike="noStrike" spc="-1">
                 <a:solidFill>
-                  <a:srgbClr val="8dc641"/>
+                  <a:srgbClr val="8DC641"/>
                 </a:solidFill>
                 <a:latin typeface="Arial"/>
                 <a:ea typeface="Arial"/>
               </a:rPr>
               <a:t>Prática  de análise de sistemas</a:t>
             </a:r>
-            <a:endParaRPr b="0" lang="pt-BR" sz="3200" spc="-1" strike="noStrike">
+            <a:endParaRPr lang="pt-BR" sz="3200" b="0" strike="noStrike" spc="-1">
               <a:latin typeface="Arial"/>
             </a:endParaRPr>
           </a:p>
@@ -4764,7 +5375,7 @@
                 <a:spcPct val="100000"/>
               </a:lnSpc>
             </a:pPr>
-            <a:endParaRPr b="0" lang="pt-BR" sz="3200" spc="-1" strike="noStrike">
+            <a:endParaRPr lang="pt-BR" sz="3200" b="0" strike="noStrike" spc="-1">
               <a:latin typeface="Arial"/>
             </a:endParaRPr>
           </a:p>
@@ -4790,13 +5401,20 @@
           </a:ln>
         </p:spPr>
         <p:style>
-          <a:lnRef idx="0"/>
-          <a:fillRef idx="0"/>
-          <a:effectRef idx="0"/>
+          <a:lnRef idx="0">
+            <a:scrgbClr r="0" g="0" b="0"/>
+          </a:lnRef>
+          <a:fillRef idx="0">
+            <a:scrgbClr r="0" g="0" b="0"/>
+          </a:fillRef>
+          <a:effectRef idx="0">
+            <a:scrgbClr r="0" g="0" b="0"/>
+          </a:effectRef>
           <a:fontRef idx="minor"/>
         </p:style>
         <p:txBody>
           <a:bodyPr/>
+          <a:lstStyle/>
           <a:p>
             <a:pPr algn="ctr">
               <a:lnSpc>
@@ -4804,26 +5422,16 @@
               </a:lnSpc>
             </a:pPr>
             <a:r>
-              <a:rPr b="1" lang="pt-BR" sz="1500" spc="-1" strike="noStrike">
+              <a:rPr lang="pt-BR" sz="1500" b="1" strike="noStrike" spc="-1">
                 <a:solidFill>
-                  <a:srgbClr val="8dc641"/>
+                  <a:srgbClr val="8DC641"/>
                 </a:solidFill>
                 <a:latin typeface="Arial"/>
                 <a:ea typeface="Arial"/>
               </a:rPr>
-              <a:t> </a:t>
+              <a:t> Fabio Vasques, Gieder Loreto</a:t>
             </a:r>
-            <a:r>
-              <a:rPr b="1" lang="pt-BR" sz="1500" spc="-1" strike="noStrike">
-                <a:solidFill>
-                  <a:srgbClr val="8dc641"/>
-                </a:solidFill>
-                <a:latin typeface="Arial"/>
-                <a:ea typeface="Arial"/>
-              </a:rPr>
-              <a:t>Fabio Vasques, Gieder Loreto</a:t>
-            </a:r>
-            <a:endParaRPr b="0" lang="pt-BR" sz="1500" spc="-1" strike="noStrike">
+            <a:endParaRPr lang="pt-BR" sz="1500" b="0" strike="noStrike" spc="-1">
               <a:latin typeface="Arial"/>
             </a:endParaRPr>
           </a:p>
@@ -4831,12 +5439,12 @@
       </p:sp>
       <p:pic>
         <p:nvPicPr>
-          <p:cNvPr id="101" name="Google Shape;92;p13" descr=""/>
+          <p:cNvPr id="101" name="Google Shape;92;p13"/>
           <p:cNvPicPr/>
           <p:nvPr/>
         </p:nvPicPr>
         <p:blipFill>
-          <a:blip r:embed="rId2"/>
+          <a:blip r:embed="rId3"/>
           <a:stretch/>
         </p:blipFill>
         <p:spPr>
@@ -4872,39 +5480,30 @@
           </a:ln>
         </p:spPr>
         <p:txBody>
-          <a:bodyPr lIns="90000" rIns="90000" tIns="45000" bIns="45000"/>
+          <a:bodyPr lIns="90000" tIns="45000" rIns="90000" bIns="45000"/>
+          <a:lstStyle/>
           <a:p>
             <a:pPr algn="ctr">
               <a:lnSpc>
                 <a:spcPct val="100000"/>
               </a:lnSpc>
             </a:pPr>
-            <a:endParaRPr b="1" lang="pt-BR" sz="1800" spc="-1" strike="noStrike">
+            <a:endParaRPr lang="pt-BR" sz="1800" b="1" strike="noStrike" spc="-1">
               <a:latin typeface="Arial"/>
             </a:endParaRPr>
           </a:p>
           <a:p>
             <a:r>
-              <a:rPr b="1" lang="pt-BR" sz="2000" spc="-1" strike="noStrike">
+              <a:rPr lang="pt-BR" sz="2000" b="1" strike="noStrike" spc="-1">
                 <a:solidFill>
-                  <a:srgbClr val="8dc641"/>
+                  <a:srgbClr val="8DC641"/>
                 </a:solidFill>
                 <a:latin typeface="Arial"/>
                 <a:ea typeface="Arial"/>
               </a:rPr>
-              <a:t>Processo (etapas de </a:t>
+              <a:t>Processo (etapas de desenvolvimento)</a:t>
             </a:r>
-            <a:r>
-              <a:rPr b="1" lang="pt-BR" sz="2000" spc="-1" strike="noStrike">
-                <a:solidFill>
-                  <a:srgbClr val="8dc641"/>
-                </a:solidFill>
-                <a:latin typeface="Arial"/>
-                <a:ea typeface="Arial"/>
-              </a:rPr>
-              <a:t>desenvolvimento)</a:t>
-            </a:r>
-            <a:endParaRPr b="1" lang="pt-BR" sz="2000" spc="-1" strike="noStrike">
+            <a:endParaRPr lang="pt-BR" sz="2000" b="1" strike="noStrike" spc="-1">
               <a:latin typeface="Arial"/>
             </a:endParaRPr>
           </a:p>
@@ -4930,24 +5529,19 @@
           </a:ln>
         </p:spPr>
         <p:txBody>
-          <a:bodyPr lIns="90000" rIns="90000" tIns="45000" bIns="45000"/>
+          <a:bodyPr lIns="90000" tIns="45000" rIns="90000" bIns="45000"/>
+          <a:lstStyle/>
           <a:p>
             <a:pPr algn="just"/>
             <a:r>
-              <a:rPr b="1" lang="pt-BR" sz="1800" spc="-1" strike="noStrike">
+              <a:rPr lang="pt-BR" sz="1800" b="1" strike="noStrike" spc="-1">
                 <a:solidFill>
-                  <a:srgbClr val="62a73b"/>
+                  <a:srgbClr val="62A73B"/>
                 </a:solidFill>
                 <a:latin typeface="Arial"/>
               </a:rPr>
               <a:t>.</a:t>
             </a:r>
-            <a:endParaRPr b="1" lang="pt-BR" sz="1800" spc="-1" strike="noStrike">
-              <a:solidFill>
-                <a:srgbClr val="62a73b"/>
-              </a:solidFill>
-              <a:latin typeface="Arial"/>
-            </a:endParaRPr>
           </a:p>
         </p:txBody>
       </p:sp>
@@ -4969,13 +5563,19 @@
             <a:solidFill>
               <a:srgbClr val="000000"/>
             </a:solidFill>
-            <a:tailEnd len="med" type="triangle" w="med"/>
+            <a:tailEnd type="triangle" w="med" len="med"/>
           </a:ln>
         </p:spPr>
         <p:style>
-          <a:lnRef idx="0"/>
-          <a:fillRef idx="0"/>
-          <a:effectRef idx="0"/>
+          <a:lnRef idx="0">
+            <a:scrgbClr r="0" g="0" b="0"/>
+          </a:lnRef>
+          <a:fillRef idx="0">
+            <a:scrgbClr r="0" g="0" b="0"/>
+          </a:fillRef>
+          <a:effectRef idx="0">
+            <a:scrgbClr r="0" g="0" b="0"/>
+          </a:effectRef>
           <a:fontRef idx="minor"/>
         </p:style>
       </p:sp>
@@ -5008,6 +5608,7 @@
               <a:avLst/>
               <a:gdLst/>
               <a:ahLst/>
+              <a:cxnLst/>
               <a:rect l="0" t="0" r="r" b="b"/>
               <a:pathLst>
                 <a:path w="3402" h="2102">
@@ -5052,14 +5653,20 @@
             <a:noFill/>
             <a:ln>
               <a:solidFill>
-                <a:srgbClr val="3465a4"/>
+                <a:srgbClr val="3465A4"/>
               </a:solidFill>
             </a:ln>
           </p:spPr>
           <p:style>
-            <a:lnRef idx="0"/>
-            <a:fillRef idx="0"/>
-            <a:effectRef idx="0"/>
+            <a:lnRef idx="0">
+              <a:scrgbClr r="0" g="0" b="0"/>
+            </a:lnRef>
+            <a:fillRef idx="0">
+              <a:scrgbClr r="0" g="0" b="0"/>
+            </a:fillRef>
+            <a:effectRef idx="0">
+              <a:scrgbClr r="0" g="0" b="0"/>
+            </a:effectRef>
             <a:fontRef idx="minor"/>
           </p:style>
         </p:sp>
@@ -5103,41 +5710,33 @@
             </a:ln>
           </p:spPr>
           <p:txBody>
-            <a:bodyPr lIns="90000" rIns="90000" tIns="45000" bIns="45000"/>
+            <a:bodyPr lIns="90000" tIns="45000" rIns="90000" bIns="45000"/>
+            <a:lstStyle/>
             <a:p>
               <a:r>
-                <a:rPr b="1" lang="pt-BR" sz="1000" spc="-1" strike="noStrike">
+                <a:rPr lang="pt-BR" sz="1000" b="1" strike="noStrike" spc="-1">
                   <a:solidFill>
-                    <a:srgbClr val="89c765"/>
+                    <a:srgbClr val="89C765"/>
                   </a:solidFill>
                   <a:latin typeface="Arial"/>
                 </a:rPr>
                 <a:t>-Levantamento</a:t>
               </a:r>
-              <a:endParaRPr b="1" lang="pt-BR" sz="1000" spc="-1" strike="noStrike">
+              <a:endParaRPr lang="pt-BR" sz="1000" b="1" strike="noStrike" spc="-1">
                 <a:latin typeface="Arial"/>
               </a:endParaRPr>
             </a:p>
             <a:p>
               <a:r>
-                <a:rPr b="1" lang="pt-BR" sz="1000" spc="-1" strike="noStrike">
+                <a:rPr lang="pt-BR" sz="1000" b="1" strike="noStrike" spc="-1">
                   <a:solidFill>
-                    <a:srgbClr val="89c765"/>
+                    <a:srgbClr val="89C765"/>
                   </a:solidFill>
                   <a:latin typeface="Arial"/>
                 </a:rPr>
-                <a:t> </a:t>
+                <a:t> de requisitos</a:t>
               </a:r>
-              <a:r>
-                <a:rPr b="1" lang="pt-BR" sz="1000" spc="-1" strike="noStrike">
-                  <a:solidFill>
-                    <a:srgbClr val="89c765"/>
-                  </a:solidFill>
-                  <a:latin typeface="Arial"/>
-                </a:rPr>
-                <a:t>de requisitos</a:t>
-              </a:r>
-              <a:endParaRPr b="1" lang="pt-BR" sz="1000" spc="-1" strike="noStrike">
+              <a:endParaRPr lang="pt-BR" sz="1000" b="1" strike="noStrike" spc="-1">
                 <a:latin typeface="Arial"/>
               </a:endParaRPr>
             </a:p>
@@ -5162,13 +5761,19 @@
             <a:solidFill>
               <a:srgbClr val="000000"/>
             </a:solidFill>
-            <a:tailEnd len="med" type="triangle" w="med"/>
+            <a:tailEnd type="triangle" w="med" len="med"/>
           </a:ln>
         </p:spPr>
         <p:style>
-          <a:lnRef idx="0"/>
-          <a:fillRef idx="0"/>
-          <a:effectRef idx="0"/>
+          <a:lnRef idx="0">
+            <a:scrgbClr r="0" g="0" b="0"/>
+          </a:lnRef>
+          <a:fillRef idx="0">
+            <a:scrgbClr r="0" g="0" b="0"/>
+          </a:fillRef>
+          <a:effectRef idx="0">
+            <a:scrgbClr r="0" g="0" b="0"/>
+          </a:effectRef>
           <a:fontRef idx="minor"/>
         </p:style>
       </p:sp>
@@ -5201,6 +5806,7 @@
               <a:avLst/>
               <a:gdLst/>
               <a:ahLst/>
+              <a:cxnLst/>
               <a:rect l="0" t="0" r="r" b="b"/>
               <a:pathLst>
                 <a:path w="3402" h="2102">
@@ -5245,14 +5851,20 @@
             <a:noFill/>
             <a:ln>
               <a:solidFill>
-                <a:srgbClr val="3465a4"/>
+                <a:srgbClr val="3465A4"/>
               </a:solidFill>
             </a:ln>
           </p:spPr>
           <p:style>
-            <a:lnRef idx="0"/>
-            <a:fillRef idx="0"/>
-            <a:effectRef idx="0"/>
+            <a:lnRef idx="0">
+              <a:scrgbClr r="0" g="0" b="0"/>
+            </a:lnRef>
+            <a:fillRef idx="0">
+              <a:scrgbClr r="0" g="0" b="0"/>
+            </a:fillRef>
+            <a:effectRef idx="0">
+              <a:scrgbClr r="0" g="0" b="0"/>
+            </a:effectRef>
             <a:fontRef idx="minor"/>
           </p:style>
         </p:sp>
@@ -5296,46 +5908,47 @@
             </a:ln>
           </p:spPr>
           <p:txBody>
-            <a:bodyPr lIns="90000" rIns="90000" tIns="45000" bIns="45000"/>
+            <a:bodyPr lIns="90000" tIns="45000" rIns="90000" bIns="45000"/>
+            <a:lstStyle/>
             <a:p>
               <a:r>
-                <a:rPr b="1" lang="pt-BR" sz="1000" spc="-1" strike="noStrike">
+                <a:rPr lang="pt-BR" sz="1000" b="1" strike="noStrike" spc="-1">
                   <a:solidFill>
-                    <a:srgbClr val="89c765"/>
+                    <a:srgbClr val="89C765"/>
                   </a:solidFill>
                   <a:latin typeface="Arial"/>
                 </a:rPr>
                 <a:t>-Planejamento</a:t>
               </a:r>
-              <a:endParaRPr b="1" lang="pt-BR" sz="1000" spc="-1" strike="noStrike">
+              <a:endParaRPr lang="pt-BR" sz="1000" b="1" strike="noStrike" spc="-1">
                 <a:latin typeface="Arial"/>
               </a:endParaRPr>
             </a:p>
             <a:p>
               <a:r>
-                <a:rPr b="1" lang="pt-BR" sz="1000" spc="-1" strike="noStrike">
+                <a:rPr lang="pt-BR" sz="1000" b="1" strike="noStrike" spc="-1">
                   <a:solidFill>
-                    <a:srgbClr val="89c765"/>
+                    <a:srgbClr val="89C765"/>
                   </a:solidFill>
                   <a:latin typeface="Arial"/>
                 </a:rPr>
                 <a:t>-Estimativas</a:t>
               </a:r>
-              <a:endParaRPr b="1" lang="pt-BR" sz="1000" spc="-1" strike="noStrike">
+              <a:endParaRPr lang="pt-BR" sz="1000" b="1" strike="noStrike" spc="-1">
                 <a:latin typeface="Arial"/>
               </a:endParaRPr>
             </a:p>
             <a:p>
               <a:r>
-                <a:rPr b="1" lang="pt-BR" sz="1000" spc="-1" strike="noStrike">
+                <a:rPr lang="pt-BR" sz="1000" b="1" strike="noStrike" spc="-1">
                   <a:solidFill>
-                    <a:srgbClr val="89c765"/>
+                    <a:srgbClr val="89C765"/>
                   </a:solidFill>
                   <a:latin typeface="Arial"/>
                 </a:rPr>
                 <a:t>-cronograma</a:t>
               </a:r>
-              <a:endParaRPr b="1" lang="pt-BR" sz="1000" spc="-1" strike="noStrike">
+              <a:endParaRPr lang="pt-BR" sz="1000" b="1" strike="noStrike" spc="-1">
                 <a:latin typeface="Arial"/>
               </a:endParaRPr>
             </a:p>
@@ -5360,13 +5973,19 @@
             <a:solidFill>
               <a:srgbClr val="000000"/>
             </a:solidFill>
-            <a:tailEnd len="med" type="triangle" w="med"/>
+            <a:tailEnd type="triangle" w="med" len="med"/>
           </a:ln>
         </p:spPr>
         <p:style>
-          <a:lnRef idx="0"/>
-          <a:fillRef idx="0"/>
-          <a:effectRef idx="0"/>
+          <a:lnRef idx="0">
+            <a:scrgbClr r="0" g="0" b="0"/>
+          </a:lnRef>
+          <a:fillRef idx="0">
+            <a:scrgbClr r="0" g="0" b="0"/>
+          </a:fillRef>
+          <a:effectRef idx="0">
+            <a:scrgbClr r="0" g="0" b="0"/>
+          </a:effectRef>
           <a:fontRef idx="minor"/>
         </p:style>
       </p:sp>
@@ -5399,6 +6018,7 @@
               <a:avLst/>
               <a:gdLst/>
               <a:ahLst/>
+              <a:cxnLst/>
               <a:rect l="0" t="0" r="r" b="b"/>
               <a:pathLst>
                 <a:path w="3402" h="2102">
@@ -5443,14 +6063,20 @@
             <a:noFill/>
             <a:ln>
               <a:solidFill>
-                <a:srgbClr val="3465a4"/>
+                <a:srgbClr val="3465A4"/>
               </a:solidFill>
             </a:ln>
           </p:spPr>
           <p:style>
-            <a:lnRef idx="0"/>
-            <a:fillRef idx="0"/>
-            <a:effectRef idx="0"/>
+            <a:lnRef idx="0">
+              <a:scrgbClr r="0" g="0" b="0"/>
+            </a:lnRef>
+            <a:fillRef idx="0">
+              <a:scrgbClr r="0" g="0" b="0"/>
+            </a:fillRef>
+            <a:effectRef idx="0">
+              <a:scrgbClr r="0" g="0" b="0"/>
+            </a:effectRef>
             <a:fontRef idx="minor"/>
           </p:style>
         </p:sp>
@@ -5494,55 +6120,47 @@
             </a:ln>
           </p:spPr>
           <p:txBody>
-            <a:bodyPr lIns="90000" rIns="90000" tIns="45000" bIns="45000"/>
+            <a:bodyPr lIns="90000" tIns="45000" rIns="90000" bIns="45000"/>
+            <a:lstStyle/>
             <a:p>
               <a:r>
-                <a:rPr b="1" lang="pt-BR" sz="1000" spc="-1" strike="noStrike">
+                <a:rPr lang="pt-BR" sz="1000" b="1" strike="noStrike" spc="-1">
                   <a:solidFill>
-                    <a:srgbClr val="89c765"/>
+                    <a:srgbClr val="89C765"/>
                   </a:solidFill>
                   <a:latin typeface="Arial"/>
                 </a:rPr>
                 <a:t>-Modelagem</a:t>
               </a:r>
-              <a:endParaRPr b="1" lang="pt-BR" sz="1000" spc="-1" strike="noStrike">
+              <a:endParaRPr lang="pt-BR" sz="1000" b="1" strike="noStrike" spc="-1">
                 <a:latin typeface="Arial"/>
               </a:endParaRPr>
             </a:p>
             <a:p>
               <a:r>
-                <a:rPr b="1" lang="pt-BR" sz="1000" spc="-1" strike="noStrike">
+                <a:rPr lang="pt-BR" sz="1000" b="1" strike="noStrike" spc="-1">
                   <a:solidFill>
-                    <a:srgbClr val="89c765"/>
+                    <a:srgbClr val="89C765"/>
                   </a:solidFill>
                   <a:latin typeface="Arial"/>
                 </a:rPr>
                 <a:t>-Análise</a:t>
               </a:r>
-              <a:endParaRPr b="1" lang="pt-BR" sz="1000" spc="-1" strike="noStrike">
+              <a:endParaRPr lang="pt-BR" sz="1000" b="1" strike="noStrike" spc="-1">
                 <a:latin typeface="Arial"/>
               </a:endParaRPr>
             </a:p>
             <a:p>
               <a:r>
-                <a:rPr b="1" lang="pt-BR" sz="1000" spc="-1" strike="noStrike">
+                <a:rPr lang="pt-BR" sz="1000" b="1" strike="noStrike" spc="-1">
                   <a:solidFill>
-                    <a:srgbClr val="89c765"/>
+                    <a:srgbClr val="89C765"/>
                   </a:solidFill>
                   <a:latin typeface="Arial"/>
                 </a:rPr>
-                <a:t> </a:t>
+                <a:t> do projeto</a:t>
               </a:r>
-              <a:r>
-                <a:rPr b="1" lang="pt-BR" sz="1000" spc="-1" strike="noStrike">
-                  <a:solidFill>
-                    <a:srgbClr val="89c765"/>
-                  </a:solidFill>
-                  <a:latin typeface="Arial"/>
-                </a:rPr>
-                <a:t>do projeto</a:t>
-              </a:r>
-              <a:endParaRPr b="1" lang="pt-BR" sz="1000" spc="-1" strike="noStrike">
+              <a:endParaRPr lang="pt-BR" sz="1000" b="1" strike="noStrike" spc="-1">
                 <a:latin typeface="Arial"/>
               </a:endParaRPr>
             </a:p>
@@ -5567,13 +6185,19 @@
             <a:solidFill>
               <a:srgbClr val="000000"/>
             </a:solidFill>
-            <a:tailEnd len="med" type="triangle" w="med"/>
+            <a:tailEnd type="triangle" w="med" len="med"/>
           </a:ln>
         </p:spPr>
         <p:style>
-          <a:lnRef idx="0"/>
-          <a:fillRef idx="0"/>
-          <a:effectRef idx="0"/>
+          <a:lnRef idx="0">
+            <a:scrgbClr r="0" g="0" b="0"/>
+          </a:lnRef>
+          <a:fillRef idx="0">
+            <a:scrgbClr r="0" g="0" b="0"/>
+          </a:fillRef>
+          <a:effectRef idx="0">
+            <a:scrgbClr r="0" g="0" b="0"/>
+          </a:effectRef>
           <a:fontRef idx="minor"/>
         </p:style>
       </p:sp>
@@ -5606,6 +6230,7 @@
               <a:avLst/>
               <a:gdLst/>
               <a:ahLst/>
+              <a:cxnLst/>
               <a:rect l="0" t="0" r="r" b="b"/>
               <a:pathLst>
                 <a:path w="3402" h="2102">
@@ -5650,14 +6275,20 @@
             <a:noFill/>
             <a:ln>
               <a:solidFill>
-                <a:srgbClr val="3465a4"/>
+                <a:srgbClr val="3465A4"/>
               </a:solidFill>
             </a:ln>
           </p:spPr>
           <p:style>
-            <a:lnRef idx="0"/>
-            <a:fillRef idx="0"/>
-            <a:effectRef idx="0"/>
+            <a:lnRef idx="0">
+              <a:scrgbClr r="0" g="0" b="0"/>
+            </a:lnRef>
+            <a:fillRef idx="0">
+              <a:scrgbClr r="0" g="0" b="0"/>
+            </a:fillRef>
+            <a:effectRef idx="0">
+              <a:scrgbClr r="0" g="0" b="0"/>
+            </a:effectRef>
             <a:fontRef idx="minor"/>
           </p:style>
         </p:sp>
@@ -5701,32 +6332,33 @@
             </a:ln>
           </p:spPr>
           <p:txBody>
-            <a:bodyPr lIns="90000" rIns="90000" tIns="45000" bIns="45000"/>
+            <a:bodyPr lIns="90000" tIns="45000" rIns="90000" bIns="45000"/>
+            <a:lstStyle/>
             <a:p>
               <a:r>
-                <a:rPr b="1" lang="pt-BR" sz="1000" spc="-1" strike="noStrike">
+                <a:rPr lang="pt-BR" sz="1000" b="1" strike="noStrike" spc="-1">
                   <a:solidFill>
-                    <a:srgbClr val="89c765"/>
+                    <a:srgbClr val="89C765"/>
                   </a:solidFill>
                   <a:latin typeface="Arial"/>
                 </a:rPr>
                 <a:t>-Codificação</a:t>
               </a:r>
-              <a:endParaRPr b="1" lang="pt-BR" sz="1000" spc="-1" strike="noStrike">
+              <a:endParaRPr lang="pt-BR" sz="1000" b="1" strike="noStrike" spc="-1">
                 <a:latin typeface="Arial"/>
               </a:endParaRPr>
             </a:p>
             <a:p>
               <a:r>
-                <a:rPr b="1" lang="pt-BR" sz="1000" spc="-1" strike="noStrike">
+                <a:rPr lang="pt-BR" sz="1000" b="1" strike="noStrike" spc="-1">
                   <a:solidFill>
-                    <a:srgbClr val="89c765"/>
+                    <a:srgbClr val="89C765"/>
                   </a:solidFill>
                   <a:latin typeface="Arial"/>
                 </a:rPr>
                 <a:t>e testes</a:t>
               </a:r>
-              <a:endParaRPr b="1" lang="pt-BR" sz="1000" spc="-1" strike="noStrike">
+              <a:endParaRPr lang="pt-BR" sz="1000" b="1" strike="noStrike" spc="-1">
                 <a:latin typeface="Arial"/>
               </a:endParaRPr>
             </a:p>
@@ -5751,13 +6383,19 @@
             <a:solidFill>
               <a:srgbClr val="000000"/>
             </a:solidFill>
-            <a:tailEnd len="med" type="triangle" w="med"/>
+            <a:tailEnd type="triangle" w="med" len="med"/>
           </a:ln>
         </p:spPr>
         <p:style>
-          <a:lnRef idx="0"/>
-          <a:fillRef idx="0"/>
-          <a:effectRef idx="0"/>
+          <a:lnRef idx="0">
+            <a:scrgbClr r="0" g="0" b="0"/>
+          </a:lnRef>
+          <a:fillRef idx="0">
+            <a:scrgbClr r="0" g="0" b="0"/>
+          </a:fillRef>
+          <a:effectRef idx="0">
+            <a:scrgbClr r="0" g="0" b="0"/>
+          </a:effectRef>
           <a:fontRef idx="minor"/>
         </p:style>
       </p:sp>
@@ -5790,6 +6428,7 @@
               <a:avLst/>
               <a:gdLst/>
               <a:ahLst/>
+              <a:cxnLst/>
               <a:rect l="0" t="0" r="r" b="b"/>
               <a:pathLst>
                 <a:path w="3402" h="2102">
@@ -5834,14 +6473,20 @@
             <a:noFill/>
             <a:ln>
               <a:solidFill>
-                <a:srgbClr val="3465a4"/>
+                <a:srgbClr val="3465A4"/>
               </a:solidFill>
             </a:ln>
           </p:spPr>
           <p:style>
-            <a:lnRef idx="0"/>
-            <a:fillRef idx="0"/>
-            <a:effectRef idx="0"/>
+            <a:lnRef idx="0">
+              <a:scrgbClr r="0" g="0" b="0"/>
+            </a:lnRef>
+            <a:fillRef idx="0">
+              <a:scrgbClr r="0" g="0" b="0"/>
+            </a:fillRef>
+            <a:effectRef idx="0">
+              <a:scrgbClr r="0" g="0" b="0"/>
+            </a:effectRef>
             <a:fontRef idx="minor"/>
           </p:style>
         </p:sp>
@@ -5885,51 +6530,52 @@
             </a:ln>
           </p:spPr>
           <p:txBody>
-            <a:bodyPr lIns="90000" rIns="90000" tIns="45000" bIns="45000"/>
+            <a:bodyPr lIns="90000" tIns="45000" rIns="90000" bIns="45000"/>
+            <a:lstStyle/>
             <a:p>
               <a:r>
-                <a:rPr b="1" lang="pt-BR" sz="1000" spc="-1" strike="noStrike">
+                <a:rPr lang="pt-BR" sz="1000" b="1" strike="noStrike" spc="-1">
                   <a:solidFill>
-                    <a:srgbClr val="89c765"/>
+                    <a:srgbClr val="89C765"/>
                   </a:solidFill>
                   <a:latin typeface="Arial"/>
                 </a:rPr>
                 <a:t>-Entrega </a:t>
               </a:r>
-              <a:endParaRPr b="1" lang="pt-BR" sz="1000" spc="-1" strike="noStrike">
+              <a:endParaRPr lang="pt-BR" sz="1000" b="1" strike="noStrike" spc="-1">
                 <a:latin typeface="Arial"/>
               </a:endParaRPr>
             </a:p>
             <a:p>
               <a:r>
-                <a:rPr b="1" lang="pt-BR" sz="1000" spc="-1" strike="noStrike">
+                <a:rPr lang="pt-BR" sz="1000" b="1" strike="noStrike" spc="-1">
                   <a:solidFill>
-                    <a:srgbClr val="89c765"/>
+                    <a:srgbClr val="89C765"/>
                   </a:solidFill>
                   <a:latin typeface="Arial"/>
                 </a:rPr>
                 <a:t>do projeto </a:t>
               </a:r>
-              <a:endParaRPr b="1" lang="pt-BR" sz="1000" spc="-1" strike="noStrike">
+              <a:endParaRPr lang="pt-BR" sz="1000" b="1" strike="noStrike" spc="-1">
                 <a:latin typeface="Arial"/>
               </a:endParaRPr>
             </a:p>
             <a:p>
               <a:r>
-                <a:rPr b="1" lang="pt-BR" sz="1000" spc="-1" strike="noStrike">
+                <a:rPr lang="pt-BR" sz="1000" b="1" strike="noStrike" spc="-1">
                   <a:solidFill>
-                    <a:srgbClr val="89c765"/>
+                    <a:srgbClr val="89C765"/>
                   </a:solidFill>
                   <a:latin typeface="Arial"/>
                 </a:rPr>
                 <a:t>Final</a:t>
               </a:r>
-              <a:endParaRPr b="1" lang="pt-BR" sz="1000" spc="-1" strike="noStrike">
+              <a:endParaRPr lang="pt-BR" sz="1000" b="1" strike="noStrike" spc="-1">
                 <a:latin typeface="Arial"/>
               </a:endParaRPr>
             </a:p>
             <a:p>
-              <a:endParaRPr b="1" lang="pt-BR" sz="1000" spc="-1" strike="noStrike">
+              <a:endParaRPr lang="pt-BR" sz="1000" b="1" strike="noStrike" spc="-1">
                 <a:latin typeface="Arial"/>
               </a:endParaRPr>
             </a:p>
@@ -5938,22 +6584,25 @@
       </p:grpSp>
     </p:spTree>
   </p:cSld>
+  <p:clrMapOvr>
+    <a:masterClrMapping/>
+  </p:clrMapOvr>
   <p:timing>
     <p:tnLst>
       <p:par>
-        <p:cTn id="5" dur="indefinite" restart="never" nodeType="tmRoot">
+        <p:cTn id="1" dur="indefinite" restart="never" nodeType="tmRoot">
           <p:childTnLst>
             <p:seq>
-              <p:cTn id="6" dur="indefinite" nodeType="mainSeq"/>
+              <p:cTn id="2" dur="indefinite" nodeType="mainSeq"/>
               <p:prevCondLst>
-                <p:cond delay="0" evt="onPrev">
+                <p:cond evt="onPrev" delay="0">
                   <p:tgtEl>
                     <p:sldTgt/>
                   </p:tgtEl>
                 </p:cond>
               </p:prevCondLst>
               <p:nextCondLst>
-                <p:cond delay="0" evt="onNext">
+                <p:cond evt="onNext" delay="0">
                   <p:tgtEl>
                     <p:sldTgt/>
                   </p:tgtEl>
@@ -5969,13 +6618,14 @@
 </file>
 
 <file path=ppt/slides/slide4.xml><?xml version="1.0" encoding="utf-8"?>
-<p:sld xmlns:a="http://schemas.openxmlformats.org/drawingml/2006/main" xmlns:p="http://schemas.openxmlformats.org/presentationml/2006/main" xmlns:r="http://schemas.openxmlformats.org/officeDocument/2006/relationships" xmlns:p14="http://schemas.microsoft.com/office/powerpoint/2010/main" xmlns:p15="http://schemas.microsoft.com/office/powerpoint/2012/main" xmlns:mc="http://schemas.openxmlformats.org/markup-compatibility/2006">
+<p:sld xmlns:a="http://schemas.openxmlformats.org/drawingml/2006/main" xmlns:r="http://schemas.openxmlformats.org/officeDocument/2006/relationships" xmlns:p="http://schemas.openxmlformats.org/presentationml/2006/main">
   <p:cSld>
     <p:bg>
       <p:bgPr>
         <a:solidFill>
-          <a:srgbClr val="ffffff"/>
+          <a:srgbClr val="FFFFFF"/>
         </a:solidFill>
+        <a:effectLst/>
       </p:bgPr>
     </p:bg>
     <p:spTree>
@@ -6007,27 +6657,33 @@
             <a:avLst/>
           </a:prstGeom>
           <a:solidFill>
-            <a:srgbClr val="347c36"/>
+            <a:srgbClr val="347C36"/>
           </a:solidFill>
           <a:ln>
             <a:noFill/>
           </a:ln>
         </p:spPr>
         <p:style>
-          <a:lnRef idx="0"/>
-          <a:fillRef idx="0"/>
-          <a:effectRef idx="0"/>
+          <a:lnRef idx="0">
+            <a:scrgbClr r="0" g="0" b="0"/>
+          </a:lnRef>
+          <a:fillRef idx="0">
+            <a:scrgbClr r="0" g="0" b="0"/>
+          </a:fillRef>
+          <a:effectRef idx="0">
+            <a:scrgbClr r="0" g="0" b="0"/>
+          </a:effectRef>
           <a:fontRef idx="minor"/>
         </p:style>
       </p:sp>
       <p:pic>
         <p:nvPicPr>
-          <p:cNvPr id="130" name="Google Shape;89;p13" descr=""/>
+          <p:cNvPr id="130" name="Google Shape;89;p13"/>
           <p:cNvPicPr/>
           <p:nvPr/>
         </p:nvPicPr>
         <p:blipFill>
-          <a:blip r:embed="rId1"/>
+          <a:blip r:embed="rId2"/>
           <a:stretch/>
         </p:blipFill>
         <p:spPr>
@@ -6063,13 +6719,20 @@
           </a:ln>
         </p:spPr>
         <p:style>
-          <a:lnRef idx="0"/>
-          <a:fillRef idx="0"/>
-          <a:effectRef idx="0"/>
+          <a:lnRef idx="0">
+            <a:scrgbClr r="0" g="0" b="0"/>
+          </a:lnRef>
+          <a:fillRef idx="0">
+            <a:scrgbClr r="0" g="0" b="0"/>
+          </a:fillRef>
+          <a:effectRef idx="0">
+            <a:scrgbClr r="0" g="0" b="0"/>
+          </a:effectRef>
           <a:fontRef idx="minor"/>
         </p:style>
         <p:txBody>
           <a:bodyPr/>
+          <a:lstStyle/>
           <a:p>
             <a:pPr algn="ctr">
               <a:lnSpc>
@@ -6078,16 +6741,16 @@
             </a:pPr>
             <a:br/>
             <a:r>
-              <a:rPr b="1" lang="pt-BR" sz="3200" spc="-1" strike="noStrike">
+              <a:rPr lang="pt-BR" sz="3200" b="1" strike="noStrike" spc="-1">
                 <a:solidFill>
-                  <a:srgbClr val="8dc641"/>
+                  <a:srgbClr val="8DC641"/>
                 </a:solidFill>
                 <a:latin typeface="Arial"/>
                 <a:ea typeface="Arial"/>
               </a:rPr>
               <a:t>Prática  de análise de sistemas</a:t>
             </a:r>
-            <a:endParaRPr b="0" lang="pt-BR" sz="3200" spc="-1" strike="noStrike">
+            <a:endParaRPr lang="pt-BR" sz="3200" b="0" strike="noStrike" spc="-1">
               <a:latin typeface="Arial"/>
             </a:endParaRPr>
           </a:p>
@@ -6097,7 +6760,7 @@
                 <a:spcPct val="100000"/>
               </a:lnSpc>
             </a:pPr>
-            <a:endParaRPr b="0" lang="pt-BR" sz="3200" spc="-1" strike="noStrike">
+            <a:endParaRPr lang="pt-BR" sz="3200" b="0" strike="noStrike" spc="-1">
               <a:latin typeface="Arial"/>
             </a:endParaRPr>
           </a:p>
@@ -6107,7 +6770,7 @@
                 <a:spcPct val="100000"/>
               </a:lnSpc>
             </a:pPr>
-            <a:endParaRPr b="0" lang="pt-BR" sz="3200" spc="-1" strike="noStrike">
+            <a:endParaRPr lang="pt-BR" sz="3200" b="0" strike="noStrike" spc="-1">
               <a:latin typeface="Arial"/>
             </a:endParaRPr>
           </a:p>
@@ -6133,13 +6796,20 @@
           </a:ln>
         </p:spPr>
         <p:style>
-          <a:lnRef idx="0"/>
-          <a:fillRef idx="0"/>
-          <a:effectRef idx="0"/>
+          <a:lnRef idx="0">
+            <a:scrgbClr r="0" g="0" b="0"/>
+          </a:lnRef>
+          <a:fillRef idx="0">
+            <a:scrgbClr r="0" g="0" b="0"/>
+          </a:fillRef>
+          <a:effectRef idx="0">
+            <a:scrgbClr r="0" g="0" b="0"/>
+          </a:effectRef>
           <a:fontRef idx="minor"/>
         </p:style>
         <p:txBody>
           <a:bodyPr/>
+          <a:lstStyle/>
           <a:p>
             <a:pPr algn="ctr">
               <a:lnSpc>
@@ -6147,26 +6817,16 @@
               </a:lnSpc>
             </a:pPr>
             <a:r>
-              <a:rPr b="1" lang="pt-BR" sz="1500" spc="-1" strike="noStrike">
+              <a:rPr lang="pt-BR" sz="1500" b="1" strike="noStrike" spc="-1">
                 <a:solidFill>
-                  <a:srgbClr val="8dc641"/>
+                  <a:srgbClr val="8DC641"/>
                 </a:solidFill>
                 <a:latin typeface="Arial"/>
                 <a:ea typeface="Arial"/>
               </a:rPr>
-              <a:t> </a:t>
+              <a:t> Fabio Vasques, Gieder Loreto</a:t>
             </a:r>
-            <a:r>
-              <a:rPr b="1" lang="pt-BR" sz="1500" spc="-1" strike="noStrike">
-                <a:solidFill>
-                  <a:srgbClr val="8dc641"/>
-                </a:solidFill>
-                <a:latin typeface="Arial"/>
-                <a:ea typeface="Arial"/>
-              </a:rPr>
-              <a:t>Fabio Vasques, Gieder Loreto</a:t>
-            </a:r>
-            <a:endParaRPr b="0" lang="pt-BR" sz="1500" spc="-1" strike="noStrike">
+            <a:endParaRPr lang="pt-BR" sz="1500" b="0" strike="noStrike" spc="-1">
               <a:latin typeface="Arial"/>
             </a:endParaRPr>
           </a:p>
@@ -6174,12 +6834,12 @@
       </p:sp>
       <p:pic>
         <p:nvPicPr>
-          <p:cNvPr id="133" name="Google Shape;92;p13" descr=""/>
+          <p:cNvPr id="133" name="Google Shape;92;p13"/>
           <p:cNvPicPr/>
           <p:nvPr/>
         </p:nvPicPr>
         <p:blipFill>
-          <a:blip r:embed="rId2"/>
+          <a:blip r:embed="rId3"/>
           <a:stretch/>
         </p:blipFill>
         <p:spPr>
@@ -6215,75 +6875,69 @@
           </a:ln>
         </p:spPr>
         <p:txBody>
-          <a:bodyPr lIns="0" rIns="0" tIns="0" bIns="0"/>
+          <a:bodyPr lIns="0" tIns="0" rIns="0" bIns="0"/>
+          <a:lstStyle/>
           <a:p>
             <a:r>
-              <a:rPr b="1" lang="pt-BR" sz="1800" spc="-1" strike="noStrike">
+              <a:rPr lang="pt-BR" sz="1800" b="1" strike="noStrike" spc="-1">
                 <a:solidFill>
-                  <a:srgbClr val="8dc641"/>
+                  <a:srgbClr val="8DC641"/>
                 </a:solidFill>
                 <a:latin typeface="Arial"/>
               </a:rPr>
               <a:t>Front End : Bootstrap 4, Jquery, git, </a:t>
             </a:r>
             <a:r>
-              <a:rPr b="1" lang="pt-BR" sz="1800" spc="-1" strike="noStrike">
+              <a:rPr lang="pt-BR" sz="1800" b="1" strike="noStrike" spc="-1">
                 <a:solidFill>
-                  <a:srgbClr val="8dc641"/>
+                  <a:srgbClr val="8DC641"/>
                 </a:solidFill>
                 <a:latin typeface="Arial"/>
                 <a:ea typeface="Arial"/>
               </a:rPr>
               <a:t>Sublime text/ vscode</a:t>
             </a:r>
-            <a:endParaRPr b="1" lang="pt-BR" sz="1800" spc="-1" strike="noStrike">
+          </a:p>
+          <a:p>
+            <a:endParaRPr lang="pt-BR" sz="1800" b="1" strike="noStrike" spc="-1">
               <a:solidFill>
-                <a:srgbClr val="8dc641"/>
+                <a:srgbClr val="8DC641"/>
               </a:solidFill>
               <a:latin typeface="Arial"/>
               <a:ea typeface="Arial"/>
             </a:endParaRPr>
           </a:p>
           <a:p>
-            <a:endParaRPr b="1" lang="pt-BR" sz="1800" spc="-1" strike="noStrike">
-              <a:solidFill>
-                <a:srgbClr val="8dc641"/>
-              </a:solidFill>
-              <a:latin typeface="Arial"/>
-              <a:ea typeface="Arial"/>
-            </a:endParaRPr>
-          </a:p>
-          <a:p>
             <a:r>
-              <a:rPr b="1" lang="pt-BR" sz="1800" spc="-1" strike="noStrike">
+              <a:rPr lang="pt-BR" sz="1800" b="1" strike="noStrike" spc="-1">
                 <a:solidFill>
-                  <a:srgbClr val="8dc641"/>
+                  <a:srgbClr val="8DC641"/>
                 </a:solidFill>
                 <a:latin typeface="Arial"/>
               </a:rPr>
               <a:t>Back End: PHP, MYSQL, Mysql workbend</a:t>
             </a:r>
-            <a:endParaRPr b="1" lang="pt-BR" sz="1800" spc="-1" strike="noStrike">
+            <a:endParaRPr lang="pt-BR" sz="1800" b="1" strike="noStrike" spc="-1">
               <a:solidFill>
-                <a:srgbClr val="8dc641"/>
+                <a:srgbClr val="8DC641"/>
               </a:solidFill>
               <a:latin typeface="Arial"/>
               <a:ea typeface="Arial"/>
             </a:endParaRPr>
           </a:p>
           <a:p>
-            <a:endParaRPr b="1" lang="pt-BR" sz="1800" spc="-1" strike="noStrike">
+            <a:endParaRPr lang="pt-BR" sz="1800" b="1" strike="noStrike" spc="-1">
               <a:solidFill>
-                <a:srgbClr val="8dc641"/>
+                <a:srgbClr val="8DC641"/>
               </a:solidFill>
               <a:latin typeface="Arial"/>
               <a:ea typeface="Arial"/>
             </a:endParaRPr>
           </a:p>
           <a:p>
-            <a:endParaRPr b="1" lang="pt-BR" sz="1800" spc="-1" strike="noStrike">
+            <a:endParaRPr lang="pt-BR" sz="1800" b="1" strike="noStrike" spc="-1">
               <a:solidFill>
-                <a:srgbClr val="8dc641"/>
+                <a:srgbClr val="8DC641"/>
               </a:solidFill>
               <a:latin typeface="Arial"/>
               <a:ea typeface="Arial"/>
@@ -6311,29 +6965,20 @@
           </a:ln>
         </p:spPr>
         <p:txBody>
-          <a:bodyPr lIns="90000" rIns="90000" tIns="45000" bIns="45000"/>
+          <a:bodyPr lIns="90000" tIns="45000" rIns="90000" bIns="45000"/>
+          <a:lstStyle/>
           <a:p>
             <a:r>
-              <a:rPr b="1" lang="pt-BR" sz="2600" spc="-1" strike="noStrike">
+              <a:rPr lang="pt-BR" sz="2600" b="1" strike="noStrike" spc="-1">
                 <a:solidFill>
-                  <a:srgbClr val="8dc641"/>
+                  <a:srgbClr val="8DC641"/>
                 </a:solidFill>
                 <a:latin typeface="Arial"/>
                 <a:ea typeface="Arial"/>
               </a:rPr>
-              <a:t> </a:t>
+              <a:t> Tecnologias envolvidas nas etapas</a:t>
             </a:r>
-            <a:r>
-              <a:rPr b="1" lang="pt-BR" sz="2600" spc="-1" strike="noStrike">
-                <a:solidFill>
-                  <a:srgbClr val="8dc641"/>
-                </a:solidFill>
-                <a:latin typeface="Arial"/>
-                <a:ea typeface="Arial"/>
-              </a:rPr>
-              <a:t>Tecnologias envolvidas nas etapas</a:t>
-            </a:r>
-            <a:endParaRPr b="1" lang="pt-BR" sz="2600" spc="-1" strike="noStrike">
+            <a:endParaRPr lang="pt-BR" sz="2600" b="1" strike="noStrike" spc="-1">
               <a:latin typeface="Arial"/>
             </a:endParaRPr>
           </a:p>
@@ -6341,22 +6986,25 @@
       </p:sp>
     </p:spTree>
   </p:cSld>
+  <p:clrMapOvr>
+    <a:masterClrMapping/>
+  </p:clrMapOvr>
   <p:timing>
     <p:tnLst>
       <p:par>
-        <p:cTn id="7" dur="indefinite" restart="never" nodeType="tmRoot">
+        <p:cTn id="1" dur="indefinite" restart="never" nodeType="tmRoot">
           <p:childTnLst>
             <p:seq>
-              <p:cTn id="8" dur="indefinite" nodeType="mainSeq"/>
+              <p:cTn id="2" dur="indefinite" nodeType="mainSeq"/>
               <p:prevCondLst>
-                <p:cond delay="0" evt="onPrev">
+                <p:cond evt="onPrev" delay="0">
                   <p:tgtEl>
                     <p:sldTgt/>
                   </p:tgtEl>
                 </p:cond>
               </p:prevCondLst>
               <p:nextCondLst>
-                <p:cond delay="0" evt="onNext">
+                <p:cond evt="onNext" delay="0">
                   <p:tgtEl>
                     <p:sldTgt/>
                   </p:tgtEl>
@@ -6372,13 +7020,14 @@
 </file>
 
 <file path=ppt/slides/slide5.xml><?xml version="1.0" encoding="utf-8"?>
-<p:sld xmlns:a="http://schemas.openxmlformats.org/drawingml/2006/main" xmlns:p="http://schemas.openxmlformats.org/presentationml/2006/main" xmlns:r="http://schemas.openxmlformats.org/officeDocument/2006/relationships" xmlns:p14="http://schemas.microsoft.com/office/powerpoint/2010/main" xmlns:p15="http://schemas.microsoft.com/office/powerpoint/2012/main" xmlns:mc="http://schemas.openxmlformats.org/markup-compatibility/2006">
+<p:sld xmlns:a="http://schemas.openxmlformats.org/drawingml/2006/main" xmlns:r="http://schemas.openxmlformats.org/officeDocument/2006/relationships" xmlns:p="http://schemas.openxmlformats.org/presentationml/2006/main">
   <p:cSld>
     <p:bg>
       <p:bgPr>
         <a:solidFill>
-          <a:srgbClr val="ffffff"/>
+          <a:srgbClr val="FFFFFF"/>
         </a:solidFill>
+        <a:effectLst/>
       </p:bgPr>
     </p:bg>
     <p:spTree>
@@ -6410,27 +7059,33 @@
             <a:avLst/>
           </a:prstGeom>
           <a:solidFill>
-            <a:srgbClr val="347c36"/>
+            <a:srgbClr val="347C36"/>
           </a:solidFill>
           <a:ln>
             <a:noFill/>
           </a:ln>
         </p:spPr>
         <p:style>
-          <a:lnRef idx="0"/>
-          <a:fillRef idx="0"/>
-          <a:effectRef idx="0"/>
+          <a:lnRef idx="0">
+            <a:scrgbClr r="0" g="0" b="0"/>
+          </a:lnRef>
+          <a:fillRef idx="0">
+            <a:scrgbClr r="0" g="0" b="0"/>
+          </a:fillRef>
+          <a:effectRef idx="0">
+            <a:scrgbClr r="0" g="0" b="0"/>
+          </a:effectRef>
           <a:fontRef idx="minor"/>
         </p:style>
       </p:sp>
       <p:pic>
         <p:nvPicPr>
-          <p:cNvPr id="137" name="Google Shape;89;p13" descr=""/>
+          <p:cNvPr id="137" name="Google Shape;89;p13"/>
           <p:cNvPicPr/>
           <p:nvPr/>
         </p:nvPicPr>
         <p:blipFill>
-          <a:blip r:embed="rId1"/>
+          <a:blip r:embed="rId2"/>
           <a:stretch/>
         </p:blipFill>
         <p:spPr>
@@ -6466,13 +7121,20 @@
           </a:ln>
         </p:spPr>
         <p:style>
-          <a:lnRef idx="0"/>
-          <a:fillRef idx="0"/>
-          <a:effectRef idx="0"/>
+          <a:lnRef idx="0">
+            <a:scrgbClr r="0" g="0" b="0"/>
+          </a:lnRef>
+          <a:fillRef idx="0">
+            <a:scrgbClr r="0" g="0" b="0"/>
+          </a:fillRef>
+          <a:effectRef idx="0">
+            <a:scrgbClr r="0" g="0" b="0"/>
+          </a:effectRef>
           <a:fontRef idx="minor"/>
         </p:style>
         <p:txBody>
           <a:bodyPr/>
+          <a:lstStyle/>
           <a:p>
             <a:pPr algn="ctr">
               <a:lnSpc>
@@ -6481,16 +7143,16 @@
             </a:pPr>
             <a:br/>
             <a:r>
-              <a:rPr b="1" lang="pt-BR" sz="3200" spc="-1" strike="noStrike">
+              <a:rPr lang="pt-BR" sz="3200" b="1" strike="noStrike" spc="-1">
                 <a:solidFill>
-                  <a:srgbClr val="8dc641"/>
+                  <a:srgbClr val="8DC641"/>
                 </a:solidFill>
                 <a:latin typeface="Arial"/>
                 <a:ea typeface="Arial"/>
               </a:rPr>
               <a:t>Prática  de análise de sistemas</a:t>
             </a:r>
-            <a:endParaRPr b="0" lang="pt-BR" sz="3200" spc="-1" strike="noStrike">
+            <a:endParaRPr lang="pt-BR" sz="3200" b="0" strike="noStrike" spc="-1">
               <a:latin typeface="Arial"/>
             </a:endParaRPr>
           </a:p>
@@ -6500,7 +7162,7 @@
                 <a:spcPct val="100000"/>
               </a:lnSpc>
             </a:pPr>
-            <a:endParaRPr b="0" lang="pt-BR" sz="3200" spc="-1" strike="noStrike">
+            <a:endParaRPr lang="pt-BR" sz="3200" b="0" strike="noStrike" spc="-1">
               <a:latin typeface="Arial"/>
             </a:endParaRPr>
           </a:p>
@@ -6511,26 +7173,16 @@
               </a:lnSpc>
             </a:pPr>
             <a:r>
-              <a:rPr b="1" lang="pt-BR" sz="2600" spc="-1" strike="noStrike">
+              <a:rPr lang="pt-BR" sz="2600" b="1" strike="noStrike" spc="-1">
                 <a:solidFill>
-                  <a:srgbClr val="8dc641"/>
+                  <a:srgbClr val="8DC641"/>
                 </a:solidFill>
                 <a:latin typeface="Arial"/>
                 <a:ea typeface="Arial"/>
               </a:rPr>
-              <a:t> </a:t>
+              <a:t> Tecnologias envolvidas nas etapas</a:t>
             </a:r>
-            <a:r>
-              <a:rPr b="1" lang="pt-BR" sz="2600" spc="-1" strike="noStrike">
-                <a:solidFill>
-                  <a:srgbClr val="8dc641"/>
-                </a:solidFill>
-                <a:latin typeface="Arial"/>
-                <a:ea typeface="Arial"/>
-              </a:rPr>
-              <a:t>Tecnologias envolvidas nas etapas</a:t>
-            </a:r>
-            <a:endParaRPr b="0" lang="pt-BR" sz="2600" spc="-1" strike="noStrike">
+            <a:endParaRPr lang="pt-BR" sz="2600" b="0" strike="noStrike" spc="-1">
               <a:latin typeface="Arial"/>
             </a:endParaRPr>
           </a:p>
@@ -6556,13 +7208,20 @@
           </a:ln>
         </p:spPr>
         <p:style>
-          <a:lnRef idx="0"/>
-          <a:fillRef idx="0"/>
-          <a:effectRef idx="0"/>
+          <a:lnRef idx="0">
+            <a:scrgbClr r="0" g="0" b="0"/>
+          </a:lnRef>
+          <a:fillRef idx="0">
+            <a:scrgbClr r="0" g="0" b="0"/>
+          </a:fillRef>
+          <a:effectRef idx="0">
+            <a:scrgbClr r="0" g="0" b="0"/>
+          </a:effectRef>
           <a:fontRef idx="minor"/>
         </p:style>
         <p:txBody>
           <a:bodyPr/>
+          <a:lstStyle/>
           <a:p>
             <a:pPr algn="ctr">
               <a:lnSpc>
@@ -6570,26 +7229,16 @@
               </a:lnSpc>
             </a:pPr>
             <a:r>
-              <a:rPr b="1" lang="pt-BR" sz="1500" spc="-1" strike="noStrike">
+              <a:rPr lang="pt-BR" sz="1500" b="1" strike="noStrike" spc="-1">
                 <a:solidFill>
-                  <a:srgbClr val="8dc641"/>
+                  <a:srgbClr val="8DC641"/>
                 </a:solidFill>
                 <a:latin typeface="Arial"/>
                 <a:ea typeface="Arial"/>
               </a:rPr>
-              <a:t> </a:t>
+              <a:t> Fabio Vasques, Gieder Loreto</a:t>
             </a:r>
-            <a:r>
-              <a:rPr b="1" lang="pt-BR" sz="1500" spc="-1" strike="noStrike">
-                <a:solidFill>
-                  <a:srgbClr val="8dc641"/>
-                </a:solidFill>
-                <a:latin typeface="Arial"/>
-                <a:ea typeface="Arial"/>
-              </a:rPr>
-              <a:t>Fabio Vasques, Gieder Loreto</a:t>
-            </a:r>
-            <a:endParaRPr b="0" lang="pt-BR" sz="1500" spc="-1" strike="noStrike">
+            <a:endParaRPr lang="pt-BR" sz="1500" b="0" strike="noStrike" spc="-1">
               <a:latin typeface="Arial"/>
             </a:endParaRPr>
           </a:p>
@@ -6597,12 +7246,12 @@
       </p:sp>
       <p:pic>
         <p:nvPicPr>
-          <p:cNvPr id="140" name="Google Shape;92;p13" descr=""/>
+          <p:cNvPr id="140" name="Google Shape;92;p13"/>
           <p:cNvPicPr/>
           <p:nvPr/>
         </p:nvPicPr>
         <p:blipFill>
-          <a:blip r:embed="rId2"/>
+          <a:blip r:embed="rId3"/>
           <a:stretch/>
         </p:blipFill>
         <p:spPr>
@@ -6620,22 +7269,25 @@
       </p:pic>
     </p:spTree>
   </p:cSld>
+  <p:clrMapOvr>
+    <a:masterClrMapping/>
+  </p:clrMapOvr>
   <p:timing>
     <p:tnLst>
       <p:par>
-        <p:cTn id="9" dur="indefinite" restart="never" nodeType="tmRoot">
+        <p:cTn id="1" dur="indefinite" restart="never" nodeType="tmRoot">
           <p:childTnLst>
             <p:seq>
-              <p:cTn id="10" dur="indefinite" nodeType="mainSeq"/>
+              <p:cTn id="2" dur="indefinite" nodeType="mainSeq"/>
               <p:prevCondLst>
-                <p:cond delay="0" evt="onPrev">
+                <p:cond evt="onPrev" delay="0">
                   <p:tgtEl>
                     <p:sldTgt/>
                   </p:tgtEl>
                 </p:cond>
               </p:prevCondLst>
               <p:nextCondLst>
-                <p:cond delay="0" evt="onNext">
+                <p:cond evt="onNext" delay="0">
                   <p:tgtEl>
                     <p:sldTgt/>
                   </p:tgtEl>
@@ -6651,13 +7303,14 @@
 </file>
 
 <file path=ppt/slides/slide6.xml><?xml version="1.0" encoding="utf-8"?>
-<p:sld xmlns:a="http://schemas.openxmlformats.org/drawingml/2006/main" xmlns:p="http://schemas.openxmlformats.org/presentationml/2006/main" xmlns:r="http://schemas.openxmlformats.org/officeDocument/2006/relationships" xmlns:p14="http://schemas.microsoft.com/office/powerpoint/2010/main" xmlns:p15="http://schemas.microsoft.com/office/powerpoint/2012/main" xmlns:mc="http://schemas.openxmlformats.org/markup-compatibility/2006">
+<p:sld xmlns:a="http://schemas.openxmlformats.org/drawingml/2006/main" xmlns:r="http://schemas.openxmlformats.org/officeDocument/2006/relationships" xmlns:p="http://schemas.openxmlformats.org/presentationml/2006/main">
   <p:cSld>
     <p:bg>
       <p:bgPr>
         <a:solidFill>
-          <a:srgbClr val="ffffff"/>
+          <a:srgbClr val="FFFFFF"/>
         </a:solidFill>
+        <a:effectLst/>
       </p:bgPr>
     </p:bg>
     <p:spTree>
@@ -6689,27 +7342,33 @@
             <a:avLst/>
           </a:prstGeom>
           <a:solidFill>
-            <a:srgbClr val="347c36"/>
+            <a:srgbClr val="347C36"/>
           </a:solidFill>
           <a:ln>
             <a:noFill/>
           </a:ln>
         </p:spPr>
         <p:style>
-          <a:lnRef idx="0"/>
-          <a:fillRef idx="0"/>
-          <a:effectRef idx="0"/>
+          <a:lnRef idx="0">
+            <a:scrgbClr r="0" g="0" b="0"/>
+          </a:lnRef>
+          <a:fillRef idx="0">
+            <a:scrgbClr r="0" g="0" b="0"/>
+          </a:fillRef>
+          <a:effectRef idx="0">
+            <a:scrgbClr r="0" g="0" b="0"/>
+          </a:effectRef>
           <a:fontRef idx="minor"/>
         </p:style>
       </p:sp>
       <p:pic>
         <p:nvPicPr>
-          <p:cNvPr id="142" name="Google Shape;89;p13" descr=""/>
+          <p:cNvPr id="142" name="Google Shape;89;p13"/>
           <p:cNvPicPr/>
           <p:nvPr/>
         </p:nvPicPr>
         <p:blipFill>
-          <a:blip r:embed="rId1"/>
+          <a:blip r:embed="rId2"/>
           <a:stretch/>
         </p:blipFill>
         <p:spPr>
@@ -6745,13 +7404,20 @@
           </a:ln>
         </p:spPr>
         <p:style>
-          <a:lnRef idx="0"/>
-          <a:fillRef idx="0"/>
-          <a:effectRef idx="0"/>
+          <a:lnRef idx="0">
+            <a:scrgbClr r="0" g="0" b="0"/>
+          </a:lnRef>
+          <a:fillRef idx="0">
+            <a:scrgbClr r="0" g="0" b="0"/>
+          </a:fillRef>
+          <a:effectRef idx="0">
+            <a:scrgbClr r="0" g="0" b="0"/>
+          </a:effectRef>
           <a:fontRef idx="minor"/>
         </p:style>
         <p:txBody>
           <a:bodyPr/>
+          <a:lstStyle/>
           <a:p>
             <a:pPr algn="ctr">
               <a:lnSpc>
@@ -6760,16 +7426,16 @@
             </a:pPr>
             <a:br/>
             <a:r>
-              <a:rPr b="1" lang="pt-BR" sz="3200" spc="-1" strike="noStrike">
+              <a:rPr lang="pt-BR" sz="3200" b="1" strike="noStrike" spc="-1">
                 <a:solidFill>
-                  <a:srgbClr val="8dc641"/>
+                  <a:srgbClr val="8DC641"/>
                 </a:solidFill>
                 <a:latin typeface="Arial"/>
                 <a:ea typeface="Arial"/>
               </a:rPr>
               <a:t>Prática  de análise de sistemas</a:t>
             </a:r>
-            <a:endParaRPr b="0" lang="pt-BR" sz="3200" spc="-1" strike="noStrike">
+            <a:endParaRPr lang="pt-BR" sz="3200" b="0" strike="noStrike" spc="-1">
               <a:latin typeface="Arial"/>
             </a:endParaRPr>
           </a:p>
@@ -6779,7 +7445,7 @@
                 <a:spcPct val="100000"/>
               </a:lnSpc>
             </a:pPr>
-            <a:endParaRPr b="0" lang="pt-BR" sz="3200" spc="-1" strike="noStrike">
+            <a:endParaRPr lang="pt-BR" sz="3200" b="0" strike="noStrike" spc="-1">
               <a:latin typeface="Arial"/>
             </a:endParaRPr>
           </a:p>
@@ -6790,16 +7456,16 @@
               </a:lnSpc>
             </a:pPr>
             <a:r>
-              <a:rPr b="1" lang="pt-BR" sz="2600" spc="-1" strike="noStrike">
+              <a:rPr lang="pt-BR" sz="2600" b="1" strike="noStrike" spc="-1">
                 <a:solidFill>
-                  <a:srgbClr val="8dc641"/>
+                  <a:srgbClr val="8DC641"/>
                 </a:solidFill>
                 <a:latin typeface="Arial"/>
                 <a:ea typeface="Arial"/>
               </a:rPr>
               <a:t>Aplicações das tecnologias (onde serão aplicadas)</a:t>
             </a:r>
-            <a:endParaRPr b="0" lang="pt-BR" sz="2600" spc="-1" strike="noStrike">
+            <a:endParaRPr lang="pt-BR" sz="2600" b="0" strike="noStrike" spc="-1">
               <a:latin typeface="Arial"/>
             </a:endParaRPr>
           </a:p>
@@ -6825,13 +7491,20 @@
           </a:ln>
         </p:spPr>
         <p:style>
-          <a:lnRef idx="0"/>
-          <a:fillRef idx="0"/>
-          <a:effectRef idx="0"/>
+          <a:lnRef idx="0">
+            <a:scrgbClr r="0" g="0" b="0"/>
+          </a:lnRef>
+          <a:fillRef idx="0">
+            <a:scrgbClr r="0" g="0" b="0"/>
+          </a:fillRef>
+          <a:effectRef idx="0">
+            <a:scrgbClr r="0" g="0" b="0"/>
+          </a:effectRef>
           <a:fontRef idx="minor"/>
         </p:style>
         <p:txBody>
           <a:bodyPr/>
+          <a:lstStyle/>
           <a:p>
             <a:pPr algn="ctr">
               <a:lnSpc>
@@ -6839,26 +7512,16 @@
               </a:lnSpc>
             </a:pPr>
             <a:r>
-              <a:rPr b="1" lang="pt-BR" sz="1500" spc="-1" strike="noStrike">
+              <a:rPr lang="pt-BR" sz="1500" b="1" strike="noStrike" spc="-1">
                 <a:solidFill>
-                  <a:srgbClr val="8dc641"/>
+                  <a:srgbClr val="8DC641"/>
                 </a:solidFill>
                 <a:latin typeface="Arial"/>
                 <a:ea typeface="Arial"/>
               </a:rPr>
-              <a:t> </a:t>
+              <a:t> Fabio Vasques, Gieder Loreto</a:t>
             </a:r>
-            <a:r>
-              <a:rPr b="1" lang="pt-BR" sz="1500" spc="-1" strike="noStrike">
-                <a:solidFill>
-                  <a:srgbClr val="8dc641"/>
-                </a:solidFill>
-                <a:latin typeface="Arial"/>
-                <a:ea typeface="Arial"/>
-              </a:rPr>
-              <a:t>Fabio Vasques, Gieder Loreto</a:t>
-            </a:r>
-            <a:endParaRPr b="0" lang="pt-BR" sz="1500" spc="-1" strike="noStrike">
+            <a:endParaRPr lang="pt-BR" sz="1500" b="0" strike="noStrike" spc="-1">
               <a:latin typeface="Arial"/>
             </a:endParaRPr>
           </a:p>
@@ -6866,12 +7529,12 @@
       </p:sp>
       <p:pic>
         <p:nvPicPr>
-          <p:cNvPr id="145" name="Google Shape;92;p13" descr=""/>
+          <p:cNvPr id="145" name="Google Shape;92;p13"/>
           <p:cNvPicPr/>
           <p:nvPr/>
         </p:nvPicPr>
         <p:blipFill>
-          <a:blip r:embed="rId2"/>
+          <a:blip r:embed="rId3"/>
           <a:stretch/>
         </p:blipFill>
         <p:spPr>
@@ -6889,22 +7552,25 @@
       </p:pic>
     </p:spTree>
   </p:cSld>
+  <p:clrMapOvr>
+    <a:masterClrMapping/>
+  </p:clrMapOvr>
   <p:timing>
     <p:tnLst>
       <p:par>
-        <p:cTn id="11" dur="indefinite" restart="never" nodeType="tmRoot">
+        <p:cTn id="1" dur="indefinite" restart="never" nodeType="tmRoot">
           <p:childTnLst>
             <p:seq>
-              <p:cTn id="12" dur="indefinite" nodeType="mainSeq"/>
+              <p:cTn id="2" dur="indefinite" nodeType="mainSeq"/>
               <p:prevCondLst>
-                <p:cond delay="0" evt="onPrev">
+                <p:cond evt="onPrev" delay="0">
                   <p:tgtEl>
                     <p:sldTgt/>
                   </p:tgtEl>
                 </p:cond>
               </p:prevCondLst>
               <p:nextCondLst>
-                <p:cond delay="0" evt="onNext">
+                <p:cond evt="onNext" delay="0">
                   <p:tgtEl>
                     <p:sldTgt/>
                   </p:tgtEl>
@@ -6920,13 +7586,14 @@
 </file>
 
 <file path=ppt/slides/slide7.xml><?xml version="1.0" encoding="utf-8"?>
-<p:sld xmlns:a="http://schemas.openxmlformats.org/drawingml/2006/main" xmlns:p="http://schemas.openxmlformats.org/presentationml/2006/main" xmlns:r="http://schemas.openxmlformats.org/officeDocument/2006/relationships" xmlns:p14="http://schemas.microsoft.com/office/powerpoint/2010/main" xmlns:p15="http://schemas.microsoft.com/office/powerpoint/2012/main" xmlns:mc="http://schemas.openxmlformats.org/markup-compatibility/2006">
+<p:sld xmlns:a="http://schemas.openxmlformats.org/drawingml/2006/main" xmlns:r="http://schemas.openxmlformats.org/officeDocument/2006/relationships" xmlns:p="http://schemas.openxmlformats.org/presentationml/2006/main">
   <p:cSld>
     <p:bg>
       <p:bgPr>
         <a:solidFill>
-          <a:srgbClr val="ffffff"/>
+          <a:srgbClr val="FFFFFF"/>
         </a:solidFill>
+        <a:effectLst/>
       </p:bgPr>
     </p:bg>
     <p:spTree>
@@ -6958,27 +7625,33 @@
             <a:avLst/>
           </a:prstGeom>
           <a:solidFill>
-            <a:srgbClr val="347c36"/>
+            <a:srgbClr val="347C36"/>
           </a:solidFill>
           <a:ln>
             <a:noFill/>
           </a:ln>
         </p:spPr>
         <p:style>
-          <a:lnRef idx="0"/>
-          <a:fillRef idx="0"/>
-          <a:effectRef idx="0"/>
+          <a:lnRef idx="0">
+            <a:scrgbClr r="0" g="0" b="0"/>
+          </a:lnRef>
+          <a:fillRef idx="0">
+            <a:scrgbClr r="0" g="0" b="0"/>
+          </a:fillRef>
+          <a:effectRef idx="0">
+            <a:scrgbClr r="0" g="0" b="0"/>
+          </a:effectRef>
           <a:fontRef idx="minor"/>
         </p:style>
       </p:sp>
       <p:pic>
         <p:nvPicPr>
-          <p:cNvPr id="147" name="Google Shape;89;p13" descr=""/>
+          <p:cNvPr id="147" name="Google Shape;89;p13"/>
           <p:cNvPicPr/>
           <p:nvPr/>
         </p:nvPicPr>
         <p:blipFill>
-          <a:blip r:embed="rId1"/>
+          <a:blip r:embed="rId2"/>
           <a:stretch/>
         </p:blipFill>
         <p:spPr>
@@ -7014,13 +7687,20 @@
           </a:ln>
         </p:spPr>
         <p:style>
-          <a:lnRef idx="0"/>
-          <a:fillRef idx="0"/>
-          <a:effectRef idx="0"/>
+          <a:lnRef idx="0">
+            <a:scrgbClr r="0" g="0" b="0"/>
+          </a:lnRef>
+          <a:fillRef idx="0">
+            <a:scrgbClr r="0" g="0" b="0"/>
+          </a:fillRef>
+          <a:effectRef idx="0">
+            <a:scrgbClr r="0" g="0" b="0"/>
+          </a:effectRef>
           <a:fontRef idx="minor"/>
         </p:style>
         <p:txBody>
           <a:bodyPr/>
+          <a:lstStyle/>
           <a:p>
             <a:pPr algn="ctr">
               <a:lnSpc>
@@ -7029,16 +7709,16 @@
             </a:pPr>
             <a:br/>
             <a:r>
-              <a:rPr b="1" lang="pt-BR" sz="3200" spc="-1" strike="noStrike">
+              <a:rPr lang="pt-BR" sz="3200" b="1" strike="noStrike" spc="-1">
                 <a:solidFill>
-                  <a:srgbClr val="8dc641"/>
+                  <a:srgbClr val="8DC641"/>
                 </a:solidFill>
                 <a:latin typeface="Arial"/>
                 <a:ea typeface="Arial"/>
               </a:rPr>
               <a:t>Prática  de análise de sistemas</a:t>
             </a:r>
-            <a:endParaRPr b="0" lang="pt-BR" sz="3200" spc="-1" strike="noStrike">
+            <a:endParaRPr lang="pt-BR" sz="3200" b="0" strike="noStrike" spc="-1">
               <a:latin typeface="Arial"/>
             </a:endParaRPr>
           </a:p>
@@ -7048,7 +7728,7 @@
                 <a:spcPct val="100000"/>
               </a:lnSpc>
             </a:pPr>
-            <a:endParaRPr b="0" lang="pt-BR" sz="3200" spc="-1" strike="noStrike">
+            <a:endParaRPr lang="pt-BR" sz="3200" b="0" strike="noStrike" spc="-1">
               <a:latin typeface="Arial"/>
             </a:endParaRPr>
           </a:p>
@@ -7059,26 +7739,16 @@
               </a:lnSpc>
             </a:pPr>
             <a:r>
-              <a:rPr b="1" lang="pt-BR" sz="2600" spc="-1" strike="noStrike">
+              <a:rPr lang="pt-BR" sz="2600" b="1" strike="noStrike" spc="-1">
                 <a:solidFill>
-                  <a:srgbClr val="8dc641"/>
+                  <a:srgbClr val="8DC641"/>
                 </a:solidFill>
                 <a:latin typeface="Arial"/>
                 <a:ea typeface="Arial"/>
               </a:rPr>
-              <a:t> </a:t>
+              <a:t> Cronograma (quando cada etapa será entregue)</a:t>
             </a:r>
-            <a:r>
-              <a:rPr b="1" lang="pt-BR" sz="2600" spc="-1" strike="noStrike">
-                <a:solidFill>
-                  <a:srgbClr val="8dc641"/>
-                </a:solidFill>
-                <a:latin typeface="Arial"/>
-                <a:ea typeface="Arial"/>
-              </a:rPr>
-              <a:t>Cronograma (quando cada etapa será entregue)</a:t>
-            </a:r>
-            <a:endParaRPr b="0" lang="pt-BR" sz="2600" spc="-1" strike="noStrike">
+            <a:endParaRPr lang="pt-BR" sz="2600" b="0" strike="noStrike" spc="-1">
               <a:latin typeface="Arial"/>
             </a:endParaRPr>
           </a:p>
@@ -7104,13 +7774,20 @@
           </a:ln>
         </p:spPr>
         <p:style>
-          <a:lnRef idx="0"/>
-          <a:fillRef idx="0"/>
-          <a:effectRef idx="0"/>
+          <a:lnRef idx="0">
+            <a:scrgbClr r="0" g="0" b="0"/>
+          </a:lnRef>
+          <a:fillRef idx="0">
+            <a:scrgbClr r="0" g="0" b="0"/>
+          </a:fillRef>
+          <a:effectRef idx="0">
+            <a:scrgbClr r="0" g="0" b="0"/>
+          </a:effectRef>
           <a:fontRef idx="minor"/>
         </p:style>
         <p:txBody>
           <a:bodyPr/>
+          <a:lstStyle/>
           <a:p>
             <a:pPr algn="ctr">
               <a:lnSpc>
@@ -7118,26 +7795,16 @@
               </a:lnSpc>
             </a:pPr>
             <a:r>
-              <a:rPr b="1" lang="pt-BR" sz="1500" spc="-1" strike="noStrike">
+              <a:rPr lang="pt-BR" sz="1500" b="1" strike="noStrike" spc="-1">
                 <a:solidFill>
-                  <a:srgbClr val="8dc641"/>
+                  <a:srgbClr val="8DC641"/>
                 </a:solidFill>
                 <a:latin typeface="Arial"/>
                 <a:ea typeface="Arial"/>
               </a:rPr>
-              <a:t> </a:t>
+              <a:t> Fabio Vasques, Gieder Loreto</a:t>
             </a:r>
-            <a:r>
-              <a:rPr b="1" lang="pt-BR" sz="1500" spc="-1" strike="noStrike">
-                <a:solidFill>
-                  <a:srgbClr val="8dc641"/>
-                </a:solidFill>
-                <a:latin typeface="Arial"/>
-                <a:ea typeface="Arial"/>
-              </a:rPr>
-              <a:t>Fabio Vasques, Gieder Loreto</a:t>
-            </a:r>
-            <a:endParaRPr b="0" lang="pt-BR" sz="1500" spc="-1" strike="noStrike">
+            <a:endParaRPr lang="pt-BR" sz="1500" b="0" strike="noStrike" spc="-1">
               <a:latin typeface="Arial"/>
             </a:endParaRPr>
           </a:p>
@@ -7145,12 +7812,12 @@
       </p:sp>
       <p:pic>
         <p:nvPicPr>
-          <p:cNvPr id="150" name="Google Shape;92;p13" descr=""/>
+          <p:cNvPr id="150" name="Google Shape;92;p13"/>
           <p:cNvPicPr/>
           <p:nvPr/>
         </p:nvPicPr>
         <p:blipFill>
-          <a:blip r:embed="rId2"/>
+          <a:blip r:embed="rId3"/>
           <a:stretch/>
         </p:blipFill>
         <p:spPr>
@@ -7168,22 +7835,25 @@
       </p:pic>
     </p:spTree>
   </p:cSld>
+  <p:clrMapOvr>
+    <a:masterClrMapping/>
+  </p:clrMapOvr>
   <p:timing>
     <p:tnLst>
       <p:par>
-        <p:cTn id="13" dur="indefinite" restart="never" nodeType="tmRoot">
+        <p:cTn id="1" dur="indefinite" restart="never" nodeType="tmRoot">
           <p:childTnLst>
             <p:seq>
-              <p:cTn id="14" dur="indefinite" nodeType="mainSeq"/>
+              <p:cTn id="2" dur="indefinite" nodeType="mainSeq"/>
               <p:prevCondLst>
-                <p:cond delay="0" evt="onPrev">
+                <p:cond evt="onPrev" delay="0">
                   <p:tgtEl>
                     <p:sldTgt/>
                   </p:tgtEl>
                 </p:cond>
               </p:prevCondLst>
               <p:nextCondLst>
-                <p:cond delay="0" evt="onNext">
+                <p:cond evt="onNext" delay="0">
                   <p:tgtEl>
                     <p:sldTgt/>
                   </p:tgtEl>
@@ -7209,22 +7879,22 @@
         <a:sysClr val="window" lastClr="FFFFFF"/>
       </a:lt1>
       <a:dk2>
-        <a:srgbClr val="6a7887"/>
+        <a:srgbClr val="6A7887"/>
       </a:dk2>
       <a:lt2>
-        <a:srgbClr val="e7e6e6"/>
+        <a:srgbClr val="E7E6E6"/>
       </a:lt2>
       <a:accent1>
-        <a:srgbClr val="1d9a78"/>
+        <a:srgbClr val="1D9A78"/>
       </a:accent1>
       <a:accent2>
-        <a:srgbClr val="7bc68e"/>
+        <a:srgbClr val="7BC68E"/>
       </a:accent2>
       <a:accent3>
-        <a:srgbClr val="3f3f3f"/>
+        <a:srgbClr val="3F3F3F"/>
       </a:accent3>
       <a:accent4>
-        <a:srgbClr val="3f3f3f"/>
+        <a:srgbClr val="3F3F3F"/>
       </a:accent4>
       <a:accent5>
         <a:srgbClr val="595959"/>
@@ -7418,6 +8088,8 @@
       </a:bgFillStyleLst>
     </a:fmtScheme>
   </a:themeElements>
+  <a:objectDefaults/>
+  <a:extraClrSchemeLst/>
 </a:theme>
 </file>
 
@@ -7432,22 +8104,22 @@
         <a:sysClr val="window" lastClr="FFFFFF"/>
       </a:lt1>
       <a:dk2>
-        <a:srgbClr val="6a7887"/>
+        <a:srgbClr val="6A7887"/>
       </a:dk2>
       <a:lt2>
-        <a:srgbClr val="e7e6e6"/>
+        <a:srgbClr val="E7E6E6"/>
       </a:lt2>
       <a:accent1>
-        <a:srgbClr val="1d9a78"/>
+        <a:srgbClr val="1D9A78"/>
       </a:accent1>
       <a:accent2>
-        <a:srgbClr val="7bc68e"/>
+        <a:srgbClr val="7BC68E"/>
       </a:accent2>
       <a:accent3>
-        <a:srgbClr val="3f3f3f"/>
+        <a:srgbClr val="3F3F3F"/>
       </a:accent3>
       <a:accent4>
-        <a:srgbClr val="3f3f3f"/>
+        <a:srgbClr val="3F3F3F"/>
       </a:accent4>
       <a:accent5>
         <a:srgbClr val="595959"/>
@@ -7641,5 +8313,7 @@
       </a:bgFillStyleLst>
     </a:fmtScheme>
   </a:themeElements>
+  <a:objectDefaults/>
+  <a:extraClrSchemeLst/>
 </a:theme>
 </file>
--- a/primeira entrega.pptx
+++ b/primeira entrega.pptx
@@ -11,6 +11,8 @@
     <p:sldId id="259" r:id="rId6"/>
     <p:sldId id="260" r:id="rId7"/>
     <p:sldId id="261" r:id="rId8"/>
+    <p:sldId id="262" r:id="rId9"/>
+    <p:sldId id="263" r:id="rId10"/>
   </p:sldIdLst>
   <p:sldSz cx="12192000" cy="6858000"/>
   <p:notesSz cx="7559675" cy="10691812"/>
@@ -69,7 +71,7 @@
         <p:spPr>
           <a:xfrm>
             <a:off x="1523880" y="1122480"/>
-            <a:ext cx="9143280" cy="2386800"/>
+            <a:ext cx="9142920" cy="2386440"/>
           </a:xfrm>
           <a:prstGeom prst="rect">
             <a:avLst/>
@@ -78,10 +80,8 @@
         <p:txBody>
           <a:bodyPr lIns="0" rIns="0" tIns="0" bIns="0" anchor="ctr"/>
           <a:p>
-            <a:endParaRPr b="0" lang="pt-BR" sz="1800" spc="-1" strike="noStrike">
-              <a:solidFill>
-                <a:srgbClr val="000000"/>
-              </a:solidFill>
+            <a:pPr algn="ctr"/>
+            <a:endParaRPr b="0" lang="pt-BR" sz="4400" spc="-1" strike="noStrike">
               <a:latin typeface="Arial"/>
             </a:endParaRPr>
           </a:p>
@@ -100,7 +100,7 @@
         <p:spPr>
           <a:xfrm>
             <a:off x="609480" y="1604520"/>
-            <a:ext cx="10972440" cy="1896840"/>
+            <a:ext cx="10972080" cy="1896840"/>
           </a:xfrm>
           <a:prstGeom prst="rect">
             <a:avLst/>
@@ -111,10 +111,7 @@
             <a:normAutofit/>
           </a:bodyPr>
           <a:p>
-            <a:endParaRPr b="0" lang="pt-BR" sz="2800" spc="-1" strike="noStrike">
-              <a:solidFill>
-                <a:srgbClr val="000000"/>
-              </a:solidFill>
+            <a:endParaRPr b="0" lang="pt-BR" sz="3200" spc="-1" strike="noStrike">
               <a:latin typeface="Arial"/>
             </a:endParaRPr>
           </a:p>
@@ -133,7 +130,7 @@
         <p:spPr>
           <a:xfrm>
             <a:off x="609480" y="3682080"/>
-            <a:ext cx="10972440" cy="1896840"/>
+            <a:ext cx="10972080" cy="1896840"/>
           </a:xfrm>
           <a:prstGeom prst="rect">
             <a:avLst/>
@@ -144,10 +141,7 @@
             <a:normAutofit/>
           </a:bodyPr>
           <a:p>
-            <a:endParaRPr b="0" lang="pt-BR" sz="2800" spc="-1" strike="noStrike">
-              <a:solidFill>
-                <a:srgbClr val="000000"/>
-              </a:solidFill>
+            <a:endParaRPr b="0" lang="pt-BR" sz="3200" spc="-1" strike="noStrike">
               <a:latin typeface="Arial"/>
             </a:endParaRPr>
           </a:p>
@@ -188,7 +182,7 @@
         <p:spPr>
           <a:xfrm>
             <a:off x="1523880" y="1122480"/>
-            <a:ext cx="9143280" cy="2386800"/>
+            <a:ext cx="9142920" cy="2386440"/>
           </a:xfrm>
           <a:prstGeom prst="rect">
             <a:avLst/>
@@ -197,10 +191,8 @@
         <p:txBody>
           <a:bodyPr lIns="0" rIns="0" tIns="0" bIns="0" anchor="ctr"/>
           <a:p>
-            <a:endParaRPr b="0" lang="pt-BR" sz="1800" spc="-1" strike="noStrike">
-              <a:solidFill>
-                <a:srgbClr val="000000"/>
-              </a:solidFill>
+            <a:pPr algn="ctr"/>
+            <a:endParaRPr b="0" lang="pt-BR" sz="4400" spc="-1" strike="noStrike">
               <a:latin typeface="Arial"/>
             </a:endParaRPr>
           </a:p>
@@ -230,10 +222,7 @@
             <a:normAutofit/>
           </a:bodyPr>
           <a:p>
-            <a:endParaRPr b="0" lang="pt-BR" sz="2800" spc="-1" strike="noStrike">
-              <a:solidFill>
-                <a:srgbClr val="000000"/>
-              </a:solidFill>
+            <a:endParaRPr b="0" lang="pt-BR" sz="3200" spc="-1" strike="noStrike">
               <a:latin typeface="Arial"/>
             </a:endParaRPr>
           </a:p>
@@ -263,10 +252,7 @@
             <a:normAutofit/>
           </a:bodyPr>
           <a:p>
-            <a:endParaRPr b="0" lang="pt-BR" sz="2800" spc="-1" strike="noStrike">
-              <a:solidFill>
-                <a:srgbClr val="000000"/>
-              </a:solidFill>
+            <a:endParaRPr b="0" lang="pt-BR" sz="3200" spc="-1" strike="noStrike">
               <a:latin typeface="Arial"/>
             </a:endParaRPr>
           </a:p>
@@ -296,10 +282,7 @@
             <a:normAutofit/>
           </a:bodyPr>
           <a:p>
-            <a:endParaRPr b="0" lang="pt-BR" sz="2800" spc="-1" strike="noStrike">
-              <a:solidFill>
-                <a:srgbClr val="000000"/>
-              </a:solidFill>
+            <a:endParaRPr b="0" lang="pt-BR" sz="3200" spc="-1" strike="noStrike">
               <a:latin typeface="Arial"/>
             </a:endParaRPr>
           </a:p>
@@ -329,10 +312,7 @@
             <a:normAutofit/>
           </a:bodyPr>
           <a:p>
-            <a:endParaRPr b="0" lang="pt-BR" sz="2800" spc="-1" strike="noStrike">
-              <a:solidFill>
-                <a:srgbClr val="000000"/>
-              </a:solidFill>
+            <a:endParaRPr b="0" lang="pt-BR" sz="3200" spc="-1" strike="noStrike">
               <a:latin typeface="Arial"/>
             </a:endParaRPr>
           </a:p>
@@ -373,7 +353,7 @@
         <p:spPr>
           <a:xfrm>
             <a:off x="1523880" y="1122480"/>
-            <a:ext cx="9143280" cy="2386800"/>
+            <a:ext cx="9142920" cy="2386440"/>
           </a:xfrm>
           <a:prstGeom prst="rect">
             <a:avLst/>
@@ -382,10 +362,8 @@
         <p:txBody>
           <a:bodyPr lIns="0" rIns="0" tIns="0" bIns="0" anchor="ctr"/>
           <a:p>
-            <a:endParaRPr b="0" lang="pt-BR" sz="1800" spc="-1" strike="noStrike">
-              <a:solidFill>
-                <a:srgbClr val="000000"/>
-              </a:solidFill>
+            <a:pPr algn="ctr"/>
+            <a:endParaRPr b="0" lang="pt-BR" sz="4400" spc="-1" strike="noStrike">
               <a:latin typeface="Arial"/>
             </a:endParaRPr>
           </a:p>
@@ -404,7 +382,7 @@
         <p:spPr>
           <a:xfrm>
             <a:off x="609480" y="1604520"/>
-            <a:ext cx="3533040" cy="1896840"/>
+            <a:ext cx="3532680" cy="1896840"/>
           </a:xfrm>
           <a:prstGeom prst="rect">
             <a:avLst/>
@@ -415,10 +393,7 @@
             <a:normAutofit/>
           </a:bodyPr>
           <a:p>
-            <a:endParaRPr b="0" lang="pt-BR" sz="2800" spc="-1" strike="noStrike">
-              <a:solidFill>
-                <a:srgbClr val="000000"/>
-              </a:solidFill>
+            <a:endParaRPr b="0" lang="pt-BR" sz="3200" spc="-1" strike="noStrike">
               <a:latin typeface="Arial"/>
             </a:endParaRPr>
           </a:p>
@@ -436,8 +411,8 @@
         </p:nvSpPr>
         <p:spPr>
           <a:xfrm>
-            <a:off x="4319640" y="1604520"/>
-            <a:ext cx="3533040" cy="1896840"/>
+            <a:off x="4319280" y="1604520"/>
+            <a:ext cx="3532680" cy="1896840"/>
           </a:xfrm>
           <a:prstGeom prst="rect">
             <a:avLst/>
@@ -448,10 +423,7 @@
             <a:normAutofit/>
           </a:bodyPr>
           <a:p>
-            <a:endParaRPr b="0" lang="pt-BR" sz="2800" spc="-1" strike="noStrike">
-              <a:solidFill>
-                <a:srgbClr val="000000"/>
-              </a:solidFill>
+            <a:endParaRPr b="0" lang="pt-BR" sz="3200" spc="-1" strike="noStrike">
               <a:latin typeface="Arial"/>
             </a:endParaRPr>
           </a:p>
@@ -469,8 +441,8 @@
         </p:nvSpPr>
         <p:spPr>
           <a:xfrm>
-            <a:off x="8029800" y="1604520"/>
-            <a:ext cx="3533040" cy="1896840"/>
+            <a:off x="8028720" y="1604520"/>
+            <a:ext cx="3532680" cy="1896840"/>
           </a:xfrm>
           <a:prstGeom prst="rect">
             <a:avLst/>
@@ -481,10 +453,7 @@
             <a:normAutofit/>
           </a:bodyPr>
           <a:p>
-            <a:endParaRPr b="0" lang="pt-BR" sz="2800" spc="-1" strike="noStrike">
-              <a:solidFill>
-                <a:srgbClr val="000000"/>
-              </a:solidFill>
+            <a:endParaRPr b="0" lang="pt-BR" sz="3200" spc="-1" strike="noStrike">
               <a:latin typeface="Arial"/>
             </a:endParaRPr>
           </a:p>
@@ -503,7 +472,7 @@
         <p:spPr>
           <a:xfrm>
             <a:off x="609480" y="3682080"/>
-            <a:ext cx="3533040" cy="1896840"/>
+            <a:ext cx="3532680" cy="1896840"/>
           </a:xfrm>
           <a:prstGeom prst="rect">
             <a:avLst/>
@@ -514,10 +483,7 @@
             <a:normAutofit/>
           </a:bodyPr>
           <a:p>
-            <a:endParaRPr b="0" lang="pt-BR" sz="2800" spc="-1" strike="noStrike">
-              <a:solidFill>
-                <a:srgbClr val="000000"/>
-              </a:solidFill>
+            <a:endParaRPr b="0" lang="pt-BR" sz="3200" spc="-1" strike="noStrike">
               <a:latin typeface="Arial"/>
             </a:endParaRPr>
           </a:p>
@@ -535,8 +501,8 @@
         </p:nvSpPr>
         <p:spPr>
           <a:xfrm>
-            <a:off x="4319640" y="3682080"/>
-            <a:ext cx="3533040" cy="1896840"/>
+            <a:off x="4319280" y="3682080"/>
+            <a:ext cx="3532680" cy="1896840"/>
           </a:xfrm>
           <a:prstGeom prst="rect">
             <a:avLst/>
@@ -547,10 +513,7 @@
             <a:normAutofit/>
           </a:bodyPr>
           <a:p>
-            <a:endParaRPr b="0" lang="pt-BR" sz="2800" spc="-1" strike="noStrike">
-              <a:solidFill>
-                <a:srgbClr val="000000"/>
-              </a:solidFill>
+            <a:endParaRPr b="0" lang="pt-BR" sz="3200" spc="-1" strike="noStrike">
               <a:latin typeface="Arial"/>
             </a:endParaRPr>
           </a:p>
@@ -568,8 +531,8 @@
         </p:nvSpPr>
         <p:spPr>
           <a:xfrm>
-            <a:off x="8029800" y="3682080"/>
-            <a:ext cx="3533040" cy="1896840"/>
+            <a:off x="8028720" y="3682080"/>
+            <a:ext cx="3532680" cy="1896840"/>
           </a:xfrm>
           <a:prstGeom prst="rect">
             <a:avLst/>
@@ -580,10 +543,7 @@
             <a:normAutofit/>
           </a:bodyPr>
           <a:p>
-            <a:endParaRPr b="0" lang="pt-BR" sz="2800" spc="-1" strike="noStrike">
-              <a:solidFill>
-                <a:srgbClr val="000000"/>
-              </a:solidFill>
+            <a:endParaRPr b="0" lang="pt-BR" sz="3200" spc="-1" strike="noStrike">
               <a:latin typeface="Arial"/>
             </a:endParaRPr>
           </a:p>
@@ -624,7 +584,7 @@
         <p:spPr>
           <a:xfrm>
             <a:off x="1523880" y="1122480"/>
-            <a:ext cx="9143280" cy="2386800"/>
+            <a:ext cx="9142920" cy="2386440"/>
           </a:xfrm>
           <a:prstGeom prst="rect">
             <a:avLst/>
@@ -633,10 +593,8 @@
         <p:txBody>
           <a:bodyPr lIns="0" rIns="0" tIns="0" bIns="0" anchor="ctr"/>
           <a:p>
-            <a:endParaRPr b="0" lang="pt-BR" sz="1800" spc="-1" strike="noStrike">
-              <a:solidFill>
-                <a:srgbClr val="000000"/>
-              </a:solidFill>
+            <a:pPr algn="ctr"/>
+            <a:endParaRPr b="0" lang="pt-BR" sz="4400" spc="-1" strike="noStrike">
               <a:latin typeface="Arial"/>
             </a:endParaRPr>
           </a:p>
@@ -655,7 +613,7 @@
         <p:spPr>
           <a:xfrm>
             <a:off x="609480" y="1604520"/>
-            <a:ext cx="10972440" cy="3977280"/>
+            <a:ext cx="10972080" cy="3976920"/>
           </a:xfrm>
           <a:prstGeom prst="rect">
             <a:avLst/>
@@ -706,7 +664,7 @@
         <p:spPr>
           <a:xfrm>
             <a:off x="1523880" y="1122480"/>
-            <a:ext cx="9143280" cy="2386800"/>
+            <a:ext cx="9142920" cy="2386440"/>
           </a:xfrm>
           <a:prstGeom prst="rect">
             <a:avLst/>
@@ -715,10 +673,8 @@
         <p:txBody>
           <a:bodyPr lIns="0" rIns="0" tIns="0" bIns="0" anchor="ctr"/>
           <a:p>
-            <a:endParaRPr b="0" lang="pt-BR" sz="1800" spc="-1" strike="noStrike">
-              <a:solidFill>
-                <a:srgbClr val="000000"/>
-              </a:solidFill>
+            <a:pPr algn="ctr"/>
+            <a:endParaRPr b="0" lang="pt-BR" sz="4400" spc="-1" strike="noStrike">
               <a:latin typeface="Arial"/>
             </a:endParaRPr>
           </a:p>
@@ -737,7 +693,7 @@
         <p:spPr>
           <a:xfrm>
             <a:off x="609480" y="1604520"/>
-            <a:ext cx="10972440" cy="3977280"/>
+            <a:ext cx="10972080" cy="3976920"/>
           </a:xfrm>
           <a:prstGeom prst="rect">
             <a:avLst/>
@@ -748,10 +704,7 @@
             <a:normAutofit/>
           </a:bodyPr>
           <a:p>
-            <a:endParaRPr b="0" lang="pt-BR" sz="2800" spc="-1" strike="noStrike">
-              <a:solidFill>
-                <a:srgbClr val="000000"/>
-              </a:solidFill>
+            <a:endParaRPr b="0" lang="pt-BR" sz="3200" spc="-1" strike="noStrike">
               <a:latin typeface="Arial"/>
             </a:endParaRPr>
           </a:p>
@@ -792,7 +745,7 @@
         <p:spPr>
           <a:xfrm>
             <a:off x="1523880" y="1122480"/>
-            <a:ext cx="9143280" cy="2386800"/>
+            <a:ext cx="9142920" cy="2386440"/>
           </a:xfrm>
           <a:prstGeom prst="rect">
             <a:avLst/>
@@ -801,10 +754,8 @@
         <p:txBody>
           <a:bodyPr lIns="0" rIns="0" tIns="0" bIns="0" anchor="ctr"/>
           <a:p>
-            <a:endParaRPr b="0" lang="pt-BR" sz="1800" spc="-1" strike="noStrike">
-              <a:solidFill>
-                <a:srgbClr val="000000"/>
-              </a:solidFill>
+            <a:pPr algn="ctr"/>
+            <a:endParaRPr b="0" lang="pt-BR" sz="4400" spc="-1" strike="noStrike">
               <a:latin typeface="Arial"/>
             </a:endParaRPr>
           </a:p>
@@ -823,7 +774,7 @@
         <p:spPr>
           <a:xfrm>
             <a:off x="609480" y="1604520"/>
-            <a:ext cx="5354280" cy="3977280"/>
+            <a:ext cx="5354280" cy="3976920"/>
           </a:xfrm>
           <a:prstGeom prst="rect">
             <a:avLst/>
@@ -834,10 +785,7 @@
             <a:normAutofit/>
           </a:bodyPr>
           <a:p>
-            <a:endParaRPr b="0" lang="pt-BR" sz="2800" spc="-1" strike="noStrike">
-              <a:solidFill>
-                <a:srgbClr val="000000"/>
-              </a:solidFill>
+            <a:endParaRPr b="0" lang="pt-BR" sz="3200" spc="-1" strike="noStrike">
               <a:latin typeface="Arial"/>
             </a:endParaRPr>
           </a:p>
@@ -856,7 +804,7 @@
         <p:spPr>
           <a:xfrm>
             <a:off x="6231960" y="1604520"/>
-            <a:ext cx="5354280" cy="3977280"/>
+            <a:ext cx="5354280" cy="3976920"/>
           </a:xfrm>
           <a:prstGeom prst="rect">
             <a:avLst/>
@@ -867,10 +815,7 @@
             <a:normAutofit/>
           </a:bodyPr>
           <a:p>
-            <a:endParaRPr b="0" lang="pt-BR" sz="2800" spc="-1" strike="noStrike">
-              <a:solidFill>
-                <a:srgbClr val="000000"/>
-              </a:solidFill>
+            <a:endParaRPr b="0" lang="pt-BR" sz="3200" spc="-1" strike="noStrike">
               <a:latin typeface="Arial"/>
             </a:endParaRPr>
           </a:p>
@@ -911,7 +856,7 @@
         <p:spPr>
           <a:xfrm>
             <a:off x="1523880" y="1122480"/>
-            <a:ext cx="9143280" cy="2386800"/>
+            <a:ext cx="9142920" cy="2386440"/>
           </a:xfrm>
           <a:prstGeom prst="rect">
             <a:avLst/>
@@ -920,10 +865,8 @@
         <p:txBody>
           <a:bodyPr lIns="0" rIns="0" tIns="0" bIns="0" anchor="ctr"/>
           <a:p>
-            <a:endParaRPr b="0" lang="pt-BR" sz="1800" spc="-1" strike="noStrike">
-              <a:solidFill>
-                <a:srgbClr val="000000"/>
-              </a:solidFill>
+            <a:pPr algn="ctr"/>
+            <a:endParaRPr b="0" lang="pt-BR" sz="4400" spc="-1" strike="noStrike">
               <a:latin typeface="Arial"/>
             </a:endParaRPr>
           </a:p>
@@ -964,7 +907,7 @@
         <p:spPr>
           <a:xfrm>
             <a:off x="1523880" y="1122480"/>
-            <a:ext cx="9143280" cy="11064960"/>
+            <a:ext cx="9142920" cy="11063520"/>
           </a:xfrm>
           <a:prstGeom prst="rect">
             <a:avLst/>
@@ -1015,7 +958,7 @@
         <p:spPr>
           <a:xfrm>
             <a:off x="1523880" y="1122480"/>
-            <a:ext cx="9143280" cy="2386800"/>
+            <a:ext cx="9142920" cy="2386440"/>
           </a:xfrm>
           <a:prstGeom prst="rect">
             <a:avLst/>
@@ -1024,10 +967,8 @@
         <p:txBody>
           <a:bodyPr lIns="0" rIns="0" tIns="0" bIns="0" anchor="ctr"/>
           <a:p>
-            <a:endParaRPr b="0" lang="pt-BR" sz="1800" spc="-1" strike="noStrike">
-              <a:solidFill>
-                <a:srgbClr val="000000"/>
-              </a:solidFill>
+            <a:pPr algn="ctr"/>
+            <a:endParaRPr b="0" lang="pt-BR" sz="4400" spc="-1" strike="noStrike">
               <a:latin typeface="Arial"/>
             </a:endParaRPr>
           </a:p>
@@ -1057,10 +998,7 @@
             <a:normAutofit/>
           </a:bodyPr>
           <a:p>
-            <a:endParaRPr b="0" lang="pt-BR" sz="2800" spc="-1" strike="noStrike">
-              <a:solidFill>
-                <a:srgbClr val="000000"/>
-              </a:solidFill>
+            <a:endParaRPr b="0" lang="pt-BR" sz="3200" spc="-1" strike="noStrike">
               <a:latin typeface="Arial"/>
             </a:endParaRPr>
           </a:p>
@@ -1079,7 +1017,7 @@
         <p:spPr>
           <a:xfrm>
             <a:off x="6231960" y="1604520"/>
-            <a:ext cx="5354280" cy="3977280"/>
+            <a:ext cx="5354280" cy="3976920"/>
           </a:xfrm>
           <a:prstGeom prst="rect">
             <a:avLst/>
@@ -1090,10 +1028,7 @@
             <a:normAutofit/>
           </a:bodyPr>
           <a:p>
-            <a:endParaRPr b="0" lang="pt-BR" sz="2800" spc="-1" strike="noStrike">
-              <a:solidFill>
-                <a:srgbClr val="000000"/>
-              </a:solidFill>
+            <a:endParaRPr b="0" lang="pt-BR" sz="3200" spc="-1" strike="noStrike">
               <a:latin typeface="Arial"/>
             </a:endParaRPr>
           </a:p>
@@ -1123,10 +1058,7 @@
             <a:normAutofit/>
           </a:bodyPr>
           <a:p>
-            <a:endParaRPr b="0" lang="pt-BR" sz="2800" spc="-1" strike="noStrike">
-              <a:solidFill>
-                <a:srgbClr val="000000"/>
-              </a:solidFill>
+            <a:endParaRPr b="0" lang="pt-BR" sz="3200" spc="-1" strike="noStrike">
               <a:latin typeface="Arial"/>
             </a:endParaRPr>
           </a:p>
@@ -1167,7 +1099,7 @@
         <p:spPr>
           <a:xfrm>
             <a:off x="1523880" y="1122480"/>
-            <a:ext cx="9143280" cy="2386800"/>
+            <a:ext cx="9142920" cy="2386440"/>
           </a:xfrm>
           <a:prstGeom prst="rect">
             <a:avLst/>
@@ -1176,10 +1108,8 @@
         <p:txBody>
           <a:bodyPr lIns="0" rIns="0" tIns="0" bIns="0" anchor="ctr"/>
           <a:p>
-            <a:endParaRPr b="0" lang="pt-BR" sz="1800" spc="-1" strike="noStrike">
-              <a:solidFill>
-                <a:srgbClr val="000000"/>
-              </a:solidFill>
+            <a:pPr algn="ctr"/>
+            <a:endParaRPr b="0" lang="pt-BR" sz="4400" spc="-1" strike="noStrike">
               <a:latin typeface="Arial"/>
             </a:endParaRPr>
           </a:p>
@@ -1198,7 +1128,7 @@
         <p:spPr>
           <a:xfrm>
             <a:off x="609480" y="1604520"/>
-            <a:ext cx="5354280" cy="3977280"/>
+            <a:ext cx="5354280" cy="3976920"/>
           </a:xfrm>
           <a:prstGeom prst="rect">
             <a:avLst/>
@@ -1209,10 +1139,7 @@
             <a:normAutofit/>
           </a:bodyPr>
           <a:p>
-            <a:endParaRPr b="0" lang="pt-BR" sz="2800" spc="-1" strike="noStrike">
-              <a:solidFill>
-                <a:srgbClr val="000000"/>
-              </a:solidFill>
+            <a:endParaRPr b="0" lang="pt-BR" sz="3200" spc="-1" strike="noStrike">
               <a:latin typeface="Arial"/>
             </a:endParaRPr>
           </a:p>
@@ -1242,10 +1169,7 @@
             <a:normAutofit/>
           </a:bodyPr>
           <a:p>
-            <a:endParaRPr b="0" lang="pt-BR" sz="2800" spc="-1" strike="noStrike">
-              <a:solidFill>
-                <a:srgbClr val="000000"/>
-              </a:solidFill>
+            <a:endParaRPr b="0" lang="pt-BR" sz="3200" spc="-1" strike="noStrike">
               <a:latin typeface="Arial"/>
             </a:endParaRPr>
           </a:p>
@@ -1275,10 +1199,7 @@
             <a:normAutofit/>
           </a:bodyPr>
           <a:p>
-            <a:endParaRPr b="0" lang="pt-BR" sz="2800" spc="-1" strike="noStrike">
-              <a:solidFill>
-                <a:srgbClr val="000000"/>
-              </a:solidFill>
+            <a:endParaRPr b="0" lang="pt-BR" sz="3200" spc="-1" strike="noStrike">
               <a:latin typeface="Arial"/>
             </a:endParaRPr>
           </a:p>
@@ -1319,7 +1240,7 @@
         <p:spPr>
           <a:xfrm>
             <a:off x="1523880" y="1122480"/>
-            <a:ext cx="9143280" cy="2386800"/>
+            <a:ext cx="9142920" cy="2386440"/>
           </a:xfrm>
           <a:prstGeom prst="rect">
             <a:avLst/>
@@ -1328,10 +1249,8 @@
         <p:txBody>
           <a:bodyPr lIns="0" rIns="0" tIns="0" bIns="0" anchor="ctr"/>
           <a:p>
-            <a:endParaRPr b="0" lang="pt-BR" sz="1800" spc="-1" strike="noStrike">
-              <a:solidFill>
-                <a:srgbClr val="000000"/>
-              </a:solidFill>
+            <a:pPr algn="ctr"/>
+            <a:endParaRPr b="0" lang="pt-BR" sz="4400" spc="-1" strike="noStrike">
               <a:latin typeface="Arial"/>
             </a:endParaRPr>
           </a:p>
@@ -1361,10 +1280,7 @@
             <a:normAutofit/>
           </a:bodyPr>
           <a:p>
-            <a:endParaRPr b="0" lang="pt-BR" sz="2800" spc="-1" strike="noStrike">
-              <a:solidFill>
-                <a:srgbClr val="000000"/>
-              </a:solidFill>
+            <a:endParaRPr b="0" lang="pt-BR" sz="3200" spc="-1" strike="noStrike">
               <a:latin typeface="Arial"/>
             </a:endParaRPr>
           </a:p>
@@ -1394,10 +1310,7 @@
             <a:normAutofit/>
           </a:bodyPr>
           <a:p>
-            <a:endParaRPr b="0" lang="pt-BR" sz="2800" spc="-1" strike="noStrike">
-              <a:solidFill>
-                <a:srgbClr val="000000"/>
-              </a:solidFill>
+            <a:endParaRPr b="0" lang="pt-BR" sz="3200" spc="-1" strike="noStrike">
               <a:latin typeface="Arial"/>
             </a:endParaRPr>
           </a:p>
@@ -1416,7 +1329,7 @@
         <p:spPr>
           <a:xfrm>
             <a:off x="609480" y="3682080"/>
-            <a:ext cx="10972440" cy="1896840"/>
+            <a:ext cx="10972080" cy="1896840"/>
           </a:xfrm>
           <a:prstGeom prst="rect">
             <a:avLst/>
@@ -1427,10 +1340,7 @@
             <a:normAutofit/>
           </a:bodyPr>
           <a:p>
-            <a:endParaRPr b="0" lang="pt-BR" sz="2800" spc="-1" strike="noStrike">
-              <a:solidFill>
-                <a:srgbClr val="000000"/>
-              </a:solidFill>
+            <a:endParaRPr b="0" lang="pt-BR" sz="3200" spc="-1" strike="noStrike">
               <a:latin typeface="Arial"/>
             </a:endParaRPr>
           </a:p>
@@ -1478,7 +1388,7 @@
         <p:spPr>
           <a:xfrm>
             <a:off x="1523880" y="1122480"/>
-            <a:ext cx="9143280" cy="2386800"/>
+            <a:ext cx="9142920" cy="2386440"/>
           </a:xfrm>
           <a:prstGeom prst="rect">
             <a:avLst/>
@@ -1488,27 +1398,42 @@
           <a:bodyPr lIns="0" rIns="0" tIns="0" bIns="0" anchor="ctr"/>
           <a:p>
             <a:r>
-              <a:rPr b="0" lang="pt-BR" sz="4400" spc="-1" strike="noStrike">
-                <a:solidFill>
-                  <a:srgbClr val="000000"/>
-                </a:solidFill>
-                <a:latin typeface="Arial"/>
-              </a:rPr>
-              <a:t>Clique para editar o formato do texto do </a:t>
-            </a:r>
-            <a:r>
-              <a:rPr b="0" lang="pt-BR" sz="4400" spc="-1" strike="noStrike">
-                <a:solidFill>
-                  <a:srgbClr val="000000"/>
-                </a:solidFill>
-                <a:latin typeface="Arial"/>
-              </a:rPr>
-              <a:t>título</a:t>
-            </a:r>
-            <a:endParaRPr b="0" lang="pt-BR" sz="4400" spc="-1" strike="noStrike">
-              <a:solidFill>
-                <a:srgbClr val="000000"/>
-              </a:solidFill>
+              <a:rPr b="0" lang="pt-BR" sz="1800" spc="-1" strike="noStrike">
+                <a:latin typeface="Arial"/>
+              </a:rPr>
+              <a:t>Clique </a:t>
+            </a:r>
+            <a:r>
+              <a:rPr b="0" lang="pt-BR" sz="1800" spc="-1" strike="noStrike">
+                <a:latin typeface="Arial"/>
+              </a:rPr>
+              <a:t>para </a:t>
+            </a:r>
+            <a:r>
+              <a:rPr b="0" lang="pt-BR" sz="1800" spc="-1" strike="noStrike">
+                <a:latin typeface="Arial"/>
+              </a:rPr>
+              <a:t>editar o </a:t>
+            </a:r>
+            <a:r>
+              <a:rPr b="0" lang="pt-BR" sz="1800" spc="-1" strike="noStrike">
+                <a:latin typeface="Arial"/>
+              </a:rPr>
+              <a:t>formato </a:t>
+            </a:r>
+            <a:r>
+              <a:rPr b="0" lang="pt-BR" sz="1800" spc="-1" strike="noStrike">
+                <a:latin typeface="Arial"/>
+              </a:rPr>
+              <a:t>do texto </a:t>
+            </a:r>
+            <a:r>
+              <a:rPr b="0" lang="pt-BR" sz="1800" spc="-1" strike="noStrike">
+                <a:latin typeface="Arial"/>
+              </a:rPr>
+              <a:t>do título</a:t>
+            </a:r>
+            <a:endParaRPr b="0" lang="pt-BR" sz="1800" spc="-1" strike="noStrike">
               <a:latin typeface="Arial"/>
             </a:endParaRPr>
           </a:p>
@@ -1527,7 +1452,7 @@
         <p:spPr>
           <a:xfrm>
             <a:off x="609480" y="1604520"/>
-            <a:ext cx="10972440" cy="3977280"/>
+            <a:ext cx="10972080" cy="3976920"/>
           </a:xfrm>
           <a:prstGeom prst="rect">
             <a:avLst/>
@@ -1550,18 +1475,12 @@
               <a:buChar char=""/>
             </a:pPr>
             <a:r>
-              <a:rPr b="0" lang="pt-BR" sz="2800" spc="-1" strike="noStrike">
-                <a:solidFill>
-                  <a:srgbClr val="000000"/>
-                </a:solidFill>
+              <a:rPr b="0" lang="pt-BR" sz="1800" spc="-1" strike="noStrike">
                 <a:latin typeface="Arial"/>
               </a:rPr>
               <a:t>Clique para editar o formato do texto da estrutura de tópicos</a:t>
             </a:r>
-            <a:endParaRPr b="0" lang="pt-BR" sz="2800" spc="-1" strike="noStrike">
-              <a:solidFill>
-                <a:srgbClr val="000000"/>
-              </a:solidFill>
+            <a:endParaRPr b="0" lang="pt-BR" sz="1800" spc="-1" strike="noStrike">
               <a:latin typeface="Arial"/>
             </a:endParaRPr>
           </a:p>
@@ -1578,18 +1497,12 @@
               <a:buChar char=""/>
             </a:pPr>
             <a:r>
-              <a:rPr b="0" lang="pt-BR" sz="2000" spc="-1" strike="noStrike">
-                <a:solidFill>
-                  <a:srgbClr val="000000"/>
-                </a:solidFill>
+              <a:rPr b="0" lang="pt-BR" sz="1800" spc="-1" strike="noStrike">
                 <a:latin typeface="Arial"/>
               </a:rPr>
               <a:t>2.º nível da estrutura de tópicos</a:t>
             </a:r>
-            <a:endParaRPr b="0" lang="pt-BR" sz="2000" spc="-1" strike="noStrike">
-              <a:solidFill>
-                <a:srgbClr val="000000"/>
-              </a:solidFill>
+            <a:endParaRPr b="0" lang="pt-BR" sz="1800" spc="-1" strike="noStrike">
               <a:latin typeface="Arial"/>
             </a:endParaRPr>
           </a:p>
@@ -1607,17 +1520,11 @@
             </a:pPr>
             <a:r>
               <a:rPr b="0" lang="pt-BR" sz="1800" spc="-1" strike="noStrike">
-                <a:solidFill>
-                  <a:srgbClr val="000000"/>
-                </a:solidFill>
                 <a:latin typeface="Arial"/>
               </a:rPr>
               <a:t>3.º nível da estrutura de tópicos</a:t>
             </a:r>
             <a:endParaRPr b="0" lang="pt-BR" sz="1800" spc="-1" strike="noStrike">
-              <a:solidFill>
-                <a:srgbClr val="000000"/>
-              </a:solidFill>
               <a:latin typeface="Arial"/>
             </a:endParaRPr>
           </a:p>
@@ -1635,17 +1542,11 @@
             </a:pPr>
             <a:r>
               <a:rPr b="0" lang="pt-BR" sz="1800" spc="-1" strike="noStrike">
-                <a:solidFill>
-                  <a:srgbClr val="000000"/>
-                </a:solidFill>
                 <a:latin typeface="Arial"/>
               </a:rPr>
               <a:t>4.º nível da estrutura de tópicos</a:t>
             </a:r>
             <a:endParaRPr b="0" lang="pt-BR" sz="1800" spc="-1" strike="noStrike">
-              <a:solidFill>
-                <a:srgbClr val="000000"/>
-              </a:solidFill>
               <a:latin typeface="Arial"/>
             </a:endParaRPr>
           </a:p>
@@ -1662,18 +1563,12 @@
               <a:buChar char=""/>
             </a:pPr>
             <a:r>
-              <a:rPr b="0" lang="pt-BR" sz="2000" spc="-1" strike="noStrike">
-                <a:solidFill>
-                  <a:srgbClr val="000000"/>
-                </a:solidFill>
+              <a:rPr b="0" lang="pt-BR" sz="1800" spc="-1" strike="noStrike">
                 <a:latin typeface="Arial"/>
               </a:rPr>
               <a:t>5.º nível da estrutura de tópicos</a:t>
             </a:r>
-            <a:endParaRPr b="0" lang="pt-BR" sz="2000" spc="-1" strike="noStrike">
-              <a:solidFill>
-                <a:srgbClr val="000000"/>
-              </a:solidFill>
+            <a:endParaRPr b="0" lang="pt-BR" sz="1800" spc="-1" strike="noStrike">
               <a:latin typeface="Arial"/>
             </a:endParaRPr>
           </a:p>
@@ -1690,18 +1585,12 @@
               <a:buChar char=""/>
             </a:pPr>
             <a:r>
-              <a:rPr b="0" lang="pt-BR" sz="2000" spc="-1" strike="noStrike">
-                <a:solidFill>
-                  <a:srgbClr val="000000"/>
-                </a:solidFill>
+              <a:rPr b="0" lang="pt-BR" sz="1800" spc="-1" strike="noStrike">
                 <a:latin typeface="Arial"/>
               </a:rPr>
               <a:t>6.º nível da estrutura de tópicos</a:t>
             </a:r>
-            <a:endParaRPr b="0" lang="pt-BR" sz="2000" spc="-1" strike="noStrike">
-              <a:solidFill>
-                <a:srgbClr val="000000"/>
-              </a:solidFill>
+            <a:endParaRPr b="0" lang="pt-BR" sz="1800" spc="-1" strike="noStrike">
               <a:latin typeface="Arial"/>
             </a:endParaRPr>
           </a:p>
@@ -1718,18 +1607,12 @@
               <a:buChar char=""/>
             </a:pPr>
             <a:r>
-              <a:rPr b="0" lang="pt-BR" sz="2000" spc="-1" strike="noStrike">
-                <a:solidFill>
-                  <a:srgbClr val="000000"/>
-                </a:solidFill>
+              <a:rPr b="0" lang="pt-BR" sz="1800" spc="-1" strike="noStrike">
                 <a:latin typeface="Arial"/>
               </a:rPr>
               <a:t>7.º nível da estrutura de tópicos</a:t>
             </a:r>
-            <a:endParaRPr b="0" lang="pt-BR" sz="2000" spc="-1" strike="noStrike">
-              <a:solidFill>
-                <a:srgbClr val="000000"/>
-              </a:solidFill>
+            <a:endParaRPr b="0" lang="pt-BR" sz="1800" spc="-1" strike="noStrike">
               <a:latin typeface="Arial"/>
             </a:endParaRPr>
           </a:p>
@@ -1788,7 +1671,7 @@
         <p:spPr>
           <a:xfrm>
             <a:off x="0" y="0"/>
-            <a:ext cx="12191400" cy="2115360"/>
+            <a:ext cx="12192120" cy="1586520"/>
           </a:xfrm>
           <a:prstGeom prst="rect">
             <a:avLst/>
@@ -1820,7 +1703,7 @@
         <p:spPr>
           <a:xfrm>
             <a:off x="10561680" y="0"/>
-            <a:ext cx="1083600" cy="2507400"/>
+            <a:ext cx="1083240" cy="2507040"/>
           </a:xfrm>
           <a:prstGeom prst="rect">
             <a:avLst/>
@@ -1838,8 +1721,8 @@
         </p:nvSpPr>
         <p:spPr>
           <a:xfrm>
-            <a:off x="2520000" y="1584000"/>
-            <a:ext cx="7512840" cy="1322640"/>
+            <a:off x="2520000" y="1764000"/>
+            <a:ext cx="7512480" cy="1322280"/>
           </a:xfrm>
           <a:prstGeom prst="rect">
             <a:avLst/>
@@ -1858,7 +1741,11 @@
         <p:txBody>
           <a:bodyPr lIns="90000" rIns="90000" tIns="45000" bIns="45000"/>
           <a:p>
-            <a:pPr algn="just"/>
+            <a:pPr algn="just">
+              <a:lnSpc>
+                <a:spcPct val="100000"/>
+              </a:lnSpc>
+            </a:pPr>
             <a:br/>
             <a:r>
               <a:rPr b="1" lang="pt-BR" sz="3200" spc="-1" strike="noStrike">
@@ -1895,7 +1782,7 @@
         <p:spPr>
           <a:xfrm>
             <a:off x="504000" y="6479280"/>
-            <a:ext cx="11130480" cy="720360"/>
+            <a:ext cx="11130120" cy="720000"/>
           </a:xfrm>
           <a:prstGeom prst="rect">
             <a:avLst/>
@@ -1945,39 +1832,16 @@
           </a:p>
         </p:txBody>
       </p:sp>
-      <p:pic>
-        <p:nvPicPr>
-          <p:cNvPr id="42" name="Google Shape;92;p13" descr=""/>
-          <p:cNvPicPr/>
-          <p:nvPr/>
-        </p:nvPicPr>
-        <p:blipFill>
-          <a:blip r:embed="rId2"/>
-          <a:stretch/>
-        </p:blipFill>
-        <p:spPr>
-          <a:xfrm>
-            <a:off x="268920" y="573840"/>
-            <a:ext cx="5751360" cy="1359360"/>
-          </a:xfrm>
-          <a:prstGeom prst="rect">
-            <a:avLst/>
-          </a:prstGeom>
-          <a:ln>
-            <a:noFill/>
-          </a:ln>
-        </p:spPr>
-      </p:pic>
-      <p:sp>
-        <p:nvSpPr>
-          <p:cNvPr id="43" name="CustomShape 4"/>
+      <p:sp>
+        <p:nvSpPr>
+          <p:cNvPr id="42" name="CustomShape 4"/>
           <p:cNvSpPr/>
           <p:nvPr/>
         </p:nvSpPr>
         <p:spPr>
           <a:xfrm>
             <a:off x="3415320" y="2748600"/>
-            <a:ext cx="4890960" cy="829080"/>
+            <a:ext cx="4890600" cy="828720"/>
           </a:xfrm>
           <a:prstGeom prst="rect">
             <a:avLst/>
@@ -2029,14 +1893,14 @@
       </p:sp>
       <p:sp>
         <p:nvSpPr>
-          <p:cNvPr id="44" name="CustomShape 5"/>
+          <p:cNvPr id="43" name="CustomShape 5"/>
           <p:cNvSpPr/>
           <p:nvPr/>
         </p:nvSpPr>
         <p:spPr>
           <a:xfrm>
             <a:off x="1188000" y="3969720"/>
-            <a:ext cx="9575640" cy="1369800"/>
+            <a:ext cx="9575280" cy="1369440"/>
           </a:xfrm>
           <a:prstGeom prst="rect">
             <a:avLst/>
@@ -2086,6 +1950,29 @@
           </a:p>
         </p:txBody>
       </p:sp>
+      <p:pic>
+        <p:nvPicPr>
+          <p:cNvPr id="44" name="Google Shape;166;p39" descr=""/>
+          <p:cNvPicPr/>
+          <p:nvPr/>
+        </p:nvPicPr>
+        <p:blipFill>
+          <a:blip r:embed="rId2"/>
+          <a:stretch/>
+        </p:blipFill>
+        <p:spPr>
+          <a:xfrm>
+            <a:off x="235080" y="283680"/>
+            <a:ext cx="4000680" cy="1019520"/>
+          </a:xfrm>
+          <a:prstGeom prst="rect">
+            <a:avLst/>
+          </a:prstGeom>
+          <a:ln>
+            <a:noFill/>
+          </a:ln>
+        </p:spPr>
+      </p:pic>
     </p:spTree>
   </p:cSld>
   <p:timing>
@@ -2151,7 +2038,7 @@
         <p:spPr>
           <a:xfrm>
             <a:off x="0" y="0"/>
-            <a:ext cx="12191400" cy="2115360"/>
+            <a:ext cx="12192120" cy="1586520"/>
           </a:xfrm>
           <a:prstGeom prst="rect">
             <a:avLst/>
@@ -2183,7 +2070,7 @@
         <p:spPr>
           <a:xfrm>
             <a:off x="10561680" y="0"/>
-            <a:ext cx="1083600" cy="2507400"/>
+            <a:ext cx="1083240" cy="2507040"/>
           </a:xfrm>
           <a:prstGeom prst="rect">
             <a:avLst/>
@@ -2201,8 +2088,8 @@
         </p:nvSpPr>
         <p:spPr>
           <a:xfrm>
-            <a:off x="2296800" y="2234160"/>
-            <a:ext cx="7512840" cy="1322640"/>
+            <a:off x="2296800" y="1982160"/>
+            <a:ext cx="7512480" cy="1322280"/>
           </a:xfrm>
           <a:prstGeom prst="rect">
             <a:avLst/>
@@ -2262,7 +2149,7 @@
         <p:spPr>
           <a:xfrm>
             <a:off x="504000" y="6479280"/>
-            <a:ext cx="11130480" cy="720360"/>
+            <a:ext cx="11130120" cy="720000"/>
           </a:xfrm>
           <a:prstGeom prst="rect">
             <a:avLst/>
@@ -2312,39 +2199,16 @@
           </a:p>
         </p:txBody>
       </p:sp>
-      <p:pic>
-        <p:nvPicPr>
-          <p:cNvPr id="49" name="Google Shape;92;p13" descr=""/>
-          <p:cNvPicPr/>
-          <p:nvPr/>
-        </p:nvPicPr>
-        <p:blipFill>
-          <a:blip r:embed="rId2"/>
-          <a:stretch/>
-        </p:blipFill>
-        <p:spPr>
-          <a:xfrm>
-            <a:off x="268920" y="573840"/>
-            <a:ext cx="5751360" cy="1359360"/>
-          </a:xfrm>
-          <a:prstGeom prst="rect">
-            <a:avLst/>
-          </a:prstGeom>
-          <a:ln>
-            <a:noFill/>
-          </a:ln>
-        </p:spPr>
-      </p:pic>
-      <p:sp>
-        <p:nvSpPr>
-          <p:cNvPr id="50" name="CustomShape 4"/>
+      <p:sp>
+        <p:nvSpPr>
+          <p:cNvPr id="49" name="CustomShape 4"/>
           <p:cNvSpPr/>
           <p:nvPr/>
         </p:nvSpPr>
         <p:spPr>
           <a:xfrm>
             <a:off x="3415320" y="2748600"/>
-            <a:ext cx="4890960" cy="829080"/>
+            <a:ext cx="4890600" cy="828720"/>
           </a:xfrm>
           <a:prstGeom prst="rect">
             <a:avLst/>
@@ -2396,14 +2260,14 @@
       </p:sp>
       <p:sp>
         <p:nvSpPr>
-          <p:cNvPr id="51" name="CustomShape 5"/>
+          <p:cNvPr id="50" name="CustomShape 5"/>
           <p:cNvSpPr/>
           <p:nvPr/>
         </p:nvSpPr>
         <p:spPr>
           <a:xfrm>
             <a:off x="1188000" y="3969720"/>
-            <a:ext cx="9575640" cy="601920"/>
+            <a:ext cx="9575280" cy="601560"/>
           </a:xfrm>
           <a:prstGeom prst="rect">
             <a:avLst/>
@@ -2445,14 +2309,14 @@
       </p:sp>
       <p:sp>
         <p:nvSpPr>
-          <p:cNvPr id="52" name="CustomShape 6"/>
+          <p:cNvPr id="51" name="CustomShape 6"/>
           <p:cNvSpPr/>
           <p:nvPr/>
         </p:nvSpPr>
         <p:spPr>
           <a:xfrm>
             <a:off x="900000" y="3773880"/>
-            <a:ext cx="10186920" cy="1625760"/>
+            <a:ext cx="10186560" cy="1625400"/>
           </a:xfrm>
           <a:prstGeom prst="rect">
             <a:avLst/>
@@ -2602,6 +2466,57 @@
           </a:p>
         </p:txBody>
       </p:sp>
+      <p:sp>
+        <p:nvSpPr>
+          <p:cNvPr id="52" name="CustomShape 7"/>
+          <p:cNvSpPr/>
+          <p:nvPr/>
+        </p:nvSpPr>
+        <p:spPr>
+          <a:xfrm>
+            <a:off x="0" y="0"/>
+            <a:ext cx="9143640" cy="1586520"/>
+          </a:xfrm>
+          <a:prstGeom prst="rect">
+            <a:avLst/>
+          </a:prstGeom>
+          <a:solidFill>
+            <a:srgbClr val="347c36"/>
+          </a:solidFill>
+          <a:ln>
+            <a:noFill/>
+          </a:ln>
+        </p:spPr>
+        <p:style>
+          <a:lnRef idx="0"/>
+          <a:fillRef idx="0"/>
+          <a:effectRef idx="0"/>
+          <a:fontRef idx="minor"/>
+        </p:style>
+      </p:sp>
+      <p:pic>
+        <p:nvPicPr>
+          <p:cNvPr id="53" name="Google Shape;166;p39" descr=""/>
+          <p:cNvPicPr/>
+          <p:nvPr/>
+        </p:nvPicPr>
+        <p:blipFill>
+          <a:blip r:embed="rId2"/>
+          <a:stretch/>
+        </p:blipFill>
+        <p:spPr>
+          <a:xfrm>
+            <a:off x="235080" y="283680"/>
+            <a:ext cx="4000680" cy="1019520"/>
+          </a:xfrm>
+          <a:prstGeom prst="rect">
+            <a:avLst/>
+          </a:prstGeom>
+          <a:ln>
+            <a:noFill/>
+          </a:ln>
+        </p:spPr>
+      </p:pic>
     </p:spTree>
   </p:cSld>
   <p:timing>
@@ -2660,14 +2575,14 @@
       </p:grpSpPr>
       <p:sp>
         <p:nvSpPr>
-          <p:cNvPr id="53" name="CustomShape 1"/>
+          <p:cNvPr id="54" name="CustomShape 1"/>
           <p:cNvSpPr/>
           <p:nvPr/>
         </p:nvSpPr>
         <p:spPr>
           <a:xfrm>
             <a:off x="0" y="0"/>
-            <a:ext cx="12191400" cy="2115360"/>
+            <a:ext cx="12192120" cy="1586520"/>
           </a:xfrm>
           <a:prstGeom prst="rect">
             <a:avLst/>
@@ -2688,7 +2603,7 @@
       </p:sp>
       <p:pic>
         <p:nvPicPr>
-          <p:cNvPr id="54" name="Google Shape;89;p13" descr=""/>
+          <p:cNvPr id="55" name="Google Shape;89;p13" descr=""/>
           <p:cNvPicPr/>
           <p:nvPr/>
         </p:nvPicPr>
@@ -2699,7 +2614,7 @@
         <p:spPr>
           <a:xfrm>
             <a:off x="10561680" y="0"/>
-            <a:ext cx="1083600" cy="2507400"/>
+            <a:ext cx="1083240" cy="2507040"/>
           </a:xfrm>
           <a:prstGeom prst="rect">
             <a:avLst/>
@@ -2711,14 +2626,14 @@
       </p:pic>
       <p:sp>
         <p:nvSpPr>
-          <p:cNvPr id="55" name="CustomShape 2"/>
+          <p:cNvPr id="56" name="CustomShape 2"/>
           <p:cNvSpPr/>
           <p:nvPr/>
         </p:nvSpPr>
         <p:spPr>
           <a:xfrm>
             <a:off x="2296800" y="2234160"/>
-            <a:ext cx="7512840" cy="1322640"/>
+            <a:ext cx="7512480" cy="1322280"/>
           </a:xfrm>
           <a:prstGeom prst="rect">
             <a:avLst/>
@@ -2771,14 +2686,14 @@
       </p:sp>
       <p:sp>
         <p:nvSpPr>
-          <p:cNvPr id="56" name="CustomShape 3"/>
+          <p:cNvPr id="57" name="CustomShape 3"/>
           <p:cNvSpPr/>
           <p:nvPr/>
         </p:nvSpPr>
         <p:spPr>
           <a:xfrm>
             <a:off x="504000" y="6479280"/>
-            <a:ext cx="11130480" cy="720360"/>
+            <a:ext cx="11130120" cy="720000"/>
           </a:xfrm>
           <a:prstGeom prst="rect">
             <a:avLst/>
@@ -2828,29 +2743,6 @@
           </a:p>
         </p:txBody>
       </p:sp>
-      <p:pic>
-        <p:nvPicPr>
-          <p:cNvPr id="57" name="Google Shape;92;p13" descr=""/>
-          <p:cNvPicPr/>
-          <p:nvPr/>
-        </p:nvPicPr>
-        <p:blipFill>
-          <a:blip r:embed="rId2"/>
-          <a:stretch/>
-        </p:blipFill>
-        <p:spPr>
-          <a:xfrm>
-            <a:off x="268920" y="573840"/>
-            <a:ext cx="5751360" cy="1359360"/>
-          </a:xfrm>
-          <a:prstGeom prst="rect">
-            <a:avLst/>
-          </a:prstGeom>
-          <a:ln>
-            <a:noFill/>
-          </a:ln>
-        </p:spPr>
-      </p:pic>
       <p:sp>
         <p:nvSpPr>
           <p:cNvPr id="58" name="CustomShape 4"/>
@@ -2860,7 +2752,7 @@
         <p:spPr>
           <a:xfrm>
             <a:off x="3415320" y="2748600"/>
-            <a:ext cx="4890960" cy="829080"/>
+            <a:ext cx="4890600" cy="828720"/>
           </a:xfrm>
           <a:prstGeom prst="rect">
             <a:avLst/>
@@ -2919,7 +2811,7 @@
         <p:spPr>
           <a:xfrm>
             <a:off x="576000" y="3969720"/>
-            <a:ext cx="9575640" cy="601920"/>
+            <a:ext cx="9575280" cy="601560"/>
           </a:xfrm>
           <a:prstGeom prst="rect">
             <a:avLst/>
@@ -2974,7 +2866,7 @@
             <a:avLst/>
           </a:prstGeom>
           <a:ln>
-            <a:tailEnd len="med" type="triangle" w="med"/>
+            <a:noFill/>
           </a:ln>
         </p:spPr>
         <p:style>
@@ -2992,10 +2884,10 @@
         </p:nvGrpSpPr>
         <p:grpSpPr>
           <a:xfrm>
-            <a:off x="1584000" y="3816000"/>
-            <a:ext cx="1223640" cy="755640"/>
-            <a:chOff x="1584000" y="3816000"/>
-            <a:chExt cx="1223640" cy="755640"/>
+            <a:off x="1332000" y="3780000"/>
+            <a:ext cx="1223280" cy="755280"/>
+            <a:chOff x="1332000" y="3780000"/>
+            <a:chExt cx="1223280" cy="755280"/>
           </a:xfrm>
         </p:grpSpPr>
         <p:sp>
@@ -3006,8 +2898,8 @@
           </p:nvSpPr>
           <p:spPr>
             <a:xfrm>
-              <a:off x="1584000" y="3816000"/>
-              <a:ext cx="1223640" cy="755640"/>
+              <a:off x="1332000" y="3780000"/>
+              <a:ext cx="1223280" cy="755280"/>
             </a:xfrm>
             <a:custGeom>
               <a:avLst/>
@@ -3076,8 +2968,8 @@
           </p:nvSpPr>
           <p:spPr>
             <a:xfrm>
-              <a:off x="1728000" y="4104000"/>
-              <a:ext cx="180360" cy="426960"/>
+              <a:off x="1476000" y="4068000"/>
+              <a:ext cx="180000" cy="426600"/>
             </a:xfrm>
             <a:prstGeom prst="rect">
               <a:avLst/>
@@ -3102,8 +2994,8 @@
           </p:nvSpPr>
           <p:spPr>
             <a:xfrm>
-              <a:off x="1692000" y="4017960"/>
-              <a:ext cx="1082520" cy="373680"/>
+              <a:off x="1440000" y="3981960"/>
+              <a:ext cx="1082160" cy="373320"/>
             </a:xfrm>
             <a:prstGeom prst="rect">
               <a:avLst/>
@@ -3182,14 +3074,14 @@
         </p:nvSpPr>
         <p:spPr>
           <a:xfrm>
-            <a:off x="2916000" y="4113720"/>
+            <a:off x="2664000" y="4077720"/>
             <a:ext cx="828000" cy="360"/>
           </a:xfrm>
           <a:prstGeom prst="line">
             <a:avLst/>
           </a:prstGeom>
           <a:ln>
-            <a:tailEnd len="med" type="triangle" w="med"/>
+            <a:noFill/>
           </a:ln>
         </p:spPr>
         <p:style>
@@ -3207,10 +3099,10 @@
         </p:nvGrpSpPr>
         <p:grpSpPr>
           <a:xfrm>
-            <a:off x="3825720" y="3859560"/>
-            <a:ext cx="1223640" cy="755640"/>
-            <a:chOff x="3825720" y="3859560"/>
-            <a:chExt cx="1223640" cy="755640"/>
+            <a:off x="3501720" y="3823560"/>
+            <a:ext cx="1223280" cy="755280"/>
+            <a:chOff x="3501720" y="3823560"/>
+            <a:chExt cx="1223280" cy="755280"/>
           </a:xfrm>
         </p:grpSpPr>
         <p:sp>
@@ -3221,8 +3113,8 @@
           </p:nvSpPr>
           <p:spPr>
             <a:xfrm>
-              <a:off x="3825720" y="3859560"/>
-              <a:ext cx="1223640" cy="755640"/>
+              <a:off x="3501720" y="3823560"/>
+              <a:ext cx="1223280" cy="755280"/>
             </a:xfrm>
             <a:custGeom>
               <a:avLst/>
@@ -3291,8 +3183,8 @@
           </p:nvSpPr>
           <p:spPr>
             <a:xfrm>
-              <a:off x="3969720" y="4147560"/>
-              <a:ext cx="180360" cy="426960"/>
+              <a:off x="3645720" y="4111560"/>
+              <a:ext cx="180000" cy="426600"/>
             </a:xfrm>
             <a:prstGeom prst="rect">
               <a:avLst/>
@@ -3317,8 +3209,8 @@
           </p:nvSpPr>
           <p:spPr>
             <a:xfrm>
-              <a:off x="3933720" y="4061520"/>
-              <a:ext cx="1046160" cy="515520"/>
+              <a:off x="3609720" y="4025520"/>
+              <a:ext cx="1045800" cy="515160"/>
             </a:xfrm>
             <a:prstGeom prst="rect">
               <a:avLst/>
@@ -3407,14 +3299,14 @@
         </p:nvSpPr>
         <p:spPr>
           <a:xfrm>
-            <a:off x="5148360" y="4222080"/>
+            <a:off x="4896360" y="4186080"/>
             <a:ext cx="828000" cy="360"/>
           </a:xfrm>
           <a:prstGeom prst="line">
             <a:avLst/>
           </a:prstGeom>
           <a:ln>
-            <a:tailEnd len="med" type="triangle" w="med"/>
+            <a:noFill/>
           </a:ln>
         </p:spPr>
         <p:style>
@@ -3432,10 +3324,10 @@
         </p:nvGrpSpPr>
         <p:grpSpPr>
           <a:xfrm>
-            <a:off x="6058080" y="3967920"/>
-            <a:ext cx="1223640" cy="755640"/>
-            <a:chOff x="6058080" y="3967920"/>
-            <a:chExt cx="1223640" cy="755640"/>
+            <a:off x="5986080" y="3931920"/>
+            <a:ext cx="1223280" cy="755280"/>
+            <a:chOff x="5986080" y="3931920"/>
+            <a:chExt cx="1223280" cy="755280"/>
           </a:xfrm>
         </p:grpSpPr>
         <p:sp>
@@ -3446,8 +3338,8 @@
           </p:nvSpPr>
           <p:spPr>
             <a:xfrm>
-              <a:off x="6058080" y="3967920"/>
-              <a:ext cx="1223640" cy="755640"/>
+              <a:off x="5986080" y="3931920"/>
+              <a:ext cx="1223280" cy="755280"/>
             </a:xfrm>
             <a:custGeom>
               <a:avLst/>
@@ -3516,8 +3408,8 @@
           </p:nvSpPr>
           <p:spPr>
             <a:xfrm>
-              <a:off x="6202080" y="4255920"/>
-              <a:ext cx="180360" cy="426960"/>
+              <a:off x="6130080" y="4219920"/>
+              <a:ext cx="180000" cy="426600"/>
             </a:xfrm>
             <a:prstGeom prst="rect">
               <a:avLst/>
@@ -3542,8 +3434,8 @@
           </p:nvSpPr>
           <p:spPr>
             <a:xfrm>
-              <a:off x="6166080" y="4169880"/>
-              <a:ext cx="919440" cy="515520"/>
+              <a:off x="6094080" y="4133880"/>
+              <a:ext cx="919080" cy="515160"/>
             </a:xfrm>
             <a:prstGeom prst="rect">
               <a:avLst/>
@@ -3642,14 +3534,14 @@
         </p:nvSpPr>
         <p:spPr>
           <a:xfrm>
-            <a:off x="7380720" y="4330440"/>
+            <a:off x="7128720" y="4294440"/>
             <a:ext cx="828000" cy="360"/>
           </a:xfrm>
           <a:prstGeom prst="line">
             <a:avLst/>
           </a:prstGeom>
           <a:ln>
-            <a:tailEnd len="med" type="triangle" w="med"/>
+            <a:noFill/>
           </a:ln>
         </p:spPr>
         <p:style>
@@ -3667,10 +3559,10 @@
         </p:nvGrpSpPr>
         <p:grpSpPr>
           <a:xfrm>
-            <a:off x="8290440" y="4076280"/>
-            <a:ext cx="1223640" cy="755640"/>
-            <a:chOff x="8290440" y="4076280"/>
-            <a:chExt cx="1223640" cy="755640"/>
+            <a:off x="8434440" y="4040280"/>
+            <a:ext cx="1223280" cy="755280"/>
+            <a:chOff x="8434440" y="4040280"/>
+            <a:chExt cx="1223280" cy="755280"/>
           </a:xfrm>
         </p:grpSpPr>
         <p:sp>
@@ -3681,8 +3573,8 @@
           </p:nvSpPr>
           <p:spPr>
             <a:xfrm>
-              <a:off x="8290440" y="4076280"/>
-              <a:ext cx="1223640" cy="755640"/>
+              <a:off x="8434440" y="4040280"/>
+              <a:ext cx="1223280" cy="755280"/>
             </a:xfrm>
             <a:custGeom>
               <a:avLst/>
@@ -3751,8 +3643,8 @@
           </p:nvSpPr>
           <p:spPr>
             <a:xfrm>
-              <a:off x="8434440" y="4364280"/>
-              <a:ext cx="180360" cy="426960"/>
+              <a:off x="8578440" y="4328280"/>
+              <a:ext cx="180000" cy="426600"/>
             </a:xfrm>
             <a:prstGeom prst="rect">
               <a:avLst/>
@@ -3777,8 +3669,8 @@
           </p:nvSpPr>
           <p:spPr>
             <a:xfrm>
-              <a:off x="8398440" y="4278240"/>
-              <a:ext cx="940680" cy="373680"/>
+              <a:off x="8542440" y="4242240"/>
+              <a:ext cx="940320" cy="373320"/>
             </a:xfrm>
             <a:prstGeom prst="rect">
               <a:avLst/>
@@ -3854,7 +3746,7 @@
             <a:avLst/>
           </a:prstGeom>
           <a:ln>
-            <a:tailEnd len="med" type="triangle" w="med"/>
+            <a:noFill/>
           </a:ln>
         </p:spPr>
         <p:style>
@@ -3872,10 +3764,10 @@
         </p:nvGrpSpPr>
         <p:grpSpPr>
           <a:xfrm>
-            <a:off x="10630800" y="4220640"/>
-            <a:ext cx="1223640" cy="859320"/>
-            <a:chOff x="10630800" y="4220640"/>
-            <a:chExt cx="1223640" cy="859320"/>
+            <a:off x="10738800" y="4220640"/>
+            <a:ext cx="1223280" cy="858960"/>
+            <a:chOff x="10738800" y="4220640"/>
+            <a:chExt cx="1223280" cy="858960"/>
           </a:xfrm>
         </p:grpSpPr>
         <p:sp>
@@ -3886,8 +3778,8 @@
           </p:nvSpPr>
           <p:spPr>
             <a:xfrm>
-              <a:off x="10630800" y="4220640"/>
-              <a:ext cx="1223640" cy="755640"/>
+              <a:off x="10738800" y="4220640"/>
+              <a:ext cx="1223280" cy="755280"/>
             </a:xfrm>
             <a:custGeom>
               <a:avLst/>
@@ -3956,8 +3848,8 @@
           </p:nvSpPr>
           <p:spPr>
             <a:xfrm>
-              <a:off x="10774800" y="4508640"/>
-              <a:ext cx="180360" cy="426960"/>
+              <a:off x="10882800" y="4508640"/>
+              <a:ext cx="180000" cy="426600"/>
             </a:xfrm>
             <a:prstGeom prst="rect">
               <a:avLst/>
@@ -3982,8 +3874,8 @@
           </p:nvSpPr>
           <p:spPr>
             <a:xfrm>
-              <a:off x="10738800" y="4422600"/>
-              <a:ext cx="835560" cy="657360"/>
+              <a:off x="10846800" y="4422600"/>
+              <a:ext cx="835200" cy="657000"/>
             </a:xfrm>
             <a:prstGeom prst="rect">
               <a:avLst/>
@@ -4074,6 +3966,169 @@
           </p:txBody>
         </p:sp>
       </p:grpSp>
+      <p:sp>
+        <p:nvSpPr>
+          <p:cNvPr id="85" name="Line 31"/>
+          <p:cNvSpPr/>
+          <p:nvPr/>
+        </p:nvSpPr>
+        <p:spPr>
+          <a:xfrm>
+            <a:off x="108000" y="3960000"/>
+            <a:ext cx="1224000" cy="0"/>
+          </a:xfrm>
+          <a:prstGeom prst="line">
+            <a:avLst/>
+          </a:prstGeom>
+          <a:ln>
+            <a:solidFill>
+              <a:srgbClr val="000000"/>
+            </a:solidFill>
+            <a:tailEnd len="med" type="triangle" w="med"/>
+          </a:ln>
+        </p:spPr>
+        <p:style>
+          <a:lnRef idx="0"/>
+          <a:fillRef idx="0"/>
+          <a:effectRef idx="0"/>
+          <a:fontRef idx="minor"/>
+        </p:style>
+      </p:sp>
+      <p:sp>
+        <p:nvSpPr>
+          <p:cNvPr id="86" name="Line 32"/>
+          <p:cNvSpPr/>
+          <p:nvPr/>
+        </p:nvSpPr>
+        <p:spPr>
+          <a:xfrm>
+            <a:off x="2592000" y="4104000"/>
+            <a:ext cx="936000" cy="0"/>
+          </a:xfrm>
+          <a:prstGeom prst="line">
+            <a:avLst/>
+          </a:prstGeom>
+          <a:ln>
+            <a:solidFill>
+              <a:srgbClr val="000000"/>
+            </a:solidFill>
+            <a:tailEnd len="med" type="triangle" w="med"/>
+          </a:ln>
+        </p:spPr>
+        <p:style>
+          <a:lnRef idx="0"/>
+          <a:fillRef idx="0"/>
+          <a:effectRef idx="0"/>
+          <a:fontRef idx="minor"/>
+        </p:style>
+      </p:sp>
+      <p:sp>
+        <p:nvSpPr>
+          <p:cNvPr id="87" name="Line 33"/>
+          <p:cNvSpPr/>
+          <p:nvPr/>
+        </p:nvSpPr>
+        <p:spPr>
+          <a:xfrm>
+            <a:off x="4752000" y="4284000"/>
+            <a:ext cx="1224000" cy="0"/>
+          </a:xfrm>
+          <a:prstGeom prst="line">
+            <a:avLst/>
+          </a:prstGeom>
+          <a:ln>
+            <a:solidFill>
+              <a:srgbClr val="000000"/>
+            </a:solidFill>
+            <a:tailEnd len="med" type="triangle" w="med"/>
+          </a:ln>
+        </p:spPr>
+        <p:style>
+          <a:lnRef idx="0"/>
+          <a:fillRef idx="0"/>
+          <a:effectRef idx="0"/>
+          <a:fontRef idx="minor"/>
+        </p:style>
+      </p:sp>
+      <p:sp>
+        <p:nvSpPr>
+          <p:cNvPr id="88" name="Line 34"/>
+          <p:cNvSpPr/>
+          <p:nvPr/>
+        </p:nvSpPr>
+        <p:spPr>
+          <a:xfrm>
+            <a:off x="7236000" y="4428000"/>
+            <a:ext cx="1224000" cy="0"/>
+          </a:xfrm>
+          <a:prstGeom prst="line">
+            <a:avLst/>
+          </a:prstGeom>
+          <a:ln>
+            <a:solidFill>
+              <a:srgbClr val="000000"/>
+            </a:solidFill>
+            <a:tailEnd len="med" type="triangle" w="med"/>
+          </a:ln>
+        </p:spPr>
+        <p:style>
+          <a:lnRef idx="0"/>
+          <a:fillRef idx="0"/>
+          <a:effectRef idx="0"/>
+          <a:fontRef idx="minor"/>
+        </p:style>
+      </p:sp>
+      <p:sp>
+        <p:nvSpPr>
+          <p:cNvPr id="89" name="Line 35"/>
+          <p:cNvSpPr/>
+          <p:nvPr/>
+        </p:nvSpPr>
+        <p:spPr>
+          <a:xfrm>
+            <a:off x="9684000" y="4608000"/>
+            <a:ext cx="1044000" cy="0"/>
+          </a:xfrm>
+          <a:prstGeom prst="line">
+            <a:avLst/>
+          </a:prstGeom>
+          <a:ln>
+            <a:solidFill>
+              <a:srgbClr val="000000"/>
+            </a:solidFill>
+            <a:tailEnd len="med" type="triangle" w="med"/>
+          </a:ln>
+        </p:spPr>
+        <p:style>
+          <a:lnRef idx="0"/>
+          <a:fillRef idx="0"/>
+          <a:effectRef idx="0"/>
+          <a:fontRef idx="minor"/>
+        </p:style>
+      </p:sp>
+      <p:pic>
+        <p:nvPicPr>
+          <p:cNvPr id="90" name="Google Shape;166;p39" descr=""/>
+          <p:cNvPicPr/>
+          <p:nvPr/>
+        </p:nvPicPr>
+        <p:blipFill>
+          <a:blip r:embed="rId2"/>
+          <a:stretch/>
+        </p:blipFill>
+        <p:spPr>
+          <a:xfrm>
+            <a:off x="235080" y="283680"/>
+            <a:ext cx="4000680" cy="1019520"/>
+          </a:xfrm>
+          <a:prstGeom prst="rect">
+            <a:avLst/>
+          </a:prstGeom>
+          <a:ln>
+            <a:noFill/>
+          </a:ln>
+        </p:spPr>
+      </p:pic>
     </p:spTree>
   </p:cSld>
   <p:timing>
@@ -4132,14 +4187,14 @@
       </p:grpSpPr>
       <p:sp>
         <p:nvSpPr>
-          <p:cNvPr id="85" name="CustomShape 1"/>
+          <p:cNvPr id="91" name="CustomShape 1"/>
           <p:cNvSpPr/>
           <p:nvPr/>
         </p:nvSpPr>
         <p:spPr>
           <a:xfrm>
             <a:off x="0" y="0"/>
-            <a:ext cx="12191400" cy="2115360"/>
+            <a:ext cx="12192120" cy="1586520"/>
           </a:xfrm>
           <a:prstGeom prst="rect">
             <a:avLst/>
@@ -4160,7 +4215,7 @@
       </p:sp>
       <p:pic>
         <p:nvPicPr>
-          <p:cNvPr id="86" name="Google Shape;89;p13" descr=""/>
+          <p:cNvPr id="92" name="Google Shape;89;p13" descr=""/>
           <p:cNvPicPr/>
           <p:nvPr/>
         </p:nvPicPr>
@@ -4171,7 +4226,7 @@
         <p:spPr>
           <a:xfrm>
             <a:off x="10561680" y="0"/>
-            <a:ext cx="1083600" cy="2507400"/>
+            <a:ext cx="1083240" cy="2507040"/>
           </a:xfrm>
           <a:prstGeom prst="rect">
             <a:avLst/>
@@ -4183,14 +4238,14 @@
       </p:pic>
       <p:sp>
         <p:nvSpPr>
-          <p:cNvPr id="87" name="CustomShape 2"/>
+          <p:cNvPr id="93" name="CustomShape 2"/>
           <p:cNvSpPr/>
           <p:nvPr/>
         </p:nvSpPr>
         <p:spPr>
           <a:xfrm>
             <a:off x="2304000" y="2205000"/>
-            <a:ext cx="7512840" cy="1034640"/>
+            <a:ext cx="7512480" cy="1034280"/>
           </a:xfrm>
           <a:prstGeom prst="rect">
             <a:avLst/>
@@ -4253,14 +4308,14 @@
       </p:sp>
       <p:sp>
         <p:nvSpPr>
-          <p:cNvPr id="88" name="CustomShape 3"/>
+          <p:cNvPr id="94" name="CustomShape 3"/>
           <p:cNvSpPr/>
           <p:nvPr/>
         </p:nvSpPr>
         <p:spPr>
           <a:xfrm>
             <a:off x="360000" y="6479280"/>
-            <a:ext cx="11130480" cy="720360"/>
+            <a:ext cx="11130120" cy="720000"/>
           </a:xfrm>
           <a:prstGeom prst="rect">
             <a:avLst/>
@@ -4310,39 +4365,16 @@
           </a:p>
         </p:txBody>
       </p:sp>
-      <p:pic>
-        <p:nvPicPr>
-          <p:cNvPr id="89" name="Google Shape;92;p13" descr=""/>
-          <p:cNvPicPr/>
-          <p:nvPr/>
-        </p:nvPicPr>
-        <p:blipFill>
-          <a:blip r:embed="rId2"/>
-          <a:stretch/>
-        </p:blipFill>
-        <p:spPr>
-          <a:xfrm>
-            <a:off x="268920" y="573840"/>
-            <a:ext cx="5751360" cy="1359360"/>
-          </a:xfrm>
-          <a:prstGeom prst="rect">
-            <a:avLst/>
-          </a:prstGeom>
-          <a:ln>
-            <a:noFill/>
-          </a:ln>
-        </p:spPr>
-      </p:pic>
-      <p:sp>
-        <p:nvSpPr>
-          <p:cNvPr id="90" name="CustomShape 4"/>
+      <p:sp>
+        <p:nvSpPr>
+          <p:cNvPr id="95" name="CustomShape 4"/>
           <p:cNvSpPr/>
           <p:nvPr/>
         </p:nvSpPr>
         <p:spPr>
           <a:xfrm>
             <a:off x="2520000" y="3975840"/>
-            <a:ext cx="7991640" cy="1279800"/>
+            <a:ext cx="7991280" cy="1279440"/>
           </a:xfrm>
           <a:prstGeom prst="rect">
             <a:avLst/>
@@ -4384,7 +4416,7 @@
                 <a:latin typeface="Arial"/>
                 <a:ea typeface="Arial"/>
               </a:rPr>
-              <a:t>Sublime text/ vscode</a:t>
+              <a:t>Sublime text/ vscode,html5, css3, JavaScript, trello</a:t>
             </a:r>
             <a:endParaRPr b="0" lang="pt-BR" sz="1800" spc="-1" strike="noStrike">
               <a:latin typeface="Arial"/>
@@ -4414,7 +4446,7 @@
                 <a:latin typeface="Arial"/>
                 <a:ea typeface="DejaVu Sans"/>
               </a:rPr>
-              <a:t>Back End: PHP, MYSQL, Mysql workbend</a:t>
+              <a:t>Back End: PHP, MYSQL, mysql workbench</a:t>
             </a:r>
             <a:endParaRPr b="0" lang="pt-BR" sz="1800" spc="-1" strike="noStrike">
               <a:latin typeface="Arial"/>
@@ -4444,14 +4476,14 @@
       </p:sp>
       <p:sp>
         <p:nvSpPr>
-          <p:cNvPr id="91" name="CustomShape 5"/>
+          <p:cNvPr id="96" name="CustomShape 5"/>
           <p:cNvSpPr/>
           <p:nvPr/>
         </p:nvSpPr>
         <p:spPr>
           <a:xfrm>
             <a:off x="3168000" y="3140640"/>
-            <a:ext cx="5788800" cy="459000"/>
+            <a:ext cx="5788440" cy="458640"/>
           </a:xfrm>
           <a:prstGeom prst="rect">
             <a:avLst/>
@@ -4501,6 +4533,29 @@
           </a:p>
         </p:txBody>
       </p:sp>
+      <p:pic>
+        <p:nvPicPr>
+          <p:cNvPr id="97" name="Google Shape;166;p39" descr=""/>
+          <p:cNvPicPr/>
+          <p:nvPr/>
+        </p:nvPicPr>
+        <p:blipFill>
+          <a:blip r:embed="rId2"/>
+          <a:stretch/>
+        </p:blipFill>
+        <p:spPr>
+          <a:xfrm>
+            <a:off x="235080" y="283680"/>
+            <a:ext cx="4000680" cy="1019520"/>
+          </a:xfrm>
+          <a:prstGeom prst="rect">
+            <a:avLst/>
+          </a:prstGeom>
+          <a:ln>
+            <a:noFill/>
+          </a:ln>
+        </p:spPr>
+      </p:pic>
     </p:spTree>
   </p:cSld>
   <p:timing>
@@ -4559,14 +4614,14 @@
       </p:grpSpPr>
       <p:sp>
         <p:nvSpPr>
-          <p:cNvPr id="92" name="CustomShape 1"/>
+          <p:cNvPr id="98" name="CustomShape 1"/>
           <p:cNvSpPr/>
           <p:nvPr/>
         </p:nvSpPr>
         <p:spPr>
           <a:xfrm>
             <a:off x="0" y="0"/>
-            <a:ext cx="12191400" cy="2115360"/>
+            <a:ext cx="12192120" cy="1586520"/>
           </a:xfrm>
           <a:prstGeom prst="rect">
             <a:avLst/>
@@ -4587,7 +4642,7 @@
       </p:sp>
       <p:pic>
         <p:nvPicPr>
-          <p:cNvPr id="93" name="Google Shape;89;p13" descr=""/>
+          <p:cNvPr id="99" name="Google Shape;89;p13" descr=""/>
           <p:cNvPicPr/>
           <p:nvPr/>
         </p:nvPicPr>
@@ -4598,7 +4653,7 @@
         <p:spPr>
           <a:xfrm>
             <a:off x="10561680" y="0"/>
-            <a:ext cx="1083600" cy="2507400"/>
+            <a:ext cx="1083240" cy="2507040"/>
           </a:xfrm>
           <a:prstGeom prst="rect">
             <a:avLst/>
@@ -4610,14 +4665,14 @@
       </p:pic>
       <p:sp>
         <p:nvSpPr>
-          <p:cNvPr id="94" name="CustomShape 2"/>
+          <p:cNvPr id="100" name="CustomShape 2"/>
           <p:cNvSpPr/>
           <p:nvPr/>
         </p:nvSpPr>
         <p:spPr>
           <a:xfrm>
-            <a:off x="2278800" y="2637000"/>
-            <a:ext cx="7512840" cy="1322640"/>
+            <a:off x="2304000" y="2205000"/>
+            <a:ext cx="7512480" cy="1034280"/>
           </a:xfrm>
           <a:prstGeom prst="rect">
             <a:avLst/>
@@ -4672,32 +4727,22 @@
                 <a:spcPct val="100000"/>
               </a:lnSpc>
             </a:pPr>
-            <a:r>
-              <a:rPr b="1" lang="pt-BR" sz="2600" spc="-1" strike="noStrike">
-                <a:solidFill>
-                  <a:srgbClr val="8dc641"/>
-                </a:solidFill>
-                <a:latin typeface="Arial"/>
-                <a:ea typeface="Arial"/>
-              </a:rPr>
-              <a:t>Aplicações das tecnologias (onde serão aplicadas)</a:t>
-            </a:r>
-            <a:endParaRPr b="0" lang="pt-BR" sz="2600" spc="-1" strike="noStrike">
-              <a:latin typeface="Arial"/>
-            </a:endParaRPr>
-          </a:p>
-        </p:txBody>
-      </p:sp>
-      <p:sp>
-        <p:nvSpPr>
-          <p:cNvPr id="95" name="CustomShape 3"/>
+            <a:endParaRPr b="0" lang="pt-BR" sz="3200" spc="-1" strike="noStrike">
+              <a:latin typeface="Arial"/>
+            </a:endParaRPr>
+          </a:p>
+        </p:txBody>
+      </p:sp>
+      <p:sp>
+        <p:nvSpPr>
+          <p:cNvPr id="101" name="CustomShape 3"/>
           <p:cNvSpPr/>
           <p:nvPr/>
         </p:nvSpPr>
         <p:spPr>
           <a:xfrm>
             <a:off x="360000" y="6479280"/>
-            <a:ext cx="11130480" cy="720360"/>
+            <a:ext cx="11130120" cy="720000"/>
           </a:xfrm>
           <a:prstGeom prst="rect">
             <a:avLst/>
@@ -4747,9 +4792,137 @@
           </a:p>
         </p:txBody>
       </p:sp>
+      <p:sp>
+        <p:nvSpPr>
+          <p:cNvPr id="102" name="CustomShape 4"/>
+          <p:cNvSpPr/>
+          <p:nvPr/>
+        </p:nvSpPr>
+        <p:spPr>
+          <a:xfrm>
+            <a:off x="2520000" y="3975840"/>
+            <a:ext cx="7991280" cy="1279440"/>
+          </a:xfrm>
+          <a:prstGeom prst="rect">
+            <a:avLst/>
+          </a:prstGeom>
+          <a:noFill/>
+          <a:ln>
+            <a:noFill/>
+          </a:ln>
+        </p:spPr>
+        <p:style>
+          <a:lnRef idx="0"/>
+          <a:fillRef idx="0"/>
+          <a:effectRef idx="0"/>
+          <a:fontRef idx="minor"/>
+        </p:style>
+        <p:txBody>
+          <a:bodyPr lIns="0" rIns="0" tIns="0" bIns="0"/>
+          <a:p>
+            <a:pPr>
+              <a:lnSpc>
+                <a:spcPct val="100000"/>
+              </a:lnSpc>
+            </a:pPr>
+            <a:r>
+              <a:rPr b="1" lang="pt-BR" sz="1800" spc="-1" strike="noStrike">
+                <a:solidFill>
+                  <a:srgbClr val="8dc641"/>
+                </a:solidFill>
+                <a:latin typeface="Arial"/>
+                <a:ea typeface="DejaVu Sans"/>
+              </a:rPr>
+              <a:t>Será usado técnicas de normalização de dados para evitarmos redundância dos dados no banco.</a:t>
+            </a:r>
+            <a:endParaRPr b="0" lang="pt-BR" sz="1800" spc="-1" strike="noStrike">
+              <a:latin typeface="Arial"/>
+            </a:endParaRPr>
+          </a:p>
+          <a:p>
+            <a:pPr>
+              <a:lnSpc>
+                <a:spcPct val="100000"/>
+              </a:lnSpc>
+            </a:pPr>
+            <a:endParaRPr b="0" lang="pt-BR" sz="1800" spc="-1" strike="noStrike">
+              <a:latin typeface="Arial"/>
+            </a:endParaRPr>
+          </a:p>
+          <a:p>
+            <a:pPr>
+              <a:lnSpc>
+                <a:spcPct val="100000"/>
+              </a:lnSpc>
+            </a:pPr>
+            <a:endParaRPr b="0" lang="pt-BR" sz="1800" spc="-1" strike="noStrike">
+              <a:latin typeface="Arial"/>
+            </a:endParaRPr>
+          </a:p>
+        </p:txBody>
+      </p:sp>
+      <p:sp>
+        <p:nvSpPr>
+          <p:cNvPr id="103" name="CustomShape 5"/>
+          <p:cNvSpPr/>
+          <p:nvPr/>
+        </p:nvSpPr>
+        <p:spPr>
+          <a:xfrm>
+            <a:off x="3168000" y="3140640"/>
+            <a:ext cx="5788440" cy="458640"/>
+          </a:xfrm>
+          <a:prstGeom prst="rect">
+            <a:avLst/>
+          </a:prstGeom>
+          <a:noFill/>
+          <a:ln>
+            <a:noFill/>
+          </a:ln>
+        </p:spPr>
+        <p:style>
+          <a:lnRef idx="0"/>
+          <a:fillRef idx="0"/>
+          <a:effectRef idx="0"/>
+          <a:fontRef idx="minor"/>
+        </p:style>
+        <p:txBody>
+          <a:bodyPr lIns="90000" rIns="90000" tIns="45000" bIns="45000"/>
+          <a:p>
+            <a:pPr>
+              <a:lnSpc>
+                <a:spcPct val="100000"/>
+              </a:lnSpc>
+            </a:pPr>
+            <a:r>
+              <a:rPr b="1" lang="pt-BR" sz="2600" spc="-1" strike="noStrike">
+                <a:solidFill>
+                  <a:srgbClr val="8dc641"/>
+                </a:solidFill>
+                <a:latin typeface="Arial"/>
+                <a:ea typeface="Arial"/>
+              </a:rPr>
+              <a:t> </a:t>
+            </a:r>
+            <a:r>
+              <a:rPr b="1" lang="pt-BR" sz="2600" spc="-1" strike="noStrike">
+                <a:solidFill>
+                  <a:srgbClr val="8dc641"/>
+                </a:solidFill>
+                <a:latin typeface="Arial"/>
+                <a:ea typeface="Arial"/>
+              </a:rPr>
+              <a:t>Tecnologias envolvidas nas etapas</a:t>
+            </a:r>
+            <a:endParaRPr b="0" lang="pt-BR" sz="2600" spc="-1" strike="noStrike">
+              <a:latin typeface="Arial"/>
+            </a:endParaRPr>
+          </a:p>
+        </p:txBody>
+      </p:sp>
       <p:pic>
         <p:nvPicPr>
-          <p:cNvPr id="96" name="Google Shape;92;p13" descr=""/>
+          <p:cNvPr id="104" name="Google Shape;166;p39" descr=""/>
           <p:cNvPicPr/>
           <p:nvPr/>
         </p:nvPicPr>
@@ -4759,8 +4932,8 @@
         </p:blipFill>
         <p:spPr>
           <a:xfrm>
-            <a:off x="268920" y="573840"/>
-            <a:ext cx="5751360" cy="1359360"/>
+            <a:off x="235080" y="283680"/>
+            <a:ext cx="4000680" cy="1019520"/>
           </a:xfrm>
           <a:prstGeom prst="rect">
             <a:avLst/>
@@ -4828,14 +5001,14 @@
       </p:grpSpPr>
       <p:sp>
         <p:nvSpPr>
-          <p:cNvPr id="97" name="CustomShape 1"/>
+          <p:cNvPr id="105" name="CustomShape 1"/>
           <p:cNvSpPr/>
           <p:nvPr/>
         </p:nvSpPr>
         <p:spPr>
           <a:xfrm>
             <a:off x="0" y="0"/>
-            <a:ext cx="12191400" cy="2115360"/>
+            <a:ext cx="12192120" cy="1586520"/>
           </a:xfrm>
           <a:prstGeom prst="rect">
             <a:avLst/>
@@ -4856,7 +5029,7 @@
       </p:sp>
       <p:pic>
         <p:nvPicPr>
-          <p:cNvPr id="98" name="Google Shape;89;p13" descr=""/>
+          <p:cNvPr id="106" name="Google Shape;89;p13" descr=""/>
           <p:cNvPicPr/>
           <p:nvPr/>
         </p:nvPicPr>
@@ -4867,7 +5040,7 @@
         <p:spPr>
           <a:xfrm>
             <a:off x="10561680" y="0"/>
-            <a:ext cx="1083600" cy="2507400"/>
+            <a:ext cx="1083240" cy="2507040"/>
           </a:xfrm>
           <a:prstGeom prst="rect">
             <a:avLst/>
@@ -4879,14 +5052,14 @@
       </p:pic>
       <p:sp>
         <p:nvSpPr>
-          <p:cNvPr id="99" name="CustomShape 2"/>
+          <p:cNvPr id="107" name="CustomShape 2"/>
           <p:cNvSpPr/>
           <p:nvPr/>
         </p:nvSpPr>
         <p:spPr>
           <a:xfrm>
-            <a:off x="2278800" y="2637000"/>
-            <a:ext cx="7512840" cy="1322640"/>
+            <a:off x="2423160" y="1809360"/>
+            <a:ext cx="7512480" cy="1322280"/>
           </a:xfrm>
           <a:prstGeom prst="rect">
             <a:avLst/>
@@ -4935,48 +5108,18 @@
               <a:latin typeface="Arial"/>
             </a:endParaRPr>
           </a:p>
-          <a:p>
-            <a:pPr algn="ctr">
-              <a:lnSpc>
-                <a:spcPct val="100000"/>
-              </a:lnSpc>
-            </a:pPr>
-            <a:r>
-              <a:rPr b="1" lang="pt-BR" sz="2600" spc="-1" strike="noStrike">
-                <a:solidFill>
-                  <a:srgbClr val="8dc641"/>
-                </a:solidFill>
-                <a:latin typeface="Arial"/>
-                <a:ea typeface="Arial"/>
-              </a:rPr>
-              <a:t> </a:t>
-            </a:r>
-            <a:r>
-              <a:rPr b="1" lang="pt-BR" sz="2600" spc="-1" strike="noStrike">
-                <a:solidFill>
-                  <a:srgbClr val="8dc641"/>
-                </a:solidFill>
-                <a:latin typeface="Arial"/>
-                <a:ea typeface="Arial"/>
-              </a:rPr>
-              <a:t>Cronograma (quando cada etapa será entregue)</a:t>
-            </a:r>
-            <a:endParaRPr b="0" lang="pt-BR" sz="2600" spc="-1" strike="noStrike">
-              <a:latin typeface="Arial"/>
-            </a:endParaRPr>
-          </a:p>
-        </p:txBody>
-      </p:sp>
-      <p:sp>
-        <p:nvSpPr>
-          <p:cNvPr id="100" name="CustomShape 3"/>
+        </p:txBody>
+      </p:sp>
+      <p:sp>
+        <p:nvSpPr>
+          <p:cNvPr id="108" name="CustomShape 3"/>
           <p:cNvSpPr/>
           <p:nvPr/>
         </p:nvSpPr>
         <p:spPr>
           <a:xfrm>
-            <a:off x="461160" y="6479280"/>
-            <a:ext cx="11130480" cy="720360"/>
+            <a:off x="360000" y="6479280"/>
+            <a:ext cx="11130120" cy="720000"/>
           </a:xfrm>
           <a:prstGeom prst="rect">
             <a:avLst/>
@@ -5026,9 +5169,187 @@
           </a:p>
         </p:txBody>
       </p:sp>
+      <p:sp>
+        <p:nvSpPr>
+          <p:cNvPr id="109" name="CustomShape 4"/>
+          <p:cNvSpPr/>
+          <p:nvPr/>
+        </p:nvSpPr>
+        <p:spPr>
+          <a:xfrm>
+            <a:off x="2160000" y="2952000"/>
+            <a:ext cx="8205840" cy="459000"/>
+          </a:xfrm>
+          <a:prstGeom prst="rect">
+            <a:avLst/>
+          </a:prstGeom>
+          <a:noFill/>
+          <a:ln>
+            <a:noFill/>
+          </a:ln>
+        </p:spPr>
+        <p:style>
+          <a:lnRef idx="0"/>
+          <a:fillRef idx="0"/>
+          <a:effectRef idx="0"/>
+          <a:fontRef idx="minor"/>
+        </p:style>
+        <p:txBody>
+          <a:bodyPr lIns="90000" rIns="90000" tIns="45000" bIns="45000"/>
+          <a:p>
+            <a:pPr>
+              <a:lnSpc>
+                <a:spcPct val="100000"/>
+              </a:lnSpc>
+            </a:pPr>
+            <a:r>
+              <a:rPr b="1" lang="pt-BR" sz="2600" spc="-1" strike="noStrike">
+                <a:solidFill>
+                  <a:srgbClr val="8dc641"/>
+                </a:solidFill>
+                <a:latin typeface="Arial"/>
+                <a:ea typeface="Arial"/>
+              </a:rPr>
+              <a:t>Aplicações das tecnologias (onde serão aplicadas)</a:t>
+            </a:r>
+            <a:endParaRPr b="0" lang="pt-BR" sz="2600" spc="-1" strike="noStrike">
+              <a:latin typeface="Arial"/>
+            </a:endParaRPr>
+          </a:p>
+        </p:txBody>
+      </p:sp>
+      <p:sp>
+        <p:nvSpPr>
+          <p:cNvPr id="110" name="CustomShape 5"/>
+          <p:cNvSpPr/>
+          <p:nvPr/>
+        </p:nvSpPr>
+        <p:spPr>
+          <a:xfrm>
+            <a:off x="1188000" y="3674520"/>
+            <a:ext cx="9812160" cy="1653120"/>
+          </a:xfrm>
+          <a:prstGeom prst="rect">
+            <a:avLst/>
+          </a:prstGeom>
+          <a:noFill/>
+          <a:ln>
+            <a:noFill/>
+          </a:ln>
+        </p:spPr>
+        <p:style>
+          <a:lnRef idx="0"/>
+          <a:fillRef idx="0"/>
+          <a:effectRef idx="0"/>
+          <a:fontRef idx="minor"/>
+        </p:style>
+        <p:txBody>
+          <a:bodyPr lIns="90000" rIns="90000" tIns="45000" bIns="45000"/>
+          <a:p>
+            <a:pPr algn="just">
+              <a:lnSpc>
+                <a:spcPct val="100000"/>
+              </a:lnSpc>
+            </a:pPr>
+            <a:r>
+              <a:rPr b="1" lang="pt-BR" sz="1800" spc="-1" strike="noStrike">
+                <a:solidFill>
+                  <a:srgbClr val="8dc641"/>
+                </a:solidFill>
+                <a:latin typeface="Arial"/>
+                <a:ea typeface="Arial"/>
+              </a:rPr>
+              <a:t>Para realizar a modelagem do sistema, será utilizado a ferramenta lucidchart</a:t>
+            </a:r>
+            <a:endParaRPr b="0" lang="pt-BR" sz="1800" spc="-1" strike="noStrike">
+              <a:latin typeface="Arial"/>
+            </a:endParaRPr>
+          </a:p>
+          <a:p>
+            <a:pPr algn="just">
+              <a:lnSpc>
+                <a:spcPct val="100000"/>
+              </a:lnSpc>
+            </a:pPr>
+            <a:r>
+              <a:rPr b="1" lang="pt-BR" sz="1800" spc="-1" strike="noStrike">
+                <a:solidFill>
+                  <a:srgbClr val="8dc641"/>
+                </a:solidFill>
+                <a:latin typeface="Arial"/>
+                <a:ea typeface="Arial"/>
+              </a:rPr>
+              <a:t>para fazermos os diagramas de classe e casos de uso do sistema.</a:t>
+            </a:r>
+            <a:endParaRPr b="0" lang="pt-BR" sz="1800" spc="-1" strike="noStrike">
+              <a:latin typeface="Arial"/>
+            </a:endParaRPr>
+          </a:p>
+          <a:p>
+            <a:pPr algn="just">
+              <a:lnSpc>
+                <a:spcPct val="100000"/>
+              </a:lnSpc>
+            </a:pPr>
+            <a:endParaRPr b="0" lang="pt-BR" sz="1800" spc="-1" strike="noStrike">
+              <a:latin typeface="Arial"/>
+            </a:endParaRPr>
+          </a:p>
+          <a:p>
+            <a:pPr algn="just">
+              <a:lnSpc>
+                <a:spcPct val="100000"/>
+              </a:lnSpc>
+            </a:pPr>
+            <a:r>
+              <a:rPr b="1" lang="pt-BR" sz="1800" spc="-1" strike="noStrike">
+                <a:solidFill>
+                  <a:srgbClr val="8dc641"/>
+                </a:solidFill>
+                <a:latin typeface="Arial"/>
+                <a:ea typeface="Arial"/>
+              </a:rPr>
+              <a:t>Para fazermos a modelagem do banco de dados, será usado o próprio mysql workbench</a:t>
+            </a:r>
+            <a:endParaRPr b="0" lang="pt-BR" sz="1800" spc="-1" strike="noStrike">
+              <a:latin typeface="Arial"/>
+            </a:endParaRPr>
+          </a:p>
+          <a:p>
+            <a:pPr algn="just">
+              <a:lnSpc>
+                <a:spcPct val="100000"/>
+              </a:lnSpc>
+            </a:pPr>
+            <a:r>
+              <a:rPr b="1" lang="pt-BR" sz="1800" spc="-1" strike="noStrike">
+                <a:solidFill>
+                  <a:srgbClr val="8dc641"/>
+                </a:solidFill>
+                <a:latin typeface="Arial"/>
+                <a:ea typeface="Arial"/>
+              </a:rPr>
+              <a:t>Pois quando fizermos o modelo lógico já poderemos convertê-lo  para o modelo físico</a:t>
+            </a:r>
+            <a:endParaRPr b="0" lang="pt-BR" sz="1800" spc="-1" strike="noStrike">
+              <a:latin typeface="Arial"/>
+            </a:endParaRPr>
+          </a:p>
+          <a:p>
+            <a:pPr algn="just">
+              <a:lnSpc>
+                <a:spcPct val="100000"/>
+              </a:lnSpc>
+            </a:pPr>
+            <a:endParaRPr b="0" lang="pt-BR" sz="1800" spc="-1" strike="noStrike">
+              <a:latin typeface="Arial"/>
+            </a:endParaRPr>
+          </a:p>
+        </p:txBody>
+      </p:sp>
       <p:pic>
         <p:nvPicPr>
-          <p:cNvPr id="101" name="Google Shape;92;p13" descr=""/>
+          <p:cNvPr id="111" name="Google Shape;166;p39" descr=""/>
           <p:cNvPicPr/>
           <p:nvPr/>
         </p:nvPicPr>
@@ -5038,8 +5359,8 @@
         </p:blipFill>
         <p:spPr>
           <a:xfrm>
-            <a:off x="268920" y="573840"/>
-            <a:ext cx="5751360" cy="1359360"/>
+            <a:off x="235080" y="283680"/>
+            <a:ext cx="4000680" cy="1019520"/>
           </a:xfrm>
           <a:prstGeom prst="rect">
             <a:avLst/>
@@ -5058,6 +5379,674 @@
           <p:childTnLst>
             <p:seq>
               <p:cTn id="12" dur="indefinite" nodeType="mainSeq"/>
+              <p:prevCondLst>
+                <p:cond delay="0" evt="onPrev">
+                  <p:tgtEl>
+                    <p:sldTgt/>
+                  </p:tgtEl>
+                </p:cond>
+              </p:prevCondLst>
+              <p:nextCondLst>
+                <p:cond delay="0" evt="onNext">
+                  <p:tgtEl>
+                    <p:sldTgt/>
+                  </p:tgtEl>
+                </p:cond>
+              </p:nextCondLst>
+            </p:seq>
+          </p:childTnLst>
+        </p:cTn>
+      </p:par>
+    </p:tnLst>
+  </p:timing>
+</p:sld>
+</file>
+
+<file path=ppt/slides/slide7.xml><?xml version="1.0" encoding="utf-8"?>
+<p:sld xmlns:a="http://schemas.openxmlformats.org/drawingml/2006/main" xmlns:p="http://schemas.openxmlformats.org/presentationml/2006/main" xmlns:r="http://schemas.openxmlformats.org/officeDocument/2006/relationships" xmlns:p14="http://schemas.microsoft.com/office/powerpoint/2010/main" xmlns:p15="http://schemas.microsoft.com/office/powerpoint/2012/main" xmlns:mc="http://schemas.openxmlformats.org/markup-compatibility/2006">
+  <p:cSld>
+    <p:bg>
+      <p:bgPr>
+        <a:solidFill>
+          <a:srgbClr val="ffffff"/>
+        </a:solidFill>
+      </p:bgPr>
+    </p:bg>
+    <p:spTree>
+      <p:nvGrpSpPr>
+        <p:cNvPr id="1" name=""/>
+        <p:cNvGrpSpPr/>
+        <p:nvPr/>
+      </p:nvGrpSpPr>
+      <p:grpSpPr>
+        <a:xfrm>
+          <a:off x="0" y="0"/>
+          <a:ext cx="0" cy="0"/>
+          <a:chOff x="0" y="0"/>
+          <a:chExt cx="0" cy="0"/>
+        </a:xfrm>
+      </p:grpSpPr>
+      <p:sp>
+        <p:nvSpPr>
+          <p:cNvPr id="112" name="CustomShape 1"/>
+          <p:cNvSpPr/>
+          <p:nvPr/>
+        </p:nvSpPr>
+        <p:spPr>
+          <a:xfrm>
+            <a:off x="0" y="0"/>
+            <a:ext cx="12192120" cy="1586520"/>
+          </a:xfrm>
+          <a:prstGeom prst="rect">
+            <a:avLst/>
+          </a:prstGeom>
+          <a:solidFill>
+            <a:srgbClr val="347c36"/>
+          </a:solidFill>
+          <a:ln>
+            <a:noFill/>
+          </a:ln>
+        </p:spPr>
+        <p:style>
+          <a:lnRef idx="0"/>
+          <a:fillRef idx="0"/>
+          <a:effectRef idx="0"/>
+          <a:fontRef idx="minor"/>
+        </p:style>
+      </p:sp>
+      <p:pic>
+        <p:nvPicPr>
+          <p:cNvPr id="113" name="Google Shape;89;p13" descr=""/>
+          <p:cNvPicPr/>
+          <p:nvPr/>
+        </p:nvPicPr>
+        <p:blipFill>
+          <a:blip r:embed="rId1"/>
+          <a:stretch/>
+        </p:blipFill>
+        <p:spPr>
+          <a:xfrm>
+            <a:off x="10561680" y="0"/>
+            <a:ext cx="1083240" cy="2507040"/>
+          </a:xfrm>
+          <a:prstGeom prst="rect">
+            <a:avLst/>
+          </a:prstGeom>
+          <a:ln>
+            <a:noFill/>
+          </a:ln>
+        </p:spPr>
+      </p:pic>
+      <p:sp>
+        <p:nvSpPr>
+          <p:cNvPr id="114" name="CustomShape 2"/>
+          <p:cNvSpPr/>
+          <p:nvPr/>
+        </p:nvSpPr>
+        <p:spPr>
+          <a:xfrm>
+            <a:off x="2160000" y="1872000"/>
+            <a:ext cx="7512480" cy="1322280"/>
+          </a:xfrm>
+          <a:prstGeom prst="rect">
+            <a:avLst/>
+          </a:prstGeom>
+          <a:noFill/>
+          <a:ln>
+            <a:noFill/>
+          </a:ln>
+        </p:spPr>
+        <p:style>
+          <a:lnRef idx="0"/>
+          <a:fillRef idx="0"/>
+          <a:effectRef idx="0"/>
+          <a:fontRef idx="minor"/>
+        </p:style>
+        <p:txBody>
+          <a:bodyPr lIns="90000" rIns="90000" tIns="45000" bIns="45000"/>
+          <a:p>
+            <a:pPr algn="ctr">
+              <a:lnSpc>
+                <a:spcPct val="100000"/>
+              </a:lnSpc>
+            </a:pPr>
+            <a:br/>
+            <a:r>
+              <a:rPr b="1" lang="pt-BR" sz="3200" spc="-1" strike="noStrike">
+                <a:solidFill>
+                  <a:srgbClr val="8dc641"/>
+                </a:solidFill>
+                <a:latin typeface="Arial"/>
+                <a:ea typeface="Arial"/>
+              </a:rPr>
+              <a:t>Prática  de análise de sistemas</a:t>
+            </a:r>
+            <a:endParaRPr b="0" lang="pt-BR" sz="3200" spc="-1" strike="noStrike">
+              <a:latin typeface="Arial"/>
+            </a:endParaRPr>
+          </a:p>
+          <a:p>
+            <a:pPr algn="ctr">
+              <a:lnSpc>
+                <a:spcPct val="100000"/>
+              </a:lnSpc>
+            </a:pPr>
+            <a:endParaRPr b="0" lang="pt-BR" sz="3200" spc="-1" strike="noStrike">
+              <a:latin typeface="Arial"/>
+            </a:endParaRPr>
+          </a:p>
+        </p:txBody>
+      </p:sp>
+      <p:sp>
+        <p:nvSpPr>
+          <p:cNvPr id="115" name="CustomShape 3"/>
+          <p:cNvSpPr/>
+          <p:nvPr/>
+        </p:nvSpPr>
+        <p:spPr>
+          <a:xfrm>
+            <a:off x="461160" y="6479280"/>
+            <a:ext cx="11130120" cy="720000"/>
+          </a:xfrm>
+          <a:prstGeom prst="rect">
+            <a:avLst/>
+          </a:prstGeom>
+          <a:noFill/>
+          <a:ln>
+            <a:noFill/>
+          </a:ln>
+        </p:spPr>
+        <p:style>
+          <a:lnRef idx="0"/>
+          <a:fillRef idx="0"/>
+          <a:effectRef idx="0"/>
+          <a:fontRef idx="minor"/>
+        </p:style>
+        <p:txBody>
+          <a:bodyPr lIns="90000" rIns="90000" tIns="45000" bIns="45000"/>
+          <a:p>
+            <a:pPr algn="ctr">
+              <a:lnSpc>
+                <a:spcPct val="100000"/>
+              </a:lnSpc>
+            </a:pPr>
+            <a:r>
+              <a:rPr b="1" lang="pt-BR" sz="1500" spc="-1" strike="noStrike">
+                <a:solidFill>
+                  <a:srgbClr val="8dc641"/>
+                </a:solidFill>
+                <a:latin typeface="Arial"/>
+                <a:ea typeface="Arial"/>
+              </a:rPr>
+              <a:t> </a:t>
+            </a:r>
+            <a:r>
+              <a:rPr b="1" lang="pt-BR" sz="1500" spc="-1" strike="noStrike">
+                <a:solidFill>
+                  <a:srgbClr val="8dc641"/>
+                </a:solidFill>
+                <a:latin typeface="Arial"/>
+                <a:ea typeface="Arial"/>
+              </a:rPr>
+              <a:t>Fabio Vasques, Gieder Loreto</a:t>
+            </a:r>
+            <a:endParaRPr b="0" lang="pt-BR" sz="1500" spc="-1" strike="noStrike">
+              <a:latin typeface="Arial"/>
+            </a:endParaRPr>
+          </a:p>
+        </p:txBody>
+      </p:sp>
+      <p:sp>
+        <p:nvSpPr>
+          <p:cNvPr id="116" name="CustomShape 4"/>
+          <p:cNvSpPr/>
+          <p:nvPr/>
+        </p:nvSpPr>
+        <p:spPr>
+          <a:xfrm>
+            <a:off x="4320000" y="2288880"/>
+            <a:ext cx="2332080" cy="914760"/>
+          </a:xfrm>
+          <a:prstGeom prst="rect">
+            <a:avLst/>
+          </a:prstGeom>
+          <a:noFill/>
+          <a:ln>
+            <a:noFill/>
+          </a:ln>
+        </p:spPr>
+        <p:style>
+          <a:lnRef idx="0"/>
+          <a:fillRef idx="0"/>
+          <a:effectRef idx="0"/>
+          <a:fontRef idx="minor"/>
+        </p:style>
+        <p:txBody>
+          <a:bodyPr lIns="90000" rIns="90000" tIns="45000" bIns="45000"/>
+          <a:p>
+            <a:pPr algn="ctr">
+              <a:lnSpc>
+                <a:spcPct val="100000"/>
+              </a:lnSpc>
+            </a:pPr>
+            <a:endParaRPr b="0" lang="pt-BR" sz="1800" spc="-1" strike="noStrike">
+              <a:latin typeface="Arial"/>
+            </a:endParaRPr>
+          </a:p>
+          <a:p>
+            <a:pPr>
+              <a:lnSpc>
+                <a:spcPct val="100000"/>
+              </a:lnSpc>
+            </a:pPr>
+            <a:r>
+              <a:rPr b="1" lang="pt-BR" sz="2600" spc="-1" strike="noStrike">
+                <a:solidFill>
+                  <a:srgbClr val="8dc641"/>
+                </a:solidFill>
+                <a:latin typeface="Arial"/>
+                <a:ea typeface="Arial"/>
+              </a:rPr>
+              <a:t> </a:t>
+            </a:r>
+            <a:r>
+              <a:rPr b="1" lang="pt-BR" sz="2600" spc="-1" strike="noStrike">
+                <a:solidFill>
+                  <a:srgbClr val="8dc641"/>
+                </a:solidFill>
+                <a:latin typeface="Arial"/>
+                <a:ea typeface="Arial"/>
+              </a:rPr>
+              <a:t>Cronograma </a:t>
+            </a:r>
+            <a:endParaRPr b="0" lang="pt-BR" sz="2600" spc="-1" strike="noStrike">
+              <a:latin typeface="Arial"/>
+            </a:endParaRPr>
+          </a:p>
+        </p:txBody>
+      </p:sp>
+      <p:sp>
+        <p:nvSpPr>
+          <p:cNvPr id="117" name="CustomShape 5"/>
+          <p:cNvSpPr/>
+          <p:nvPr/>
+        </p:nvSpPr>
+        <p:spPr>
+          <a:xfrm>
+            <a:off x="1944720" y="3493080"/>
+            <a:ext cx="7335720" cy="656640"/>
+          </a:xfrm>
+          <a:prstGeom prst="rect">
+            <a:avLst/>
+          </a:prstGeom>
+          <a:noFill/>
+          <a:ln>
+            <a:noFill/>
+          </a:ln>
+        </p:spPr>
+        <p:style>
+          <a:lnRef idx="0"/>
+          <a:fillRef idx="0"/>
+          <a:effectRef idx="0"/>
+          <a:fontRef idx="minor"/>
+        </p:style>
+        <p:txBody>
+          <a:bodyPr lIns="90000" rIns="90000" tIns="45000" bIns="45000"/>
+          <a:p>
+            <a:pPr>
+              <a:lnSpc>
+                <a:spcPct val="100000"/>
+              </a:lnSpc>
+            </a:pPr>
+            <a:r>
+              <a:rPr b="1" lang="pt-BR" sz="2000" spc="-1" strike="noStrike">
+                <a:solidFill>
+                  <a:srgbClr val="8dc641"/>
+                </a:solidFill>
+                <a:latin typeface="Arial"/>
+                <a:ea typeface="Arial"/>
+              </a:rPr>
+              <a:t>durante as fazes do projeto, será usado a ferramenta trello </a:t>
+            </a:r>
+            <a:endParaRPr b="0" lang="pt-BR" sz="2000" spc="-1" strike="noStrike">
+              <a:latin typeface="Arial"/>
+            </a:endParaRPr>
+          </a:p>
+          <a:p>
+            <a:pPr>
+              <a:lnSpc>
+                <a:spcPct val="100000"/>
+              </a:lnSpc>
+            </a:pPr>
+            <a:r>
+              <a:rPr b="1" lang="pt-BR" sz="2000" spc="-1" strike="noStrike">
+                <a:solidFill>
+                  <a:srgbClr val="8dc641"/>
+                </a:solidFill>
+                <a:latin typeface="Arial"/>
+                <a:ea typeface="Arial"/>
+              </a:rPr>
+              <a:t>para auxiliar no planejamento das tarefas.</a:t>
+            </a:r>
+            <a:endParaRPr b="0" lang="pt-BR" sz="2000" spc="-1" strike="noStrike">
+              <a:latin typeface="Arial"/>
+            </a:endParaRPr>
+          </a:p>
+        </p:txBody>
+      </p:sp>
+      <p:pic>
+        <p:nvPicPr>
+          <p:cNvPr id="118" name="Google Shape;166;p39" descr=""/>
+          <p:cNvPicPr/>
+          <p:nvPr/>
+        </p:nvPicPr>
+        <p:blipFill>
+          <a:blip r:embed="rId2"/>
+          <a:stretch/>
+        </p:blipFill>
+        <p:spPr>
+          <a:xfrm>
+            <a:off x="235080" y="283680"/>
+            <a:ext cx="4000680" cy="1019520"/>
+          </a:xfrm>
+          <a:prstGeom prst="rect">
+            <a:avLst/>
+          </a:prstGeom>
+          <a:ln>
+            <a:noFill/>
+          </a:ln>
+        </p:spPr>
+      </p:pic>
+    </p:spTree>
+  </p:cSld>
+  <p:timing>
+    <p:tnLst>
+      <p:par>
+        <p:cTn id="13" dur="indefinite" restart="never" nodeType="tmRoot">
+          <p:childTnLst>
+            <p:seq>
+              <p:cTn id="14" dur="indefinite" nodeType="mainSeq"/>
+              <p:prevCondLst>
+                <p:cond delay="0" evt="onPrev">
+                  <p:tgtEl>
+                    <p:sldTgt/>
+                  </p:tgtEl>
+                </p:cond>
+              </p:prevCondLst>
+              <p:nextCondLst>
+                <p:cond delay="0" evt="onNext">
+                  <p:tgtEl>
+                    <p:sldTgt/>
+                  </p:tgtEl>
+                </p:cond>
+              </p:nextCondLst>
+            </p:seq>
+          </p:childTnLst>
+        </p:cTn>
+      </p:par>
+    </p:tnLst>
+  </p:timing>
+</p:sld>
+</file>
+
+<file path=ppt/slides/slide8.xml><?xml version="1.0" encoding="utf-8"?>
+<p:sld xmlns:a="http://schemas.openxmlformats.org/drawingml/2006/main" xmlns:p="http://schemas.openxmlformats.org/presentationml/2006/main" xmlns:r="http://schemas.openxmlformats.org/officeDocument/2006/relationships" xmlns:p14="http://schemas.microsoft.com/office/powerpoint/2010/main" xmlns:p15="http://schemas.microsoft.com/office/powerpoint/2012/main" xmlns:mc="http://schemas.openxmlformats.org/markup-compatibility/2006">
+  <p:cSld>
+    <p:bg>
+      <p:bgPr>
+        <a:solidFill>
+          <a:srgbClr val="ffffff"/>
+        </a:solidFill>
+      </p:bgPr>
+    </p:bg>
+    <p:spTree>
+      <p:nvGrpSpPr>
+        <p:cNvPr id="1" name=""/>
+        <p:cNvGrpSpPr/>
+        <p:nvPr/>
+      </p:nvGrpSpPr>
+      <p:grpSpPr>
+        <a:xfrm>
+          <a:off x="0" y="0"/>
+          <a:ext cx="0" cy="0"/>
+          <a:chOff x="0" y="0"/>
+          <a:chExt cx="0" cy="0"/>
+        </a:xfrm>
+      </p:grpSpPr>
+      <p:sp>
+        <p:nvSpPr>
+          <p:cNvPr id="119" name="CustomShape 1"/>
+          <p:cNvSpPr/>
+          <p:nvPr/>
+        </p:nvSpPr>
+        <p:spPr>
+          <a:xfrm>
+            <a:off x="0" y="0"/>
+            <a:ext cx="12192120" cy="1586520"/>
+          </a:xfrm>
+          <a:prstGeom prst="rect">
+            <a:avLst/>
+          </a:prstGeom>
+          <a:solidFill>
+            <a:srgbClr val="347c36"/>
+          </a:solidFill>
+          <a:ln>
+            <a:noFill/>
+          </a:ln>
+        </p:spPr>
+        <p:style>
+          <a:lnRef idx="0"/>
+          <a:fillRef idx="0"/>
+          <a:effectRef idx="0"/>
+          <a:fontRef idx="minor"/>
+        </p:style>
+      </p:sp>
+      <p:pic>
+        <p:nvPicPr>
+          <p:cNvPr id="120" name="Google Shape;89;p13" descr=""/>
+          <p:cNvPicPr/>
+          <p:nvPr/>
+        </p:nvPicPr>
+        <p:blipFill>
+          <a:blip r:embed="rId1"/>
+          <a:stretch/>
+        </p:blipFill>
+        <p:spPr>
+          <a:xfrm>
+            <a:off x="10561680" y="0"/>
+            <a:ext cx="1083240" cy="1800000"/>
+          </a:xfrm>
+          <a:prstGeom prst="rect">
+            <a:avLst/>
+          </a:prstGeom>
+          <a:ln>
+            <a:noFill/>
+          </a:ln>
+        </p:spPr>
+      </p:pic>
+      <p:sp>
+        <p:nvSpPr>
+          <p:cNvPr id="121" name="CustomShape 2"/>
+          <p:cNvSpPr/>
+          <p:nvPr/>
+        </p:nvSpPr>
+        <p:spPr>
+          <a:xfrm>
+            <a:off x="461160" y="6479280"/>
+            <a:ext cx="11130120" cy="720000"/>
+          </a:xfrm>
+          <a:prstGeom prst="rect">
+            <a:avLst/>
+          </a:prstGeom>
+          <a:noFill/>
+          <a:ln>
+            <a:noFill/>
+          </a:ln>
+        </p:spPr>
+        <p:style>
+          <a:lnRef idx="0"/>
+          <a:fillRef idx="0"/>
+          <a:effectRef idx="0"/>
+          <a:fontRef idx="minor"/>
+        </p:style>
+        <p:txBody>
+          <a:bodyPr lIns="90000" rIns="90000" tIns="45000" bIns="45000"/>
+          <a:p>
+            <a:pPr algn="ctr">
+              <a:lnSpc>
+                <a:spcPct val="100000"/>
+              </a:lnSpc>
+            </a:pPr>
+            <a:r>
+              <a:rPr b="1" lang="pt-BR" sz="1500" spc="-1" strike="noStrike">
+                <a:solidFill>
+                  <a:srgbClr val="8dc641"/>
+                </a:solidFill>
+                <a:latin typeface="Arial"/>
+                <a:ea typeface="Arial"/>
+              </a:rPr>
+              <a:t> </a:t>
+            </a:r>
+            <a:r>
+              <a:rPr b="1" lang="pt-BR" sz="1500" spc="-1" strike="noStrike">
+                <a:solidFill>
+                  <a:srgbClr val="8dc641"/>
+                </a:solidFill>
+                <a:latin typeface="Arial"/>
+                <a:ea typeface="Arial"/>
+              </a:rPr>
+              <a:t>Fabio Vasques, Gieder Loreto</a:t>
+            </a:r>
+            <a:endParaRPr b="0" lang="pt-BR" sz="1500" spc="-1" strike="noStrike">
+              <a:latin typeface="Arial"/>
+            </a:endParaRPr>
+          </a:p>
+        </p:txBody>
+      </p:sp>
+      <p:sp>
+        <p:nvSpPr>
+          <p:cNvPr id="122" name="CustomShape 3"/>
+          <p:cNvSpPr/>
+          <p:nvPr/>
+        </p:nvSpPr>
+        <p:spPr>
+          <a:xfrm>
+            <a:off x="4320000" y="1316880"/>
+            <a:ext cx="2332080" cy="914760"/>
+          </a:xfrm>
+          <a:prstGeom prst="rect">
+            <a:avLst/>
+          </a:prstGeom>
+          <a:noFill/>
+          <a:ln>
+            <a:noFill/>
+          </a:ln>
+        </p:spPr>
+        <p:style>
+          <a:lnRef idx="0"/>
+          <a:fillRef idx="0"/>
+          <a:effectRef idx="0"/>
+          <a:fontRef idx="minor"/>
+        </p:style>
+        <p:txBody>
+          <a:bodyPr lIns="90000" rIns="90000" tIns="45000" bIns="45000"/>
+          <a:p>
+            <a:pPr algn="ctr">
+              <a:lnSpc>
+                <a:spcPct val="100000"/>
+              </a:lnSpc>
+            </a:pPr>
+            <a:endParaRPr b="0" lang="pt-BR" sz="1800" spc="-1" strike="noStrike">
+              <a:latin typeface="Arial"/>
+            </a:endParaRPr>
+          </a:p>
+          <a:p>
+            <a:pPr>
+              <a:lnSpc>
+                <a:spcPct val="100000"/>
+              </a:lnSpc>
+            </a:pPr>
+            <a:r>
+              <a:rPr b="1" lang="pt-BR" sz="2600" spc="-1" strike="noStrike">
+                <a:solidFill>
+                  <a:srgbClr val="8dc641"/>
+                </a:solidFill>
+                <a:latin typeface="Arial"/>
+                <a:ea typeface="Arial"/>
+              </a:rPr>
+              <a:t> </a:t>
+            </a:r>
+            <a:r>
+              <a:rPr b="1" lang="pt-BR" sz="2600" spc="-1" strike="noStrike">
+                <a:solidFill>
+                  <a:srgbClr val="8dc641"/>
+                </a:solidFill>
+                <a:latin typeface="Arial"/>
+                <a:ea typeface="Arial"/>
+              </a:rPr>
+              <a:t>Cronograma </a:t>
+            </a:r>
+            <a:endParaRPr b="0" lang="pt-BR" sz="2600" spc="-1" strike="noStrike">
+              <a:latin typeface="Arial"/>
+            </a:endParaRPr>
+          </a:p>
+        </p:txBody>
+      </p:sp>
+      <p:pic>
+        <p:nvPicPr>
+          <p:cNvPr id="123" name="" descr=""/>
+          <p:cNvPicPr/>
+          <p:nvPr/>
+        </p:nvPicPr>
+        <p:blipFill>
+          <a:blip r:embed="rId2"/>
+          <a:stretch/>
+        </p:blipFill>
+        <p:spPr>
+          <a:xfrm>
+            <a:off x="562320" y="2016000"/>
+            <a:ext cx="10417680" cy="4842000"/>
+          </a:xfrm>
+          <a:prstGeom prst="rect">
+            <a:avLst/>
+          </a:prstGeom>
+          <a:ln>
+            <a:noFill/>
+          </a:ln>
+        </p:spPr>
+      </p:pic>
+      <p:pic>
+        <p:nvPicPr>
+          <p:cNvPr id="124" name="Google Shape;166;p39" descr=""/>
+          <p:cNvPicPr/>
+          <p:nvPr/>
+        </p:nvPicPr>
+        <p:blipFill>
+          <a:blip r:embed="rId3"/>
+          <a:stretch/>
+        </p:blipFill>
+        <p:spPr>
+          <a:xfrm>
+            <a:off x="235080" y="283680"/>
+            <a:ext cx="4000680" cy="1019520"/>
+          </a:xfrm>
+          <a:prstGeom prst="rect">
+            <a:avLst/>
+          </a:prstGeom>
+          <a:ln>
+            <a:noFill/>
+          </a:ln>
+        </p:spPr>
+      </p:pic>
+    </p:spTree>
+  </p:cSld>
+  <p:timing>
+    <p:tnLst>
+      <p:par>
+        <p:cTn id="15" dur="indefinite" restart="never" nodeType="tmRoot">
+          <p:childTnLst>
+            <p:seq>
+              <p:cTn id="16" dur="indefinite" nodeType="mainSeq"/>
               <p:prevCondLst>
                 <p:cond delay="0" evt="onPrev">
                   <p:tgtEl>

--- a/primeira entrega.pptx
+++ b/primeira entrega.pptx
@@ -1,26 +1,122 @@
 
 <file path=ppt/presentation.xml><?xml version="1.0" encoding="utf-8"?>
-<p:presentation xmlns:a="http://schemas.openxmlformats.org/drawingml/2006/main" xmlns:p="http://schemas.openxmlformats.org/presentationml/2006/main" xmlns:r="http://schemas.openxmlformats.org/officeDocument/2006/relationships" xmlns:p14="http://schemas.microsoft.com/office/powerpoint/2010/main" xmlns:p15="http://schemas.microsoft.com/office/powerpoint/2012/main" xmlns:mc="http://schemas.openxmlformats.org/markup-compatibility/2006">
+<p:presentation xmlns:a="http://schemas.openxmlformats.org/drawingml/2006/main" xmlns:r="http://schemas.openxmlformats.org/officeDocument/2006/relationships" xmlns:p="http://schemas.openxmlformats.org/presentationml/2006/main">
   <p:sldMasterIdLst>
-    <p:sldMasterId id="2147483648" r:id="rId2"/>
+    <p:sldMasterId id="2147483648" r:id="rId1"/>
   </p:sldMasterIdLst>
   <p:sldIdLst>
-    <p:sldId id="256" r:id="rId3"/>
-    <p:sldId id="257" r:id="rId4"/>
-    <p:sldId id="258" r:id="rId5"/>
-    <p:sldId id="259" r:id="rId6"/>
-    <p:sldId id="260" r:id="rId7"/>
-    <p:sldId id="261" r:id="rId8"/>
-    <p:sldId id="262" r:id="rId9"/>
-    <p:sldId id="263" r:id="rId10"/>
+    <p:sldId id="256" r:id="rId2"/>
+    <p:sldId id="257" r:id="rId3"/>
+    <p:sldId id="258" r:id="rId4"/>
+    <p:sldId id="259" r:id="rId5"/>
+    <p:sldId id="260" r:id="rId6"/>
+    <p:sldId id="261" r:id="rId7"/>
+    <p:sldId id="262" r:id="rId8"/>
+    <p:sldId id="263" r:id="rId9"/>
+    <p:sldId id="264" r:id="rId10"/>
   </p:sldIdLst>
   <p:sldSz cx="12192000" cy="6858000"/>
-  <p:notesSz cx="7559675" cy="10691812"/>
+  <p:notesSz cx="7559675" cy="10691813"/>
+  <p:defaultTextStyle>
+    <a:defPPr>
+      <a:defRPr lang="pt-BR"/>
+    </a:defPPr>
+    <a:lvl1pPr marL="0" algn="l" defTabSz="914400" rtl="0" eaLnBrk="1" latinLnBrk="0" hangingPunct="1">
+      <a:defRPr sz="1800" kern="1200">
+        <a:solidFill>
+          <a:schemeClr val="tx1"/>
+        </a:solidFill>
+        <a:latin typeface="+mn-lt"/>
+        <a:ea typeface="+mn-ea"/>
+        <a:cs typeface="+mn-cs"/>
+      </a:defRPr>
+    </a:lvl1pPr>
+    <a:lvl2pPr marL="457200" algn="l" defTabSz="914400" rtl="0" eaLnBrk="1" latinLnBrk="0" hangingPunct="1">
+      <a:defRPr sz="1800" kern="1200">
+        <a:solidFill>
+          <a:schemeClr val="tx1"/>
+        </a:solidFill>
+        <a:latin typeface="+mn-lt"/>
+        <a:ea typeface="+mn-ea"/>
+        <a:cs typeface="+mn-cs"/>
+      </a:defRPr>
+    </a:lvl2pPr>
+    <a:lvl3pPr marL="914400" algn="l" defTabSz="914400" rtl="0" eaLnBrk="1" latinLnBrk="0" hangingPunct="1">
+      <a:defRPr sz="1800" kern="1200">
+        <a:solidFill>
+          <a:schemeClr val="tx1"/>
+        </a:solidFill>
+        <a:latin typeface="+mn-lt"/>
+        <a:ea typeface="+mn-ea"/>
+        <a:cs typeface="+mn-cs"/>
+      </a:defRPr>
+    </a:lvl3pPr>
+    <a:lvl4pPr marL="1371600" algn="l" defTabSz="914400" rtl="0" eaLnBrk="1" latinLnBrk="0" hangingPunct="1">
+      <a:defRPr sz="1800" kern="1200">
+        <a:solidFill>
+          <a:schemeClr val="tx1"/>
+        </a:solidFill>
+        <a:latin typeface="+mn-lt"/>
+        <a:ea typeface="+mn-ea"/>
+        <a:cs typeface="+mn-cs"/>
+      </a:defRPr>
+    </a:lvl4pPr>
+    <a:lvl5pPr marL="1828800" algn="l" defTabSz="914400" rtl="0" eaLnBrk="1" latinLnBrk="0" hangingPunct="1">
+      <a:defRPr sz="1800" kern="1200">
+        <a:solidFill>
+          <a:schemeClr val="tx1"/>
+        </a:solidFill>
+        <a:latin typeface="+mn-lt"/>
+        <a:ea typeface="+mn-ea"/>
+        <a:cs typeface="+mn-cs"/>
+      </a:defRPr>
+    </a:lvl5pPr>
+    <a:lvl6pPr marL="2286000" algn="l" defTabSz="914400" rtl="0" eaLnBrk="1" latinLnBrk="0" hangingPunct="1">
+      <a:defRPr sz="1800" kern="1200">
+        <a:solidFill>
+          <a:schemeClr val="tx1"/>
+        </a:solidFill>
+        <a:latin typeface="+mn-lt"/>
+        <a:ea typeface="+mn-ea"/>
+        <a:cs typeface="+mn-cs"/>
+      </a:defRPr>
+    </a:lvl6pPr>
+    <a:lvl7pPr marL="2743200" algn="l" defTabSz="914400" rtl="0" eaLnBrk="1" latinLnBrk="0" hangingPunct="1">
+      <a:defRPr sz="1800" kern="1200">
+        <a:solidFill>
+          <a:schemeClr val="tx1"/>
+        </a:solidFill>
+        <a:latin typeface="+mn-lt"/>
+        <a:ea typeface="+mn-ea"/>
+        <a:cs typeface="+mn-cs"/>
+      </a:defRPr>
+    </a:lvl7pPr>
+    <a:lvl8pPr marL="3200400" algn="l" defTabSz="914400" rtl="0" eaLnBrk="1" latinLnBrk="0" hangingPunct="1">
+      <a:defRPr sz="1800" kern="1200">
+        <a:solidFill>
+          <a:schemeClr val="tx1"/>
+        </a:solidFill>
+        <a:latin typeface="+mn-lt"/>
+        <a:ea typeface="+mn-ea"/>
+        <a:cs typeface="+mn-cs"/>
+      </a:defRPr>
+    </a:lvl8pPr>
+    <a:lvl9pPr marL="3657600" algn="l" defTabSz="914400" rtl="0" eaLnBrk="1" latinLnBrk="0" hangingPunct="1">
+      <a:defRPr sz="1800" kern="1200">
+        <a:solidFill>
+          <a:schemeClr val="tx1"/>
+        </a:solidFill>
+        <a:latin typeface="+mn-lt"/>
+        <a:ea typeface="+mn-ea"/>
+        <a:cs typeface="+mn-cs"/>
+      </a:defRPr>
+    </a:lvl9pPr>
+  </p:defaultTextStyle>
 </p:presentation>
 </file>
 
 <file path=ppt/slideLayouts/slideLayout1.xml><?xml version="1.0" encoding="utf-8"?>
-<p:sldLayout xmlns:a="http://schemas.openxmlformats.org/drawingml/2006/main" xmlns:p="http://schemas.openxmlformats.org/presentationml/2006/main" xmlns:r="http://schemas.openxmlformats.org/officeDocument/2006/relationships" xmlns:p14="http://schemas.microsoft.com/office/powerpoint/2010/main" xmlns:p15="http://schemas.microsoft.com/office/powerpoint/2012/main" xmlns:mc="http://schemas.openxmlformats.org/markup-compatibility/2006" type="blank" preserve="1">
+<p:sldLayout xmlns:a="http://schemas.openxmlformats.org/drawingml/2006/main" xmlns:r="http://schemas.openxmlformats.org/officeDocument/2006/relationships" xmlns:p="http://schemas.openxmlformats.org/presentationml/2006/main" type="blank" preserve="1">
   <p:cSld name="Blank Slide">
     <p:spTree>
       <p:nvGrpSpPr>
@@ -38,11 +134,14 @@
       </p:grpSpPr>
     </p:spTree>
   </p:cSld>
+  <p:clrMapOvr>
+    <a:masterClrMapping/>
+  </p:clrMapOvr>
 </p:sldLayout>
 </file>
 
 <file path=ppt/slideLayouts/slideLayout10.xml><?xml version="1.0" encoding="utf-8"?>
-<p:sldLayout xmlns:a="http://schemas.openxmlformats.org/drawingml/2006/main" xmlns:p="http://schemas.openxmlformats.org/presentationml/2006/main" xmlns:r="http://schemas.openxmlformats.org/officeDocument/2006/relationships" xmlns:p14="http://schemas.microsoft.com/office/powerpoint/2010/main" xmlns:p15="http://schemas.microsoft.com/office/powerpoint/2012/main" xmlns:mc="http://schemas.openxmlformats.org/markup-compatibility/2006" type="objOverTx" preserve="1">
+<p:sldLayout xmlns:a="http://schemas.openxmlformats.org/drawingml/2006/main" xmlns:r="http://schemas.openxmlformats.org/officeDocument/2006/relationships" xmlns:p="http://schemas.openxmlformats.org/presentationml/2006/main" type="objOverTx" preserve="1">
   <p:cSld name="Title, Content over Content">
     <p:spTree>
       <p:nvGrpSpPr>
@@ -78,10 +177,11 @@
           </a:prstGeom>
         </p:spPr>
         <p:txBody>
-          <a:bodyPr lIns="0" rIns="0" tIns="0" bIns="0" anchor="ctr"/>
+          <a:bodyPr lIns="0" tIns="0" rIns="0" bIns="0" anchor="ctr"/>
+          <a:lstStyle/>
           <a:p>
             <a:pPr algn="ctr"/>
-            <a:endParaRPr b="0" lang="pt-BR" sz="4400" spc="-1" strike="noStrike">
+            <a:endParaRPr lang="pt-BR" sz="4400" b="0" strike="noStrike" spc="-1">
               <a:latin typeface="Arial"/>
             </a:endParaRPr>
           </a:p>
@@ -107,11 +207,12 @@
           </a:prstGeom>
         </p:spPr>
         <p:txBody>
-          <a:bodyPr lIns="0" rIns="0" tIns="0" bIns="0">
+          <a:bodyPr lIns="0" tIns="0" rIns="0" bIns="0">
             <a:normAutofit/>
           </a:bodyPr>
-          <a:p>
-            <a:endParaRPr b="0" lang="pt-BR" sz="3200" spc="-1" strike="noStrike">
+          <a:lstStyle/>
+          <a:p>
+            <a:endParaRPr lang="pt-BR" sz="3200" b="0" strike="noStrike" spc="-1">
               <a:latin typeface="Arial"/>
             </a:endParaRPr>
           </a:p>
@@ -137,11 +238,12 @@
           </a:prstGeom>
         </p:spPr>
         <p:txBody>
-          <a:bodyPr lIns="0" rIns="0" tIns="0" bIns="0">
+          <a:bodyPr lIns="0" tIns="0" rIns="0" bIns="0">
             <a:normAutofit/>
           </a:bodyPr>
-          <a:p>
-            <a:endParaRPr b="0" lang="pt-BR" sz="3200" spc="-1" strike="noStrike">
+          <a:lstStyle/>
+          <a:p>
+            <a:endParaRPr lang="pt-BR" sz="3200" b="0" strike="noStrike" spc="-1">
               <a:latin typeface="Arial"/>
             </a:endParaRPr>
           </a:p>
@@ -149,11 +251,14 @@
       </p:sp>
     </p:spTree>
   </p:cSld>
+  <p:clrMapOvr>
+    <a:masterClrMapping/>
+  </p:clrMapOvr>
 </p:sldLayout>
 </file>
 
 <file path=ppt/slideLayouts/slideLayout11.xml><?xml version="1.0" encoding="utf-8"?>
-<p:sldLayout xmlns:a="http://schemas.openxmlformats.org/drawingml/2006/main" xmlns:p="http://schemas.openxmlformats.org/presentationml/2006/main" xmlns:r="http://schemas.openxmlformats.org/officeDocument/2006/relationships" xmlns:p14="http://schemas.microsoft.com/office/powerpoint/2010/main" xmlns:p15="http://schemas.microsoft.com/office/powerpoint/2012/main" xmlns:mc="http://schemas.openxmlformats.org/markup-compatibility/2006" type="fourObj" preserve="1">
+<p:sldLayout xmlns:a="http://schemas.openxmlformats.org/drawingml/2006/main" xmlns:r="http://schemas.openxmlformats.org/officeDocument/2006/relationships" xmlns:p="http://schemas.openxmlformats.org/presentationml/2006/main" type="fourObj" preserve="1">
   <p:cSld name="Title, 4 Content">
     <p:spTree>
       <p:nvGrpSpPr>
@@ -189,10 +294,11 @@
           </a:prstGeom>
         </p:spPr>
         <p:txBody>
-          <a:bodyPr lIns="0" rIns="0" tIns="0" bIns="0" anchor="ctr"/>
+          <a:bodyPr lIns="0" tIns="0" rIns="0" bIns="0" anchor="ctr"/>
+          <a:lstStyle/>
           <a:p>
             <a:pPr algn="ctr"/>
-            <a:endParaRPr b="0" lang="pt-BR" sz="4400" spc="-1" strike="noStrike">
+            <a:endParaRPr lang="pt-BR" sz="4400" b="0" strike="noStrike" spc="-1">
               <a:latin typeface="Arial"/>
             </a:endParaRPr>
           </a:p>
@@ -218,11 +324,12 @@
           </a:prstGeom>
         </p:spPr>
         <p:txBody>
-          <a:bodyPr lIns="0" rIns="0" tIns="0" bIns="0">
+          <a:bodyPr lIns="0" tIns="0" rIns="0" bIns="0">
             <a:normAutofit/>
           </a:bodyPr>
-          <a:p>
-            <a:endParaRPr b="0" lang="pt-BR" sz="3200" spc="-1" strike="noStrike">
+          <a:lstStyle/>
+          <a:p>
+            <a:endParaRPr lang="pt-BR" sz="3200" b="0" strike="noStrike" spc="-1">
               <a:latin typeface="Arial"/>
             </a:endParaRPr>
           </a:p>
@@ -248,11 +355,12 @@
           </a:prstGeom>
         </p:spPr>
         <p:txBody>
-          <a:bodyPr lIns="0" rIns="0" tIns="0" bIns="0">
+          <a:bodyPr lIns="0" tIns="0" rIns="0" bIns="0">
             <a:normAutofit/>
           </a:bodyPr>
-          <a:p>
-            <a:endParaRPr b="0" lang="pt-BR" sz="3200" spc="-1" strike="noStrike">
+          <a:lstStyle/>
+          <a:p>
+            <a:endParaRPr lang="pt-BR" sz="3200" b="0" strike="noStrike" spc="-1">
               <a:latin typeface="Arial"/>
             </a:endParaRPr>
           </a:p>
@@ -278,11 +386,12 @@
           </a:prstGeom>
         </p:spPr>
         <p:txBody>
-          <a:bodyPr lIns="0" rIns="0" tIns="0" bIns="0">
+          <a:bodyPr lIns="0" tIns="0" rIns="0" bIns="0">
             <a:normAutofit/>
           </a:bodyPr>
-          <a:p>
-            <a:endParaRPr b="0" lang="pt-BR" sz="3200" spc="-1" strike="noStrike">
+          <a:lstStyle/>
+          <a:p>
+            <a:endParaRPr lang="pt-BR" sz="3200" b="0" strike="noStrike" spc="-1">
               <a:latin typeface="Arial"/>
             </a:endParaRPr>
           </a:p>
@@ -308,11 +417,12 @@
           </a:prstGeom>
         </p:spPr>
         <p:txBody>
-          <a:bodyPr lIns="0" rIns="0" tIns="0" bIns="0">
+          <a:bodyPr lIns="0" tIns="0" rIns="0" bIns="0">
             <a:normAutofit/>
           </a:bodyPr>
-          <a:p>
-            <a:endParaRPr b="0" lang="pt-BR" sz="3200" spc="-1" strike="noStrike">
+          <a:lstStyle/>
+          <a:p>
+            <a:endParaRPr lang="pt-BR" sz="3200" b="0" strike="noStrike" spc="-1">
               <a:latin typeface="Arial"/>
             </a:endParaRPr>
           </a:p>
@@ -320,11 +430,14 @@
       </p:sp>
     </p:spTree>
   </p:cSld>
+  <p:clrMapOvr>
+    <a:masterClrMapping/>
+  </p:clrMapOvr>
 </p:sldLayout>
 </file>
 
 <file path=ppt/slideLayouts/slideLayout12.xml><?xml version="1.0" encoding="utf-8"?>
-<p:sldLayout xmlns:a="http://schemas.openxmlformats.org/drawingml/2006/main" xmlns:p="http://schemas.openxmlformats.org/presentationml/2006/main" xmlns:r="http://schemas.openxmlformats.org/officeDocument/2006/relationships" xmlns:p14="http://schemas.microsoft.com/office/powerpoint/2010/main" xmlns:p15="http://schemas.microsoft.com/office/powerpoint/2012/main" xmlns:mc="http://schemas.openxmlformats.org/markup-compatibility/2006" type="blank" preserve="1">
+<p:sldLayout xmlns:a="http://schemas.openxmlformats.org/drawingml/2006/main" xmlns:r="http://schemas.openxmlformats.org/officeDocument/2006/relationships" xmlns:p="http://schemas.openxmlformats.org/presentationml/2006/main" type="blank" preserve="1">
   <p:cSld name="Title, 6 Content">
     <p:spTree>
       <p:nvGrpSpPr>
@@ -360,10 +473,11 @@
           </a:prstGeom>
         </p:spPr>
         <p:txBody>
-          <a:bodyPr lIns="0" rIns="0" tIns="0" bIns="0" anchor="ctr"/>
+          <a:bodyPr lIns="0" tIns="0" rIns="0" bIns="0" anchor="ctr"/>
+          <a:lstStyle/>
           <a:p>
             <a:pPr algn="ctr"/>
-            <a:endParaRPr b="0" lang="pt-BR" sz="4400" spc="-1" strike="noStrike">
+            <a:endParaRPr lang="pt-BR" sz="4400" b="0" strike="noStrike" spc="-1">
               <a:latin typeface="Arial"/>
             </a:endParaRPr>
           </a:p>
@@ -389,11 +503,12 @@
           </a:prstGeom>
         </p:spPr>
         <p:txBody>
-          <a:bodyPr lIns="0" rIns="0" tIns="0" bIns="0">
+          <a:bodyPr lIns="0" tIns="0" rIns="0" bIns="0">
             <a:normAutofit/>
           </a:bodyPr>
-          <a:p>
-            <a:endParaRPr b="0" lang="pt-BR" sz="3200" spc="-1" strike="noStrike">
+          <a:lstStyle/>
+          <a:p>
+            <a:endParaRPr lang="pt-BR" sz="3200" b="0" strike="noStrike" spc="-1">
               <a:latin typeface="Arial"/>
             </a:endParaRPr>
           </a:p>
@@ -419,11 +534,12 @@
           </a:prstGeom>
         </p:spPr>
         <p:txBody>
-          <a:bodyPr lIns="0" rIns="0" tIns="0" bIns="0">
+          <a:bodyPr lIns="0" tIns="0" rIns="0" bIns="0">
             <a:normAutofit/>
           </a:bodyPr>
-          <a:p>
-            <a:endParaRPr b="0" lang="pt-BR" sz="3200" spc="-1" strike="noStrike">
+          <a:lstStyle/>
+          <a:p>
+            <a:endParaRPr lang="pt-BR" sz="3200" b="0" strike="noStrike" spc="-1">
               <a:latin typeface="Arial"/>
             </a:endParaRPr>
           </a:p>
@@ -449,11 +565,12 @@
           </a:prstGeom>
         </p:spPr>
         <p:txBody>
-          <a:bodyPr lIns="0" rIns="0" tIns="0" bIns="0">
+          <a:bodyPr lIns="0" tIns="0" rIns="0" bIns="0">
             <a:normAutofit/>
           </a:bodyPr>
-          <a:p>
-            <a:endParaRPr b="0" lang="pt-BR" sz="3200" spc="-1" strike="noStrike">
+          <a:lstStyle/>
+          <a:p>
+            <a:endParaRPr lang="pt-BR" sz="3200" b="0" strike="noStrike" spc="-1">
               <a:latin typeface="Arial"/>
             </a:endParaRPr>
           </a:p>
@@ -479,11 +596,12 @@
           </a:prstGeom>
         </p:spPr>
         <p:txBody>
-          <a:bodyPr lIns="0" rIns="0" tIns="0" bIns="0">
+          <a:bodyPr lIns="0" tIns="0" rIns="0" bIns="0">
             <a:normAutofit/>
           </a:bodyPr>
-          <a:p>
-            <a:endParaRPr b="0" lang="pt-BR" sz="3200" spc="-1" strike="noStrike">
+          <a:lstStyle/>
+          <a:p>
+            <a:endParaRPr lang="pt-BR" sz="3200" b="0" strike="noStrike" spc="-1">
               <a:latin typeface="Arial"/>
             </a:endParaRPr>
           </a:p>
@@ -509,11 +627,12 @@
           </a:prstGeom>
         </p:spPr>
         <p:txBody>
-          <a:bodyPr lIns="0" rIns="0" tIns="0" bIns="0">
+          <a:bodyPr lIns="0" tIns="0" rIns="0" bIns="0">
             <a:normAutofit/>
           </a:bodyPr>
-          <a:p>
-            <a:endParaRPr b="0" lang="pt-BR" sz="3200" spc="-1" strike="noStrike">
+          <a:lstStyle/>
+          <a:p>
+            <a:endParaRPr lang="pt-BR" sz="3200" b="0" strike="noStrike" spc="-1">
               <a:latin typeface="Arial"/>
             </a:endParaRPr>
           </a:p>
@@ -539,11 +658,12 @@
           </a:prstGeom>
         </p:spPr>
         <p:txBody>
-          <a:bodyPr lIns="0" rIns="0" tIns="0" bIns="0">
+          <a:bodyPr lIns="0" tIns="0" rIns="0" bIns="0">
             <a:normAutofit/>
           </a:bodyPr>
-          <a:p>
-            <a:endParaRPr b="0" lang="pt-BR" sz="3200" spc="-1" strike="noStrike">
+          <a:lstStyle/>
+          <a:p>
+            <a:endParaRPr lang="pt-BR" sz="3200" b="0" strike="noStrike" spc="-1">
               <a:latin typeface="Arial"/>
             </a:endParaRPr>
           </a:p>
@@ -551,11 +671,14 @@
       </p:sp>
     </p:spTree>
   </p:cSld>
+  <p:clrMapOvr>
+    <a:masterClrMapping/>
+  </p:clrMapOvr>
 </p:sldLayout>
 </file>
 
 <file path=ppt/slideLayouts/slideLayout2.xml><?xml version="1.0" encoding="utf-8"?>
-<p:sldLayout xmlns:a="http://schemas.openxmlformats.org/drawingml/2006/main" xmlns:p="http://schemas.openxmlformats.org/presentationml/2006/main" xmlns:r="http://schemas.openxmlformats.org/officeDocument/2006/relationships" xmlns:p14="http://schemas.microsoft.com/office/powerpoint/2010/main" xmlns:p15="http://schemas.microsoft.com/office/powerpoint/2012/main" xmlns:mc="http://schemas.openxmlformats.org/markup-compatibility/2006" type="tx" preserve="1">
+<p:sldLayout xmlns:a="http://schemas.openxmlformats.org/drawingml/2006/main" xmlns:r="http://schemas.openxmlformats.org/officeDocument/2006/relationships" xmlns:p="http://schemas.openxmlformats.org/presentationml/2006/main" type="tx" preserve="1">
   <p:cSld name="Title Slide">
     <p:spTree>
       <p:nvGrpSpPr>
@@ -591,10 +714,11 @@
           </a:prstGeom>
         </p:spPr>
         <p:txBody>
-          <a:bodyPr lIns="0" rIns="0" tIns="0" bIns="0" anchor="ctr"/>
+          <a:bodyPr lIns="0" tIns="0" rIns="0" bIns="0" anchor="ctr"/>
+          <a:lstStyle/>
           <a:p>
             <a:pPr algn="ctr"/>
-            <a:endParaRPr b="0" lang="pt-BR" sz="4400" spc="-1" strike="noStrike">
+            <a:endParaRPr lang="pt-BR" sz="4400" b="0" strike="noStrike" spc="-1">
               <a:latin typeface="Arial"/>
             </a:endParaRPr>
           </a:p>
@@ -620,10 +744,11 @@
           </a:prstGeom>
         </p:spPr>
         <p:txBody>
-          <a:bodyPr lIns="0" rIns="0" tIns="0" bIns="0" anchor="ctr"/>
+          <a:bodyPr lIns="0" tIns="0" rIns="0" bIns="0" anchor="ctr"/>
+          <a:lstStyle/>
           <a:p>
             <a:pPr algn="ctr"/>
-            <a:endParaRPr b="0" lang="pt-BR" sz="3200" spc="-1" strike="noStrike">
+            <a:endParaRPr lang="pt-BR" sz="3200" b="0" strike="noStrike" spc="-1">
               <a:latin typeface="Arial"/>
             </a:endParaRPr>
           </a:p>
@@ -631,11 +756,14 @@
       </p:sp>
     </p:spTree>
   </p:cSld>
+  <p:clrMapOvr>
+    <a:masterClrMapping/>
+  </p:clrMapOvr>
 </p:sldLayout>
 </file>
 
 <file path=ppt/slideLayouts/slideLayout3.xml><?xml version="1.0" encoding="utf-8"?>
-<p:sldLayout xmlns:a="http://schemas.openxmlformats.org/drawingml/2006/main" xmlns:p="http://schemas.openxmlformats.org/presentationml/2006/main" xmlns:r="http://schemas.openxmlformats.org/officeDocument/2006/relationships" xmlns:p14="http://schemas.microsoft.com/office/powerpoint/2010/main" xmlns:p15="http://schemas.microsoft.com/office/powerpoint/2012/main" xmlns:mc="http://schemas.openxmlformats.org/markup-compatibility/2006" type="obj" preserve="1">
+<p:sldLayout xmlns:a="http://schemas.openxmlformats.org/drawingml/2006/main" xmlns:r="http://schemas.openxmlformats.org/officeDocument/2006/relationships" xmlns:p="http://schemas.openxmlformats.org/presentationml/2006/main" type="obj" preserve="1">
   <p:cSld name="Title, Content">
     <p:spTree>
       <p:nvGrpSpPr>
@@ -671,10 +799,11 @@
           </a:prstGeom>
         </p:spPr>
         <p:txBody>
-          <a:bodyPr lIns="0" rIns="0" tIns="0" bIns="0" anchor="ctr"/>
+          <a:bodyPr lIns="0" tIns="0" rIns="0" bIns="0" anchor="ctr"/>
+          <a:lstStyle/>
           <a:p>
             <a:pPr algn="ctr"/>
-            <a:endParaRPr b="0" lang="pt-BR" sz="4400" spc="-1" strike="noStrike">
+            <a:endParaRPr lang="pt-BR" sz="4400" b="0" strike="noStrike" spc="-1">
               <a:latin typeface="Arial"/>
             </a:endParaRPr>
           </a:p>
@@ -700,11 +829,12 @@
           </a:prstGeom>
         </p:spPr>
         <p:txBody>
-          <a:bodyPr lIns="0" rIns="0" tIns="0" bIns="0">
+          <a:bodyPr lIns="0" tIns="0" rIns="0" bIns="0">
             <a:normAutofit/>
           </a:bodyPr>
-          <a:p>
-            <a:endParaRPr b="0" lang="pt-BR" sz="3200" spc="-1" strike="noStrike">
+          <a:lstStyle/>
+          <a:p>
+            <a:endParaRPr lang="pt-BR" sz="3200" b="0" strike="noStrike" spc="-1">
               <a:latin typeface="Arial"/>
             </a:endParaRPr>
           </a:p>
@@ -712,11 +842,14 @@
       </p:sp>
     </p:spTree>
   </p:cSld>
+  <p:clrMapOvr>
+    <a:masterClrMapping/>
+  </p:clrMapOvr>
 </p:sldLayout>
 </file>
 
 <file path=ppt/slideLayouts/slideLayout4.xml><?xml version="1.0" encoding="utf-8"?>
-<p:sldLayout xmlns:a="http://schemas.openxmlformats.org/drawingml/2006/main" xmlns:p="http://schemas.openxmlformats.org/presentationml/2006/main" xmlns:r="http://schemas.openxmlformats.org/officeDocument/2006/relationships" xmlns:p14="http://schemas.microsoft.com/office/powerpoint/2010/main" xmlns:p15="http://schemas.microsoft.com/office/powerpoint/2012/main" xmlns:mc="http://schemas.openxmlformats.org/markup-compatibility/2006" type="twoObj" preserve="1">
+<p:sldLayout xmlns:a="http://schemas.openxmlformats.org/drawingml/2006/main" xmlns:r="http://schemas.openxmlformats.org/officeDocument/2006/relationships" xmlns:p="http://schemas.openxmlformats.org/presentationml/2006/main" type="twoObj" preserve="1">
   <p:cSld name="Title, 2 Content">
     <p:spTree>
       <p:nvGrpSpPr>
@@ -752,10 +885,11 @@
           </a:prstGeom>
         </p:spPr>
         <p:txBody>
-          <a:bodyPr lIns="0" rIns="0" tIns="0" bIns="0" anchor="ctr"/>
+          <a:bodyPr lIns="0" tIns="0" rIns="0" bIns="0" anchor="ctr"/>
+          <a:lstStyle/>
           <a:p>
             <a:pPr algn="ctr"/>
-            <a:endParaRPr b="0" lang="pt-BR" sz="4400" spc="-1" strike="noStrike">
+            <a:endParaRPr lang="pt-BR" sz="4400" b="0" strike="noStrike" spc="-1">
               <a:latin typeface="Arial"/>
             </a:endParaRPr>
           </a:p>
@@ -781,11 +915,12 @@
           </a:prstGeom>
         </p:spPr>
         <p:txBody>
-          <a:bodyPr lIns="0" rIns="0" tIns="0" bIns="0">
+          <a:bodyPr lIns="0" tIns="0" rIns="0" bIns="0">
             <a:normAutofit/>
           </a:bodyPr>
-          <a:p>
-            <a:endParaRPr b="0" lang="pt-BR" sz="3200" spc="-1" strike="noStrike">
+          <a:lstStyle/>
+          <a:p>
+            <a:endParaRPr lang="pt-BR" sz="3200" b="0" strike="noStrike" spc="-1">
               <a:latin typeface="Arial"/>
             </a:endParaRPr>
           </a:p>
@@ -811,11 +946,12 @@
           </a:prstGeom>
         </p:spPr>
         <p:txBody>
-          <a:bodyPr lIns="0" rIns="0" tIns="0" bIns="0">
+          <a:bodyPr lIns="0" tIns="0" rIns="0" bIns="0">
             <a:normAutofit/>
           </a:bodyPr>
-          <a:p>
-            <a:endParaRPr b="0" lang="pt-BR" sz="3200" spc="-1" strike="noStrike">
+          <a:lstStyle/>
+          <a:p>
+            <a:endParaRPr lang="pt-BR" sz="3200" b="0" strike="noStrike" spc="-1">
               <a:latin typeface="Arial"/>
             </a:endParaRPr>
           </a:p>
@@ -823,11 +959,14 @@
       </p:sp>
     </p:spTree>
   </p:cSld>
+  <p:clrMapOvr>
+    <a:masterClrMapping/>
+  </p:clrMapOvr>
 </p:sldLayout>
 </file>
 
 <file path=ppt/slideLayouts/slideLayout5.xml><?xml version="1.0" encoding="utf-8"?>
-<p:sldLayout xmlns:a="http://schemas.openxmlformats.org/drawingml/2006/main" xmlns:p="http://schemas.openxmlformats.org/presentationml/2006/main" xmlns:r="http://schemas.openxmlformats.org/officeDocument/2006/relationships" xmlns:p14="http://schemas.microsoft.com/office/powerpoint/2010/main" xmlns:p15="http://schemas.microsoft.com/office/powerpoint/2012/main" xmlns:mc="http://schemas.openxmlformats.org/markup-compatibility/2006" type="titleOnly" preserve="1">
+<p:sldLayout xmlns:a="http://schemas.openxmlformats.org/drawingml/2006/main" xmlns:r="http://schemas.openxmlformats.org/officeDocument/2006/relationships" xmlns:p="http://schemas.openxmlformats.org/presentationml/2006/main" type="titleOnly" preserve="1">
   <p:cSld name="Title Only">
     <p:spTree>
       <p:nvGrpSpPr>
@@ -863,10 +1002,11 @@
           </a:prstGeom>
         </p:spPr>
         <p:txBody>
-          <a:bodyPr lIns="0" rIns="0" tIns="0" bIns="0" anchor="ctr"/>
+          <a:bodyPr lIns="0" tIns="0" rIns="0" bIns="0" anchor="ctr"/>
+          <a:lstStyle/>
           <a:p>
             <a:pPr algn="ctr"/>
-            <a:endParaRPr b="0" lang="pt-BR" sz="4400" spc="-1" strike="noStrike">
+            <a:endParaRPr lang="pt-BR" sz="4400" b="0" strike="noStrike" spc="-1">
               <a:latin typeface="Arial"/>
             </a:endParaRPr>
           </a:p>
@@ -874,11 +1014,14 @@
       </p:sp>
     </p:spTree>
   </p:cSld>
+  <p:clrMapOvr>
+    <a:masterClrMapping/>
+  </p:clrMapOvr>
 </p:sldLayout>
 </file>
 
 <file path=ppt/slideLayouts/slideLayout6.xml><?xml version="1.0" encoding="utf-8"?>
-<p:sldLayout xmlns:a="http://schemas.openxmlformats.org/drawingml/2006/main" xmlns:p="http://schemas.openxmlformats.org/presentationml/2006/main" xmlns:r="http://schemas.openxmlformats.org/officeDocument/2006/relationships" xmlns:p14="http://schemas.microsoft.com/office/powerpoint/2010/main" xmlns:p15="http://schemas.microsoft.com/office/powerpoint/2012/main" xmlns:mc="http://schemas.openxmlformats.org/markup-compatibility/2006" type="objOnly" preserve="1">
+<p:sldLayout xmlns:a="http://schemas.openxmlformats.org/drawingml/2006/main" xmlns:r="http://schemas.openxmlformats.org/officeDocument/2006/relationships" xmlns:p="http://schemas.openxmlformats.org/presentationml/2006/main" type="objOnly" preserve="1">
   <p:cSld name="Centered Text">
     <p:spTree>
       <p:nvGrpSpPr>
@@ -914,10 +1057,11 @@
           </a:prstGeom>
         </p:spPr>
         <p:txBody>
-          <a:bodyPr lIns="0" rIns="0" tIns="0" bIns="0" anchor="ctr"/>
+          <a:bodyPr lIns="0" tIns="0" rIns="0" bIns="0" anchor="ctr"/>
+          <a:lstStyle/>
           <a:p>
             <a:pPr algn="ctr"/>
-            <a:endParaRPr b="0" lang="pt-BR" sz="3200" spc="-1" strike="noStrike">
+            <a:endParaRPr lang="pt-BR" sz="3200" b="0" strike="noStrike" spc="-1">
               <a:latin typeface="Arial"/>
             </a:endParaRPr>
           </a:p>
@@ -925,11 +1069,14 @@
       </p:sp>
     </p:spTree>
   </p:cSld>
+  <p:clrMapOvr>
+    <a:masterClrMapping/>
+  </p:clrMapOvr>
 </p:sldLayout>
 </file>
 
 <file path=ppt/slideLayouts/slideLayout7.xml><?xml version="1.0" encoding="utf-8"?>
-<p:sldLayout xmlns:a="http://schemas.openxmlformats.org/drawingml/2006/main" xmlns:p="http://schemas.openxmlformats.org/presentationml/2006/main" xmlns:r="http://schemas.openxmlformats.org/officeDocument/2006/relationships" xmlns:p14="http://schemas.microsoft.com/office/powerpoint/2010/main" xmlns:p15="http://schemas.microsoft.com/office/powerpoint/2012/main" xmlns:mc="http://schemas.openxmlformats.org/markup-compatibility/2006" type="twoObjAndObj" preserve="1">
+<p:sldLayout xmlns:a="http://schemas.openxmlformats.org/drawingml/2006/main" xmlns:r="http://schemas.openxmlformats.org/officeDocument/2006/relationships" xmlns:p="http://schemas.openxmlformats.org/presentationml/2006/main" type="twoObjAndObj" preserve="1">
   <p:cSld name="Title, 2 Content and Content">
     <p:spTree>
       <p:nvGrpSpPr>
@@ -965,10 +1112,11 @@
           </a:prstGeom>
         </p:spPr>
         <p:txBody>
-          <a:bodyPr lIns="0" rIns="0" tIns="0" bIns="0" anchor="ctr"/>
+          <a:bodyPr lIns="0" tIns="0" rIns="0" bIns="0" anchor="ctr"/>
+          <a:lstStyle/>
           <a:p>
             <a:pPr algn="ctr"/>
-            <a:endParaRPr b="0" lang="pt-BR" sz="4400" spc="-1" strike="noStrike">
+            <a:endParaRPr lang="pt-BR" sz="4400" b="0" strike="noStrike" spc="-1">
               <a:latin typeface="Arial"/>
             </a:endParaRPr>
           </a:p>
@@ -994,11 +1142,12 @@
           </a:prstGeom>
         </p:spPr>
         <p:txBody>
-          <a:bodyPr lIns="0" rIns="0" tIns="0" bIns="0">
+          <a:bodyPr lIns="0" tIns="0" rIns="0" bIns="0">
             <a:normAutofit/>
           </a:bodyPr>
-          <a:p>
-            <a:endParaRPr b="0" lang="pt-BR" sz="3200" spc="-1" strike="noStrike">
+          <a:lstStyle/>
+          <a:p>
+            <a:endParaRPr lang="pt-BR" sz="3200" b="0" strike="noStrike" spc="-1">
               <a:latin typeface="Arial"/>
             </a:endParaRPr>
           </a:p>
@@ -1024,11 +1173,12 @@
           </a:prstGeom>
         </p:spPr>
         <p:txBody>
-          <a:bodyPr lIns="0" rIns="0" tIns="0" bIns="0">
+          <a:bodyPr lIns="0" tIns="0" rIns="0" bIns="0">
             <a:normAutofit/>
           </a:bodyPr>
-          <a:p>
-            <a:endParaRPr b="0" lang="pt-BR" sz="3200" spc="-1" strike="noStrike">
+          <a:lstStyle/>
+          <a:p>
+            <a:endParaRPr lang="pt-BR" sz="3200" b="0" strike="noStrike" spc="-1">
               <a:latin typeface="Arial"/>
             </a:endParaRPr>
           </a:p>
@@ -1054,11 +1204,12 @@
           </a:prstGeom>
         </p:spPr>
         <p:txBody>
-          <a:bodyPr lIns="0" rIns="0" tIns="0" bIns="0">
+          <a:bodyPr lIns="0" tIns="0" rIns="0" bIns="0">
             <a:normAutofit/>
           </a:bodyPr>
-          <a:p>
-            <a:endParaRPr b="0" lang="pt-BR" sz="3200" spc="-1" strike="noStrike">
+          <a:lstStyle/>
+          <a:p>
+            <a:endParaRPr lang="pt-BR" sz="3200" b="0" strike="noStrike" spc="-1">
               <a:latin typeface="Arial"/>
             </a:endParaRPr>
           </a:p>
@@ -1066,11 +1217,14 @@
       </p:sp>
     </p:spTree>
   </p:cSld>
+  <p:clrMapOvr>
+    <a:masterClrMapping/>
+  </p:clrMapOvr>
 </p:sldLayout>
 </file>
 
 <file path=ppt/slideLayouts/slideLayout8.xml><?xml version="1.0" encoding="utf-8"?>
-<p:sldLayout xmlns:a="http://schemas.openxmlformats.org/drawingml/2006/main" xmlns:p="http://schemas.openxmlformats.org/presentationml/2006/main" xmlns:r="http://schemas.openxmlformats.org/officeDocument/2006/relationships" xmlns:p14="http://schemas.microsoft.com/office/powerpoint/2010/main" xmlns:p15="http://schemas.microsoft.com/office/powerpoint/2012/main" xmlns:mc="http://schemas.openxmlformats.org/markup-compatibility/2006" type="objAndTwoObj" preserve="1">
+<p:sldLayout xmlns:a="http://schemas.openxmlformats.org/drawingml/2006/main" xmlns:r="http://schemas.openxmlformats.org/officeDocument/2006/relationships" xmlns:p="http://schemas.openxmlformats.org/presentationml/2006/main" type="objAndTwoObj" preserve="1">
   <p:cSld name="Title Content and 2 Content">
     <p:spTree>
       <p:nvGrpSpPr>
@@ -1106,10 +1260,11 @@
           </a:prstGeom>
         </p:spPr>
         <p:txBody>
-          <a:bodyPr lIns="0" rIns="0" tIns="0" bIns="0" anchor="ctr"/>
+          <a:bodyPr lIns="0" tIns="0" rIns="0" bIns="0" anchor="ctr"/>
+          <a:lstStyle/>
           <a:p>
             <a:pPr algn="ctr"/>
-            <a:endParaRPr b="0" lang="pt-BR" sz="4400" spc="-1" strike="noStrike">
+            <a:endParaRPr lang="pt-BR" sz="4400" b="0" strike="noStrike" spc="-1">
               <a:latin typeface="Arial"/>
             </a:endParaRPr>
           </a:p>
@@ -1135,11 +1290,12 @@
           </a:prstGeom>
         </p:spPr>
         <p:txBody>
-          <a:bodyPr lIns="0" rIns="0" tIns="0" bIns="0">
+          <a:bodyPr lIns="0" tIns="0" rIns="0" bIns="0">
             <a:normAutofit/>
           </a:bodyPr>
-          <a:p>
-            <a:endParaRPr b="0" lang="pt-BR" sz="3200" spc="-1" strike="noStrike">
+          <a:lstStyle/>
+          <a:p>
+            <a:endParaRPr lang="pt-BR" sz="3200" b="0" strike="noStrike" spc="-1">
               <a:latin typeface="Arial"/>
             </a:endParaRPr>
           </a:p>
@@ -1165,11 +1321,12 @@
           </a:prstGeom>
         </p:spPr>
         <p:txBody>
-          <a:bodyPr lIns="0" rIns="0" tIns="0" bIns="0">
+          <a:bodyPr lIns="0" tIns="0" rIns="0" bIns="0">
             <a:normAutofit/>
           </a:bodyPr>
-          <a:p>
-            <a:endParaRPr b="0" lang="pt-BR" sz="3200" spc="-1" strike="noStrike">
+          <a:lstStyle/>
+          <a:p>
+            <a:endParaRPr lang="pt-BR" sz="3200" b="0" strike="noStrike" spc="-1">
               <a:latin typeface="Arial"/>
             </a:endParaRPr>
           </a:p>
@@ -1195,11 +1352,12 @@
           </a:prstGeom>
         </p:spPr>
         <p:txBody>
-          <a:bodyPr lIns="0" rIns="0" tIns="0" bIns="0">
+          <a:bodyPr lIns="0" tIns="0" rIns="0" bIns="0">
             <a:normAutofit/>
           </a:bodyPr>
-          <a:p>
-            <a:endParaRPr b="0" lang="pt-BR" sz="3200" spc="-1" strike="noStrike">
+          <a:lstStyle/>
+          <a:p>
+            <a:endParaRPr lang="pt-BR" sz="3200" b="0" strike="noStrike" spc="-1">
               <a:latin typeface="Arial"/>
             </a:endParaRPr>
           </a:p>
@@ -1207,11 +1365,14 @@
       </p:sp>
     </p:spTree>
   </p:cSld>
+  <p:clrMapOvr>
+    <a:masterClrMapping/>
+  </p:clrMapOvr>
 </p:sldLayout>
 </file>
 
 <file path=ppt/slideLayouts/slideLayout9.xml><?xml version="1.0" encoding="utf-8"?>
-<p:sldLayout xmlns:a="http://schemas.openxmlformats.org/drawingml/2006/main" xmlns:p="http://schemas.openxmlformats.org/presentationml/2006/main" xmlns:r="http://schemas.openxmlformats.org/officeDocument/2006/relationships" xmlns:p14="http://schemas.microsoft.com/office/powerpoint/2010/main" xmlns:p15="http://schemas.microsoft.com/office/powerpoint/2012/main" xmlns:mc="http://schemas.openxmlformats.org/markup-compatibility/2006" type="twoObjOverTx" preserve="1">
+<p:sldLayout xmlns:a="http://schemas.openxmlformats.org/drawingml/2006/main" xmlns:r="http://schemas.openxmlformats.org/officeDocument/2006/relationships" xmlns:p="http://schemas.openxmlformats.org/presentationml/2006/main" type="twoObjOverTx" preserve="1">
   <p:cSld name="Title, 2 Content over Content">
     <p:spTree>
       <p:nvGrpSpPr>
@@ -1247,10 +1408,11 @@
           </a:prstGeom>
         </p:spPr>
         <p:txBody>
-          <a:bodyPr lIns="0" rIns="0" tIns="0" bIns="0" anchor="ctr"/>
+          <a:bodyPr lIns="0" tIns="0" rIns="0" bIns="0" anchor="ctr"/>
+          <a:lstStyle/>
           <a:p>
             <a:pPr algn="ctr"/>
-            <a:endParaRPr b="0" lang="pt-BR" sz="4400" spc="-1" strike="noStrike">
+            <a:endParaRPr lang="pt-BR" sz="4400" b="0" strike="noStrike" spc="-1">
               <a:latin typeface="Arial"/>
             </a:endParaRPr>
           </a:p>
@@ -1276,11 +1438,12 @@
           </a:prstGeom>
         </p:spPr>
         <p:txBody>
-          <a:bodyPr lIns="0" rIns="0" tIns="0" bIns="0">
+          <a:bodyPr lIns="0" tIns="0" rIns="0" bIns="0">
             <a:normAutofit/>
           </a:bodyPr>
-          <a:p>
-            <a:endParaRPr b="0" lang="pt-BR" sz="3200" spc="-1" strike="noStrike">
+          <a:lstStyle/>
+          <a:p>
+            <a:endParaRPr lang="pt-BR" sz="3200" b="0" strike="noStrike" spc="-1">
               <a:latin typeface="Arial"/>
             </a:endParaRPr>
           </a:p>
@@ -1306,11 +1469,12 @@
           </a:prstGeom>
         </p:spPr>
         <p:txBody>
-          <a:bodyPr lIns="0" rIns="0" tIns="0" bIns="0">
+          <a:bodyPr lIns="0" tIns="0" rIns="0" bIns="0">
             <a:normAutofit/>
           </a:bodyPr>
-          <a:p>
-            <a:endParaRPr b="0" lang="pt-BR" sz="3200" spc="-1" strike="noStrike">
+          <a:lstStyle/>
+          <a:p>
+            <a:endParaRPr lang="pt-BR" sz="3200" b="0" strike="noStrike" spc="-1">
               <a:latin typeface="Arial"/>
             </a:endParaRPr>
           </a:p>
@@ -1336,11 +1500,12 @@
           </a:prstGeom>
         </p:spPr>
         <p:txBody>
-          <a:bodyPr lIns="0" rIns="0" tIns="0" bIns="0">
+          <a:bodyPr lIns="0" tIns="0" rIns="0" bIns="0">
             <a:normAutofit/>
           </a:bodyPr>
-          <a:p>
-            <a:endParaRPr b="0" lang="pt-BR" sz="3200" spc="-1" strike="noStrike">
+          <a:lstStyle/>
+          <a:p>
+            <a:endParaRPr lang="pt-BR" sz="3200" b="0" strike="noStrike" spc="-1">
               <a:latin typeface="Arial"/>
             </a:endParaRPr>
           </a:p>
@@ -1348,17 +1513,21 @@
       </p:sp>
     </p:spTree>
   </p:cSld>
+  <p:clrMapOvr>
+    <a:masterClrMapping/>
+  </p:clrMapOvr>
 </p:sldLayout>
 </file>
 
 <file path=ppt/slideMasters/slideMaster1.xml><?xml version="1.0" encoding="utf-8"?>
-<p:sldMaster xmlns:a="http://schemas.openxmlformats.org/drawingml/2006/main" xmlns:p="http://schemas.openxmlformats.org/presentationml/2006/main" xmlns:r="http://schemas.openxmlformats.org/officeDocument/2006/relationships" xmlns:p14="http://schemas.microsoft.com/office/powerpoint/2010/main" xmlns:p15="http://schemas.microsoft.com/office/powerpoint/2012/main" xmlns:mc="http://schemas.openxmlformats.org/markup-compatibility/2006">
+<p:sldMaster xmlns:a="http://schemas.openxmlformats.org/drawingml/2006/main" xmlns:r="http://schemas.openxmlformats.org/officeDocument/2006/relationships" xmlns:p="http://schemas.openxmlformats.org/presentationml/2006/main">
   <p:cSld>
     <p:bg>
       <p:bgPr>
         <a:solidFill>
-          <a:srgbClr val="ffffff"/>
+          <a:srgbClr val="FFFFFF"/>
         </a:solidFill>
+        <a:effectLst/>
       </p:bgPr>
     </p:bg>
     <p:spTree>
@@ -1377,7 +1546,7 @@
       </p:grpSpPr>
       <p:sp>
         <p:nvSpPr>
-          <p:cNvPr id="0" name="PlaceHolder 1"/>
+          <p:cNvPr id="2" name="PlaceHolder 1"/>
           <p:cNvSpPr>
             <a:spLocks noGrp="1"/>
           </p:cNvSpPr>
@@ -1395,53 +1564,21 @@
           </a:prstGeom>
         </p:spPr>
         <p:txBody>
-          <a:bodyPr lIns="0" rIns="0" tIns="0" bIns="0" anchor="ctr"/>
+          <a:bodyPr lIns="0" tIns="0" rIns="0" bIns="0" anchor="ctr"/>
+          <a:lstStyle/>
           <a:p>
             <a:r>
-              <a:rPr b="0" lang="pt-BR" sz="1800" spc="-1" strike="noStrike">
+              <a:rPr lang="pt-BR" sz="1800" b="0" strike="noStrike" spc="-1">
                 <a:latin typeface="Arial"/>
               </a:rPr>
-              <a:t>Clique </a:t>
+              <a:t>Clique para editar o formato do texto do título</a:t>
             </a:r>
-            <a:r>
-              <a:rPr b="0" lang="pt-BR" sz="1800" spc="-1" strike="noStrike">
-                <a:latin typeface="Arial"/>
-              </a:rPr>
-              <a:t>para </a:t>
-            </a:r>
-            <a:r>
-              <a:rPr b="0" lang="pt-BR" sz="1800" spc="-1" strike="noStrike">
-                <a:latin typeface="Arial"/>
-              </a:rPr>
-              <a:t>editar o </a:t>
-            </a:r>
-            <a:r>
-              <a:rPr b="0" lang="pt-BR" sz="1800" spc="-1" strike="noStrike">
-                <a:latin typeface="Arial"/>
-              </a:rPr>
-              <a:t>formato </a:t>
-            </a:r>
-            <a:r>
-              <a:rPr b="0" lang="pt-BR" sz="1800" spc="-1" strike="noStrike">
-                <a:latin typeface="Arial"/>
-              </a:rPr>
-              <a:t>do texto </a:t>
-            </a:r>
-            <a:r>
-              <a:rPr b="0" lang="pt-BR" sz="1800" spc="-1" strike="noStrike">
-                <a:latin typeface="Arial"/>
-              </a:rPr>
-              <a:t>do título</a:t>
-            </a:r>
-            <a:endParaRPr b="0" lang="pt-BR" sz="1800" spc="-1" strike="noStrike">
-              <a:latin typeface="Arial"/>
-            </a:endParaRPr>
           </a:p>
         </p:txBody>
       </p:sp>
       <p:sp>
         <p:nvSpPr>
-          <p:cNvPr id="1" name="PlaceHolder 2"/>
+          <p:cNvPr id="3" name="PlaceHolder 2"/>
           <p:cNvSpPr>
             <a:spLocks noGrp="1"/>
           </p:cNvSpPr>
@@ -1459,9 +1596,10 @@
           </a:prstGeom>
         </p:spPr>
         <p:txBody>
-          <a:bodyPr lIns="0" rIns="0" tIns="0" bIns="0">
+          <a:bodyPr lIns="0" tIns="0" rIns="0" bIns="0">
             <a:normAutofit/>
           </a:bodyPr>
+          <a:lstStyle/>
           <a:p>
             <a:pPr marL="432000" indent="-324000">
               <a:spcBef>
@@ -1475,17 +1613,14 @@
               <a:buChar char=""/>
             </a:pPr>
             <a:r>
-              <a:rPr b="0" lang="pt-BR" sz="1800" spc="-1" strike="noStrike">
+              <a:rPr lang="pt-BR" sz="1800" b="0" strike="noStrike" spc="-1">
                 <a:latin typeface="Arial"/>
               </a:rPr>
               <a:t>Clique para editar o formato do texto da estrutura de tópicos</a:t>
             </a:r>
-            <a:endParaRPr b="0" lang="pt-BR" sz="1800" spc="-1" strike="noStrike">
-              <a:latin typeface="Arial"/>
-            </a:endParaRPr>
-          </a:p>
-          <a:p>
-            <a:pPr lvl="1" marL="864000" indent="-324000">
+          </a:p>
+          <a:p>
+            <a:pPr marL="864000" lvl="1" indent="-324000">
               <a:spcBef>
                 <a:spcPts val="1134"/>
               </a:spcBef>
@@ -1497,17 +1632,14 @@
               <a:buChar char=""/>
             </a:pPr>
             <a:r>
-              <a:rPr b="0" lang="pt-BR" sz="1800" spc="-1" strike="noStrike">
+              <a:rPr lang="pt-BR" sz="1800" b="0" strike="noStrike" spc="-1">
                 <a:latin typeface="Arial"/>
               </a:rPr>
               <a:t>2.º nível da estrutura de tópicos</a:t>
             </a:r>
-            <a:endParaRPr b="0" lang="pt-BR" sz="1800" spc="-1" strike="noStrike">
-              <a:latin typeface="Arial"/>
-            </a:endParaRPr>
-          </a:p>
-          <a:p>
-            <a:pPr lvl="2" marL="1296000" indent="-288000">
+          </a:p>
+          <a:p>
+            <a:pPr marL="1296000" lvl="2" indent="-288000">
               <a:spcBef>
                 <a:spcPts val="850"/>
               </a:spcBef>
@@ -1519,17 +1651,14 @@
               <a:buChar char=""/>
             </a:pPr>
             <a:r>
-              <a:rPr b="0" lang="pt-BR" sz="1800" spc="-1" strike="noStrike">
+              <a:rPr lang="pt-BR" sz="1800" b="0" strike="noStrike" spc="-1">
                 <a:latin typeface="Arial"/>
               </a:rPr>
               <a:t>3.º nível da estrutura de tópicos</a:t>
             </a:r>
-            <a:endParaRPr b="0" lang="pt-BR" sz="1800" spc="-1" strike="noStrike">
-              <a:latin typeface="Arial"/>
-            </a:endParaRPr>
-          </a:p>
-          <a:p>
-            <a:pPr lvl="3" marL="1728000" indent="-216000">
+          </a:p>
+          <a:p>
+            <a:pPr marL="1728000" lvl="3" indent="-216000">
               <a:spcBef>
                 <a:spcPts val="567"/>
               </a:spcBef>
@@ -1541,17 +1670,14 @@
               <a:buChar char=""/>
             </a:pPr>
             <a:r>
-              <a:rPr b="0" lang="pt-BR" sz="1800" spc="-1" strike="noStrike">
+              <a:rPr lang="pt-BR" sz="1800" b="0" strike="noStrike" spc="-1">
                 <a:latin typeface="Arial"/>
               </a:rPr>
               <a:t>4.º nível da estrutura de tópicos</a:t>
             </a:r>
-            <a:endParaRPr b="0" lang="pt-BR" sz="1800" spc="-1" strike="noStrike">
-              <a:latin typeface="Arial"/>
-            </a:endParaRPr>
-          </a:p>
-          <a:p>
-            <a:pPr lvl="4" marL="2160000" indent="-216000">
+          </a:p>
+          <a:p>
+            <a:pPr marL="2160000" lvl="4" indent="-216000">
               <a:spcBef>
                 <a:spcPts val="283"/>
               </a:spcBef>
@@ -1563,17 +1689,14 @@
               <a:buChar char=""/>
             </a:pPr>
             <a:r>
-              <a:rPr b="0" lang="pt-BR" sz="1800" spc="-1" strike="noStrike">
+              <a:rPr lang="pt-BR" sz="1800" b="0" strike="noStrike" spc="-1">
                 <a:latin typeface="Arial"/>
               </a:rPr>
               <a:t>5.º nível da estrutura de tópicos</a:t>
             </a:r>
-            <a:endParaRPr b="0" lang="pt-BR" sz="1800" spc="-1" strike="noStrike">
-              <a:latin typeface="Arial"/>
-            </a:endParaRPr>
-          </a:p>
-          <a:p>
-            <a:pPr lvl="5" marL="2592000" indent="-216000">
+          </a:p>
+          <a:p>
+            <a:pPr marL="2592000" lvl="5" indent="-216000">
               <a:spcBef>
                 <a:spcPts val="283"/>
               </a:spcBef>
@@ -1585,17 +1708,14 @@
               <a:buChar char=""/>
             </a:pPr>
             <a:r>
-              <a:rPr b="0" lang="pt-BR" sz="1800" spc="-1" strike="noStrike">
+              <a:rPr lang="pt-BR" sz="1800" b="0" strike="noStrike" spc="-1">
                 <a:latin typeface="Arial"/>
               </a:rPr>
               <a:t>6.º nível da estrutura de tópicos</a:t>
             </a:r>
-            <a:endParaRPr b="0" lang="pt-BR" sz="1800" spc="-1" strike="noStrike">
-              <a:latin typeface="Arial"/>
-            </a:endParaRPr>
-          </a:p>
-          <a:p>
-            <a:pPr lvl="6" marL="3024000" indent="-216000">
+          </a:p>
+          <a:p>
+            <a:pPr marL="3024000" lvl="6" indent="-216000">
               <a:spcBef>
                 <a:spcPts val="283"/>
               </a:spcBef>
@@ -1607,45 +1727,323 @@
               <a:buChar char=""/>
             </a:pPr>
             <a:r>
-              <a:rPr b="0" lang="pt-BR" sz="1800" spc="-1" strike="noStrike">
+              <a:rPr lang="pt-BR" sz="1800" b="0" strike="noStrike" spc="-1">
                 <a:latin typeface="Arial"/>
               </a:rPr>
               <a:t>7.º nível da estrutura de tópicos</a:t>
             </a:r>
-            <a:endParaRPr b="0" lang="pt-BR" sz="1800" spc="-1" strike="noStrike">
-              <a:latin typeface="Arial"/>
-            </a:endParaRPr>
           </a:p>
         </p:txBody>
       </p:sp>
     </p:spTree>
   </p:cSld>
-  <p:clrMap bg1="lt1" bg2="lt2" tx1="dk1" tx2="dk2" accent1="accent1" accent2="accent2" accent3="accent3" accent4="accent4" accent5="accent5" accent6="accent6" hlink="hlink" folHlink="folHlink"/>
+  <p:clrMap bg1="lt1" tx1="dk1" bg2="lt2" tx2="dk2" accent1="accent1" accent2="accent2" accent3="accent3" accent4="accent4" accent5="accent5" accent6="accent6" hlink="hlink" folHlink="folHlink"/>
   <p:sldLayoutIdLst>
-    <p:sldLayoutId id="2147483649" r:id="rId2"/>
-    <p:sldLayoutId id="2147483650" r:id="rId3"/>
-    <p:sldLayoutId id="2147483651" r:id="rId4"/>
-    <p:sldLayoutId id="2147483652" r:id="rId5"/>
-    <p:sldLayoutId id="2147483653" r:id="rId6"/>
-    <p:sldLayoutId id="2147483654" r:id="rId7"/>
-    <p:sldLayoutId id="2147483655" r:id="rId8"/>
-    <p:sldLayoutId id="2147483656" r:id="rId9"/>
-    <p:sldLayoutId id="2147483657" r:id="rId10"/>
-    <p:sldLayoutId id="2147483658" r:id="rId11"/>
-    <p:sldLayoutId id="2147483659" r:id="rId12"/>
-    <p:sldLayoutId id="2147483660" r:id="rId13"/>
+    <p:sldLayoutId id="2147483649" r:id="rId1"/>
+    <p:sldLayoutId id="2147483650" r:id="rId2"/>
+    <p:sldLayoutId id="2147483651" r:id="rId3"/>
+    <p:sldLayoutId id="2147483652" r:id="rId4"/>
+    <p:sldLayoutId id="2147483653" r:id="rId5"/>
+    <p:sldLayoutId id="2147483654" r:id="rId6"/>
+    <p:sldLayoutId id="2147483655" r:id="rId7"/>
+    <p:sldLayoutId id="2147483656" r:id="rId8"/>
+    <p:sldLayoutId id="2147483657" r:id="rId9"/>
+    <p:sldLayoutId id="2147483658" r:id="rId10"/>
+    <p:sldLayoutId id="2147483659" r:id="rId11"/>
+    <p:sldLayoutId id="2147483660" r:id="rId12"/>
   </p:sldLayoutIdLst>
+  <p:txStyles>
+    <p:titleStyle>
+      <a:lvl1pPr algn="l" defTabSz="914400" rtl="0" eaLnBrk="1" latinLnBrk="0" hangingPunct="1">
+        <a:lnSpc>
+          <a:spcPct val="90000"/>
+        </a:lnSpc>
+        <a:spcBef>
+          <a:spcPct val="0"/>
+        </a:spcBef>
+        <a:buNone/>
+        <a:defRPr sz="4400" kern="1200">
+          <a:solidFill>
+            <a:schemeClr val="tx1"/>
+          </a:solidFill>
+          <a:latin typeface="+mj-lt"/>
+          <a:ea typeface="+mj-ea"/>
+          <a:cs typeface="+mj-cs"/>
+        </a:defRPr>
+      </a:lvl1pPr>
+    </p:titleStyle>
+    <p:bodyStyle>
+      <a:lvl1pPr marL="228600" indent="-228600" algn="l" defTabSz="914400" rtl="0" eaLnBrk="1" latinLnBrk="0" hangingPunct="1">
+        <a:lnSpc>
+          <a:spcPct val="90000"/>
+        </a:lnSpc>
+        <a:spcBef>
+          <a:spcPts val="1000"/>
+        </a:spcBef>
+        <a:buFont typeface="Arial" panose="020B0604020202020204" pitchFamily="34" charset="0"/>
+        <a:buChar char="•"/>
+        <a:defRPr sz="2800" kern="1200">
+          <a:solidFill>
+            <a:schemeClr val="tx1"/>
+          </a:solidFill>
+          <a:latin typeface="+mn-lt"/>
+          <a:ea typeface="+mn-ea"/>
+          <a:cs typeface="+mn-cs"/>
+        </a:defRPr>
+      </a:lvl1pPr>
+      <a:lvl2pPr marL="685800" indent="-228600" algn="l" defTabSz="914400" rtl="0" eaLnBrk="1" latinLnBrk="0" hangingPunct="1">
+        <a:lnSpc>
+          <a:spcPct val="90000"/>
+        </a:lnSpc>
+        <a:spcBef>
+          <a:spcPts val="500"/>
+        </a:spcBef>
+        <a:buFont typeface="Arial" panose="020B0604020202020204" pitchFamily="34" charset="0"/>
+        <a:buChar char="•"/>
+        <a:defRPr sz="2400" kern="1200">
+          <a:solidFill>
+            <a:schemeClr val="tx1"/>
+          </a:solidFill>
+          <a:latin typeface="+mn-lt"/>
+          <a:ea typeface="+mn-ea"/>
+          <a:cs typeface="+mn-cs"/>
+        </a:defRPr>
+      </a:lvl2pPr>
+      <a:lvl3pPr marL="1143000" indent="-228600" algn="l" defTabSz="914400" rtl="0" eaLnBrk="1" latinLnBrk="0" hangingPunct="1">
+        <a:lnSpc>
+          <a:spcPct val="90000"/>
+        </a:lnSpc>
+        <a:spcBef>
+          <a:spcPts val="500"/>
+        </a:spcBef>
+        <a:buFont typeface="Arial" panose="020B0604020202020204" pitchFamily="34" charset="0"/>
+        <a:buChar char="•"/>
+        <a:defRPr sz="2000" kern="1200">
+          <a:solidFill>
+            <a:schemeClr val="tx1"/>
+          </a:solidFill>
+          <a:latin typeface="+mn-lt"/>
+          <a:ea typeface="+mn-ea"/>
+          <a:cs typeface="+mn-cs"/>
+        </a:defRPr>
+      </a:lvl3pPr>
+      <a:lvl4pPr marL="1600200" indent="-228600" algn="l" defTabSz="914400" rtl="0" eaLnBrk="1" latinLnBrk="0" hangingPunct="1">
+        <a:lnSpc>
+          <a:spcPct val="90000"/>
+        </a:lnSpc>
+        <a:spcBef>
+          <a:spcPts val="500"/>
+        </a:spcBef>
+        <a:buFont typeface="Arial" panose="020B0604020202020204" pitchFamily="34" charset="0"/>
+        <a:buChar char="•"/>
+        <a:defRPr sz="1800" kern="1200">
+          <a:solidFill>
+            <a:schemeClr val="tx1"/>
+          </a:solidFill>
+          <a:latin typeface="+mn-lt"/>
+          <a:ea typeface="+mn-ea"/>
+          <a:cs typeface="+mn-cs"/>
+        </a:defRPr>
+      </a:lvl4pPr>
+      <a:lvl5pPr marL="2057400" indent="-228600" algn="l" defTabSz="914400" rtl="0" eaLnBrk="1" latinLnBrk="0" hangingPunct="1">
+        <a:lnSpc>
+          <a:spcPct val="90000"/>
+        </a:lnSpc>
+        <a:spcBef>
+          <a:spcPts val="500"/>
+        </a:spcBef>
+        <a:buFont typeface="Arial" panose="020B0604020202020204" pitchFamily="34" charset="0"/>
+        <a:buChar char="•"/>
+        <a:defRPr sz="1800" kern="1200">
+          <a:solidFill>
+            <a:schemeClr val="tx1"/>
+          </a:solidFill>
+          <a:latin typeface="+mn-lt"/>
+          <a:ea typeface="+mn-ea"/>
+          <a:cs typeface="+mn-cs"/>
+        </a:defRPr>
+      </a:lvl5pPr>
+      <a:lvl6pPr marL="2514600" indent="-228600" algn="l" defTabSz="914400" rtl="0" eaLnBrk="1" latinLnBrk="0" hangingPunct="1">
+        <a:lnSpc>
+          <a:spcPct val="90000"/>
+        </a:lnSpc>
+        <a:spcBef>
+          <a:spcPts val="500"/>
+        </a:spcBef>
+        <a:buFont typeface="Arial" panose="020B0604020202020204" pitchFamily="34" charset="0"/>
+        <a:buChar char="•"/>
+        <a:defRPr sz="1800" kern="1200">
+          <a:solidFill>
+            <a:schemeClr val="tx1"/>
+          </a:solidFill>
+          <a:latin typeface="+mn-lt"/>
+          <a:ea typeface="+mn-ea"/>
+          <a:cs typeface="+mn-cs"/>
+        </a:defRPr>
+      </a:lvl6pPr>
+      <a:lvl7pPr marL="2971800" indent="-228600" algn="l" defTabSz="914400" rtl="0" eaLnBrk="1" latinLnBrk="0" hangingPunct="1">
+        <a:lnSpc>
+          <a:spcPct val="90000"/>
+        </a:lnSpc>
+        <a:spcBef>
+          <a:spcPts val="500"/>
+        </a:spcBef>
+        <a:buFont typeface="Arial" panose="020B0604020202020204" pitchFamily="34" charset="0"/>
+        <a:buChar char="•"/>
+        <a:defRPr sz="1800" kern="1200">
+          <a:solidFill>
+            <a:schemeClr val="tx1"/>
+          </a:solidFill>
+          <a:latin typeface="+mn-lt"/>
+          <a:ea typeface="+mn-ea"/>
+          <a:cs typeface="+mn-cs"/>
+        </a:defRPr>
+      </a:lvl7pPr>
+      <a:lvl8pPr marL="3429000" indent="-228600" algn="l" defTabSz="914400" rtl="0" eaLnBrk="1" latinLnBrk="0" hangingPunct="1">
+        <a:lnSpc>
+          <a:spcPct val="90000"/>
+        </a:lnSpc>
+        <a:spcBef>
+          <a:spcPts val="500"/>
+        </a:spcBef>
+        <a:buFont typeface="Arial" panose="020B0604020202020204" pitchFamily="34" charset="0"/>
+        <a:buChar char="•"/>
+        <a:defRPr sz="1800" kern="1200">
+          <a:solidFill>
+            <a:schemeClr val="tx1"/>
+          </a:solidFill>
+          <a:latin typeface="+mn-lt"/>
+          <a:ea typeface="+mn-ea"/>
+          <a:cs typeface="+mn-cs"/>
+        </a:defRPr>
+      </a:lvl8pPr>
+      <a:lvl9pPr marL="3886200" indent="-228600" algn="l" defTabSz="914400" rtl="0" eaLnBrk="1" latinLnBrk="0" hangingPunct="1">
+        <a:lnSpc>
+          <a:spcPct val="90000"/>
+        </a:lnSpc>
+        <a:spcBef>
+          <a:spcPts val="500"/>
+        </a:spcBef>
+        <a:buFont typeface="Arial" panose="020B0604020202020204" pitchFamily="34" charset="0"/>
+        <a:buChar char="•"/>
+        <a:defRPr sz="1800" kern="1200">
+          <a:solidFill>
+            <a:schemeClr val="tx1"/>
+          </a:solidFill>
+          <a:latin typeface="+mn-lt"/>
+          <a:ea typeface="+mn-ea"/>
+          <a:cs typeface="+mn-cs"/>
+        </a:defRPr>
+      </a:lvl9pPr>
+    </p:bodyStyle>
+    <p:otherStyle>
+      <a:defPPr>
+        <a:defRPr lang="pt-BR"/>
+      </a:defPPr>
+      <a:lvl1pPr marL="0" algn="l" defTabSz="914400" rtl="0" eaLnBrk="1" latinLnBrk="0" hangingPunct="1">
+        <a:defRPr sz="1800" kern="1200">
+          <a:solidFill>
+            <a:schemeClr val="tx1"/>
+          </a:solidFill>
+          <a:latin typeface="+mn-lt"/>
+          <a:ea typeface="+mn-ea"/>
+          <a:cs typeface="+mn-cs"/>
+        </a:defRPr>
+      </a:lvl1pPr>
+      <a:lvl2pPr marL="457200" algn="l" defTabSz="914400" rtl="0" eaLnBrk="1" latinLnBrk="0" hangingPunct="1">
+        <a:defRPr sz="1800" kern="1200">
+          <a:solidFill>
+            <a:schemeClr val="tx1"/>
+          </a:solidFill>
+          <a:latin typeface="+mn-lt"/>
+          <a:ea typeface="+mn-ea"/>
+          <a:cs typeface="+mn-cs"/>
+        </a:defRPr>
+      </a:lvl2pPr>
+      <a:lvl3pPr marL="914400" algn="l" defTabSz="914400" rtl="0" eaLnBrk="1" latinLnBrk="0" hangingPunct="1">
+        <a:defRPr sz="1800" kern="1200">
+          <a:solidFill>
+            <a:schemeClr val="tx1"/>
+          </a:solidFill>
+          <a:latin typeface="+mn-lt"/>
+          <a:ea typeface="+mn-ea"/>
+          <a:cs typeface="+mn-cs"/>
+        </a:defRPr>
+      </a:lvl3pPr>
+      <a:lvl4pPr marL="1371600" algn="l" defTabSz="914400" rtl="0" eaLnBrk="1" latinLnBrk="0" hangingPunct="1">
+        <a:defRPr sz="1800" kern="1200">
+          <a:solidFill>
+            <a:schemeClr val="tx1"/>
+          </a:solidFill>
+          <a:latin typeface="+mn-lt"/>
+          <a:ea typeface="+mn-ea"/>
+          <a:cs typeface="+mn-cs"/>
+        </a:defRPr>
+      </a:lvl4pPr>
+      <a:lvl5pPr marL="1828800" algn="l" defTabSz="914400" rtl="0" eaLnBrk="1" latinLnBrk="0" hangingPunct="1">
+        <a:defRPr sz="1800" kern="1200">
+          <a:solidFill>
+            <a:schemeClr val="tx1"/>
+          </a:solidFill>
+          <a:latin typeface="+mn-lt"/>
+          <a:ea typeface="+mn-ea"/>
+          <a:cs typeface="+mn-cs"/>
+        </a:defRPr>
+      </a:lvl5pPr>
+      <a:lvl6pPr marL="2286000" algn="l" defTabSz="914400" rtl="0" eaLnBrk="1" latinLnBrk="0" hangingPunct="1">
+        <a:defRPr sz="1800" kern="1200">
+          <a:solidFill>
+            <a:schemeClr val="tx1"/>
+          </a:solidFill>
+          <a:latin typeface="+mn-lt"/>
+          <a:ea typeface="+mn-ea"/>
+          <a:cs typeface="+mn-cs"/>
+        </a:defRPr>
+      </a:lvl6pPr>
+      <a:lvl7pPr marL="2743200" algn="l" defTabSz="914400" rtl="0" eaLnBrk="1" latinLnBrk="0" hangingPunct="1">
+        <a:defRPr sz="1800" kern="1200">
+          <a:solidFill>
+            <a:schemeClr val="tx1"/>
+          </a:solidFill>
+          <a:latin typeface="+mn-lt"/>
+          <a:ea typeface="+mn-ea"/>
+          <a:cs typeface="+mn-cs"/>
+        </a:defRPr>
+      </a:lvl7pPr>
+      <a:lvl8pPr marL="3200400" algn="l" defTabSz="914400" rtl="0" eaLnBrk="1" latinLnBrk="0" hangingPunct="1">
+        <a:defRPr sz="1800" kern="1200">
+          <a:solidFill>
+            <a:schemeClr val="tx1"/>
+          </a:solidFill>
+          <a:latin typeface="+mn-lt"/>
+          <a:ea typeface="+mn-ea"/>
+          <a:cs typeface="+mn-cs"/>
+        </a:defRPr>
+      </a:lvl8pPr>
+      <a:lvl9pPr marL="3657600" algn="l" defTabSz="914400" rtl="0" eaLnBrk="1" latinLnBrk="0" hangingPunct="1">
+        <a:defRPr sz="1800" kern="1200">
+          <a:solidFill>
+            <a:schemeClr val="tx1"/>
+          </a:solidFill>
+          <a:latin typeface="+mn-lt"/>
+          <a:ea typeface="+mn-ea"/>
+          <a:cs typeface="+mn-cs"/>
+        </a:defRPr>
+      </a:lvl9pPr>
+    </p:otherStyle>
+  </p:txStyles>
 </p:sldMaster>
 </file>
 
 <file path=ppt/slides/slide1.xml><?xml version="1.0" encoding="utf-8"?>
-<p:sld xmlns:a="http://schemas.openxmlformats.org/drawingml/2006/main" xmlns:p="http://schemas.openxmlformats.org/presentationml/2006/main" xmlns:r="http://schemas.openxmlformats.org/officeDocument/2006/relationships" xmlns:p14="http://schemas.microsoft.com/office/powerpoint/2010/main" xmlns:p15="http://schemas.microsoft.com/office/powerpoint/2012/main" xmlns:mc="http://schemas.openxmlformats.org/markup-compatibility/2006">
+<p:sld xmlns:a="http://schemas.openxmlformats.org/drawingml/2006/main" xmlns:r="http://schemas.openxmlformats.org/officeDocument/2006/relationships" xmlns:p="http://schemas.openxmlformats.org/presentationml/2006/main">
   <p:cSld>
     <p:bg>
       <p:bgPr>
         <a:solidFill>
-          <a:srgbClr val="ffffff"/>
+          <a:srgbClr val="FFFFFF"/>
         </a:solidFill>
+        <a:effectLst/>
       </p:bgPr>
     </p:bg>
     <p:spTree>
@@ -1677,27 +2075,33 @@
             <a:avLst/>
           </a:prstGeom>
           <a:solidFill>
-            <a:srgbClr val="347c36"/>
+            <a:srgbClr val="347C36"/>
           </a:solidFill>
           <a:ln>
             <a:noFill/>
           </a:ln>
         </p:spPr>
         <p:style>
-          <a:lnRef idx="0"/>
-          <a:fillRef idx="0"/>
-          <a:effectRef idx="0"/>
+          <a:lnRef idx="0">
+            <a:scrgbClr r="0" g="0" b="0"/>
+          </a:lnRef>
+          <a:fillRef idx="0">
+            <a:scrgbClr r="0" g="0" b="0"/>
+          </a:fillRef>
+          <a:effectRef idx="0">
+            <a:scrgbClr r="0" g="0" b="0"/>
+          </a:effectRef>
           <a:fontRef idx="minor"/>
         </p:style>
       </p:sp>
       <p:pic>
         <p:nvPicPr>
-          <p:cNvPr id="39" name="Google Shape;89;p13" descr=""/>
+          <p:cNvPr id="39" name="Google Shape;89;p13"/>
           <p:cNvPicPr/>
           <p:nvPr/>
         </p:nvPicPr>
         <p:blipFill>
-          <a:blip r:embed="rId1"/>
+          <a:blip r:embed="rId2"/>
           <a:stretch/>
         </p:blipFill>
         <p:spPr>
@@ -1733,13 +2137,20 @@
           </a:ln>
         </p:spPr>
         <p:style>
-          <a:lnRef idx="0"/>
-          <a:fillRef idx="0"/>
-          <a:effectRef idx="0"/>
+          <a:lnRef idx="0">
+            <a:scrgbClr r="0" g="0" b="0"/>
+          </a:lnRef>
+          <a:fillRef idx="0">
+            <a:scrgbClr r="0" g="0" b="0"/>
+          </a:fillRef>
+          <a:effectRef idx="0">
+            <a:scrgbClr r="0" g="0" b="0"/>
+          </a:effectRef>
           <a:fontRef idx="minor"/>
         </p:style>
         <p:txBody>
-          <a:bodyPr lIns="90000" rIns="90000" tIns="45000" bIns="45000"/>
+          <a:bodyPr lIns="90000" tIns="45000" rIns="90000" bIns="45000"/>
+          <a:lstStyle/>
           <a:p>
             <a:pPr algn="just">
               <a:lnSpc>
@@ -1748,16 +2159,16 @@
             </a:pPr>
             <a:br/>
             <a:r>
-              <a:rPr b="1" lang="pt-BR" sz="3200" spc="-1" strike="noStrike">
+              <a:rPr lang="pt-BR" sz="3200" b="1" strike="noStrike" spc="-1">
                 <a:solidFill>
-                  <a:srgbClr val="62a73b"/>
+                  <a:srgbClr val="62A73B"/>
                 </a:solidFill>
                 <a:latin typeface="Arial"/>
                 <a:ea typeface="DejaVu Sans"/>
               </a:rPr>
               <a:t>Prática  de análise de sistemas</a:t>
             </a:r>
-            <a:endParaRPr b="0" lang="pt-BR" sz="3200" spc="-1" strike="noStrike">
+            <a:endParaRPr lang="pt-BR" sz="3200" b="0" strike="noStrike" spc="-1">
               <a:latin typeface="Arial"/>
             </a:endParaRPr>
           </a:p>
@@ -1767,7 +2178,7 @@
                 <a:spcPct val="100000"/>
               </a:lnSpc>
             </a:pPr>
-            <a:endParaRPr b="0" lang="pt-BR" sz="3200" spc="-1" strike="noStrike">
+            <a:endParaRPr lang="pt-BR" sz="3200" b="0" strike="noStrike" spc="-1">
               <a:latin typeface="Arial"/>
             </a:endParaRPr>
           </a:p>
@@ -1793,13 +2204,20 @@
           </a:ln>
         </p:spPr>
         <p:style>
-          <a:lnRef idx="0"/>
-          <a:fillRef idx="0"/>
-          <a:effectRef idx="0"/>
+          <a:lnRef idx="0">
+            <a:scrgbClr r="0" g="0" b="0"/>
+          </a:lnRef>
+          <a:fillRef idx="0">
+            <a:scrgbClr r="0" g="0" b="0"/>
+          </a:fillRef>
+          <a:effectRef idx="0">
+            <a:scrgbClr r="0" g="0" b="0"/>
+          </a:effectRef>
           <a:fontRef idx="minor"/>
         </p:style>
         <p:txBody>
-          <a:bodyPr lIns="90000" rIns="90000" tIns="45000" bIns="45000"/>
+          <a:bodyPr lIns="90000" tIns="45000" rIns="90000" bIns="45000"/>
+          <a:lstStyle/>
           <a:p>
             <a:pPr algn="ctr">
               <a:lnSpc>
@@ -1807,26 +2225,16 @@
               </a:lnSpc>
             </a:pPr>
             <a:r>
-              <a:rPr b="1" lang="pt-BR" sz="1500" spc="-1" strike="noStrike">
+              <a:rPr lang="pt-BR" sz="1500" b="1" strike="noStrike" spc="-1">
                 <a:solidFill>
-                  <a:srgbClr val="8dc641"/>
+                  <a:srgbClr val="8DC641"/>
                 </a:solidFill>
                 <a:latin typeface="Arial"/>
                 <a:ea typeface="Arial"/>
               </a:rPr>
-              <a:t> </a:t>
+              <a:t> Fabio Vasques, Gieder Loreto</a:t>
             </a:r>
-            <a:r>
-              <a:rPr b="1" lang="pt-BR" sz="1500" spc="-1" strike="noStrike">
-                <a:solidFill>
-                  <a:srgbClr val="8dc641"/>
-                </a:solidFill>
-                <a:latin typeface="Arial"/>
-                <a:ea typeface="Arial"/>
-              </a:rPr>
-              <a:t>Fabio Vasques, Gieder Loreto</a:t>
-            </a:r>
-            <a:endParaRPr b="0" lang="pt-BR" sz="1500" spc="-1" strike="noStrike">
+            <a:endParaRPr lang="pt-BR" sz="1500" b="0" strike="noStrike" spc="-1">
               <a:latin typeface="Arial"/>
             </a:endParaRPr>
           </a:p>
@@ -1852,20 +2260,27 @@
           </a:ln>
         </p:spPr>
         <p:style>
-          <a:lnRef idx="0"/>
-          <a:fillRef idx="0"/>
-          <a:effectRef idx="0"/>
+          <a:lnRef idx="0">
+            <a:scrgbClr r="0" g="0" b="0"/>
+          </a:lnRef>
+          <a:fillRef idx="0">
+            <a:scrgbClr r="0" g="0" b="0"/>
+          </a:fillRef>
+          <a:effectRef idx="0">
+            <a:scrgbClr r="0" g="0" b="0"/>
+          </a:effectRef>
           <a:fontRef idx="minor"/>
         </p:style>
         <p:txBody>
-          <a:bodyPr lIns="90000" rIns="90000" tIns="45000" bIns="45000"/>
+          <a:bodyPr lIns="90000" tIns="45000" rIns="90000" bIns="45000"/>
+          <a:lstStyle/>
           <a:p>
             <a:pPr algn="ctr">
               <a:lnSpc>
                 <a:spcPct val="100000"/>
               </a:lnSpc>
             </a:pPr>
-            <a:endParaRPr b="0" lang="pt-BR" sz="1800" spc="-1" strike="noStrike">
+            <a:endParaRPr lang="pt-BR" sz="1800" b="0" strike="noStrike" spc="-1">
               <a:latin typeface="Arial"/>
             </a:endParaRPr>
           </a:p>
@@ -1876,16 +2291,16 @@
               </a:lnSpc>
             </a:pPr>
             <a:r>
-              <a:rPr b="1" lang="pt-BR" sz="2000" spc="-1" strike="noStrike">
+              <a:rPr lang="pt-BR" sz="2000" b="1" strike="noStrike" spc="-1">
                 <a:solidFill>
-                  <a:srgbClr val="8dc641"/>
+                  <a:srgbClr val="8DC641"/>
                 </a:solidFill>
                 <a:latin typeface="Arial"/>
                 <a:ea typeface="Arial"/>
               </a:rPr>
               <a:t>Processo (etapas de desenvolvimento)</a:t>
             </a:r>
-            <a:endParaRPr b="0" lang="pt-BR" sz="2000" spc="-1" strike="noStrike">
+            <a:endParaRPr lang="pt-BR" sz="2000" b="0" strike="noStrike" spc="-1">
               <a:latin typeface="Arial"/>
             </a:endParaRPr>
           </a:p>
@@ -1911,13 +2326,20 @@
           </a:ln>
         </p:spPr>
         <p:style>
-          <a:lnRef idx="0"/>
-          <a:fillRef idx="0"/>
-          <a:effectRef idx="0"/>
+          <a:lnRef idx="0">
+            <a:scrgbClr r="0" g="0" b="0"/>
+          </a:lnRef>
+          <a:fillRef idx="0">
+            <a:scrgbClr r="0" g="0" b="0"/>
+          </a:fillRef>
+          <a:effectRef idx="0">
+            <a:scrgbClr r="0" g="0" b="0"/>
+          </a:effectRef>
           <a:fontRef idx="minor"/>
         </p:style>
         <p:txBody>
-          <a:bodyPr lIns="90000" rIns="90000" tIns="45000" bIns="45000"/>
+          <a:bodyPr lIns="90000" tIns="45000" rIns="90000" bIns="45000"/>
+          <a:lstStyle/>
           <a:p>
             <a:pPr algn="just">
               <a:lnSpc>
@@ -1925,16 +2347,16 @@
               </a:lnSpc>
             </a:pPr>
             <a:r>
-              <a:rPr b="1" lang="pt-BR" sz="1800" spc="-1" strike="noStrike">
+              <a:rPr lang="pt-BR" sz="1800" b="1" strike="noStrike" spc="-1">
                 <a:solidFill>
-                  <a:srgbClr val="62a73b"/>
+                  <a:srgbClr val="62A73B"/>
                 </a:solidFill>
                 <a:latin typeface="Arial"/>
                 <a:ea typeface="DejaVu Sans"/>
               </a:rPr>
               <a:t>Será usado a ferramenta git para controle de versionamento do sistema a ser desenvolvido, além disso durante a etapa de desenvolvimento será usado o método cascata onde será feito todo o planejamento, execução, validação e entrega do produto final.</a:t>
             </a:r>
-            <a:endParaRPr b="0" lang="pt-BR" sz="1800" spc="-1" strike="noStrike">
+            <a:endParaRPr lang="pt-BR" sz="1800" b="0" strike="noStrike" spc="-1">
               <a:latin typeface="Arial"/>
             </a:endParaRPr>
           </a:p>
@@ -1944,7 +2366,7 @@
                 <a:spcPct val="100000"/>
               </a:lnSpc>
             </a:pPr>
-            <a:endParaRPr b="0" lang="pt-BR" sz="1800" spc="-1" strike="noStrike">
+            <a:endParaRPr lang="pt-BR" sz="1800" b="0" strike="noStrike" spc="-1">
               <a:latin typeface="Arial"/>
             </a:endParaRPr>
           </a:p>
@@ -1952,12 +2374,12 @@
       </p:sp>
       <p:pic>
         <p:nvPicPr>
-          <p:cNvPr id="44" name="Google Shape;166;p39" descr=""/>
+          <p:cNvPr id="44" name="Google Shape;166;p39"/>
           <p:cNvPicPr/>
           <p:nvPr/>
         </p:nvPicPr>
         <p:blipFill>
-          <a:blip r:embed="rId2"/>
+          <a:blip r:embed="rId3"/>
           <a:stretch/>
         </p:blipFill>
         <p:spPr>
@@ -1975,6 +2397,9 @@
       </p:pic>
     </p:spTree>
   </p:cSld>
+  <p:clrMapOvr>
+    <a:masterClrMapping/>
+  </p:clrMapOvr>
   <p:timing>
     <p:tnLst>
       <p:par>
@@ -1983,14 +2408,14 @@
             <p:seq>
               <p:cTn id="2" dur="indefinite" nodeType="mainSeq"/>
               <p:prevCondLst>
-                <p:cond delay="0" evt="onPrev">
+                <p:cond evt="onPrev" delay="0">
                   <p:tgtEl>
                     <p:sldTgt/>
                   </p:tgtEl>
                 </p:cond>
               </p:prevCondLst>
               <p:nextCondLst>
-                <p:cond delay="0" evt="onNext">
+                <p:cond evt="onNext" delay="0">
                   <p:tgtEl>
                     <p:sldTgt/>
                   </p:tgtEl>
@@ -2006,13 +2431,14 @@
 </file>
 
 <file path=ppt/slides/slide2.xml><?xml version="1.0" encoding="utf-8"?>
-<p:sld xmlns:a="http://schemas.openxmlformats.org/drawingml/2006/main" xmlns:p="http://schemas.openxmlformats.org/presentationml/2006/main" xmlns:r="http://schemas.openxmlformats.org/officeDocument/2006/relationships" xmlns:p14="http://schemas.microsoft.com/office/powerpoint/2010/main" xmlns:p15="http://schemas.microsoft.com/office/powerpoint/2012/main" xmlns:mc="http://schemas.openxmlformats.org/markup-compatibility/2006">
+<p:sld xmlns:a="http://schemas.openxmlformats.org/drawingml/2006/main" xmlns:r="http://schemas.openxmlformats.org/officeDocument/2006/relationships" xmlns:p="http://schemas.openxmlformats.org/presentationml/2006/main">
   <p:cSld>
     <p:bg>
       <p:bgPr>
         <a:solidFill>
-          <a:srgbClr val="ffffff"/>
+          <a:srgbClr val="FFFFFF"/>
         </a:solidFill>
+        <a:effectLst/>
       </p:bgPr>
     </p:bg>
     <p:spTree>
@@ -2044,27 +2470,33 @@
             <a:avLst/>
           </a:prstGeom>
           <a:solidFill>
-            <a:srgbClr val="347c36"/>
+            <a:srgbClr val="347C36"/>
           </a:solidFill>
           <a:ln>
             <a:noFill/>
           </a:ln>
         </p:spPr>
         <p:style>
-          <a:lnRef idx="0"/>
-          <a:fillRef idx="0"/>
-          <a:effectRef idx="0"/>
+          <a:lnRef idx="0">
+            <a:scrgbClr r="0" g="0" b="0"/>
+          </a:lnRef>
+          <a:fillRef idx="0">
+            <a:scrgbClr r="0" g="0" b="0"/>
+          </a:fillRef>
+          <a:effectRef idx="0">
+            <a:scrgbClr r="0" g="0" b="0"/>
+          </a:effectRef>
           <a:fontRef idx="minor"/>
         </p:style>
       </p:sp>
       <p:pic>
         <p:nvPicPr>
-          <p:cNvPr id="46" name="Google Shape;89;p13" descr=""/>
+          <p:cNvPr id="46" name="Google Shape;89;p13"/>
           <p:cNvPicPr/>
           <p:nvPr/>
         </p:nvPicPr>
         <p:blipFill>
-          <a:blip r:embed="rId1"/>
+          <a:blip r:embed="rId2"/>
           <a:stretch/>
         </p:blipFill>
         <p:spPr>
@@ -2100,13 +2532,20 @@
           </a:ln>
         </p:spPr>
         <p:style>
-          <a:lnRef idx="0"/>
-          <a:fillRef idx="0"/>
-          <a:effectRef idx="0"/>
+          <a:lnRef idx="0">
+            <a:scrgbClr r="0" g="0" b="0"/>
+          </a:lnRef>
+          <a:fillRef idx="0">
+            <a:scrgbClr r="0" g="0" b="0"/>
+          </a:fillRef>
+          <a:effectRef idx="0">
+            <a:scrgbClr r="0" g="0" b="0"/>
+          </a:effectRef>
           <a:fontRef idx="minor"/>
         </p:style>
         <p:txBody>
-          <a:bodyPr lIns="90000" rIns="90000" tIns="45000" bIns="45000"/>
+          <a:bodyPr lIns="90000" tIns="45000" rIns="90000" bIns="45000"/>
+          <a:lstStyle/>
           <a:p>
             <a:pPr algn="ctr">
               <a:lnSpc>
@@ -2115,16 +2554,16 @@
             </a:pPr>
             <a:br/>
             <a:r>
-              <a:rPr b="1" lang="pt-BR" sz="3200" spc="-1" strike="noStrike">
+              <a:rPr lang="pt-BR" sz="3200" b="1" strike="noStrike" spc="-1">
                 <a:solidFill>
-                  <a:srgbClr val="8dc641"/>
+                  <a:srgbClr val="8DC641"/>
                 </a:solidFill>
                 <a:latin typeface="Arial"/>
                 <a:ea typeface="Arial"/>
               </a:rPr>
               <a:t>Prática  de análise de sistemas</a:t>
             </a:r>
-            <a:endParaRPr b="0" lang="pt-BR" sz="3200" spc="-1" strike="noStrike">
+            <a:endParaRPr lang="pt-BR" sz="3200" b="0" strike="noStrike" spc="-1">
               <a:latin typeface="Arial"/>
             </a:endParaRPr>
           </a:p>
@@ -2134,7 +2573,7 @@
                 <a:spcPct val="100000"/>
               </a:lnSpc>
             </a:pPr>
-            <a:endParaRPr b="0" lang="pt-BR" sz="3200" spc="-1" strike="noStrike">
+            <a:endParaRPr lang="pt-BR" sz="3200" b="0" strike="noStrike" spc="-1">
               <a:latin typeface="Arial"/>
             </a:endParaRPr>
           </a:p>
@@ -2160,13 +2599,20 @@
           </a:ln>
         </p:spPr>
         <p:style>
-          <a:lnRef idx="0"/>
-          <a:fillRef idx="0"/>
-          <a:effectRef idx="0"/>
+          <a:lnRef idx="0">
+            <a:scrgbClr r="0" g="0" b="0"/>
+          </a:lnRef>
+          <a:fillRef idx="0">
+            <a:scrgbClr r="0" g="0" b="0"/>
+          </a:fillRef>
+          <a:effectRef idx="0">
+            <a:scrgbClr r="0" g="0" b="0"/>
+          </a:effectRef>
           <a:fontRef idx="minor"/>
         </p:style>
         <p:txBody>
-          <a:bodyPr lIns="90000" rIns="90000" tIns="45000" bIns="45000"/>
+          <a:bodyPr lIns="90000" tIns="45000" rIns="90000" bIns="45000"/>
+          <a:lstStyle/>
           <a:p>
             <a:pPr algn="ctr">
               <a:lnSpc>
@@ -2174,26 +2620,16 @@
               </a:lnSpc>
             </a:pPr>
             <a:r>
-              <a:rPr b="1" lang="pt-BR" sz="1500" spc="-1" strike="noStrike">
+              <a:rPr lang="pt-BR" sz="1500" b="1" strike="noStrike" spc="-1">
                 <a:solidFill>
-                  <a:srgbClr val="8dc641"/>
+                  <a:srgbClr val="8DC641"/>
                 </a:solidFill>
                 <a:latin typeface="Arial"/>
                 <a:ea typeface="Arial"/>
               </a:rPr>
-              <a:t> </a:t>
+              <a:t> Fabio Vasques, Gieder Loreto</a:t>
             </a:r>
-            <a:r>
-              <a:rPr b="1" lang="pt-BR" sz="1500" spc="-1" strike="noStrike">
-                <a:solidFill>
-                  <a:srgbClr val="8dc641"/>
-                </a:solidFill>
-                <a:latin typeface="Arial"/>
-                <a:ea typeface="Arial"/>
-              </a:rPr>
-              <a:t>Fabio Vasques, Gieder Loreto</a:t>
-            </a:r>
-            <a:endParaRPr b="0" lang="pt-BR" sz="1500" spc="-1" strike="noStrike">
+            <a:endParaRPr lang="pt-BR" sz="1500" b="0" strike="noStrike" spc="-1">
               <a:latin typeface="Arial"/>
             </a:endParaRPr>
           </a:p>
@@ -2219,20 +2655,27 @@
           </a:ln>
         </p:spPr>
         <p:style>
-          <a:lnRef idx="0"/>
-          <a:fillRef idx="0"/>
-          <a:effectRef idx="0"/>
+          <a:lnRef idx="0">
+            <a:scrgbClr r="0" g="0" b="0"/>
+          </a:lnRef>
+          <a:fillRef idx="0">
+            <a:scrgbClr r="0" g="0" b="0"/>
+          </a:fillRef>
+          <a:effectRef idx="0">
+            <a:scrgbClr r="0" g="0" b="0"/>
+          </a:effectRef>
           <a:fontRef idx="minor"/>
         </p:style>
         <p:txBody>
-          <a:bodyPr lIns="90000" rIns="90000" tIns="45000" bIns="45000"/>
+          <a:bodyPr lIns="90000" tIns="45000" rIns="90000" bIns="45000"/>
+          <a:lstStyle/>
           <a:p>
             <a:pPr algn="ctr">
               <a:lnSpc>
                 <a:spcPct val="100000"/>
               </a:lnSpc>
             </a:pPr>
-            <a:endParaRPr b="0" lang="pt-BR" sz="1800" spc="-1" strike="noStrike">
+            <a:endParaRPr lang="pt-BR" sz="1800" b="0" strike="noStrike" spc="-1">
               <a:latin typeface="Arial"/>
             </a:endParaRPr>
           </a:p>
@@ -2243,16 +2686,16 @@
               </a:lnSpc>
             </a:pPr>
             <a:r>
-              <a:rPr b="1" lang="pt-BR" sz="2000" spc="-1" strike="noStrike">
+              <a:rPr lang="pt-BR" sz="2000" b="1" strike="noStrike" spc="-1">
                 <a:solidFill>
-                  <a:srgbClr val="8dc641"/>
+                  <a:srgbClr val="8DC641"/>
                 </a:solidFill>
                 <a:latin typeface="Arial"/>
                 <a:ea typeface="Arial"/>
               </a:rPr>
               <a:t>Processo (etapas de desenvolvimento)</a:t>
             </a:r>
-            <a:endParaRPr b="0" lang="pt-BR" sz="2000" spc="-1" strike="noStrike">
+            <a:endParaRPr lang="pt-BR" sz="2000" b="0" strike="noStrike" spc="-1">
               <a:latin typeface="Arial"/>
             </a:endParaRPr>
           </a:p>
@@ -2278,13 +2721,20 @@
           </a:ln>
         </p:spPr>
         <p:style>
-          <a:lnRef idx="0"/>
-          <a:fillRef idx="0"/>
-          <a:effectRef idx="0"/>
+          <a:lnRef idx="0">
+            <a:scrgbClr r="0" g="0" b="0"/>
+          </a:lnRef>
+          <a:fillRef idx="0">
+            <a:scrgbClr r="0" g="0" b="0"/>
+          </a:fillRef>
+          <a:effectRef idx="0">
+            <a:scrgbClr r="0" g="0" b="0"/>
+          </a:effectRef>
           <a:fontRef idx="minor"/>
         </p:style>
         <p:txBody>
-          <a:bodyPr lIns="90000" rIns="90000" tIns="45000" bIns="45000"/>
+          <a:bodyPr lIns="90000" tIns="45000" rIns="90000" bIns="45000"/>
+          <a:lstStyle/>
           <a:p>
             <a:pPr algn="just">
               <a:lnSpc>
@@ -2292,16 +2742,16 @@
               </a:lnSpc>
             </a:pPr>
             <a:r>
-              <a:rPr b="1" lang="pt-BR" sz="1800" spc="-1" strike="noStrike">
+              <a:rPr lang="pt-BR" sz="1800" b="1" strike="noStrike" spc="-1">
                 <a:solidFill>
-                  <a:srgbClr val="62a73b"/>
+                  <a:srgbClr val="62A73B"/>
                 </a:solidFill>
                 <a:latin typeface="Arial"/>
                 <a:ea typeface="DejaVu Sans"/>
               </a:rPr>
               <a:t>.</a:t>
             </a:r>
-            <a:endParaRPr b="0" lang="pt-BR" sz="1800" spc="-1" strike="noStrike">
+            <a:endParaRPr lang="pt-BR" sz="1800" b="0" strike="noStrike" spc="-1">
               <a:latin typeface="Arial"/>
             </a:endParaRPr>
           </a:p>
@@ -2327,13 +2777,20 @@
           </a:ln>
         </p:spPr>
         <p:style>
-          <a:lnRef idx="0"/>
-          <a:fillRef idx="0"/>
-          <a:effectRef idx="0"/>
+          <a:lnRef idx="0">
+            <a:scrgbClr r="0" g="0" b="0"/>
+          </a:lnRef>
+          <a:fillRef idx="0">
+            <a:scrgbClr r="0" g="0" b="0"/>
+          </a:fillRef>
+          <a:effectRef idx="0">
+            <a:scrgbClr r="0" g="0" b="0"/>
+          </a:effectRef>
           <a:fontRef idx="minor"/>
         </p:style>
         <p:txBody>
-          <a:bodyPr lIns="90000" rIns="90000" tIns="45000" bIns="45000"/>
+          <a:bodyPr lIns="90000" tIns="45000" rIns="90000" bIns="45000"/>
+          <a:lstStyle/>
           <a:p>
             <a:pPr algn="just">
               <a:lnSpc>
@@ -2341,16 +2798,16 @@
               </a:lnSpc>
             </a:pPr>
             <a:r>
-              <a:rPr b="1" lang="pt-BR" sz="1800" spc="-1" strike="noStrike">
+              <a:rPr lang="pt-BR" sz="1800" b="1" strike="noStrike" spc="-1">
                 <a:solidFill>
-                  <a:srgbClr val="62a73b"/>
+                  <a:srgbClr val="62A73B"/>
                 </a:solidFill>
                 <a:latin typeface="Arial"/>
                 <a:ea typeface="DejaVu Sans"/>
               </a:rPr>
               <a:t>-Será feito o levantamento de requisitos e todas as necessidades que o sistema precisa ter.</a:t>
             </a:r>
-            <a:endParaRPr b="0" lang="pt-BR" sz="1800" spc="-1" strike="noStrike">
+            <a:endParaRPr lang="pt-BR" sz="1800" b="0" strike="noStrike" spc="-1">
               <a:latin typeface="Arial"/>
             </a:endParaRPr>
           </a:p>
@@ -2361,16 +2818,16 @@
               </a:lnSpc>
             </a:pPr>
             <a:r>
-              <a:rPr b="1" lang="pt-BR" sz="1800" spc="-1" strike="noStrike">
+              <a:rPr lang="pt-BR" sz="1800" b="1" strike="noStrike" spc="-1">
                 <a:solidFill>
-                  <a:srgbClr val="62a73b"/>
+                  <a:srgbClr val="62A73B"/>
                 </a:solidFill>
                 <a:latin typeface="Arial"/>
                 <a:ea typeface="DejaVu Sans"/>
               </a:rPr>
               <a:t>-Depois iremos para a fase de planejamento onde definiremos as estimativas, cronograma e</a:t>
             </a:r>
-            <a:endParaRPr b="0" lang="pt-BR" sz="1800" spc="-1" strike="noStrike">
+            <a:endParaRPr lang="pt-BR" sz="1800" b="0" strike="noStrike" spc="-1">
               <a:latin typeface="Arial"/>
             </a:endParaRPr>
           </a:p>
@@ -2381,26 +2838,16 @@
               </a:lnSpc>
             </a:pPr>
             <a:r>
-              <a:rPr b="1" lang="pt-BR" sz="1800" spc="-1" strike="noStrike">
+              <a:rPr lang="pt-BR" sz="1800" b="1" strike="noStrike" spc="-1">
                 <a:solidFill>
-                  <a:srgbClr val="62a73b"/>
+                  <a:srgbClr val="62A73B"/>
                 </a:solidFill>
                 <a:latin typeface="Arial"/>
                 <a:ea typeface="DejaVu Sans"/>
               </a:rPr>
-              <a:t> </a:t>
+              <a:t> o acompanhamento.</a:t>
             </a:r>
-            <a:r>
-              <a:rPr b="1" lang="pt-BR" sz="1800" spc="-1" strike="noStrike">
-                <a:solidFill>
-                  <a:srgbClr val="62a73b"/>
-                </a:solidFill>
-                <a:latin typeface="Arial"/>
-                <a:ea typeface="DejaVu Sans"/>
-              </a:rPr>
-              <a:t>o acompanhamento.</a:t>
-            </a:r>
-            <a:endParaRPr b="0" lang="pt-BR" sz="1800" spc="-1" strike="noStrike">
+            <a:endParaRPr lang="pt-BR" sz="1800" b="0" strike="noStrike" spc="-1">
               <a:latin typeface="Arial"/>
             </a:endParaRPr>
           </a:p>
@@ -2411,16 +2858,16 @@
               </a:lnSpc>
             </a:pPr>
             <a:r>
-              <a:rPr b="1" lang="pt-BR" sz="1800" spc="-1" strike="noStrike">
+              <a:rPr lang="pt-BR" sz="1800" b="1" strike="noStrike" spc="-1">
                 <a:solidFill>
-                  <a:srgbClr val="62a73b"/>
+                  <a:srgbClr val="62A73B"/>
                 </a:solidFill>
                 <a:latin typeface="Arial"/>
                 <a:ea typeface="DejaVu Sans"/>
               </a:rPr>
               <a:t>-Após isso partiremos para a modelagem onde será feito a análise do projeto</a:t>
             </a:r>
-            <a:endParaRPr b="0" lang="pt-BR" sz="1800" spc="-1" strike="noStrike">
+            <a:endParaRPr lang="pt-BR" sz="1800" b="0" strike="noStrike" spc="-1">
               <a:latin typeface="Arial"/>
             </a:endParaRPr>
           </a:p>
@@ -2431,16 +2878,16 @@
               </a:lnSpc>
             </a:pPr>
             <a:r>
-              <a:rPr b="1" lang="pt-BR" sz="1800" spc="-1" strike="noStrike">
+              <a:rPr lang="pt-BR" sz="1800" b="1" strike="noStrike" spc="-1">
                 <a:solidFill>
-                  <a:srgbClr val="62a73b"/>
+                  <a:srgbClr val="62A73B"/>
                 </a:solidFill>
                 <a:latin typeface="Arial"/>
                 <a:ea typeface="DejaVu Sans"/>
               </a:rPr>
               <a:t>-Depois chegaremos a fase da codificação e testes.</a:t>
             </a:r>
-            <a:endParaRPr b="0" lang="pt-BR" sz="1800" spc="-1" strike="noStrike">
+            <a:endParaRPr lang="pt-BR" sz="1800" b="0" strike="noStrike" spc="-1">
               <a:latin typeface="Arial"/>
             </a:endParaRPr>
           </a:p>
@@ -2451,16 +2898,16 @@
               </a:lnSpc>
             </a:pPr>
             <a:r>
-              <a:rPr b="1" lang="pt-BR" sz="1800" spc="-1" strike="noStrike">
+              <a:rPr lang="pt-BR" sz="1800" b="1" strike="noStrike" spc="-1">
                 <a:solidFill>
-                  <a:srgbClr val="62a73b"/>
+                  <a:srgbClr val="62A73B"/>
                 </a:solidFill>
                 <a:latin typeface="Arial"/>
                 <a:ea typeface="DejaVu Sans"/>
               </a:rPr>
               <a:t>-por ultimo a entrega do projeto final.</a:t>
             </a:r>
-            <a:endParaRPr b="0" lang="pt-BR" sz="1800" spc="-1" strike="noStrike">
+            <a:endParaRPr lang="pt-BR" sz="1800" b="0" strike="noStrike" spc="-1">
               <a:latin typeface="Arial"/>
             </a:endParaRPr>
           </a:p>
@@ -2481,27 +2928,33 @@
             <a:avLst/>
           </a:prstGeom>
           <a:solidFill>
-            <a:srgbClr val="347c36"/>
+            <a:srgbClr val="347C36"/>
           </a:solidFill>
           <a:ln>
             <a:noFill/>
           </a:ln>
         </p:spPr>
         <p:style>
-          <a:lnRef idx="0"/>
-          <a:fillRef idx="0"/>
-          <a:effectRef idx="0"/>
+          <a:lnRef idx="0">
+            <a:scrgbClr r="0" g="0" b="0"/>
+          </a:lnRef>
+          <a:fillRef idx="0">
+            <a:scrgbClr r="0" g="0" b="0"/>
+          </a:fillRef>
+          <a:effectRef idx="0">
+            <a:scrgbClr r="0" g="0" b="0"/>
+          </a:effectRef>
           <a:fontRef idx="minor"/>
         </p:style>
       </p:sp>
       <p:pic>
         <p:nvPicPr>
-          <p:cNvPr id="53" name="Google Shape;166;p39" descr=""/>
+          <p:cNvPr id="53" name="Google Shape;166;p39"/>
           <p:cNvPicPr/>
           <p:nvPr/>
         </p:nvPicPr>
         <p:blipFill>
-          <a:blip r:embed="rId2"/>
+          <a:blip r:embed="rId3"/>
           <a:stretch/>
         </p:blipFill>
         <p:spPr>
@@ -2519,22 +2972,25 @@
       </p:pic>
     </p:spTree>
   </p:cSld>
+  <p:clrMapOvr>
+    <a:masterClrMapping/>
+  </p:clrMapOvr>
   <p:timing>
     <p:tnLst>
       <p:par>
-        <p:cTn id="3" dur="indefinite" restart="never" nodeType="tmRoot">
+        <p:cTn id="1" dur="indefinite" restart="never" nodeType="tmRoot">
           <p:childTnLst>
             <p:seq>
-              <p:cTn id="4" dur="indefinite" nodeType="mainSeq"/>
+              <p:cTn id="2" dur="indefinite" nodeType="mainSeq"/>
               <p:prevCondLst>
-                <p:cond delay="0" evt="onPrev">
+                <p:cond evt="onPrev" delay="0">
                   <p:tgtEl>
                     <p:sldTgt/>
                   </p:tgtEl>
                 </p:cond>
               </p:prevCondLst>
               <p:nextCondLst>
-                <p:cond delay="0" evt="onNext">
+                <p:cond evt="onNext" delay="0">
                   <p:tgtEl>
                     <p:sldTgt/>
                   </p:tgtEl>
@@ -2550,13 +3006,14 @@
 </file>
 
 <file path=ppt/slides/slide3.xml><?xml version="1.0" encoding="utf-8"?>
-<p:sld xmlns:a="http://schemas.openxmlformats.org/drawingml/2006/main" xmlns:p="http://schemas.openxmlformats.org/presentationml/2006/main" xmlns:r="http://schemas.openxmlformats.org/officeDocument/2006/relationships" xmlns:p14="http://schemas.microsoft.com/office/powerpoint/2010/main" xmlns:p15="http://schemas.microsoft.com/office/powerpoint/2012/main" xmlns:mc="http://schemas.openxmlformats.org/markup-compatibility/2006">
+<p:sld xmlns:a="http://schemas.openxmlformats.org/drawingml/2006/main" xmlns:r="http://schemas.openxmlformats.org/officeDocument/2006/relationships" xmlns:p="http://schemas.openxmlformats.org/presentationml/2006/main">
   <p:cSld>
     <p:bg>
       <p:bgPr>
         <a:solidFill>
-          <a:srgbClr val="ffffff"/>
+          <a:srgbClr val="FFFFFF"/>
         </a:solidFill>
+        <a:effectLst/>
       </p:bgPr>
     </p:bg>
     <p:spTree>
@@ -2588,27 +3045,33 @@
             <a:avLst/>
           </a:prstGeom>
           <a:solidFill>
-            <a:srgbClr val="347c36"/>
+            <a:srgbClr val="347C36"/>
           </a:solidFill>
           <a:ln>
             <a:noFill/>
           </a:ln>
         </p:spPr>
         <p:style>
-          <a:lnRef idx="0"/>
-          <a:fillRef idx="0"/>
-          <a:effectRef idx="0"/>
+          <a:lnRef idx="0">
+            <a:scrgbClr r="0" g="0" b="0"/>
+          </a:lnRef>
+          <a:fillRef idx="0">
+            <a:scrgbClr r="0" g="0" b="0"/>
+          </a:fillRef>
+          <a:effectRef idx="0">
+            <a:scrgbClr r="0" g="0" b="0"/>
+          </a:effectRef>
           <a:fontRef idx="minor"/>
         </p:style>
       </p:sp>
       <p:pic>
         <p:nvPicPr>
-          <p:cNvPr id="55" name="Google Shape;89;p13" descr=""/>
+          <p:cNvPr id="55" name="Google Shape;89;p13"/>
           <p:cNvPicPr/>
           <p:nvPr/>
         </p:nvPicPr>
         <p:blipFill>
-          <a:blip r:embed="rId1"/>
+          <a:blip r:embed="rId2"/>
           <a:stretch/>
         </p:blipFill>
         <p:spPr>
@@ -2644,13 +3107,20 @@
           </a:ln>
         </p:spPr>
         <p:style>
-          <a:lnRef idx="0"/>
-          <a:fillRef idx="0"/>
-          <a:effectRef idx="0"/>
+          <a:lnRef idx="0">
+            <a:scrgbClr r="0" g="0" b="0"/>
+          </a:lnRef>
+          <a:fillRef idx="0">
+            <a:scrgbClr r="0" g="0" b="0"/>
+          </a:fillRef>
+          <a:effectRef idx="0">
+            <a:scrgbClr r="0" g="0" b="0"/>
+          </a:effectRef>
           <a:fontRef idx="minor"/>
         </p:style>
         <p:txBody>
-          <a:bodyPr lIns="90000" rIns="90000" tIns="45000" bIns="45000"/>
+          <a:bodyPr lIns="90000" tIns="45000" rIns="90000" bIns="45000"/>
+          <a:lstStyle/>
           <a:p>
             <a:pPr algn="ctr">
               <a:lnSpc>
@@ -2659,16 +3129,16 @@
             </a:pPr>
             <a:br/>
             <a:r>
-              <a:rPr b="1" lang="pt-BR" sz="3200" spc="-1" strike="noStrike">
+              <a:rPr lang="pt-BR" sz="3200" b="1" strike="noStrike" spc="-1">
                 <a:solidFill>
-                  <a:srgbClr val="8dc641"/>
+                  <a:srgbClr val="8DC641"/>
                 </a:solidFill>
                 <a:latin typeface="Arial"/>
                 <a:ea typeface="Arial"/>
               </a:rPr>
               <a:t>Prática  de análise de sistemas</a:t>
             </a:r>
-            <a:endParaRPr b="0" lang="pt-BR" sz="3200" spc="-1" strike="noStrike">
+            <a:endParaRPr lang="pt-BR" sz="3200" b="0" strike="noStrike" spc="-1">
               <a:latin typeface="Arial"/>
             </a:endParaRPr>
           </a:p>
@@ -2678,7 +3148,7 @@
                 <a:spcPct val="100000"/>
               </a:lnSpc>
             </a:pPr>
-            <a:endParaRPr b="0" lang="pt-BR" sz="3200" spc="-1" strike="noStrike">
+            <a:endParaRPr lang="pt-BR" sz="3200" b="0" strike="noStrike" spc="-1">
               <a:latin typeface="Arial"/>
             </a:endParaRPr>
           </a:p>
@@ -2704,13 +3174,20 @@
           </a:ln>
         </p:spPr>
         <p:style>
-          <a:lnRef idx="0"/>
-          <a:fillRef idx="0"/>
-          <a:effectRef idx="0"/>
+          <a:lnRef idx="0">
+            <a:scrgbClr r="0" g="0" b="0"/>
+          </a:lnRef>
+          <a:fillRef idx="0">
+            <a:scrgbClr r="0" g="0" b="0"/>
+          </a:fillRef>
+          <a:effectRef idx="0">
+            <a:scrgbClr r="0" g="0" b="0"/>
+          </a:effectRef>
           <a:fontRef idx="minor"/>
         </p:style>
         <p:txBody>
-          <a:bodyPr lIns="90000" rIns="90000" tIns="45000" bIns="45000"/>
+          <a:bodyPr lIns="90000" tIns="45000" rIns="90000" bIns="45000"/>
+          <a:lstStyle/>
           <a:p>
             <a:pPr algn="ctr">
               <a:lnSpc>
@@ -2718,26 +3195,16 @@
               </a:lnSpc>
             </a:pPr>
             <a:r>
-              <a:rPr b="1" lang="pt-BR" sz="1500" spc="-1" strike="noStrike">
+              <a:rPr lang="pt-BR" sz="1500" b="1" strike="noStrike" spc="-1">
                 <a:solidFill>
-                  <a:srgbClr val="8dc641"/>
+                  <a:srgbClr val="8DC641"/>
                 </a:solidFill>
                 <a:latin typeface="Arial"/>
                 <a:ea typeface="Arial"/>
               </a:rPr>
-              <a:t> </a:t>
+              <a:t> Fabio Vasques, Gieder Loreto</a:t>
             </a:r>
-            <a:r>
-              <a:rPr b="1" lang="pt-BR" sz="1500" spc="-1" strike="noStrike">
-                <a:solidFill>
-                  <a:srgbClr val="8dc641"/>
-                </a:solidFill>
-                <a:latin typeface="Arial"/>
-                <a:ea typeface="Arial"/>
-              </a:rPr>
-              <a:t>Fabio Vasques, Gieder Loreto</a:t>
-            </a:r>
-            <a:endParaRPr b="0" lang="pt-BR" sz="1500" spc="-1" strike="noStrike">
+            <a:endParaRPr lang="pt-BR" sz="1500" b="0" strike="noStrike" spc="-1">
               <a:latin typeface="Arial"/>
             </a:endParaRPr>
           </a:p>
@@ -2763,20 +3230,27 @@
           </a:ln>
         </p:spPr>
         <p:style>
-          <a:lnRef idx="0"/>
-          <a:fillRef idx="0"/>
-          <a:effectRef idx="0"/>
+          <a:lnRef idx="0">
+            <a:scrgbClr r="0" g="0" b="0"/>
+          </a:lnRef>
+          <a:fillRef idx="0">
+            <a:scrgbClr r="0" g="0" b="0"/>
+          </a:fillRef>
+          <a:effectRef idx="0">
+            <a:scrgbClr r="0" g="0" b="0"/>
+          </a:effectRef>
           <a:fontRef idx="minor"/>
         </p:style>
         <p:txBody>
-          <a:bodyPr lIns="90000" rIns="90000" tIns="45000" bIns="45000"/>
+          <a:bodyPr lIns="90000" tIns="45000" rIns="90000" bIns="45000"/>
+          <a:lstStyle/>
           <a:p>
             <a:pPr algn="ctr">
               <a:lnSpc>
                 <a:spcPct val="100000"/>
               </a:lnSpc>
             </a:pPr>
-            <a:endParaRPr b="0" lang="pt-BR" sz="1800" spc="-1" strike="noStrike">
+            <a:endParaRPr lang="pt-BR" sz="1800" b="0" strike="noStrike" spc="-1">
               <a:latin typeface="Arial"/>
             </a:endParaRPr>
           </a:p>
@@ -2787,16 +3261,16 @@
               </a:lnSpc>
             </a:pPr>
             <a:r>
-              <a:rPr b="1" lang="pt-BR" sz="2000" spc="-1" strike="noStrike">
+              <a:rPr lang="pt-BR" sz="2000" b="1" strike="noStrike" spc="-1">
                 <a:solidFill>
-                  <a:srgbClr val="8dc641"/>
+                  <a:srgbClr val="8DC641"/>
                 </a:solidFill>
                 <a:latin typeface="Arial"/>
                 <a:ea typeface="Arial"/>
               </a:rPr>
               <a:t>Processo (etapas de desenvolvimento)</a:t>
             </a:r>
-            <a:endParaRPr b="0" lang="pt-BR" sz="2000" spc="-1" strike="noStrike">
+            <a:endParaRPr lang="pt-BR" sz="2000" b="0" strike="noStrike" spc="-1">
               <a:latin typeface="Arial"/>
             </a:endParaRPr>
           </a:p>
@@ -2822,13 +3296,20 @@
           </a:ln>
         </p:spPr>
         <p:style>
-          <a:lnRef idx="0"/>
-          <a:fillRef idx="0"/>
-          <a:effectRef idx="0"/>
+          <a:lnRef idx="0">
+            <a:scrgbClr r="0" g="0" b="0"/>
+          </a:lnRef>
+          <a:fillRef idx="0">
+            <a:scrgbClr r="0" g="0" b="0"/>
+          </a:fillRef>
+          <a:effectRef idx="0">
+            <a:scrgbClr r="0" g="0" b="0"/>
+          </a:effectRef>
           <a:fontRef idx="minor"/>
         </p:style>
         <p:txBody>
-          <a:bodyPr lIns="90000" rIns="90000" tIns="45000" bIns="45000"/>
+          <a:bodyPr lIns="90000" tIns="45000" rIns="90000" bIns="45000"/>
+          <a:lstStyle/>
           <a:p>
             <a:pPr algn="just">
               <a:lnSpc>
@@ -2836,16 +3317,16 @@
               </a:lnSpc>
             </a:pPr>
             <a:r>
-              <a:rPr b="1" lang="pt-BR" sz="1800" spc="-1" strike="noStrike">
+              <a:rPr lang="pt-BR" sz="1800" b="1" strike="noStrike" spc="-1">
                 <a:solidFill>
-                  <a:srgbClr val="62a73b"/>
+                  <a:srgbClr val="62A73B"/>
                 </a:solidFill>
                 <a:latin typeface="Arial"/>
                 <a:ea typeface="DejaVu Sans"/>
               </a:rPr>
               <a:t>.</a:t>
             </a:r>
-            <a:endParaRPr b="0" lang="pt-BR" sz="1800" spc="-1" strike="noStrike">
+            <a:endParaRPr lang="pt-BR" sz="1800" b="0" strike="noStrike" spc="-1">
               <a:latin typeface="Arial"/>
             </a:endParaRPr>
           </a:p>
@@ -2870,9 +3351,15 @@
           </a:ln>
         </p:spPr>
         <p:style>
-          <a:lnRef idx="0"/>
-          <a:fillRef idx="0"/>
-          <a:effectRef idx="0"/>
+          <a:lnRef idx="0">
+            <a:scrgbClr r="0" g="0" b="0"/>
+          </a:lnRef>
+          <a:fillRef idx="0">
+            <a:scrgbClr r="0" g="0" b="0"/>
+          </a:fillRef>
+          <a:effectRef idx="0">
+            <a:scrgbClr r="0" g="0" b="0"/>
+          </a:effectRef>
           <a:fontRef idx="minor"/>
         </p:style>
       </p:sp>
@@ -2905,6 +3392,7 @@
               <a:avLst/>
               <a:gdLst/>
               <a:ahLst/>
+              <a:cxnLst/>
               <a:rect l="l" t="t" r="r" b="b"/>
               <a:pathLst>
                 <a:path w="3402" h="2102">
@@ -2949,14 +3437,20 @@
             <a:noFill/>
             <a:ln>
               <a:solidFill>
-                <a:srgbClr val="3465a4"/>
+                <a:srgbClr val="3465A4"/>
               </a:solidFill>
             </a:ln>
           </p:spPr>
           <p:style>
-            <a:lnRef idx="0"/>
-            <a:fillRef idx="0"/>
-            <a:effectRef idx="0"/>
+            <a:lnRef idx="0">
+              <a:scrgbClr r="0" g="0" b="0"/>
+            </a:lnRef>
+            <a:fillRef idx="0">
+              <a:scrgbClr r="0" g="0" b="0"/>
+            </a:fillRef>
+            <a:effectRef idx="0">
+              <a:scrgbClr r="0" g="0" b="0"/>
+            </a:effectRef>
             <a:fontRef idx="minor"/>
           </p:style>
         </p:sp>
@@ -2980,9 +3474,15 @@
             </a:ln>
           </p:spPr>
           <p:style>
-            <a:lnRef idx="0"/>
-            <a:fillRef idx="0"/>
-            <a:effectRef idx="0"/>
+            <a:lnRef idx="0">
+              <a:scrgbClr r="0" g="0" b="0"/>
+            </a:lnRef>
+            <a:fillRef idx="0">
+              <a:scrgbClr r="0" g="0" b="0"/>
+            </a:fillRef>
+            <a:effectRef idx="0">
+              <a:scrgbClr r="0" g="0" b="0"/>
+            </a:effectRef>
             <a:fontRef idx="minor"/>
           </p:style>
         </p:sp>
@@ -3006,13 +3506,20 @@
             </a:ln>
           </p:spPr>
           <p:style>
-            <a:lnRef idx="0"/>
-            <a:fillRef idx="0"/>
-            <a:effectRef idx="0"/>
+            <a:lnRef idx="0">
+              <a:scrgbClr r="0" g="0" b="0"/>
+            </a:lnRef>
+            <a:fillRef idx="0">
+              <a:scrgbClr r="0" g="0" b="0"/>
+            </a:fillRef>
+            <a:effectRef idx="0">
+              <a:scrgbClr r="0" g="0" b="0"/>
+            </a:effectRef>
             <a:fontRef idx="minor"/>
           </p:style>
           <p:txBody>
-            <a:bodyPr lIns="90000" rIns="90000" tIns="45000" bIns="45000"/>
+            <a:bodyPr lIns="90000" tIns="45000" rIns="90000" bIns="45000"/>
+            <a:lstStyle/>
             <a:p>
               <a:pPr>
                 <a:lnSpc>
@@ -3020,16 +3527,16 @@
                 </a:lnSpc>
               </a:pPr>
               <a:r>
-                <a:rPr b="1" lang="pt-BR" sz="1000" spc="-1" strike="noStrike">
+                <a:rPr lang="pt-BR" sz="1000" b="1" strike="noStrike" spc="-1">
                   <a:solidFill>
-                    <a:srgbClr val="89c765"/>
+                    <a:srgbClr val="89C765"/>
                   </a:solidFill>
                   <a:latin typeface="Arial"/>
                   <a:ea typeface="DejaVu Sans"/>
                 </a:rPr>
                 <a:t>-Levantamento</a:t>
               </a:r>
-              <a:endParaRPr b="0" lang="pt-BR" sz="1000" spc="-1" strike="noStrike">
+              <a:endParaRPr lang="pt-BR" sz="1000" b="0" strike="noStrike" spc="-1">
                 <a:latin typeface="Arial"/>
               </a:endParaRPr>
             </a:p>
@@ -3040,26 +3547,16 @@
                 </a:lnSpc>
               </a:pPr>
               <a:r>
-                <a:rPr b="1" lang="pt-BR" sz="1000" spc="-1" strike="noStrike">
+                <a:rPr lang="pt-BR" sz="1000" b="1" strike="noStrike" spc="-1">
                   <a:solidFill>
-                    <a:srgbClr val="89c765"/>
+                    <a:srgbClr val="89C765"/>
                   </a:solidFill>
                   <a:latin typeface="Arial"/>
                   <a:ea typeface="DejaVu Sans"/>
                 </a:rPr>
-                <a:t> </a:t>
+                <a:t> de requisitos</a:t>
               </a:r>
-              <a:r>
-                <a:rPr b="1" lang="pt-BR" sz="1000" spc="-1" strike="noStrike">
-                  <a:solidFill>
-                    <a:srgbClr val="89c765"/>
-                  </a:solidFill>
-                  <a:latin typeface="Arial"/>
-                  <a:ea typeface="DejaVu Sans"/>
-                </a:rPr>
-                <a:t>de requisitos</a:t>
-              </a:r>
-              <a:endParaRPr b="0" lang="pt-BR" sz="1000" spc="-1" strike="noStrike">
+              <a:endParaRPr lang="pt-BR" sz="1000" b="0" strike="noStrike" spc="-1">
                 <a:latin typeface="Arial"/>
               </a:endParaRPr>
             </a:p>
@@ -3085,9 +3582,15 @@
           </a:ln>
         </p:spPr>
         <p:style>
-          <a:lnRef idx="0"/>
-          <a:fillRef idx="0"/>
-          <a:effectRef idx="0"/>
+          <a:lnRef idx="0">
+            <a:scrgbClr r="0" g="0" b="0"/>
+          </a:lnRef>
+          <a:fillRef idx="0">
+            <a:scrgbClr r="0" g="0" b="0"/>
+          </a:fillRef>
+          <a:effectRef idx="0">
+            <a:scrgbClr r="0" g="0" b="0"/>
+          </a:effectRef>
           <a:fontRef idx="minor"/>
         </p:style>
       </p:sp>
@@ -3120,6 +3623,7 @@
               <a:avLst/>
               <a:gdLst/>
               <a:ahLst/>
+              <a:cxnLst/>
               <a:rect l="l" t="t" r="r" b="b"/>
               <a:pathLst>
                 <a:path w="3402" h="2102">
@@ -3164,14 +3668,20 @@
             <a:noFill/>
             <a:ln>
               <a:solidFill>
-                <a:srgbClr val="3465a4"/>
+                <a:srgbClr val="3465A4"/>
               </a:solidFill>
             </a:ln>
           </p:spPr>
           <p:style>
-            <a:lnRef idx="0"/>
-            <a:fillRef idx="0"/>
-            <a:effectRef idx="0"/>
+            <a:lnRef idx="0">
+              <a:scrgbClr r="0" g="0" b="0"/>
+            </a:lnRef>
+            <a:fillRef idx="0">
+              <a:scrgbClr r="0" g="0" b="0"/>
+            </a:fillRef>
+            <a:effectRef idx="0">
+              <a:scrgbClr r="0" g="0" b="0"/>
+            </a:effectRef>
             <a:fontRef idx="minor"/>
           </p:style>
         </p:sp>
@@ -3195,9 +3705,15 @@
             </a:ln>
           </p:spPr>
           <p:style>
-            <a:lnRef idx="0"/>
-            <a:fillRef idx="0"/>
-            <a:effectRef idx="0"/>
+            <a:lnRef idx="0">
+              <a:scrgbClr r="0" g="0" b="0"/>
+            </a:lnRef>
+            <a:fillRef idx="0">
+              <a:scrgbClr r="0" g="0" b="0"/>
+            </a:fillRef>
+            <a:effectRef idx="0">
+              <a:scrgbClr r="0" g="0" b="0"/>
+            </a:effectRef>
             <a:fontRef idx="minor"/>
           </p:style>
         </p:sp>
@@ -3221,13 +3737,20 @@
             </a:ln>
           </p:spPr>
           <p:style>
-            <a:lnRef idx="0"/>
-            <a:fillRef idx="0"/>
-            <a:effectRef idx="0"/>
+            <a:lnRef idx="0">
+              <a:scrgbClr r="0" g="0" b="0"/>
+            </a:lnRef>
+            <a:fillRef idx="0">
+              <a:scrgbClr r="0" g="0" b="0"/>
+            </a:fillRef>
+            <a:effectRef idx="0">
+              <a:scrgbClr r="0" g="0" b="0"/>
+            </a:effectRef>
             <a:fontRef idx="minor"/>
           </p:style>
           <p:txBody>
-            <a:bodyPr lIns="90000" rIns="90000" tIns="45000" bIns="45000"/>
+            <a:bodyPr lIns="90000" tIns="45000" rIns="90000" bIns="45000"/>
+            <a:lstStyle/>
             <a:p>
               <a:pPr>
                 <a:lnSpc>
@@ -3235,16 +3758,16 @@
                 </a:lnSpc>
               </a:pPr>
               <a:r>
-                <a:rPr b="1" lang="pt-BR" sz="1000" spc="-1" strike="noStrike">
+                <a:rPr lang="pt-BR" sz="1000" b="1" strike="noStrike" spc="-1">
                   <a:solidFill>
-                    <a:srgbClr val="89c765"/>
+                    <a:srgbClr val="89C765"/>
                   </a:solidFill>
                   <a:latin typeface="Arial"/>
                   <a:ea typeface="DejaVu Sans"/>
                 </a:rPr>
                 <a:t>-Planejamento</a:t>
               </a:r>
-              <a:endParaRPr b="0" lang="pt-BR" sz="1000" spc="-1" strike="noStrike">
+              <a:endParaRPr lang="pt-BR" sz="1000" b="0" strike="noStrike" spc="-1">
                 <a:latin typeface="Arial"/>
               </a:endParaRPr>
             </a:p>
@@ -3255,16 +3778,16 @@
                 </a:lnSpc>
               </a:pPr>
               <a:r>
-                <a:rPr b="1" lang="pt-BR" sz="1000" spc="-1" strike="noStrike">
+                <a:rPr lang="pt-BR" sz="1000" b="1" strike="noStrike" spc="-1">
                   <a:solidFill>
-                    <a:srgbClr val="89c765"/>
+                    <a:srgbClr val="89C765"/>
                   </a:solidFill>
                   <a:latin typeface="Arial"/>
                   <a:ea typeface="DejaVu Sans"/>
                 </a:rPr>
                 <a:t>-Estimativas</a:t>
               </a:r>
-              <a:endParaRPr b="0" lang="pt-BR" sz="1000" spc="-1" strike="noStrike">
+              <a:endParaRPr lang="pt-BR" sz="1000" b="0" strike="noStrike" spc="-1">
                 <a:latin typeface="Arial"/>
               </a:endParaRPr>
             </a:p>
@@ -3275,16 +3798,16 @@
                 </a:lnSpc>
               </a:pPr>
               <a:r>
-                <a:rPr b="1" lang="pt-BR" sz="1000" spc="-1" strike="noStrike">
+                <a:rPr lang="pt-BR" sz="1000" b="1" strike="noStrike" spc="-1">
                   <a:solidFill>
-                    <a:srgbClr val="89c765"/>
+                    <a:srgbClr val="89C765"/>
                   </a:solidFill>
                   <a:latin typeface="Arial"/>
                   <a:ea typeface="DejaVu Sans"/>
                 </a:rPr>
                 <a:t>-cronograma</a:t>
               </a:r>
-              <a:endParaRPr b="0" lang="pt-BR" sz="1000" spc="-1" strike="noStrike">
+              <a:endParaRPr lang="pt-BR" sz="1000" b="0" strike="noStrike" spc="-1">
                 <a:latin typeface="Arial"/>
               </a:endParaRPr>
             </a:p>
@@ -3310,9 +3833,15 @@
           </a:ln>
         </p:spPr>
         <p:style>
-          <a:lnRef idx="0"/>
-          <a:fillRef idx="0"/>
-          <a:effectRef idx="0"/>
+          <a:lnRef idx="0">
+            <a:scrgbClr r="0" g="0" b="0"/>
+          </a:lnRef>
+          <a:fillRef idx="0">
+            <a:scrgbClr r="0" g="0" b="0"/>
+          </a:fillRef>
+          <a:effectRef idx="0">
+            <a:scrgbClr r="0" g="0" b="0"/>
+          </a:effectRef>
           <a:fontRef idx="minor"/>
         </p:style>
       </p:sp>
@@ -3345,6 +3874,7 @@
               <a:avLst/>
               <a:gdLst/>
               <a:ahLst/>
+              <a:cxnLst/>
               <a:rect l="l" t="t" r="r" b="b"/>
               <a:pathLst>
                 <a:path w="3402" h="2102">
@@ -3389,14 +3919,20 @@
             <a:noFill/>
             <a:ln>
               <a:solidFill>
-                <a:srgbClr val="3465a4"/>
+                <a:srgbClr val="3465A4"/>
               </a:solidFill>
             </a:ln>
           </p:spPr>
           <p:style>
-            <a:lnRef idx="0"/>
-            <a:fillRef idx="0"/>
-            <a:effectRef idx="0"/>
+            <a:lnRef idx="0">
+              <a:scrgbClr r="0" g="0" b="0"/>
+            </a:lnRef>
+            <a:fillRef idx="0">
+              <a:scrgbClr r="0" g="0" b="0"/>
+            </a:fillRef>
+            <a:effectRef idx="0">
+              <a:scrgbClr r="0" g="0" b="0"/>
+            </a:effectRef>
             <a:fontRef idx="minor"/>
           </p:style>
         </p:sp>
@@ -3420,9 +3956,15 @@
             </a:ln>
           </p:spPr>
           <p:style>
-            <a:lnRef idx="0"/>
-            <a:fillRef idx="0"/>
-            <a:effectRef idx="0"/>
+            <a:lnRef idx="0">
+              <a:scrgbClr r="0" g="0" b="0"/>
+            </a:lnRef>
+            <a:fillRef idx="0">
+              <a:scrgbClr r="0" g="0" b="0"/>
+            </a:fillRef>
+            <a:effectRef idx="0">
+              <a:scrgbClr r="0" g="0" b="0"/>
+            </a:effectRef>
             <a:fontRef idx="minor"/>
           </p:style>
         </p:sp>
@@ -3446,13 +3988,20 @@
             </a:ln>
           </p:spPr>
           <p:style>
-            <a:lnRef idx="0"/>
-            <a:fillRef idx="0"/>
-            <a:effectRef idx="0"/>
+            <a:lnRef idx="0">
+              <a:scrgbClr r="0" g="0" b="0"/>
+            </a:lnRef>
+            <a:fillRef idx="0">
+              <a:scrgbClr r="0" g="0" b="0"/>
+            </a:fillRef>
+            <a:effectRef idx="0">
+              <a:scrgbClr r="0" g="0" b="0"/>
+            </a:effectRef>
             <a:fontRef idx="minor"/>
           </p:style>
           <p:txBody>
-            <a:bodyPr lIns="90000" rIns="90000" tIns="45000" bIns="45000"/>
+            <a:bodyPr lIns="90000" tIns="45000" rIns="90000" bIns="45000"/>
+            <a:lstStyle/>
             <a:p>
               <a:pPr>
                 <a:lnSpc>
@@ -3460,16 +4009,16 @@
                 </a:lnSpc>
               </a:pPr>
               <a:r>
-                <a:rPr b="1" lang="pt-BR" sz="1000" spc="-1" strike="noStrike">
+                <a:rPr lang="pt-BR" sz="1000" b="1" strike="noStrike" spc="-1">
                   <a:solidFill>
-                    <a:srgbClr val="89c765"/>
+                    <a:srgbClr val="89C765"/>
                   </a:solidFill>
                   <a:latin typeface="Arial"/>
                   <a:ea typeface="DejaVu Sans"/>
                 </a:rPr>
                 <a:t>-Modelagem</a:t>
               </a:r>
-              <a:endParaRPr b="0" lang="pt-BR" sz="1000" spc="-1" strike="noStrike">
+              <a:endParaRPr lang="pt-BR" sz="1000" b="0" strike="noStrike" spc="-1">
                 <a:latin typeface="Arial"/>
               </a:endParaRPr>
             </a:p>
@@ -3480,16 +4029,16 @@
                 </a:lnSpc>
               </a:pPr>
               <a:r>
-                <a:rPr b="1" lang="pt-BR" sz="1000" spc="-1" strike="noStrike">
+                <a:rPr lang="pt-BR" sz="1000" b="1" strike="noStrike" spc="-1">
                   <a:solidFill>
-                    <a:srgbClr val="89c765"/>
+                    <a:srgbClr val="89C765"/>
                   </a:solidFill>
                   <a:latin typeface="Arial"/>
                   <a:ea typeface="DejaVu Sans"/>
                 </a:rPr>
                 <a:t>-Análise</a:t>
               </a:r>
-              <a:endParaRPr b="0" lang="pt-BR" sz="1000" spc="-1" strike="noStrike">
+              <a:endParaRPr lang="pt-BR" sz="1000" b="0" strike="noStrike" spc="-1">
                 <a:latin typeface="Arial"/>
               </a:endParaRPr>
             </a:p>
@@ -3500,26 +4049,16 @@
                 </a:lnSpc>
               </a:pPr>
               <a:r>
-                <a:rPr b="1" lang="pt-BR" sz="1000" spc="-1" strike="noStrike">
+                <a:rPr lang="pt-BR" sz="1000" b="1" strike="noStrike" spc="-1">
                   <a:solidFill>
-                    <a:srgbClr val="89c765"/>
+                    <a:srgbClr val="89C765"/>
                   </a:solidFill>
                   <a:latin typeface="Arial"/>
                   <a:ea typeface="DejaVu Sans"/>
                 </a:rPr>
-                <a:t> </a:t>
+                <a:t> do projeto</a:t>
               </a:r>
-              <a:r>
-                <a:rPr b="1" lang="pt-BR" sz="1000" spc="-1" strike="noStrike">
-                  <a:solidFill>
-                    <a:srgbClr val="89c765"/>
-                  </a:solidFill>
-                  <a:latin typeface="Arial"/>
-                  <a:ea typeface="DejaVu Sans"/>
-                </a:rPr>
-                <a:t>do projeto</a:t>
-              </a:r>
-              <a:endParaRPr b="0" lang="pt-BR" sz="1000" spc="-1" strike="noStrike">
+              <a:endParaRPr lang="pt-BR" sz="1000" b="0" strike="noStrike" spc="-1">
                 <a:latin typeface="Arial"/>
               </a:endParaRPr>
             </a:p>
@@ -3545,9 +4084,15 @@
           </a:ln>
         </p:spPr>
         <p:style>
-          <a:lnRef idx="0"/>
-          <a:fillRef idx="0"/>
-          <a:effectRef idx="0"/>
+          <a:lnRef idx="0">
+            <a:scrgbClr r="0" g="0" b="0"/>
+          </a:lnRef>
+          <a:fillRef idx="0">
+            <a:scrgbClr r="0" g="0" b="0"/>
+          </a:fillRef>
+          <a:effectRef idx="0">
+            <a:scrgbClr r="0" g="0" b="0"/>
+          </a:effectRef>
           <a:fontRef idx="minor"/>
         </p:style>
       </p:sp>
@@ -3580,6 +4125,7 @@
               <a:avLst/>
               <a:gdLst/>
               <a:ahLst/>
+              <a:cxnLst/>
               <a:rect l="l" t="t" r="r" b="b"/>
               <a:pathLst>
                 <a:path w="3402" h="2102">
@@ -3624,14 +4170,20 @@
             <a:noFill/>
             <a:ln>
               <a:solidFill>
-                <a:srgbClr val="3465a4"/>
+                <a:srgbClr val="3465A4"/>
               </a:solidFill>
             </a:ln>
           </p:spPr>
           <p:style>
-            <a:lnRef idx="0"/>
-            <a:fillRef idx="0"/>
-            <a:effectRef idx="0"/>
+            <a:lnRef idx="0">
+              <a:scrgbClr r="0" g="0" b="0"/>
+            </a:lnRef>
+            <a:fillRef idx="0">
+              <a:scrgbClr r="0" g="0" b="0"/>
+            </a:fillRef>
+            <a:effectRef idx="0">
+              <a:scrgbClr r="0" g="0" b="0"/>
+            </a:effectRef>
             <a:fontRef idx="minor"/>
           </p:style>
         </p:sp>
@@ -3655,9 +4207,15 @@
             </a:ln>
           </p:spPr>
           <p:style>
-            <a:lnRef idx="0"/>
-            <a:fillRef idx="0"/>
-            <a:effectRef idx="0"/>
+            <a:lnRef idx="0">
+              <a:scrgbClr r="0" g="0" b="0"/>
+            </a:lnRef>
+            <a:fillRef idx="0">
+              <a:scrgbClr r="0" g="0" b="0"/>
+            </a:fillRef>
+            <a:effectRef idx="0">
+              <a:scrgbClr r="0" g="0" b="0"/>
+            </a:effectRef>
             <a:fontRef idx="minor"/>
           </p:style>
         </p:sp>
@@ -3681,13 +4239,20 @@
             </a:ln>
           </p:spPr>
           <p:style>
-            <a:lnRef idx="0"/>
-            <a:fillRef idx="0"/>
-            <a:effectRef idx="0"/>
+            <a:lnRef idx="0">
+              <a:scrgbClr r="0" g="0" b="0"/>
+            </a:lnRef>
+            <a:fillRef idx="0">
+              <a:scrgbClr r="0" g="0" b="0"/>
+            </a:fillRef>
+            <a:effectRef idx="0">
+              <a:scrgbClr r="0" g="0" b="0"/>
+            </a:effectRef>
             <a:fontRef idx="minor"/>
           </p:style>
           <p:txBody>
-            <a:bodyPr lIns="90000" rIns="90000" tIns="45000" bIns="45000"/>
+            <a:bodyPr lIns="90000" tIns="45000" rIns="90000" bIns="45000"/>
+            <a:lstStyle/>
             <a:p>
               <a:pPr>
                 <a:lnSpc>
@@ -3695,16 +4260,16 @@
                 </a:lnSpc>
               </a:pPr>
               <a:r>
-                <a:rPr b="1" lang="pt-BR" sz="1000" spc="-1" strike="noStrike">
+                <a:rPr lang="pt-BR" sz="1000" b="1" strike="noStrike" spc="-1">
                   <a:solidFill>
-                    <a:srgbClr val="89c765"/>
+                    <a:srgbClr val="89C765"/>
                   </a:solidFill>
                   <a:latin typeface="Arial"/>
                   <a:ea typeface="DejaVu Sans"/>
                 </a:rPr>
                 <a:t>-Codificação</a:t>
               </a:r>
-              <a:endParaRPr b="0" lang="pt-BR" sz="1000" spc="-1" strike="noStrike">
+              <a:endParaRPr lang="pt-BR" sz="1000" b="0" strike="noStrike" spc="-1">
                 <a:latin typeface="Arial"/>
               </a:endParaRPr>
             </a:p>
@@ -3715,16 +4280,16 @@
                 </a:lnSpc>
               </a:pPr>
               <a:r>
-                <a:rPr b="1" lang="pt-BR" sz="1000" spc="-1" strike="noStrike">
+                <a:rPr lang="pt-BR" sz="1000" b="1" strike="noStrike" spc="-1">
                   <a:solidFill>
-                    <a:srgbClr val="89c765"/>
+                    <a:srgbClr val="89C765"/>
                   </a:solidFill>
                   <a:latin typeface="Arial"/>
                   <a:ea typeface="DejaVu Sans"/>
                 </a:rPr>
                 <a:t>e testes</a:t>
               </a:r>
-              <a:endParaRPr b="0" lang="pt-BR" sz="1000" spc="-1" strike="noStrike">
+              <a:endParaRPr lang="pt-BR" sz="1000" b="0" strike="noStrike" spc="-1">
                 <a:latin typeface="Arial"/>
               </a:endParaRPr>
             </a:p>
@@ -3750,9 +4315,15 @@
           </a:ln>
         </p:spPr>
         <p:style>
-          <a:lnRef idx="0"/>
-          <a:fillRef idx="0"/>
-          <a:effectRef idx="0"/>
+          <a:lnRef idx="0">
+            <a:scrgbClr r="0" g="0" b="0"/>
+          </a:lnRef>
+          <a:fillRef idx="0">
+            <a:scrgbClr r="0" g="0" b="0"/>
+          </a:fillRef>
+          <a:effectRef idx="0">
+            <a:scrgbClr r="0" g="0" b="0"/>
+          </a:effectRef>
           <a:fontRef idx="minor"/>
         </p:style>
       </p:sp>
@@ -3785,6 +4356,7 @@
               <a:avLst/>
               <a:gdLst/>
               <a:ahLst/>
+              <a:cxnLst/>
               <a:rect l="l" t="t" r="r" b="b"/>
               <a:pathLst>
                 <a:path w="3402" h="2102">
@@ -3829,14 +4401,20 @@
             <a:noFill/>
             <a:ln>
               <a:solidFill>
-                <a:srgbClr val="3465a4"/>
+                <a:srgbClr val="3465A4"/>
               </a:solidFill>
             </a:ln>
           </p:spPr>
           <p:style>
-            <a:lnRef idx="0"/>
-            <a:fillRef idx="0"/>
-            <a:effectRef idx="0"/>
+            <a:lnRef idx="0">
+              <a:scrgbClr r="0" g="0" b="0"/>
+            </a:lnRef>
+            <a:fillRef idx="0">
+              <a:scrgbClr r="0" g="0" b="0"/>
+            </a:fillRef>
+            <a:effectRef idx="0">
+              <a:scrgbClr r="0" g="0" b="0"/>
+            </a:effectRef>
             <a:fontRef idx="minor"/>
           </p:style>
         </p:sp>
@@ -3860,9 +4438,15 @@
             </a:ln>
           </p:spPr>
           <p:style>
-            <a:lnRef idx="0"/>
-            <a:fillRef idx="0"/>
-            <a:effectRef idx="0"/>
+            <a:lnRef idx="0">
+              <a:scrgbClr r="0" g="0" b="0"/>
+            </a:lnRef>
+            <a:fillRef idx="0">
+              <a:scrgbClr r="0" g="0" b="0"/>
+            </a:fillRef>
+            <a:effectRef idx="0">
+              <a:scrgbClr r="0" g="0" b="0"/>
+            </a:effectRef>
             <a:fontRef idx="minor"/>
           </p:style>
         </p:sp>
@@ -3886,13 +4470,20 @@
             </a:ln>
           </p:spPr>
           <p:style>
-            <a:lnRef idx="0"/>
-            <a:fillRef idx="0"/>
-            <a:effectRef idx="0"/>
+            <a:lnRef idx="0">
+              <a:scrgbClr r="0" g="0" b="0"/>
+            </a:lnRef>
+            <a:fillRef idx="0">
+              <a:scrgbClr r="0" g="0" b="0"/>
+            </a:fillRef>
+            <a:effectRef idx="0">
+              <a:scrgbClr r="0" g="0" b="0"/>
+            </a:effectRef>
             <a:fontRef idx="minor"/>
           </p:style>
           <p:txBody>
-            <a:bodyPr lIns="90000" rIns="90000" tIns="45000" bIns="45000"/>
+            <a:bodyPr lIns="90000" tIns="45000" rIns="90000" bIns="45000"/>
+            <a:lstStyle/>
             <a:p>
               <a:pPr>
                 <a:lnSpc>
@@ -3900,16 +4491,16 @@
                 </a:lnSpc>
               </a:pPr>
               <a:r>
-                <a:rPr b="1" lang="pt-BR" sz="1000" spc="-1" strike="noStrike">
+                <a:rPr lang="pt-BR" sz="1000" b="1" strike="noStrike" spc="-1">
                   <a:solidFill>
-                    <a:srgbClr val="89c765"/>
+                    <a:srgbClr val="89C765"/>
                   </a:solidFill>
                   <a:latin typeface="Arial"/>
                   <a:ea typeface="DejaVu Sans"/>
                 </a:rPr>
                 <a:t>-Entrega </a:t>
               </a:r>
-              <a:endParaRPr b="0" lang="pt-BR" sz="1000" spc="-1" strike="noStrike">
+              <a:endParaRPr lang="pt-BR" sz="1000" b="0" strike="noStrike" spc="-1">
                 <a:latin typeface="Arial"/>
               </a:endParaRPr>
             </a:p>
@@ -3920,16 +4511,16 @@
                 </a:lnSpc>
               </a:pPr>
               <a:r>
-                <a:rPr b="1" lang="pt-BR" sz="1000" spc="-1" strike="noStrike">
+                <a:rPr lang="pt-BR" sz="1000" b="1" strike="noStrike" spc="-1">
                   <a:solidFill>
-                    <a:srgbClr val="89c765"/>
+                    <a:srgbClr val="89C765"/>
                   </a:solidFill>
                   <a:latin typeface="Arial"/>
                   <a:ea typeface="DejaVu Sans"/>
                 </a:rPr>
                 <a:t>do projeto </a:t>
               </a:r>
-              <a:endParaRPr b="0" lang="pt-BR" sz="1000" spc="-1" strike="noStrike">
+              <a:endParaRPr lang="pt-BR" sz="1000" b="0" strike="noStrike" spc="-1">
                 <a:latin typeface="Arial"/>
               </a:endParaRPr>
             </a:p>
@@ -3940,16 +4531,16 @@
                 </a:lnSpc>
               </a:pPr>
               <a:r>
-                <a:rPr b="1" lang="pt-BR" sz="1000" spc="-1" strike="noStrike">
+                <a:rPr lang="pt-BR" sz="1000" b="1" strike="noStrike" spc="-1">
                   <a:solidFill>
-                    <a:srgbClr val="89c765"/>
+                    <a:srgbClr val="89C765"/>
                   </a:solidFill>
                   <a:latin typeface="Arial"/>
                   <a:ea typeface="DejaVu Sans"/>
                 </a:rPr>
                 <a:t>Final</a:t>
               </a:r>
-              <a:endParaRPr b="0" lang="pt-BR" sz="1000" spc="-1" strike="noStrike">
+              <a:endParaRPr lang="pt-BR" sz="1000" b="0" strike="noStrike" spc="-1">
                 <a:latin typeface="Arial"/>
               </a:endParaRPr>
             </a:p>
@@ -3959,7 +4550,7 @@
                   <a:spcPct val="100000"/>
                 </a:lnSpc>
               </a:pPr>
-              <a:endParaRPr b="0" lang="pt-BR" sz="1000" spc="-1" strike="noStrike">
+              <a:endParaRPr lang="pt-BR" sz="1000" b="0" strike="noStrike" spc="-1">
                 <a:latin typeface="Arial"/>
               </a:endParaRPr>
             </a:p>
@@ -3984,13 +4575,19 @@
             <a:solidFill>
               <a:srgbClr val="000000"/>
             </a:solidFill>
-            <a:tailEnd len="med" type="triangle" w="med"/>
+            <a:tailEnd type="triangle" w="med" len="med"/>
           </a:ln>
         </p:spPr>
         <p:style>
-          <a:lnRef idx="0"/>
-          <a:fillRef idx="0"/>
-          <a:effectRef idx="0"/>
+          <a:lnRef idx="0">
+            <a:scrgbClr r="0" g="0" b="0"/>
+          </a:lnRef>
+          <a:fillRef idx="0">
+            <a:scrgbClr r="0" g="0" b="0"/>
+          </a:fillRef>
+          <a:effectRef idx="0">
+            <a:scrgbClr r="0" g="0" b="0"/>
+          </a:effectRef>
           <a:fontRef idx="minor"/>
         </p:style>
       </p:sp>
@@ -4012,13 +4609,19 @@
             <a:solidFill>
               <a:srgbClr val="000000"/>
             </a:solidFill>
-            <a:tailEnd len="med" type="triangle" w="med"/>
+            <a:tailEnd type="triangle" w="med" len="med"/>
           </a:ln>
         </p:spPr>
         <p:style>
-          <a:lnRef idx="0"/>
-          <a:fillRef idx="0"/>
-          <a:effectRef idx="0"/>
+          <a:lnRef idx="0">
+            <a:scrgbClr r="0" g="0" b="0"/>
+          </a:lnRef>
+          <a:fillRef idx="0">
+            <a:scrgbClr r="0" g="0" b="0"/>
+          </a:fillRef>
+          <a:effectRef idx="0">
+            <a:scrgbClr r="0" g="0" b="0"/>
+          </a:effectRef>
           <a:fontRef idx="minor"/>
         </p:style>
       </p:sp>
@@ -4040,13 +4643,19 @@
             <a:solidFill>
               <a:srgbClr val="000000"/>
             </a:solidFill>
-            <a:tailEnd len="med" type="triangle" w="med"/>
+            <a:tailEnd type="triangle" w="med" len="med"/>
           </a:ln>
         </p:spPr>
         <p:style>
-          <a:lnRef idx="0"/>
-          <a:fillRef idx="0"/>
-          <a:effectRef idx="0"/>
+          <a:lnRef idx="0">
+            <a:scrgbClr r="0" g="0" b="0"/>
+          </a:lnRef>
+          <a:fillRef idx="0">
+            <a:scrgbClr r="0" g="0" b="0"/>
+          </a:fillRef>
+          <a:effectRef idx="0">
+            <a:scrgbClr r="0" g="0" b="0"/>
+          </a:effectRef>
           <a:fontRef idx="minor"/>
         </p:style>
       </p:sp>
@@ -4068,13 +4677,19 @@
             <a:solidFill>
               <a:srgbClr val="000000"/>
             </a:solidFill>
-            <a:tailEnd len="med" type="triangle" w="med"/>
+            <a:tailEnd type="triangle" w="med" len="med"/>
           </a:ln>
         </p:spPr>
         <p:style>
-          <a:lnRef idx="0"/>
-          <a:fillRef idx="0"/>
-          <a:effectRef idx="0"/>
+          <a:lnRef idx="0">
+            <a:scrgbClr r="0" g="0" b="0"/>
+          </a:lnRef>
+          <a:fillRef idx="0">
+            <a:scrgbClr r="0" g="0" b="0"/>
+          </a:fillRef>
+          <a:effectRef idx="0">
+            <a:scrgbClr r="0" g="0" b="0"/>
+          </a:effectRef>
           <a:fontRef idx="minor"/>
         </p:style>
       </p:sp>
@@ -4096,24 +4711,30 @@
             <a:solidFill>
               <a:srgbClr val="000000"/>
             </a:solidFill>
-            <a:tailEnd len="med" type="triangle" w="med"/>
+            <a:tailEnd type="triangle" w="med" len="med"/>
           </a:ln>
         </p:spPr>
         <p:style>
-          <a:lnRef idx="0"/>
-          <a:fillRef idx="0"/>
-          <a:effectRef idx="0"/>
+          <a:lnRef idx="0">
+            <a:scrgbClr r="0" g="0" b="0"/>
+          </a:lnRef>
+          <a:fillRef idx="0">
+            <a:scrgbClr r="0" g="0" b="0"/>
+          </a:fillRef>
+          <a:effectRef idx="0">
+            <a:scrgbClr r="0" g="0" b="0"/>
+          </a:effectRef>
           <a:fontRef idx="minor"/>
         </p:style>
       </p:sp>
       <p:pic>
         <p:nvPicPr>
-          <p:cNvPr id="90" name="Google Shape;166;p39" descr=""/>
+          <p:cNvPr id="90" name="Google Shape;166;p39"/>
           <p:cNvPicPr/>
           <p:nvPr/>
         </p:nvPicPr>
         <p:blipFill>
-          <a:blip r:embed="rId2"/>
+          <a:blip r:embed="rId3"/>
           <a:stretch/>
         </p:blipFill>
         <p:spPr>
@@ -4131,22 +4752,25 @@
       </p:pic>
     </p:spTree>
   </p:cSld>
+  <p:clrMapOvr>
+    <a:masterClrMapping/>
+  </p:clrMapOvr>
   <p:timing>
     <p:tnLst>
       <p:par>
-        <p:cTn id="5" dur="indefinite" restart="never" nodeType="tmRoot">
+        <p:cTn id="1" dur="indefinite" restart="never" nodeType="tmRoot">
           <p:childTnLst>
             <p:seq>
-              <p:cTn id="6" dur="indefinite" nodeType="mainSeq"/>
+              <p:cTn id="2" dur="indefinite" nodeType="mainSeq"/>
               <p:prevCondLst>
-                <p:cond delay="0" evt="onPrev">
+                <p:cond evt="onPrev" delay="0">
                   <p:tgtEl>
                     <p:sldTgt/>
                   </p:tgtEl>
                 </p:cond>
               </p:prevCondLst>
               <p:nextCondLst>
-                <p:cond delay="0" evt="onNext">
+                <p:cond evt="onNext" delay="0">
                   <p:tgtEl>
                     <p:sldTgt/>
                   </p:tgtEl>
@@ -4162,13 +4786,14 @@
 </file>
 
 <file path=ppt/slides/slide4.xml><?xml version="1.0" encoding="utf-8"?>
-<p:sld xmlns:a="http://schemas.openxmlformats.org/drawingml/2006/main" xmlns:p="http://schemas.openxmlformats.org/presentationml/2006/main" xmlns:r="http://schemas.openxmlformats.org/officeDocument/2006/relationships" xmlns:p14="http://schemas.microsoft.com/office/powerpoint/2010/main" xmlns:p15="http://schemas.microsoft.com/office/powerpoint/2012/main" xmlns:mc="http://schemas.openxmlformats.org/markup-compatibility/2006">
+<p:sld xmlns:a="http://schemas.openxmlformats.org/drawingml/2006/main" xmlns:r="http://schemas.openxmlformats.org/officeDocument/2006/relationships" xmlns:p="http://schemas.openxmlformats.org/presentationml/2006/main">
   <p:cSld>
     <p:bg>
       <p:bgPr>
         <a:solidFill>
-          <a:srgbClr val="ffffff"/>
+          <a:srgbClr val="FFFFFF"/>
         </a:solidFill>
+        <a:effectLst/>
       </p:bgPr>
     </p:bg>
     <p:spTree>
@@ -4200,27 +4825,33 @@
             <a:avLst/>
           </a:prstGeom>
           <a:solidFill>
-            <a:srgbClr val="347c36"/>
+            <a:srgbClr val="347C36"/>
           </a:solidFill>
           <a:ln>
             <a:noFill/>
           </a:ln>
         </p:spPr>
         <p:style>
-          <a:lnRef idx="0"/>
-          <a:fillRef idx="0"/>
-          <a:effectRef idx="0"/>
+          <a:lnRef idx="0">
+            <a:scrgbClr r="0" g="0" b="0"/>
+          </a:lnRef>
+          <a:fillRef idx="0">
+            <a:scrgbClr r="0" g="0" b="0"/>
+          </a:fillRef>
+          <a:effectRef idx="0">
+            <a:scrgbClr r="0" g="0" b="0"/>
+          </a:effectRef>
           <a:fontRef idx="minor"/>
         </p:style>
       </p:sp>
       <p:pic>
         <p:nvPicPr>
-          <p:cNvPr id="92" name="Google Shape;89;p13" descr=""/>
+          <p:cNvPr id="92" name="Google Shape;89;p13"/>
           <p:cNvPicPr/>
           <p:nvPr/>
         </p:nvPicPr>
         <p:blipFill>
-          <a:blip r:embed="rId1"/>
+          <a:blip r:embed="rId2"/>
           <a:stretch/>
         </p:blipFill>
         <p:spPr>
@@ -4256,13 +4887,20 @@
           </a:ln>
         </p:spPr>
         <p:style>
-          <a:lnRef idx="0"/>
-          <a:fillRef idx="0"/>
-          <a:effectRef idx="0"/>
+          <a:lnRef idx="0">
+            <a:scrgbClr r="0" g="0" b="0"/>
+          </a:lnRef>
+          <a:fillRef idx="0">
+            <a:scrgbClr r="0" g="0" b="0"/>
+          </a:fillRef>
+          <a:effectRef idx="0">
+            <a:scrgbClr r="0" g="0" b="0"/>
+          </a:effectRef>
           <a:fontRef idx="minor"/>
         </p:style>
         <p:txBody>
-          <a:bodyPr lIns="90000" rIns="90000" tIns="45000" bIns="45000"/>
+          <a:bodyPr lIns="90000" tIns="45000" rIns="90000" bIns="45000"/>
+          <a:lstStyle/>
           <a:p>
             <a:pPr algn="ctr">
               <a:lnSpc>
@@ -4271,16 +4909,16 @@
             </a:pPr>
             <a:br/>
             <a:r>
-              <a:rPr b="1" lang="pt-BR" sz="3200" spc="-1" strike="noStrike">
+              <a:rPr lang="pt-BR" sz="3200" b="1" strike="noStrike" spc="-1">
                 <a:solidFill>
-                  <a:srgbClr val="8dc641"/>
+                  <a:srgbClr val="8DC641"/>
                 </a:solidFill>
                 <a:latin typeface="Arial"/>
                 <a:ea typeface="Arial"/>
               </a:rPr>
               <a:t>Prática  de análise de sistemas</a:t>
             </a:r>
-            <a:endParaRPr b="0" lang="pt-BR" sz="3200" spc="-1" strike="noStrike">
+            <a:endParaRPr lang="pt-BR" sz="3200" b="0" strike="noStrike" spc="-1">
               <a:latin typeface="Arial"/>
             </a:endParaRPr>
           </a:p>
@@ -4290,7 +4928,7 @@
                 <a:spcPct val="100000"/>
               </a:lnSpc>
             </a:pPr>
-            <a:endParaRPr b="0" lang="pt-BR" sz="3200" spc="-1" strike="noStrike">
+            <a:endParaRPr lang="pt-BR" sz="3200" b="0" strike="noStrike" spc="-1">
               <a:latin typeface="Arial"/>
             </a:endParaRPr>
           </a:p>
@@ -4300,7 +4938,7 @@
                 <a:spcPct val="100000"/>
               </a:lnSpc>
             </a:pPr>
-            <a:endParaRPr b="0" lang="pt-BR" sz="3200" spc="-1" strike="noStrike">
+            <a:endParaRPr lang="pt-BR" sz="3200" b="0" strike="noStrike" spc="-1">
               <a:latin typeface="Arial"/>
             </a:endParaRPr>
           </a:p>
@@ -4326,13 +4964,20 @@
           </a:ln>
         </p:spPr>
         <p:style>
-          <a:lnRef idx="0"/>
-          <a:fillRef idx="0"/>
-          <a:effectRef idx="0"/>
+          <a:lnRef idx="0">
+            <a:scrgbClr r="0" g="0" b="0"/>
+          </a:lnRef>
+          <a:fillRef idx="0">
+            <a:scrgbClr r="0" g="0" b="0"/>
+          </a:fillRef>
+          <a:effectRef idx="0">
+            <a:scrgbClr r="0" g="0" b="0"/>
+          </a:effectRef>
           <a:fontRef idx="minor"/>
         </p:style>
         <p:txBody>
-          <a:bodyPr lIns="90000" rIns="90000" tIns="45000" bIns="45000"/>
+          <a:bodyPr lIns="90000" tIns="45000" rIns="90000" bIns="45000"/>
+          <a:lstStyle/>
           <a:p>
             <a:pPr algn="ctr">
               <a:lnSpc>
@@ -4340,26 +4985,16 @@
               </a:lnSpc>
             </a:pPr>
             <a:r>
-              <a:rPr b="1" lang="pt-BR" sz="1500" spc="-1" strike="noStrike">
+              <a:rPr lang="pt-BR" sz="1500" b="1" strike="noStrike" spc="-1">
                 <a:solidFill>
-                  <a:srgbClr val="8dc641"/>
+                  <a:srgbClr val="8DC641"/>
                 </a:solidFill>
                 <a:latin typeface="Arial"/>
                 <a:ea typeface="Arial"/>
               </a:rPr>
-              <a:t> </a:t>
+              <a:t> Fabio Vasques, Gieder Loreto</a:t>
             </a:r>
-            <a:r>
-              <a:rPr b="1" lang="pt-BR" sz="1500" spc="-1" strike="noStrike">
-                <a:solidFill>
-                  <a:srgbClr val="8dc641"/>
-                </a:solidFill>
-                <a:latin typeface="Arial"/>
-                <a:ea typeface="Arial"/>
-              </a:rPr>
-              <a:t>Fabio Vasques, Gieder Loreto</a:t>
-            </a:r>
-            <a:endParaRPr b="0" lang="pt-BR" sz="1500" spc="-1" strike="noStrike">
+            <a:endParaRPr lang="pt-BR" sz="1500" b="0" strike="noStrike" spc="-1">
               <a:latin typeface="Arial"/>
             </a:endParaRPr>
           </a:p>
@@ -4385,13 +5020,20 @@
           </a:ln>
         </p:spPr>
         <p:style>
-          <a:lnRef idx="0"/>
-          <a:fillRef idx="0"/>
-          <a:effectRef idx="0"/>
+          <a:lnRef idx="0">
+            <a:scrgbClr r="0" g="0" b="0"/>
+          </a:lnRef>
+          <a:fillRef idx="0">
+            <a:scrgbClr r="0" g="0" b="0"/>
+          </a:fillRef>
+          <a:effectRef idx="0">
+            <a:scrgbClr r="0" g="0" b="0"/>
+          </a:effectRef>
           <a:fontRef idx="minor"/>
         </p:style>
         <p:txBody>
-          <a:bodyPr lIns="0" rIns="0" tIns="0" bIns="0"/>
+          <a:bodyPr lIns="0" tIns="0" rIns="0" bIns="0"/>
+          <a:lstStyle/>
           <a:p>
             <a:pPr>
               <a:lnSpc>
@@ -4399,9 +5041,9 @@
               </a:lnSpc>
             </a:pPr>
             <a:r>
-              <a:rPr b="1" lang="pt-BR" sz="1800" spc="-1" strike="noStrike">
+              <a:rPr lang="pt-BR" sz="1800" b="1" strike="noStrike" spc="-1">
                 <a:solidFill>
-                  <a:srgbClr val="8dc641"/>
+                  <a:srgbClr val="8DC641"/>
                 </a:solidFill>
                 <a:latin typeface="Arial"/>
                 <a:ea typeface="DejaVu Sans"/>
@@ -4409,16 +5051,16 @@
               <a:t>Front End : Bootstrap 4, Jquery, git, </a:t>
             </a:r>
             <a:r>
-              <a:rPr b="1" lang="pt-BR" sz="1800" spc="-1" strike="noStrike">
+              <a:rPr lang="pt-BR" sz="1800" b="1" strike="noStrike" spc="-1">
                 <a:solidFill>
-                  <a:srgbClr val="8dc641"/>
+                  <a:srgbClr val="8DC641"/>
                 </a:solidFill>
                 <a:latin typeface="Arial"/>
                 <a:ea typeface="Arial"/>
               </a:rPr>
               <a:t>Sublime text/ vscode,html5, css3, JavaScript, trello</a:t>
             </a:r>
-            <a:endParaRPr b="0" lang="pt-BR" sz="1800" spc="-1" strike="noStrike">
+            <a:endParaRPr lang="pt-BR" sz="1800" b="0" strike="noStrike" spc="-1">
               <a:latin typeface="Arial"/>
             </a:endParaRPr>
           </a:p>
@@ -4428,7 +5070,7 @@
                 <a:spcPct val="100000"/>
               </a:lnSpc>
             </a:pPr>
-            <a:endParaRPr b="0" lang="pt-BR" sz="1800" spc="-1" strike="noStrike">
+            <a:endParaRPr lang="pt-BR" sz="1800" b="0" strike="noStrike" spc="-1">
               <a:latin typeface="Arial"/>
             </a:endParaRPr>
           </a:p>
@@ -4439,16 +5081,16 @@
               </a:lnSpc>
             </a:pPr>
             <a:r>
-              <a:rPr b="1" lang="pt-BR" sz="1800" spc="-1" strike="noStrike">
+              <a:rPr lang="pt-BR" sz="1800" b="1" strike="noStrike" spc="-1">
                 <a:solidFill>
-                  <a:srgbClr val="8dc641"/>
+                  <a:srgbClr val="8DC641"/>
                 </a:solidFill>
                 <a:latin typeface="Arial"/>
                 <a:ea typeface="DejaVu Sans"/>
               </a:rPr>
               <a:t>Back End: PHP, MYSQL, mysql workbench</a:t>
             </a:r>
-            <a:endParaRPr b="0" lang="pt-BR" sz="1800" spc="-1" strike="noStrike">
+            <a:endParaRPr lang="pt-BR" sz="1800" b="0" strike="noStrike" spc="-1">
               <a:latin typeface="Arial"/>
             </a:endParaRPr>
           </a:p>
@@ -4458,7 +5100,7 @@
                 <a:spcPct val="100000"/>
               </a:lnSpc>
             </a:pPr>
-            <a:endParaRPr b="0" lang="pt-BR" sz="1800" spc="-1" strike="noStrike">
+            <a:endParaRPr lang="pt-BR" sz="1800" b="0" strike="noStrike" spc="-1">
               <a:latin typeface="Arial"/>
             </a:endParaRPr>
           </a:p>
@@ -4468,7 +5110,7 @@
                 <a:spcPct val="100000"/>
               </a:lnSpc>
             </a:pPr>
-            <a:endParaRPr b="0" lang="pt-BR" sz="1800" spc="-1" strike="noStrike">
+            <a:endParaRPr lang="pt-BR" sz="1800" b="0" strike="noStrike" spc="-1">
               <a:latin typeface="Arial"/>
             </a:endParaRPr>
           </a:p>
@@ -4494,13 +5136,20 @@
           </a:ln>
         </p:spPr>
         <p:style>
-          <a:lnRef idx="0"/>
-          <a:fillRef idx="0"/>
-          <a:effectRef idx="0"/>
+          <a:lnRef idx="0">
+            <a:scrgbClr r="0" g="0" b="0"/>
+          </a:lnRef>
+          <a:fillRef idx="0">
+            <a:scrgbClr r="0" g="0" b="0"/>
+          </a:fillRef>
+          <a:effectRef idx="0">
+            <a:scrgbClr r="0" g="0" b="0"/>
+          </a:effectRef>
           <a:fontRef idx="minor"/>
         </p:style>
         <p:txBody>
-          <a:bodyPr lIns="90000" rIns="90000" tIns="45000" bIns="45000"/>
+          <a:bodyPr lIns="90000" tIns="45000" rIns="90000" bIns="45000"/>
+          <a:lstStyle/>
           <a:p>
             <a:pPr>
               <a:lnSpc>
@@ -4508,26 +5157,16 @@
               </a:lnSpc>
             </a:pPr>
             <a:r>
-              <a:rPr b="1" lang="pt-BR" sz="2600" spc="-1" strike="noStrike">
+              <a:rPr lang="pt-BR" sz="2600" b="1" strike="noStrike" spc="-1">
                 <a:solidFill>
-                  <a:srgbClr val="8dc641"/>
+                  <a:srgbClr val="8DC641"/>
                 </a:solidFill>
                 <a:latin typeface="Arial"/>
                 <a:ea typeface="Arial"/>
               </a:rPr>
-              <a:t> </a:t>
+              <a:t> Tecnologias envolvidas nas etapas</a:t>
             </a:r>
-            <a:r>
-              <a:rPr b="1" lang="pt-BR" sz="2600" spc="-1" strike="noStrike">
-                <a:solidFill>
-                  <a:srgbClr val="8dc641"/>
-                </a:solidFill>
-                <a:latin typeface="Arial"/>
-                <a:ea typeface="Arial"/>
-              </a:rPr>
-              <a:t>Tecnologias envolvidas nas etapas</a:t>
-            </a:r>
-            <a:endParaRPr b="0" lang="pt-BR" sz="2600" spc="-1" strike="noStrike">
+            <a:endParaRPr lang="pt-BR" sz="2600" b="0" strike="noStrike" spc="-1">
               <a:latin typeface="Arial"/>
             </a:endParaRPr>
           </a:p>
@@ -4535,12 +5174,12 @@
       </p:sp>
       <p:pic>
         <p:nvPicPr>
-          <p:cNvPr id="97" name="Google Shape;166;p39" descr=""/>
+          <p:cNvPr id="97" name="Google Shape;166;p39"/>
           <p:cNvPicPr/>
           <p:nvPr/>
         </p:nvPicPr>
         <p:blipFill>
-          <a:blip r:embed="rId2"/>
+          <a:blip r:embed="rId3"/>
           <a:stretch/>
         </p:blipFill>
         <p:spPr>
@@ -4558,22 +5197,25 @@
       </p:pic>
     </p:spTree>
   </p:cSld>
+  <p:clrMapOvr>
+    <a:masterClrMapping/>
+  </p:clrMapOvr>
   <p:timing>
     <p:tnLst>
       <p:par>
-        <p:cTn id="7" dur="indefinite" restart="never" nodeType="tmRoot">
+        <p:cTn id="1" dur="indefinite" restart="never" nodeType="tmRoot">
           <p:childTnLst>
             <p:seq>
-              <p:cTn id="8" dur="indefinite" nodeType="mainSeq"/>
+              <p:cTn id="2" dur="indefinite" nodeType="mainSeq"/>
               <p:prevCondLst>
-                <p:cond delay="0" evt="onPrev">
+                <p:cond evt="onPrev" delay="0">
                   <p:tgtEl>
                     <p:sldTgt/>
                   </p:tgtEl>
                 </p:cond>
               </p:prevCondLst>
               <p:nextCondLst>
-                <p:cond delay="0" evt="onNext">
+                <p:cond evt="onNext" delay="0">
                   <p:tgtEl>
                     <p:sldTgt/>
                   </p:tgtEl>
@@ -4589,13 +5231,14 @@
 </file>
 
 <file path=ppt/slides/slide5.xml><?xml version="1.0" encoding="utf-8"?>
-<p:sld xmlns:a="http://schemas.openxmlformats.org/drawingml/2006/main" xmlns:p="http://schemas.openxmlformats.org/presentationml/2006/main" xmlns:r="http://schemas.openxmlformats.org/officeDocument/2006/relationships" xmlns:p14="http://schemas.microsoft.com/office/powerpoint/2010/main" xmlns:p15="http://schemas.microsoft.com/office/powerpoint/2012/main" xmlns:mc="http://schemas.openxmlformats.org/markup-compatibility/2006">
+<p:sld xmlns:a="http://schemas.openxmlformats.org/drawingml/2006/main" xmlns:r="http://schemas.openxmlformats.org/officeDocument/2006/relationships" xmlns:p="http://schemas.openxmlformats.org/presentationml/2006/main">
   <p:cSld>
     <p:bg>
       <p:bgPr>
         <a:solidFill>
-          <a:srgbClr val="ffffff"/>
+          <a:srgbClr val="FFFFFF"/>
         </a:solidFill>
+        <a:effectLst/>
       </p:bgPr>
     </p:bg>
     <p:spTree>
@@ -4627,27 +5270,33 @@
             <a:avLst/>
           </a:prstGeom>
           <a:solidFill>
-            <a:srgbClr val="347c36"/>
+            <a:srgbClr val="347C36"/>
           </a:solidFill>
           <a:ln>
             <a:noFill/>
           </a:ln>
         </p:spPr>
         <p:style>
-          <a:lnRef idx="0"/>
-          <a:fillRef idx="0"/>
-          <a:effectRef idx="0"/>
+          <a:lnRef idx="0">
+            <a:scrgbClr r="0" g="0" b="0"/>
+          </a:lnRef>
+          <a:fillRef idx="0">
+            <a:scrgbClr r="0" g="0" b="0"/>
+          </a:fillRef>
+          <a:effectRef idx="0">
+            <a:scrgbClr r="0" g="0" b="0"/>
+          </a:effectRef>
           <a:fontRef idx="minor"/>
         </p:style>
       </p:sp>
       <p:pic>
         <p:nvPicPr>
-          <p:cNvPr id="99" name="Google Shape;89;p13" descr=""/>
+          <p:cNvPr id="99" name="Google Shape;89;p13"/>
           <p:cNvPicPr/>
           <p:nvPr/>
         </p:nvPicPr>
         <p:blipFill>
-          <a:blip r:embed="rId1"/>
+          <a:blip r:embed="rId2"/>
           <a:stretch/>
         </p:blipFill>
         <p:spPr>
@@ -4683,13 +5332,20 @@
           </a:ln>
         </p:spPr>
         <p:style>
-          <a:lnRef idx="0"/>
-          <a:fillRef idx="0"/>
-          <a:effectRef idx="0"/>
+          <a:lnRef idx="0">
+            <a:scrgbClr r="0" g="0" b="0"/>
+          </a:lnRef>
+          <a:fillRef idx="0">
+            <a:scrgbClr r="0" g="0" b="0"/>
+          </a:fillRef>
+          <a:effectRef idx="0">
+            <a:scrgbClr r="0" g="0" b="0"/>
+          </a:effectRef>
           <a:fontRef idx="minor"/>
         </p:style>
         <p:txBody>
-          <a:bodyPr lIns="90000" rIns="90000" tIns="45000" bIns="45000"/>
+          <a:bodyPr lIns="90000" tIns="45000" rIns="90000" bIns="45000"/>
+          <a:lstStyle/>
           <a:p>
             <a:pPr algn="ctr">
               <a:lnSpc>
@@ -4698,16 +5354,16 @@
             </a:pPr>
             <a:br/>
             <a:r>
-              <a:rPr b="1" lang="pt-BR" sz="3200" spc="-1" strike="noStrike">
+              <a:rPr lang="pt-BR" sz="3200" b="1" strike="noStrike" spc="-1">
                 <a:solidFill>
-                  <a:srgbClr val="8dc641"/>
+                  <a:srgbClr val="8DC641"/>
                 </a:solidFill>
                 <a:latin typeface="Arial"/>
                 <a:ea typeface="Arial"/>
               </a:rPr>
               <a:t>Prática  de análise de sistemas</a:t>
             </a:r>
-            <a:endParaRPr b="0" lang="pt-BR" sz="3200" spc="-1" strike="noStrike">
+            <a:endParaRPr lang="pt-BR" sz="3200" b="0" strike="noStrike" spc="-1">
               <a:latin typeface="Arial"/>
             </a:endParaRPr>
           </a:p>
@@ -4717,7 +5373,7 @@
                 <a:spcPct val="100000"/>
               </a:lnSpc>
             </a:pPr>
-            <a:endParaRPr b="0" lang="pt-BR" sz="3200" spc="-1" strike="noStrike">
+            <a:endParaRPr lang="pt-BR" sz="3200" b="0" strike="noStrike" spc="-1">
               <a:latin typeface="Arial"/>
             </a:endParaRPr>
           </a:p>
@@ -4727,7 +5383,7 @@
                 <a:spcPct val="100000"/>
               </a:lnSpc>
             </a:pPr>
-            <a:endParaRPr b="0" lang="pt-BR" sz="3200" spc="-1" strike="noStrike">
+            <a:endParaRPr lang="pt-BR" sz="3200" b="0" strike="noStrike" spc="-1">
               <a:latin typeface="Arial"/>
             </a:endParaRPr>
           </a:p>
@@ -4753,13 +5409,20 @@
           </a:ln>
         </p:spPr>
         <p:style>
-          <a:lnRef idx="0"/>
-          <a:fillRef idx="0"/>
-          <a:effectRef idx="0"/>
+          <a:lnRef idx="0">
+            <a:scrgbClr r="0" g="0" b="0"/>
+          </a:lnRef>
+          <a:fillRef idx="0">
+            <a:scrgbClr r="0" g="0" b="0"/>
+          </a:fillRef>
+          <a:effectRef idx="0">
+            <a:scrgbClr r="0" g="0" b="0"/>
+          </a:effectRef>
           <a:fontRef idx="minor"/>
         </p:style>
         <p:txBody>
-          <a:bodyPr lIns="90000" rIns="90000" tIns="45000" bIns="45000"/>
+          <a:bodyPr lIns="90000" tIns="45000" rIns="90000" bIns="45000"/>
+          <a:lstStyle/>
           <a:p>
             <a:pPr algn="ctr">
               <a:lnSpc>
@@ -4767,26 +5430,16 @@
               </a:lnSpc>
             </a:pPr>
             <a:r>
-              <a:rPr b="1" lang="pt-BR" sz="1500" spc="-1" strike="noStrike">
+              <a:rPr lang="pt-BR" sz="1500" b="1" strike="noStrike" spc="-1">
                 <a:solidFill>
-                  <a:srgbClr val="8dc641"/>
+                  <a:srgbClr val="8DC641"/>
                 </a:solidFill>
                 <a:latin typeface="Arial"/>
                 <a:ea typeface="Arial"/>
               </a:rPr>
-              <a:t> </a:t>
+              <a:t> Fabio Vasques, Gieder Loreto</a:t>
             </a:r>
-            <a:r>
-              <a:rPr b="1" lang="pt-BR" sz="1500" spc="-1" strike="noStrike">
-                <a:solidFill>
-                  <a:srgbClr val="8dc641"/>
-                </a:solidFill>
-                <a:latin typeface="Arial"/>
-                <a:ea typeface="Arial"/>
-              </a:rPr>
-              <a:t>Fabio Vasques, Gieder Loreto</a:t>
-            </a:r>
-            <a:endParaRPr b="0" lang="pt-BR" sz="1500" spc="-1" strike="noStrike">
+            <a:endParaRPr lang="pt-BR" sz="1500" b="0" strike="noStrike" spc="-1">
               <a:latin typeface="Arial"/>
             </a:endParaRPr>
           </a:p>
@@ -4812,13 +5465,20 @@
           </a:ln>
         </p:spPr>
         <p:style>
-          <a:lnRef idx="0"/>
-          <a:fillRef idx="0"/>
-          <a:effectRef idx="0"/>
+          <a:lnRef idx="0">
+            <a:scrgbClr r="0" g="0" b="0"/>
+          </a:lnRef>
+          <a:fillRef idx="0">
+            <a:scrgbClr r="0" g="0" b="0"/>
+          </a:fillRef>
+          <a:effectRef idx="0">
+            <a:scrgbClr r="0" g="0" b="0"/>
+          </a:effectRef>
           <a:fontRef idx="minor"/>
         </p:style>
         <p:txBody>
-          <a:bodyPr lIns="0" rIns="0" tIns="0" bIns="0"/>
+          <a:bodyPr lIns="0" tIns="0" rIns="0" bIns="0"/>
+          <a:lstStyle/>
           <a:p>
             <a:pPr>
               <a:lnSpc>
@@ -4826,16 +5486,16 @@
               </a:lnSpc>
             </a:pPr>
             <a:r>
-              <a:rPr b="1" lang="pt-BR" sz="1800" spc="-1" strike="noStrike">
+              <a:rPr lang="pt-BR" sz="1800" b="1" strike="noStrike" spc="-1">
                 <a:solidFill>
-                  <a:srgbClr val="8dc641"/>
+                  <a:srgbClr val="8DC641"/>
                 </a:solidFill>
                 <a:latin typeface="Arial"/>
                 <a:ea typeface="DejaVu Sans"/>
               </a:rPr>
               <a:t>Será usado técnicas de normalização de dados para evitarmos redundância dos dados no banco.</a:t>
             </a:r>
-            <a:endParaRPr b="0" lang="pt-BR" sz="1800" spc="-1" strike="noStrike">
+            <a:endParaRPr lang="pt-BR" sz="1800" b="0" strike="noStrike" spc="-1">
               <a:latin typeface="Arial"/>
             </a:endParaRPr>
           </a:p>
@@ -4845,7 +5505,7 @@
                 <a:spcPct val="100000"/>
               </a:lnSpc>
             </a:pPr>
-            <a:endParaRPr b="0" lang="pt-BR" sz="1800" spc="-1" strike="noStrike">
+            <a:endParaRPr lang="pt-BR" sz="1800" b="0" strike="noStrike" spc="-1">
               <a:latin typeface="Arial"/>
             </a:endParaRPr>
           </a:p>
@@ -4855,7 +5515,7 @@
                 <a:spcPct val="100000"/>
               </a:lnSpc>
             </a:pPr>
-            <a:endParaRPr b="0" lang="pt-BR" sz="1800" spc="-1" strike="noStrike">
+            <a:endParaRPr lang="pt-BR" sz="1800" b="0" strike="noStrike" spc="-1">
               <a:latin typeface="Arial"/>
             </a:endParaRPr>
           </a:p>
@@ -4881,13 +5541,20 @@
           </a:ln>
         </p:spPr>
         <p:style>
-          <a:lnRef idx="0"/>
-          <a:fillRef idx="0"/>
-          <a:effectRef idx="0"/>
+          <a:lnRef idx="0">
+            <a:scrgbClr r="0" g="0" b="0"/>
+          </a:lnRef>
+          <a:fillRef idx="0">
+            <a:scrgbClr r="0" g="0" b="0"/>
+          </a:fillRef>
+          <a:effectRef idx="0">
+            <a:scrgbClr r="0" g="0" b="0"/>
+          </a:effectRef>
           <a:fontRef idx="minor"/>
         </p:style>
         <p:txBody>
-          <a:bodyPr lIns="90000" rIns="90000" tIns="45000" bIns="45000"/>
+          <a:bodyPr lIns="90000" tIns="45000" rIns="90000" bIns="45000"/>
+          <a:lstStyle/>
           <a:p>
             <a:pPr>
               <a:lnSpc>
@@ -4895,26 +5562,16 @@
               </a:lnSpc>
             </a:pPr>
             <a:r>
-              <a:rPr b="1" lang="pt-BR" sz="2600" spc="-1" strike="noStrike">
+              <a:rPr lang="pt-BR" sz="2600" b="1" strike="noStrike" spc="-1">
                 <a:solidFill>
-                  <a:srgbClr val="8dc641"/>
+                  <a:srgbClr val="8DC641"/>
                 </a:solidFill>
                 <a:latin typeface="Arial"/>
                 <a:ea typeface="Arial"/>
               </a:rPr>
-              <a:t> </a:t>
+              <a:t> Tecnologias envolvidas nas etapas</a:t>
             </a:r>
-            <a:r>
-              <a:rPr b="1" lang="pt-BR" sz="2600" spc="-1" strike="noStrike">
-                <a:solidFill>
-                  <a:srgbClr val="8dc641"/>
-                </a:solidFill>
-                <a:latin typeface="Arial"/>
-                <a:ea typeface="Arial"/>
-              </a:rPr>
-              <a:t>Tecnologias envolvidas nas etapas</a:t>
-            </a:r>
-            <a:endParaRPr b="0" lang="pt-BR" sz="2600" spc="-1" strike="noStrike">
+            <a:endParaRPr lang="pt-BR" sz="2600" b="0" strike="noStrike" spc="-1">
               <a:latin typeface="Arial"/>
             </a:endParaRPr>
           </a:p>
@@ -4922,12 +5579,12 @@
       </p:sp>
       <p:pic>
         <p:nvPicPr>
-          <p:cNvPr id="104" name="Google Shape;166;p39" descr=""/>
+          <p:cNvPr id="104" name="Google Shape;166;p39"/>
           <p:cNvPicPr/>
           <p:nvPr/>
         </p:nvPicPr>
         <p:blipFill>
-          <a:blip r:embed="rId2"/>
+          <a:blip r:embed="rId3"/>
           <a:stretch/>
         </p:blipFill>
         <p:spPr>
@@ -4945,22 +5602,25 @@
       </p:pic>
     </p:spTree>
   </p:cSld>
+  <p:clrMapOvr>
+    <a:masterClrMapping/>
+  </p:clrMapOvr>
   <p:timing>
     <p:tnLst>
       <p:par>
-        <p:cTn id="9" dur="indefinite" restart="never" nodeType="tmRoot">
+        <p:cTn id="1" dur="indefinite" restart="never" nodeType="tmRoot">
           <p:childTnLst>
             <p:seq>
-              <p:cTn id="10" dur="indefinite" nodeType="mainSeq"/>
+              <p:cTn id="2" dur="indefinite" nodeType="mainSeq"/>
               <p:prevCondLst>
-                <p:cond delay="0" evt="onPrev">
+                <p:cond evt="onPrev" delay="0">
                   <p:tgtEl>
                     <p:sldTgt/>
                   </p:tgtEl>
                 </p:cond>
               </p:prevCondLst>
               <p:nextCondLst>
-                <p:cond delay="0" evt="onNext">
+                <p:cond evt="onNext" delay="0">
                   <p:tgtEl>
                     <p:sldTgt/>
                   </p:tgtEl>
@@ -4976,13 +5636,14 @@
 </file>
 
 <file path=ppt/slides/slide6.xml><?xml version="1.0" encoding="utf-8"?>
-<p:sld xmlns:a="http://schemas.openxmlformats.org/drawingml/2006/main" xmlns:p="http://schemas.openxmlformats.org/presentationml/2006/main" xmlns:r="http://schemas.openxmlformats.org/officeDocument/2006/relationships" xmlns:p14="http://schemas.microsoft.com/office/powerpoint/2010/main" xmlns:p15="http://schemas.microsoft.com/office/powerpoint/2012/main" xmlns:mc="http://schemas.openxmlformats.org/markup-compatibility/2006">
+<p:sld xmlns:a="http://schemas.openxmlformats.org/drawingml/2006/main" xmlns:r="http://schemas.openxmlformats.org/officeDocument/2006/relationships" xmlns:p="http://schemas.openxmlformats.org/presentationml/2006/main">
   <p:cSld>
     <p:bg>
       <p:bgPr>
         <a:solidFill>
-          <a:srgbClr val="ffffff"/>
+          <a:srgbClr val="FFFFFF"/>
         </a:solidFill>
+        <a:effectLst/>
       </p:bgPr>
     </p:bg>
     <p:spTree>
@@ -5014,27 +5675,33 @@
             <a:avLst/>
           </a:prstGeom>
           <a:solidFill>
-            <a:srgbClr val="347c36"/>
+            <a:srgbClr val="347C36"/>
           </a:solidFill>
           <a:ln>
             <a:noFill/>
           </a:ln>
         </p:spPr>
         <p:style>
-          <a:lnRef idx="0"/>
-          <a:fillRef idx="0"/>
-          <a:effectRef idx="0"/>
+          <a:lnRef idx="0">
+            <a:scrgbClr r="0" g="0" b="0"/>
+          </a:lnRef>
+          <a:fillRef idx="0">
+            <a:scrgbClr r="0" g="0" b="0"/>
+          </a:fillRef>
+          <a:effectRef idx="0">
+            <a:scrgbClr r="0" g="0" b="0"/>
+          </a:effectRef>
           <a:fontRef idx="minor"/>
         </p:style>
       </p:sp>
       <p:pic>
         <p:nvPicPr>
-          <p:cNvPr id="106" name="Google Shape;89;p13" descr=""/>
+          <p:cNvPr id="106" name="Google Shape;89;p13"/>
           <p:cNvPicPr/>
           <p:nvPr/>
         </p:nvPicPr>
         <p:blipFill>
-          <a:blip r:embed="rId1"/>
+          <a:blip r:embed="rId2"/>
           <a:stretch/>
         </p:blipFill>
         <p:spPr>
@@ -5070,13 +5737,20 @@
           </a:ln>
         </p:spPr>
         <p:style>
-          <a:lnRef idx="0"/>
-          <a:fillRef idx="0"/>
-          <a:effectRef idx="0"/>
+          <a:lnRef idx="0">
+            <a:scrgbClr r="0" g="0" b="0"/>
+          </a:lnRef>
+          <a:fillRef idx="0">
+            <a:scrgbClr r="0" g="0" b="0"/>
+          </a:fillRef>
+          <a:effectRef idx="0">
+            <a:scrgbClr r="0" g="0" b="0"/>
+          </a:effectRef>
           <a:fontRef idx="minor"/>
         </p:style>
         <p:txBody>
-          <a:bodyPr lIns="90000" rIns="90000" tIns="45000" bIns="45000"/>
+          <a:bodyPr lIns="90000" tIns="45000" rIns="90000" bIns="45000"/>
+          <a:lstStyle/>
           <a:p>
             <a:pPr algn="ctr">
               <a:lnSpc>
@@ -5085,16 +5759,16 @@
             </a:pPr>
             <a:br/>
             <a:r>
-              <a:rPr b="1" lang="pt-BR" sz="3200" spc="-1" strike="noStrike">
+              <a:rPr lang="pt-BR" sz="3200" b="1" strike="noStrike" spc="-1">
                 <a:solidFill>
-                  <a:srgbClr val="8dc641"/>
+                  <a:srgbClr val="8DC641"/>
                 </a:solidFill>
                 <a:latin typeface="Arial"/>
                 <a:ea typeface="Arial"/>
               </a:rPr>
               <a:t>Prática  de análise de sistemas</a:t>
             </a:r>
-            <a:endParaRPr b="0" lang="pt-BR" sz="3200" spc="-1" strike="noStrike">
+            <a:endParaRPr lang="pt-BR" sz="3200" b="0" strike="noStrike" spc="-1">
               <a:latin typeface="Arial"/>
             </a:endParaRPr>
           </a:p>
@@ -5104,7 +5778,7 @@
                 <a:spcPct val="100000"/>
               </a:lnSpc>
             </a:pPr>
-            <a:endParaRPr b="0" lang="pt-BR" sz="3200" spc="-1" strike="noStrike">
+            <a:endParaRPr lang="pt-BR" sz="3200" b="0" strike="noStrike" spc="-1">
               <a:latin typeface="Arial"/>
             </a:endParaRPr>
           </a:p>
@@ -5130,13 +5804,20 @@
           </a:ln>
         </p:spPr>
         <p:style>
-          <a:lnRef idx="0"/>
-          <a:fillRef idx="0"/>
-          <a:effectRef idx="0"/>
+          <a:lnRef idx="0">
+            <a:scrgbClr r="0" g="0" b="0"/>
+          </a:lnRef>
+          <a:fillRef idx="0">
+            <a:scrgbClr r="0" g="0" b="0"/>
+          </a:fillRef>
+          <a:effectRef idx="0">
+            <a:scrgbClr r="0" g="0" b="0"/>
+          </a:effectRef>
           <a:fontRef idx="minor"/>
         </p:style>
         <p:txBody>
-          <a:bodyPr lIns="90000" rIns="90000" tIns="45000" bIns="45000"/>
+          <a:bodyPr lIns="90000" tIns="45000" rIns="90000" bIns="45000"/>
+          <a:lstStyle/>
           <a:p>
             <a:pPr algn="ctr">
               <a:lnSpc>
@@ -5144,26 +5825,16 @@
               </a:lnSpc>
             </a:pPr>
             <a:r>
-              <a:rPr b="1" lang="pt-BR" sz="1500" spc="-1" strike="noStrike">
+              <a:rPr lang="pt-BR" sz="1500" b="1" strike="noStrike" spc="-1">
                 <a:solidFill>
-                  <a:srgbClr val="8dc641"/>
+                  <a:srgbClr val="8DC641"/>
                 </a:solidFill>
                 <a:latin typeface="Arial"/>
                 <a:ea typeface="Arial"/>
               </a:rPr>
-              <a:t> </a:t>
+              <a:t> Fabio Vasques, Gieder Loreto</a:t>
             </a:r>
-            <a:r>
-              <a:rPr b="1" lang="pt-BR" sz="1500" spc="-1" strike="noStrike">
-                <a:solidFill>
-                  <a:srgbClr val="8dc641"/>
-                </a:solidFill>
-                <a:latin typeface="Arial"/>
-                <a:ea typeface="Arial"/>
-              </a:rPr>
-              <a:t>Fabio Vasques, Gieder Loreto</a:t>
-            </a:r>
-            <a:endParaRPr b="0" lang="pt-BR" sz="1500" spc="-1" strike="noStrike">
+            <a:endParaRPr lang="pt-BR" sz="1500" b="0" strike="noStrike" spc="-1">
               <a:latin typeface="Arial"/>
             </a:endParaRPr>
           </a:p>
@@ -5189,13 +5860,20 @@
           </a:ln>
         </p:spPr>
         <p:style>
-          <a:lnRef idx="0"/>
-          <a:fillRef idx="0"/>
-          <a:effectRef idx="0"/>
+          <a:lnRef idx="0">
+            <a:scrgbClr r="0" g="0" b="0"/>
+          </a:lnRef>
+          <a:fillRef idx="0">
+            <a:scrgbClr r="0" g="0" b="0"/>
+          </a:fillRef>
+          <a:effectRef idx="0">
+            <a:scrgbClr r="0" g="0" b="0"/>
+          </a:effectRef>
           <a:fontRef idx="minor"/>
         </p:style>
         <p:txBody>
-          <a:bodyPr lIns="90000" rIns="90000" tIns="45000" bIns="45000"/>
+          <a:bodyPr lIns="90000" tIns="45000" rIns="90000" bIns="45000"/>
+          <a:lstStyle/>
           <a:p>
             <a:pPr>
               <a:lnSpc>
@@ -5203,16 +5881,16 @@
               </a:lnSpc>
             </a:pPr>
             <a:r>
-              <a:rPr b="1" lang="pt-BR" sz="2600" spc="-1" strike="noStrike">
+              <a:rPr lang="pt-BR" sz="2600" b="1" strike="noStrike" spc="-1">
                 <a:solidFill>
-                  <a:srgbClr val="8dc641"/>
+                  <a:srgbClr val="8DC641"/>
                 </a:solidFill>
                 <a:latin typeface="Arial"/>
                 <a:ea typeface="Arial"/>
               </a:rPr>
               <a:t>Aplicações das tecnologias (onde serão aplicadas)</a:t>
             </a:r>
-            <a:endParaRPr b="0" lang="pt-BR" sz="2600" spc="-1" strike="noStrike">
+            <a:endParaRPr lang="pt-BR" sz="2600" b="0" strike="noStrike" spc="-1">
               <a:latin typeface="Arial"/>
             </a:endParaRPr>
           </a:p>
@@ -5238,13 +5916,20 @@
           </a:ln>
         </p:spPr>
         <p:style>
-          <a:lnRef idx="0"/>
-          <a:fillRef idx="0"/>
-          <a:effectRef idx="0"/>
+          <a:lnRef idx="0">
+            <a:scrgbClr r="0" g="0" b="0"/>
+          </a:lnRef>
+          <a:fillRef idx="0">
+            <a:scrgbClr r="0" g="0" b="0"/>
+          </a:fillRef>
+          <a:effectRef idx="0">
+            <a:scrgbClr r="0" g="0" b="0"/>
+          </a:effectRef>
           <a:fontRef idx="minor"/>
         </p:style>
         <p:txBody>
-          <a:bodyPr lIns="90000" rIns="90000" tIns="45000" bIns="45000"/>
+          <a:bodyPr lIns="90000" tIns="45000" rIns="90000" bIns="45000"/>
+          <a:lstStyle/>
           <a:p>
             <a:pPr algn="just">
               <a:lnSpc>
@@ -5252,16 +5937,16 @@
               </a:lnSpc>
             </a:pPr>
             <a:r>
-              <a:rPr b="1" lang="pt-BR" sz="1800" spc="-1" strike="noStrike">
+              <a:rPr lang="pt-BR" sz="1800" b="1" strike="noStrike" spc="-1">
                 <a:solidFill>
-                  <a:srgbClr val="8dc641"/>
+                  <a:srgbClr val="8DC641"/>
                 </a:solidFill>
                 <a:latin typeface="Arial"/>
                 <a:ea typeface="Arial"/>
               </a:rPr>
               <a:t>Para realizar a modelagem do sistema, será utilizado a ferramenta lucidchart</a:t>
             </a:r>
-            <a:endParaRPr b="0" lang="pt-BR" sz="1800" spc="-1" strike="noStrike">
+            <a:endParaRPr lang="pt-BR" sz="1800" b="0" strike="noStrike" spc="-1">
               <a:latin typeface="Arial"/>
             </a:endParaRPr>
           </a:p>
@@ -5272,16 +5957,16 @@
               </a:lnSpc>
             </a:pPr>
             <a:r>
-              <a:rPr b="1" lang="pt-BR" sz="1800" spc="-1" strike="noStrike">
+              <a:rPr lang="pt-BR" sz="1800" b="1" strike="noStrike" spc="-1">
                 <a:solidFill>
-                  <a:srgbClr val="8dc641"/>
+                  <a:srgbClr val="8DC641"/>
                 </a:solidFill>
                 <a:latin typeface="Arial"/>
                 <a:ea typeface="Arial"/>
               </a:rPr>
               <a:t>para fazermos os diagramas de classe e casos de uso do sistema.</a:t>
             </a:r>
-            <a:endParaRPr b="0" lang="pt-BR" sz="1800" spc="-1" strike="noStrike">
+            <a:endParaRPr lang="pt-BR" sz="1800" b="0" strike="noStrike" spc="-1">
               <a:latin typeface="Arial"/>
             </a:endParaRPr>
           </a:p>
@@ -5291,7 +5976,7 @@
                 <a:spcPct val="100000"/>
               </a:lnSpc>
             </a:pPr>
-            <a:endParaRPr b="0" lang="pt-BR" sz="1800" spc="-1" strike="noStrike">
+            <a:endParaRPr lang="pt-BR" sz="1800" b="0" strike="noStrike" spc="-1">
               <a:latin typeface="Arial"/>
             </a:endParaRPr>
           </a:p>
@@ -5302,16 +5987,16 @@
               </a:lnSpc>
             </a:pPr>
             <a:r>
-              <a:rPr b="1" lang="pt-BR" sz="1800" spc="-1" strike="noStrike">
+              <a:rPr lang="pt-BR" sz="1800" b="1" strike="noStrike" spc="-1">
                 <a:solidFill>
-                  <a:srgbClr val="8dc641"/>
+                  <a:srgbClr val="8DC641"/>
                 </a:solidFill>
                 <a:latin typeface="Arial"/>
                 <a:ea typeface="Arial"/>
               </a:rPr>
               <a:t>Para fazermos a modelagem do banco de dados, será usado o próprio mysql workbench</a:t>
             </a:r>
-            <a:endParaRPr b="0" lang="pt-BR" sz="1800" spc="-1" strike="noStrike">
+            <a:endParaRPr lang="pt-BR" sz="1800" b="0" strike="noStrike" spc="-1">
               <a:latin typeface="Arial"/>
             </a:endParaRPr>
           </a:p>
@@ -5322,16 +6007,16 @@
               </a:lnSpc>
             </a:pPr>
             <a:r>
-              <a:rPr b="1" lang="pt-BR" sz="1800" spc="-1" strike="noStrike">
+              <a:rPr lang="pt-BR" sz="1800" b="1" strike="noStrike" spc="-1">
                 <a:solidFill>
-                  <a:srgbClr val="8dc641"/>
+                  <a:srgbClr val="8DC641"/>
                 </a:solidFill>
                 <a:latin typeface="Arial"/>
                 <a:ea typeface="Arial"/>
               </a:rPr>
               <a:t>Pois quando fizermos o modelo lógico já poderemos convertê-lo  para o modelo físico</a:t>
             </a:r>
-            <a:endParaRPr b="0" lang="pt-BR" sz="1800" spc="-1" strike="noStrike">
+            <a:endParaRPr lang="pt-BR" sz="1800" b="0" strike="noStrike" spc="-1">
               <a:latin typeface="Arial"/>
             </a:endParaRPr>
           </a:p>
@@ -5341,7 +6026,7 @@
                 <a:spcPct val="100000"/>
               </a:lnSpc>
             </a:pPr>
-            <a:endParaRPr b="0" lang="pt-BR" sz="1800" spc="-1" strike="noStrike">
+            <a:endParaRPr lang="pt-BR" sz="1800" b="0" strike="noStrike" spc="-1">
               <a:latin typeface="Arial"/>
             </a:endParaRPr>
           </a:p>
@@ -5349,12 +6034,12 @@
       </p:sp>
       <p:pic>
         <p:nvPicPr>
-          <p:cNvPr id="111" name="Google Shape;166;p39" descr=""/>
+          <p:cNvPr id="111" name="Google Shape;166;p39"/>
           <p:cNvPicPr/>
           <p:nvPr/>
         </p:nvPicPr>
         <p:blipFill>
-          <a:blip r:embed="rId2"/>
+          <a:blip r:embed="rId3"/>
           <a:stretch/>
         </p:blipFill>
         <p:spPr>
@@ -5372,22 +6057,25 @@
       </p:pic>
     </p:spTree>
   </p:cSld>
+  <p:clrMapOvr>
+    <a:masterClrMapping/>
+  </p:clrMapOvr>
   <p:timing>
     <p:tnLst>
       <p:par>
-        <p:cTn id="11" dur="indefinite" restart="never" nodeType="tmRoot">
+        <p:cTn id="1" dur="indefinite" restart="never" nodeType="tmRoot">
           <p:childTnLst>
             <p:seq>
-              <p:cTn id="12" dur="indefinite" nodeType="mainSeq"/>
+              <p:cTn id="2" dur="indefinite" nodeType="mainSeq"/>
               <p:prevCondLst>
-                <p:cond delay="0" evt="onPrev">
+                <p:cond evt="onPrev" delay="0">
                   <p:tgtEl>
                     <p:sldTgt/>
                   </p:tgtEl>
                 </p:cond>
               </p:prevCondLst>
               <p:nextCondLst>
-                <p:cond delay="0" evt="onNext">
+                <p:cond evt="onNext" delay="0">
                   <p:tgtEl>
                     <p:sldTgt/>
                   </p:tgtEl>
@@ -5403,13 +6091,14 @@
 </file>
 
 <file path=ppt/slides/slide7.xml><?xml version="1.0" encoding="utf-8"?>
-<p:sld xmlns:a="http://schemas.openxmlformats.org/drawingml/2006/main" xmlns:p="http://schemas.openxmlformats.org/presentationml/2006/main" xmlns:r="http://schemas.openxmlformats.org/officeDocument/2006/relationships" xmlns:p14="http://schemas.microsoft.com/office/powerpoint/2010/main" xmlns:p15="http://schemas.microsoft.com/office/powerpoint/2012/main" xmlns:mc="http://schemas.openxmlformats.org/markup-compatibility/2006">
+<p:sld xmlns:a="http://schemas.openxmlformats.org/drawingml/2006/main" xmlns:r="http://schemas.openxmlformats.org/officeDocument/2006/relationships" xmlns:p="http://schemas.openxmlformats.org/presentationml/2006/main">
   <p:cSld>
     <p:bg>
       <p:bgPr>
         <a:solidFill>
-          <a:srgbClr val="ffffff"/>
+          <a:srgbClr val="FFFFFF"/>
         </a:solidFill>
+        <a:effectLst/>
       </p:bgPr>
     </p:bg>
     <p:spTree>
@@ -5441,27 +6130,33 @@
             <a:avLst/>
           </a:prstGeom>
           <a:solidFill>
-            <a:srgbClr val="347c36"/>
+            <a:srgbClr val="347C36"/>
           </a:solidFill>
           <a:ln>
             <a:noFill/>
           </a:ln>
         </p:spPr>
         <p:style>
-          <a:lnRef idx="0"/>
-          <a:fillRef idx="0"/>
-          <a:effectRef idx="0"/>
+          <a:lnRef idx="0">
+            <a:scrgbClr r="0" g="0" b="0"/>
+          </a:lnRef>
+          <a:fillRef idx="0">
+            <a:scrgbClr r="0" g="0" b="0"/>
+          </a:fillRef>
+          <a:effectRef idx="0">
+            <a:scrgbClr r="0" g="0" b="0"/>
+          </a:effectRef>
           <a:fontRef idx="minor"/>
         </p:style>
       </p:sp>
       <p:pic>
         <p:nvPicPr>
-          <p:cNvPr id="113" name="Google Shape;89;p13" descr=""/>
+          <p:cNvPr id="113" name="Google Shape;89;p13"/>
           <p:cNvPicPr/>
           <p:nvPr/>
         </p:nvPicPr>
         <p:blipFill>
-          <a:blip r:embed="rId1"/>
+          <a:blip r:embed="rId2"/>
           <a:stretch/>
         </p:blipFill>
         <p:spPr>
@@ -5497,13 +6192,20 @@
           </a:ln>
         </p:spPr>
         <p:style>
-          <a:lnRef idx="0"/>
-          <a:fillRef idx="0"/>
-          <a:effectRef idx="0"/>
+          <a:lnRef idx="0">
+            <a:scrgbClr r="0" g="0" b="0"/>
+          </a:lnRef>
+          <a:fillRef idx="0">
+            <a:scrgbClr r="0" g="0" b="0"/>
+          </a:fillRef>
+          <a:effectRef idx="0">
+            <a:scrgbClr r="0" g="0" b="0"/>
+          </a:effectRef>
           <a:fontRef idx="minor"/>
         </p:style>
         <p:txBody>
-          <a:bodyPr lIns="90000" rIns="90000" tIns="45000" bIns="45000"/>
+          <a:bodyPr lIns="90000" tIns="45000" rIns="90000" bIns="45000"/>
+          <a:lstStyle/>
           <a:p>
             <a:pPr algn="ctr">
               <a:lnSpc>
@@ -5512,16 +6214,16 @@
             </a:pPr>
             <a:br/>
             <a:r>
-              <a:rPr b="1" lang="pt-BR" sz="3200" spc="-1" strike="noStrike">
+              <a:rPr lang="pt-BR" sz="3200" b="1" strike="noStrike" spc="-1">
                 <a:solidFill>
-                  <a:srgbClr val="8dc641"/>
+                  <a:srgbClr val="8DC641"/>
                 </a:solidFill>
                 <a:latin typeface="Arial"/>
                 <a:ea typeface="Arial"/>
               </a:rPr>
               <a:t>Prática  de análise de sistemas</a:t>
             </a:r>
-            <a:endParaRPr b="0" lang="pt-BR" sz="3200" spc="-1" strike="noStrike">
+            <a:endParaRPr lang="pt-BR" sz="3200" b="0" strike="noStrike" spc="-1">
               <a:latin typeface="Arial"/>
             </a:endParaRPr>
           </a:p>
@@ -5531,7 +6233,7 @@
                 <a:spcPct val="100000"/>
               </a:lnSpc>
             </a:pPr>
-            <a:endParaRPr b="0" lang="pt-BR" sz="3200" spc="-1" strike="noStrike">
+            <a:endParaRPr lang="pt-BR" sz="3200" b="0" strike="noStrike" spc="-1">
               <a:latin typeface="Arial"/>
             </a:endParaRPr>
           </a:p>
@@ -5557,13 +6259,20 @@
           </a:ln>
         </p:spPr>
         <p:style>
-          <a:lnRef idx="0"/>
-          <a:fillRef idx="0"/>
-          <a:effectRef idx="0"/>
+          <a:lnRef idx="0">
+            <a:scrgbClr r="0" g="0" b="0"/>
+          </a:lnRef>
+          <a:fillRef idx="0">
+            <a:scrgbClr r="0" g="0" b="0"/>
+          </a:fillRef>
+          <a:effectRef idx="0">
+            <a:scrgbClr r="0" g="0" b="0"/>
+          </a:effectRef>
           <a:fontRef idx="minor"/>
         </p:style>
         <p:txBody>
-          <a:bodyPr lIns="90000" rIns="90000" tIns="45000" bIns="45000"/>
+          <a:bodyPr lIns="90000" tIns="45000" rIns="90000" bIns="45000"/>
+          <a:lstStyle/>
           <a:p>
             <a:pPr algn="ctr">
               <a:lnSpc>
@@ -5571,26 +6280,16 @@
               </a:lnSpc>
             </a:pPr>
             <a:r>
-              <a:rPr b="1" lang="pt-BR" sz="1500" spc="-1" strike="noStrike">
+              <a:rPr lang="pt-BR" sz="1500" b="1" strike="noStrike" spc="-1">
                 <a:solidFill>
-                  <a:srgbClr val="8dc641"/>
+                  <a:srgbClr val="8DC641"/>
                 </a:solidFill>
                 <a:latin typeface="Arial"/>
                 <a:ea typeface="Arial"/>
               </a:rPr>
-              <a:t> </a:t>
+              <a:t> Fabio Vasques, Gieder Loreto</a:t>
             </a:r>
-            <a:r>
-              <a:rPr b="1" lang="pt-BR" sz="1500" spc="-1" strike="noStrike">
-                <a:solidFill>
-                  <a:srgbClr val="8dc641"/>
-                </a:solidFill>
-                <a:latin typeface="Arial"/>
-                <a:ea typeface="Arial"/>
-              </a:rPr>
-              <a:t>Fabio Vasques, Gieder Loreto</a:t>
-            </a:r>
-            <a:endParaRPr b="0" lang="pt-BR" sz="1500" spc="-1" strike="noStrike">
+            <a:endParaRPr lang="pt-BR" sz="1500" b="0" strike="noStrike" spc="-1">
               <a:latin typeface="Arial"/>
             </a:endParaRPr>
           </a:p>
@@ -5616,20 +6315,27 @@
           </a:ln>
         </p:spPr>
         <p:style>
-          <a:lnRef idx="0"/>
-          <a:fillRef idx="0"/>
-          <a:effectRef idx="0"/>
+          <a:lnRef idx="0">
+            <a:scrgbClr r="0" g="0" b="0"/>
+          </a:lnRef>
+          <a:fillRef idx="0">
+            <a:scrgbClr r="0" g="0" b="0"/>
+          </a:fillRef>
+          <a:effectRef idx="0">
+            <a:scrgbClr r="0" g="0" b="0"/>
+          </a:effectRef>
           <a:fontRef idx="minor"/>
         </p:style>
         <p:txBody>
-          <a:bodyPr lIns="90000" rIns="90000" tIns="45000" bIns="45000"/>
+          <a:bodyPr lIns="90000" tIns="45000" rIns="90000" bIns="45000"/>
+          <a:lstStyle/>
           <a:p>
             <a:pPr algn="ctr">
               <a:lnSpc>
                 <a:spcPct val="100000"/>
               </a:lnSpc>
             </a:pPr>
-            <a:endParaRPr b="0" lang="pt-BR" sz="1800" spc="-1" strike="noStrike">
+            <a:endParaRPr lang="pt-BR" sz="1800" b="0" strike="noStrike" spc="-1">
               <a:latin typeface="Arial"/>
             </a:endParaRPr>
           </a:p>
@@ -5640,26 +6346,16 @@
               </a:lnSpc>
             </a:pPr>
             <a:r>
-              <a:rPr b="1" lang="pt-BR" sz="2600" spc="-1" strike="noStrike">
+              <a:rPr lang="pt-BR" sz="2600" b="1" strike="noStrike" spc="-1">
                 <a:solidFill>
-                  <a:srgbClr val="8dc641"/>
+                  <a:srgbClr val="8DC641"/>
                 </a:solidFill>
                 <a:latin typeface="Arial"/>
                 <a:ea typeface="Arial"/>
               </a:rPr>
-              <a:t> </a:t>
+              <a:t> Cronograma </a:t>
             </a:r>
-            <a:r>
-              <a:rPr b="1" lang="pt-BR" sz="2600" spc="-1" strike="noStrike">
-                <a:solidFill>
-                  <a:srgbClr val="8dc641"/>
-                </a:solidFill>
-                <a:latin typeface="Arial"/>
-                <a:ea typeface="Arial"/>
-              </a:rPr>
-              <a:t>Cronograma </a:t>
-            </a:r>
-            <a:endParaRPr b="0" lang="pt-BR" sz="2600" spc="-1" strike="noStrike">
+            <a:endParaRPr lang="pt-BR" sz="2600" b="0" strike="noStrike" spc="-1">
               <a:latin typeface="Arial"/>
             </a:endParaRPr>
           </a:p>
@@ -5685,13 +6381,20 @@
           </a:ln>
         </p:spPr>
         <p:style>
-          <a:lnRef idx="0"/>
-          <a:fillRef idx="0"/>
-          <a:effectRef idx="0"/>
+          <a:lnRef idx="0">
+            <a:scrgbClr r="0" g="0" b="0"/>
+          </a:lnRef>
+          <a:fillRef idx="0">
+            <a:scrgbClr r="0" g="0" b="0"/>
+          </a:fillRef>
+          <a:effectRef idx="0">
+            <a:scrgbClr r="0" g="0" b="0"/>
+          </a:effectRef>
           <a:fontRef idx="minor"/>
         </p:style>
         <p:txBody>
-          <a:bodyPr lIns="90000" rIns="90000" tIns="45000" bIns="45000"/>
+          <a:bodyPr lIns="90000" tIns="45000" rIns="90000" bIns="45000"/>
+          <a:lstStyle/>
           <a:p>
             <a:pPr>
               <a:lnSpc>
@@ -5699,16 +6402,16 @@
               </a:lnSpc>
             </a:pPr>
             <a:r>
-              <a:rPr b="1" lang="pt-BR" sz="2000" spc="-1" strike="noStrike">
+              <a:rPr lang="pt-BR" sz="2000" b="1" strike="noStrike" spc="-1">
                 <a:solidFill>
-                  <a:srgbClr val="8dc641"/>
+                  <a:srgbClr val="8DC641"/>
                 </a:solidFill>
                 <a:latin typeface="Arial"/>
                 <a:ea typeface="Arial"/>
               </a:rPr>
               <a:t>durante as fazes do projeto, será usado a ferramenta trello </a:t>
             </a:r>
-            <a:endParaRPr b="0" lang="pt-BR" sz="2000" spc="-1" strike="noStrike">
+            <a:endParaRPr lang="pt-BR" sz="2000" b="0" strike="noStrike" spc="-1">
               <a:latin typeface="Arial"/>
             </a:endParaRPr>
           </a:p>
@@ -5719,16 +6422,16 @@
               </a:lnSpc>
             </a:pPr>
             <a:r>
-              <a:rPr b="1" lang="pt-BR" sz="2000" spc="-1" strike="noStrike">
+              <a:rPr lang="pt-BR" sz="2000" b="1" strike="noStrike" spc="-1">
                 <a:solidFill>
-                  <a:srgbClr val="8dc641"/>
+                  <a:srgbClr val="8DC641"/>
                 </a:solidFill>
                 <a:latin typeface="Arial"/>
                 <a:ea typeface="Arial"/>
               </a:rPr>
               <a:t>para auxiliar no planejamento das tarefas.</a:t>
             </a:r>
-            <a:endParaRPr b="0" lang="pt-BR" sz="2000" spc="-1" strike="noStrike">
+            <a:endParaRPr lang="pt-BR" sz="2000" b="0" strike="noStrike" spc="-1">
               <a:latin typeface="Arial"/>
             </a:endParaRPr>
           </a:p>
@@ -5736,12 +6439,12 @@
       </p:sp>
       <p:pic>
         <p:nvPicPr>
-          <p:cNvPr id="118" name="Google Shape;166;p39" descr=""/>
+          <p:cNvPr id="118" name="Google Shape;166;p39"/>
           <p:cNvPicPr/>
           <p:nvPr/>
         </p:nvPicPr>
         <p:blipFill>
-          <a:blip r:embed="rId2"/>
+          <a:blip r:embed="rId3"/>
           <a:stretch/>
         </p:blipFill>
         <p:spPr>
@@ -5759,22 +6462,25 @@
       </p:pic>
     </p:spTree>
   </p:cSld>
+  <p:clrMapOvr>
+    <a:masterClrMapping/>
+  </p:clrMapOvr>
   <p:timing>
     <p:tnLst>
       <p:par>
-        <p:cTn id="13" dur="indefinite" restart="never" nodeType="tmRoot">
+        <p:cTn id="1" dur="indefinite" restart="never" nodeType="tmRoot">
           <p:childTnLst>
             <p:seq>
-              <p:cTn id="14" dur="indefinite" nodeType="mainSeq"/>
+              <p:cTn id="2" dur="indefinite" nodeType="mainSeq"/>
               <p:prevCondLst>
-                <p:cond delay="0" evt="onPrev">
+                <p:cond evt="onPrev" delay="0">
                   <p:tgtEl>
                     <p:sldTgt/>
                   </p:tgtEl>
                 </p:cond>
               </p:prevCondLst>
               <p:nextCondLst>
-                <p:cond delay="0" evt="onNext">
+                <p:cond evt="onNext" delay="0">
                   <p:tgtEl>
                     <p:sldTgt/>
                   </p:tgtEl>
@@ -5790,13 +6496,14 @@
 </file>
 
 <file path=ppt/slides/slide8.xml><?xml version="1.0" encoding="utf-8"?>
-<p:sld xmlns:a="http://schemas.openxmlformats.org/drawingml/2006/main" xmlns:p="http://schemas.openxmlformats.org/presentationml/2006/main" xmlns:r="http://schemas.openxmlformats.org/officeDocument/2006/relationships" xmlns:p14="http://schemas.microsoft.com/office/powerpoint/2010/main" xmlns:p15="http://schemas.microsoft.com/office/powerpoint/2012/main" xmlns:mc="http://schemas.openxmlformats.org/markup-compatibility/2006">
+<p:sld xmlns:a="http://schemas.openxmlformats.org/drawingml/2006/main" xmlns:r="http://schemas.openxmlformats.org/officeDocument/2006/relationships" xmlns:p="http://schemas.openxmlformats.org/presentationml/2006/main">
   <p:cSld>
     <p:bg>
       <p:bgPr>
         <a:solidFill>
-          <a:srgbClr val="ffffff"/>
+          <a:srgbClr val="FFFFFF"/>
         </a:solidFill>
+        <a:effectLst/>
       </p:bgPr>
     </p:bg>
     <p:spTree>
@@ -5828,27 +6535,33 @@
             <a:avLst/>
           </a:prstGeom>
           <a:solidFill>
-            <a:srgbClr val="347c36"/>
+            <a:srgbClr val="347C36"/>
           </a:solidFill>
           <a:ln>
             <a:noFill/>
           </a:ln>
         </p:spPr>
         <p:style>
-          <a:lnRef idx="0"/>
-          <a:fillRef idx="0"/>
-          <a:effectRef idx="0"/>
+          <a:lnRef idx="0">
+            <a:scrgbClr r="0" g="0" b="0"/>
+          </a:lnRef>
+          <a:fillRef idx="0">
+            <a:scrgbClr r="0" g="0" b="0"/>
+          </a:fillRef>
+          <a:effectRef idx="0">
+            <a:scrgbClr r="0" g="0" b="0"/>
+          </a:effectRef>
           <a:fontRef idx="minor"/>
         </p:style>
       </p:sp>
       <p:pic>
         <p:nvPicPr>
-          <p:cNvPr id="120" name="Google Shape;89;p13" descr=""/>
+          <p:cNvPr id="120" name="Google Shape;89;p13"/>
           <p:cNvPicPr/>
           <p:nvPr/>
         </p:nvPicPr>
         <p:blipFill>
-          <a:blip r:embed="rId1"/>
+          <a:blip r:embed="rId2"/>
           <a:stretch/>
         </p:blipFill>
         <p:spPr>
@@ -5884,13 +6597,20 @@
           </a:ln>
         </p:spPr>
         <p:style>
-          <a:lnRef idx="0"/>
-          <a:fillRef idx="0"/>
-          <a:effectRef idx="0"/>
+          <a:lnRef idx="0">
+            <a:scrgbClr r="0" g="0" b="0"/>
+          </a:lnRef>
+          <a:fillRef idx="0">
+            <a:scrgbClr r="0" g="0" b="0"/>
+          </a:fillRef>
+          <a:effectRef idx="0">
+            <a:scrgbClr r="0" g="0" b="0"/>
+          </a:effectRef>
           <a:fontRef idx="minor"/>
         </p:style>
         <p:txBody>
-          <a:bodyPr lIns="90000" rIns="90000" tIns="45000" bIns="45000"/>
+          <a:bodyPr lIns="90000" tIns="45000" rIns="90000" bIns="45000"/>
+          <a:lstStyle/>
           <a:p>
             <a:pPr algn="ctr">
               <a:lnSpc>
@@ -5898,95 +6618,387 @@
               </a:lnSpc>
             </a:pPr>
             <a:r>
-              <a:rPr b="1" lang="pt-BR" sz="1500" spc="-1" strike="noStrike">
+              <a:rPr lang="pt-BR" sz="1500" b="1" strike="noStrike" spc="-1">
                 <a:solidFill>
-                  <a:srgbClr val="8dc641"/>
+                  <a:srgbClr val="8DC641"/>
+                </a:solidFill>
+                <a:latin typeface="Arial"/>
+                <a:ea typeface="Arial"/>
+              </a:rPr>
+              <a:t> Fabio Vasques, Gieder Loreto</a:t>
+            </a:r>
+            <a:endParaRPr lang="pt-BR" sz="1500" b="0" strike="noStrike" spc="-1">
+              <a:latin typeface="Arial"/>
+            </a:endParaRPr>
+          </a:p>
+        </p:txBody>
+      </p:sp>
+      <p:sp>
+        <p:nvSpPr>
+          <p:cNvPr id="122" name="CustomShape 3"/>
+          <p:cNvSpPr/>
+          <p:nvPr/>
+        </p:nvSpPr>
+        <p:spPr>
+          <a:xfrm>
+            <a:off x="4320000" y="1316880"/>
+            <a:ext cx="2332080" cy="914760"/>
+          </a:xfrm>
+          <a:prstGeom prst="rect">
+            <a:avLst/>
+          </a:prstGeom>
+          <a:noFill/>
+          <a:ln>
+            <a:noFill/>
+          </a:ln>
+        </p:spPr>
+        <p:style>
+          <a:lnRef idx="0">
+            <a:scrgbClr r="0" g="0" b="0"/>
+          </a:lnRef>
+          <a:fillRef idx="0">
+            <a:scrgbClr r="0" g="0" b="0"/>
+          </a:fillRef>
+          <a:effectRef idx="0">
+            <a:scrgbClr r="0" g="0" b="0"/>
+          </a:effectRef>
+          <a:fontRef idx="minor"/>
+        </p:style>
+        <p:txBody>
+          <a:bodyPr lIns="90000" tIns="45000" rIns="90000" bIns="45000"/>
+          <a:lstStyle/>
+          <a:p>
+            <a:pPr algn="ctr">
+              <a:lnSpc>
+                <a:spcPct val="100000"/>
+              </a:lnSpc>
+            </a:pPr>
+            <a:endParaRPr lang="pt-BR" sz="1800" b="0" strike="noStrike" spc="-1">
+              <a:latin typeface="Arial"/>
+            </a:endParaRPr>
+          </a:p>
+          <a:p>
+            <a:pPr>
+              <a:lnSpc>
+                <a:spcPct val="100000"/>
+              </a:lnSpc>
+            </a:pPr>
+            <a:r>
+              <a:rPr lang="pt-BR" sz="2600" b="1" strike="noStrike" spc="-1">
+                <a:solidFill>
+                  <a:srgbClr val="8DC641"/>
+                </a:solidFill>
+                <a:latin typeface="Arial"/>
+                <a:ea typeface="Arial"/>
+              </a:rPr>
+              <a:t> Cronograma </a:t>
+            </a:r>
+            <a:endParaRPr lang="pt-BR" sz="2600" b="0" strike="noStrike" spc="-1">
+              <a:latin typeface="Arial"/>
+            </a:endParaRPr>
+          </a:p>
+        </p:txBody>
+      </p:sp>
+      <p:pic>
+        <p:nvPicPr>
+          <p:cNvPr id="123" name="Imagem 122"/>
+          <p:cNvPicPr/>
+          <p:nvPr/>
+        </p:nvPicPr>
+        <p:blipFill>
+          <a:blip r:embed="rId3"/>
+          <a:stretch/>
+        </p:blipFill>
+        <p:spPr>
+          <a:xfrm>
+            <a:off x="562320" y="2016000"/>
+            <a:ext cx="10417680" cy="4842000"/>
+          </a:xfrm>
+          <a:prstGeom prst="rect">
+            <a:avLst/>
+          </a:prstGeom>
+          <a:ln>
+            <a:noFill/>
+          </a:ln>
+        </p:spPr>
+      </p:pic>
+      <p:pic>
+        <p:nvPicPr>
+          <p:cNvPr id="124" name="Google Shape;166;p39"/>
+          <p:cNvPicPr/>
+          <p:nvPr/>
+        </p:nvPicPr>
+        <p:blipFill>
+          <a:blip r:embed="rId4"/>
+          <a:stretch/>
+        </p:blipFill>
+        <p:spPr>
+          <a:xfrm>
+            <a:off x="235080" y="283680"/>
+            <a:ext cx="4000680" cy="1019520"/>
+          </a:xfrm>
+          <a:prstGeom prst="rect">
+            <a:avLst/>
+          </a:prstGeom>
+          <a:ln>
+            <a:noFill/>
+          </a:ln>
+        </p:spPr>
+      </p:pic>
+    </p:spTree>
+  </p:cSld>
+  <p:clrMapOvr>
+    <a:masterClrMapping/>
+  </p:clrMapOvr>
+  <p:timing>
+    <p:tnLst>
+      <p:par>
+        <p:cTn id="1" dur="indefinite" restart="never" nodeType="tmRoot">
+          <p:childTnLst>
+            <p:seq>
+              <p:cTn id="2" dur="indefinite" nodeType="mainSeq"/>
+              <p:prevCondLst>
+                <p:cond evt="onPrev" delay="0">
+                  <p:tgtEl>
+                    <p:sldTgt/>
+                  </p:tgtEl>
+                </p:cond>
+              </p:prevCondLst>
+              <p:nextCondLst>
+                <p:cond evt="onNext" delay="0">
+                  <p:tgtEl>
+                    <p:sldTgt/>
+                  </p:tgtEl>
+                </p:cond>
+              </p:nextCondLst>
+            </p:seq>
+          </p:childTnLst>
+        </p:cTn>
+      </p:par>
+    </p:tnLst>
+  </p:timing>
+</p:sld>
+</file>
+
+<file path=ppt/slides/slide9.xml><?xml version="1.0" encoding="utf-8"?>
+<p:sld xmlns:a="http://schemas.openxmlformats.org/drawingml/2006/main" xmlns:r="http://schemas.openxmlformats.org/officeDocument/2006/relationships" xmlns:p="http://schemas.openxmlformats.org/presentationml/2006/main">
+  <p:cSld>
+    <p:bg>
+      <p:bgPr>
+        <a:solidFill>
+          <a:srgbClr val="FFFFFF"/>
+        </a:solidFill>
+        <a:effectLst/>
+      </p:bgPr>
+    </p:bg>
+    <p:spTree>
+      <p:nvGrpSpPr>
+        <p:cNvPr id="1" name=""/>
+        <p:cNvGrpSpPr/>
+        <p:nvPr/>
+      </p:nvGrpSpPr>
+      <p:grpSpPr>
+        <a:xfrm>
+          <a:off x="0" y="0"/>
+          <a:ext cx="0" cy="0"/>
+          <a:chOff x="0" y="0"/>
+          <a:chExt cx="0" cy="0"/>
+        </a:xfrm>
+      </p:grpSpPr>
+      <p:sp>
+        <p:nvSpPr>
+          <p:cNvPr id="119" name="CustomShape 1"/>
+          <p:cNvSpPr/>
+          <p:nvPr/>
+        </p:nvSpPr>
+        <p:spPr>
+          <a:xfrm>
+            <a:off x="0" y="0"/>
+            <a:ext cx="12192120" cy="1586520"/>
+          </a:xfrm>
+          <a:prstGeom prst="rect">
+            <a:avLst/>
+          </a:prstGeom>
+          <a:solidFill>
+            <a:srgbClr val="347C36"/>
+          </a:solidFill>
+          <a:ln>
+            <a:noFill/>
+          </a:ln>
+        </p:spPr>
+        <p:style>
+          <a:lnRef idx="0">
+            <a:scrgbClr r="0" g="0" b="0"/>
+          </a:lnRef>
+          <a:fillRef idx="0">
+            <a:scrgbClr r="0" g="0" b="0"/>
+          </a:fillRef>
+          <a:effectRef idx="0">
+            <a:scrgbClr r="0" g="0" b="0"/>
+          </a:effectRef>
+          <a:fontRef idx="minor"/>
+        </p:style>
+      </p:sp>
+      <p:pic>
+        <p:nvPicPr>
+          <p:cNvPr id="120" name="Google Shape;89;p13"/>
+          <p:cNvPicPr/>
+          <p:nvPr/>
+        </p:nvPicPr>
+        <p:blipFill>
+          <a:blip r:embed="rId2"/>
+          <a:stretch/>
+        </p:blipFill>
+        <p:spPr>
+          <a:xfrm>
+            <a:off x="10561680" y="0"/>
+            <a:ext cx="1083240" cy="1800000"/>
+          </a:xfrm>
+          <a:prstGeom prst="rect">
+            <a:avLst/>
+          </a:prstGeom>
+          <a:ln>
+            <a:noFill/>
+          </a:ln>
+        </p:spPr>
+      </p:pic>
+      <p:sp>
+        <p:nvSpPr>
+          <p:cNvPr id="121" name="CustomShape 2"/>
+          <p:cNvSpPr/>
+          <p:nvPr/>
+        </p:nvSpPr>
+        <p:spPr>
+          <a:xfrm>
+            <a:off x="461160" y="6479280"/>
+            <a:ext cx="11130120" cy="720000"/>
+          </a:xfrm>
+          <a:prstGeom prst="rect">
+            <a:avLst/>
+          </a:prstGeom>
+          <a:noFill/>
+          <a:ln>
+            <a:noFill/>
+          </a:ln>
+        </p:spPr>
+        <p:style>
+          <a:lnRef idx="0">
+            <a:scrgbClr r="0" g="0" b="0"/>
+          </a:lnRef>
+          <a:fillRef idx="0">
+            <a:scrgbClr r="0" g="0" b="0"/>
+          </a:fillRef>
+          <a:effectRef idx="0">
+            <a:scrgbClr r="0" g="0" b="0"/>
+          </a:effectRef>
+          <a:fontRef idx="minor"/>
+        </p:style>
+        <p:txBody>
+          <a:bodyPr lIns="90000" tIns="45000" rIns="90000" bIns="45000"/>
+          <a:lstStyle/>
+          <a:p>
+            <a:pPr algn="ctr">
+              <a:lnSpc>
+                <a:spcPct val="100000"/>
+              </a:lnSpc>
+            </a:pPr>
+            <a:r>
+              <a:rPr lang="pt-BR" sz="1500" b="1" strike="noStrike" spc="-1">
+                <a:solidFill>
+                  <a:srgbClr val="8DC641"/>
+                </a:solidFill>
+                <a:latin typeface="Arial"/>
+                <a:ea typeface="Arial"/>
+              </a:rPr>
+              <a:t> Fabio Vasques, Gieder Loreto</a:t>
+            </a:r>
+            <a:endParaRPr lang="pt-BR" sz="1500" b="0" strike="noStrike" spc="-1">
+              <a:latin typeface="Arial"/>
+            </a:endParaRPr>
+          </a:p>
+        </p:txBody>
+      </p:sp>
+      <p:sp>
+        <p:nvSpPr>
+          <p:cNvPr id="122" name="CustomShape 3"/>
+          <p:cNvSpPr/>
+          <p:nvPr/>
+        </p:nvSpPr>
+        <p:spPr>
+          <a:xfrm>
+            <a:off x="4319999" y="1316880"/>
+            <a:ext cx="4004193" cy="1237134"/>
+          </a:xfrm>
+          <a:prstGeom prst="rect">
+            <a:avLst/>
+          </a:prstGeom>
+          <a:noFill/>
+          <a:ln>
+            <a:noFill/>
+          </a:ln>
+        </p:spPr>
+        <p:style>
+          <a:lnRef idx="0">
+            <a:scrgbClr r="0" g="0" b="0"/>
+          </a:lnRef>
+          <a:fillRef idx="0">
+            <a:scrgbClr r="0" g="0" b="0"/>
+          </a:fillRef>
+          <a:effectRef idx="0">
+            <a:scrgbClr r="0" g="0" b="0"/>
+          </a:effectRef>
+          <a:fontRef idx="minor"/>
+        </p:style>
+        <p:txBody>
+          <a:bodyPr lIns="90000" tIns="45000" rIns="90000" bIns="45000"/>
+          <a:lstStyle/>
+          <a:p>
+            <a:pPr algn="ctr">
+              <a:lnSpc>
+                <a:spcPct val="100000"/>
+              </a:lnSpc>
+            </a:pPr>
+            <a:endParaRPr lang="pt-BR" sz="1800" b="0" strike="noStrike" spc="-1" dirty="0">
+              <a:latin typeface="Arial"/>
+            </a:endParaRPr>
+          </a:p>
+          <a:p>
+            <a:pPr>
+              <a:lnSpc>
+                <a:spcPct val="100000"/>
+              </a:lnSpc>
+            </a:pPr>
+            <a:r>
+              <a:rPr lang="pt-BR" sz="2600" b="1" strike="noStrike" spc="-1" dirty="0">
+                <a:solidFill>
+                  <a:srgbClr val="8DC641"/>
+                </a:solidFill>
+                <a:latin typeface="Arial"/>
+                <a:ea typeface="Arial"/>
+              </a:rPr>
+              <a:t> Cronograma de </a:t>
+            </a:r>
+            <a:r>
+              <a:rPr lang="pt-BR" sz="2600" b="1" strike="noStrike" spc="-1" dirty="0" err="1">
+                <a:solidFill>
+                  <a:srgbClr val="8DC641"/>
+                </a:solidFill>
+                <a:latin typeface="Arial"/>
+                <a:ea typeface="Arial"/>
+              </a:rPr>
+              <a:t>Gantt</a:t>
+            </a:r>
+            <a:r>
+              <a:rPr lang="pt-BR" sz="2600" b="1" strike="noStrike" spc="-1" dirty="0">
+                <a:solidFill>
+                  <a:srgbClr val="8DC641"/>
                 </a:solidFill>
                 <a:latin typeface="Arial"/>
                 <a:ea typeface="Arial"/>
               </a:rPr>
               <a:t> </a:t>
             </a:r>
-            <a:r>
-              <a:rPr b="1" lang="pt-BR" sz="1500" spc="-1" strike="noStrike">
-                <a:solidFill>
-                  <a:srgbClr val="8dc641"/>
-                </a:solidFill>
-                <a:latin typeface="Arial"/>
-                <a:ea typeface="Arial"/>
-              </a:rPr>
-              <a:t>Fabio Vasques, Gieder Loreto</a:t>
-            </a:r>
-            <a:endParaRPr b="0" lang="pt-BR" sz="1500" spc="-1" strike="noStrike">
-              <a:latin typeface="Arial"/>
-            </a:endParaRPr>
-          </a:p>
-        </p:txBody>
-      </p:sp>
-      <p:sp>
-        <p:nvSpPr>
-          <p:cNvPr id="122" name="CustomShape 3"/>
-          <p:cNvSpPr/>
-          <p:nvPr/>
-        </p:nvSpPr>
-        <p:spPr>
-          <a:xfrm>
-            <a:off x="4320000" y="1316880"/>
-            <a:ext cx="2332080" cy="914760"/>
-          </a:xfrm>
-          <a:prstGeom prst="rect">
-            <a:avLst/>
-          </a:prstGeom>
-          <a:noFill/>
-          <a:ln>
-            <a:noFill/>
-          </a:ln>
-        </p:spPr>
-        <p:style>
-          <a:lnRef idx="0"/>
-          <a:fillRef idx="0"/>
-          <a:effectRef idx="0"/>
-          <a:fontRef idx="minor"/>
-        </p:style>
-        <p:txBody>
-          <a:bodyPr lIns="90000" rIns="90000" tIns="45000" bIns="45000"/>
-          <a:p>
-            <a:pPr algn="ctr">
-              <a:lnSpc>
-                <a:spcPct val="100000"/>
-              </a:lnSpc>
-            </a:pPr>
-            <a:endParaRPr b="0" lang="pt-BR" sz="1800" spc="-1" strike="noStrike">
-              <a:latin typeface="Arial"/>
-            </a:endParaRPr>
-          </a:p>
-          <a:p>
-            <a:pPr>
-              <a:lnSpc>
-                <a:spcPct val="100000"/>
-              </a:lnSpc>
-            </a:pPr>
-            <a:r>
-              <a:rPr b="1" lang="pt-BR" sz="2600" spc="-1" strike="noStrike">
-                <a:solidFill>
-                  <a:srgbClr val="8dc641"/>
-                </a:solidFill>
-                <a:latin typeface="Arial"/>
-                <a:ea typeface="Arial"/>
-              </a:rPr>
-              <a:t> </a:t>
-            </a:r>
-            <a:r>
-              <a:rPr b="1" lang="pt-BR" sz="2600" spc="-1" strike="noStrike">
-                <a:solidFill>
-                  <a:srgbClr val="8dc641"/>
-                </a:solidFill>
-                <a:latin typeface="Arial"/>
-                <a:ea typeface="Arial"/>
-              </a:rPr>
-              <a:t>Cronograma </a:t>
-            </a:r>
-            <a:endParaRPr b="0" lang="pt-BR" sz="2600" spc="-1" strike="noStrike">
+            <a:endParaRPr lang="pt-BR" sz="2600" b="0" strike="noStrike" spc="-1" dirty="0">
               <a:latin typeface="Arial"/>
             </a:endParaRPr>
           </a:p>
@@ -5994,30 +7006,7 @@
       </p:sp>
       <p:pic>
         <p:nvPicPr>
-          <p:cNvPr id="123" name="" descr=""/>
-          <p:cNvPicPr/>
-          <p:nvPr/>
-        </p:nvPicPr>
-        <p:blipFill>
-          <a:blip r:embed="rId2"/>
-          <a:stretch/>
-        </p:blipFill>
-        <p:spPr>
-          <a:xfrm>
-            <a:off x="562320" y="2016000"/>
-            <a:ext cx="10417680" cy="4842000"/>
-          </a:xfrm>
-          <a:prstGeom prst="rect">
-            <a:avLst/>
-          </a:prstGeom>
-          <a:ln>
-            <a:noFill/>
-          </a:ln>
-        </p:spPr>
-      </p:pic>
-      <p:pic>
-        <p:nvPicPr>
-          <p:cNvPr id="124" name="Google Shape;166;p39" descr=""/>
+          <p:cNvPr id="124" name="Google Shape;166;p39"/>
           <p:cNvPicPr/>
           <p:nvPr/>
         </p:nvPicPr>
@@ -6038,24 +7027,68 @@
           </a:ln>
         </p:spPr>
       </p:pic>
+      <p:pic>
+        <p:nvPicPr>
+          <p:cNvPr id="3" name="Imagem 2">
+            <a:extLst>
+              <a:ext uri="{FF2B5EF4-FFF2-40B4-BE49-F238E27FC236}">
+                <a16:creationId xmlns:a16="http://schemas.microsoft.com/office/drawing/2014/main" id="{F9E6EB3A-2761-42AE-A9D6-AE4464A22E68}"/>
+              </a:ext>
+            </a:extLst>
+          </p:cNvPr>
+          <p:cNvPicPr>
+            <a:picLocks noChangeAspect="1"/>
+          </p:cNvPicPr>
+          <p:nvPr/>
+        </p:nvPicPr>
+        <p:blipFill>
+          <a:blip r:embed="rId4">
+            <a:extLst>
+              <a:ext uri="{28A0092B-C50C-407E-A947-70E740481C1C}">
+                <a14:useLocalDpi xmlns:a14="http://schemas.microsoft.com/office/drawing/2010/main" val="0"/>
+              </a:ext>
+            </a:extLst>
+          </a:blip>
+          <a:stretch>
+            <a:fillRect/>
+          </a:stretch>
+        </p:blipFill>
+        <p:spPr>
+          <a:xfrm>
+            <a:off x="2293138" y="2015488"/>
+            <a:ext cx="7939504" cy="4463792"/>
+          </a:xfrm>
+          <a:prstGeom prst="rect">
+            <a:avLst/>
+          </a:prstGeom>
+        </p:spPr>
+      </p:pic>
     </p:spTree>
+    <p:extLst>
+      <p:ext uri="{BB962C8B-B14F-4D97-AF65-F5344CB8AC3E}">
+        <p14:creationId xmlns:p14="http://schemas.microsoft.com/office/powerpoint/2010/main" val="1631031712"/>
+      </p:ext>
+    </p:extLst>
   </p:cSld>
+  <p:clrMapOvr>
+    <a:masterClrMapping/>
+  </p:clrMapOvr>
   <p:timing>
     <p:tnLst>
       <p:par>
-        <p:cTn id="15" dur="indefinite" restart="never" nodeType="tmRoot">
+        <p:cTn id="1" dur="indefinite" restart="never" nodeType="tmRoot">
           <p:childTnLst>
             <p:seq>
-              <p:cTn id="16" dur="indefinite" nodeType="mainSeq"/>
+              <p:cTn id="2" dur="indefinite" nodeType="mainSeq"/>
               <p:prevCondLst>
-                <p:cond delay="0" evt="onPrev">
+                <p:cond evt="onPrev" delay="0">
                   <p:tgtEl>
                     <p:sldTgt/>
                   </p:tgtEl>
                 </p:cond>
               </p:prevCondLst>
               <p:nextCondLst>
-                <p:cond delay="0" evt="onNext">
+                <p:cond evt="onNext" delay="0">
                   <p:tgtEl>
                     <p:sldTgt/>
                   </p:tgtEl>
@@ -6081,22 +7114,22 @@
         <a:sysClr val="window" lastClr="FFFFFF"/>
       </a:lt1>
       <a:dk2>
-        <a:srgbClr val="6a7887"/>
+        <a:srgbClr val="6A7887"/>
       </a:dk2>
       <a:lt2>
-        <a:srgbClr val="e7e6e6"/>
+        <a:srgbClr val="E7E6E6"/>
       </a:lt2>
       <a:accent1>
-        <a:srgbClr val="1d9a78"/>
+        <a:srgbClr val="1D9A78"/>
       </a:accent1>
       <a:accent2>
-        <a:srgbClr val="7bc68e"/>
+        <a:srgbClr val="7BC68E"/>
       </a:accent2>
       <a:accent3>
-        <a:srgbClr val="3f3f3f"/>
+        <a:srgbClr val="3F3F3F"/>
       </a:accent3>
       <a:accent4>
-        <a:srgbClr val="3f3f3f"/>
+        <a:srgbClr val="3F3F3F"/>
       </a:accent4>
       <a:accent5>
         <a:srgbClr val="595959"/>
@@ -6290,5 +7323,7 @@
       </a:bgFillStyleLst>
     </a:fmtScheme>
   </a:themeElements>
+  <a:objectDefaults/>
+  <a:extraClrSchemeLst/>
 </a:theme>
 </file>
--- a/primeira entrega.pptx
+++ b/primeira entrega.pptx
@@ -9,11 +9,12 @@
     <p:sldId id="257" r:id="rId3"/>
     <p:sldId id="258" r:id="rId4"/>
     <p:sldId id="259" r:id="rId5"/>
-    <p:sldId id="260" r:id="rId6"/>
-    <p:sldId id="261" r:id="rId7"/>
-    <p:sldId id="262" r:id="rId8"/>
-    <p:sldId id="263" r:id="rId9"/>
-    <p:sldId id="264" r:id="rId10"/>
+    <p:sldId id="265" r:id="rId6"/>
+    <p:sldId id="260" r:id="rId7"/>
+    <p:sldId id="261" r:id="rId8"/>
+    <p:sldId id="262" r:id="rId9"/>
+    <p:sldId id="263" r:id="rId10"/>
+    <p:sldId id="264" r:id="rId11"/>
   </p:sldIdLst>
   <p:sldSz cx="12192000" cy="6858000"/>
   <p:notesSz cx="7559675" cy="10691813"/>
@@ -112,6 +113,11 @@
       </a:defRPr>
     </a:lvl9pPr>
   </p:defaultTextStyle>
+  <p:extLst>
+    <p:ext uri="{EFAFB233-063F-42B5-8137-9DF3F51BA10A}">
+      <p15:sldGuideLst xmlns:p15="http://schemas.microsoft.com/office/powerpoint/2012/main"/>
+    </p:ext>
+  </p:extLst>
 </p:presentation>
 </file>
 
@@ -2125,7 +2131,7 @@
         </p:nvSpPr>
         <p:spPr>
           <a:xfrm>
-            <a:off x="2520000" y="1764000"/>
+            <a:off x="2918207" y="1870200"/>
             <a:ext cx="7512480" cy="1322280"/>
           </a:xfrm>
           <a:prstGeom prst="rect">
@@ -2157,18 +2163,23 @@
                 <a:spcPct val="100000"/>
               </a:lnSpc>
             </a:pPr>
-            <a:br/>
+            <a:br>
+              <a:rPr dirty="0"/>
+            </a:br>
             <a:r>
-              <a:rPr lang="pt-BR" sz="3200" b="1" strike="noStrike" spc="-1">
+              <a:rPr lang="pt-BR" sz="3200" b="1" strike="noStrike" spc="-1" dirty="0">
                 <a:solidFill>
-                  <a:srgbClr val="62A73B"/>
+                  <a:srgbClr val="92D050"/>
                 </a:solidFill>
                 <a:latin typeface="Arial"/>
                 <a:ea typeface="DejaVu Sans"/>
               </a:rPr>
               <a:t>Prática  de análise de sistemas</a:t>
             </a:r>
-            <a:endParaRPr lang="pt-BR" sz="3200" b="0" strike="noStrike" spc="-1">
+            <a:endParaRPr lang="pt-BR" sz="3200" b="0" strike="noStrike" spc="-1" dirty="0">
+              <a:solidFill>
+                <a:srgbClr val="92D050"/>
+              </a:solidFill>
               <a:latin typeface="Arial"/>
             </a:endParaRPr>
           </a:p>
@@ -2178,7 +2189,7 @@
                 <a:spcPct val="100000"/>
               </a:lnSpc>
             </a:pPr>
-            <a:endParaRPr lang="pt-BR" sz="3200" b="0" strike="noStrike" spc="-1">
+            <a:endParaRPr lang="pt-BR" sz="3200" b="0" strike="noStrike" spc="-1" dirty="0">
               <a:latin typeface="Arial"/>
             </a:endParaRPr>
           </a:p>
@@ -2280,7 +2291,7 @@
                 <a:spcPct val="100000"/>
               </a:lnSpc>
             </a:pPr>
-            <a:endParaRPr lang="pt-BR" sz="1800" b="0" strike="noStrike" spc="-1">
+            <a:endParaRPr lang="pt-BR" sz="1800" b="0" strike="noStrike" spc="-1" dirty="0">
               <a:latin typeface="Arial"/>
             </a:endParaRPr>
           </a:p>
@@ -2291,7 +2302,7 @@
               </a:lnSpc>
             </a:pPr>
             <a:r>
-              <a:rPr lang="pt-BR" sz="2000" b="1" strike="noStrike" spc="-1">
+              <a:rPr lang="pt-BR" sz="2000" b="1" strike="noStrike" spc="-1" dirty="0">
                 <a:solidFill>
                   <a:srgbClr val="8DC641"/>
                 </a:solidFill>
@@ -2300,7 +2311,7 @@
               </a:rPr>
               <a:t>Processo (etapas de desenvolvimento)</a:t>
             </a:r>
-            <a:endParaRPr lang="pt-BR" sz="2000" b="0" strike="noStrike" spc="-1">
+            <a:endParaRPr lang="pt-BR" sz="2000" b="0" strike="noStrike" spc="-1" dirty="0">
               <a:latin typeface="Arial"/>
             </a:endParaRPr>
           </a:p>
@@ -2396,6 +2407,329 @@
         </p:spPr>
       </p:pic>
     </p:spTree>
+  </p:cSld>
+  <p:clrMapOvr>
+    <a:masterClrMapping/>
+  </p:clrMapOvr>
+  <p:timing>
+    <p:tnLst>
+      <p:par>
+        <p:cTn id="1" dur="indefinite" restart="never" nodeType="tmRoot">
+          <p:childTnLst>
+            <p:seq>
+              <p:cTn id="2" dur="indefinite" nodeType="mainSeq"/>
+              <p:prevCondLst>
+                <p:cond evt="onPrev" delay="0">
+                  <p:tgtEl>
+                    <p:sldTgt/>
+                  </p:tgtEl>
+                </p:cond>
+              </p:prevCondLst>
+              <p:nextCondLst>
+                <p:cond evt="onNext" delay="0">
+                  <p:tgtEl>
+                    <p:sldTgt/>
+                  </p:tgtEl>
+                </p:cond>
+              </p:nextCondLst>
+            </p:seq>
+          </p:childTnLst>
+        </p:cTn>
+      </p:par>
+    </p:tnLst>
+  </p:timing>
+</p:sld>
+</file>
+
+<file path=ppt/slides/slide10.xml><?xml version="1.0" encoding="utf-8"?>
+<p:sld xmlns:a="http://schemas.openxmlformats.org/drawingml/2006/main" xmlns:r="http://schemas.openxmlformats.org/officeDocument/2006/relationships" xmlns:p="http://schemas.openxmlformats.org/presentationml/2006/main">
+  <p:cSld>
+    <p:bg>
+      <p:bgPr>
+        <a:solidFill>
+          <a:srgbClr val="FFFFFF"/>
+        </a:solidFill>
+        <a:effectLst/>
+      </p:bgPr>
+    </p:bg>
+    <p:spTree>
+      <p:nvGrpSpPr>
+        <p:cNvPr id="1" name=""/>
+        <p:cNvGrpSpPr/>
+        <p:nvPr/>
+      </p:nvGrpSpPr>
+      <p:grpSpPr>
+        <a:xfrm>
+          <a:off x="0" y="0"/>
+          <a:ext cx="0" cy="0"/>
+          <a:chOff x="0" y="0"/>
+          <a:chExt cx="0" cy="0"/>
+        </a:xfrm>
+      </p:grpSpPr>
+      <p:sp>
+        <p:nvSpPr>
+          <p:cNvPr id="119" name="CustomShape 1"/>
+          <p:cNvSpPr/>
+          <p:nvPr/>
+        </p:nvSpPr>
+        <p:spPr>
+          <a:xfrm>
+            <a:off x="0" y="0"/>
+            <a:ext cx="12192120" cy="1586520"/>
+          </a:xfrm>
+          <a:prstGeom prst="rect">
+            <a:avLst/>
+          </a:prstGeom>
+          <a:solidFill>
+            <a:srgbClr val="347C36"/>
+          </a:solidFill>
+          <a:ln>
+            <a:noFill/>
+          </a:ln>
+        </p:spPr>
+        <p:style>
+          <a:lnRef idx="0">
+            <a:scrgbClr r="0" g="0" b="0"/>
+          </a:lnRef>
+          <a:fillRef idx="0">
+            <a:scrgbClr r="0" g="0" b="0"/>
+          </a:fillRef>
+          <a:effectRef idx="0">
+            <a:scrgbClr r="0" g="0" b="0"/>
+          </a:effectRef>
+          <a:fontRef idx="minor"/>
+        </p:style>
+      </p:sp>
+      <p:pic>
+        <p:nvPicPr>
+          <p:cNvPr id="120" name="Google Shape;89;p13"/>
+          <p:cNvPicPr/>
+          <p:nvPr/>
+        </p:nvPicPr>
+        <p:blipFill>
+          <a:blip r:embed="rId2"/>
+          <a:stretch/>
+        </p:blipFill>
+        <p:spPr>
+          <a:xfrm>
+            <a:off x="10561680" y="0"/>
+            <a:ext cx="1083240" cy="1800000"/>
+          </a:xfrm>
+          <a:prstGeom prst="rect">
+            <a:avLst/>
+          </a:prstGeom>
+          <a:ln>
+            <a:noFill/>
+          </a:ln>
+        </p:spPr>
+      </p:pic>
+      <p:sp>
+        <p:nvSpPr>
+          <p:cNvPr id="121" name="CustomShape 2"/>
+          <p:cNvSpPr/>
+          <p:nvPr/>
+        </p:nvSpPr>
+        <p:spPr>
+          <a:xfrm>
+            <a:off x="461160" y="6479280"/>
+            <a:ext cx="11130120" cy="720000"/>
+          </a:xfrm>
+          <a:prstGeom prst="rect">
+            <a:avLst/>
+          </a:prstGeom>
+          <a:noFill/>
+          <a:ln>
+            <a:noFill/>
+          </a:ln>
+        </p:spPr>
+        <p:style>
+          <a:lnRef idx="0">
+            <a:scrgbClr r="0" g="0" b="0"/>
+          </a:lnRef>
+          <a:fillRef idx="0">
+            <a:scrgbClr r="0" g="0" b="0"/>
+          </a:fillRef>
+          <a:effectRef idx="0">
+            <a:scrgbClr r="0" g="0" b="0"/>
+          </a:effectRef>
+          <a:fontRef idx="minor"/>
+        </p:style>
+        <p:txBody>
+          <a:bodyPr lIns="90000" tIns="45000" rIns="90000" bIns="45000"/>
+          <a:lstStyle/>
+          <a:p>
+            <a:pPr algn="ctr">
+              <a:lnSpc>
+                <a:spcPct val="100000"/>
+              </a:lnSpc>
+            </a:pPr>
+            <a:r>
+              <a:rPr lang="pt-BR" sz="1500" b="1" strike="noStrike" spc="-1">
+                <a:solidFill>
+                  <a:srgbClr val="8DC641"/>
+                </a:solidFill>
+                <a:latin typeface="Arial"/>
+                <a:ea typeface="Arial"/>
+              </a:rPr>
+              <a:t> Fabio Vasques, Gieder Loreto</a:t>
+            </a:r>
+            <a:endParaRPr lang="pt-BR" sz="1500" b="0" strike="noStrike" spc="-1">
+              <a:latin typeface="Arial"/>
+            </a:endParaRPr>
+          </a:p>
+        </p:txBody>
+      </p:sp>
+      <p:sp>
+        <p:nvSpPr>
+          <p:cNvPr id="122" name="CustomShape 3"/>
+          <p:cNvSpPr/>
+          <p:nvPr/>
+        </p:nvSpPr>
+        <p:spPr>
+          <a:xfrm>
+            <a:off x="4319999" y="1316880"/>
+            <a:ext cx="4004193" cy="1237134"/>
+          </a:xfrm>
+          <a:prstGeom prst="rect">
+            <a:avLst/>
+          </a:prstGeom>
+          <a:noFill/>
+          <a:ln>
+            <a:noFill/>
+          </a:ln>
+        </p:spPr>
+        <p:style>
+          <a:lnRef idx="0">
+            <a:scrgbClr r="0" g="0" b="0"/>
+          </a:lnRef>
+          <a:fillRef idx="0">
+            <a:scrgbClr r="0" g="0" b="0"/>
+          </a:fillRef>
+          <a:effectRef idx="0">
+            <a:scrgbClr r="0" g="0" b="0"/>
+          </a:effectRef>
+          <a:fontRef idx="minor"/>
+        </p:style>
+        <p:txBody>
+          <a:bodyPr lIns="90000" tIns="45000" rIns="90000" bIns="45000"/>
+          <a:lstStyle/>
+          <a:p>
+            <a:pPr algn="ctr">
+              <a:lnSpc>
+                <a:spcPct val="100000"/>
+              </a:lnSpc>
+            </a:pPr>
+            <a:endParaRPr lang="pt-BR" sz="1800" b="0" strike="noStrike" spc="-1" dirty="0">
+              <a:latin typeface="Arial"/>
+            </a:endParaRPr>
+          </a:p>
+          <a:p>
+            <a:pPr>
+              <a:lnSpc>
+                <a:spcPct val="100000"/>
+              </a:lnSpc>
+            </a:pPr>
+            <a:r>
+              <a:rPr lang="pt-BR" sz="2600" b="1" strike="noStrike" spc="-1" dirty="0">
+                <a:solidFill>
+                  <a:srgbClr val="8DC641"/>
+                </a:solidFill>
+                <a:latin typeface="Arial"/>
+                <a:ea typeface="Arial"/>
+              </a:rPr>
+              <a:t> Cronograma de </a:t>
+            </a:r>
+            <a:r>
+              <a:rPr lang="pt-BR" sz="2600" b="1" strike="noStrike" spc="-1" dirty="0" err="1">
+                <a:solidFill>
+                  <a:srgbClr val="8DC641"/>
+                </a:solidFill>
+                <a:latin typeface="Arial"/>
+                <a:ea typeface="Arial"/>
+              </a:rPr>
+              <a:t>Gantt</a:t>
+            </a:r>
+            <a:r>
+              <a:rPr lang="pt-BR" sz="2600" b="1" strike="noStrike" spc="-1" dirty="0">
+                <a:solidFill>
+                  <a:srgbClr val="8DC641"/>
+                </a:solidFill>
+                <a:latin typeface="Arial"/>
+                <a:ea typeface="Arial"/>
+              </a:rPr>
+              <a:t> </a:t>
+            </a:r>
+            <a:endParaRPr lang="pt-BR" sz="2600" b="0" strike="noStrike" spc="-1" dirty="0">
+              <a:latin typeface="Arial"/>
+            </a:endParaRPr>
+          </a:p>
+        </p:txBody>
+      </p:sp>
+      <p:pic>
+        <p:nvPicPr>
+          <p:cNvPr id="124" name="Google Shape;166;p39"/>
+          <p:cNvPicPr/>
+          <p:nvPr/>
+        </p:nvPicPr>
+        <p:blipFill>
+          <a:blip r:embed="rId3"/>
+          <a:stretch/>
+        </p:blipFill>
+        <p:spPr>
+          <a:xfrm>
+            <a:off x="235080" y="283680"/>
+            <a:ext cx="4000680" cy="1019520"/>
+          </a:xfrm>
+          <a:prstGeom prst="rect">
+            <a:avLst/>
+          </a:prstGeom>
+          <a:ln>
+            <a:noFill/>
+          </a:ln>
+        </p:spPr>
+      </p:pic>
+      <p:pic>
+        <p:nvPicPr>
+          <p:cNvPr id="3" name="Imagem 2">
+            <a:extLst>
+              <a:ext uri="{FF2B5EF4-FFF2-40B4-BE49-F238E27FC236}">
+                <a16:creationId xmlns:a16="http://schemas.microsoft.com/office/drawing/2014/main" id="{F9E6EB3A-2761-42AE-A9D6-AE4464A22E68}"/>
+              </a:ext>
+            </a:extLst>
+          </p:cNvPr>
+          <p:cNvPicPr>
+            <a:picLocks noChangeAspect="1"/>
+          </p:cNvPicPr>
+          <p:nvPr/>
+        </p:nvPicPr>
+        <p:blipFill>
+          <a:blip r:embed="rId4">
+            <a:extLst>
+              <a:ext uri="{28A0092B-C50C-407E-A947-70E740481C1C}">
+                <a14:useLocalDpi xmlns:a14="http://schemas.microsoft.com/office/drawing/2010/main" val="0"/>
+              </a:ext>
+            </a:extLst>
+          </a:blip>
+          <a:stretch>
+            <a:fillRect/>
+          </a:stretch>
+        </p:blipFill>
+        <p:spPr>
+          <a:xfrm>
+            <a:off x="2661627" y="2213202"/>
+            <a:ext cx="7587841" cy="4266078"/>
+          </a:xfrm>
+          <a:prstGeom prst="rect">
+            <a:avLst/>
+          </a:prstGeom>
+        </p:spPr>
+      </p:pic>
+    </p:spTree>
+    <p:extLst>
+      <p:ext uri="{BB962C8B-B14F-4D97-AF65-F5344CB8AC3E}">
+        <p14:creationId xmlns:p14="http://schemas.microsoft.com/office/powerpoint/2010/main" val="1631031712"/>
+      </p:ext>
+    </p:extLst>
   </p:cSld>
   <p:clrMapOvr>
     <a:masterClrMapping/>
@@ -2520,7 +2854,7 @@
         </p:nvSpPr>
         <p:spPr>
           <a:xfrm>
-            <a:off x="2296800" y="1982160"/>
+            <a:off x="2312820" y="1688963"/>
             <a:ext cx="7512480" cy="1322280"/>
           </a:xfrm>
           <a:prstGeom prst="rect">
@@ -2552,9 +2886,11 @@
                 <a:spcPct val="100000"/>
               </a:lnSpc>
             </a:pPr>
-            <a:br/>
+            <a:br>
+              <a:rPr dirty="0"/>
+            </a:br>
             <a:r>
-              <a:rPr lang="pt-BR" sz="3200" b="1" strike="noStrike" spc="-1">
+              <a:rPr lang="pt-BR" sz="3200" b="1" strike="noStrike" spc="-1" dirty="0">
                 <a:solidFill>
                   <a:srgbClr val="8DC641"/>
                 </a:solidFill>
@@ -2563,7 +2899,7 @@
               </a:rPr>
               <a:t>Prática  de análise de sistemas</a:t>
             </a:r>
-            <a:endParaRPr lang="pt-BR" sz="3200" b="0" strike="noStrike" spc="-1">
+            <a:endParaRPr lang="pt-BR" sz="3200" b="0" strike="noStrike" spc="-1" dirty="0">
               <a:latin typeface="Arial"/>
             </a:endParaRPr>
           </a:p>
@@ -2573,7 +2909,7 @@
                 <a:spcPct val="100000"/>
               </a:lnSpc>
             </a:pPr>
-            <a:endParaRPr lang="pt-BR" sz="3200" b="0" strike="noStrike" spc="-1">
+            <a:endParaRPr lang="pt-BR" sz="3200" b="0" strike="noStrike" spc="-1" dirty="0">
               <a:latin typeface="Arial"/>
             </a:endParaRPr>
           </a:p>
@@ -2643,7 +2979,7 @@
         </p:nvSpPr>
         <p:spPr>
           <a:xfrm>
-            <a:off x="3415320" y="2748600"/>
+            <a:off x="3623760" y="2355671"/>
             <a:ext cx="4890600" cy="828720"/>
           </a:xfrm>
           <a:prstGeom prst="rect">
@@ -2675,7 +3011,7 @@
                 <a:spcPct val="100000"/>
               </a:lnSpc>
             </a:pPr>
-            <a:endParaRPr lang="pt-BR" sz="1800" b="0" strike="noStrike" spc="-1">
+            <a:endParaRPr lang="pt-BR" sz="1800" b="0" strike="noStrike" spc="-1" dirty="0">
               <a:latin typeface="Arial"/>
             </a:endParaRPr>
           </a:p>
@@ -2686,7 +3022,7 @@
               </a:lnSpc>
             </a:pPr>
             <a:r>
-              <a:rPr lang="pt-BR" sz="2000" b="1" strike="noStrike" spc="-1">
+              <a:rPr lang="pt-BR" sz="2000" b="1" strike="noStrike" spc="-1" dirty="0">
                 <a:solidFill>
                   <a:srgbClr val="8DC641"/>
                 </a:solidFill>
@@ -2695,7 +3031,7 @@
               </a:rPr>
               <a:t>Processo (etapas de desenvolvimento)</a:t>
             </a:r>
-            <a:endParaRPr lang="pt-BR" sz="2000" b="0" strike="noStrike" spc="-1">
+            <a:endParaRPr lang="pt-BR" sz="2000" b="0" strike="noStrike" spc="-1" dirty="0">
               <a:latin typeface="Arial"/>
             </a:endParaRPr>
           </a:p>
@@ -2765,8 +3101,8 @@
         </p:nvSpPr>
         <p:spPr>
           <a:xfrm>
-            <a:off x="900000" y="3773880"/>
-            <a:ext cx="10186560" cy="1625400"/>
+            <a:off x="603503" y="3414554"/>
+            <a:ext cx="10984994" cy="2110726"/>
           </a:xfrm>
           <a:prstGeom prst="rect">
             <a:avLst/>
@@ -2798,16 +3134,23 @@
               </a:lnSpc>
             </a:pPr>
             <a:r>
-              <a:rPr lang="pt-BR" sz="1800" b="1" strike="noStrike" spc="-1">
+              <a:rPr lang="pt-BR" sz="1800" b="1" strike="noStrike" spc="-1" dirty="0">
                 <a:solidFill>
                   <a:srgbClr val="62A73B"/>
                 </a:solidFill>
                 <a:latin typeface="Arial"/>
                 <a:ea typeface="DejaVu Sans"/>
               </a:rPr>
-              <a:t>-Será feito o levantamento de requisitos e todas as necessidades que o sistema precisa ter.</a:t>
+              <a:t>- Será feito o levantamento de requisitos e todas as necessidades que o sistema precisa ter.</a:t>
             </a:r>
-            <a:endParaRPr lang="pt-BR" sz="1800" b="0" strike="noStrike" spc="-1">
+          </a:p>
+          <a:p>
+            <a:pPr algn="just">
+              <a:lnSpc>
+                <a:spcPct val="100000"/>
+              </a:lnSpc>
+            </a:pPr>
+            <a:endParaRPr lang="pt-BR" sz="1800" b="0" strike="noStrike" spc="-1" dirty="0">
               <a:latin typeface="Arial"/>
             </a:endParaRPr>
           </a:p>
@@ -2818,16 +3161,16 @@
               </a:lnSpc>
             </a:pPr>
             <a:r>
-              <a:rPr lang="pt-BR" sz="1800" b="1" strike="noStrike" spc="-1">
+              <a:rPr lang="pt-BR" sz="1800" b="1" strike="noStrike" spc="-1" dirty="0">
                 <a:solidFill>
                   <a:srgbClr val="62A73B"/>
                 </a:solidFill>
                 <a:latin typeface="Arial"/>
                 <a:ea typeface="DejaVu Sans"/>
               </a:rPr>
-              <a:t>-Depois iremos para a fase de planejamento onde definiremos as estimativas, cronograma e</a:t>
+              <a:t>- Depois iremos para a fase de planejamento onde definiremos as estimativas, cronograma e</a:t>
             </a:r>
-            <a:endParaRPr lang="pt-BR" sz="1800" b="0" strike="noStrike" spc="-1">
+            <a:endParaRPr lang="pt-BR" sz="1800" b="0" strike="noStrike" spc="-1" dirty="0">
               <a:latin typeface="Arial"/>
             </a:endParaRPr>
           </a:p>
@@ -2838,7 +3181,7 @@
               </a:lnSpc>
             </a:pPr>
             <a:r>
-              <a:rPr lang="pt-BR" sz="1800" b="1" strike="noStrike" spc="-1">
+              <a:rPr lang="pt-BR" sz="1800" b="1" strike="noStrike" spc="-1" dirty="0">
                 <a:solidFill>
                   <a:srgbClr val="62A73B"/>
                 </a:solidFill>
@@ -2847,7 +3190,14 @@
               </a:rPr>
               <a:t> o acompanhamento.</a:t>
             </a:r>
-            <a:endParaRPr lang="pt-BR" sz="1800" b="0" strike="noStrike" spc="-1">
+          </a:p>
+          <a:p>
+            <a:pPr algn="just">
+              <a:lnSpc>
+                <a:spcPct val="100000"/>
+              </a:lnSpc>
+            </a:pPr>
+            <a:endParaRPr lang="pt-BR" sz="1800" b="0" strike="noStrike" spc="-1" dirty="0">
               <a:latin typeface="Arial"/>
             </a:endParaRPr>
           </a:p>
@@ -2858,16 +3208,23 @@
               </a:lnSpc>
             </a:pPr>
             <a:r>
-              <a:rPr lang="pt-BR" sz="1800" b="1" strike="noStrike" spc="-1">
+              <a:rPr lang="pt-BR" sz="1800" b="1" strike="noStrike" spc="-1" dirty="0">
                 <a:solidFill>
                   <a:srgbClr val="62A73B"/>
                 </a:solidFill>
                 <a:latin typeface="Arial"/>
                 <a:ea typeface="DejaVu Sans"/>
               </a:rPr>
-              <a:t>-Após isso partiremos para a modelagem onde será feito a análise do projeto</a:t>
+              <a:t>- Após isso partiremos para a modelagem onde será feito a análise do projeto</a:t>
             </a:r>
-            <a:endParaRPr lang="pt-BR" sz="1800" b="0" strike="noStrike" spc="-1">
+          </a:p>
+          <a:p>
+            <a:pPr algn="just">
+              <a:lnSpc>
+                <a:spcPct val="100000"/>
+              </a:lnSpc>
+            </a:pPr>
+            <a:endParaRPr lang="pt-BR" spc="-1" dirty="0">
               <a:latin typeface="Arial"/>
             </a:endParaRPr>
           </a:p>
@@ -2878,16 +3235,23 @@
               </a:lnSpc>
             </a:pPr>
             <a:r>
-              <a:rPr lang="pt-BR" sz="1800" b="1" strike="noStrike" spc="-1">
+              <a:rPr lang="pt-BR" sz="1800" b="1" strike="noStrike" spc="-1" dirty="0">
                 <a:solidFill>
                   <a:srgbClr val="62A73B"/>
                 </a:solidFill>
                 <a:latin typeface="Arial"/>
                 <a:ea typeface="DejaVu Sans"/>
               </a:rPr>
-              <a:t>-Depois chegaremos a fase da codificação e testes.</a:t>
+              <a:t>- Depois chegaremos a fase da codificação e testes.</a:t>
             </a:r>
-            <a:endParaRPr lang="pt-BR" sz="1800" b="0" strike="noStrike" spc="-1">
+          </a:p>
+          <a:p>
+            <a:pPr algn="just">
+              <a:lnSpc>
+                <a:spcPct val="100000"/>
+              </a:lnSpc>
+            </a:pPr>
+            <a:endParaRPr lang="pt-BR" sz="1800" b="0" strike="noStrike" spc="-1" dirty="0">
               <a:latin typeface="Arial"/>
             </a:endParaRPr>
           </a:p>
@@ -2898,16 +3262,16 @@
               </a:lnSpc>
             </a:pPr>
             <a:r>
-              <a:rPr lang="pt-BR" sz="1800" b="1" strike="noStrike" spc="-1">
+              <a:rPr lang="pt-BR" sz="1800" b="1" strike="noStrike" spc="-1" dirty="0">
                 <a:solidFill>
                   <a:srgbClr val="62A73B"/>
                 </a:solidFill>
                 <a:latin typeface="Arial"/>
                 <a:ea typeface="DejaVu Sans"/>
               </a:rPr>
-              <a:t>-por ultimo a entrega do projeto final.</a:t>
+              <a:t>- Por ultimo a entrega do projeto final.</a:t>
             </a:r>
-            <a:endParaRPr lang="pt-BR" sz="1800" b="0" strike="noStrike" spc="-1">
+            <a:endParaRPr lang="pt-BR" sz="1800" b="0" strike="noStrike" spc="-1" dirty="0">
               <a:latin typeface="Arial"/>
             </a:endParaRPr>
           </a:p>
@@ -3371,7 +3735,7 @@
         </p:nvGrpSpPr>
         <p:grpSpPr>
           <a:xfrm>
-            <a:off x="1332000" y="3780000"/>
+            <a:off x="1349280" y="3916800"/>
             <a:ext cx="1223280" cy="755280"/>
             <a:chOff x="1332000" y="3780000"/>
             <a:chExt cx="1223280" cy="755280"/>
@@ -3602,7 +3966,7 @@
         </p:nvGrpSpPr>
         <p:grpSpPr>
           <a:xfrm>
-            <a:off x="3501720" y="3823560"/>
+            <a:off x="3529800" y="3913583"/>
             <a:ext cx="1223280" cy="755280"/>
             <a:chOff x="3501720" y="3823560"/>
             <a:chExt cx="1223280" cy="755280"/>
@@ -3853,10 +4217,10 @@
         </p:nvGrpSpPr>
         <p:grpSpPr>
           <a:xfrm>
-            <a:off x="5986080" y="3931920"/>
-            <a:ext cx="1223280" cy="755280"/>
-            <a:chOff x="5986080" y="3931920"/>
-            <a:chExt cx="1223280" cy="755280"/>
+            <a:off x="5971448" y="3901971"/>
+            <a:ext cx="1223280" cy="759669"/>
+            <a:chOff x="5986080" y="3927531"/>
+            <a:chExt cx="1223280" cy="759669"/>
           </a:xfrm>
         </p:grpSpPr>
         <p:sp>
@@ -3976,7 +4340,7 @@
           </p:nvSpPr>
           <p:spPr>
             <a:xfrm>
-              <a:off x="6094080" y="4133880"/>
+              <a:off x="6183000" y="3927531"/>
               <a:ext cx="919080" cy="515160"/>
             </a:xfrm>
             <a:prstGeom prst="rect">
@@ -4009,7 +4373,7 @@
                 </a:lnSpc>
               </a:pPr>
               <a:r>
-                <a:rPr lang="pt-BR" sz="1000" b="1" strike="noStrike" spc="-1">
+                <a:rPr lang="pt-BR" sz="1000" b="1" strike="noStrike" spc="-1" dirty="0">
                   <a:solidFill>
                     <a:srgbClr val="89C765"/>
                   </a:solidFill>
@@ -4018,7 +4382,7 @@
                 </a:rPr>
                 <a:t>-Modelagem</a:t>
               </a:r>
-              <a:endParaRPr lang="pt-BR" sz="1000" b="0" strike="noStrike" spc="-1">
+              <a:endParaRPr lang="pt-BR" sz="1000" b="0" strike="noStrike" spc="-1" dirty="0">
                 <a:latin typeface="Arial"/>
               </a:endParaRPr>
             </a:p>
@@ -4029,16 +4393,26 @@
                 </a:lnSpc>
               </a:pPr>
               <a:r>
-                <a:rPr lang="pt-BR" sz="1000" b="1" strike="noStrike" spc="-1">
+                <a:rPr lang="pt-BR" sz="1000" b="1" spc="-1" dirty="0">
                   <a:solidFill>
                     <a:srgbClr val="89C765"/>
                   </a:solidFill>
                   <a:latin typeface="Arial"/>
                   <a:ea typeface="DejaVu Sans"/>
                 </a:rPr>
-                <a:t>-Análise</a:t>
+                <a:t>E </a:t>
               </a:r>
-              <a:endParaRPr lang="pt-BR" sz="1000" b="0" strike="noStrike" spc="-1">
+              <a:r>
+                <a:rPr lang="pt-BR" sz="1000" b="1" strike="noStrike" spc="-1" dirty="0">
+                  <a:solidFill>
+                    <a:srgbClr val="89C765"/>
+                  </a:solidFill>
+                  <a:latin typeface="Arial"/>
+                  <a:ea typeface="DejaVu Sans"/>
+                </a:rPr>
+                <a:t>Análise</a:t>
+              </a:r>
+              <a:endParaRPr lang="pt-BR" sz="1000" b="0" strike="noStrike" spc="-1" dirty="0">
                 <a:latin typeface="Arial"/>
               </a:endParaRPr>
             </a:p>
@@ -4049,7 +4423,7 @@
                 </a:lnSpc>
               </a:pPr>
               <a:r>
-                <a:rPr lang="pt-BR" sz="1000" b="1" strike="noStrike" spc="-1">
+                <a:rPr lang="pt-BR" sz="1000" b="1" strike="noStrike" spc="-1" dirty="0">
                   <a:solidFill>
                     <a:srgbClr val="89C765"/>
                   </a:solidFill>
@@ -4058,7 +4432,7 @@
                 </a:rPr>
                 <a:t> do projeto</a:t>
               </a:r>
-              <a:endParaRPr lang="pt-BR" sz="1000" b="0" strike="noStrike" spc="-1">
+              <a:endParaRPr lang="pt-BR" sz="1000" b="0" strike="noStrike" spc="-1" dirty="0">
                 <a:latin typeface="Arial"/>
               </a:endParaRPr>
             </a:p>
@@ -4104,7 +4478,7 @@
         </p:nvGrpSpPr>
         <p:grpSpPr>
           <a:xfrm>
-            <a:off x="8434440" y="4040280"/>
+            <a:off x="8240688" y="3906360"/>
             <a:ext cx="1223280" cy="755280"/>
             <a:chOff x="8434440" y="4040280"/>
             <a:chExt cx="1223280" cy="755280"/>
@@ -4227,7 +4601,7 @@
           </p:nvSpPr>
           <p:spPr>
             <a:xfrm>
-              <a:off x="8542440" y="4242240"/>
+              <a:off x="8622906" y="4066020"/>
               <a:ext cx="940320" cy="373320"/>
             </a:xfrm>
             <a:prstGeom prst="rect">
@@ -4260,7 +4634,7 @@
                 </a:lnSpc>
               </a:pPr>
               <a:r>
-                <a:rPr lang="pt-BR" sz="1000" b="1" strike="noStrike" spc="-1">
+                <a:rPr lang="pt-BR" sz="1000" b="1" strike="noStrike" spc="-1" dirty="0">
                   <a:solidFill>
                     <a:srgbClr val="89C765"/>
                   </a:solidFill>
@@ -4269,7 +4643,7 @@
                 </a:rPr>
                 <a:t>-Codificação</a:t>
               </a:r>
-              <a:endParaRPr lang="pt-BR" sz="1000" b="0" strike="noStrike" spc="-1">
+              <a:endParaRPr lang="pt-BR" sz="1000" b="0" strike="noStrike" spc="-1" dirty="0">
                 <a:latin typeface="Arial"/>
               </a:endParaRPr>
             </a:p>
@@ -4280,7 +4654,7 @@
                 </a:lnSpc>
               </a:pPr>
               <a:r>
-                <a:rPr lang="pt-BR" sz="1000" b="1" strike="noStrike" spc="-1">
+                <a:rPr lang="pt-BR" sz="1000" b="1" strike="noStrike" spc="-1" dirty="0">
                   <a:solidFill>
                     <a:srgbClr val="89C765"/>
                   </a:solidFill>
@@ -4289,7 +4663,7 @@
                 </a:rPr>
                 <a:t>e testes</a:t>
               </a:r>
-              <a:endParaRPr lang="pt-BR" sz="1000" b="0" strike="noStrike" spc="-1">
+              <a:endParaRPr lang="pt-BR" sz="1000" b="0" strike="noStrike" spc="-1" dirty="0">
                 <a:latin typeface="Arial"/>
               </a:endParaRPr>
             </a:p>
@@ -4335,10 +4709,10 @@
         </p:nvGrpSpPr>
         <p:grpSpPr>
           <a:xfrm>
-            <a:off x="10738800" y="4220640"/>
-            <a:ext cx="1223280" cy="858960"/>
+            <a:off x="10435248" y="3849683"/>
+            <a:ext cx="1223280" cy="807120"/>
             <a:chOff x="10738800" y="4220640"/>
-            <a:chExt cx="1223280" cy="858960"/>
+            <a:chExt cx="1223280" cy="807120"/>
           </a:xfrm>
         </p:grpSpPr>
         <p:sp>
@@ -4458,7 +4832,7 @@
           </p:nvSpPr>
           <p:spPr>
             <a:xfrm>
-              <a:off x="10846800" y="4422600"/>
+              <a:off x="10967899" y="4370760"/>
               <a:ext cx="835200" cy="657000"/>
             </a:xfrm>
             <a:prstGeom prst="rect">
@@ -4491,7 +4865,7 @@
                 </a:lnSpc>
               </a:pPr>
               <a:r>
-                <a:rPr lang="pt-BR" sz="1000" b="1" strike="noStrike" spc="-1">
+                <a:rPr lang="pt-BR" sz="1000" b="1" strike="noStrike" spc="-1" dirty="0">
                   <a:solidFill>
                     <a:srgbClr val="89C765"/>
                   </a:solidFill>
@@ -4500,7 +4874,7 @@
                 </a:rPr>
                 <a:t>-Entrega </a:t>
               </a:r>
-              <a:endParaRPr lang="pt-BR" sz="1000" b="0" strike="noStrike" spc="-1">
+              <a:endParaRPr lang="pt-BR" sz="1000" b="0" strike="noStrike" spc="-1" dirty="0">
                 <a:latin typeface="Arial"/>
               </a:endParaRPr>
             </a:p>
@@ -4511,7 +4885,7 @@
                 </a:lnSpc>
               </a:pPr>
               <a:r>
-                <a:rPr lang="pt-BR" sz="1000" b="1" strike="noStrike" spc="-1">
+                <a:rPr lang="pt-BR" sz="1000" b="1" strike="noStrike" spc="-1" dirty="0">
                   <a:solidFill>
                     <a:srgbClr val="89C765"/>
                   </a:solidFill>
@@ -4520,7 +4894,7 @@
                 </a:rPr>
                 <a:t>do projeto </a:t>
               </a:r>
-              <a:endParaRPr lang="pt-BR" sz="1000" b="0" strike="noStrike" spc="-1">
+              <a:endParaRPr lang="pt-BR" sz="1000" b="0" strike="noStrike" spc="-1" dirty="0">
                 <a:latin typeface="Arial"/>
               </a:endParaRPr>
             </a:p>
@@ -4531,7 +4905,7 @@
                 </a:lnSpc>
               </a:pPr>
               <a:r>
-                <a:rPr lang="pt-BR" sz="1000" b="1" strike="noStrike" spc="-1">
+                <a:rPr lang="pt-BR" sz="1000" b="1" strike="noStrike" spc="-1" dirty="0">
                   <a:solidFill>
                     <a:srgbClr val="89C765"/>
                   </a:solidFill>
@@ -4540,7 +4914,7 @@
                 </a:rPr>
                 <a:t>Final</a:t>
               </a:r>
-              <a:endParaRPr lang="pt-BR" sz="1000" b="0" strike="noStrike" spc="-1">
+              <a:endParaRPr lang="pt-BR" sz="1000" b="0" strike="noStrike" spc="-1" dirty="0">
                 <a:latin typeface="Arial"/>
               </a:endParaRPr>
             </a:p>
@@ -4550,7 +4924,7 @@
                   <a:spcPct val="100000"/>
                 </a:lnSpc>
               </a:pPr>
-              <a:endParaRPr lang="pt-BR" sz="1000" b="0" strike="noStrike" spc="-1">
+              <a:endParaRPr lang="pt-BR" sz="1000" b="0" strike="noStrike" spc="-1" dirty="0">
                 <a:latin typeface="Arial"/>
               </a:endParaRPr>
             </a:p>
@@ -4564,9 +4938,9 @@
           <p:nvPr/>
         </p:nvSpPr>
         <p:spPr>
-          <a:xfrm>
-            <a:off x="108000" y="3960000"/>
-            <a:ext cx="1224000" cy="0"/>
+          <a:xfrm flipV="1">
+            <a:off x="290000" y="4305420"/>
+            <a:ext cx="1059280" cy="17028"/>
           </a:xfrm>
           <a:prstGeom prst="line">
             <a:avLst/>
@@ -4599,7 +4973,7 @@
         </p:nvSpPr>
         <p:spPr>
           <a:xfrm>
-            <a:off x="2592000" y="4104000"/>
+            <a:off x="2593800" y="4326049"/>
             <a:ext cx="936000" cy="0"/>
           </a:xfrm>
           <a:prstGeom prst="line">
@@ -4667,8 +5041,8 @@
         </p:nvSpPr>
         <p:spPr>
           <a:xfrm>
-            <a:off x="7236000" y="4428000"/>
-            <a:ext cx="1224000" cy="0"/>
+            <a:off x="7194728" y="4284000"/>
+            <a:ext cx="1045301" cy="0"/>
           </a:xfrm>
           <a:prstGeom prst="line">
             <a:avLst/>
@@ -4700,9 +5074,9 @@
           <p:nvPr/>
         </p:nvSpPr>
         <p:spPr>
-          <a:xfrm>
-            <a:off x="9684000" y="4608000"/>
-            <a:ext cx="1044000" cy="0"/>
+          <a:xfrm flipV="1">
+            <a:off x="9463968" y="4271940"/>
+            <a:ext cx="971280" cy="12060"/>
           </a:xfrm>
           <a:prstGeom prst="line">
             <a:avLst/>
@@ -4875,7 +5249,7 @@
         </p:nvSpPr>
         <p:spPr>
           <a:xfrm>
-            <a:off x="2304000" y="2205000"/>
+            <a:off x="2502000" y="1404697"/>
             <a:ext cx="7512480" cy="1034280"/>
           </a:xfrm>
           <a:prstGeom prst="rect">
@@ -4907,9 +5281,11 @@
                 <a:spcPct val="100000"/>
               </a:lnSpc>
             </a:pPr>
-            <a:br/>
+            <a:br>
+              <a:rPr dirty="0"/>
+            </a:br>
             <a:r>
-              <a:rPr lang="pt-BR" sz="3200" b="1" strike="noStrike" spc="-1">
+              <a:rPr lang="pt-BR" sz="3200" b="1" strike="noStrike" spc="-1" dirty="0">
                 <a:solidFill>
                   <a:srgbClr val="8DC641"/>
                 </a:solidFill>
@@ -4918,7 +5294,7 @@
               </a:rPr>
               <a:t>Prática  de análise de sistemas</a:t>
             </a:r>
-            <a:endParaRPr lang="pt-BR" sz="3200" b="0" strike="noStrike" spc="-1">
+            <a:endParaRPr lang="pt-BR" sz="3200" b="0" strike="noStrike" spc="-1" dirty="0">
               <a:latin typeface="Arial"/>
             </a:endParaRPr>
           </a:p>
@@ -4928,7 +5304,7 @@
                 <a:spcPct val="100000"/>
               </a:lnSpc>
             </a:pPr>
-            <a:endParaRPr lang="pt-BR" sz="3200" b="0" strike="noStrike" spc="-1">
+            <a:endParaRPr lang="pt-BR" sz="3200" b="0" strike="noStrike" spc="-1" dirty="0">
               <a:latin typeface="Arial"/>
             </a:endParaRPr>
           </a:p>
@@ -4938,7 +5314,7 @@
                 <a:spcPct val="100000"/>
               </a:lnSpc>
             </a:pPr>
-            <a:endParaRPr lang="pt-BR" sz="3200" b="0" strike="noStrike" spc="-1">
+            <a:endParaRPr lang="pt-BR" sz="3200" b="0" strike="noStrike" spc="-1" dirty="0">
               <a:latin typeface="Arial"/>
             </a:endParaRPr>
           </a:p>
@@ -5002,14 +5378,14 @@
       </p:sp>
       <p:sp>
         <p:nvSpPr>
-          <p:cNvPr id="95" name="CustomShape 4"/>
+          <p:cNvPr id="96" name="CustomShape 5"/>
           <p:cNvSpPr/>
           <p:nvPr/>
         </p:nvSpPr>
         <p:spPr>
           <a:xfrm>
-            <a:off x="2520000" y="3975840"/>
-            <a:ext cx="7991280" cy="1279440"/>
+            <a:off x="3246329" y="2169252"/>
+            <a:ext cx="5788440" cy="458640"/>
           </a:xfrm>
           <a:prstGeom prst="rect">
             <a:avLst/>
@@ -5032,7 +5408,7 @@
           <a:fontRef idx="minor"/>
         </p:style>
         <p:txBody>
-          <a:bodyPr lIns="0" tIns="0" rIns="0" bIns="0"/>
+          <a:bodyPr lIns="90000" tIns="45000" rIns="90000" bIns="45000"/>
           <a:lstStyle/>
           <a:p>
             <a:pPr>
@@ -5041,123 +5417,7 @@
               </a:lnSpc>
             </a:pPr>
             <a:r>
-              <a:rPr lang="pt-BR" sz="1800" b="1" strike="noStrike" spc="-1">
-                <a:solidFill>
-                  <a:srgbClr val="8DC641"/>
-                </a:solidFill>
-                <a:latin typeface="Arial"/>
-                <a:ea typeface="DejaVu Sans"/>
-              </a:rPr>
-              <a:t>Front End : Bootstrap 4, Jquery, git, </a:t>
-            </a:r>
-            <a:r>
-              <a:rPr lang="pt-BR" sz="1800" b="1" strike="noStrike" spc="-1">
-                <a:solidFill>
-                  <a:srgbClr val="8DC641"/>
-                </a:solidFill>
-                <a:latin typeface="Arial"/>
-                <a:ea typeface="Arial"/>
-              </a:rPr>
-              <a:t>Sublime text/ vscode,html5, css3, JavaScript, trello</a:t>
-            </a:r>
-            <a:endParaRPr lang="pt-BR" sz="1800" b="0" strike="noStrike" spc="-1">
-              <a:latin typeface="Arial"/>
-            </a:endParaRPr>
-          </a:p>
-          <a:p>
-            <a:pPr>
-              <a:lnSpc>
-                <a:spcPct val="100000"/>
-              </a:lnSpc>
-            </a:pPr>
-            <a:endParaRPr lang="pt-BR" sz="1800" b="0" strike="noStrike" spc="-1">
-              <a:latin typeface="Arial"/>
-            </a:endParaRPr>
-          </a:p>
-          <a:p>
-            <a:pPr>
-              <a:lnSpc>
-                <a:spcPct val="100000"/>
-              </a:lnSpc>
-            </a:pPr>
-            <a:r>
-              <a:rPr lang="pt-BR" sz="1800" b="1" strike="noStrike" spc="-1">
-                <a:solidFill>
-                  <a:srgbClr val="8DC641"/>
-                </a:solidFill>
-                <a:latin typeface="Arial"/>
-                <a:ea typeface="DejaVu Sans"/>
-              </a:rPr>
-              <a:t>Back End: PHP, MYSQL, mysql workbench</a:t>
-            </a:r>
-            <a:endParaRPr lang="pt-BR" sz="1800" b="0" strike="noStrike" spc="-1">
-              <a:latin typeface="Arial"/>
-            </a:endParaRPr>
-          </a:p>
-          <a:p>
-            <a:pPr>
-              <a:lnSpc>
-                <a:spcPct val="100000"/>
-              </a:lnSpc>
-            </a:pPr>
-            <a:endParaRPr lang="pt-BR" sz="1800" b="0" strike="noStrike" spc="-1">
-              <a:latin typeface="Arial"/>
-            </a:endParaRPr>
-          </a:p>
-          <a:p>
-            <a:pPr>
-              <a:lnSpc>
-                <a:spcPct val="100000"/>
-              </a:lnSpc>
-            </a:pPr>
-            <a:endParaRPr lang="pt-BR" sz="1800" b="0" strike="noStrike" spc="-1">
-              <a:latin typeface="Arial"/>
-            </a:endParaRPr>
-          </a:p>
-        </p:txBody>
-      </p:sp>
-      <p:sp>
-        <p:nvSpPr>
-          <p:cNvPr id="96" name="CustomShape 5"/>
-          <p:cNvSpPr/>
-          <p:nvPr/>
-        </p:nvSpPr>
-        <p:spPr>
-          <a:xfrm>
-            <a:off x="3168000" y="3140640"/>
-            <a:ext cx="5788440" cy="458640"/>
-          </a:xfrm>
-          <a:prstGeom prst="rect">
-            <a:avLst/>
-          </a:prstGeom>
-          <a:noFill/>
-          <a:ln>
-            <a:noFill/>
-          </a:ln>
-        </p:spPr>
-        <p:style>
-          <a:lnRef idx="0">
-            <a:scrgbClr r="0" g="0" b="0"/>
-          </a:lnRef>
-          <a:fillRef idx="0">
-            <a:scrgbClr r="0" g="0" b="0"/>
-          </a:fillRef>
-          <a:effectRef idx="0">
-            <a:scrgbClr r="0" g="0" b="0"/>
-          </a:effectRef>
-          <a:fontRef idx="minor"/>
-        </p:style>
-        <p:txBody>
-          <a:bodyPr lIns="90000" tIns="45000" rIns="90000" bIns="45000"/>
-          <a:lstStyle/>
-          <a:p>
-            <a:pPr>
-              <a:lnSpc>
-                <a:spcPct val="100000"/>
-              </a:lnSpc>
-            </a:pPr>
-            <a:r>
-              <a:rPr lang="pt-BR" sz="2600" b="1" strike="noStrike" spc="-1">
+              <a:rPr lang="pt-BR" sz="2600" b="1" strike="noStrike" spc="-1" dirty="0">
                 <a:solidFill>
                   <a:srgbClr val="8DC641"/>
                 </a:solidFill>
@@ -5166,7 +5426,7 @@
               </a:rPr>
               <a:t> Tecnologias envolvidas nas etapas</a:t>
             </a:r>
-            <a:endParaRPr lang="pt-BR" sz="2600" b="0" strike="noStrike" spc="-1">
+            <a:endParaRPr lang="pt-BR" sz="2600" b="0" strike="noStrike" spc="-1" dirty="0">
               <a:latin typeface="Arial"/>
             </a:endParaRPr>
           </a:p>
@@ -5193,6 +5453,258 @@
           <a:ln>
             <a:noFill/>
           </a:ln>
+        </p:spPr>
+      </p:pic>
+      <p:pic>
+        <p:nvPicPr>
+          <p:cNvPr id="7" name="Imagem 6">
+            <a:extLst>
+              <a:ext uri="{FF2B5EF4-FFF2-40B4-BE49-F238E27FC236}">
+                <a16:creationId xmlns:a16="http://schemas.microsoft.com/office/drawing/2014/main" id="{68E3B549-F3A1-4AF6-9266-1595C0A8FB10}"/>
+              </a:ext>
+            </a:extLst>
+          </p:cNvPr>
+          <p:cNvPicPr>
+            <a:picLocks noChangeAspect="1"/>
+          </p:cNvPicPr>
+          <p:nvPr/>
+        </p:nvPicPr>
+        <p:blipFill>
+          <a:blip r:embed="rId4">
+            <a:extLst>
+              <a:ext uri="{28A0092B-C50C-407E-A947-70E740481C1C}">
+                <a14:useLocalDpi xmlns:a14="http://schemas.microsoft.com/office/drawing/2010/main" val="0"/>
+              </a:ext>
+            </a:extLst>
+          </a:blip>
+          <a:stretch>
+            <a:fillRect/>
+          </a:stretch>
+        </p:blipFill>
+        <p:spPr>
+          <a:xfrm>
+            <a:off x="5127732" y="4505884"/>
+            <a:ext cx="1894838" cy="947419"/>
+          </a:xfrm>
+          <a:prstGeom prst="rect">
+            <a:avLst/>
+          </a:prstGeom>
+        </p:spPr>
+      </p:pic>
+      <p:pic>
+        <p:nvPicPr>
+          <p:cNvPr id="9" name="Imagem 8">
+            <a:extLst>
+              <a:ext uri="{FF2B5EF4-FFF2-40B4-BE49-F238E27FC236}">
+                <a16:creationId xmlns:a16="http://schemas.microsoft.com/office/drawing/2014/main" id="{94D28981-6D35-4EB8-BFB8-AEA245FC4062}"/>
+              </a:ext>
+            </a:extLst>
+          </p:cNvPr>
+          <p:cNvPicPr>
+            <a:picLocks noChangeAspect="1"/>
+          </p:cNvPicPr>
+          <p:nvPr/>
+        </p:nvPicPr>
+        <p:blipFill>
+          <a:blip r:embed="rId5">
+            <a:extLst>
+              <a:ext uri="{28A0092B-C50C-407E-A947-70E740481C1C}">
+                <a14:useLocalDpi xmlns:a14="http://schemas.microsoft.com/office/drawing/2010/main" val="0"/>
+              </a:ext>
+            </a:extLst>
+          </a:blip>
+          <a:stretch>
+            <a:fillRect/>
+          </a:stretch>
+        </p:blipFill>
+        <p:spPr>
+          <a:xfrm>
+            <a:off x="8011254" y="4467546"/>
+            <a:ext cx="926792" cy="926792"/>
+          </a:xfrm>
+          <a:prstGeom prst="rect">
+            <a:avLst/>
+          </a:prstGeom>
+        </p:spPr>
+      </p:pic>
+      <p:pic>
+        <p:nvPicPr>
+          <p:cNvPr id="11" name="Imagem 10">
+            <a:extLst>
+              <a:ext uri="{FF2B5EF4-FFF2-40B4-BE49-F238E27FC236}">
+                <a16:creationId xmlns:a16="http://schemas.microsoft.com/office/drawing/2014/main" id="{1F15C987-1575-4CB2-8E8B-1EF1A0DD4A93}"/>
+              </a:ext>
+            </a:extLst>
+          </p:cNvPr>
+          <p:cNvPicPr>
+            <a:picLocks noChangeAspect="1"/>
+          </p:cNvPicPr>
+          <p:nvPr/>
+        </p:nvPicPr>
+        <p:blipFill>
+          <a:blip r:embed="rId6">
+            <a:extLst>
+              <a:ext uri="{28A0092B-C50C-407E-A947-70E740481C1C}">
+                <a14:useLocalDpi xmlns:a14="http://schemas.microsoft.com/office/drawing/2010/main" val="0"/>
+              </a:ext>
+            </a:extLst>
+          </a:blip>
+          <a:stretch>
+            <a:fillRect/>
+          </a:stretch>
+        </p:blipFill>
+        <p:spPr>
+          <a:xfrm>
+            <a:off x="1092398" y="5400566"/>
+            <a:ext cx="1496987" cy="838313"/>
+          </a:xfrm>
+          <a:prstGeom prst="rect">
+            <a:avLst/>
+          </a:prstGeom>
+        </p:spPr>
+      </p:pic>
+      <p:pic>
+        <p:nvPicPr>
+          <p:cNvPr id="13" name="Imagem 12">
+            <a:extLst>
+              <a:ext uri="{FF2B5EF4-FFF2-40B4-BE49-F238E27FC236}">
+                <a16:creationId xmlns:a16="http://schemas.microsoft.com/office/drawing/2014/main" id="{AEC8479C-26DC-4FE7-9481-E27FA42E111C}"/>
+              </a:ext>
+            </a:extLst>
+          </p:cNvPr>
+          <p:cNvPicPr>
+            <a:picLocks noChangeAspect="1"/>
+          </p:cNvPicPr>
+          <p:nvPr/>
+        </p:nvPicPr>
+        <p:blipFill>
+          <a:blip r:embed="rId7">
+            <a:extLst>
+              <a:ext uri="{28A0092B-C50C-407E-A947-70E740481C1C}">
+                <a14:useLocalDpi xmlns:a14="http://schemas.microsoft.com/office/drawing/2010/main" val="0"/>
+              </a:ext>
+            </a:extLst>
+          </a:blip>
+          <a:stretch>
+            <a:fillRect/>
+          </a:stretch>
+        </p:blipFill>
+        <p:spPr>
+          <a:xfrm>
+            <a:off x="2274087" y="4038360"/>
+            <a:ext cx="2619375" cy="1743075"/>
+          </a:xfrm>
+          <a:prstGeom prst="rect">
+            <a:avLst/>
+          </a:prstGeom>
+        </p:spPr>
+      </p:pic>
+      <p:pic>
+        <p:nvPicPr>
+          <p:cNvPr id="15" name="Imagem 14">
+            <a:extLst>
+              <a:ext uri="{FF2B5EF4-FFF2-40B4-BE49-F238E27FC236}">
+                <a16:creationId xmlns:a16="http://schemas.microsoft.com/office/drawing/2014/main" id="{69506CAF-B0AA-4273-8291-8AF131A995D8}"/>
+              </a:ext>
+            </a:extLst>
+          </p:cNvPr>
+          <p:cNvPicPr>
+            <a:picLocks noChangeAspect="1"/>
+          </p:cNvPicPr>
+          <p:nvPr/>
+        </p:nvPicPr>
+        <p:blipFill>
+          <a:blip r:embed="rId8">
+            <a:extLst>
+              <a:ext uri="{28A0092B-C50C-407E-A947-70E740481C1C}">
+                <a14:useLocalDpi xmlns:a14="http://schemas.microsoft.com/office/drawing/2010/main" val="0"/>
+              </a:ext>
+            </a:extLst>
+          </a:blip>
+          <a:stretch>
+            <a:fillRect/>
+          </a:stretch>
+        </p:blipFill>
+        <p:spPr>
+          <a:xfrm>
+            <a:off x="5127732" y="5721511"/>
+            <a:ext cx="2693793" cy="720000"/>
+          </a:xfrm>
+          <a:prstGeom prst="rect">
+            <a:avLst/>
+          </a:prstGeom>
+        </p:spPr>
+      </p:pic>
+      <p:pic>
+        <p:nvPicPr>
+          <p:cNvPr id="17" name="Imagem 16">
+            <a:extLst>
+              <a:ext uri="{FF2B5EF4-FFF2-40B4-BE49-F238E27FC236}">
+                <a16:creationId xmlns:a16="http://schemas.microsoft.com/office/drawing/2014/main" id="{EF129ECB-ED4D-403B-AD78-DA07282A0882}"/>
+              </a:ext>
+            </a:extLst>
+          </p:cNvPr>
+          <p:cNvPicPr>
+            <a:picLocks noChangeAspect="1"/>
+          </p:cNvPicPr>
+          <p:nvPr/>
+        </p:nvPicPr>
+        <p:blipFill>
+          <a:blip r:embed="rId9">
+            <a:extLst>
+              <a:ext uri="{28A0092B-C50C-407E-A947-70E740481C1C}">
+                <a14:useLocalDpi xmlns:a14="http://schemas.microsoft.com/office/drawing/2010/main" val="0"/>
+              </a:ext>
+            </a:extLst>
+          </a:blip>
+          <a:stretch>
+            <a:fillRect/>
+          </a:stretch>
+        </p:blipFill>
+        <p:spPr>
+          <a:xfrm>
+            <a:off x="8938046" y="5453303"/>
+            <a:ext cx="1773710" cy="1102111"/>
+          </a:xfrm>
+          <a:prstGeom prst="rect">
+            <a:avLst/>
+          </a:prstGeom>
+        </p:spPr>
+      </p:pic>
+      <p:pic>
+        <p:nvPicPr>
+          <p:cNvPr id="19" name="Imagem 18">
+            <a:extLst>
+              <a:ext uri="{FF2B5EF4-FFF2-40B4-BE49-F238E27FC236}">
+                <a16:creationId xmlns:a16="http://schemas.microsoft.com/office/drawing/2014/main" id="{185F81A6-AF70-45B7-A148-C7B434F77556}"/>
+              </a:ext>
+            </a:extLst>
+          </p:cNvPr>
+          <p:cNvPicPr>
+            <a:picLocks noChangeAspect="1"/>
+          </p:cNvPicPr>
+          <p:nvPr/>
+        </p:nvPicPr>
+        <p:blipFill>
+          <a:blip r:embed="rId10">
+            <a:extLst>
+              <a:ext uri="{28A0092B-C50C-407E-A947-70E740481C1C}">
+                <a14:useLocalDpi xmlns:a14="http://schemas.microsoft.com/office/drawing/2010/main" val="0"/>
+              </a:ext>
+            </a:extLst>
+          </a:blip>
+          <a:stretch>
+            <a:fillRect/>
+          </a:stretch>
+        </p:blipFill>
+        <p:spPr>
+          <a:xfrm>
+            <a:off x="3437928" y="2800506"/>
+            <a:ext cx="5095897" cy="1446825"/>
+          </a:xfrm>
+          <a:prstGeom prst="rect">
+            <a:avLst/>
+          </a:prstGeom>
         </p:spPr>
       </p:pic>
     </p:spTree>
@@ -5257,7 +5769,7 @@
       </p:grpSpPr>
       <p:sp>
         <p:nvSpPr>
-          <p:cNvPr id="98" name="CustomShape 1"/>
+          <p:cNvPr id="91" name="CustomShape 1"/>
           <p:cNvSpPr/>
           <p:nvPr/>
         </p:nvSpPr>
@@ -5291,7 +5803,7 @@
       </p:sp>
       <p:pic>
         <p:nvPicPr>
-          <p:cNvPr id="99" name="Google Shape;89;p13"/>
+          <p:cNvPr id="92" name="Google Shape;89;p13"/>
           <p:cNvPicPr/>
           <p:nvPr/>
         </p:nvPicPr>
@@ -5314,13 +5826,13 @@
       </p:pic>
       <p:sp>
         <p:nvSpPr>
-          <p:cNvPr id="100" name="CustomShape 2"/>
+          <p:cNvPr id="93" name="CustomShape 2"/>
           <p:cNvSpPr/>
           <p:nvPr/>
         </p:nvSpPr>
         <p:spPr>
           <a:xfrm>
-            <a:off x="2304000" y="2205000"/>
+            <a:off x="2502000" y="1776239"/>
             <a:ext cx="7512480" cy="1034280"/>
           </a:xfrm>
           <a:prstGeom prst="rect">
@@ -5352,9 +5864,11 @@
                 <a:spcPct val="100000"/>
               </a:lnSpc>
             </a:pPr>
-            <a:br/>
+            <a:br>
+              <a:rPr dirty="0"/>
+            </a:br>
             <a:r>
-              <a:rPr lang="pt-BR" sz="3200" b="1" strike="noStrike" spc="-1">
+              <a:rPr lang="pt-BR" sz="3200" b="1" strike="noStrike" spc="-1" dirty="0">
                 <a:solidFill>
                   <a:srgbClr val="8DC641"/>
                 </a:solidFill>
@@ -5363,7 +5877,7 @@
               </a:rPr>
               <a:t>Prática  de análise de sistemas</a:t>
             </a:r>
-            <a:endParaRPr lang="pt-BR" sz="3200" b="0" strike="noStrike" spc="-1">
+            <a:endParaRPr lang="pt-BR" sz="3200" b="0" strike="noStrike" spc="-1" dirty="0">
               <a:latin typeface="Arial"/>
             </a:endParaRPr>
           </a:p>
@@ -5373,7 +5887,7 @@
                 <a:spcPct val="100000"/>
               </a:lnSpc>
             </a:pPr>
-            <a:endParaRPr lang="pt-BR" sz="3200" b="0" strike="noStrike" spc="-1">
+            <a:endParaRPr lang="pt-BR" sz="3200" b="0" strike="noStrike" spc="-1" dirty="0">
               <a:latin typeface="Arial"/>
             </a:endParaRPr>
           </a:p>
@@ -5383,7 +5897,7 @@
                 <a:spcPct val="100000"/>
               </a:lnSpc>
             </a:pPr>
-            <a:endParaRPr lang="pt-BR" sz="3200" b="0" strike="noStrike" spc="-1">
+            <a:endParaRPr lang="pt-BR" sz="3200" b="0" strike="noStrike" spc="-1" dirty="0">
               <a:latin typeface="Arial"/>
             </a:endParaRPr>
           </a:p>
@@ -5391,7 +5905,7 @@
       </p:sp>
       <p:sp>
         <p:nvSpPr>
-          <p:cNvPr id="101" name="CustomShape 3"/>
+          <p:cNvPr id="94" name="CustomShape 3"/>
           <p:cNvSpPr/>
           <p:nvPr/>
         </p:nvSpPr>
@@ -5447,14 +5961,14 @@
       </p:sp>
       <p:sp>
         <p:nvSpPr>
-          <p:cNvPr id="102" name="CustomShape 4"/>
+          <p:cNvPr id="96" name="CustomShape 5"/>
           <p:cNvSpPr/>
           <p:nvPr/>
         </p:nvSpPr>
         <p:spPr>
           <a:xfrm>
-            <a:off x="2520000" y="3975840"/>
-            <a:ext cx="7991280" cy="1279440"/>
+            <a:off x="3364020" y="2675880"/>
+            <a:ext cx="5788440" cy="458640"/>
           </a:xfrm>
           <a:prstGeom prst="rect">
             <a:avLst/>
@@ -5477,7 +5991,7 @@
           <a:fontRef idx="minor"/>
         </p:style>
         <p:txBody>
-          <a:bodyPr lIns="0" tIns="0" rIns="0" bIns="0"/>
+          <a:bodyPr lIns="90000" tIns="45000" rIns="90000" bIns="45000"/>
           <a:lstStyle/>
           <a:p>
             <a:pPr>
@@ -5486,83 +6000,7 @@
               </a:lnSpc>
             </a:pPr>
             <a:r>
-              <a:rPr lang="pt-BR" sz="1800" b="1" strike="noStrike" spc="-1">
-                <a:solidFill>
-                  <a:srgbClr val="8DC641"/>
-                </a:solidFill>
-                <a:latin typeface="Arial"/>
-                <a:ea typeface="DejaVu Sans"/>
-              </a:rPr>
-              <a:t>Será usado técnicas de normalização de dados para evitarmos redundância dos dados no banco.</a:t>
-            </a:r>
-            <a:endParaRPr lang="pt-BR" sz="1800" b="0" strike="noStrike" spc="-1">
-              <a:latin typeface="Arial"/>
-            </a:endParaRPr>
-          </a:p>
-          <a:p>
-            <a:pPr>
-              <a:lnSpc>
-                <a:spcPct val="100000"/>
-              </a:lnSpc>
-            </a:pPr>
-            <a:endParaRPr lang="pt-BR" sz="1800" b="0" strike="noStrike" spc="-1">
-              <a:latin typeface="Arial"/>
-            </a:endParaRPr>
-          </a:p>
-          <a:p>
-            <a:pPr>
-              <a:lnSpc>
-                <a:spcPct val="100000"/>
-              </a:lnSpc>
-            </a:pPr>
-            <a:endParaRPr lang="pt-BR" sz="1800" b="0" strike="noStrike" spc="-1">
-              <a:latin typeface="Arial"/>
-            </a:endParaRPr>
-          </a:p>
-        </p:txBody>
-      </p:sp>
-      <p:sp>
-        <p:nvSpPr>
-          <p:cNvPr id="103" name="CustomShape 5"/>
-          <p:cNvSpPr/>
-          <p:nvPr/>
-        </p:nvSpPr>
-        <p:spPr>
-          <a:xfrm>
-            <a:off x="3168000" y="3140640"/>
-            <a:ext cx="5788440" cy="458640"/>
-          </a:xfrm>
-          <a:prstGeom prst="rect">
-            <a:avLst/>
-          </a:prstGeom>
-          <a:noFill/>
-          <a:ln>
-            <a:noFill/>
-          </a:ln>
-        </p:spPr>
-        <p:style>
-          <a:lnRef idx="0">
-            <a:scrgbClr r="0" g="0" b="0"/>
-          </a:lnRef>
-          <a:fillRef idx="0">
-            <a:scrgbClr r="0" g="0" b="0"/>
-          </a:fillRef>
-          <a:effectRef idx="0">
-            <a:scrgbClr r="0" g="0" b="0"/>
-          </a:effectRef>
-          <a:fontRef idx="minor"/>
-        </p:style>
-        <p:txBody>
-          <a:bodyPr lIns="90000" tIns="45000" rIns="90000" bIns="45000"/>
-          <a:lstStyle/>
-          <a:p>
-            <a:pPr>
-              <a:lnSpc>
-                <a:spcPct val="100000"/>
-              </a:lnSpc>
-            </a:pPr>
-            <a:r>
-              <a:rPr lang="pt-BR" sz="2600" b="1" strike="noStrike" spc="-1">
+              <a:rPr lang="pt-BR" sz="2600" b="1" strike="noStrike" spc="-1" dirty="0">
                 <a:solidFill>
                   <a:srgbClr val="8DC641"/>
                 </a:solidFill>
@@ -5571,7 +6009,7 @@
               </a:rPr>
               <a:t> Tecnologias envolvidas nas etapas</a:t>
             </a:r>
-            <a:endParaRPr lang="pt-BR" sz="2600" b="0" strike="noStrike" spc="-1">
+            <a:endParaRPr lang="pt-BR" sz="2600" b="0" strike="noStrike" spc="-1" dirty="0">
               <a:latin typeface="Arial"/>
             </a:endParaRPr>
           </a:p>
@@ -5579,7 +6017,7 @@
       </p:sp>
       <p:pic>
         <p:nvPicPr>
-          <p:cNvPr id="104" name="Google Shape;166;p39"/>
+          <p:cNvPr id="97" name="Google Shape;166;p39"/>
           <p:cNvPicPr/>
           <p:nvPr/>
         </p:nvPicPr>
@@ -5600,7 +6038,120 @@
           </a:ln>
         </p:spPr>
       </p:pic>
+      <p:pic>
+        <p:nvPicPr>
+          <p:cNvPr id="3" name="Imagem 2">
+            <a:extLst>
+              <a:ext uri="{FF2B5EF4-FFF2-40B4-BE49-F238E27FC236}">
+                <a16:creationId xmlns:a16="http://schemas.microsoft.com/office/drawing/2014/main" id="{FF155DAF-4F61-4320-8ACF-3D412C263C74}"/>
+              </a:ext>
+            </a:extLst>
+          </p:cNvPr>
+          <p:cNvPicPr>
+            <a:picLocks noChangeAspect="1"/>
+          </p:cNvPicPr>
+          <p:nvPr/>
+        </p:nvPicPr>
+        <p:blipFill>
+          <a:blip r:embed="rId4">
+            <a:extLst>
+              <a:ext uri="{28A0092B-C50C-407E-A947-70E740481C1C}">
+                <a14:useLocalDpi xmlns:a14="http://schemas.microsoft.com/office/drawing/2010/main" val="0"/>
+              </a:ext>
+            </a:extLst>
+          </a:blip>
+          <a:stretch>
+            <a:fillRect/>
+          </a:stretch>
+        </p:blipFill>
+        <p:spPr>
+          <a:xfrm>
+            <a:off x="973245" y="4564459"/>
+            <a:ext cx="2524349" cy="931204"/>
+          </a:xfrm>
+          <a:prstGeom prst="rect">
+            <a:avLst/>
+          </a:prstGeom>
+        </p:spPr>
+      </p:pic>
+      <p:pic>
+        <p:nvPicPr>
+          <p:cNvPr id="5" name="Imagem 4">
+            <a:extLst>
+              <a:ext uri="{FF2B5EF4-FFF2-40B4-BE49-F238E27FC236}">
+                <a16:creationId xmlns:a16="http://schemas.microsoft.com/office/drawing/2014/main" id="{518EC933-CE99-4CC5-B7BA-20B2C9EE5732}"/>
+              </a:ext>
+            </a:extLst>
+          </p:cNvPr>
+          <p:cNvPicPr>
+            <a:picLocks noChangeAspect="1"/>
+          </p:cNvPicPr>
+          <p:nvPr/>
+        </p:nvPicPr>
+        <p:blipFill>
+          <a:blip r:embed="rId5">
+            <a:extLst>
+              <a:ext uri="{28A0092B-C50C-407E-A947-70E740481C1C}">
+                <a14:useLocalDpi xmlns:a14="http://schemas.microsoft.com/office/drawing/2010/main" val="0"/>
+              </a:ext>
+            </a:extLst>
+          </a:blip>
+          <a:stretch>
+            <a:fillRect/>
+          </a:stretch>
+        </p:blipFill>
+        <p:spPr>
+          <a:xfrm>
+            <a:off x="8199204" y="4343899"/>
+            <a:ext cx="2362476" cy="1369435"/>
+          </a:xfrm>
+          <a:prstGeom prst="rect">
+            <a:avLst/>
+          </a:prstGeom>
+        </p:spPr>
+      </p:pic>
+      <p:pic>
+        <p:nvPicPr>
+          <p:cNvPr id="12" name="Imagem 11">
+            <a:extLst>
+              <a:ext uri="{FF2B5EF4-FFF2-40B4-BE49-F238E27FC236}">
+                <a16:creationId xmlns:a16="http://schemas.microsoft.com/office/drawing/2014/main" id="{A06665C9-AB61-407E-A29B-9CC609C5CDD6}"/>
+              </a:ext>
+            </a:extLst>
+          </p:cNvPr>
+          <p:cNvPicPr>
+            <a:picLocks noChangeAspect="1"/>
+          </p:cNvPicPr>
+          <p:nvPr/>
+        </p:nvPicPr>
+        <p:blipFill>
+          <a:blip r:embed="rId6">
+            <a:extLst>
+              <a:ext uri="{28A0092B-C50C-407E-A947-70E740481C1C}">
+                <a14:useLocalDpi xmlns:a14="http://schemas.microsoft.com/office/drawing/2010/main" val="0"/>
+              </a:ext>
+            </a:extLst>
+          </a:blip>
+          <a:stretch>
+            <a:fillRect/>
+          </a:stretch>
+        </p:blipFill>
+        <p:spPr>
+          <a:xfrm>
+            <a:off x="3676992" y="3192136"/>
+            <a:ext cx="4838015" cy="2303527"/>
+          </a:xfrm>
+          <a:prstGeom prst="rect">
+            <a:avLst/>
+          </a:prstGeom>
+        </p:spPr>
+      </p:pic>
     </p:spTree>
+    <p:extLst>
+      <p:ext uri="{BB962C8B-B14F-4D97-AF65-F5344CB8AC3E}">
+        <p14:creationId xmlns:p14="http://schemas.microsoft.com/office/powerpoint/2010/main" val="495282686"/>
+      </p:ext>
+    </p:extLst>
   </p:cSld>
   <p:clrMapOvr>
     <a:masterClrMapping/>
@@ -5662,7 +6213,7 @@
       </p:grpSpPr>
       <p:sp>
         <p:nvSpPr>
-          <p:cNvPr id="105" name="CustomShape 1"/>
+          <p:cNvPr id="98" name="CustomShape 1"/>
           <p:cNvSpPr/>
           <p:nvPr/>
         </p:nvSpPr>
@@ -5696,7 +6247,7 @@
       </p:sp>
       <p:pic>
         <p:nvPicPr>
-          <p:cNvPr id="106" name="Google Shape;89;p13"/>
+          <p:cNvPr id="99" name="Google Shape;89;p13"/>
           <p:cNvPicPr/>
           <p:nvPr/>
         </p:nvPicPr>
@@ -5719,14 +6270,14 @@
       </p:pic>
       <p:sp>
         <p:nvSpPr>
-          <p:cNvPr id="107" name="CustomShape 2"/>
+          <p:cNvPr id="100" name="CustomShape 2"/>
           <p:cNvSpPr/>
           <p:nvPr/>
         </p:nvSpPr>
         <p:spPr>
           <a:xfrm>
-            <a:off x="2423160" y="1809360"/>
-            <a:ext cx="7512480" cy="1322280"/>
+            <a:off x="2304000" y="2205000"/>
+            <a:ext cx="7512480" cy="1034280"/>
           </a:xfrm>
           <a:prstGeom prst="rect">
             <a:avLst/>
@@ -5782,11 +6333,21 @@
               <a:latin typeface="Arial"/>
             </a:endParaRPr>
           </a:p>
+          <a:p>
+            <a:pPr algn="ctr">
+              <a:lnSpc>
+                <a:spcPct val="100000"/>
+              </a:lnSpc>
+            </a:pPr>
+            <a:endParaRPr lang="pt-BR" sz="3200" b="0" strike="noStrike" spc="-1">
+              <a:latin typeface="Arial"/>
+            </a:endParaRPr>
+          </a:p>
         </p:txBody>
       </p:sp>
       <p:sp>
         <p:nvSpPr>
-          <p:cNvPr id="108" name="CustomShape 3"/>
+          <p:cNvPr id="101" name="CustomShape 3"/>
           <p:cNvSpPr/>
           <p:nvPr/>
         </p:nvSpPr>
@@ -5842,14 +6403,90 @@
       </p:sp>
       <p:sp>
         <p:nvSpPr>
-          <p:cNvPr id="109" name="CustomShape 4"/>
+          <p:cNvPr id="102" name="CustomShape 4"/>
           <p:cNvSpPr/>
           <p:nvPr/>
         </p:nvSpPr>
         <p:spPr>
           <a:xfrm>
-            <a:off x="2160000" y="2952000"/>
-            <a:ext cx="8205840" cy="459000"/>
+            <a:off x="2520000" y="3975840"/>
+            <a:ext cx="7991280" cy="1279440"/>
+          </a:xfrm>
+          <a:prstGeom prst="rect">
+            <a:avLst/>
+          </a:prstGeom>
+          <a:noFill/>
+          <a:ln>
+            <a:noFill/>
+          </a:ln>
+        </p:spPr>
+        <p:style>
+          <a:lnRef idx="0">
+            <a:scrgbClr r="0" g="0" b="0"/>
+          </a:lnRef>
+          <a:fillRef idx="0">
+            <a:scrgbClr r="0" g="0" b="0"/>
+          </a:fillRef>
+          <a:effectRef idx="0">
+            <a:scrgbClr r="0" g="0" b="0"/>
+          </a:effectRef>
+          <a:fontRef idx="minor"/>
+        </p:style>
+        <p:txBody>
+          <a:bodyPr lIns="0" tIns="0" rIns="0" bIns="0"/>
+          <a:lstStyle/>
+          <a:p>
+            <a:pPr>
+              <a:lnSpc>
+                <a:spcPct val="100000"/>
+              </a:lnSpc>
+            </a:pPr>
+            <a:r>
+              <a:rPr lang="pt-BR" sz="1800" b="1" strike="noStrike" spc="-1">
+                <a:solidFill>
+                  <a:srgbClr val="8DC641"/>
+                </a:solidFill>
+                <a:latin typeface="Arial"/>
+                <a:ea typeface="DejaVu Sans"/>
+              </a:rPr>
+              <a:t>Será usado técnicas de normalização de dados para evitarmos redundância dos dados no banco.</a:t>
+            </a:r>
+            <a:endParaRPr lang="pt-BR" sz="1800" b="0" strike="noStrike" spc="-1">
+              <a:latin typeface="Arial"/>
+            </a:endParaRPr>
+          </a:p>
+          <a:p>
+            <a:pPr>
+              <a:lnSpc>
+                <a:spcPct val="100000"/>
+              </a:lnSpc>
+            </a:pPr>
+            <a:endParaRPr lang="pt-BR" sz="1800" b="0" strike="noStrike" spc="-1">
+              <a:latin typeface="Arial"/>
+            </a:endParaRPr>
+          </a:p>
+          <a:p>
+            <a:pPr>
+              <a:lnSpc>
+                <a:spcPct val="100000"/>
+              </a:lnSpc>
+            </a:pPr>
+            <a:endParaRPr lang="pt-BR" sz="1800" b="0" strike="noStrike" spc="-1">
+              <a:latin typeface="Arial"/>
+            </a:endParaRPr>
+          </a:p>
+        </p:txBody>
+      </p:sp>
+      <p:sp>
+        <p:nvSpPr>
+          <p:cNvPr id="103" name="CustomShape 5"/>
+          <p:cNvSpPr/>
+          <p:nvPr/>
+        </p:nvSpPr>
+        <p:spPr>
+          <a:xfrm>
+            <a:off x="3168000" y="3140640"/>
+            <a:ext cx="5788440" cy="458640"/>
           </a:xfrm>
           <a:prstGeom prst="rect">
             <a:avLst/>
@@ -5888,7 +6525,7 @@
                 <a:latin typeface="Arial"/>
                 <a:ea typeface="Arial"/>
               </a:rPr>
-              <a:t>Aplicações das tecnologias (onde serão aplicadas)</a:t>
+              <a:t> Tecnologias envolvidas nas etapas</a:t>
             </a:r>
             <a:endParaRPr lang="pt-BR" sz="2600" b="0" strike="noStrike" spc="-1">
               <a:latin typeface="Arial"/>
@@ -5896,145 +6533,9 @@
           </a:p>
         </p:txBody>
       </p:sp>
-      <p:sp>
-        <p:nvSpPr>
-          <p:cNvPr id="110" name="CustomShape 5"/>
-          <p:cNvSpPr/>
-          <p:nvPr/>
-        </p:nvSpPr>
-        <p:spPr>
-          <a:xfrm>
-            <a:off x="1188000" y="3674520"/>
-            <a:ext cx="9812160" cy="1653120"/>
-          </a:xfrm>
-          <a:prstGeom prst="rect">
-            <a:avLst/>
-          </a:prstGeom>
-          <a:noFill/>
-          <a:ln>
-            <a:noFill/>
-          </a:ln>
-        </p:spPr>
-        <p:style>
-          <a:lnRef idx="0">
-            <a:scrgbClr r="0" g="0" b="0"/>
-          </a:lnRef>
-          <a:fillRef idx="0">
-            <a:scrgbClr r="0" g="0" b="0"/>
-          </a:fillRef>
-          <a:effectRef idx="0">
-            <a:scrgbClr r="0" g="0" b="0"/>
-          </a:effectRef>
-          <a:fontRef idx="minor"/>
-        </p:style>
-        <p:txBody>
-          <a:bodyPr lIns="90000" tIns="45000" rIns="90000" bIns="45000"/>
-          <a:lstStyle/>
-          <a:p>
-            <a:pPr algn="just">
-              <a:lnSpc>
-                <a:spcPct val="100000"/>
-              </a:lnSpc>
-            </a:pPr>
-            <a:r>
-              <a:rPr lang="pt-BR" sz="1800" b="1" strike="noStrike" spc="-1">
-                <a:solidFill>
-                  <a:srgbClr val="8DC641"/>
-                </a:solidFill>
-                <a:latin typeface="Arial"/>
-                <a:ea typeface="Arial"/>
-              </a:rPr>
-              <a:t>Para realizar a modelagem do sistema, será utilizado a ferramenta lucidchart</a:t>
-            </a:r>
-            <a:endParaRPr lang="pt-BR" sz="1800" b="0" strike="noStrike" spc="-1">
-              <a:latin typeface="Arial"/>
-            </a:endParaRPr>
-          </a:p>
-          <a:p>
-            <a:pPr algn="just">
-              <a:lnSpc>
-                <a:spcPct val="100000"/>
-              </a:lnSpc>
-            </a:pPr>
-            <a:r>
-              <a:rPr lang="pt-BR" sz="1800" b="1" strike="noStrike" spc="-1">
-                <a:solidFill>
-                  <a:srgbClr val="8DC641"/>
-                </a:solidFill>
-                <a:latin typeface="Arial"/>
-                <a:ea typeface="Arial"/>
-              </a:rPr>
-              <a:t>para fazermos os diagramas de classe e casos de uso do sistema.</a:t>
-            </a:r>
-            <a:endParaRPr lang="pt-BR" sz="1800" b="0" strike="noStrike" spc="-1">
-              <a:latin typeface="Arial"/>
-            </a:endParaRPr>
-          </a:p>
-          <a:p>
-            <a:pPr algn="just">
-              <a:lnSpc>
-                <a:spcPct val="100000"/>
-              </a:lnSpc>
-            </a:pPr>
-            <a:endParaRPr lang="pt-BR" sz="1800" b="0" strike="noStrike" spc="-1">
-              <a:latin typeface="Arial"/>
-            </a:endParaRPr>
-          </a:p>
-          <a:p>
-            <a:pPr algn="just">
-              <a:lnSpc>
-                <a:spcPct val="100000"/>
-              </a:lnSpc>
-            </a:pPr>
-            <a:r>
-              <a:rPr lang="pt-BR" sz="1800" b="1" strike="noStrike" spc="-1">
-                <a:solidFill>
-                  <a:srgbClr val="8DC641"/>
-                </a:solidFill>
-                <a:latin typeface="Arial"/>
-                <a:ea typeface="Arial"/>
-              </a:rPr>
-              <a:t>Para fazermos a modelagem do banco de dados, será usado o próprio mysql workbench</a:t>
-            </a:r>
-            <a:endParaRPr lang="pt-BR" sz="1800" b="0" strike="noStrike" spc="-1">
-              <a:latin typeface="Arial"/>
-            </a:endParaRPr>
-          </a:p>
-          <a:p>
-            <a:pPr algn="just">
-              <a:lnSpc>
-                <a:spcPct val="100000"/>
-              </a:lnSpc>
-            </a:pPr>
-            <a:r>
-              <a:rPr lang="pt-BR" sz="1800" b="1" strike="noStrike" spc="-1">
-                <a:solidFill>
-                  <a:srgbClr val="8DC641"/>
-                </a:solidFill>
-                <a:latin typeface="Arial"/>
-                <a:ea typeface="Arial"/>
-              </a:rPr>
-              <a:t>Pois quando fizermos o modelo lógico já poderemos convertê-lo  para o modelo físico</a:t>
-            </a:r>
-            <a:endParaRPr lang="pt-BR" sz="1800" b="0" strike="noStrike" spc="-1">
-              <a:latin typeface="Arial"/>
-            </a:endParaRPr>
-          </a:p>
-          <a:p>
-            <a:pPr algn="just">
-              <a:lnSpc>
-                <a:spcPct val="100000"/>
-              </a:lnSpc>
-            </a:pPr>
-            <a:endParaRPr lang="pt-BR" sz="1800" b="0" strike="noStrike" spc="-1">
-              <a:latin typeface="Arial"/>
-            </a:endParaRPr>
-          </a:p>
-        </p:txBody>
-      </p:sp>
       <p:pic>
         <p:nvPicPr>
-          <p:cNvPr id="111" name="Google Shape;166;p39"/>
+          <p:cNvPr id="104" name="Google Shape;166;p39"/>
           <p:cNvPicPr/>
           <p:nvPr/>
         </p:nvPicPr>
@@ -6117,7 +6618,7 @@
       </p:grpSpPr>
       <p:sp>
         <p:nvSpPr>
-          <p:cNvPr id="112" name="CustomShape 1"/>
+          <p:cNvPr id="105" name="CustomShape 1"/>
           <p:cNvSpPr/>
           <p:nvPr/>
         </p:nvSpPr>
@@ -6151,7 +6652,7 @@
       </p:sp>
       <p:pic>
         <p:nvPicPr>
-          <p:cNvPr id="113" name="Google Shape;89;p13"/>
+          <p:cNvPr id="106" name="Google Shape;89;p13"/>
           <p:cNvPicPr/>
           <p:nvPr/>
         </p:nvPicPr>
@@ -6174,13 +6675,13 @@
       </p:pic>
       <p:sp>
         <p:nvSpPr>
-          <p:cNvPr id="114" name="CustomShape 2"/>
+          <p:cNvPr id="107" name="CustomShape 2"/>
           <p:cNvSpPr/>
           <p:nvPr/>
         </p:nvSpPr>
         <p:spPr>
           <a:xfrm>
-            <a:off x="2160000" y="1872000"/>
+            <a:off x="2423160" y="1809360"/>
             <a:ext cx="7512480" cy="1322280"/>
           </a:xfrm>
           <a:prstGeom prst="rect">
@@ -6241,13 +6742,13 @@
       </p:sp>
       <p:sp>
         <p:nvSpPr>
-          <p:cNvPr id="115" name="CustomShape 3"/>
+          <p:cNvPr id="108" name="CustomShape 3"/>
           <p:cNvSpPr/>
           <p:nvPr/>
         </p:nvSpPr>
         <p:spPr>
           <a:xfrm>
-            <a:off x="461160" y="6479280"/>
+            <a:off x="360000" y="6479280"/>
             <a:ext cx="11130120" cy="720000"/>
           </a:xfrm>
           <a:prstGeom prst="rect">
@@ -6297,14 +6798,14 @@
       </p:sp>
       <p:sp>
         <p:nvSpPr>
-          <p:cNvPr id="116" name="CustomShape 4"/>
+          <p:cNvPr id="109" name="CustomShape 4"/>
           <p:cNvSpPr/>
           <p:nvPr/>
         </p:nvSpPr>
         <p:spPr>
           <a:xfrm>
-            <a:off x="4320000" y="2288880"/>
-            <a:ext cx="2332080" cy="914760"/>
+            <a:off x="2160000" y="2952000"/>
+            <a:ext cx="8205840" cy="459000"/>
           </a:xfrm>
           <a:prstGeom prst="rect">
             <a:avLst/>
@@ -6329,16 +6830,6 @@
         <p:txBody>
           <a:bodyPr lIns="90000" tIns="45000" rIns="90000" bIns="45000"/>
           <a:lstStyle/>
-          <a:p>
-            <a:pPr algn="ctr">
-              <a:lnSpc>
-                <a:spcPct val="100000"/>
-              </a:lnSpc>
-            </a:pPr>
-            <a:endParaRPr lang="pt-BR" sz="1800" b="0" strike="noStrike" spc="-1">
-              <a:latin typeface="Arial"/>
-            </a:endParaRPr>
-          </a:p>
           <a:p>
             <a:pPr>
               <a:lnSpc>
@@ -6353,7 +6844,7 @@
                 <a:latin typeface="Arial"/>
                 <a:ea typeface="Arial"/>
               </a:rPr>
-              <a:t> Cronograma </a:t>
+              <a:t>Aplicações das tecnologias (onde serão aplicadas)</a:t>
             </a:r>
             <a:endParaRPr lang="pt-BR" sz="2600" b="0" strike="noStrike" spc="-1">
               <a:latin typeface="Arial"/>
@@ -6363,14 +6854,14 @@
       </p:sp>
       <p:sp>
         <p:nvSpPr>
-          <p:cNvPr id="117" name="CustomShape 5"/>
+          <p:cNvPr id="110" name="CustomShape 5"/>
           <p:cNvSpPr/>
           <p:nvPr/>
         </p:nvSpPr>
         <p:spPr>
           <a:xfrm>
-            <a:off x="1944720" y="3493080"/>
-            <a:ext cx="7335720" cy="656640"/>
+            <a:off x="1188000" y="3674520"/>
+            <a:ext cx="9812160" cy="1653120"/>
           </a:xfrm>
           <a:prstGeom prst="rect">
             <a:avLst/>
@@ -6396,42 +6887,102 @@
           <a:bodyPr lIns="90000" tIns="45000" rIns="90000" bIns="45000"/>
           <a:lstStyle/>
           <a:p>
-            <a:pPr>
+            <a:pPr algn="just">
               <a:lnSpc>
                 <a:spcPct val="100000"/>
               </a:lnSpc>
             </a:pPr>
             <a:r>
-              <a:rPr lang="pt-BR" sz="2000" b="1" strike="noStrike" spc="-1">
+              <a:rPr lang="pt-BR" sz="1800" b="1" strike="noStrike" spc="-1">
                 <a:solidFill>
                   <a:srgbClr val="8DC641"/>
                 </a:solidFill>
                 <a:latin typeface="Arial"/>
                 <a:ea typeface="Arial"/>
               </a:rPr>
-              <a:t>durante as fazes do projeto, será usado a ferramenta trello </a:t>
+              <a:t>Para realizar a modelagem do sistema, será utilizado a ferramenta lucidchart</a:t>
             </a:r>
-            <a:endParaRPr lang="pt-BR" sz="2000" b="0" strike="noStrike" spc="-1">
-              <a:latin typeface="Arial"/>
-            </a:endParaRPr>
-          </a:p>
-          <a:p>
-            <a:pPr>
+            <a:endParaRPr lang="pt-BR" sz="1800" b="0" strike="noStrike" spc="-1">
+              <a:latin typeface="Arial"/>
+            </a:endParaRPr>
+          </a:p>
+          <a:p>
+            <a:pPr algn="just">
               <a:lnSpc>
                 <a:spcPct val="100000"/>
               </a:lnSpc>
             </a:pPr>
             <a:r>
-              <a:rPr lang="pt-BR" sz="2000" b="1" strike="noStrike" spc="-1">
+              <a:rPr lang="pt-BR" sz="1800" b="1" strike="noStrike" spc="-1">
                 <a:solidFill>
                   <a:srgbClr val="8DC641"/>
                 </a:solidFill>
                 <a:latin typeface="Arial"/>
                 <a:ea typeface="Arial"/>
               </a:rPr>
-              <a:t>para auxiliar no planejamento das tarefas.</a:t>
+              <a:t>para fazermos os diagramas de classe e casos de uso do sistema.</a:t>
             </a:r>
-            <a:endParaRPr lang="pt-BR" sz="2000" b="0" strike="noStrike" spc="-1">
+            <a:endParaRPr lang="pt-BR" sz="1800" b="0" strike="noStrike" spc="-1">
+              <a:latin typeface="Arial"/>
+            </a:endParaRPr>
+          </a:p>
+          <a:p>
+            <a:pPr algn="just">
+              <a:lnSpc>
+                <a:spcPct val="100000"/>
+              </a:lnSpc>
+            </a:pPr>
+            <a:endParaRPr lang="pt-BR" sz="1800" b="0" strike="noStrike" spc="-1">
+              <a:latin typeface="Arial"/>
+            </a:endParaRPr>
+          </a:p>
+          <a:p>
+            <a:pPr algn="just">
+              <a:lnSpc>
+                <a:spcPct val="100000"/>
+              </a:lnSpc>
+            </a:pPr>
+            <a:r>
+              <a:rPr lang="pt-BR" sz="1800" b="1" strike="noStrike" spc="-1">
+                <a:solidFill>
+                  <a:srgbClr val="8DC641"/>
+                </a:solidFill>
+                <a:latin typeface="Arial"/>
+                <a:ea typeface="Arial"/>
+              </a:rPr>
+              <a:t>Para fazermos a modelagem do banco de dados, será usado o próprio mysql workbench</a:t>
+            </a:r>
+            <a:endParaRPr lang="pt-BR" sz="1800" b="0" strike="noStrike" spc="-1">
+              <a:latin typeface="Arial"/>
+            </a:endParaRPr>
+          </a:p>
+          <a:p>
+            <a:pPr algn="just">
+              <a:lnSpc>
+                <a:spcPct val="100000"/>
+              </a:lnSpc>
+            </a:pPr>
+            <a:r>
+              <a:rPr lang="pt-BR" sz="1800" b="1" strike="noStrike" spc="-1">
+                <a:solidFill>
+                  <a:srgbClr val="8DC641"/>
+                </a:solidFill>
+                <a:latin typeface="Arial"/>
+                <a:ea typeface="Arial"/>
+              </a:rPr>
+              <a:t>Pois quando fizermos o modelo lógico já poderemos convertê-lo  para o modelo físico</a:t>
+            </a:r>
+            <a:endParaRPr lang="pt-BR" sz="1800" b="0" strike="noStrike" spc="-1">
+              <a:latin typeface="Arial"/>
+            </a:endParaRPr>
+          </a:p>
+          <a:p>
+            <a:pPr algn="just">
+              <a:lnSpc>
+                <a:spcPct val="100000"/>
+              </a:lnSpc>
+            </a:pPr>
+            <a:endParaRPr lang="pt-BR" sz="1800" b="0" strike="noStrike" spc="-1">
               <a:latin typeface="Arial"/>
             </a:endParaRPr>
           </a:p>
@@ -6439,7 +6990,7 @@
       </p:sp>
       <p:pic>
         <p:nvPicPr>
-          <p:cNvPr id="118" name="Google Shape;166;p39"/>
+          <p:cNvPr id="111" name="Google Shape;166;p39"/>
           <p:cNvPicPr/>
           <p:nvPr/>
         </p:nvPicPr>
@@ -6522,7 +7073,7 @@
       </p:grpSpPr>
       <p:sp>
         <p:nvSpPr>
-          <p:cNvPr id="119" name="CustomShape 1"/>
+          <p:cNvPr id="112" name="CustomShape 1"/>
           <p:cNvSpPr/>
           <p:nvPr/>
         </p:nvSpPr>
@@ -6556,7 +7107,7 @@
       </p:sp>
       <p:pic>
         <p:nvPicPr>
-          <p:cNvPr id="120" name="Google Shape;89;p13"/>
+          <p:cNvPr id="113" name="Google Shape;89;p13"/>
           <p:cNvPicPr/>
           <p:nvPr/>
         </p:nvPicPr>
@@ -6567,7 +7118,7 @@
         <p:spPr>
           <a:xfrm>
             <a:off x="10561680" y="0"/>
-            <a:ext cx="1083240" cy="1800000"/>
+            <a:ext cx="1083240" cy="2507040"/>
           </a:xfrm>
           <a:prstGeom prst="rect">
             <a:avLst/>
@@ -6579,7 +7130,74 @@
       </p:pic>
       <p:sp>
         <p:nvSpPr>
-          <p:cNvPr id="121" name="CustomShape 2"/>
+          <p:cNvPr id="114" name="CustomShape 2"/>
+          <p:cNvSpPr/>
+          <p:nvPr/>
+        </p:nvSpPr>
+        <p:spPr>
+          <a:xfrm>
+            <a:off x="2160000" y="1872000"/>
+            <a:ext cx="7512480" cy="1322280"/>
+          </a:xfrm>
+          <a:prstGeom prst="rect">
+            <a:avLst/>
+          </a:prstGeom>
+          <a:noFill/>
+          <a:ln>
+            <a:noFill/>
+          </a:ln>
+        </p:spPr>
+        <p:style>
+          <a:lnRef idx="0">
+            <a:scrgbClr r="0" g="0" b="0"/>
+          </a:lnRef>
+          <a:fillRef idx="0">
+            <a:scrgbClr r="0" g="0" b="0"/>
+          </a:fillRef>
+          <a:effectRef idx="0">
+            <a:scrgbClr r="0" g="0" b="0"/>
+          </a:effectRef>
+          <a:fontRef idx="minor"/>
+        </p:style>
+        <p:txBody>
+          <a:bodyPr lIns="90000" tIns="45000" rIns="90000" bIns="45000"/>
+          <a:lstStyle/>
+          <a:p>
+            <a:pPr algn="ctr">
+              <a:lnSpc>
+                <a:spcPct val="100000"/>
+              </a:lnSpc>
+            </a:pPr>
+            <a:br/>
+            <a:r>
+              <a:rPr lang="pt-BR" sz="3200" b="1" strike="noStrike" spc="-1">
+                <a:solidFill>
+                  <a:srgbClr val="8DC641"/>
+                </a:solidFill>
+                <a:latin typeface="Arial"/>
+                <a:ea typeface="Arial"/>
+              </a:rPr>
+              <a:t>Prática  de análise de sistemas</a:t>
+            </a:r>
+            <a:endParaRPr lang="pt-BR" sz="3200" b="0" strike="noStrike" spc="-1">
+              <a:latin typeface="Arial"/>
+            </a:endParaRPr>
+          </a:p>
+          <a:p>
+            <a:pPr algn="ctr">
+              <a:lnSpc>
+                <a:spcPct val="100000"/>
+              </a:lnSpc>
+            </a:pPr>
+            <a:endParaRPr lang="pt-BR" sz="3200" b="0" strike="noStrike" spc="-1">
+              <a:latin typeface="Arial"/>
+            </a:endParaRPr>
+          </a:p>
+        </p:txBody>
+      </p:sp>
+      <p:sp>
+        <p:nvSpPr>
+          <p:cNvPr id="115" name="CustomShape 3"/>
           <p:cNvSpPr/>
           <p:nvPr/>
         </p:nvSpPr>
@@ -6635,13 +7253,13 @@
       </p:sp>
       <p:sp>
         <p:nvSpPr>
-          <p:cNvPr id="122" name="CustomShape 3"/>
+          <p:cNvPr id="116" name="CustomShape 4"/>
           <p:cNvSpPr/>
           <p:nvPr/>
         </p:nvSpPr>
         <p:spPr>
           <a:xfrm>
-            <a:off x="4320000" y="1316880"/>
+            <a:off x="4320000" y="2288880"/>
             <a:ext cx="2332080" cy="914760"/>
           </a:xfrm>
           <a:prstGeom prst="rect">
@@ -6699,9 +7317,105 @@
           </a:p>
         </p:txBody>
       </p:sp>
+      <p:sp>
+        <p:nvSpPr>
+          <p:cNvPr id="117" name="CustomShape 5"/>
+          <p:cNvSpPr/>
+          <p:nvPr/>
+        </p:nvSpPr>
+        <p:spPr>
+          <a:xfrm>
+            <a:off x="1944720" y="3493080"/>
+            <a:ext cx="7335720" cy="656640"/>
+          </a:xfrm>
+          <a:prstGeom prst="rect">
+            <a:avLst/>
+          </a:prstGeom>
+          <a:noFill/>
+          <a:ln>
+            <a:noFill/>
+          </a:ln>
+        </p:spPr>
+        <p:style>
+          <a:lnRef idx="0">
+            <a:scrgbClr r="0" g="0" b="0"/>
+          </a:lnRef>
+          <a:fillRef idx="0">
+            <a:scrgbClr r="0" g="0" b="0"/>
+          </a:fillRef>
+          <a:effectRef idx="0">
+            <a:scrgbClr r="0" g="0" b="0"/>
+          </a:effectRef>
+          <a:fontRef idx="minor"/>
+        </p:style>
+        <p:txBody>
+          <a:bodyPr lIns="90000" tIns="45000" rIns="90000" bIns="45000"/>
+          <a:lstStyle/>
+          <a:p>
+            <a:pPr>
+              <a:lnSpc>
+                <a:spcPct val="100000"/>
+              </a:lnSpc>
+            </a:pPr>
+            <a:r>
+              <a:rPr lang="pt-BR" sz="2000" b="1" spc="-1" dirty="0">
+                <a:solidFill>
+                  <a:srgbClr val="8DC641"/>
+                </a:solidFill>
+                <a:latin typeface="Arial"/>
+                <a:ea typeface="Arial"/>
+              </a:rPr>
+              <a:t>D</a:t>
+            </a:r>
+            <a:r>
+              <a:rPr lang="pt-BR" sz="2000" b="1" strike="noStrike" spc="-1" dirty="0">
+                <a:solidFill>
+                  <a:srgbClr val="8DC641"/>
+                </a:solidFill>
+                <a:latin typeface="Arial"/>
+                <a:ea typeface="Arial"/>
+              </a:rPr>
+              <a:t>urante as fases do projeto, será usado a ferramenta </a:t>
+            </a:r>
+            <a:r>
+              <a:rPr lang="pt-BR" sz="2000" b="1" spc="-1" dirty="0" err="1">
+                <a:solidFill>
+                  <a:srgbClr val="8DC641"/>
+                </a:solidFill>
+                <a:latin typeface="Arial"/>
+                <a:ea typeface="Arial"/>
+              </a:rPr>
+              <a:t>T</a:t>
+            </a:r>
+            <a:r>
+              <a:rPr lang="pt-BR" sz="2000" b="1" strike="noStrike" spc="-1" dirty="0" err="1">
+                <a:solidFill>
+                  <a:srgbClr val="8DC641"/>
+                </a:solidFill>
+                <a:latin typeface="Arial"/>
+                <a:ea typeface="Arial"/>
+              </a:rPr>
+              <a:t>rello</a:t>
+            </a:r>
+            <a:r>
+              <a:rPr lang="pt-BR" sz="2000" b="1" strike="noStrike" spc="-1" dirty="0">
+                <a:solidFill>
+                  <a:srgbClr val="8DC641"/>
+                </a:solidFill>
+                <a:latin typeface="Arial"/>
+                <a:ea typeface="Arial"/>
+              </a:rPr>
+              <a:t> para auxiliar no planejamento das tarefas.</a:t>
+            </a:r>
+            <a:endParaRPr lang="pt-BR" sz="2000" b="0" strike="noStrike" spc="-1" dirty="0">
+              <a:latin typeface="Arial"/>
+            </a:endParaRPr>
+          </a:p>
+        </p:txBody>
+      </p:sp>
       <p:pic>
         <p:nvPicPr>
-          <p:cNvPr id="123" name="Imagem 122"/>
+          <p:cNvPr id="118" name="Google Shape;166;p39"/>
           <p:cNvPicPr/>
           <p:nvPr/>
         </p:nvPicPr>
@@ -6711,8 +7425,8 @@
         </p:blipFill>
         <p:spPr>
           <a:xfrm>
-            <a:off x="562320" y="2016000"/>
-            <a:ext cx="10417680" cy="4842000"/>
+            <a:off x="235080" y="283680"/>
+            <a:ext cx="4000680" cy="1019520"/>
           </a:xfrm>
           <a:prstGeom prst="rect">
             <a:avLst/>
@@ -6724,25 +7438,38 @@
       </p:pic>
       <p:pic>
         <p:nvPicPr>
-          <p:cNvPr id="124" name="Google Shape;166;p39"/>
-          <p:cNvPicPr/>
+          <p:cNvPr id="3" name="Imagem 2">
+            <a:extLst>
+              <a:ext uri="{FF2B5EF4-FFF2-40B4-BE49-F238E27FC236}">
+                <a16:creationId xmlns:a16="http://schemas.microsoft.com/office/drawing/2014/main" id="{A6923CF4-406F-4D8D-9102-B58283090856}"/>
+              </a:ext>
+            </a:extLst>
+          </p:cNvPr>
+          <p:cNvPicPr>
+            <a:picLocks noChangeAspect="1"/>
+          </p:cNvPicPr>
           <p:nvPr/>
         </p:nvPicPr>
         <p:blipFill>
-          <a:blip r:embed="rId4"/>
-          <a:stretch/>
+          <a:blip r:embed="rId4">
+            <a:extLst>
+              <a:ext uri="{28A0092B-C50C-407E-A947-70E740481C1C}">
+                <a14:useLocalDpi xmlns:a14="http://schemas.microsoft.com/office/drawing/2010/main" val="0"/>
+              </a:ext>
+            </a:extLst>
+          </a:blip>
+          <a:stretch>
+            <a:fillRect/>
+          </a:stretch>
         </p:blipFill>
         <p:spPr>
           <a:xfrm>
-            <a:off x="235080" y="283680"/>
-            <a:ext cx="4000680" cy="1019520"/>
-          </a:xfrm>
-          <a:prstGeom prst="rect">
-            <a:avLst/>
-          </a:prstGeom>
-          <a:ln>
-            <a:noFill/>
-          </a:ln>
+            <a:off x="4320000" y="4592670"/>
+            <a:ext cx="3614509" cy="966090"/>
+          </a:xfrm>
+          <a:prstGeom prst="rect">
+            <a:avLst/>
+          </a:prstGeom>
         </p:spPr>
       </p:pic>
     </p:spTree>
@@ -6926,8 +7653,8 @@
         </p:nvSpPr>
         <p:spPr>
           <a:xfrm>
-            <a:off x="4319999" y="1316880"/>
-            <a:ext cx="4004193" cy="1237134"/>
+            <a:off x="4320000" y="1316880"/>
+            <a:ext cx="2332080" cy="914760"/>
           </a:xfrm>
           <a:prstGeom prst="rect">
             <a:avLst/>
@@ -6958,7 +7685,7 @@
                 <a:spcPct val="100000"/>
               </a:lnSpc>
             </a:pPr>
-            <a:endParaRPr lang="pt-BR" sz="1800" b="0" strike="noStrike" spc="-1" dirty="0">
+            <a:endParaRPr lang="pt-BR" sz="1800" b="0" strike="noStrike" spc="-1">
               <a:latin typeface="Arial"/>
             </a:endParaRPr>
           </a:p>
@@ -6969,36 +7696,16 @@
               </a:lnSpc>
             </a:pPr>
             <a:r>
-              <a:rPr lang="pt-BR" sz="2600" b="1" strike="noStrike" spc="-1" dirty="0">
+              <a:rPr lang="pt-BR" sz="2600" b="1" strike="noStrike" spc="-1">
                 <a:solidFill>
                   <a:srgbClr val="8DC641"/>
                 </a:solidFill>
                 <a:latin typeface="Arial"/>
                 <a:ea typeface="Arial"/>
               </a:rPr>
-              <a:t> Cronograma de </a:t>
+              <a:t> Cronograma </a:t>
             </a:r>
-            <a:r>
-              <a:rPr lang="pt-BR" sz="2600" b="1" strike="noStrike" spc="-1" dirty="0" err="1">
-                <a:solidFill>
-                  <a:srgbClr val="8DC641"/>
-                </a:solidFill>
-                <a:latin typeface="Arial"/>
-                <a:ea typeface="Arial"/>
-              </a:rPr>
-              <a:t>Gantt</a:t>
-            </a:r>
-            <a:r>
-              <a:rPr lang="pt-BR" sz="2600" b="1" strike="noStrike" spc="-1" dirty="0">
-                <a:solidFill>
-                  <a:srgbClr val="8DC641"/>
-                </a:solidFill>
-                <a:latin typeface="Arial"/>
-                <a:ea typeface="Arial"/>
-              </a:rPr>
-              <a:t> </a:t>
-            </a:r>
-            <a:endParaRPr lang="pt-BR" sz="2600" b="0" strike="noStrike" spc="-1" dirty="0">
+            <a:endParaRPr lang="pt-BR" sz="2600" b="0" strike="noStrike" spc="-1">
               <a:latin typeface="Arial"/>
             </a:endParaRPr>
           </a:p>
@@ -7006,7 +7713,7 @@
       </p:sp>
       <p:pic>
         <p:nvPicPr>
-          <p:cNvPr id="124" name="Google Shape;166;p39"/>
+          <p:cNvPr id="123" name="Imagem 122"/>
           <p:cNvPicPr/>
           <p:nvPr/>
         </p:nvPicPr>
@@ -7016,8 +7723,8 @@
         </p:blipFill>
         <p:spPr>
           <a:xfrm>
-            <a:off x="235080" y="283680"/>
-            <a:ext cx="4000680" cy="1019520"/>
+            <a:off x="562320" y="2016000"/>
+            <a:ext cx="10417680" cy="4842000"/>
           </a:xfrm>
           <a:prstGeom prst="rect">
             <a:avLst/>
@@ -7029,46 +7736,28 @@
       </p:pic>
       <p:pic>
         <p:nvPicPr>
-          <p:cNvPr id="3" name="Imagem 2">
-            <a:extLst>
-              <a:ext uri="{FF2B5EF4-FFF2-40B4-BE49-F238E27FC236}">
-                <a16:creationId xmlns:a16="http://schemas.microsoft.com/office/drawing/2014/main" id="{F9E6EB3A-2761-42AE-A9D6-AE4464A22E68}"/>
-              </a:ext>
-            </a:extLst>
-          </p:cNvPr>
-          <p:cNvPicPr>
-            <a:picLocks noChangeAspect="1"/>
-          </p:cNvPicPr>
+          <p:cNvPr id="124" name="Google Shape;166;p39"/>
+          <p:cNvPicPr/>
           <p:nvPr/>
         </p:nvPicPr>
         <p:blipFill>
-          <a:blip r:embed="rId4">
-            <a:extLst>
-              <a:ext uri="{28A0092B-C50C-407E-A947-70E740481C1C}">
-                <a14:useLocalDpi xmlns:a14="http://schemas.microsoft.com/office/drawing/2010/main" val="0"/>
-              </a:ext>
-            </a:extLst>
-          </a:blip>
-          <a:stretch>
-            <a:fillRect/>
-          </a:stretch>
+          <a:blip r:embed="rId4"/>
+          <a:stretch/>
         </p:blipFill>
         <p:spPr>
           <a:xfrm>
-            <a:off x="2293138" y="2015488"/>
-            <a:ext cx="7939504" cy="4463792"/>
-          </a:xfrm>
-          <a:prstGeom prst="rect">
-            <a:avLst/>
-          </a:prstGeom>
+            <a:off x="235080" y="283680"/>
+            <a:ext cx="4000680" cy="1019520"/>
+          </a:xfrm>
+          <a:prstGeom prst="rect">
+            <a:avLst/>
+          </a:prstGeom>
+          <a:ln>
+            <a:noFill/>
+          </a:ln>
         </p:spPr>
       </p:pic>
     </p:spTree>
-    <p:extLst>
-      <p:ext uri="{BB962C8B-B14F-4D97-AF65-F5344CB8AC3E}">
-        <p14:creationId xmlns:p14="http://schemas.microsoft.com/office/powerpoint/2010/main" val="1631031712"/>
-      </p:ext>
-    </p:extLst>
   </p:cSld>
   <p:clrMapOvr>
     <a:masterClrMapping/>

--- a/primeira entrega.pptx
+++ b/primeira entrega.pptx
@@ -5483,7 +5483,7 @@
         </p:blipFill>
         <p:spPr>
           <a:xfrm>
-            <a:off x="5127732" y="4505884"/>
+            <a:off x="6136000" y="4524078"/>
             <a:ext cx="1894838" cy="947419"/>
           </a:xfrm>
           <a:prstGeom prst="rect">
@@ -5519,7 +5519,7 @@
         </p:blipFill>
         <p:spPr>
           <a:xfrm>
-            <a:off x="8011254" y="4467546"/>
+            <a:off x="9087688" y="4419024"/>
             <a:ext cx="926792" cy="926792"/>
           </a:xfrm>
           <a:prstGeom prst="rect">
@@ -5555,7 +5555,7 @@
         </p:blipFill>
         <p:spPr>
           <a:xfrm>
-            <a:off x="1092398" y="5400566"/>
+            <a:off x="1051122" y="5685871"/>
             <a:ext cx="1496987" cy="838313"/>
           </a:xfrm>
           <a:prstGeom prst="rect">
@@ -5591,7 +5591,7 @@
         </p:blipFill>
         <p:spPr>
           <a:xfrm>
-            <a:off x="2274087" y="4038360"/>
+            <a:off x="2926072" y="4126249"/>
             <a:ext cx="2619375" cy="1743075"/>
           </a:xfrm>
           <a:prstGeom prst="rect">
@@ -5701,6 +5701,42 @@
           <a:xfrm>
             <a:off x="3437928" y="2800506"/>
             <a:ext cx="5095897" cy="1446825"/>
+          </a:xfrm>
+          <a:prstGeom prst="rect">
+            <a:avLst/>
+          </a:prstGeom>
+        </p:spPr>
+      </p:pic>
+      <p:pic>
+        <p:nvPicPr>
+          <p:cNvPr id="3" name="Imagem 2">
+            <a:extLst>
+              <a:ext uri="{FF2B5EF4-FFF2-40B4-BE49-F238E27FC236}">
+                <a16:creationId xmlns:a16="http://schemas.microsoft.com/office/drawing/2014/main" id="{C8CE63FD-B775-47E3-B523-1941F94683B9}"/>
+              </a:ext>
+            </a:extLst>
+          </p:cNvPr>
+          <p:cNvPicPr>
+            <a:picLocks noChangeAspect="1"/>
+          </p:cNvPicPr>
+          <p:nvPr/>
+        </p:nvPicPr>
+        <p:blipFill>
+          <a:blip r:embed="rId11">
+            <a:extLst>
+              <a:ext uri="{28A0092B-C50C-407E-A947-70E740481C1C}">
+                <a14:useLocalDpi xmlns:a14="http://schemas.microsoft.com/office/drawing/2010/main" val="0"/>
+              </a:ext>
+            </a:extLst>
+          </a:blip>
+          <a:stretch>
+            <a:fillRect/>
+          </a:stretch>
+        </p:blipFill>
+        <p:spPr>
+          <a:xfrm>
+            <a:off x="569100" y="4454244"/>
+            <a:ext cx="1835375" cy="1029978"/>
           </a:xfrm>
           <a:prstGeom prst="rect">
             <a:avLst/>

--- a/primeira entrega.pptx
+++ b/primeira entrega.pptx
@@ -1,28 +1,123 @@
 
 <file path=ppt/presentation.xml><?xml version="1.0" encoding="utf-8"?>
-<p:presentation xmlns:a="http://schemas.openxmlformats.org/drawingml/2006/main" xmlns:p="http://schemas.openxmlformats.org/presentationml/2006/main" xmlns:r="http://schemas.openxmlformats.org/officeDocument/2006/relationships" xmlns:p14="http://schemas.microsoft.com/office/powerpoint/2010/main" xmlns:p15="http://schemas.microsoft.com/office/powerpoint/2012/main" xmlns:mc="http://schemas.openxmlformats.org/markup-compatibility/2006">
+<p:presentation xmlns:a="http://schemas.openxmlformats.org/drawingml/2006/main" xmlns:r="http://schemas.openxmlformats.org/officeDocument/2006/relationships" xmlns:p="http://schemas.openxmlformats.org/presentationml/2006/main">
   <p:sldMasterIdLst>
-    <p:sldMasterId id="2147483648" r:id="rId2"/>
+    <p:sldMasterId id="2147483648" r:id="rId1"/>
   </p:sldMasterIdLst>
   <p:sldIdLst>
-    <p:sldId id="256" r:id="rId3"/>
-    <p:sldId id="257" r:id="rId4"/>
-    <p:sldId id="258" r:id="rId5"/>
-    <p:sldId id="259" r:id="rId6"/>
-    <p:sldId id="260" r:id="rId7"/>
-    <p:sldId id="261" r:id="rId8"/>
-    <p:sldId id="262" r:id="rId9"/>
-    <p:sldId id="263" r:id="rId10"/>
-    <p:sldId id="264" r:id="rId11"/>
-    <p:sldId id="265" r:id="rId12"/>
+    <p:sldId id="256" r:id="rId2"/>
+    <p:sldId id="257" r:id="rId3"/>
+    <p:sldId id="258" r:id="rId4"/>
+    <p:sldId id="259" r:id="rId5"/>
+    <p:sldId id="260" r:id="rId6"/>
+    <p:sldId id="261" r:id="rId7"/>
+    <p:sldId id="262" r:id="rId8"/>
+    <p:sldId id="263" r:id="rId9"/>
+    <p:sldId id="264" r:id="rId10"/>
+    <p:sldId id="265" r:id="rId11"/>
   </p:sldIdLst>
   <p:sldSz cx="12192000" cy="6858000"/>
-  <p:notesSz cx="7559675" cy="10691812"/>
+  <p:notesSz cx="7559675" cy="10691813"/>
+  <p:defaultTextStyle>
+    <a:defPPr>
+      <a:defRPr lang="pt-BR"/>
+    </a:defPPr>
+    <a:lvl1pPr marL="0" algn="l" defTabSz="914400" rtl="0" eaLnBrk="1" latinLnBrk="0" hangingPunct="1">
+      <a:defRPr sz="1800" kern="1200">
+        <a:solidFill>
+          <a:schemeClr val="tx1"/>
+        </a:solidFill>
+        <a:latin typeface="+mn-lt"/>
+        <a:ea typeface="+mn-ea"/>
+        <a:cs typeface="+mn-cs"/>
+      </a:defRPr>
+    </a:lvl1pPr>
+    <a:lvl2pPr marL="457200" algn="l" defTabSz="914400" rtl="0" eaLnBrk="1" latinLnBrk="0" hangingPunct="1">
+      <a:defRPr sz="1800" kern="1200">
+        <a:solidFill>
+          <a:schemeClr val="tx1"/>
+        </a:solidFill>
+        <a:latin typeface="+mn-lt"/>
+        <a:ea typeface="+mn-ea"/>
+        <a:cs typeface="+mn-cs"/>
+      </a:defRPr>
+    </a:lvl2pPr>
+    <a:lvl3pPr marL="914400" algn="l" defTabSz="914400" rtl="0" eaLnBrk="1" latinLnBrk="0" hangingPunct="1">
+      <a:defRPr sz="1800" kern="1200">
+        <a:solidFill>
+          <a:schemeClr val="tx1"/>
+        </a:solidFill>
+        <a:latin typeface="+mn-lt"/>
+        <a:ea typeface="+mn-ea"/>
+        <a:cs typeface="+mn-cs"/>
+      </a:defRPr>
+    </a:lvl3pPr>
+    <a:lvl4pPr marL="1371600" algn="l" defTabSz="914400" rtl="0" eaLnBrk="1" latinLnBrk="0" hangingPunct="1">
+      <a:defRPr sz="1800" kern="1200">
+        <a:solidFill>
+          <a:schemeClr val="tx1"/>
+        </a:solidFill>
+        <a:latin typeface="+mn-lt"/>
+        <a:ea typeface="+mn-ea"/>
+        <a:cs typeface="+mn-cs"/>
+      </a:defRPr>
+    </a:lvl4pPr>
+    <a:lvl5pPr marL="1828800" algn="l" defTabSz="914400" rtl="0" eaLnBrk="1" latinLnBrk="0" hangingPunct="1">
+      <a:defRPr sz="1800" kern="1200">
+        <a:solidFill>
+          <a:schemeClr val="tx1"/>
+        </a:solidFill>
+        <a:latin typeface="+mn-lt"/>
+        <a:ea typeface="+mn-ea"/>
+        <a:cs typeface="+mn-cs"/>
+      </a:defRPr>
+    </a:lvl5pPr>
+    <a:lvl6pPr marL="2286000" algn="l" defTabSz="914400" rtl="0" eaLnBrk="1" latinLnBrk="0" hangingPunct="1">
+      <a:defRPr sz="1800" kern="1200">
+        <a:solidFill>
+          <a:schemeClr val="tx1"/>
+        </a:solidFill>
+        <a:latin typeface="+mn-lt"/>
+        <a:ea typeface="+mn-ea"/>
+        <a:cs typeface="+mn-cs"/>
+      </a:defRPr>
+    </a:lvl6pPr>
+    <a:lvl7pPr marL="2743200" algn="l" defTabSz="914400" rtl="0" eaLnBrk="1" latinLnBrk="0" hangingPunct="1">
+      <a:defRPr sz="1800" kern="1200">
+        <a:solidFill>
+          <a:schemeClr val="tx1"/>
+        </a:solidFill>
+        <a:latin typeface="+mn-lt"/>
+        <a:ea typeface="+mn-ea"/>
+        <a:cs typeface="+mn-cs"/>
+      </a:defRPr>
+    </a:lvl7pPr>
+    <a:lvl8pPr marL="3200400" algn="l" defTabSz="914400" rtl="0" eaLnBrk="1" latinLnBrk="0" hangingPunct="1">
+      <a:defRPr sz="1800" kern="1200">
+        <a:solidFill>
+          <a:schemeClr val="tx1"/>
+        </a:solidFill>
+        <a:latin typeface="+mn-lt"/>
+        <a:ea typeface="+mn-ea"/>
+        <a:cs typeface="+mn-cs"/>
+      </a:defRPr>
+    </a:lvl8pPr>
+    <a:lvl9pPr marL="3657600" algn="l" defTabSz="914400" rtl="0" eaLnBrk="1" latinLnBrk="0" hangingPunct="1">
+      <a:defRPr sz="1800" kern="1200">
+        <a:solidFill>
+          <a:schemeClr val="tx1"/>
+        </a:solidFill>
+        <a:latin typeface="+mn-lt"/>
+        <a:ea typeface="+mn-ea"/>
+        <a:cs typeface="+mn-cs"/>
+      </a:defRPr>
+    </a:lvl9pPr>
+  </p:defaultTextStyle>
 </p:presentation>
 </file>
 
 <file path=ppt/slideLayouts/slideLayout1.xml><?xml version="1.0" encoding="utf-8"?>
-<p:sldLayout xmlns:a="http://schemas.openxmlformats.org/drawingml/2006/main" xmlns:p="http://schemas.openxmlformats.org/presentationml/2006/main" xmlns:r="http://schemas.openxmlformats.org/officeDocument/2006/relationships" xmlns:p14="http://schemas.microsoft.com/office/powerpoint/2010/main" xmlns:p15="http://schemas.microsoft.com/office/powerpoint/2012/main" xmlns:mc="http://schemas.openxmlformats.org/markup-compatibility/2006" type="blank" preserve="1">
+<p:sldLayout xmlns:a="http://schemas.openxmlformats.org/drawingml/2006/main" xmlns:r="http://schemas.openxmlformats.org/officeDocument/2006/relationships" xmlns:p="http://schemas.openxmlformats.org/presentationml/2006/main" type="blank" preserve="1">
   <p:cSld name="Blank Slide">
     <p:spTree>
       <p:nvGrpSpPr>
@@ -40,11 +135,14 @@
       </p:grpSpPr>
     </p:spTree>
   </p:cSld>
+  <p:clrMapOvr>
+    <a:masterClrMapping/>
+  </p:clrMapOvr>
 </p:sldLayout>
 </file>
 
 <file path=ppt/slideLayouts/slideLayout10.xml><?xml version="1.0" encoding="utf-8"?>
-<p:sldLayout xmlns:a="http://schemas.openxmlformats.org/drawingml/2006/main" xmlns:p="http://schemas.openxmlformats.org/presentationml/2006/main" xmlns:r="http://schemas.openxmlformats.org/officeDocument/2006/relationships" xmlns:p14="http://schemas.microsoft.com/office/powerpoint/2010/main" xmlns:p15="http://schemas.microsoft.com/office/powerpoint/2012/main" xmlns:mc="http://schemas.openxmlformats.org/markup-compatibility/2006" type="objOverTx" preserve="1">
+<p:sldLayout xmlns:a="http://schemas.openxmlformats.org/drawingml/2006/main" xmlns:r="http://schemas.openxmlformats.org/officeDocument/2006/relationships" xmlns:p="http://schemas.openxmlformats.org/presentationml/2006/main" type="objOverTx" preserve="1">
   <p:cSld name="Title, Content over Content">
     <p:spTree>
       <p:nvGrpSpPr>
@@ -80,10 +178,11 @@
           </a:prstGeom>
         </p:spPr>
         <p:txBody>
-          <a:bodyPr lIns="0" rIns="0" tIns="0" bIns="0" anchor="ctr"/>
+          <a:bodyPr lIns="0" tIns="0" rIns="0" bIns="0" anchor="ctr"/>
+          <a:lstStyle/>
           <a:p>
             <a:pPr algn="ctr"/>
-            <a:endParaRPr b="0" lang="pt-BR" sz="4400" spc="-1" strike="noStrike">
+            <a:endParaRPr lang="pt-BR" sz="4400" b="0" strike="noStrike" spc="-1">
               <a:latin typeface="Arial"/>
             </a:endParaRPr>
           </a:p>
@@ -109,11 +208,12 @@
           </a:prstGeom>
         </p:spPr>
         <p:txBody>
-          <a:bodyPr lIns="0" rIns="0" tIns="0" bIns="0">
+          <a:bodyPr lIns="0" tIns="0" rIns="0" bIns="0">
             <a:normAutofit/>
           </a:bodyPr>
-          <a:p>
-            <a:endParaRPr b="0" lang="pt-BR" sz="3200" spc="-1" strike="noStrike">
+          <a:lstStyle/>
+          <a:p>
+            <a:endParaRPr lang="pt-BR" sz="3200" b="0" strike="noStrike" spc="-1">
               <a:latin typeface="Arial"/>
             </a:endParaRPr>
           </a:p>
@@ -139,11 +239,12 @@
           </a:prstGeom>
         </p:spPr>
         <p:txBody>
-          <a:bodyPr lIns="0" rIns="0" tIns="0" bIns="0">
+          <a:bodyPr lIns="0" tIns="0" rIns="0" bIns="0">
             <a:normAutofit/>
           </a:bodyPr>
-          <a:p>
-            <a:endParaRPr b="0" lang="pt-BR" sz="3200" spc="-1" strike="noStrike">
+          <a:lstStyle/>
+          <a:p>
+            <a:endParaRPr lang="pt-BR" sz="3200" b="0" strike="noStrike" spc="-1">
               <a:latin typeface="Arial"/>
             </a:endParaRPr>
           </a:p>
@@ -151,11 +252,14 @@
       </p:sp>
     </p:spTree>
   </p:cSld>
+  <p:clrMapOvr>
+    <a:masterClrMapping/>
+  </p:clrMapOvr>
 </p:sldLayout>
 </file>
 
 <file path=ppt/slideLayouts/slideLayout11.xml><?xml version="1.0" encoding="utf-8"?>
-<p:sldLayout xmlns:a="http://schemas.openxmlformats.org/drawingml/2006/main" xmlns:p="http://schemas.openxmlformats.org/presentationml/2006/main" xmlns:r="http://schemas.openxmlformats.org/officeDocument/2006/relationships" xmlns:p14="http://schemas.microsoft.com/office/powerpoint/2010/main" xmlns:p15="http://schemas.microsoft.com/office/powerpoint/2012/main" xmlns:mc="http://schemas.openxmlformats.org/markup-compatibility/2006" type="fourObj" preserve="1">
+<p:sldLayout xmlns:a="http://schemas.openxmlformats.org/drawingml/2006/main" xmlns:r="http://schemas.openxmlformats.org/officeDocument/2006/relationships" xmlns:p="http://schemas.openxmlformats.org/presentationml/2006/main" type="fourObj" preserve="1">
   <p:cSld name="Title, 4 Content">
     <p:spTree>
       <p:nvGrpSpPr>
@@ -191,10 +295,11 @@
           </a:prstGeom>
         </p:spPr>
         <p:txBody>
-          <a:bodyPr lIns="0" rIns="0" tIns="0" bIns="0" anchor="ctr"/>
+          <a:bodyPr lIns="0" tIns="0" rIns="0" bIns="0" anchor="ctr"/>
+          <a:lstStyle/>
           <a:p>
             <a:pPr algn="ctr"/>
-            <a:endParaRPr b="0" lang="pt-BR" sz="4400" spc="-1" strike="noStrike">
+            <a:endParaRPr lang="pt-BR" sz="4400" b="0" strike="noStrike" spc="-1">
               <a:latin typeface="Arial"/>
             </a:endParaRPr>
           </a:p>
@@ -220,11 +325,12 @@
           </a:prstGeom>
         </p:spPr>
         <p:txBody>
-          <a:bodyPr lIns="0" rIns="0" tIns="0" bIns="0">
+          <a:bodyPr lIns="0" tIns="0" rIns="0" bIns="0">
             <a:normAutofit/>
           </a:bodyPr>
-          <a:p>
-            <a:endParaRPr b="0" lang="pt-BR" sz="3200" spc="-1" strike="noStrike">
+          <a:lstStyle/>
+          <a:p>
+            <a:endParaRPr lang="pt-BR" sz="3200" b="0" strike="noStrike" spc="-1">
               <a:latin typeface="Arial"/>
             </a:endParaRPr>
           </a:p>
@@ -250,11 +356,12 @@
           </a:prstGeom>
         </p:spPr>
         <p:txBody>
-          <a:bodyPr lIns="0" rIns="0" tIns="0" bIns="0">
+          <a:bodyPr lIns="0" tIns="0" rIns="0" bIns="0">
             <a:normAutofit/>
           </a:bodyPr>
-          <a:p>
-            <a:endParaRPr b="0" lang="pt-BR" sz="3200" spc="-1" strike="noStrike">
+          <a:lstStyle/>
+          <a:p>
+            <a:endParaRPr lang="pt-BR" sz="3200" b="0" strike="noStrike" spc="-1">
               <a:latin typeface="Arial"/>
             </a:endParaRPr>
           </a:p>
@@ -280,11 +387,12 @@
           </a:prstGeom>
         </p:spPr>
         <p:txBody>
-          <a:bodyPr lIns="0" rIns="0" tIns="0" bIns="0">
+          <a:bodyPr lIns="0" tIns="0" rIns="0" bIns="0">
             <a:normAutofit/>
           </a:bodyPr>
-          <a:p>
-            <a:endParaRPr b="0" lang="pt-BR" sz="3200" spc="-1" strike="noStrike">
+          <a:lstStyle/>
+          <a:p>
+            <a:endParaRPr lang="pt-BR" sz="3200" b="0" strike="noStrike" spc="-1">
               <a:latin typeface="Arial"/>
             </a:endParaRPr>
           </a:p>
@@ -310,11 +418,12 @@
           </a:prstGeom>
         </p:spPr>
         <p:txBody>
-          <a:bodyPr lIns="0" rIns="0" tIns="0" bIns="0">
+          <a:bodyPr lIns="0" tIns="0" rIns="0" bIns="0">
             <a:normAutofit/>
           </a:bodyPr>
-          <a:p>
-            <a:endParaRPr b="0" lang="pt-BR" sz="3200" spc="-1" strike="noStrike">
+          <a:lstStyle/>
+          <a:p>
+            <a:endParaRPr lang="pt-BR" sz="3200" b="0" strike="noStrike" spc="-1">
               <a:latin typeface="Arial"/>
             </a:endParaRPr>
           </a:p>
@@ -322,11 +431,14 @@
       </p:sp>
     </p:spTree>
   </p:cSld>
+  <p:clrMapOvr>
+    <a:masterClrMapping/>
+  </p:clrMapOvr>
 </p:sldLayout>
 </file>
 
 <file path=ppt/slideLayouts/slideLayout12.xml><?xml version="1.0" encoding="utf-8"?>
-<p:sldLayout xmlns:a="http://schemas.openxmlformats.org/drawingml/2006/main" xmlns:p="http://schemas.openxmlformats.org/presentationml/2006/main" xmlns:r="http://schemas.openxmlformats.org/officeDocument/2006/relationships" xmlns:p14="http://schemas.microsoft.com/office/powerpoint/2010/main" xmlns:p15="http://schemas.microsoft.com/office/powerpoint/2012/main" xmlns:mc="http://schemas.openxmlformats.org/markup-compatibility/2006" type="blank" preserve="1">
+<p:sldLayout xmlns:a="http://schemas.openxmlformats.org/drawingml/2006/main" xmlns:r="http://schemas.openxmlformats.org/officeDocument/2006/relationships" xmlns:p="http://schemas.openxmlformats.org/presentationml/2006/main" type="blank" preserve="1">
   <p:cSld name="Title, 6 Content">
     <p:spTree>
       <p:nvGrpSpPr>
@@ -362,10 +474,11 @@
           </a:prstGeom>
         </p:spPr>
         <p:txBody>
-          <a:bodyPr lIns="0" rIns="0" tIns="0" bIns="0" anchor="ctr"/>
+          <a:bodyPr lIns="0" tIns="0" rIns="0" bIns="0" anchor="ctr"/>
+          <a:lstStyle/>
           <a:p>
             <a:pPr algn="ctr"/>
-            <a:endParaRPr b="0" lang="pt-BR" sz="4400" spc="-1" strike="noStrike">
+            <a:endParaRPr lang="pt-BR" sz="4400" b="0" strike="noStrike" spc="-1">
               <a:latin typeface="Arial"/>
             </a:endParaRPr>
           </a:p>
@@ -391,11 +504,12 @@
           </a:prstGeom>
         </p:spPr>
         <p:txBody>
-          <a:bodyPr lIns="0" rIns="0" tIns="0" bIns="0">
+          <a:bodyPr lIns="0" tIns="0" rIns="0" bIns="0">
             <a:normAutofit/>
           </a:bodyPr>
-          <a:p>
-            <a:endParaRPr b="0" lang="pt-BR" sz="3200" spc="-1" strike="noStrike">
+          <a:lstStyle/>
+          <a:p>
+            <a:endParaRPr lang="pt-BR" sz="3200" b="0" strike="noStrike" spc="-1">
               <a:latin typeface="Arial"/>
             </a:endParaRPr>
           </a:p>
@@ -421,11 +535,12 @@
           </a:prstGeom>
         </p:spPr>
         <p:txBody>
-          <a:bodyPr lIns="0" rIns="0" tIns="0" bIns="0">
+          <a:bodyPr lIns="0" tIns="0" rIns="0" bIns="0">
             <a:normAutofit/>
           </a:bodyPr>
-          <a:p>
-            <a:endParaRPr b="0" lang="pt-BR" sz="3200" spc="-1" strike="noStrike">
+          <a:lstStyle/>
+          <a:p>
+            <a:endParaRPr lang="pt-BR" sz="3200" b="0" strike="noStrike" spc="-1">
               <a:latin typeface="Arial"/>
             </a:endParaRPr>
           </a:p>
@@ -451,11 +566,12 @@
           </a:prstGeom>
         </p:spPr>
         <p:txBody>
-          <a:bodyPr lIns="0" rIns="0" tIns="0" bIns="0">
+          <a:bodyPr lIns="0" tIns="0" rIns="0" bIns="0">
             <a:normAutofit/>
           </a:bodyPr>
-          <a:p>
-            <a:endParaRPr b="0" lang="pt-BR" sz="3200" spc="-1" strike="noStrike">
+          <a:lstStyle/>
+          <a:p>
+            <a:endParaRPr lang="pt-BR" sz="3200" b="0" strike="noStrike" spc="-1">
               <a:latin typeface="Arial"/>
             </a:endParaRPr>
           </a:p>
@@ -481,11 +597,12 @@
           </a:prstGeom>
         </p:spPr>
         <p:txBody>
-          <a:bodyPr lIns="0" rIns="0" tIns="0" bIns="0">
+          <a:bodyPr lIns="0" tIns="0" rIns="0" bIns="0">
             <a:normAutofit/>
           </a:bodyPr>
-          <a:p>
-            <a:endParaRPr b="0" lang="pt-BR" sz="3200" spc="-1" strike="noStrike">
+          <a:lstStyle/>
+          <a:p>
+            <a:endParaRPr lang="pt-BR" sz="3200" b="0" strike="noStrike" spc="-1">
               <a:latin typeface="Arial"/>
             </a:endParaRPr>
           </a:p>
@@ -511,11 +628,12 @@
           </a:prstGeom>
         </p:spPr>
         <p:txBody>
-          <a:bodyPr lIns="0" rIns="0" tIns="0" bIns="0">
+          <a:bodyPr lIns="0" tIns="0" rIns="0" bIns="0">
             <a:normAutofit/>
           </a:bodyPr>
-          <a:p>
-            <a:endParaRPr b="0" lang="pt-BR" sz="3200" spc="-1" strike="noStrike">
+          <a:lstStyle/>
+          <a:p>
+            <a:endParaRPr lang="pt-BR" sz="3200" b="0" strike="noStrike" spc="-1">
               <a:latin typeface="Arial"/>
             </a:endParaRPr>
           </a:p>
@@ -541,11 +659,12 @@
           </a:prstGeom>
         </p:spPr>
         <p:txBody>
-          <a:bodyPr lIns="0" rIns="0" tIns="0" bIns="0">
+          <a:bodyPr lIns="0" tIns="0" rIns="0" bIns="0">
             <a:normAutofit/>
           </a:bodyPr>
-          <a:p>
-            <a:endParaRPr b="0" lang="pt-BR" sz="3200" spc="-1" strike="noStrike">
+          <a:lstStyle/>
+          <a:p>
+            <a:endParaRPr lang="pt-BR" sz="3200" b="0" strike="noStrike" spc="-1">
               <a:latin typeface="Arial"/>
             </a:endParaRPr>
           </a:p>
@@ -553,11 +672,14 @@
       </p:sp>
     </p:spTree>
   </p:cSld>
+  <p:clrMapOvr>
+    <a:masterClrMapping/>
+  </p:clrMapOvr>
 </p:sldLayout>
 </file>
 
 <file path=ppt/slideLayouts/slideLayout2.xml><?xml version="1.0" encoding="utf-8"?>
-<p:sldLayout xmlns:a="http://schemas.openxmlformats.org/drawingml/2006/main" xmlns:p="http://schemas.openxmlformats.org/presentationml/2006/main" xmlns:r="http://schemas.openxmlformats.org/officeDocument/2006/relationships" xmlns:p14="http://schemas.microsoft.com/office/powerpoint/2010/main" xmlns:p15="http://schemas.microsoft.com/office/powerpoint/2012/main" xmlns:mc="http://schemas.openxmlformats.org/markup-compatibility/2006" type="tx" preserve="1">
+<p:sldLayout xmlns:a="http://schemas.openxmlformats.org/drawingml/2006/main" xmlns:r="http://schemas.openxmlformats.org/officeDocument/2006/relationships" xmlns:p="http://schemas.openxmlformats.org/presentationml/2006/main" type="tx" preserve="1">
   <p:cSld name="Title Slide">
     <p:spTree>
       <p:nvGrpSpPr>
@@ -593,10 +715,11 @@
           </a:prstGeom>
         </p:spPr>
         <p:txBody>
-          <a:bodyPr lIns="0" rIns="0" tIns="0" bIns="0" anchor="ctr"/>
+          <a:bodyPr lIns="0" tIns="0" rIns="0" bIns="0" anchor="ctr"/>
+          <a:lstStyle/>
           <a:p>
             <a:pPr algn="ctr"/>
-            <a:endParaRPr b="0" lang="pt-BR" sz="4400" spc="-1" strike="noStrike">
+            <a:endParaRPr lang="pt-BR" sz="4400" b="0" strike="noStrike" spc="-1">
               <a:latin typeface="Arial"/>
             </a:endParaRPr>
           </a:p>
@@ -622,10 +745,11 @@
           </a:prstGeom>
         </p:spPr>
         <p:txBody>
-          <a:bodyPr lIns="0" rIns="0" tIns="0" bIns="0" anchor="ctr"/>
+          <a:bodyPr lIns="0" tIns="0" rIns="0" bIns="0" anchor="ctr"/>
+          <a:lstStyle/>
           <a:p>
             <a:pPr algn="ctr"/>
-            <a:endParaRPr b="0" lang="pt-BR" sz="3200" spc="-1" strike="noStrike">
+            <a:endParaRPr lang="pt-BR" sz="3200" b="0" strike="noStrike" spc="-1">
               <a:latin typeface="Arial"/>
             </a:endParaRPr>
           </a:p>
@@ -633,11 +757,14 @@
       </p:sp>
     </p:spTree>
   </p:cSld>
+  <p:clrMapOvr>
+    <a:masterClrMapping/>
+  </p:clrMapOvr>
 </p:sldLayout>
 </file>
 
 <file path=ppt/slideLayouts/slideLayout3.xml><?xml version="1.0" encoding="utf-8"?>
-<p:sldLayout xmlns:a="http://schemas.openxmlformats.org/drawingml/2006/main" xmlns:p="http://schemas.openxmlformats.org/presentationml/2006/main" xmlns:r="http://schemas.openxmlformats.org/officeDocument/2006/relationships" xmlns:p14="http://schemas.microsoft.com/office/powerpoint/2010/main" xmlns:p15="http://schemas.microsoft.com/office/powerpoint/2012/main" xmlns:mc="http://schemas.openxmlformats.org/markup-compatibility/2006" type="obj" preserve="1">
+<p:sldLayout xmlns:a="http://schemas.openxmlformats.org/drawingml/2006/main" xmlns:r="http://schemas.openxmlformats.org/officeDocument/2006/relationships" xmlns:p="http://schemas.openxmlformats.org/presentationml/2006/main" type="obj" preserve="1">
   <p:cSld name="Title, Content">
     <p:spTree>
       <p:nvGrpSpPr>
@@ -673,10 +800,11 @@
           </a:prstGeom>
         </p:spPr>
         <p:txBody>
-          <a:bodyPr lIns="0" rIns="0" tIns="0" bIns="0" anchor="ctr"/>
+          <a:bodyPr lIns="0" tIns="0" rIns="0" bIns="0" anchor="ctr"/>
+          <a:lstStyle/>
           <a:p>
             <a:pPr algn="ctr"/>
-            <a:endParaRPr b="0" lang="pt-BR" sz="4400" spc="-1" strike="noStrike">
+            <a:endParaRPr lang="pt-BR" sz="4400" b="0" strike="noStrike" spc="-1">
               <a:latin typeface="Arial"/>
             </a:endParaRPr>
           </a:p>
@@ -702,11 +830,12 @@
           </a:prstGeom>
         </p:spPr>
         <p:txBody>
-          <a:bodyPr lIns="0" rIns="0" tIns="0" bIns="0">
+          <a:bodyPr lIns="0" tIns="0" rIns="0" bIns="0">
             <a:normAutofit/>
           </a:bodyPr>
-          <a:p>
-            <a:endParaRPr b="0" lang="pt-BR" sz="3200" spc="-1" strike="noStrike">
+          <a:lstStyle/>
+          <a:p>
+            <a:endParaRPr lang="pt-BR" sz="3200" b="0" strike="noStrike" spc="-1">
               <a:latin typeface="Arial"/>
             </a:endParaRPr>
           </a:p>
@@ -714,11 +843,14 @@
       </p:sp>
     </p:spTree>
   </p:cSld>
+  <p:clrMapOvr>
+    <a:masterClrMapping/>
+  </p:clrMapOvr>
 </p:sldLayout>
 </file>
 
 <file path=ppt/slideLayouts/slideLayout4.xml><?xml version="1.0" encoding="utf-8"?>
-<p:sldLayout xmlns:a="http://schemas.openxmlformats.org/drawingml/2006/main" xmlns:p="http://schemas.openxmlformats.org/presentationml/2006/main" xmlns:r="http://schemas.openxmlformats.org/officeDocument/2006/relationships" xmlns:p14="http://schemas.microsoft.com/office/powerpoint/2010/main" xmlns:p15="http://schemas.microsoft.com/office/powerpoint/2012/main" xmlns:mc="http://schemas.openxmlformats.org/markup-compatibility/2006" type="twoObj" preserve="1">
+<p:sldLayout xmlns:a="http://schemas.openxmlformats.org/drawingml/2006/main" xmlns:r="http://schemas.openxmlformats.org/officeDocument/2006/relationships" xmlns:p="http://schemas.openxmlformats.org/presentationml/2006/main" type="twoObj" preserve="1">
   <p:cSld name="Title, 2 Content">
     <p:spTree>
       <p:nvGrpSpPr>
@@ -754,10 +886,11 @@
           </a:prstGeom>
         </p:spPr>
         <p:txBody>
-          <a:bodyPr lIns="0" rIns="0" tIns="0" bIns="0" anchor="ctr"/>
+          <a:bodyPr lIns="0" tIns="0" rIns="0" bIns="0" anchor="ctr"/>
+          <a:lstStyle/>
           <a:p>
             <a:pPr algn="ctr"/>
-            <a:endParaRPr b="0" lang="pt-BR" sz="4400" spc="-1" strike="noStrike">
+            <a:endParaRPr lang="pt-BR" sz="4400" b="0" strike="noStrike" spc="-1">
               <a:latin typeface="Arial"/>
             </a:endParaRPr>
           </a:p>
@@ -783,11 +916,12 @@
           </a:prstGeom>
         </p:spPr>
         <p:txBody>
-          <a:bodyPr lIns="0" rIns="0" tIns="0" bIns="0">
+          <a:bodyPr lIns="0" tIns="0" rIns="0" bIns="0">
             <a:normAutofit/>
           </a:bodyPr>
-          <a:p>
-            <a:endParaRPr b="0" lang="pt-BR" sz="3200" spc="-1" strike="noStrike">
+          <a:lstStyle/>
+          <a:p>
+            <a:endParaRPr lang="pt-BR" sz="3200" b="0" strike="noStrike" spc="-1">
               <a:latin typeface="Arial"/>
             </a:endParaRPr>
           </a:p>
@@ -813,11 +947,12 @@
           </a:prstGeom>
         </p:spPr>
         <p:txBody>
-          <a:bodyPr lIns="0" rIns="0" tIns="0" bIns="0">
+          <a:bodyPr lIns="0" tIns="0" rIns="0" bIns="0">
             <a:normAutofit/>
           </a:bodyPr>
-          <a:p>
-            <a:endParaRPr b="0" lang="pt-BR" sz="3200" spc="-1" strike="noStrike">
+          <a:lstStyle/>
+          <a:p>
+            <a:endParaRPr lang="pt-BR" sz="3200" b="0" strike="noStrike" spc="-1">
               <a:latin typeface="Arial"/>
             </a:endParaRPr>
           </a:p>
@@ -825,11 +960,14 @@
       </p:sp>
     </p:spTree>
   </p:cSld>
+  <p:clrMapOvr>
+    <a:masterClrMapping/>
+  </p:clrMapOvr>
 </p:sldLayout>
 </file>
 
 <file path=ppt/slideLayouts/slideLayout5.xml><?xml version="1.0" encoding="utf-8"?>
-<p:sldLayout xmlns:a="http://schemas.openxmlformats.org/drawingml/2006/main" xmlns:p="http://schemas.openxmlformats.org/presentationml/2006/main" xmlns:r="http://schemas.openxmlformats.org/officeDocument/2006/relationships" xmlns:p14="http://schemas.microsoft.com/office/powerpoint/2010/main" xmlns:p15="http://schemas.microsoft.com/office/powerpoint/2012/main" xmlns:mc="http://schemas.openxmlformats.org/markup-compatibility/2006" type="titleOnly" preserve="1">
+<p:sldLayout xmlns:a="http://schemas.openxmlformats.org/drawingml/2006/main" xmlns:r="http://schemas.openxmlformats.org/officeDocument/2006/relationships" xmlns:p="http://schemas.openxmlformats.org/presentationml/2006/main" type="titleOnly" preserve="1">
   <p:cSld name="Title Only">
     <p:spTree>
       <p:nvGrpSpPr>
@@ -865,10 +1003,11 @@
           </a:prstGeom>
         </p:spPr>
         <p:txBody>
-          <a:bodyPr lIns="0" rIns="0" tIns="0" bIns="0" anchor="ctr"/>
+          <a:bodyPr lIns="0" tIns="0" rIns="0" bIns="0" anchor="ctr"/>
+          <a:lstStyle/>
           <a:p>
             <a:pPr algn="ctr"/>
-            <a:endParaRPr b="0" lang="pt-BR" sz="4400" spc="-1" strike="noStrike">
+            <a:endParaRPr lang="pt-BR" sz="4400" b="0" strike="noStrike" spc="-1">
               <a:latin typeface="Arial"/>
             </a:endParaRPr>
           </a:p>
@@ -876,11 +1015,14 @@
       </p:sp>
     </p:spTree>
   </p:cSld>
+  <p:clrMapOvr>
+    <a:masterClrMapping/>
+  </p:clrMapOvr>
 </p:sldLayout>
 </file>
 
 <file path=ppt/slideLayouts/slideLayout6.xml><?xml version="1.0" encoding="utf-8"?>
-<p:sldLayout xmlns:a="http://schemas.openxmlformats.org/drawingml/2006/main" xmlns:p="http://schemas.openxmlformats.org/presentationml/2006/main" xmlns:r="http://schemas.openxmlformats.org/officeDocument/2006/relationships" xmlns:p14="http://schemas.microsoft.com/office/powerpoint/2010/main" xmlns:p15="http://schemas.microsoft.com/office/powerpoint/2012/main" xmlns:mc="http://schemas.openxmlformats.org/markup-compatibility/2006" type="objOnly" preserve="1">
+<p:sldLayout xmlns:a="http://schemas.openxmlformats.org/drawingml/2006/main" xmlns:r="http://schemas.openxmlformats.org/officeDocument/2006/relationships" xmlns:p="http://schemas.openxmlformats.org/presentationml/2006/main" type="objOnly" preserve="1">
   <p:cSld name="Centered Text">
     <p:spTree>
       <p:nvGrpSpPr>
@@ -916,10 +1058,11 @@
           </a:prstGeom>
         </p:spPr>
         <p:txBody>
-          <a:bodyPr lIns="0" rIns="0" tIns="0" bIns="0" anchor="ctr"/>
+          <a:bodyPr lIns="0" tIns="0" rIns="0" bIns="0" anchor="ctr"/>
+          <a:lstStyle/>
           <a:p>
             <a:pPr algn="ctr"/>
-            <a:endParaRPr b="0" lang="pt-BR" sz="3200" spc="-1" strike="noStrike">
+            <a:endParaRPr lang="pt-BR" sz="3200" b="0" strike="noStrike" spc="-1">
               <a:latin typeface="Arial"/>
             </a:endParaRPr>
           </a:p>
@@ -927,11 +1070,14 @@
       </p:sp>
     </p:spTree>
   </p:cSld>
+  <p:clrMapOvr>
+    <a:masterClrMapping/>
+  </p:clrMapOvr>
 </p:sldLayout>
 </file>
 
 <file path=ppt/slideLayouts/slideLayout7.xml><?xml version="1.0" encoding="utf-8"?>
-<p:sldLayout xmlns:a="http://schemas.openxmlformats.org/drawingml/2006/main" xmlns:p="http://schemas.openxmlformats.org/presentationml/2006/main" xmlns:r="http://schemas.openxmlformats.org/officeDocument/2006/relationships" xmlns:p14="http://schemas.microsoft.com/office/powerpoint/2010/main" xmlns:p15="http://schemas.microsoft.com/office/powerpoint/2012/main" xmlns:mc="http://schemas.openxmlformats.org/markup-compatibility/2006" type="twoObjAndObj" preserve="1">
+<p:sldLayout xmlns:a="http://schemas.openxmlformats.org/drawingml/2006/main" xmlns:r="http://schemas.openxmlformats.org/officeDocument/2006/relationships" xmlns:p="http://schemas.openxmlformats.org/presentationml/2006/main" type="twoObjAndObj" preserve="1">
   <p:cSld name="Title, 2 Content and Content">
     <p:spTree>
       <p:nvGrpSpPr>
@@ -967,10 +1113,11 @@
           </a:prstGeom>
         </p:spPr>
         <p:txBody>
-          <a:bodyPr lIns="0" rIns="0" tIns="0" bIns="0" anchor="ctr"/>
+          <a:bodyPr lIns="0" tIns="0" rIns="0" bIns="0" anchor="ctr"/>
+          <a:lstStyle/>
           <a:p>
             <a:pPr algn="ctr"/>
-            <a:endParaRPr b="0" lang="pt-BR" sz="4400" spc="-1" strike="noStrike">
+            <a:endParaRPr lang="pt-BR" sz="4400" b="0" strike="noStrike" spc="-1">
               <a:latin typeface="Arial"/>
             </a:endParaRPr>
           </a:p>
@@ -996,11 +1143,12 @@
           </a:prstGeom>
         </p:spPr>
         <p:txBody>
-          <a:bodyPr lIns="0" rIns="0" tIns="0" bIns="0">
+          <a:bodyPr lIns="0" tIns="0" rIns="0" bIns="0">
             <a:normAutofit/>
           </a:bodyPr>
-          <a:p>
-            <a:endParaRPr b="0" lang="pt-BR" sz="3200" spc="-1" strike="noStrike">
+          <a:lstStyle/>
+          <a:p>
+            <a:endParaRPr lang="pt-BR" sz="3200" b="0" strike="noStrike" spc="-1">
               <a:latin typeface="Arial"/>
             </a:endParaRPr>
           </a:p>
@@ -1026,11 +1174,12 @@
           </a:prstGeom>
         </p:spPr>
         <p:txBody>
-          <a:bodyPr lIns="0" rIns="0" tIns="0" bIns="0">
+          <a:bodyPr lIns="0" tIns="0" rIns="0" bIns="0">
             <a:normAutofit/>
           </a:bodyPr>
-          <a:p>
-            <a:endParaRPr b="0" lang="pt-BR" sz="3200" spc="-1" strike="noStrike">
+          <a:lstStyle/>
+          <a:p>
+            <a:endParaRPr lang="pt-BR" sz="3200" b="0" strike="noStrike" spc="-1">
               <a:latin typeface="Arial"/>
             </a:endParaRPr>
           </a:p>
@@ -1056,11 +1205,12 @@
           </a:prstGeom>
         </p:spPr>
         <p:txBody>
-          <a:bodyPr lIns="0" rIns="0" tIns="0" bIns="0">
+          <a:bodyPr lIns="0" tIns="0" rIns="0" bIns="0">
             <a:normAutofit/>
           </a:bodyPr>
-          <a:p>
-            <a:endParaRPr b="0" lang="pt-BR" sz="3200" spc="-1" strike="noStrike">
+          <a:lstStyle/>
+          <a:p>
+            <a:endParaRPr lang="pt-BR" sz="3200" b="0" strike="noStrike" spc="-1">
               <a:latin typeface="Arial"/>
             </a:endParaRPr>
           </a:p>
@@ -1068,11 +1218,14 @@
       </p:sp>
     </p:spTree>
   </p:cSld>
+  <p:clrMapOvr>
+    <a:masterClrMapping/>
+  </p:clrMapOvr>
 </p:sldLayout>
 </file>
 
 <file path=ppt/slideLayouts/slideLayout8.xml><?xml version="1.0" encoding="utf-8"?>
-<p:sldLayout xmlns:a="http://schemas.openxmlformats.org/drawingml/2006/main" xmlns:p="http://schemas.openxmlformats.org/presentationml/2006/main" xmlns:r="http://schemas.openxmlformats.org/officeDocument/2006/relationships" xmlns:p14="http://schemas.microsoft.com/office/powerpoint/2010/main" xmlns:p15="http://schemas.microsoft.com/office/powerpoint/2012/main" xmlns:mc="http://schemas.openxmlformats.org/markup-compatibility/2006" type="objAndTwoObj" preserve="1">
+<p:sldLayout xmlns:a="http://schemas.openxmlformats.org/drawingml/2006/main" xmlns:r="http://schemas.openxmlformats.org/officeDocument/2006/relationships" xmlns:p="http://schemas.openxmlformats.org/presentationml/2006/main" type="objAndTwoObj" preserve="1">
   <p:cSld name="Title Content and 2 Content">
     <p:spTree>
       <p:nvGrpSpPr>
@@ -1108,10 +1261,11 @@
           </a:prstGeom>
         </p:spPr>
         <p:txBody>
-          <a:bodyPr lIns="0" rIns="0" tIns="0" bIns="0" anchor="ctr"/>
+          <a:bodyPr lIns="0" tIns="0" rIns="0" bIns="0" anchor="ctr"/>
+          <a:lstStyle/>
           <a:p>
             <a:pPr algn="ctr"/>
-            <a:endParaRPr b="0" lang="pt-BR" sz="4400" spc="-1" strike="noStrike">
+            <a:endParaRPr lang="pt-BR" sz="4400" b="0" strike="noStrike" spc="-1">
               <a:latin typeface="Arial"/>
             </a:endParaRPr>
           </a:p>
@@ -1137,11 +1291,12 @@
           </a:prstGeom>
         </p:spPr>
         <p:txBody>
-          <a:bodyPr lIns="0" rIns="0" tIns="0" bIns="0">
+          <a:bodyPr lIns="0" tIns="0" rIns="0" bIns="0">
             <a:normAutofit/>
           </a:bodyPr>
-          <a:p>
-            <a:endParaRPr b="0" lang="pt-BR" sz="3200" spc="-1" strike="noStrike">
+          <a:lstStyle/>
+          <a:p>
+            <a:endParaRPr lang="pt-BR" sz="3200" b="0" strike="noStrike" spc="-1">
               <a:latin typeface="Arial"/>
             </a:endParaRPr>
           </a:p>
@@ -1167,11 +1322,12 @@
           </a:prstGeom>
         </p:spPr>
         <p:txBody>
-          <a:bodyPr lIns="0" rIns="0" tIns="0" bIns="0">
+          <a:bodyPr lIns="0" tIns="0" rIns="0" bIns="0">
             <a:normAutofit/>
           </a:bodyPr>
-          <a:p>
-            <a:endParaRPr b="0" lang="pt-BR" sz="3200" spc="-1" strike="noStrike">
+          <a:lstStyle/>
+          <a:p>
+            <a:endParaRPr lang="pt-BR" sz="3200" b="0" strike="noStrike" spc="-1">
               <a:latin typeface="Arial"/>
             </a:endParaRPr>
           </a:p>
@@ -1197,11 +1353,12 @@
           </a:prstGeom>
         </p:spPr>
         <p:txBody>
-          <a:bodyPr lIns="0" rIns="0" tIns="0" bIns="0">
+          <a:bodyPr lIns="0" tIns="0" rIns="0" bIns="0">
             <a:normAutofit/>
           </a:bodyPr>
-          <a:p>
-            <a:endParaRPr b="0" lang="pt-BR" sz="3200" spc="-1" strike="noStrike">
+          <a:lstStyle/>
+          <a:p>
+            <a:endParaRPr lang="pt-BR" sz="3200" b="0" strike="noStrike" spc="-1">
               <a:latin typeface="Arial"/>
             </a:endParaRPr>
           </a:p>
@@ -1209,11 +1366,14 @@
       </p:sp>
     </p:spTree>
   </p:cSld>
+  <p:clrMapOvr>
+    <a:masterClrMapping/>
+  </p:clrMapOvr>
 </p:sldLayout>
 </file>
 
 <file path=ppt/slideLayouts/slideLayout9.xml><?xml version="1.0" encoding="utf-8"?>
-<p:sldLayout xmlns:a="http://schemas.openxmlformats.org/drawingml/2006/main" xmlns:p="http://schemas.openxmlformats.org/presentationml/2006/main" xmlns:r="http://schemas.openxmlformats.org/officeDocument/2006/relationships" xmlns:p14="http://schemas.microsoft.com/office/powerpoint/2010/main" xmlns:p15="http://schemas.microsoft.com/office/powerpoint/2012/main" xmlns:mc="http://schemas.openxmlformats.org/markup-compatibility/2006" type="twoObjOverTx" preserve="1">
+<p:sldLayout xmlns:a="http://schemas.openxmlformats.org/drawingml/2006/main" xmlns:r="http://schemas.openxmlformats.org/officeDocument/2006/relationships" xmlns:p="http://schemas.openxmlformats.org/presentationml/2006/main" type="twoObjOverTx" preserve="1">
   <p:cSld name="Title, 2 Content over Content">
     <p:spTree>
       <p:nvGrpSpPr>
@@ -1249,10 +1409,11 @@
           </a:prstGeom>
         </p:spPr>
         <p:txBody>
-          <a:bodyPr lIns="0" rIns="0" tIns="0" bIns="0" anchor="ctr"/>
+          <a:bodyPr lIns="0" tIns="0" rIns="0" bIns="0" anchor="ctr"/>
+          <a:lstStyle/>
           <a:p>
             <a:pPr algn="ctr"/>
-            <a:endParaRPr b="0" lang="pt-BR" sz="4400" spc="-1" strike="noStrike">
+            <a:endParaRPr lang="pt-BR" sz="4400" b="0" strike="noStrike" spc="-1">
               <a:latin typeface="Arial"/>
             </a:endParaRPr>
           </a:p>
@@ -1278,11 +1439,12 @@
           </a:prstGeom>
         </p:spPr>
         <p:txBody>
-          <a:bodyPr lIns="0" rIns="0" tIns="0" bIns="0">
+          <a:bodyPr lIns="0" tIns="0" rIns="0" bIns="0">
             <a:normAutofit/>
           </a:bodyPr>
-          <a:p>
-            <a:endParaRPr b="0" lang="pt-BR" sz="3200" spc="-1" strike="noStrike">
+          <a:lstStyle/>
+          <a:p>
+            <a:endParaRPr lang="pt-BR" sz="3200" b="0" strike="noStrike" spc="-1">
               <a:latin typeface="Arial"/>
             </a:endParaRPr>
           </a:p>
@@ -1308,11 +1470,12 @@
           </a:prstGeom>
         </p:spPr>
         <p:txBody>
-          <a:bodyPr lIns="0" rIns="0" tIns="0" bIns="0">
+          <a:bodyPr lIns="0" tIns="0" rIns="0" bIns="0">
             <a:normAutofit/>
           </a:bodyPr>
-          <a:p>
-            <a:endParaRPr b="0" lang="pt-BR" sz="3200" spc="-1" strike="noStrike">
+          <a:lstStyle/>
+          <a:p>
+            <a:endParaRPr lang="pt-BR" sz="3200" b="0" strike="noStrike" spc="-1">
               <a:latin typeface="Arial"/>
             </a:endParaRPr>
           </a:p>
@@ -1338,11 +1501,12 @@
           </a:prstGeom>
         </p:spPr>
         <p:txBody>
-          <a:bodyPr lIns="0" rIns="0" tIns="0" bIns="0">
+          <a:bodyPr lIns="0" tIns="0" rIns="0" bIns="0">
             <a:normAutofit/>
           </a:bodyPr>
-          <a:p>
-            <a:endParaRPr b="0" lang="pt-BR" sz="3200" spc="-1" strike="noStrike">
+          <a:lstStyle/>
+          <a:p>
+            <a:endParaRPr lang="pt-BR" sz="3200" b="0" strike="noStrike" spc="-1">
               <a:latin typeface="Arial"/>
             </a:endParaRPr>
           </a:p>
@@ -1350,17 +1514,21 @@
       </p:sp>
     </p:spTree>
   </p:cSld>
+  <p:clrMapOvr>
+    <a:masterClrMapping/>
+  </p:clrMapOvr>
 </p:sldLayout>
 </file>
 
 <file path=ppt/slideMasters/slideMaster1.xml><?xml version="1.0" encoding="utf-8"?>
-<p:sldMaster xmlns:a="http://schemas.openxmlformats.org/drawingml/2006/main" xmlns:p="http://schemas.openxmlformats.org/presentationml/2006/main" xmlns:r="http://schemas.openxmlformats.org/officeDocument/2006/relationships" xmlns:p14="http://schemas.microsoft.com/office/powerpoint/2010/main" xmlns:p15="http://schemas.microsoft.com/office/powerpoint/2012/main" xmlns:mc="http://schemas.openxmlformats.org/markup-compatibility/2006">
+<p:sldMaster xmlns:a="http://schemas.openxmlformats.org/drawingml/2006/main" xmlns:r="http://schemas.openxmlformats.org/officeDocument/2006/relationships" xmlns:p="http://schemas.openxmlformats.org/presentationml/2006/main">
   <p:cSld>
     <p:bg>
       <p:bgPr>
         <a:solidFill>
-          <a:srgbClr val="ffffff"/>
+          <a:srgbClr val="FFFFFF"/>
         </a:solidFill>
+        <a:effectLst/>
       </p:bgPr>
     </p:bg>
     <p:spTree>
@@ -1379,7 +1547,7 @@
       </p:grpSpPr>
       <p:sp>
         <p:nvSpPr>
-          <p:cNvPr id="0" name="PlaceHolder 1"/>
+          <p:cNvPr id="2" name="PlaceHolder 1"/>
           <p:cNvSpPr>
             <a:spLocks noGrp="1"/>
           </p:cNvSpPr>
@@ -1397,24 +1565,22 @@
           </a:prstGeom>
         </p:spPr>
         <p:txBody>
-          <a:bodyPr lIns="0" rIns="0" tIns="0" bIns="0" anchor="ctr"/>
+          <a:bodyPr lIns="0" tIns="0" rIns="0" bIns="0" anchor="ctr"/>
+          <a:lstStyle/>
           <a:p>
             <a:pPr algn="ctr"/>
             <a:r>
-              <a:rPr b="0" lang="pt-BR" sz="4400" spc="-1" strike="noStrike">
+              <a:rPr lang="pt-BR" sz="4400" b="0" strike="noStrike" spc="-1">
                 <a:latin typeface="Arial"/>
               </a:rPr>
               <a:t>Clique para editar o formato do texto do título</a:t>
             </a:r>
-            <a:endParaRPr b="0" lang="pt-BR" sz="4400" spc="-1" strike="noStrike">
-              <a:latin typeface="Arial"/>
-            </a:endParaRPr>
           </a:p>
         </p:txBody>
       </p:sp>
       <p:sp>
         <p:nvSpPr>
-          <p:cNvPr id="1" name="PlaceHolder 2"/>
+          <p:cNvPr id="3" name="PlaceHolder 2"/>
           <p:cNvSpPr>
             <a:spLocks noGrp="1"/>
           </p:cNvSpPr>
@@ -1432,9 +1598,10 @@
           </a:prstGeom>
         </p:spPr>
         <p:txBody>
-          <a:bodyPr lIns="0" rIns="0" tIns="0" bIns="0">
+          <a:bodyPr lIns="0" tIns="0" rIns="0" bIns="0">
             <a:normAutofit/>
           </a:bodyPr>
+          <a:lstStyle/>
           <a:p>
             <a:pPr marL="432000" indent="-324000">
               <a:spcBef>
@@ -1448,17 +1615,14 @@
               <a:buChar char=""/>
             </a:pPr>
             <a:r>
-              <a:rPr b="0" lang="pt-BR" sz="3200" spc="-1" strike="noStrike">
+              <a:rPr lang="pt-BR" sz="3200" b="0" strike="noStrike" spc="-1">
                 <a:latin typeface="Arial"/>
               </a:rPr>
               <a:t>Clique para editar o formato do texto da estrutura de tópicos</a:t>
             </a:r>
-            <a:endParaRPr b="0" lang="pt-BR" sz="3200" spc="-1" strike="noStrike">
-              <a:latin typeface="Arial"/>
-            </a:endParaRPr>
-          </a:p>
-          <a:p>
-            <a:pPr lvl="1" marL="864000" indent="-324000">
+          </a:p>
+          <a:p>
+            <a:pPr marL="864000" lvl="1" indent="-324000">
               <a:spcBef>
                 <a:spcPts val="1134"/>
               </a:spcBef>
@@ -1470,17 +1634,14 @@
               <a:buChar char=""/>
             </a:pPr>
             <a:r>
-              <a:rPr b="0" lang="pt-BR" sz="2800" spc="-1" strike="noStrike">
+              <a:rPr lang="pt-BR" sz="2800" b="0" strike="noStrike" spc="-1">
                 <a:latin typeface="Arial"/>
               </a:rPr>
               <a:t>2.º nível da estrutura de tópicos</a:t>
             </a:r>
-            <a:endParaRPr b="0" lang="pt-BR" sz="2800" spc="-1" strike="noStrike">
-              <a:latin typeface="Arial"/>
-            </a:endParaRPr>
-          </a:p>
-          <a:p>
-            <a:pPr lvl="2" marL="1296000" indent="-288000">
+          </a:p>
+          <a:p>
+            <a:pPr marL="1296000" lvl="2" indent="-288000">
               <a:spcBef>
                 <a:spcPts val="850"/>
               </a:spcBef>
@@ -1492,17 +1653,14 @@
               <a:buChar char=""/>
             </a:pPr>
             <a:r>
-              <a:rPr b="0" lang="pt-BR" sz="2400" spc="-1" strike="noStrike">
+              <a:rPr lang="pt-BR" sz="2400" b="0" strike="noStrike" spc="-1">
                 <a:latin typeface="Arial"/>
               </a:rPr>
               <a:t>3.º nível da estrutura de tópicos</a:t>
             </a:r>
-            <a:endParaRPr b="0" lang="pt-BR" sz="2400" spc="-1" strike="noStrike">
-              <a:latin typeface="Arial"/>
-            </a:endParaRPr>
-          </a:p>
-          <a:p>
-            <a:pPr lvl="3" marL="1728000" indent="-216000">
+          </a:p>
+          <a:p>
+            <a:pPr marL="1728000" lvl="3" indent="-216000">
               <a:spcBef>
                 <a:spcPts val="567"/>
               </a:spcBef>
@@ -1514,17 +1672,14 @@
               <a:buChar char=""/>
             </a:pPr>
             <a:r>
-              <a:rPr b="0" lang="pt-BR" sz="2000" spc="-1" strike="noStrike">
+              <a:rPr lang="pt-BR" sz="2000" b="0" strike="noStrike" spc="-1">
                 <a:latin typeface="Arial"/>
               </a:rPr>
               <a:t>4.º nível da estrutura de tópicos</a:t>
             </a:r>
-            <a:endParaRPr b="0" lang="pt-BR" sz="2000" spc="-1" strike="noStrike">
-              <a:latin typeface="Arial"/>
-            </a:endParaRPr>
-          </a:p>
-          <a:p>
-            <a:pPr lvl="4" marL="2160000" indent="-216000">
+          </a:p>
+          <a:p>
+            <a:pPr marL="2160000" lvl="4" indent="-216000">
               <a:spcBef>
                 <a:spcPts val="283"/>
               </a:spcBef>
@@ -1536,17 +1691,14 @@
               <a:buChar char=""/>
             </a:pPr>
             <a:r>
-              <a:rPr b="0" lang="pt-BR" sz="2000" spc="-1" strike="noStrike">
+              <a:rPr lang="pt-BR" sz="2000" b="0" strike="noStrike" spc="-1">
                 <a:latin typeface="Arial"/>
               </a:rPr>
               <a:t>5.º nível da estrutura de tópicos</a:t>
             </a:r>
-            <a:endParaRPr b="0" lang="pt-BR" sz="2000" spc="-1" strike="noStrike">
-              <a:latin typeface="Arial"/>
-            </a:endParaRPr>
-          </a:p>
-          <a:p>
-            <a:pPr lvl="5" marL="2592000" indent="-216000">
+          </a:p>
+          <a:p>
+            <a:pPr marL="2592000" lvl="5" indent="-216000">
               <a:spcBef>
                 <a:spcPts val="283"/>
               </a:spcBef>
@@ -1558,17 +1710,14 @@
               <a:buChar char=""/>
             </a:pPr>
             <a:r>
-              <a:rPr b="0" lang="pt-BR" sz="2000" spc="-1" strike="noStrike">
+              <a:rPr lang="pt-BR" sz="2000" b="0" strike="noStrike" spc="-1">
                 <a:latin typeface="Arial"/>
               </a:rPr>
               <a:t>6.º nível da estrutura de tópicos</a:t>
             </a:r>
-            <a:endParaRPr b="0" lang="pt-BR" sz="2000" spc="-1" strike="noStrike">
-              <a:latin typeface="Arial"/>
-            </a:endParaRPr>
-          </a:p>
-          <a:p>
-            <a:pPr lvl="6" marL="3024000" indent="-216000">
+          </a:p>
+          <a:p>
+            <a:pPr marL="3024000" lvl="6" indent="-216000">
               <a:spcBef>
                 <a:spcPts val="283"/>
               </a:spcBef>
@@ -1580,45 +1729,323 @@
               <a:buChar char=""/>
             </a:pPr>
             <a:r>
-              <a:rPr b="0" lang="pt-BR" sz="2000" spc="-1" strike="noStrike">
+              <a:rPr lang="pt-BR" sz="2000" b="0" strike="noStrike" spc="-1">
                 <a:latin typeface="Arial"/>
               </a:rPr>
               <a:t>7.º nível da estrutura de tópicos</a:t>
             </a:r>
-            <a:endParaRPr b="0" lang="pt-BR" sz="2000" spc="-1" strike="noStrike">
-              <a:latin typeface="Arial"/>
-            </a:endParaRPr>
           </a:p>
         </p:txBody>
       </p:sp>
     </p:spTree>
   </p:cSld>
-  <p:clrMap bg1="lt1" bg2="lt2" tx1="dk1" tx2="dk2" accent1="accent1" accent2="accent2" accent3="accent3" accent4="accent4" accent5="accent5" accent6="accent6" hlink="hlink" folHlink="folHlink"/>
+  <p:clrMap bg1="lt1" tx1="dk1" bg2="lt2" tx2="dk2" accent1="accent1" accent2="accent2" accent3="accent3" accent4="accent4" accent5="accent5" accent6="accent6" hlink="hlink" folHlink="folHlink"/>
   <p:sldLayoutIdLst>
-    <p:sldLayoutId id="2147483649" r:id="rId2"/>
-    <p:sldLayoutId id="2147483650" r:id="rId3"/>
-    <p:sldLayoutId id="2147483651" r:id="rId4"/>
-    <p:sldLayoutId id="2147483652" r:id="rId5"/>
-    <p:sldLayoutId id="2147483653" r:id="rId6"/>
-    <p:sldLayoutId id="2147483654" r:id="rId7"/>
-    <p:sldLayoutId id="2147483655" r:id="rId8"/>
-    <p:sldLayoutId id="2147483656" r:id="rId9"/>
-    <p:sldLayoutId id="2147483657" r:id="rId10"/>
-    <p:sldLayoutId id="2147483658" r:id="rId11"/>
-    <p:sldLayoutId id="2147483659" r:id="rId12"/>
-    <p:sldLayoutId id="2147483660" r:id="rId13"/>
+    <p:sldLayoutId id="2147483649" r:id="rId1"/>
+    <p:sldLayoutId id="2147483650" r:id="rId2"/>
+    <p:sldLayoutId id="2147483651" r:id="rId3"/>
+    <p:sldLayoutId id="2147483652" r:id="rId4"/>
+    <p:sldLayoutId id="2147483653" r:id="rId5"/>
+    <p:sldLayoutId id="2147483654" r:id="rId6"/>
+    <p:sldLayoutId id="2147483655" r:id="rId7"/>
+    <p:sldLayoutId id="2147483656" r:id="rId8"/>
+    <p:sldLayoutId id="2147483657" r:id="rId9"/>
+    <p:sldLayoutId id="2147483658" r:id="rId10"/>
+    <p:sldLayoutId id="2147483659" r:id="rId11"/>
+    <p:sldLayoutId id="2147483660" r:id="rId12"/>
   </p:sldLayoutIdLst>
+  <p:txStyles>
+    <p:titleStyle>
+      <a:lvl1pPr algn="l" defTabSz="914400" rtl="0" eaLnBrk="1" latinLnBrk="0" hangingPunct="1">
+        <a:lnSpc>
+          <a:spcPct val="90000"/>
+        </a:lnSpc>
+        <a:spcBef>
+          <a:spcPct val="0"/>
+        </a:spcBef>
+        <a:buNone/>
+        <a:defRPr sz="4400" kern="1200">
+          <a:solidFill>
+            <a:schemeClr val="tx1"/>
+          </a:solidFill>
+          <a:latin typeface="+mj-lt"/>
+          <a:ea typeface="+mj-ea"/>
+          <a:cs typeface="+mj-cs"/>
+        </a:defRPr>
+      </a:lvl1pPr>
+    </p:titleStyle>
+    <p:bodyStyle>
+      <a:lvl1pPr marL="228600" indent="-228600" algn="l" defTabSz="914400" rtl="0" eaLnBrk="1" latinLnBrk="0" hangingPunct="1">
+        <a:lnSpc>
+          <a:spcPct val="90000"/>
+        </a:lnSpc>
+        <a:spcBef>
+          <a:spcPts val="1000"/>
+        </a:spcBef>
+        <a:buFont typeface="Arial" panose="020B0604020202020204" pitchFamily="34" charset="0"/>
+        <a:buChar char="•"/>
+        <a:defRPr sz="2800" kern="1200">
+          <a:solidFill>
+            <a:schemeClr val="tx1"/>
+          </a:solidFill>
+          <a:latin typeface="+mn-lt"/>
+          <a:ea typeface="+mn-ea"/>
+          <a:cs typeface="+mn-cs"/>
+        </a:defRPr>
+      </a:lvl1pPr>
+      <a:lvl2pPr marL="685800" indent="-228600" algn="l" defTabSz="914400" rtl="0" eaLnBrk="1" latinLnBrk="0" hangingPunct="1">
+        <a:lnSpc>
+          <a:spcPct val="90000"/>
+        </a:lnSpc>
+        <a:spcBef>
+          <a:spcPts val="500"/>
+        </a:spcBef>
+        <a:buFont typeface="Arial" panose="020B0604020202020204" pitchFamily="34" charset="0"/>
+        <a:buChar char="•"/>
+        <a:defRPr sz="2400" kern="1200">
+          <a:solidFill>
+            <a:schemeClr val="tx1"/>
+          </a:solidFill>
+          <a:latin typeface="+mn-lt"/>
+          <a:ea typeface="+mn-ea"/>
+          <a:cs typeface="+mn-cs"/>
+        </a:defRPr>
+      </a:lvl2pPr>
+      <a:lvl3pPr marL="1143000" indent="-228600" algn="l" defTabSz="914400" rtl="0" eaLnBrk="1" latinLnBrk="0" hangingPunct="1">
+        <a:lnSpc>
+          <a:spcPct val="90000"/>
+        </a:lnSpc>
+        <a:spcBef>
+          <a:spcPts val="500"/>
+        </a:spcBef>
+        <a:buFont typeface="Arial" panose="020B0604020202020204" pitchFamily="34" charset="0"/>
+        <a:buChar char="•"/>
+        <a:defRPr sz="2000" kern="1200">
+          <a:solidFill>
+            <a:schemeClr val="tx1"/>
+          </a:solidFill>
+          <a:latin typeface="+mn-lt"/>
+          <a:ea typeface="+mn-ea"/>
+          <a:cs typeface="+mn-cs"/>
+        </a:defRPr>
+      </a:lvl3pPr>
+      <a:lvl4pPr marL="1600200" indent="-228600" algn="l" defTabSz="914400" rtl="0" eaLnBrk="1" latinLnBrk="0" hangingPunct="1">
+        <a:lnSpc>
+          <a:spcPct val="90000"/>
+        </a:lnSpc>
+        <a:spcBef>
+          <a:spcPts val="500"/>
+        </a:spcBef>
+        <a:buFont typeface="Arial" panose="020B0604020202020204" pitchFamily="34" charset="0"/>
+        <a:buChar char="•"/>
+        <a:defRPr sz="1800" kern="1200">
+          <a:solidFill>
+            <a:schemeClr val="tx1"/>
+          </a:solidFill>
+          <a:latin typeface="+mn-lt"/>
+          <a:ea typeface="+mn-ea"/>
+          <a:cs typeface="+mn-cs"/>
+        </a:defRPr>
+      </a:lvl4pPr>
+      <a:lvl5pPr marL="2057400" indent="-228600" algn="l" defTabSz="914400" rtl="0" eaLnBrk="1" latinLnBrk="0" hangingPunct="1">
+        <a:lnSpc>
+          <a:spcPct val="90000"/>
+        </a:lnSpc>
+        <a:spcBef>
+          <a:spcPts val="500"/>
+        </a:spcBef>
+        <a:buFont typeface="Arial" panose="020B0604020202020204" pitchFamily="34" charset="0"/>
+        <a:buChar char="•"/>
+        <a:defRPr sz="1800" kern="1200">
+          <a:solidFill>
+            <a:schemeClr val="tx1"/>
+          </a:solidFill>
+          <a:latin typeface="+mn-lt"/>
+          <a:ea typeface="+mn-ea"/>
+          <a:cs typeface="+mn-cs"/>
+        </a:defRPr>
+      </a:lvl5pPr>
+      <a:lvl6pPr marL="2514600" indent="-228600" algn="l" defTabSz="914400" rtl="0" eaLnBrk="1" latinLnBrk="0" hangingPunct="1">
+        <a:lnSpc>
+          <a:spcPct val="90000"/>
+        </a:lnSpc>
+        <a:spcBef>
+          <a:spcPts val="500"/>
+        </a:spcBef>
+        <a:buFont typeface="Arial" panose="020B0604020202020204" pitchFamily="34" charset="0"/>
+        <a:buChar char="•"/>
+        <a:defRPr sz="1800" kern="1200">
+          <a:solidFill>
+            <a:schemeClr val="tx1"/>
+          </a:solidFill>
+          <a:latin typeface="+mn-lt"/>
+          <a:ea typeface="+mn-ea"/>
+          <a:cs typeface="+mn-cs"/>
+        </a:defRPr>
+      </a:lvl6pPr>
+      <a:lvl7pPr marL="2971800" indent="-228600" algn="l" defTabSz="914400" rtl="0" eaLnBrk="1" latinLnBrk="0" hangingPunct="1">
+        <a:lnSpc>
+          <a:spcPct val="90000"/>
+        </a:lnSpc>
+        <a:spcBef>
+          <a:spcPts val="500"/>
+        </a:spcBef>
+        <a:buFont typeface="Arial" panose="020B0604020202020204" pitchFamily="34" charset="0"/>
+        <a:buChar char="•"/>
+        <a:defRPr sz="1800" kern="1200">
+          <a:solidFill>
+            <a:schemeClr val="tx1"/>
+          </a:solidFill>
+          <a:latin typeface="+mn-lt"/>
+          <a:ea typeface="+mn-ea"/>
+          <a:cs typeface="+mn-cs"/>
+        </a:defRPr>
+      </a:lvl7pPr>
+      <a:lvl8pPr marL="3429000" indent="-228600" algn="l" defTabSz="914400" rtl="0" eaLnBrk="1" latinLnBrk="0" hangingPunct="1">
+        <a:lnSpc>
+          <a:spcPct val="90000"/>
+        </a:lnSpc>
+        <a:spcBef>
+          <a:spcPts val="500"/>
+        </a:spcBef>
+        <a:buFont typeface="Arial" panose="020B0604020202020204" pitchFamily="34" charset="0"/>
+        <a:buChar char="•"/>
+        <a:defRPr sz="1800" kern="1200">
+          <a:solidFill>
+            <a:schemeClr val="tx1"/>
+          </a:solidFill>
+          <a:latin typeface="+mn-lt"/>
+          <a:ea typeface="+mn-ea"/>
+          <a:cs typeface="+mn-cs"/>
+        </a:defRPr>
+      </a:lvl8pPr>
+      <a:lvl9pPr marL="3886200" indent="-228600" algn="l" defTabSz="914400" rtl="0" eaLnBrk="1" latinLnBrk="0" hangingPunct="1">
+        <a:lnSpc>
+          <a:spcPct val="90000"/>
+        </a:lnSpc>
+        <a:spcBef>
+          <a:spcPts val="500"/>
+        </a:spcBef>
+        <a:buFont typeface="Arial" panose="020B0604020202020204" pitchFamily="34" charset="0"/>
+        <a:buChar char="•"/>
+        <a:defRPr sz="1800" kern="1200">
+          <a:solidFill>
+            <a:schemeClr val="tx1"/>
+          </a:solidFill>
+          <a:latin typeface="+mn-lt"/>
+          <a:ea typeface="+mn-ea"/>
+          <a:cs typeface="+mn-cs"/>
+        </a:defRPr>
+      </a:lvl9pPr>
+    </p:bodyStyle>
+    <p:otherStyle>
+      <a:defPPr>
+        <a:defRPr lang="pt-BR"/>
+      </a:defPPr>
+      <a:lvl1pPr marL="0" algn="l" defTabSz="914400" rtl="0" eaLnBrk="1" latinLnBrk="0" hangingPunct="1">
+        <a:defRPr sz="1800" kern="1200">
+          <a:solidFill>
+            <a:schemeClr val="tx1"/>
+          </a:solidFill>
+          <a:latin typeface="+mn-lt"/>
+          <a:ea typeface="+mn-ea"/>
+          <a:cs typeface="+mn-cs"/>
+        </a:defRPr>
+      </a:lvl1pPr>
+      <a:lvl2pPr marL="457200" algn="l" defTabSz="914400" rtl="0" eaLnBrk="1" latinLnBrk="0" hangingPunct="1">
+        <a:defRPr sz="1800" kern="1200">
+          <a:solidFill>
+            <a:schemeClr val="tx1"/>
+          </a:solidFill>
+          <a:latin typeface="+mn-lt"/>
+          <a:ea typeface="+mn-ea"/>
+          <a:cs typeface="+mn-cs"/>
+        </a:defRPr>
+      </a:lvl2pPr>
+      <a:lvl3pPr marL="914400" algn="l" defTabSz="914400" rtl="0" eaLnBrk="1" latinLnBrk="0" hangingPunct="1">
+        <a:defRPr sz="1800" kern="1200">
+          <a:solidFill>
+            <a:schemeClr val="tx1"/>
+          </a:solidFill>
+          <a:latin typeface="+mn-lt"/>
+          <a:ea typeface="+mn-ea"/>
+          <a:cs typeface="+mn-cs"/>
+        </a:defRPr>
+      </a:lvl3pPr>
+      <a:lvl4pPr marL="1371600" algn="l" defTabSz="914400" rtl="0" eaLnBrk="1" latinLnBrk="0" hangingPunct="1">
+        <a:defRPr sz="1800" kern="1200">
+          <a:solidFill>
+            <a:schemeClr val="tx1"/>
+          </a:solidFill>
+          <a:latin typeface="+mn-lt"/>
+          <a:ea typeface="+mn-ea"/>
+          <a:cs typeface="+mn-cs"/>
+        </a:defRPr>
+      </a:lvl4pPr>
+      <a:lvl5pPr marL="1828800" algn="l" defTabSz="914400" rtl="0" eaLnBrk="1" latinLnBrk="0" hangingPunct="1">
+        <a:defRPr sz="1800" kern="1200">
+          <a:solidFill>
+            <a:schemeClr val="tx1"/>
+          </a:solidFill>
+          <a:latin typeface="+mn-lt"/>
+          <a:ea typeface="+mn-ea"/>
+          <a:cs typeface="+mn-cs"/>
+        </a:defRPr>
+      </a:lvl5pPr>
+      <a:lvl6pPr marL="2286000" algn="l" defTabSz="914400" rtl="0" eaLnBrk="1" latinLnBrk="0" hangingPunct="1">
+        <a:defRPr sz="1800" kern="1200">
+          <a:solidFill>
+            <a:schemeClr val="tx1"/>
+          </a:solidFill>
+          <a:latin typeface="+mn-lt"/>
+          <a:ea typeface="+mn-ea"/>
+          <a:cs typeface="+mn-cs"/>
+        </a:defRPr>
+      </a:lvl6pPr>
+      <a:lvl7pPr marL="2743200" algn="l" defTabSz="914400" rtl="0" eaLnBrk="1" latinLnBrk="0" hangingPunct="1">
+        <a:defRPr sz="1800" kern="1200">
+          <a:solidFill>
+            <a:schemeClr val="tx1"/>
+          </a:solidFill>
+          <a:latin typeface="+mn-lt"/>
+          <a:ea typeface="+mn-ea"/>
+          <a:cs typeface="+mn-cs"/>
+        </a:defRPr>
+      </a:lvl7pPr>
+      <a:lvl8pPr marL="3200400" algn="l" defTabSz="914400" rtl="0" eaLnBrk="1" latinLnBrk="0" hangingPunct="1">
+        <a:defRPr sz="1800" kern="1200">
+          <a:solidFill>
+            <a:schemeClr val="tx1"/>
+          </a:solidFill>
+          <a:latin typeface="+mn-lt"/>
+          <a:ea typeface="+mn-ea"/>
+          <a:cs typeface="+mn-cs"/>
+        </a:defRPr>
+      </a:lvl8pPr>
+      <a:lvl9pPr marL="3657600" algn="l" defTabSz="914400" rtl="0" eaLnBrk="1" latinLnBrk="0" hangingPunct="1">
+        <a:defRPr sz="1800" kern="1200">
+          <a:solidFill>
+            <a:schemeClr val="tx1"/>
+          </a:solidFill>
+          <a:latin typeface="+mn-lt"/>
+          <a:ea typeface="+mn-ea"/>
+          <a:cs typeface="+mn-cs"/>
+        </a:defRPr>
+      </a:lvl9pPr>
+    </p:otherStyle>
+  </p:txStyles>
 </p:sldMaster>
 </file>
 
 <file path=ppt/slides/slide1.xml><?xml version="1.0" encoding="utf-8"?>
-<p:sld xmlns:a="http://schemas.openxmlformats.org/drawingml/2006/main" xmlns:p="http://schemas.openxmlformats.org/presentationml/2006/main" xmlns:r="http://schemas.openxmlformats.org/officeDocument/2006/relationships" xmlns:p14="http://schemas.microsoft.com/office/powerpoint/2010/main" xmlns:p15="http://schemas.microsoft.com/office/powerpoint/2012/main" xmlns:mc="http://schemas.openxmlformats.org/markup-compatibility/2006">
+<p:sld xmlns:a="http://schemas.openxmlformats.org/drawingml/2006/main" xmlns:r="http://schemas.openxmlformats.org/officeDocument/2006/relationships" xmlns:p="http://schemas.openxmlformats.org/presentationml/2006/main">
   <p:cSld>
     <p:bg>
       <p:bgPr>
         <a:solidFill>
-          <a:srgbClr val="ffffff"/>
+          <a:srgbClr val="FFFFFF"/>
         </a:solidFill>
+        <a:effectLst/>
       </p:bgPr>
     </p:bg>
     <p:spTree>
@@ -1650,27 +2077,33 @@
             <a:avLst/>
           </a:prstGeom>
           <a:solidFill>
-            <a:srgbClr val="347c36"/>
+            <a:srgbClr val="347C36"/>
           </a:solidFill>
           <a:ln>
             <a:noFill/>
           </a:ln>
         </p:spPr>
         <p:style>
-          <a:lnRef idx="0"/>
-          <a:fillRef idx="0"/>
-          <a:effectRef idx="0"/>
+          <a:lnRef idx="0">
+            <a:scrgbClr r="0" g="0" b="0"/>
+          </a:lnRef>
+          <a:fillRef idx="0">
+            <a:scrgbClr r="0" g="0" b="0"/>
+          </a:fillRef>
+          <a:effectRef idx="0">
+            <a:scrgbClr r="0" g="0" b="0"/>
+          </a:effectRef>
           <a:fontRef idx="minor"/>
         </p:style>
       </p:sp>
       <p:pic>
         <p:nvPicPr>
-          <p:cNvPr id="39" name="Google Shape;89;p13" descr=""/>
+          <p:cNvPr id="39" name="Google Shape;89;p13"/>
           <p:cNvPicPr/>
           <p:nvPr/>
         </p:nvPicPr>
         <p:blipFill>
-          <a:blip r:embed="rId1"/>
+          <a:blip r:embed="rId2"/>
           <a:stretch/>
         </p:blipFill>
         <p:spPr>
@@ -1706,13 +2139,20 @@
           </a:ln>
         </p:spPr>
         <p:style>
-          <a:lnRef idx="0"/>
-          <a:fillRef idx="0"/>
-          <a:effectRef idx="0"/>
+          <a:lnRef idx="0">
+            <a:scrgbClr r="0" g="0" b="0"/>
+          </a:lnRef>
+          <a:fillRef idx="0">
+            <a:scrgbClr r="0" g="0" b="0"/>
+          </a:fillRef>
+          <a:effectRef idx="0">
+            <a:scrgbClr r="0" g="0" b="0"/>
+          </a:effectRef>
           <a:fontRef idx="minor"/>
         </p:style>
         <p:txBody>
-          <a:bodyPr lIns="90000" rIns="90000" tIns="45000" bIns="45000"/>
+          <a:bodyPr lIns="90000" tIns="45000" rIns="90000" bIns="45000"/>
+          <a:lstStyle/>
           <a:p>
             <a:pPr algn="just">
               <a:lnSpc>
@@ -1721,16 +2161,16 @@
             </a:pPr>
             <a:br/>
             <a:r>
-              <a:rPr b="1" lang="pt-BR" sz="3200" spc="-1" strike="noStrike">
+              <a:rPr lang="pt-BR" sz="3200" b="1" strike="noStrike" spc="-1">
                 <a:solidFill>
-                  <a:srgbClr val="92d050"/>
+                  <a:srgbClr val="92D050"/>
                 </a:solidFill>
                 <a:latin typeface="Arial"/>
                 <a:ea typeface="DejaVu Sans"/>
               </a:rPr>
               <a:t>Prática  de análise de sistemas</a:t>
             </a:r>
-            <a:endParaRPr b="0" lang="pt-BR" sz="3200" spc="-1" strike="noStrike">
+            <a:endParaRPr lang="pt-BR" sz="3200" b="0" strike="noStrike" spc="-1">
               <a:latin typeface="Arial"/>
             </a:endParaRPr>
           </a:p>
@@ -1740,7 +2180,7 @@
                 <a:spcPct val="100000"/>
               </a:lnSpc>
             </a:pPr>
-            <a:endParaRPr b="0" lang="pt-BR" sz="3200" spc="-1" strike="noStrike">
+            <a:endParaRPr lang="pt-BR" sz="3200" b="0" strike="noStrike" spc="-1">
               <a:latin typeface="Arial"/>
             </a:endParaRPr>
           </a:p>
@@ -1766,13 +2206,20 @@
           </a:ln>
         </p:spPr>
         <p:style>
-          <a:lnRef idx="0"/>
-          <a:fillRef idx="0"/>
-          <a:effectRef idx="0"/>
+          <a:lnRef idx="0">
+            <a:scrgbClr r="0" g="0" b="0"/>
+          </a:lnRef>
+          <a:fillRef idx="0">
+            <a:scrgbClr r="0" g="0" b="0"/>
+          </a:fillRef>
+          <a:effectRef idx="0">
+            <a:scrgbClr r="0" g="0" b="0"/>
+          </a:effectRef>
           <a:fontRef idx="minor"/>
         </p:style>
         <p:txBody>
-          <a:bodyPr lIns="90000" rIns="90000" tIns="45000" bIns="45000"/>
+          <a:bodyPr lIns="90000" tIns="45000" rIns="90000" bIns="45000"/>
+          <a:lstStyle/>
           <a:p>
             <a:pPr algn="ctr">
               <a:lnSpc>
@@ -1780,26 +2227,16 @@
               </a:lnSpc>
             </a:pPr>
             <a:r>
-              <a:rPr b="1" lang="pt-BR" sz="1500" spc="-1" strike="noStrike">
+              <a:rPr lang="pt-BR" sz="1500" b="1" strike="noStrike" spc="-1">
                 <a:solidFill>
-                  <a:srgbClr val="8dc641"/>
+                  <a:srgbClr val="8DC641"/>
                 </a:solidFill>
                 <a:latin typeface="Arial"/>
                 <a:ea typeface="Arial"/>
               </a:rPr>
-              <a:t> </a:t>
+              <a:t> Fabio Vasques, Gieder Loreto</a:t>
             </a:r>
-            <a:r>
-              <a:rPr b="1" lang="pt-BR" sz="1500" spc="-1" strike="noStrike">
-                <a:solidFill>
-                  <a:srgbClr val="8dc641"/>
-                </a:solidFill>
-                <a:latin typeface="Arial"/>
-                <a:ea typeface="Arial"/>
-              </a:rPr>
-              <a:t>Fabio Vasques, Gieder Loreto</a:t>
-            </a:r>
-            <a:endParaRPr b="0" lang="pt-BR" sz="1500" spc="-1" strike="noStrike">
+            <a:endParaRPr lang="pt-BR" sz="1500" b="0" strike="noStrike" spc="-1">
               <a:latin typeface="Arial"/>
             </a:endParaRPr>
           </a:p>
@@ -1825,20 +2262,27 @@
           </a:ln>
         </p:spPr>
         <p:style>
-          <a:lnRef idx="0"/>
-          <a:fillRef idx="0"/>
-          <a:effectRef idx="0"/>
+          <a:lnRef idx="0">
+            <a:scrgbClr r="0" g="0" b="0"/>
+          </a:lnRef>
+          <a:fillRef idx="0">
+            <a:scrgbClr r="0" g="0" b="0"/>
+          </a:fillRef>
+          <a:effectRef idx="0">
+            <a:scrgbClr r="0" g="0" b="0"/>
+          </a:effectRef>
           <a:fontRef idx="minor"/>
         </p:style>
         <p:txBody>
-          <a:bodyPr lIns="90000" rIns="90000" tIns="45000" bIns="45000"/>
+          <a:bodyPr lIns="90000" tIns="45000" rIns="90000" bIns="45000"/>
+          <a:lstStyle/>
           <a:p>
             <a:pPr algn="ctr">
               <a:lnSpc>
                 <a:spcPct val="100000"/>
               </a:lnSpc>
             </a:pPr>
-            <a:endParaRPr b="0" lang="pt-BR" sz="1800" spc="-1" strike="noStrike">
+            <a:endParaRPr lang="pt-BR" sz="1800" b="0" strike="noStrike" spc="-1">
               <a:latin typeface="Arial"/>
             </a:endParaRPr>
           </a:p>
@@ -1849,16 +2293,16 @@
               </a:lnSpc>
             </a:pPr>
             <a:r>
-              <a:rPr b="1" lang="pt-BR" sz="2000" spc="-1" strike="noStrike">
+              <a:rPr lang="pt-BR" sz="2000" b="1" strike="noStrike" spc="-1">
                 <a:solidFill>
-                  <a:srgbClr val="8dc641"/>
+                  <a:srgbClr val="8DC641"/>
                 </a:solidFill>
                 <a:latin typeface="Arial"/>
                 <a:ea typeface="Arial"/>
               </a:rPr>
               <a:t>Processo (etapas de desenvolvimento)</a:t>
             </a:r>
-            <a:endParaRPr b="0" lang="pt-BR" sz="2000" spc="-1" strike="noStrike">
+            <a:endParaRPr lang="pt-BR" sz="2000" b="0" strike="noStrike" spc="-1">
               <a:latin typeface="Arial"/>
             </a:endParaRPr>
           </a:p>
@@ -1884,13 +2328,20 @@
           </a:ln>
         </p:spPr>
         <p:style>
-          <a:lnRef idx="0"/>
-          <a:fillRef idx="0"/>
-          <a:effectRef idx="0"/>
+          <a:lnRef idx="0">
+            <a:scrgbClr r="0" g="0" b="0"/>
+          </a:lnRef>
+          <a:fillRef idx="0">
+            <a:scrgbClr r="0" g="0" b="0"/>
+          </a:fillRef>
+          <a:effectRef idx="0">
+            <a:scrgbClr r="0" g="0" b="0"/>
+          </a:effectRef>
           <a:fontRef idx="minor"/>
         </p:style>
         <p:txBody>
-          <a:bodyPr lIns="90000" rIns="90000" tIns="45000" bIns="45000"/>
+          <a:bodyPr lIns="90000" tIns="45000" rIns="90000" bIns="45000"/>
+          <a:lstStyle/>
           <a:p>
             <a:pPr algn="just">
               <a:lnSpc>
@@ -1898,16 +2349,16 @@
               </a:lnSpc>
             </a:pPr>
             <a:r>
-              <a:rPr b="1" lang="pt-BR" sz="1800" spc="-1" strike="noStrike">
+              <a:rPr lang="pt-BR" sz="1800" b="1" strike="noStrike" spc="-1">
                 <a:solidFill>
-                  <a:srgbClr val="62a73b"/>
+                  <a:srgbClr val="62A73B"/>
                 </a:solidFill>
                 <a:latin typeface="Arial"/>
                 <a:ea typeface="DejaVu Sans"/>
               </a:rPr>
               <a:t>Será usado a ferramenta git para controle de versionamento do sistema a ser desenvolvido, além disso durante a etapa de desenvolvimento será usado o método cascata onde será feito todo o planejamento, execução, validação e entrega do produto final.</a:t>
             </a:r>
-            <a:endParaRPr b="0" lang="pt-BR" sz="1800" spc="-1" strike="noStrike">
+            <a:endParaRPr lang="pt-BR" sz="1800" b="0" strike="noStrike" spc="-1">
               <a:latin typeface="Arial"/>
             </a:endParaRPr>
           </a:p>
@@ -1917,7 +2368,7 @@
                 <a:spcPct val="100000"/>
               </a:lnSpc>
             </a:pPr>
-            <a:endParaRPr b="0" lang="pt-BR" sz="1800" spc="-1" strike="noStrike">
+            <a:endParaRPr lang="pt-BR" sz="1800" b="0" strike="noStrike" spc="-1">
               <a:latin typeface="Arial"/>
             </a:endParaRPr>
           </a:p>
@@ -1925,12 +2376,12 @@
       </p:sp>
       <p:pic>
         <p:nvPicPr>
-          <p:cNvPr id="44" name="Google Shape;166;p39" descr=""/>
+          <p:cNvPr id="44" name="Google Shape;166;p39"/>
           <p:cNvPicPr/>
           <p:nvPr/>
         </p:nvPicPr>
         <p:blipFill>
-          <a:blip r:embed="rId2"/>
+          <a:blip r:embed="rId3"/>
           <a:stretch/>
         </p:blipFill>
         <p:spPr>
@@ -1948,6 +2399,9 @@
       </p:pic>
     </p:spTree>
   </p:cSld>
+  <p:clrMapOvr>
+    <a:masterClrMapping/>
+  </p:clrMapOvr>
   <p:timing>
     <p:tnLst>
       <p:par>
@@ -1956,14 +2410,14 @@
             <p:seq>
               <p:cTn id="2" dur="indefinite" nodeType="mainSeq"/>
               <p:prevCondLst>
-                <p:cond delay="0" evt="onPrev">
+                <p:cond evt="onPrev" delay="0">
                   <p:tgtEl>
                     <p:sldTgt/>
                   </p:tgtEl>
                 </p:cond>
               </p:prevCondLst>
               <p:nextCondLst>
-                <p:cond delay="0" evt="onNext">
+                <p:cond evt="onNext" delay="0">
                   <p:tgtEl>
                     <p:sldTgt/>
                   </p:tgtEl>
@@ -1979,13 +2433,14 @@
 </file>
 
 <file path=ppt/slides/slide10.xml><?xml version="1.0" encoding="utf-8"?>
-<p:sld xmlns:a="http://schemas.openxmlformats.org/drawingml/2006/main" xmlns:p="http://schemas.openxmlformats.org/presentationml/2006/main" xmlns:r="http://schemas.openxmlformats.org/officeDocument/2006/relationships" xmlns:p14="http://schemas.microsoft.com/office/powerpoint/2010/main" xmlns:p15="http://schemas.microsoft.com/office/powerpoint/2012/main" xmlns:mc="http://schemas.openxmlformats.org/markup-compatibility/2006">
+<p:sld xmlns:a="http://schemas.openxmlformats.org/drawingml/2006/main" xmlns:r="http://schemas.openxmlformats.org/officeDocument/2006/relationships" xmlns:p="http://schemas.openxmlformats.org/presentationml/2006/main">
   <p:cSld>
     <p:bg>
       <p:bgPr>
         <a:solidFill>
-          <a:srgbClr val="ffffff"/>
+          <a:srgbClr val="FFFFFF"/>
         </a:solidFill>
+        <a:effectLst/>
       </p:bgPr>
     </p:bg>
     <p:spTree>
@@ -2017,27 +2472,33 @@
             <a:avLst/>
           </a:prstGeom>
           <a:solidFill>
-            <a:srgbClr val="347c36"/>
+            <a:srgbClr val="347C36"/>
           </a:solidFill>
           <a:ln>
             <a:noFill/>
           </a:ln>
         </p:spPr>
         <p:style>
-          <a:lnRef idx="0"/>
-          <a:fillRef idx="0"/>
-          <a:effectRef idx="0"/>
+          <a:lnRef idx="0">
+            <a:scrgbClr r="0" g="0" b="0"/>
+          </a:lnRef>
+          <a:fillRef idx="0">
+            <a:scrgbClr r="0" g="0" b="0"/>
+          </a:fillRef>
+          <a:effectRef idx="0">
+            <a:scrgbClr r="0" g="0" b="0"/>
+          </a:effectRef>
           <a:fontRef idx="minor"/>
         </p:style>
       </p:sp>
       <p:pic>
         <p:nvPicPr>
-          <p:cNvPr id="147" name="Google Shape;89;p13" descr=""/>
+          <p:cNvPr id="147" name="Google Shape;89;p13"/>
           <p:cNvPicPr/>
           <p:nvPr/>
         </p:nvPicPr>
         <p:blipFill>
-          <a:blip r:embed="rId1"/>
+          <a:blip r:embed="rId2"/>
           <a:stretch/>
         </p:blipFill>
         <p:spPr>
@@ -2073,13 +2534,20 @@
           </a:ln>
         </p:spPr>
         <p:style>
-          <a:lnRef idx="0"/>
-          <a:fillRef idx="0"/>
-          <a:effectRef idx="0"/>
+          <a:lnRef idx="0">
+            <a:scrgbClr r="0" g="0" b="0"/>
+          </a:lnRef>
+          <a:fillRef idx="0">
+            <a:scrgbClr r="0" g="0" b="0"/>
+          </a:fillRef>
+          <a:effectRef idx="0">
+            <a:scrgbClr r="0" g="0" b="0"/>
+          </a:effectRef>
           <a:fontRef idx="minor"/>
         </p:style>
         <p:txBody>
-          <a:bodyPr lIns="90000" rIns="90000" tIns="45000" bIns="45000"/>
+          <a:bodyPr lIns="90000" tIns="45000" rIns="90000" bIns="45000"/>
+          <a:lstStyle/>
           <a:p>
             <a:pPr algn="ctr">
               <a:lnSpc>
@@ -2087,26 +2555,16 @@
               </a:lnSpc>
             </a:pPr>
             <a:r>
-              <a:rPr b="1" lang="pt-BR" sz="1500" spc="-1" strike="noStrike">
+              <a:rPr lang="pt-BR" sz="1500" b="1" strike="noStrike" spc="-1">
                 <a:solidFill>
-                  <a:srgbClr val="8dc641"/>
+                  <a:srgbClr val="8DC641"/>
                 </a:solidFill>
                 <a:latin typeface="Arial"/>
                 <a:ea typeface="Arial"/>
               </a:rPr>
-              <a:t> </a:t>
+              <a:t> Fabio Vasques, Gieder Loreto</a:t>
             </a:r>
-            <a:r>
-              <a:rPr b="1" lang="pt-BR" sz="1500" spc="-1" strike="noStrike">
-                <a:solidFill>
-                  <a:srgbClr val="8dc641"/>
-                </a:solidFill>
-                <a:latin typeface="Arial"/>
-                <a:ea typeface="Arial"/>
-              </a:rPr>
-              <a:t>Fabio Vasques, Gieder Loreto</a:t>
-            </a:r>
-            <a:endParaRPr b="0" lang="pt-BR" sz="1500" spc="-1" strike="noStrike">
+            <a:endParaRPr lang="pt-BR" sz="1500" b="0" strike="noStrike" spc="-1">
               <a:latin typeface="Arial"/>
             </a:endParaRPr>
           </a:p>
@@ -2132,20 +2590,27 @@
           </a:ln>
         </p:spPr>
         <p:style>
-          <a:lnRef idx="0"/>
-          <a:fillRef idx="0"/>
-          <a:effectRef idx="0"/>
+          <a:lnRef idx="0">
+            <a:scrgbClr r="0" g="0" b="0"/>
+          </a:lnRef>
+          <a:fillRef idx="0">
+            <a:scrgbClr r="0" g="0" b="0"/>
+          </a:fillRef>
+          <a:effectRef idx="0">
+            <a:scrgbClr r="0" g="0" b="0"/>
+          </a:effectRef>
           <a:fontRef idx="minor"/>
         </p:style>
         <p:txBody>
-          <a:bodyPr lIns="90000" rIns="90000" tIns="45000" bIns="45000"/>
+          <a:bodyPr lIns="90000" tIns="45000" rIns="90000" bIns="45000"/>
+          <a:lstStyle/>
           <a:p>
             <a:pPr algn="ctr">
               <a:lnSpc>
                 <a:spcPct val="100000"/>
               </a:lnSpc>
             </a:pPr>
-            <a:endParaRPr b="0" lang="pt-BR" sz="1800" spc="-1" strike="noStrike">
+            <a:endParaRPr lang="pt-BR" sz="1800" b="0" strike="noStrike" spc="-1">
               <a:latin typeface="Arial"/>
             </a:endParaRPr>
           </a:p>
@@ -2156,26 +2621,16 @@
               </a:lnSpc>
             </a:pPr>
             <a:r>
-              <a:rPr b="1" lang="pt-BR" sz="2600" spc="-1" strike="noStrike">
+              <a:rPr lang="pt-BR" sz="2600" b="1" strike="noStrike" spc="-1">
                 <a:solidFill>
-                  <a:srgbClr val="8dc641"/>
+                  <a:srgbClr val="8DC641"/>
                 </a:solidFill>
                 <a:latin typeface="Arial"/>
                 <a:ea typeface="Arial"/>
               </a:rPr>
-              <a:t> </a:t>
+              <a:t> Cronograma de Gantt </a:t>
             </a:r>
-            <a:r>
-              <a:rPr b="1" lang="pt-BR" sz="2600" spc="-1" strike="noStrike">
-                <a:solidFill>
-                  <a:srgbClr val="8dc641"/>
-                </a:solidFill>
-                <a:latin typeface="Arial"/>
-                <a:ea typeface="Arial"/>
-              </a:rPr>
-              <a:t>Cronograma de Gantt </a:t>
-            </a:r>
-            <a:endParaRPr b="0" lang="pt-BR" sz="2600" spc="-1" strike="noStrike">
+            <a:endParaRPr lang="pt-BR" sz="2600" b="0" strike="noStrike" spc="-1">
               <a:latin typeface="Arial"/>
             </a:endParaRPr>
           </a:p>
@@ -2183,30 +2638,7 @@
       </p:sp>
       <p:pic>
         <p:nvPicPr>
-          <p:cNvPr id="150" name="Google Shape;166;p39" descr=""/>
-          <p:cNvPicPr/>
-          <p:nvPr/>
-        </p:nvPicPr>
-        <p:blipFill>
-          <a:blip r:embed="rId2"/>
-          <a:stretch/>
-        </p:blipFill>
-        <p:spPr>
-          <a:xfrm>
-            <a:off x="235080" y="283680"/>
-            <a:ext cx="3999960" cy="1018800"/>
-          </a:xfrm>
-          <a:prstGeom prst="rect">
-            <a:avLst/>
-          </a:prstGeom>
-          <a:ln>
-            <a:noFill/>
-          </a:ln>
-        </p:spPr>
-      </p:pic>
-      <p:pic>
-        <p:nvPicPr>
-          <p:cNvPr id="151" name="Imagem 2" descr=""/>
+          <p:cNvPr id="150" name="Google Shape;166;p39"/>
           <p:cNvPicPr/>
           <p:nvPr/>
         </p:nvPicPr>
@@ -2216,6 +2648,29 @@
         </p:blipFill>
         <p:spPr>
           <a:xfrm>
+            <a:off x="235080" y="283680"/>
+            <a:ext cx="3999960" cy="1018800"/>
+          </a:xfrm>
+          <a:prstGeom prst="rect">
+            <a:avLst/>
+          </a:prstGeom>
+          <a:ln>
+            <a:noFill/>
+          </a:ln>
+        </p:spPr>
+      </p:pic>
+      <p:pic>
+        <p:nvPicPr>
+          <p:cNvPr id="151" name="Imagem 2"/>
+          <p:cNvPicPr/>
+          <p:nvPr/>
+        </p:nvPicPr>
+        <p:blipFill>
+          <a:blip r:embed="rId4"/>
+          <a:stretch/>
+        </p:blipFill>
+        <p:spPr>
+          <a:xfrm>
             <a:off x="2661480" y="2213280"/>
             <a:ext cx="7587000" cy="4265280"/>
           </a:xfrm>
@@ -2229,22 +2684,25 @@
       </p:pic>
     </p:spTree>
   </p:cSld>
+  <p:clrMapOvr>
+    <a:masterClrMapping/>
+  </p:clrMapOvr>
   <p:timing>
     <p:tnLst>
       <p:par>
-        <p:cTn id="19" dur="indefinite" restart="never" nodeType="tmRoot">
+        <p:cTn id="1" dur="indefinite" restart="never" nodeType="tmRoot">
           <p:childTnLst>
             <p:seq>
-              <p:cTn id="20" dur="indefinite" nodeType="mainSeq"/>
+              <p:cTn id="2" dur="indefinite" nodeType="mainSeq"/>
               <p:prevCondLst>
-                <p:cond delay="0" evt="onPrev">
+                <p:cond evt="onPrev" delay="0">
                   <p:tgtEl>
                     <p:sldTgt/>
                   </p:tgtEl>
                 </p:cond>
               </p:prevCondLst>
               <p:nextCondLst>
-                <p:cond delay="0" evt="onNext">
+                <p:cond evt="onNext" delay="0">
                   <p:tgtEl>
                     <p:sldTgt/>
                   </p:tgtEl>
@@ -2260,13 +2718,14 @@
 </file>
 
 <file path=ppt/slides/slide2.xml><?xml version="1.0" encoding="utf-8"?>
-<p:sld xmlns:a="http://schemas.openxmlformats.org/drawingml/2006/main" xmlns:p="http://schemas.openxmlformats.org/presentationml/2006/main" xmlns:r="http://schemas.openxmlformats.org/officeDocument/2006/relationships" xmlns:p14="http://schemas.microsoft.com/office/powerpoint/2010/main" xmlns:p15="http://schemas.microsoft.com/office/powerpoint/2012/main" xmlns:mc="http://schemas.openxmlformats.org/markup-compatibility/2006">
+<p:sld xmlns:a="http://schemas.openxmlformats.org/drawingml/2006/main" xmlns:r="http://schemas.openxmlformats.org/officeDocument/2006/relationships" xmlns:p="http://schemas.openxmlformats.org/presentationml/2006/main">
   <p:cSld>
     <p:bg>
       <p:bgPr>
         <a:solidFill>
-          <a:srgbClr val="ffffff"/>
+          <a:srgbClr val="FFFFFF"/>
         </a:solidFill>
+        <a:effectLst/>
       </p:bgPr>
     </p:bg>
     <p:spTree>
@@ -2298,27 +2757,33 @@
             <a:avLst/>
           </a:prstGeom>
           <a:solidFill>
-            <a:srgbClr val="347c36"/>
+            <a:srgbClr val="347C36"/>
           </a:solidFill>
           <a:ln>
             <a:noFill/>
           </a:ln>
         </p:spPr>
         <p:style>
-          <a:lnRef idx="0"/>
-          <a:fillRef idx="0"/>
-          <a:effectRef idx="0"/>
+          <a:lnRef idx="0">
+            <a:scrgbClr r="0" g="0" b="0"/>
+          </a:lnRef>
+          <a:fillRef idx="0">
+            <a:scrgbClr r="0" g="0" b="0"/>
+          </a:fillRef>
+          <a:effectRef idx="0">
+            <a:scrgbClr r="0" g="0" b="0"/>
+          </a:effectRef>
           <a:fontRef idx="minor"/>
         </p:style>
       </p:sp>
       <p:pic>
         <p:nvPicPr>
-          <p:cNvPr id="46" name="Google Shape;89;p13" descr=""/>
+          <p:cNvPr id="46" name="Google Shape;89;p13"/>
           <p:cNvPicPr/>
           <p:nvPr/>
         </p:nvPicPr>
         <p:blipFill>
-          <a:blip r:embed="rId1"/>
+          <a:blip r:embed="rId2"/>
           <a:stretch/>
         </p:blipFill>
         <p:spPr>
@@ -2354,13 +2819,20 @@
           </a:ln>
         </p:spPr>
         <p:style>
-          <a:lnRef idx="0"/>
-          <a:fillRef idx="0"/>
-          <a:effectRef idx="0"/>
+          <a:lnRef idx="0">
+            <a:scrgbClr r="0" g="0" b="0"/>
+          </a:lnRef>
+          <a:fillRef idx="0">
+            <a:scrgbClr r="0" g="0" b="0"/>
+          </a:fillRef>
+          <a:effectRef idx="0">
+            <a:scrgbClr r="0" g="0" b="0"/>
+          </a:effectRef>
           <a:fontRef idx="minor"/>
         </p:style>
         <p:txBody>
-          <a:bodyPr lIns="90000" rIns="90000" tIns="45000" bIns="45000"/>
+          <a:bodyPr lIns="90000" tIns="45000" rIns="90000" bIns="45000"/>
+          <a:lstStyle/>
           <a:p>
             <a:pPr algn="ctr">
               <a:lnSpc>
@@ -2369,16 +2841,16 @@
             </a:pPr>
             <a:br/>
             <a:r>
-              <a:rPr b="1" lang="pt-BR" sz="3200" spc="-1" strike="noStrike">
+              <a:rPr lang="pt-BR" sz="3200" b="1" strike="noStrike" spc="-1">
                 <a:solidFill>
-                  <a:srgbClr val="8dc641"/>
+                  <a:srgbClr val="8DC641"/>
                 </a:solidFill>
                 <a:latin typeface="Arial"/>
                 <a:ea typeface="Arial"/>
               </a:rPr>
               <a:t>Prática  de análise de sistemas</a:t>
             </a:r>
-            <a:endParaRPr b="0" lang="pt-BR" sz="3200" spc="-1" strike="noStrike">
+            <a:endParaRPr lang="pt-BR" sz="3200" b="0" strike="noStrike" spc="-1">
               <a:latin typeface="Arial"/>
             </a:endParaRPr>
           </a:p>
@@ -2388,7 +2860,7 @@
                 <a:spcPct val="100000"/>
               </a:lnSpc>
             </a:pPr>
-            <a:endParaRPr b="0" lang="pt-BR" sz="3200" spc="-1" strike="noStrike">
+            <a:endParaRPr lang="pt-BR" sz="3200" b="0" strike="noStrike" spc="-1">
               <a:latin typeface="Arial"/>
             </a:endParaRPr>
           </a:p>
@@ -2414,13 +2886,20 @@
           </a:ln>
         </p:spPr>
         <p:style>
-          <a:lnRef idx="0"/>
-          <a:fillRef idx="0"/>
-          <a:effectRef idx="0"/>
+          <a:lnRef idx="0">
+            <a:scrgbClr r="0" g="0" b="0"/>
+          </a:lnRef>
+          <a:fillRef idx="0">
+            <a:scrgbClr r="0" g="0" b="0"/>
+          </a:fillRef>
+          <a:effectRef idx="0">
+            <a:scrgbClr r="0" g="0" b="0"/>
+          </a:effectRef>
           <a:fontRef idx="minor"/>
         </p:style>
         <p:txBody>
-          <a:bodyPr lIns="90000" rIns="90000" tIns="45000" bIns="45000"/>
+          <a:bodyPr lIns="90000" tIns="45000" rIns="90000" bIns="45000"/>
+          <a:lstStyle/>
           <a:p>
             <a:pPr algn="ctr">
               <a:lnSpc>
@@ -2428,26 +2907,16 @@
               </a:lnSpc>
             </a:pPr>
             <a:r>
-              <a:rPr b="1" lang="pt-BR" sz="1500" spc="-1" strike="noStrike">
+              <a:rPr lang="pt-BR" sz="1500" b="1" strike="noStrike" spc="-1">
                 <a:solidFill>
-                  <a:srgbClr val="8dc641"/>
+                  <a:srgbClr val="8DC641"/>
                 </a:solidFill>
                 <a:latin typeface="Arial"/>
                 <a:ea typeface="Arial"/>
               </a:rPr>
-              <a:t> </a:t>
+              <a:t> Fabio Vasques, Gieder Loreto</a:t>
             </a:r>
-            <a:r>
-              <a:rPr b="1" lang="pt-BR" sz="1500" spc="-1" strike="noStrike">
-                <a:solidFill>
-                  <a:srgbClr val="8dc641"/>
-                </a:solidFill>
-                <a:latin typeface="Arial"/>
-                <a:ea typeface="Arial"/>
-              </a:rPr>
-              <a:t>Fabio Vasques, Gieder Loreto</a:t>
-            </a:r>
-            <a:endParaRPr b="0" lang="pt-BR" sz="1500" spc="-1" strike="noStrike">
+            <a:endParaRPr lang="pt-BR" sz="1500" b="0" strike="noStrike" spc="-1">
               <a:latin typeface="Arial"/>
             </a:endParaRPr>
           </a:p>
@@ -2473,20 +2942,27 @@
           </a:ln>
         </p:spPr>
         <p:style>
-          <a:lnRef idx="0"/>
-          <a:fillRef idx="0"/>
-          <a:effectRef idx="0"/>
+          <a:lnRef idx="0">
+            <a:scrgbClr r="0" g="0" b="0"/>
+          </a:lnRef>
+          <a:fillRef idx="0">
+            <a:scrgbClr r="0" g="0" b="0"/>
+          </a:fillRef>
+          <a:effectRef idx="0">
+            <a:scrgbClr r="0" g="0" b="0"/>
+          </a:effectRef>
           <a:fontRef idx="minor"/>
         </p:style>
         <p:txBody>
-          <a:bodyPr lIns="90000" rIns="90000" tIns="45000" bIns="45000"/>
+          <a:bodyPr lIns="90000" tIns="45000" rIns="90000" bIns="45000"/>
+          <a:lstStyle/>
           <a:p>
             <a:pPr algn="ctr">
               <a:lnSpc>
                 <a:spcPct val="100000"/>
               </a:lnSpc>
             </a:pPr>
-            <a:endParaRPr b="0" lang="pt-BR" sz="1800" spc="-1" strike="noStrike">
+            <a:endParaRPr lang="pt-BR" sz="1800" b="0" strike="noStrike" spc="-1">
               <a:latin typeface="Arial"/>
             </a:endParaRPr>
           </a:p>
@@ -2497,16 +2973,16 @@
               </a:lnSpc>
             </a:pPr>
             <a:r>
-              <a:rPr b="1" lang="pt-BR" sz="2000" spc="-1" strike="noStrike">
+              <a:rPr lang="pt-BR" sz="2000" b="1" strike="noStrike" spc="-1">
                 <a:solidFill>
-                  <a:srgbClr val="8dc641"/>
+                  <a:srgbClr val="8DC641"/>
                 </a:solidFill>
                 <a:latin typeface="Arial"/>
                 <a:ea typeface="Arial"/>
               </a:rPr>
               <a:t>Processo (etapas de desenvolvimento)</a:t>
             </a:r>
-            <a:endParaRPr b="0" lang="pt-BR" sz="2000" spc="-1" strike="noStrike">
+            <a:endParaRPr lang="pt-BR" sz="2000" b="0" strike="noStrike" spc="-1">
               <a:latin typeface="Arial"/>
             </a:endParaRPr>
           </a:p>
@@ -2532,13 +3008,20 @@
           </a:ln>
         </p:spPr>
         <p:style>
-          <a:lnRef idx="0"/>
-          <a:fillRef idx="0"/>
-          <a:effectRef idx="0"/>
+          <a:lnRef idx="0">
+            <a:scrgbClr r="0" g="0" b="0"/>
+          </a:lnRef>
+          <a:fillRef idx="0">
+            <a:scrgbClr r="0" g="0" b="0"/>
+          </a:fillRef>
+          <a:effectRef idx="0">
+            <a:scrgbClr r="0" g="0" b="0"/>
+          </a:effectRef>
           <a:fontRef idx="minor"/>
         </p:style>
         <p:txBody>
-          <a:bodyPr lIns="90000" rIns="90000" tIns="45000" bIns="45000"/>
+          <a:bodyPr lIns="90000" tIns="45000" rIns="90000" bIns="45000"/>
+          <a:lstStyle/>
           <a:p>
             <a:pPr algn="just">
               <a:lnSpc>
@@ -2546,16 +3029,16 @@
               </a:lnSpc>
             </a:pPr>
             <a:r>
-              <a:rPr b="1" lang="pt-BR" sz="1800" spc="-1" strike="noStrike">
+              <a:rPr lang="pt-BR" sz="1800" b="1" strike="noStrike" spc="-1">
                 <a:solidFill>
-                  <a:srgbClr val="62a73b"/>
+                  <a:srgbClr val="62A73B"/>
                 </a:solidFill>
                 <a:latin typeface="Arial"/>
                 <a:ea typeface="DejaVu Sans"/>
               </a:rPr>
               <a:t>.</a:t>
             </a:r>
-            <a:endParaRPr b="0" lang="pt-BR" sz="1800" spc="-1" strike="noStrike">
+            <a:endParaRPr lang="pt-BR" sz="1800" b="0" strike="noStrike" spc="-1">
               <a:latin typeface="Arial"/>
             </a:endParaRPr>
           </a:p>
@@ -2581,13 +3064,20 @@
           </a:ln>
         </p:spPr>
         <p:style>
-          <a:lnRef idx="0"/>
-          <a:fillRef idx="0"/>
-          <a:effectRef idx="0"/>
+          <a:lnRef idx="0">
+            <a:scrgbClr r="0" g="0" b="0"/>
+          </a:lnRef>
+          <a:fillRef idx="0">
+            <a:scrgbClr r="0" g="0" b="0"/>
+          </a:fillRef>
+          <a:effectRef idx="0">
+            <a:scrgbClr r="0" g="0" b="0"/>
+          </a:effectRef>
           <a:fontRef idx="minor"/>
         </p:style>
         <p:txBody>
-          <a:bodyPr lIns="90000" rIns="90000" tIns="45000" bIns="45000"/>
+          <a:bodyPr lIns="90000" tIns="45000" rIns="90000" bIns="45000"/>
+          <a:lstStyle/>
           <a:p>
             <a:pPr algn="just">
               <a:lnSpc>
@@ -2595,16 +3085,16 @@
               </a:lnSpc>
             </a:pPr>
             <a:r>
-              <a:rPr b="1" lang="pt-BR" sz="1800" spc="-1" strike="noStrike">
+              <a:rPr lang="pt-BR" sz="1800" b="1" strike="noStrike" spc="-1" dirty="0">
                 <a:solidFill>
-                  <a:srgbClr val="62a73b"/>
+                  <a:srgbClr val="62A73B"/>
                 </a:solidFill>
                 <a:latin typeface="Arial"/>
                 <a:ea typeface="DejaVu Sans"/>
               </a:rPr>
               <a:t>- Será feito o levantamento de requisitos e todas as necessidades que o sistema precisa ter.</a:t>
             </a:r>
-            <a:endParaRPr b="0" lang="pt-BR" sz="1800" spc="-1" strike="noStrike">
+            <a:endParaRPr lang="pt-BR" sz="1800" b="0" strike="noStrike" spc="-1" dirty="0">
               <a:latin typeface="Arial"/>
             </a:endParaRPr>
           </a:p>
@@ -2614,7 +3104,7 @@
                 <a:spcPct val="100000"/>
               </a:lnSpc>
             </a:pPr>
-            <a:endParaRPr b="0" lang="pt-BR" sz="1800" spc="-1" strike="noStrike">
+            <a:endParaRPr lang="pt-BR" sz="1800" b="0" strike="noStrike" spc="-1" dirty="0">
               <a:latin typeface="Arial"/>
             </a:endParaRPr>
           </a:p>
@@ -2625,16 +3115,16 @@
               </a:lnSpc>
             </a:pPr>
             <a:r>
-              <a:rPr b="1" lang="pt-BR" sz="1800" spc="-1" strike="noStrike">
+              <a:rPr lang="pt-BR" sz="1800" b="1" strike="noStrike" spc="-1" dirty="0">
                 <a:solidFill>
-                  <a:srgbClr val="62a73b"/>
+                  <a:srgbClr val="62A73B"/>
                 </a:solidFill>
                 <a:latin typeface="Arial"/>
                 <a:ea typeface="DejaVu Sans"/>
               </a:rPr>
               <a:t>- Depois iremos para a fase de planejamento onde definiremos as estimativas, cronograma e</a:t>
             </a:r>
-            <a:endParaRPr b="0" lang="pt-BR" sz="1800" spc="-1" strike="noStrike">
+            <a:endParaRPr lang="pt-BR" sz="1800" b="0" strike="noStrike" spc="-1" dirty="0">
               <a:latin typeface="Arial"/>
             </a:endParaRPr>
           </a:p>
@@ -2645,26 +3135,16 @@
               </a:lnSpc>
             </a:pPr>
             <a:r>
-              <a:rPr b="1" lang="pt-BR" sz="1800" spc="-1" strike="noStrike">
+              <a:rPr lang="pt-BR" sz="1800" b="1" strike="noStrike" spc="-1" dirty="0">
                 <a:solidFill>
-                  <a:srgbClr val="62a73b"/>
+                  <a:srgbClr val="62A73B"/>
                 </a:solidFill>
                 <a:latin typeface="Arial"/>
                 <a:ea typeface="DejaVu Sans"/>
               </a:rPr>
-              <a:t> </a:t>
+              <a:t> o acompanhamento.</a:t>
             </a:r>
-            <a:r>
-              <a:rPr b="1" lang="pt-BR" sz="1800" spc="-1" strike="noStrike">
-                <a:solidFill>
-                  <a:srgbClr val="62a73b"/>
-                </a:solidFill>
-                <a:latin typeface="Arial"/>
-                <a:ea typeface="DejaVu Sans"/>
-              </a:rPr>
-              <a:t>o acompanhamento.</a:t>
-            </a:r>
-            <a:endParaRPr b="0" lang="pt-BR" sz="1800" spc="-1" strike="noStrike">
+            <a:endParaRPr lang="pt-BR" sz="1800" b="0" strike="noStrike" spc="-1" dirty="0">
               <a:latin typeface="Arial"/>
             </a:endParaRPr>
           </a:p>
@@ -2674,7 +3154,7 @@
                 <a:spcPct val="100000"/>
               </a:lnSpc>
             </a:pPr>
-            <a:endParaRPr b="0" lang="pt-BR" sz="1800" spc="-1" strike="noStrike">
+            <a:endParaRPr lang="pt-BR" sz="1800" b="0" strike="noStrike" spc="-1" dirty="0">
               <a:latin typeface="Arial"/>
             </a:endParaRPr>
           </a:p>
@@ -2685,16 +3165,16 @@
               </a:lnSpc>
             </a:pPr>
             <a:r>
-              <a:rPr b="1" lang="pt-BR" sz="1800" spc="-1" strike="noStrike">
+              <a:rPr lang="pt-BR" sz="1800" b="1" strike="noStrike" spc="-1">
                 <a:solidFill>
-                  <a:srgbClr val="62a73b"/>
+                  <a:srgbClr val="62A73B"/>
                 </a:solidFill>
                 <a:latin typeface="Arial"/>
                 <a:ea typeface="DejaVu Sans"/>
               </a:rPr>
-              <a:t>- Após isso partiremos para a modelagem onde será feito a análise do projeto</a:t>
+              <a:t>- Após isso partiremos para a modelagem onde será feito a análise do projeto.</a:t>
             </a:r>
-            <a:endParaRPr b="0" lang="pt-BR" sz="1800" spc="-1" strike="noStrike">
+            <a:endParaRPr lang="pt-BR" sz="1800" b="0" strike="noStrike" spc="-1">
               <a:latin typeface="Arial"/>
             </a:endParaRPr>
           </a:p>
@@ -2704,7 +3184,7 @@
                 <a:spcPct val="100000"/>
               </a:lnSpc>
             </a:pPr>
-            <a:endParaRPr b="0" lang="pt-BR" sz="1800" spc="-1" strike="noStrike">
+            <a:endParaRPr lang="pt-BR" sz="1800" b="0" strike="noStrike" spc="-1" dirty="0">
               <a:latin typeface="Arial"/>
             </a:endParaRPr>
           </a:p>
@@ -2715,16 +3195,16 @@
               </a:lnSpc>
             </a:pPr>
             <a:r>
-              <a:rPr b="1" lang="pt-BR" sz="1800" spc="-1" strike="noStrike">
+              <a:rPr lang="pt-BR" sz="1800" b="1" strike="noStrike" spc="-1" dirty="0">
                 <a:solidFill>
-                  <a:srgbClr val="62a73b"/>
+                  <a:srgbClr val="62A73B"/>
                 </a:solidFill>
                 <a:latin typeface="Arial"/>
                 <a:ea typeface="DejaVu Sans"/>
               </a:rPr>
               <a:t>- Depois chegaremos a fase da codificação e testes.</a:t>
             </a:r>
-            <a:endParaRPr b="0" lang="pt-BR" sz="1800" spc="-1" strike="noStrike">
+            <a:endParaRPr lang="pt-BR" sz="1800" b="0" strike="noStrike" spc="-1" dirty="0">
               <a:latin typeface="Arial"/>
             </a:endParaRPr>
           </a:p>
@@ -2734,7 +3214,7 @@
                 <a:spcPct val="100000"/>
               </a:lnSpc>
             </a:pPr>
-            <a:endParaRPr b="0" lang="pt-BR" sz="1800" spc="-1" strike="noStrike">
+            <a:endParaRPr lang="pt-BR" sz="1800" b="0" strike="noStrike" spc="-1" dirty="0">
               <a:latin typeface="Arial"/>
             </a:endParaRPr>
           </a:p>
@@ -2745,16 +3225,16 @@
               </a:lnSpc>
             </a:pPr>
             <a:r>
-              <a:rPr b="1" lang="pt-BR" sz="1800" spc="-1" strike="noStrike">
+              <a:rPr lang="pt-BR" sz="1800" b="1" strike="noStrike" spc="-1" dirty="0">
                 <a:solidFill>
-                  <a:srgbClr val="62a73b"/>
+                  <a:srgbClr val="62A73B"/>
                 </a:solidFill>
                 <a:latin typeface="Arial"/>
                 <a:ea typeface="DejaVu Sans"/>
               </a:rPr>
               <a:t>- Por ultimo a entrega do projeto final.</a:t>
             </a:r>
-            <a:endParaRPr b="0" lang="pt-BR" sz="1800" spc="-1" strike="noStrike">
+            <a:endParaRPr lang="pt-BR" sz="1800" b="0" strike="noStrike" spc="-1" dirty="0">
               <a:latin typeface="Arial"/>
             </a:endParaRPr>
           </a:p>
@@ -2775,27 +3255,33 @@
             <a:avLst/>
           </a:prstGeom>
           <a:solidFill>
-            <a:srgbClr val="347c36"/>
+            <a:srgbClr val="347C36"/>
           </a:solidFill>
           <a:ln>
             <a:noFill/>
           </a:ln>
         </p:spPr>
         <p:style>
-          <a:lnRef idx="0"/>
-          <a:fillRef idx="0"/>
-          <a:effectRef idx="0"/>
+          <a:lnRef idx="0">
+            <a:scrgbClr r="0" g="0" b="0"/>
+          </a:lnRef>
+          <a:fillRef idx="0">
+            <a:scrgbClr r="0" g="0" b="0"/>
+          </a:fillRef>
+          <a:effectRef idx="0">
+            <a:scrgbClr r="0" g="0" b="0"/>
+          </a:effectRef>
           <a:fontRef idx="minor"/>
         </p:style>
       </p:sp>
       <p:pic>
         <p:nvPicPr>
-          <p:cNvPr id="53" name="Google Shape;166;p39" descr=""/>
+          <p:cNvPr id="53" name="Google Shape;166;p39"/>
           <p:cNvPicPr/>
           <p:nvPr/>
         </p:nvPicPr>
         <p:blipFill>
-          <a:blip r:embed="rId2"/>
+          <a:blip r:embed="rId3"/>
           <a:stretch/>
         </p:blipFill>
         <p:spPr>
@@ -2813,22 +3299,25 @@
       </p:pic>
     </p:spTree>
   </p:cSld>
+  <p:clrMapOvr>
+    <a:masterClrMapping/>
+  </p:clrMapOvr>
   <p:timing>
     <p:tnLst>
       <p:par>
-        <p:cTn id="3" dur="indefinite" restart="never" nodeType="tmRoot">
+        <p:cTn id="1" dur="indefinite" restart="never" nodeType="tmRoot">
           <p:childTnLst>
             <p:seq>
-              <p:cTn id="4" dur="indefinite" nodeType="mainSeq"/>
+              <p:cTn id="2" dur="indefinite" nodeType="mainSeq"/>
               <p:prevCondLst>
-                <p:cond delay="0" evt="onPrev">
+                <p:cond evt="onPrev" delay="0">
                   <p:tgtEl>
                     <p:sldTgt/>
                   </p:tgtEl>
                 </p:cond>
               </p:prevCondLst>
               <p:nextCondLst>
-                <p:cond delay="0" evt="onNext">
+                <p:cond evt="onNext" delay="0">
                   <p:tgtEl>
                     <p:sldTgt/>
                   </p:tgtEl>
@@ -2844,13 +3333,14 @@
 </file>
 
 <file path=ppt/slides/slide3.xml><?xml version="1.0" encoding="utf-8"?>
-<p:sld xmlns:a="http://schemas.openxmlformats.org/drawingml/2006/main" xmlns:p="http://schemas.openxmlformats.org/presentationml/2006/main" xmlns:r="http://schemas.openxmlformats.org/officeDocument/2006/relationships" xmlns:p14="http://schemas.microsoft.com/office/powerpoint/2010/main" xmlns:p15="http://schemas.microsoft.com/office/powerpoint/2012/main" xmlns:mc="http://schemas.openxmlformats.org/markup-compatibility/2006">
+<p:sld xmlns:a="http://schemas.openxmlformats.org/drawingml/2006/main" xmlns:r="http://schemas.openxmlformats.org/officeDocument/2006/relationships" xmlns:p="http://schemas.openxmlformats.org/presentationml/2006/main">
   <p:cSld>
     <p:bg>
       <p:bgPr>
         <a:solidFill>
-          <a:srgbClr val="ffffff"/>
+          <a:srgbClr val="FFFFFF"/>
         </a:solidFill>
+        <a:effectLst/>
       </p:bgPr>
     </p:bg>
     <p:spTree>
@@ -2882,27 +3372,33 @@
             <a:avLst/>
           </a:prstGeom>
           <a:solidFill>
-            <a:srgbClr val="347c36"/>
+            <a:srgbClr val="347C36"/>
           </a:solidFill>
           <a:ln>
             <a:noFill/>
           </a:ln>
         </p:spPr>
         <p:style>
-          <a:lnRef idx="0"/>
-          <a:fillRef idx="0"/>
-          <a:effectRef idx="0"/>
+          <a:lnRef idx="0">
+            <a:scrgbClr r="0" g="0" b="0"/>
+          </a:lnRef>
+          <a:fillRef idx="0">
+            <a:scrgbClr r="0" g="0" b="0"/>
+          </a:fillRef>
+          <a:effectRef idx="0">
+            <a:scrgbClr r="0" g="0" b="0"/>
+          </a:effectRef>
           <a:fontRef idx="minor"/>
         </p:style>
       </p:sp>
       <p:pic>
         <p:nvPicPr>
-          <p:cNvPr id="55" name="Google Shape;89;p13" descr=""/>
+          <p:cNvPr id="55" name="Google Shape;89;p13"/>
           <p:cNvPicPr/>
           <p:nvPr/>
         </p:nvPicPr>
         <p:blipFill>
-          <a:blip r:embed="rId1"/>
+          <a:blip r:embed="rId2"/>
           <a:stretch/>
         </p:blipFill>
         <p:spPr>
@@ -2938,13 +3434,20 @@
           </a:ln>
         </p:spPr>
         <p:style>
-          <a:lnRef idx="0"/>
-          <a:fillRef idx="0"/>
-          <a:effectRef idx="0"/>
+          <a:lnRef idx="0">
+            <a:scrgbClr r="0" g="0" b="0"/>
+          </a:lnRef>
+          <a:fillRef idx="0">
+            <a:scrgbClr r="0" g="0" b="0"/>
+          </a:fillRef>
+          <a:effectRef idx="0">
+            <a:scrgbClr r="0" g="0" b="0"/>
+          </a:effectRef>
           <a:fontRef idx="minor"/>
         </p:style>
         <p:txBody>
-          <a:bodyPr lIns="90000" rIns="90000" tIns="45000" bIns="45000"/>
+          <a:bodyPr lIns="90000" tIns="45000" rIns="90000" bIns="45000"/>
+          <a:lstStyle/>
           <a:p>
             <a:pPr algn="ctr">
               <a:lnSpc>
@@ -2953,16 +3456,16 @@
             </a:pPr>
             <a:br/>
             <a:r>
-              <a:rPr b="1" lang="pt-BR" sz="3200" spc="-1" strike="noStrike">
+              <a:rPr lang="pt-BR" sz="3200" b="1" strike="noStrike" spc="-1">
                 <a:solidFill>
-                  <a:srgbClr val="8dc641"/>
+                  <a:srgbClr val="8DC641"/>
                 </a:solidFill>
                 <a:latin typeface="Arial"/>
                 <a:ea typeface="Arial"/>
               </a:rPr>
               <a:t>Prática  de análise de sistemas</a:t>
             </a:r>
-            <a:endParaRPr b="0" lang="pt-BR" sz="3200" spc="-1" strike="noStrike">
+            <a:endParaRPr lang="pt-BR" sz="3200" b="0" strike="noStrike" spc="-1">
               <a:latin typeface="Arial"/>
             </a:endParaRPr>
           </a:p>
@@ -2972,7 +3475,7 @@
                 <a:spcPct val="100000"/>
               </a:lnSpc>
             </a:pPr>
-            <a:endParaRPr b="0" lang="pt-BR" sz="3200" spc="-1" strike="noStrike">
+            <a:endParaRPr lang="pt-BR" sz="3200" b="0" strike="noStrike" spc="-1">
               <a:latin typeface="Arial"/>
             </a:endParaRPr>
           </a:p>
@@ -2998,13 +3501,20 @@
           </a:ln>
         </p:spPr>
         <p:style>
-          <a:lnRef idx="0"/>
-          <a:fillRef idx="0"/>
-          <a:effectRef idx="0"/>
+          <a:lnRef idx="0">
+            <a:scrgbClr r="0" g="0" b="0"/>
+          </a:lnRef>
+          <a:fillRef idx="0">
+            <a:scrgbClr r="0" g="0" b="0"/>
+          </a:fillRef>
+          <a:effectRef idx="0">
+            <a:scrgbClr r="0" g="0" b="0"/>
+          </a:effectRef>
           <a:fontRef idx="minor"/>
         </p:style>
         <p:txBody>
-          <a:bodyPr lIns="90000" rIns="90000" tIns="45000" bIns="45000"/>
+          <a:bodyPr lIns="90000" tIns="45000" rIns="90000" bIns="45000"/>
+          <a:lstStyle/>
           <a:p>
             <a:pPr algn="ctr">
               <a:lnSpc>
@@ -3012,26 +3522,16 @@
               </a:lnSpc>
             </a:pPr>
             <a:r>
-              <a:rPr b="1" lang="pt-BR" sz="1500" spc="-1" strike="noStrike">
+              <a:rPr lang="pt-BR" sz="1500" b="1" strike="noStrike" spc="-1">
                 <a:solidFill>
-                  <a:srgbClr val="8dc641"/>
+                  <a:srgbClr val="8DC641"/>
                 </a:solidFill>
                 <a:latin typeface="Arial"/>
                 <a:ea typeface="Arial"/>
               </a:rPr>
-              <a:t> </a:t>
+              <a:t> Fabio Vasques, Gieder Loreto</a:t>
             </a:r>
-            <a:r>
-              <a:rPr b="1" lang="pt-BR" sz="1500" spc="-1" strike="noStrike">
-                <a:solidFill>
-                  <a:srgbClr val="8dc641"/>
-                </a:solidFill>
-                <a:latin typeface="Arial"/>
-                <a:ea typeface="Arial"/>
-              </a:rPr>
-              <a:t>Fabio Vasques, Gieder Loreto</a:t>
-            </a:r>
-            <a:endParaRPr b="0" lang="pt-BR" sz="1500" spc="-1" strike="noStrike">
+            <a:endParaRPr lang="pt-BR" sz="1500" b="0" strike="noStrike" spc="-1">
               <a:latin typeface="Arial"/>
             </a:endParaRPr>
           </a:p>
@@ -3057,20 +3557,27 @@
           </a:ln>
         </p:spPr>
         <p:style>
-          <a:lnRef idx="0"/>
-          <a:fillRef idx="0"/>
-          <a:effectRef idx="0"/>
+          <a:lnRef idx="0">
+            <a:scrgbClr r="0" g="0" b="0"/>
+          </a:lnRef>
+          <a:fillRef idx="0">
+            <a:scrgbClr r="0" g="0" b="0"/>
+          </a:fillRef>
+          <a:effectRef idx="0">
+            <a:scrgbClr r="0" g="0" b="0"/>
+          </a:effectRef>
           <a:fontRef idx="minor"/>
         </p:style>
         <p:txBody>
-          <a:bodyPr lIns="90000" rIns="90000" tIns="45000" bIns="45000"/>
+          <a:bodyPr lIns="90000" tIns="45000" rIns="90000" bIns="45000"/>
+          <a:lstStyle/>
           <a:p>
             <a:pPr algn="ctr">
               <a:lnSpc>
                 <a:spcPct val="100000"/>
               </a:lnSpc>
             </a:pPr>
-            <a:endParaRPr b="0" lang="pt-BR" sz="1800" spc="-1" strike="noStrike">
+            <a:endParaRPr lang="pt-BR" sz="1800" b="0" strike="noStrike" spc="-1">
               <a:latin typeface="Arial"/>
             </a:endParaRPr>
           </a:p>
@@ -3081,16 +3588,16 @@
               </a:lnSpc>
             </a:pPr>
             <a:r>
-              <a:rPr b="1" lang="pt-BR" sz="2000" spc="-1" strike="noStrike">
+              <a:rPr lang="pt-BR" sz="2000" b="1" strike="noStrike" spc="-1">
                 <a:solidFill>
-                  <a:srgbClr val="8dc641"/>
+                  <a:srgbClr val="8DC641"/>
                 </a:solidFill>
                 <a:latin typeface="Arial"/>
                 <a:ea typeface="Arial"/>
               </a:rPr>
               <a:t>Processo (etapas de desenvolvimento)</a:t>
             </a:r>
-            <a:endParaRPr b="0" lang="pt-BR" sz="2000" spc="-1" strike="noStrike">
+            <a:endParaRPr lang="pt-BR" sz="2000" b="0" strike="noStrike" spc="-1">
               <a:latin typeface="Arial"/>
             </a:endParaRPr>
           </a:p>
@@ -3116,13 +3623,20 @@
           </a:ln>
         </p:spPr>
         <p:style>
-          <a:lnRef idx="0"/>
-          <a:fillRef idx="0"/>
-          <a:effectRef idx="0"/>
+          <a:lnRef idx="0">
+            <a:scrgbClr r="0" g="0" b="0"/>
+          </a:lnRef>
+          <a:fillRef idx="0">
+            <a:scrgbClr r="0" g="0" b="0"/>
+          </a:fillRef>
+          <a:effectRef idx="0">
+            <a:scrgbClr r="0" g="0" b="0"/>
+          </a:effectRef>
           <a:fontRef idx="minor"/>
         </p:style>
         <p:txBody>
-          <a:bodyPr lIns="90000" rIns="90000" tIns="45000" bIns="45000"/>
+          <a:bodyPr lIns="90000" tIns="45000" rIns="90000" bIns="45000"/>
+          <a:lstStyle/>
           <a:p>
             <a:pPr algn="just">
               <a:lnSpc>
@@ -3130,16 +3644,16 @@
               </a:lnSpc>
             </a:pPr>
             <a:r>
-              <a:rPr b="1" lang="pt-BR" sz="1800" spc="-1" strike="noStrike">
+              <a:rPr lang="pt-BR" sz="1800" b="1" strike="noStrike" spc="-1">
                 <a:solidFill>
-                  <a:srgbClr val="62a73b"/>
+                  <a:srgbClr val="62A73B"/>
                 </a:solidFill>
                 <a:latin typeface="Arial"/>
                 <a:ea typeface="DejaVu Sans"/>
               </a:rPr>
               <a:t>.</a:t>
             </a:r>
-            <a:endParaRPr b="0" lang="pt-BR" sz="1800" spc="-1" strike="noStrike">
+            <a:endParaRPr lang="pt-BR" sz="1800" b="0" strike="noStrike" spc="-1">
               <a:latin typeface="Arial"/>
             </a:endParaRPr>
           </a:p>
@@ -3164,9 +3678,15 @@
           </a:ln>
         </p:spPr>
         <p:style>
-          <a:lnRef idx="0"/>
-          <a:fillRef idx="0"/>
-          <a:effectRef idx="0"/>
+          <a:lnRef idx="0">
+            <a:scrgbClr r="0" g="0" b="0"/>
+          </a:lnRef>
+          <a:fillRef idx="0">
+            <a:scrgbClr r="0" g="0" b="0"/>
+          </a:fillRef>
+          <a:effectRef idx="0">
+            <a:scrgbClr r="0" g="0" b="0"/>
+          </a:effectRef>
           <a:fontRef idx="minor"/>
         </p:style>
       </p:sp>
@@ -3199,6 +3719,7 @@
               <a:avLst/>
               <a:gdLst/>
               <a:ahLst/>
+              <a:cxnLst/>
               <a:rect l="l" t="t" r="r" b="b"/>
               <a:pathLst>
                 <a:path w="3402" h="2102">
@@ -3243,14 +3764,20 @@
             <a:noFill/>
             <a:ln>
               <a:solidFill>
-                <a:srgbClr val="3465a4"/>
+                <a:srgbClr val="3465A4"/>
               </a:solidFill>
             </a:ln>
           </p:spPr>
           <p:style>
-            <a:lnRef idx="0"/>
-            <a:fillRef idx="0"/>
-            <a:effectRef idx="0"/>
+            <a:lnRef idx="0">
+              <a:scrgbClr r="0" g="0" b="0"/>
+            </a:lnRef>
+            <a:fillRef idx="0">
+              <a:scrgbClr r="0" g="0" b="0"/>
+            </a:fillRef>
+            <a:effectRef idx="0">
+              <a:scrgbClr r="0" g="0" b="0"/>
+            </a:effectRef>
             <a:fontRef idx="minor"/>
           </p:style>
         </p:sp>
@@ -3274,9 +3801,15 @@
             </a:ln>
           </p:spPr>
           <p:style>
-            <a:lnRef idx="0"/>
-            <a:fillRef idx="0"/>
-            <a:effectRef idx="0"/>
+            <a:lnRef idx="0">
+              <a:scrgbClr r="0" g="0" b="0"/>
+            </a:lnRef>
+            <a:fillRef idx="0">
+              <a:scrgbClr r="0" g="0" b="0"/>
+            </a:fillRef>
+            <a:effectRef idx="0">
+              <a:scrgbClr r="0" g="0" b="0"/>
+            </a:effectRef>
             <a:fontRef idx="minor"/>
           </p:style>
         </p:sp>
@@ -3300,13 +3833,20 @@
             </a:ln>
           </p:spPr>
           <p:style>
-            <a:lnRef idx="0"/>
-            <a:fillRef idx="0"/>
-            <a:effectRef idx="0"/>
+            <a:lnRef idx="0">
+              <a:scrgbClr r="0" g="0" b="0"/>
+            </a:lnRef>
+            <a:fillRef idx="0">
+              <a:scrgbClr r="0" g="0" b="0"/>
+            </a:fillRef>
+            <a:effectRef idx="0">
+              <a:scrgbClr r="0" g="0" b="0"/>
+            </a:effectRef>
             <a:fontRef idx="minor"/>
           </p:style>
           <p:txBody>
-            <a:bodyPr lIns="90000" rIns="90000" tIns="45000" bIns="45000"/>
+            <a:bodyPr lIns="90000" tIns="45000" rIns="90000" bIns="45000"/>
+            <a:lstStyle/>
             <a:p>
               <a:pPr>
                 <a:lnSpc>
@@ -3314,16 +3854,16 @@
                 </a:lnSpc>
               </a:pPr>
               <a:r>
-                <a:rPr b="1" lang="pt-BR" sz="1000" spc="-1" strike="noStrike">
+                <a:rPr lang="pt-BR" sz="1000" b="1" strike="noStrike" spc="-1">
                   <a:solidFill>
-                    <a:srgbClr val="89c765"/>
+                    <a:srgbClr val="89C765"/>
                   </a:solidFill>
                   <a:latin typeface="Arial"/>
                   <a:ea typeface="DejaVu Sans"/>
                 </a:rPr>
                 <a:t>-Levantamento</a:t>
               </a:r>
-              <a:endParaRPr b="0" lang="pt-BR" sz="1000" spc="-1" strike="noStrike">
+              <a:endParaRPr lang="pt-BR" sz="1000" b="0" strike="noStrike" spc="-1">
                 <a:latin typeface="Arial"/>
               </a:endParaRPr>
             </a:p>
@@ -3334,26 +3874,16 @@
                 </a:lnSpc>
               </a:pPr>
               <a:r>
-                <a:rPr b="1" lang="pt-BR" sz="1000" spc="-1" strike="noStrike">
+                <a:rPr lang="pt-BR" sz="1000" b="1" strike="noStrike" spc="-1">
                   <a:solidFill>
-                    <a:srgbClr val="89c765"/>
+                    <a:srgbClr val="89C765"/>
                   </a:solidFill>
                   <a:latin typeface="Arial"/>
                   <a:ea typeface="DejaVu Sans"/>
                 </a:rPr>
-                <a:t> </a:t>
+                <a:t> de requisitos</a:t>
               </a:r>
-              <a:r>
-                <a:rPr b="1" lang="pt-BR" sz="1000" spc="-1" strike="noStrike">
-                  <a:solidFill>
-                    <a:srgbClr val="89c765"/>
-                  </a:solidFill>
-                  <a:latin typeface="Arial"/>
-                  <a:ea typeface="DejaVu Sans"/>
-                </a:rPr>
-                <a:t>de requisitos</a:t>
-              </a:r>
-              <a:endParaRPr b="0" lang="pt-BR" sz="1000" spc="-1" strike="noStrike">
+              <a:endParaRPr lang="pt-BR" sz="1000" b="0" strike="noStrike" spc="-1">
                 <a:latin typeface="Arial"/>
               </a:endParaRPr>
             </a:p>
@@ -3379,9 +3909,15 @@
           </a:ln>
         </p:spPr>
         <p:style>
-          <a:lnRef idx="0"/>
-          <a:fillRef idx="0"/>
-          <a:effectRef idx="0"/>
+          <a:lnRef idx="0">
+            <a:scrgbClr r="0" g="0" b="0"/>
+          </a:lnRef>
+          <a:fillRef idx="0">
+            <a:scrgbClr r="0" g="0" b="0"/>
+          </a:fillRef>
+          <a:effectRef idx="0">
+            <a:scrgbClr r="0" g="0" b="0"/>
+          </a:effectRef>
           <a:fontRef idx="minor"/>
         </p:style>
       </p:sp>
@@ -3405,9 +3941,15 @@
           </a:ln>
         </p:spPr>
         <p:style>
-          <a:lnRef idx="0"/>
-          <a:fillRef idx="0"/>
-          <a:effectRef idx="0"/>
+          <a:lnRef idx="0">
+            <a:scrgbClr r="0" g="0" b="0"/>
+          </a:lnRef>
+          <a:fillRef idx="0">
+            <a:scrgbClr r="0" g="0" b="0"/>
+          </a:fillRef>
+          <a:effectRef idx="0">
+            <a:scrgbClr r="0" g="0" b="0"/>
+          </a:effectRef>
           <a:fontRef idx="minor"/>
         </p:style>
       </p:sp>
@@ -3440,6 +3982,7 @@
               <a:avLst/>
               <a:gdLst/>
               <a:ahLst/>
+              <a:cxnLst/>
               <a:rect l="l" t="t" r="r" b="b"/>
               <a:pathLst>
                 <a:path w="3402" h="2102">
@@ -3484,14 +4027,20 @@
             <a:noFill/>
             <a:ln>
               <a:solidFill>
-                <a:srgbClr val="3465a4"/>
+                <a:srgbClr val="3465A4"/>
               </a:solidFill>
             </a:ln>
           </p:spPr>
           <p:style>
-            <a:lnRef idx="0"/>
-            <a:fillRef idx="0"/>
-            <a:effectRef idx="0"/>
+            <a:lnRef idx="0">
+              <a:scrgbClr r="0" g="0" b="0"/>
+            </a:lnRef>
+            <a:fillRef idx="0">
+              <a:scrgbClr r="0" g="0" b="0"/>
+            </a:fillRef>
+            <a:effectRef idx="0">
+              <a:scrgbClr r="0" g="0" b="0"/>
+            </a:effectRef>
             <a:fontRef idx="minor"/>
           </p:style>
         </p:sp>
@@ -3515,13 +4064,20 @@
             </a:ln>
           </p:spPr>
           <p:style>
-            <a:lnRef idx="0"/>
-            <a:fillRef idx="0"/>
-            <a:effectRef idx="0"/>
+            <a:lnRef idx="0">
+              <a:scrgbClr r="0" g="0" b="0"/>
+            </a:lnRef>
+            <a:fillRef idx="0">
+              <a:scrgbClr r="0" g="0" b="0"/>
+            </a:fillRef>
+            <a:effectRef idx="0">
+              <a:scrgbClr r="0" g="0" b="0"/>
+            </a:effectRef>
             <a:fontRef idx="minor"/>
           </p:style>
           <p:txBody>
-            <a:bodyPr lIns="90000" rIns="90000" tIns="45000" bIns="45000"/>
+            <a:bodyPr lIns="90000" tIns="45000" rIns="90000" bIns="45000"/>
+            <a:lstStyle/>
             <a:p>
               <a:pPr>
                 <a:lnSpc>
@@ -3529,16 +4085,16 @@
                 </a:lnSpc>
               </a:pPr>
               <a:r>
-                <a:rPr b="1" lang="pt-BR" sz="1000" spc="-1" strike="noStrike">
+                <a:rPr lang="pt-BR" sz="1000" b="1" strike="noStrike" spc="-1">
                   <a:solidFill>
-                    <a:srgbClr val="89c765"/>
+                    <a:srgbClr val="89C765"/>
                   </a:solidFill>
                   <a:latin typeface="Arial"/>
                   <a:ea typeface="DejaVu Sans"/>
                 </a:rPr>
                 <a:t>-Planejamento</a:t>
               </a:r>
-              <a:endParaRPr b="0" lang="pt-BR" sz="1000" spc="-1" strike="noStrike">
+              <a:endParaRPr lang="pt-BR" sz="1000" b="0" strike="noStrike" spc="-1">
                 <a:latin typeface="Arial"/>
               </a:endParaRPr>
             </a:p>
@@ -3549,16 +4105,16 @@
                 </a:lnSpc>
               </a:pPr>
               <a:r>
-                <a:rPr b="1" lang="pt-BR" sz="1000" spc="-1" strike="noStrike">
+                <a:rPr lang="pt-BR" sz="1000" b="1" strike="noStrike" spc="-1">
                   <a:solidFill>
-                    <a:srgbClr val="89c765"/>
+                    <a:srgbClr val="89C765"/>
                   </a:solidFill>
                   <a:latin typeface="Arial"/>
                   <a:ea typeface="DejaVu Sans"/>
                 </a:rPr>
                 <a:t>-Estimativas</a:t>
               </a:r>
-              <a:endParaRPr b="0" lang="pt-BR" sz="1000" spc="-1" strike="noStrike">
+              <a:endParaRPr lang="pt-BR" sz="1000" b="0" strike="noStrike" spc="-1">
                 <a:latin typeface="Arial"/>
               </a:endParaRPr>
             </a:p>
@@ -3569,16 +4125,16 @@
                 </a:lnSpc>
               </a:pPr>
               <a:r>
-                <a:rPr b="1" lang="pt-BR" sz="1000" spc="-1" strike="noStrike">
+                <a:rPr lang="pt-BR" sz="1000" b="1" strike="noStrike" spc="-1">
                   <a:solidFill>
-                    <a:srgbClr val="89c765"/>
+                    <a:srgbClr val="89C765"/>
                   </a:solidFill>
                   <a:latin typeface="Arial"/>
                   <a:ea typeface="DejaVu Sans"/>
                 </a:rPr>
                 <a:t>-cronograma</a:t>
               </a:r>
-              <a:endParaRPr b="0" lang="pt-BR" sz="1000" spc="-1" strike="noStrike">
+              <a:endParaRPr lang="pt-BR" sz="1000" b="0" strike="noStrike" spc="-1">
                 <a:latin typeface="Arial"/>
               </a:endParaRPr>
             </a:p>
@@ -3604,9 +4160,15 @@
           </a:ln>
         </p:spPr>
         <p:style>
-          <a:lnRef idx="0"/>
-          <a:fillRef idx="0"/>
-          <a:effectRef idx="0"/>
+          <a:lnRef idx="0">
+            <a:scrgbClr r="0" g="0" b="0"/>
+          </a:lnRef>
+          <a:fillRef idx="0">
+            <a:scrgbClr r="0" g="0" b="0"/>
+          </a:fillRef>
+          <a:effectRef idx="0">
+            <a:scrgbClr r="0" g="0" b="0"/>
+          </a:effectRef>
           <a:fontRef idx="minor"/>
         </p:style>
       </p:sp>
@@ -3639,6 +4201,7 @@
               <a:avLst/>
               <a:gdLst/>
               <a:ahLst/>
+              <a:cxnLst/>
               <a:rect l="l" t="t" r="r" b="b"/>
               <a:pathLst>
                 <a:path w="3402" h="2102">
@@ -3683,14 +4246,20 @@
             <a:noFill/>
             <a:ln>
               <a:solidFill>
-                <a:srgbClr val="3465a4"/>
+                <a:srgbClr val="3465A4"/>
               </a:solidFill>
             </a:ln>
           </p:spPr>
           <p:style>
-            <a:lnRef idx="0"/>
-            <a:fillRef idx="0"/>
-            <a:effectRef idx="0"/>
+            <a:lnRef idx="0">
+              <a:scrgbClr r="0" g="0" b="0"/>
+            </a:lnRef>
+            <a:fillRef idx="0">
+              <a:scrgbClr r="0" g="0" b="0"/>
+            </a:fillRef>
+            <a:effectRef idx="0">
+              <a:scrgbClr r="0" g="0" b="0"/>
+            </a:effectRef>
             <a:fontRef idx="minor"/>
           </p:style>
         </p:sp>
@@ -3714,9 +4283,15 @@
             </a:ln>
           </p:spPr>
           <p:style>
-            <a:lnRef idx="0"/>
-            <a:fillRef idx="0"/>
-            <a:effectRef idx="0"/>
+            <a:lnRef idx="0">
+              <a:scrgbClr r="0" g="0" b="0"/>
+            </a:lnRef>
+            <a:fillRef idx="0">
+              <a:scrgbClr r="0" g="0" b="0"/>
+            </a:fillRef>
+            <a:effectRef idx="0">
+              <a:scrgbClr r="0" g="0" b="0"/>
+            </a:effectRef>
             <a:fontRef idx="minor"/>
           </p:style>
         </p:sp>
@@ -3740,13 +4315,20 @@
             </a:ln>
           </p:spPr>
           <p:style>
-            <a:lnRef idx="0"/>
-            <a:fillRef idx="0"/>
-            <a:effectRef idx="0"/>
+            <a:lnRef idx="0">
+              <a:scrgbClr r="0" g="0" b="0"/>
+            </a:lnRef>
+            <a:fillRef idx="0">
+              <a:scrgbClr r="0" g="0" b="0"/>
+            </a:fillRef>
+            <a:effectRef idx="0">
+              <a:scrgbClr r="0" g="0" b="0"/>
+            </a:effectRef>
             <a:fontRef idx="minor"/>
           </p:style>
           <p:txBody>
-            <a:bodyPr lIns="90000" rIns="90000" tIns="45000" bIns="45000"/>
+            <a:bodyPr lIns="90000" tIns="45000" rIns="90000" bIns="45000"/>
+            <a:lstStyle/>
             <a:p>
               <a:pPr>
                 <a:lnSpc>
@@ -3754,16 +4336,16 @@
                 </a:lnSpc>
               </a:pPr>
               <a:r>
-                <a:rPr b="1" lang="pt-BR" sz="1000" spc="-1" strike="noStrike">
+                <a:rPr lang="pt-BR" sz="1000" b="1" strike="noStrike" spc="-1">
                   <a:solidFill>
-                    <a:srgbClr val="89c765"/>
+                    <a:srgbClr val="89C765"/>
                   </a:solidFill>
                   <a:latin typeface="Arial"/>
                   <a:ea typeface="DejaVu Sans"/>
                 </a:rPr>
                 <a:t>-Modelagem</a:t>
               </a:r>
-              <a:endParaRPr b="0" lang="pt-BR" sz="1000" spc="-1" strike="noStrike">
+              <a:endParaRPr lang="pt-BR" sz="1000" b="0" strike="noStrike" spc="-1">
                 <a:latin typeface="Arial"/>
               </a:endParaRPr>
             </a:p>
@@ -3774,16 +4356,16 @@
                 </a:lnSpc>
               </a:pPr>
               <a:r>
-                <a:rPr b="1" lang="pt-BR" sz="1000" spc="-1" strike="noStrike">
+                <a:rPr lang="pt-BR" sz="1000" b="1" strike="noStrike" spc="-1">
                   <a:solidFill>
-                    <a:srgbClr val="89c765"/>
+                    <a:srgbClr val="89C765"/>
                   </a:solidFill>
                   <a:latin typeface="Arial"/>
                   <a:ea typeface="DejaVu Sans"/>
                 </a:rPr>
                 <a:t>E Análise</a:t>
               </a:r>
-              <a:endParaRPr b="0" lang="pt-BR" sz="1000" spc="-1" strike="noStrike">
+              <a:endParaRPr lang="pt-BR" sz="1000" b="0" strike="noStrike" spc="-1">
                 <a:latin typeface="Arial"/>
               </a:endParaRPr>
             </a:p>
@@ -3794,26 +4376,16 @@
                 </a:lnSpc>
               </a:pPr>
               <a:r>
-                <a:rPr b="1" lang="pt-BR" sz="1000" spc="-1" strike="noStrike">
+                <a:rPr lang="pt-BR" sz="1000" b="1" strike="noStrike" spc="-1">
                   <a:solidFill>
-                    <a:srgbClr val="89c765"/>
+                    <a:srgbClr val="89C765"/>
                   </a:solidFill>
                   <a:latin typeface="Arial"/>
                   <a:ea typeface="DejaVu Sans"/>
                 </a:rPr>
-                <a:t> </a:t>
+                <a:t> do projeto</a:t>
               </a:r>
-              <a:r>
-                <a:rPr b="1" lang="pt-BR" sz="1000" spc="-1" strike="noStrike">
-                  <a:solidFill>
-                    <a:srgbClr val="89c765"/>
-                  </a:solidFill>
-                  <a:latin typeface="Arial"/>
-                  <a:ea typeface="DejaVu Sans"/>
-                </a:rPr>
-                <a:t>do projeto</a:t>
-              </a:r>
-              <a:endParaRPr b="0" lang="pt-BR" sz="1000" spc="-1" strike="noStrike">
+              <a:endParaRPr lang="pt-BR" sz="1000" b="0" strike="noStrike" spc="-1">
                 <a:latin typeface="Arial"/>
               </a:endParaRPr>
             </a:p>
@@ -3839,9 +4411,15 @@
           </a:ln>
         </p:spPr>
         <p:style>
-          <a:lnRef idx="0"/>
-          <a:fillRef idx="0"/>
-          <a:effectRef idx="0"/>
+          <a:lnRef idx="0">
+            <a:scrgbClr r="0" g="0" b="0"/>
+          </a:lnRef>
+          <a:fillRef idx="0">
+            <a:scrgbClr r="0" g="0" b="0"/>
+          </a:fillRef>
+          <a:effectRef idx="0">
+            <a:scrgbClr r="0" g="0" b="0"/>
+          </a:effectRef>
           <a:fontRef idx="minor"/>
         </p:style>
       </p:sp>
@@ -3874,6 +4452,7 @@
               <a:avLst/>
               <a:gdLst/>
               <a:ahLst/>
+              <a:cxnLst/>
               <a:rect l="l" t="t" r="r" b="b"/>
               <a:pathLst>
                 <a:path w="3402" h="2102">
@@ -3918,14 +4497,20 @@
             <a:noFill/>
             <a:ln>
               <a:solidFill>
-                <a:srgbClr val="3465a4"/>
+                <a:srgbClr val="3465A4"/>
               </a:solidFill>
             </a:ln>
           </p:spPr>
           <p:style>
-            <a:lnRef idx="0"/>
-            <a:fillRef idx="0"/>
-            <a:effectRef idx="0"/>
+            <a:lnRef idx="0">
+              <a:scrgbClr r="0" g="0" b="0"/>
+            </a:lnRef>
+            <a:fillRef idx="0">
+              <a:scrgbClr r="0" g="0" b="0"/>
+            </a:fillRef>
+            <a:effectRef idx="0">
+              <a:scrgbClr r="0" g="0" b="0"/>
+            </a:effectRef>
             <a:fontRef idx="minor"/>
           </p:style>
         </p:sp>
@@ -3949,9 +4534,15 @@
             </a:ln>
           </p:spPr>
           <p:style>
-            <a:lnRef idx="0"/>
-            <a:fillRef idx="0"/>
-            <a:effectRef idx="0"/>
+            <a:lnRef idx="0">
+              <a:scrgbClr r="0" g="0" b="0"/>
+            </a:lnRef>
+            <a:fillRef idx="0">
+              <a:scrgbClr r="0" g="0" b="0"/>
+            </a:fillRef>
+            <a:effectRef idx="0">
+              <a:scrgbClr r="0" g="0" b="0"/>
+            </a:effectRef>
             <a:fontRef idx="minor"/>
           </p:style>
         </p:sp>
@@ -3975,13 +4566,20 @@
             </a:ln>
           </p:spPr>
           <p:style>
-            <a:lnRef idx="0"/>
-            <a:fillRef idx="0"/>
-            <a:effectRef idx="0"/>
+            <a:lnRef idx="0">
+              <a:scrgbClr r="0" g="0" b="0"/>
+            </a:lnRef>
+            <a:fillRef idx="0">
+              <a:scrgbClr r="0" g="0" b="0"/>
+            </a:fillRef>
+            <a:effectRef idx="0">
+              <a:scrgbClr r="0" g="0" b="0"/>
+            </a:effectRef>
             <a:fontRef idx="minor"/>
           </p:style>
           <p:txBody>
-            <a:bodyPr lIns="90000" rIns="90000" tIns="45000" bIns="45000"/>
+            <a:bodyPr lIns="90000" tIns="45000" rIns="90000" bIns="45000"/>
+            <a:lstStyle/>
             <a:p>
               <a:pPr>
                 <a:lnSpc>
@@ -3989,16 +4587,16 @@
                 </a:lnSpc>
               </a:pPr>
               <a:r>
-                <a:rPr b="1" lang="pt-BR" sz="1000" spc="-1" strike="noStrike">
+                <a:rPr lang="pt-BR" sz="1000" b="1" strike="noStrike" spc="-1">
                   <a:solidFill>
-                    <a:srgbClr val="89c765"/>
+                    <a:srgbClr val="89C765"/>
                   </a:solidFill>
                   <a:latin typeface="Arial"/>
                   <a:ea typeface="DejaVu Sans"/>
                 </a:rPr>
                 <a:t>-Codificação</a:t>
               </a:r>
-              <a:endParaRPr b="0" lang="pt-BR" sz="1000" spc="-1" strike="noStrike">
+              <a:endParaRPr lang="pt-BR" sz="1000" b="0" strike="noStrike" spc="-1">
                 <a:latin typeface="Arial"/>
               </a:endParaRPr>
             </a:p>
@@ -4009,16 +4607,16 @@
                 </a:lnSpc>
               </a:pPr>
               <a:r>
-                <a:rPr b="1" lang="pt-BR" sz="1000" spc="-1" strike="noStrike">
+                <a:rPr lang="pt-BR" sz="1000" b="1" strike="noStrike" spc="-1">
                   <a:solidFill>
-                    <a:srgbClr val="89c765"/>
+                    <a:srgbClr val="89C765"/>
                   </a:solidFill>
                   <a:latin typeface="Arial"/>
                   <a:ea typeface="DejaVu Sans"/>
                 </a:rPr>
                 <a:t>e testes</a:t>
               </a:r>
-              <a:endParaRPr b="0" lang="pt-BR" sz="1000" spc="-1" strike="noStrike">
+              <a:endParaRPr lang="pt-BR" sz="1000" b="0" strike="noStrike" spc="-1">
                 <a:latin typeface="Arial"/>
               </a:endParaRPr>
             </a:p>
@@ -4044,9 +4642,15 @@
           </a:ln>
         </p:spPr>
         <p:style>
-          <a:lnRef idx="0"/>
-          <a:fillRef idx="0"/>
-          <a:effectRef idx="0"/>
+          <a:lnRef idx="0">
+            <a:scrgbClr r="0" g="0" b="0"/>
+          </a:lnRef>
+          <a:fillRef idx="0">
+            <a:scrgbClr r="0" g="0" b="0"/>
+          </a:fillRef>
+          <a:effectRef idx="0">
+            <a:scrgbClr r="0" g="0" b="0"/>
+          </a:effectRef>
           <a:fontRef idx="minor"/>
         </p:style>
       </p:sp>
@@ -4079,6 +4683,7 @@
               <a:avLst/>
               <a:gdLst/>
               <a:ahLst/>
+              <a:cxnLst/>
               <a:rect l="l" t="t" r="r" b="b"/>
               <a:pathLst>
                 <a:path w="3402" h="2102">
@@ -4123,14 +4728,20 @@
             <a:noFill/>
             <a:ln>
               <a:solidFill>
-                <a:srgbClr val="3465a4"/>
+                <a:srgbClr val="3465A4"/>
               </a:solidFill>
             </a:ln>
           </p:spPr>
           <p:style>
-            <a:lnRef idx="0"/>
-            <a:fillRef idx="0"/>
-            <a:effectRef idx="0"/>
+            <a:lnRef idx="0">
+              <a:scrgbClr r="0" g="0" b="0"/>
+            </a:lnRef>
+            <a:fillRef idx="0">
+              <a:scrgbClr r="0" g="0" b="0"/>
+            </a:fillRef>
+            <a:effectRef idx="0">
+              <a:scrgbClr r="0" g="0" b="0"/>
+            </a:effectRef>
             <a:fontRef idx="minor"/>
           </p:style>
         </p:sp>
@@ -4154,9 +4765,15 @@
             </a:ln>
           </p:spPr>
           <p:style>
-            <a:lnRef idx="0"/>
-            <a:fillRef idx="0"/>
-            <a:effectRef idx="0"/>
+            <a:lnRef idx="0">
+              <a:scrgbClr r="0" g="0" b="0"/>
+            </a:lnRef>
+            <a:fillRef idx="0">
+              <a:scrgbClr r="0" g="0" b="0"/>
+            </a:fillRef>
+            <a:effectRef idx="0">
+              <a:scrgbClr r="0" g="0" b="0"/>
+            </a:effectRef>
             <a:fontRef idx="minor"/>
           </p:style>
         </p:sp>
@@ -4180,13 +4797,20 @@
             </a:ln>
           </p:spPr>
           <p:style>
-            <a:lnRef idx="0"/>
-            <a:fillRef idx="0"/>
-            <a:effectRef idx="0"/>
+            <a:lnRef idx="0">
+              <a:scrgbClr r="0" g="0" b="0"/>
+            </a:lnRef>
+            <a:fillRef idx="0">
+              <a:scrgbClr r="0" g="0" b="0"/>
+            </a:fillRef>
+            <a:effectRef idx="0">
+              <a:scrgbClr r="0" g="0" b="0"/>
+            </a:effectRef>
             <a:fontRef idx="minor"/>
           </p:style>
           <p:txBody>
-            <a:bodyPr lIns="90000" rIns="90000" tIns="45000" bIns="45000"/>
+            <a:bodyPr lIns="90000" tIns="45000" rIns="90000" bIns="45000"/>
+            <a:lstStyle/>
             <a:p>
               <a:pPr>
                 <a:lnSpc>
@@ -4194,16 +4818,16 @@
                 </a:lnSpc>
               </a:pPr>
               <a:r>
-                <a:rPr b="1" lang="pt-BR" sz="1000" spc="-1" strike="noStrike">
+                <a:rPr lang="pt-BR" sz="1000" b="1" strike="noStrike" spc="-1">
                   <a:solidFill>
-                    <a:srgbClr val="89c765"/>
+                    <a:srgbClr val="89C765"/>
                   </a:solidFill>
                   <a:latin typeface="Arial"/>
                   <a:ea typeface="DejaVu Sans"/>
                 </a:rPr>
                 <a:t>-Entrega </a:t>
               </a:r>
-              <a:endParaRPr b="0" lang="pt-BR" sz="1000" spc="-1" strike="noStrike">
+              <a:endParaRPr lang="pt-BR" sz="1000" b="0" strike="noStrike" spc="-1">
                 <a:latin typeface="Arial"/>
               </a:endParaRPr>
             </a:p>
@@ -4214,16 +4838,16 @@
                 </a:lnSpc>
               </a:pPr>
               <a:r>
-                <a:rPr b="1" lang="pt-BR" sz="1000" spc="-1" strike="noStrike">
+                <a:rPr lang="pt-BR" sz="1000" b="1" strike="noStrike" spc="-1">
                   <a:solidFill>
-                    <a:srgbClr val="89c765"/>
+                    <a:srgbClr val="89C765"/>
                   </a:solidFill>
                   <a:latin typeface="Arial"/>
                   <a:ea typeface="DejaVu Sans"/>
                 </a:rPr>
                 <a:t>do projeto </a:t>
               </a:r>
-              <a:endParaRPr b="0" lang="pt-BR" sz="1000" spc="-1" strike="noStrike">
+              <a:endParaRPr lang="pt-BR" sz="1000" b="0" strike="noStrike" spc="-1">
                 <a:latin typeface="Arial"/>
               </a:endParaRPr>
             </a:p>
@@ -4234,16 +4858,16 @@
                 </a:lnSpc>
               </a:pPr>
               <a:r>
-                <a:rPr b="1" lang="pt-BR" sz="1000" spc="-1" strike="noStrike">
+                <a:rPr lang="pt-BR" sz="1000" b="1" strike="noStrike" spc="-1">
                   <a:solidFill>
-                    <a:srgbClr val="89c765"/>
+                    <a:srgbClr val="89C765"/>
                   </a:solidFill>
                   <a:latin typeface="Arial"/>
                   <a:ea typeface="DejaVu Sans"/>
                 </a:rPr>
                 <a:t>Final</a:t>
               </a:r>
-              <a:endParaRPr b="0" lang="pt-BR" sz="1000" spc="-1" strike="noStrike">
+              <a:endParaRPr lang="pt-BR" sz="1000" b="0" strike="noStrike" spc="-1">
                 <a:latin typeface="Arial"/>
               </a:endParaRPr>
             </a:p>
@@ -4253,7 +4877,7 @@
                   <a:spcPct val="100000"/>
                 </a:lnSpc>
               </a:pPr>
-              <a:endParaRPr b="0" lang="pt-BR" sz="1000" spc="-1" strike="noStrike">
+              <a:endParaRPr lang="pt-BR" sz="1000" b="0" strike="noStrike" spc="-1">
                 <a:latin typeface="Arial"/>
               </a:endParaRPr>
             </a:p>
@@ -4279,9 +4903,15 @@
           </a:ln>
         </p:spPr>
         <p:style>
-          <a:lnRef idx="0"/>
-          <a:fillRef idx="0"/>
-          <a:effectRef idx="0"/>
+          <a:lnRef idx="0">
+            <a:scrgbClr r="0" g="0" b="0"/>
+          </a:lnRef>
+          <a:fillRef idx="0">
+            <a:scrgbClr r="0" g="0" b="0"/>
+          </a:fillRef>
+          <a:effectRef idx="0">
+            <a:scrgbClr r="0" g="0" b="0"/>
+          </a:effectRef>
           <a:fontRef idx="minor"/>
         </p:style>
       </p:sp>
@@ -4304,9 +4934,15 @@
           </a:ln>
         </p:spPr>
         <p:style>
-          <a:lnRef idx="0"/>
-          <a:fillRef idx="0"/>
-          <a:effectRef idx="0"/>
+          <a:lnRef idx="0">
+            <a:scrgbClr r="0" g="0" b="0"/>
+          </a:lnRef>
+          <a:fillRef idx="0">
+            <a:scrgbClr r="0" g="0" b="0"/>
+          </a:fillRef>
+          <a:effectRef idx="0">
+            <a:scrgbClr r="0" g="0" b="0"/>
+          </a:effectRef>
           <a:fontRef idx="minor"/>
         </p:style>
       </p:sp>
@@ -4329,9 +4965,15 @@
           </a:ln>
         </p:spPr>
         <p:style>
-          <a:lnRef idx="0"/>
-          <a:fillRef idx="0"/>
-          <a:effectRef idx="0"/>
+          <a:lnRef idx="0">
+            <a:scrgbClr r="0" g="0" b="0"/>
+          </a:lnRef>
+          <a:fillRef idx="0">
+            <a:scrgbClr r="0" g="0" b="0"/>
+          </a:fillRef>
+          <a:effectRef idx="0">
+            <a:scrgbClr r="0" g="0" b="0"/>
+          </a:effectRef>
           <a:fontRef idx="minor"/>
         </p:style>
       </p:sp>
@@ -4354,9 +4996,15 @@
           </a:ln>
         </p:spPr>
         <p:style>
-          <a:lnRef idx="0"/>
-          <a:fillRef idx="0"/>
-          <a:effectRef idx="0"/>
+          <a:lnRef idx="0">
+            <a:scrgbClr r="0" g="0" b="0"/>
+          </a:lnRef>
+          <a:fillRef idx="0">
+            <a:scrgbClr r="0" g="0" b="0"/>
+          </a:fillRef>
+          <a:effectRef idx="0">
+            <a:scrgbClr r="0" g="0" b="0"/>
+          </a:effectRef>
           <a:fontRef idx="minor"/>
         </p:style>
       </p:sp>
@@ -4379,20 +5027,26 @@
           </a:ln>
         </p:spPr>
         <p:style>
-          <a:lnRef idx="0"/>
-          <a:fillRef idx="0"/>
-          <a:effectRef idx="0"/>
+          <a:lnRef idx="0">
+            <a:scrgbClr r="0" g="0" b="0"/>
+          </a:lnRef>
+          <a:fillRef idx="0">
+            <a:scrgbClr r="0" g="0" b="0"/>
+          </a:fillRef>
+          <a:effectRef idx="0">
+            <a:scrgbClr r="0" g="0" b="0"/>
+          </a:effectRef>
           <a:fontRef idx="minor"/>
         </p:style>
       </p:sp>
       <p:pic>
         <p:nvPicPr>
-          <p:cNvPr id="90" name="Google Shape;166;p39" descr=""/>
+          <p:cNvPr id="90" name="Google Shape;166;p39"/>
           <p:cNvPicPr/>
           <p:nvPr/>
         </p:nvPicPr>
         <p:blipFill>
-          <a:blip r:embed="rId2"/>
+          <a:blip r:embed="rId3"/>
           <a:stretch/>
         </p:blipFill>
         <p:spPr>
@@ -4426,13 +5080,19 @@
             <a:solidFill>
               <a:srgbClr val="000000"/>
             </a:solidFill>
-            <a:tailEnd len="med" type="triangle" w="med"/>
+            <a:tailEnd type="triangle" w="med" len="med"/>
           </a:ln>
         </p:spPr>
         <p:style>
-          <a:lnRef idx="0"/>
-          <a:fillRef idx="0"/>
-          <a:effectRef idx="0"/>
+          <a:lnRef idx="0">
+            <a:scrgbClr r="0" g="0" b="0"/>
+          </a:lnRef>
+          <a:fillRef idx="0">
+            <a:scrgbClr r="0" g="0" b="0"/>
+          </a:fillRef>
+          <a:effectRef idx="0">
+            <a:scrgbClr r="0" g="0" b="0"/>
+          </a:effectRef>
           <a:fontRef idx="minor"/>
         </p:style>
       </p:sp>
@@ -4454,13 +5114,19 @@
             <a:solidFill>
               <a:srgbClr val="000000"/>
             </a:solidFill>
-            <a:tailEnd len="med" type="triangle" w="med"/>
+            <a:tailEnd type="triangle" w="med" len="med"/>
           </a:ln>
         </p:spPr>
         <p:style>
-          <a:lnRef idx="0"/>
-          <a:fillRef idx="0"/>
-          <a:effectRef idx="0"/>
+          <a:lnRef idx="0">
+            <a:scrgbClr r="0" g="0" b="0"/>
+          </a:lnRef>
+          <a:fillRef idx="0">
+            <a:scrgbClr r="0" g="0" b="0"/>
+          </a:fillRef>
+          <a:effectRef idx="0">
+            <a:scrgbClr r="0" g="0" b="0"/>
+          </a:effectRef>
           <a:fontRef idx="minor"/>
         </p:style>
       </p:sp>
@@ -4482,13 +5148,19 @@
             <a:solidFill>
               <a:srgbClr val="000000"/>
             </a:solidFill>
-            <a:tailEnd len="med" type="triangle" w="med"/>
+            <a:tailEnd type="triangle" w="med" len="med"/>
           </a:ln>
         </p:spPr>
         <p:style>
-          <a:lnRef idx="0"/>
-          <a:fillRef idx="0"/>
-          <a:effectRef idx="0"/>
+          <a:lnRef idx="0">
+            <a:scrgbClr r="0" g="0" b="0"/>
+          </a:lnRef>
+          <a:fillRef idx="0">
+            <a:scrgbClr r="0" g="0" b="0"/>
+          </a:fillRef>
+          <a:effectRef idx="0">
+            <a:scrgbClr r="0" g="0" b="0"/>
+          </a:effectRef>
           <a:fontRef idx="minor"/>
         </p:style>
       </p:sp>
@@ -4510,13 +5182,19 @@
             <a:solidFill>
               <a:srgbClr val="000000"/>
             </a:solidFill>
-            <a:tailEnd len="med" type="triangle" w="med"/>
+            <a:tailEnd type="triangle" w="med" len="med"/>
           </a:ln>
         </p:spPr>
         <p:style>
-          <a:lnRef idx="0"/>
-          <a:fillRef idx="0"/>
-          <a:effectRef idx="0"/>
+          <a:lnRef idx="0">
+            <a:scrgbClr r="0" g="0" b="0"/>
+          </a:lnRef>
+          <a:fillRef idx="0">
+            <a:scrgbClr r="0" g="0" b="0"/>
+          </a:fillRef>
+          <a:effectRef idx="0">
+            <a:scrgbClr r="0" g="0" b="0"/>
+          </a:effectRef>
           <a:fontRef idx="minor"/>
         </p:style>
       </p:sp>
@@ -4538,34 +5216,43 @@
             <a:solidFill>
               <a:srgbClr val="000000"/>
             </a:solidFill>
-            <a:tailEnd len="med" type="triangle" w="med"/>
+            <a:tailEnd type="triangle" w="med" len="med"/>
           </a:ln>
         </p:spPr>
         <p:style>
-          <a:lnRef idx="0"/>
-          <a:fillRef idx="0"/>
-          <a:effectRef idx="0"/>
+          <a:lnRef idx="0">
+            <a:scrgbClr r="0" g="0" b="0"/>
+          </a:lnRef>
+          <a:fillRef idx="0">
+            <a:scrgbClr r="0" g="0" b="0"/>
+          </a:fillRef>
+          <a:effectRef idx="0">
+            <a:scrgbClr r="0" g="0" b="0"/>
+          </a:effectRef>
           <a:fontRef idx="minor"/>
         </p:style>
       </p:sp>
     </p:spTree>
   </p:cSld>
+  <p:clrMapOvr>
+    <a:masterClrMapping/>
+  </p:clrMapOvr>
   <p:timing>
     <p:tnLst>
       <p:par>
-        <p:cTn id="5" dur="indefinite" restart="never" nodeType="tmRoot">
+        <p:cTn id="1" dur="indefinite" restart="never" nodeType="tmRoot">
           <p:childTnLst>
             <p:seq>
-              <p:cTn id="6" dur="indefinite" nodeType="mainSeq"/>
+              <p:cTn id="2" dur="indefinite" nodeType="mainSeq"/>
               <p:prevCondLst>
-                <p:cond delay="0" evt="onPrev">
+                <p:cond evt="onPrev" delay="0">
                   <p:tgtEl>
                     <p:sldTgt/>
                   </p:tgtEl>
                 </p:cond>
               </p:prevCondLst>
               <p:nextCondLst>
-                <p:cond delay="0" evt="onNext">
+                <p:cond evt="onNext" delay="0">
                   <p:tgtEl>
                     <p:sldTgt/>
                   </p:tgtEl>
@@ -4581,13 +5268,14 @@
 </file>
 
 <file path=ppt/slides/slide4.xml><?xml version="1.0" encoding="utf-8"?>
-<p:sld xmlns:a="http://schemas.openxmlformats.org/drawingml/2006/main" xmlns:p="http://schemas.openxmlformats.org/presentationml/2006/main" xmlns:r="http://schemas.openxmlformats.org/officeDocument/2006/relationships" xmlns:p14="http://schemas.microsoft.com/office/powerpoint/2010/main" xmlns:p15="http://schemas.microsoft.com/office/powerpoint/2012/main" xmlns:mc="http://schemas.openxmlformats.org/markup-compatibility/2006">
+<p:sld xmlns:a="http://schemas.openxmlformats.org/drawingml/2006/main" xmlns:r="http://schemas.openxmlformats.org/officeDocument/2006/relationships" xmlns:p="http://schemas.openxmlformats.org/presentationml/2006/main">
   <p:cSld>
     <p:bg>
       <p:bgPr>
         <a:solidFill>
-          <a:srgbClr val="ffffff"/>
+          <a:srgbClr val="FFFFFF"/>
         </a:solidFill>
+        <a:effectLst/>
       </p:bgPr>
     </p:bg>
     <p:spTree>
@@ -4619,27 +5307,33 @@
             <a:avLst/>
           </a:prstGeom>
           <a:solidFill>
-            <a:srgbClr val="347c36"/>
+            <a:srgbClr val="347C36"/>
           </a:solidFill>
           <a:ln>
             <a:noFill/>
           </a:ln>
         </p:spPr>
         <p:style>
-          <a:lnRef idx="0"/>
-          <a:fillRef idx="0"/>
-          <a:effectRef idx="0"/>
+          <a:lnRef idx="0">
+            <a:scrgbClr r="0" g="0" b="0"/>
+          </a:lnRef>
+          <a:fillRef idx="0">
+            <a:scrgbClr r="0" g="0" b="0"/>
+          </a:fillRef>
+          <a:effectRef idx="0">
+            <a:scrgbClr r="0" g="0" b="0"/>
+          </a:effectRef>
           <a:fontRef idx="minor"/>
         </p:style>
       </p:sp>
       <p:pic>
         <p:nvPicPr>
-          <p:cNvPr id="97" name="Google Shape;89;p13" descr=""/>
+          <p:cNvPr id="97" name="Google Shape;89;p13"/>
           <p:cNvPicPr/>
           <p:nvPr/>
         </p:nvPicPr>
         <p:blipFill>
-          <a:blip r:embed="rId1"/>
+          <a:blip r:embed="rId2"/>
           <a:stretch/>
         </p:blipFill>
         <p:spPr>
@@ -4675,13 +5369,20 @@
           </a:ln>
         </p:spPr>
         <p:style>
-          <a:lnRef idx="0"/>
-          <a:fillRef idx="0"/>
-          <a:effectRef idx="0"/>
+          <a:lnRef idx="0">
+            <a:scrgbClr r="0" g="0" b="0"/>
+          </a:lnRef>
+          <a:fillRef idx="0">
+            <a:scrgbClr r="0" g="0" b="0"/>
+          </a:fillRef>
+          <a:effectRef idx="0">
+            <a:scrgbClr r="0" g="0" b="0"/>
+          </a:effectRef>
           <a:fontRef idx="minor"/>
         </p:style>
         <p:txBody>
-          <a:bodyPr lIns="90000" rIns="90000" tIns="45000" bIns="45000"/>
+          <a:bodyPr lIns="90000" tIns="45000" rIns="90000" bIns="45000"/>
+          <a:lstStyle/>
           <a:p>
             <a:pPr algn="ctr">
               <a:lnSpc>
@@ -4690,16 +5391,16 @@
             </a:pPr>
             <a:br/>
             <a:r>
-              <a:rPr b="1" lang="pt-BR" sz="3200" spc="-1" strike="noStrike">
+              <a:rPr lang="pt-BR" sz="3200" b="1" strike="noStrike" spc="-1">
                 <a:solidFill>
-                  <a:srgbClr val="8dc641"/>
+                  <a:srgbClr val="8DC641"/>
                 </a:solidFill>
                 <a:latin typeface="Arial"/>
                 <a:ea typeface="Arial"/>
               </a:rPr>
               <a:t>Prática  de análise de sistemas</a:t>
             </a:r>
-            <a:endParaRPr b="0" lang="pt-BR" sz="3200" spc="-1" strike="noStrike">
+            <a:endParaRPr lang="pt-BR" sz="3200" b="0" strike="noStrike" spc="-1">
               <a:latin typeface="Arial"/>
             </a:endParaRPr>
           </a:p>
@@ -4709,7 +5410,7 @@
                 <a:spcPct val="100000"/>
               </a:lnSpc>
             </a:pPr>
-            <a:endParaRPr b="0" lang="pt-BR" sz="3200" spc="-1" strike="noStrike">
+            <a:endParaRPr lang="pt-BR" sz="3200" b="0" strike="noStrike" spc="-1">
               <a:latin typeface="Arial"/>
             </a:endParaRPr>
           </a:p>
@@ -4719,7 +5420,7 @@
                 <a:spcPct val="100000"/>
               </a:lnSpc>
             </a:pPr>
-            <a:endParaRPr b="0" lang="pt-BR" sz="3200" spc="-1" strike="noStrike">
+            <a:endParaRPr lang="pt-BR" sz="3200" b="0" strike="noStrike" spc="-1">
               <a:latin typeface="Arial"/>
             </a:endParaRPr>
           </a:p>
@@ -4745,13 +5446,20 @@
           </a:ln>
         </p:spPr>
         <p:style>
-          <a:lnRef idx="0"/>
-          <a:fillRef idx="0"/>
-          <a:effectRef idx="0"/>
+          <a:lnRef idx="0">
+            <a:scrgbClr r="0" g="0" b="0"/>
+          </a:lnRef>
+          <a:fillRef idx="0">
+            <a:scrgbClr r="0" g="0" b="0"/>
+          </a:fillRef>
+          <a:effectRef idx="0">
+            <a:scrgbClr r="0" g="0" b="0"/>
+          </a:effectRef>
           <a:fontRef idx="minor"/>
         </p:style>
         <p:txBody>
-          <a:bodyPr lIns="90000" rIns="90000" tIns="45000" bIns="45000"/>
+          <a:bodyPr lIns="90000" tIns="45000" rIns="90000" bIns="45000"/>
+          <a:lstStyle/>
           <a:p>
             <a:pPr algn="ctr">
               <a:lnSpc>
@@ -4759,26 +5467,16 @@
               </a:lnSpc>
             </a:pPr>
             <a:r>
-              <a:rPr b="1" lang="pt-BR" sz="1500" spc="-1" strike="noStrike">
+              <a:rPr lang="pt-BR" sz="1500" b="1" strike="noStrike" spc="-1">
                 <a:solidFill>
-                  <a:srgbClr val="8dc641"/>
+                  <a:srgbClr val="8DC641"/>
                 </a:solidFill>
                 <a:latin typeface="Arial"/>
                 <a:ea typeface="Arial"/>
               </a:rPr>
-              <a:t> </a:t>
+              <a:t> Fabio Vasques, Gieder Loreto</a:t>
             </a:r>
-            <a:r>
-              <a:rPr b="1" lang="pt-BR" sz="1500" spc="-1" strike="noStrike">
-                <a:solidFill>
-                  <a:srgbClr val="8dc641"/>
-                </a:solidFill>
-                <a:latin typeface="Arial"/>
-                <a:ea typeface="Arial"/>
-              </a:rPr>
-              <a:t>Fabio Vasques, Gieder Loreto</a:t>
-            </a:r>
-            <a:endParaRPr b="0" lang="pt-BR" sz="1500" spc="-1" strike="noStrike">
+            <a:endParaRPr lang="pt-BR" sz="1500" b="0" strike="noStrike" spc="-1">
               <a:latin typeface="Arial"/>
             </a:endParaRPr>
           </a:p>
@@ -4804,13 +5502,20 @@
           </a:ln>
         </p:spPr>
         <p:style>
-          <a:lnRef idx="0"/>
-          <a:fillRef idx="0"/>
-          <a:effectRef idx="0"/>
+          <a:lnRef idx="0">
+            <a:scrgbClr r="0" g="0" b="0"/>
+          </a:lnRef>
+          <a:fillRef idx="0">
+            <a:scrgbClr r="0" g="0" b="0"/>
+          </a:fillRef>
+          <a:effectRef idx="0">
+            <a:scrgbClr r="0" g="0" b="0"/>
+          </a:effectRef>
           <a:fontRef idx="minor"/>
         </p:style>
         <p:txBody>
-          <a:bodyPr lIns="90000" rIns="90000" tIns="45000" bIns="45000"/>
+          <a:bodyPr lIns="90000" tIns="45000" rIns="90000" bIns="45000"/>
+          <a:lstStyle/>
           <a:p>
             <a:pPr>
               <a:lnSpc>
@@ -4818,26 +5523,16 @@
               </a:lnSpc>
             </a:pPr>
             <a:r>
-              <a:rPr b="1" lang="pt-BR" sz="2600" spc="-1" strike="noStrike">
+              <a:rPr lang="pt-BR" sz="2600" b="1" strike="noStrike" spc="-1">
                 <a:solidFill>
-                  <a:srgbClr val="8dc641"/>
+                  <a:srgbClr val="8DC641"/>
                 </a:solidFill>
                 <a:latin typeface="Arial"/>
                 <a:ea typeface="Arial"/>
               </a:rPr>
-              <a:t> </a:t>
+              <a:t> Tecnologias envolvidas nas etapas</a:t>
             </a:r>
-            <a:r>
-              <a:rPr b="1" lang="pt-BR" sz="2600" spc="-1" strike="noStrike">
-                <a:solidFill>
-                  <a:srgbClr val="8dc641"/>
-                </a:solidFill>
-                <a:latin typeface="Arial"/>
-                <a:ea typeface="Arial"/>
-              </a:rPr>
-              <a:t>Tecnologias envolvidas nas etapas</a:t>
-            </a:r>
-            <a:endParaRPr b="0" lang="pt-BR" sz="2600" spc="-1" strike="noStrike">
+            <a:endParaRPr lang="pt-BR" sz="2600" b="0" strike="noStrike" spc="-1">
               <a:latin typeface="Arial"/>
             </a:endParaRPr>
           </a:p>
@@ -4845,30 +5540,7 @@
       </p:sp>
       <p:pic>
         <p:nvPicPr>
-          <p:cNvPr id="101" name="Google Shape;166;p39" descr=""/>
-          <p:cNvPicPr/>
-          <p:nvPr/>
-        </p:nvPicPr>
-        <p:blipFill>
-          <a:blip r:embed="rId2"/>
-          <a:stretch/>
-        </p:blipFill>
-        <p:spPr>
-          <a:xfrm>
-            <a:off x="235080" y="283680"/>
-            <a:ext cx="3999960" cy="1018800"/>
-          </a:xfrm>
-          <a:prstGeom prst="rect">
-            <a:avLst/>
-          </a:prstGeom>
-          <a:ln>
-            <a:noFill/>
-          </a:ln>
-        </p:spPr>
-      </p:pic>
-      <p:pic>
-        <p:nvPicPr>
-          <p:cNvPr id="102" name="Imagem 6" descr=""/>
+          <p:cNvPr id="101" name="Google Shape;166;p39"/>
           <p:cNvPicPr/>
           <p:nvPr/>
         </p:nvPicPr>
@@ -4878,8 +5550,8 @@
         </p:blipFill>
         <p:spPr>
           <a:xfrm>
-            <a:off x="5127840" y="4505760"/>
-            <a:ext cx="1893960" cy="946800"/>
+            <a:off x="235080" y="283680"/>
+            <a:ext cx="3999960" cy="1018800"/>
           </a:xfrm>
           <a:prstGeom prst="rect">
             <a:avLst/>
@@ -4891,7 +5563,7 @@
       </p:pic>
       <p:pic>
         <p:nvPicPr>
-          <p:cNvPr id="103" name="Imagem 8" descr=""/>
+          <p:cNvPr id="102" name="Imagem 6"/>
           <p:cNvPicPr/>
           <p:nvPr/>
         </p:nvPicPr>
@@ -4901,8 +5573,8 @@
         </p:blipFill>
         <p:spPr>
           <a:xfrm>
-            <a:off x="8011080" y="4467600"/>
-            <a:ext cx="925920" cy="925920"/>
+            <a:off x="5127840" y="4505760"/>
+            <a:ext cx="1893960" cy="946800"/>
           </a:xfrm>
           <a:prstGeom prst="rect">
             <a:avLst/>
@@ -4914,7 +5586,7 @@
       </p:pic>
       <p:pic>
         <p:nvPicPr>
-          <p:cNvPr id="104" name="Imagem 10" descr=""/>
+          <p:cNvPr id="103" name="Imagem 8"/>
           <p:cNvPicPr/>
           <p:nvPr/>
         </p:nvPicPr>
@@ -4924,8 +5596,8 @@
         </p:blipFill>
         <p:spPr>
           <a:xfrm>
-            <a:off x="1092240" y="5400720"/>
-            <a:ext cx="1496160" cy="837720"/>
+            <a:off x="8011080" y="4467600"/>
+            <a:ext cx="925920" cy="925920"/>
           </a:xfrm>
           <a:prstGeom prst="rect">
             <a:avLst/>
@@ -4937,7 +5609,7 @@
       </p:pic>
       <p:pic>
         <p:nvPicPr>
-          <p:cNvPr id="105" name="Imagem 12" descr=""/>
+          <p:cNvPr id="104" name="Imagem 10"/>
           <p:cNvPicPr/>
           <p:nvPr/>
         </p:nvPicPr>
@@ -4947,8 +5619,8 @@
         </p:blipFill>
         <p:spPr>
           <a:xfrm>
-            <a:off x="2274120" y="4038480"/>
-            <a:ext cx="2618640" cy="1742400"/>
+            <a:off x="1092240" y="5400720"/>
+            <a:ext cx="1496160" cy="837720"/>
           </a:xfrm>
           <a:prstGeom prst="rect">
             <a:avLst/>
@@ -4960,7 +5632,7 @@
       </p:pic>
       <p:pic>
         <p:nvPicPr>
-          <p:cNvPr id="106" name="Imagem 14" descr=""/>
+          <p:cNvPr id="105" name="Imagem 12"/>
           <p:cNvPicPr/>
           <p:nvPr/>
         </p:nvPicPr>
@@ -4970,8 +5642,8 @@
         </p:blipFill>
         <p:spPr>
           <a:xfrm>
-            <a:off x="5127840" y="5721480"/>
-            <a:ext cx="2693160" cy="719280"/>
+            <a:off x="2274120" y="4038480"/>
+            <a:ext cx="2618640" cy="1742400"/>
           </a:xfrm>
           <a:prstGeom prst="rect">
             <a:avLst/>
@@ -4983,7 +5655,7 @@
       </p:pic>
       <p:pic>
         <p:nvPicPr>
-          <p:cNvPr id="107" name="Imagem 16" descr=""/>
+          <p:cNvPr id="106" name="Imagem 14"/>
           <p:cNvPicPr/>
           <p:nvPr/>
         </p:nvPicPr>
@@ -4993,8 +5665,8 @@
         </p:blipFill>
         <p:spPr>
           <a:xfrm>
-            <a:off x="8938080" y="5453280"/>
-            <a:ext cx="1773000" cy="1101240"/>
+            <a:off x="5127840" y="5721480"/>
+            <a:ext cx="2693160" cy="719280"/>
           </a:xfrm>
           <a:prstGeom prst="rect">
             <a:avLst/>
@@ -5006,7 +5678,7 @@
       </p:pic>
       <p:pic>
         <p:nvPicPr>
-          <p:cNvPr id="108" name="Imagem 18" descr=""/>
+          <p:cNvPr id="107" name="Imagem 16"/>
           <p:cNvPicPr/>
           <p:nvPr/>
         </p:nvPicPr>
@@ -5016,6 +5688,29 @@
         </p:blipFill>
         <p:spPr>
           <a:xfrm>
+            <a:off x="8938080" y="5453280"/>
+            <a:ext cx="1773000" cy="1101240"/>
+          </a:xfrm>
+          <a:prstGeom prst="rect">
+            <a:avLst/>
+          </a:prstGeom>
+          <a:ln>
+            <a:noFill/>
+          </a:ln>
+        </p:spPr>
+      </p:pic>
+      <p:pic>
+        <p:nvPicPr>
+          <p:cNvPr id="108" name="Imagem 18"/>
+          <p:cNvPicPr/>
+          <p:nvPr/>
+        </p:nvPicPr>
+        <p:blipFill>
+          <a:blip r:embed="rId10"/>
+          <a:stretch/>
+        </p:blipFill>
+        <p:spPr>
+          <a:xfrm>
             <a:off x="3438000" y="2980440"/>
             <a:ext cx="5095080" cy="1446120"/>
           </a:xfrm>
@@ -5029,22 +5724,25 @@
       </p:pic>
     </p:spTree>
   </p:cSld>
+  <p:clrMapOvr>
+    <a:masterClrMapping/>
+  </p:clrMapOvr>
   <p:timing>
     <p:tnLst>
       <p:par>
-        <p:cTn id="7" dur="indefinite" restart="never" nodeType="tmRoot">
+        <p:cTn id="1" dur="indefinite" restart="never" nodeType="tmRoot">
           <p:childTnLst>
             <p:seq>
-              <p:cTn id="8" dur="indefinite" nodeType="mainSeq"/>
+              <p:cTn id="2" dur="indefinite" nodeType="mainSeq"/>
               <p:prevCondLst>
-                <p:cond delay="0" evt="onPrev">
+                <p:cond evt="onPrev" delay="0">
                   <p:tgtEl>
                     <p:sldTgt/>
                   </p:tgtEl>
                 </p:cond>
               </p:prevCondLst>
               <p:nextCondLst>
-                <p:cond delay="0" evt="onNext">
+                <p:cond evt="onNext" delay="0">
                   <p:tgtEl>
                     <p:sldTgt/>
                   </p:tgtEl>
@@ -5060,13 +5758,14 @@
 </file>
 
 <file path=ppt/slides/slide5.xml><?xml version="1.0" encoding="utf-8"?>
-<p:sld xmlns:a="http://schemas.openxmlformats.org/drawingml/2006/main" xmlns:p="http://schemas.openxmlformats.org/presentationml/2006/main" xmlns:r="http://schemas.openxmlformats.org/officeDocument/2006/relationships" xmlns:p14="http://schemas.microsoft.com/office/powerpoint/2010/main" xmlns:p15="http://schemas.microsoft.com/office/powerpoint/2012/main" xmlns:mc="http://schemas.openxmlformats.org/markup-compatibility/2006">
+<p:sld xmlns:a="http://schemas.openxmlformats.org/drawingml/2006/main" xmlns:r="http://schemas.openxmlformats.org/officeDocument/2006/relationships" xmlns:p="http://schemas.openxmlformats.org/presentationml/2006/main">
   <p:cSld>
     <p:bg>
       <p:bgPr>
         <a:solidFill>
-          <a:srgbClr val="ffffff"/>
+          <a:srgbClr val="FFFFFF"/>
         </a:solidFill>
+        <a:effectLst/>
       </p:bgPr>
     </p:bg>
     <p:spTree>
@@ -5098,27 +5797,33 @@
             <a:avLst/>
           </a:prstGeom>
           <a:solidFill>
-            <a:srgbClr val="347c36"/>
+            <a:srgbClr val="347C36"/>
           </a:solidFill>
           <a:ln>
             <a:noFill/>
           </a:ln>
         </p:spPr>
         <p:style>
-          <a:lnRef idx="0"/>
-          <a:fillRef idx="0"/>
-          <a:effectRef idx="0"/>
+          <a:lnRef idx="0">
+            <a:scrgbClr r="0" g="0" b="0"/>
+          </a:lnRef>
+          <a:fillRef idx="0">
+            <a:scrgbClr r="0" g="0" b="0"/>
+          </a:fillRef>
+          <a:effectRef idx="0">
+            <a:scrgbClr r="0" g="0" b="0"/>
+          </a:effectRef>
           <a:fontRef idx="minor"/>
         </p:style>
       </p:sp>
       <p:pic>
         <p:nvPicPr>
-          <p:cNvPr id="110" name="Google Shape;89;p13" descr=""/>
+          <p:cNvPr id="110" name="Google Shape;89;p13"/>
           <p:cNvPicPr/>
           <p:nvPr/>
         </p:nvPicPr>
         <p:blipFill>
-          <a:blip r:embed="rId1"/>
+          <a:blip r:embed="rId2"/>
           <a:stretch/>
         </p:blipFill>
         <p:spPr>
@@ -5154,13 +5859,20 @@
           </a:ln>
         </p:spPr>
         <p:style>
-          <a:lnRef idx="0"/>
-          <a:fillRef idx="0"/>
-          <a:effectRef idx="0"/>
+          <a:lnRef idx="0">
+            <a:scrgbClr r="0" g="0" b="0"/>
+          </a:lnRef>
+          <a:fillRef idx="0">
+            <a:scrgbClr r="0" g="0" b="0"/>
+          </a:fillRef>
+          <a:effectRef idx="0">
+            <a:scrgbClr r="0" g="0" b="0"/>
+          </a:effectRef>
           <a:fontRef idx="minor"/>
         </p:style>
         <p:txBody>
-          <a:bodyPr lIns="90000" rIns="90000" tIns="45000" bIns="45000"/>
+          <a:bodyPr lIns="90000" tIns="45000" rIns="90000" bIns="45000"/>
+          <a:lstStyle/>
           <a:p>
             <a:pPr algn="ctr">
               <a:lnSpc>
@@ -5169,16 +5881,16 @@
             </a:pPr>
             <a:br/>
             <a:r>
-              <a:rPr b="1" lang="pt-BR" sz="3200" spc="-1" strike="noStrike">
+              <a:rPr lang="pt-BR" sz="3200" b="1" strike="noStrike" spc="-1">
                 <a:solidFill>
-                  <a:srgbClr val="8dc641"/>
+                  <a:srgbClr val="8DC641"/>
                 </a:solidFill>
                 <a:latin typeface="Arial"/>
                 <a:ea typeface="Arial"/>
               </a:rPr>
               <a:t>Prática  de análise de sistemas</a:t>
             </a:r>
-            <a:endParaRPr b="0" lang="pt-BR" sz="3200" spc="-1" strike="noStrike">
+            <a:endParaRPr lang="pt-BR" sz="3200" b="0" strike="noStrike" spc="-1">
               <a:latin typeface="Arial"/>
             </a:endParaRPr>
           </a:p>
@@ -5188,7 +5900,7 @@
                 <a:spcPct val="100000"/>
               </a:lnSpc>
             </a:pPr>
-            <a:endParaRPr b="0" lang="pt-BR" sz="3200" spc="-1" strike="noStrike">
+            <a:endParaRPr lang="pt-BR" sz="3200" b="0" strike="noStrike" spc="-1">
               <a:latin typeface="Arial"/>
             </a:endParaRPr>
           </a:p>
@@ -5198,7 +5910,7 @@
                 <a:spcPct val="100000"/>
               </a:lnSpc>
             </a:pPr>
-            <a:endParaRPr b="0" lang="pt-BR" sz="3200" spc="-1" strike="noStrike">
+            <a:endParaRPr lang="pt-BR" sz="3200" b="0" strike="noStrike" spc="-1">
               <a:latin typeface="Arial"/>
             </a:endParaRPr>
           </a:p>
@@ -5224,13 +5936,20 @@
           </a:ln>
         </p:spPr>
         <p:style>
-          <a:lnRef idx="0"/>
-          <a:fillRef idx="0"/>
-          <a:effectRef idx="0"/>
+          <a:lnRef idx="0">
+            <a:scrgbClr r="0" g="0" b="0"/>
+          </a:lnRef>
+          <a:fillRef idx="0">
+            <a:scrgbClr r="0" g="0" b="0"/>
+          </a:fillRef>
+          <a:effectRef idx="0">
+            <a:scrgbClr r="0" g="0" b="0"/>
+          </a:effectRef>
           <a:fontRef idx="minor"/>
         </p:style>
         <p:txBody>
-          <a:bodyPr lIns="90000" rIns="90000" tIns="45000" bIns="45000"/>
+          <a:bodyPr lIns="90000" tIns="45000" rIns="90000" bIns="45000"/>
+          <a:lstStyle/>
           <a:p>
             <a:pPr algn="ctr">
               <a:lnSpc>
@@ -5238,26 +5957,16 @@
               </a:lnSpc>
             </a:pPr>
             <a:r>
-              <a:rPr b="1" lang="pt-BR" sz="1500" spc="-1" strike="noStrike">
+              <a:rPr lang="pt-BR" sz="1500" b="1" strike="noStrike" spc="-1">
                 <a:solidFill>
-                  <a:srgbClr val="8dc641"/>
+                  <a:srgbClr val="8DC641"/>
                 </a:solidFill>
                 <a:latin typeface="Arial"/>
                 <a:ea typeface="Arial"/>
               </a:rPr>
-              <a:t> </a:t>
+              <a:t> Fabio Vasques, Gieder Loreto</a:t>
             </a:r>
-            <a:r>
-              <a:rPr b="1" lang="pt-BR" sz="1500" spc="-1" strike="noStrike">
-                <a:solidFill>
-                  <a:srgbClr val="8dc641"/>
-                </a:solidFill>
-                <a:latin typeface="Arial"/>
-                <a:ea typeface="Arial"/>
-              </a:rPr>
-              <a:t>Fabio Vasques, Gieder Loreto</a:t>
-            </a:r>
-            <a:endParaRPr b="0" lang="pt-BR" sz="1500" spc="-1" strike="noStrike">
+            <a:endParaRPr lang="pt-BR" sz="1500" b="0" strike="noStrike" spc="-1">
               <a:latin typeface="Arial"/>
             </a:endParaRPr>
           </a:p>
@@ -5283,13 +5992,20 @@
           </a:ln>
         </p:spPr>
         <p:style>
-          <a:lnRef idx="0"/>
-          <a:fillRef idx="0"/>
-          <a:effectRef idx="0"/>
+          <a:lnRef idx="0">
+            <a:scrgbClr r="0" g="0" b="0"/>
+          </a:lnRef>
+          <a:fillRef idx="0">
+            <a:scrgbClr r="0" g="0" b="0"/>
+          </a:fillRef>
+          <a:effectRef idx="0">
+            <a:scrgbClr r="0" g="0" b="0"/>
+          </a:effectRef>
           <a:fontRef idx="minor"/>
         </p:style>
         <p:txBody>
-          <a:bodyPr lIns="90000" rIns="90000" tIns="45000" bIns="45000"/>
+          <a:bodyPr lIns="90000" tIns="45000" rIns="90000" bIns="45000"/>
+          <a:lstStyle/>
           <a:p>
             <a:pPr>
               <a:lnSpc>
@@ -5297,26 +6013,16 @@
               </a:lnSpc>
             </a:pPr>
             <a:r>
-              <a:rPr b="1" lang="pt-BR" sz="2600" spc="-1" strike="noStrike">
+              <a:rPr lang="pt-BR" sz="2600" b="1" strike="noStrike" spc="-1">
                 <a:solidFill>
-                  <a:srgbClr val="8dc641"/>
+                  <a:srgbClr val="8DC641"/>
                 </a:solidFill>
                 <a:latin typeface="Arial"/>
                 <a:ea typeface="Arial"/>
               </a:rPr>
-              <a:t> </a:t>
+              <a:t> Tecnologias envolvidas nas etapas</a:t>
             </a:r>
-            <a:r>
-              <a:rPr b="1" lang="pt-BR" sz="2600" spc="-1" strike="noStrike">
-                <a:solidFill>
-                  <a:srgbClr val="8dc641"/>
-                </a:solidFill>
-                <a:latin typeface="Arial"/>
-                <a:ea typeface="Arial"/>
-              </a:rPr>
-              <a:t>Tecnologias envolvidas nas etapas</a:t>
-            </a:r>
-            <a:endParaRPr b="0" lang="pt-BR" sz="2600" spc="-1" strike="noStrike">
+            <a:endParaRPr lang="pt-BR" sz="2600" b="0" strike="noStrike" spc="-1">
               <a:latin typeface="Arial"/>
             </a:endParaRPr>
           </a:p>
@@ -5324,30 +6030,7 @@
       </p:sp>
       <p:pic>
         <p:nvPicPr>
-          <p:cNvPr id="114" name="Google Shape;166;p39" descr=""/>
-          <p:cNvPicPr/>
-          <p:nvPr/>
-        </p:nvPicPr>
-        <p:blipFill>
-          <a:blip r:embed="rId2"/>
-          <a:stretch/>
-        </p:blipFill>
-        <p:spPr>
-          <a:xfrm>
-            <a:off x="235080" y="283680"/>
-            <a:ext cx="3999960" cy="1018800"/>
-          </a:xfrm>
-          <a:prstGeom prst="rect">
-            <a:avLst/>
-          </a:prstGeom>
-          <a:ln>
-            <a:noFill/>
-          </a:ln>
-        </p:spPr>
-      </p:pic>
-      <p:pic>
-        <p:nvPicPr>
-          <p:cNvPr id="115" name="Imagem 2" descr=""/>
+          <p:cNvPr id="114" name="Google Shape;166;p39"/>
           <p:cNvPicPr/>
           <p:nvPr/>
         </p:nvPicPr>
@@ -5357,8 +6040,8 @@
         </p:blipFill>
         <p:spPr>
           <a:xfrm>
-            <a:off x="973080" y="4564440"/>
-            <a:ext cx="2523600" cy="930600"/>
+            <a:off x="235080" y="283680"/>
+            <a:ext cx="3999960" cy="1018800"/>
           </a:xfrm>
           <a:prstGeom prst="rect">
             <a:avLst/>
@@ -5370,7 +6053,7 @@
       </p:pic>
       <p:pic>
         <p:nvPicPr>
-          <p:cNvPr id="116" name="Imagem 4" descr=""/>
+          <p:cNvPr id="115" name="Imagem 2"/>
           <p:cNvPicPr/>
           <p:nvPr/>
         </p:nvPicPr>
@@ -5380,8 +6063,8 @@
         </p:blipFill>
         <p:spPr>
           <a:xfrm>
-            <a:off x="8199360" y="4343760"/>
-            <a:ext cx="2361600" cy="1368720"/>
+            <a:off x="973080" y="4564440"/>
+            <a:ext cx="2523600" cy="930600"/>
           </a:xfrm>
           <a:prstGeom prst="rect">
             <a:avLst/>
@@ -5393,7 +6076,7 @@
       </p:pic>
       <p:pic>
         <p:nvPicPr>
-          <p:cNvPr id="117" name="Imagem 11" descr=""/>
+          <p:cNvPr id="116" name="Imagem 4"/>
           <p:cNvPicPr/>
           <p:nvPr/>
         </p:nvPicPr>
@@ -5403,6 +6086,29 @@
         </p:blipFill>
         <p:spPr>
           <a:xfrm>
+            <a:off x="8199360" y="4343760"/>
+            <a:ext cx="2361600" cy="1368720"/>
+          </a:xfrm>
+          <a:prstGeom prst="rect">
+            <a:avLst/>
+          </a:prstGeom>
+          <a:ln>
+            <a:noFill/>
+          </a:ln>
+        </p:spPr>
+      </p:pic>
+      <p:pic>
+        <p:nvPicPr>
+          <p:cNvPr id="117" name="Imagem 11"/>
+          <p:cNvPicPr/>
+          <p:nvPr/>
+        </p:nvPicPr>
+        <p:blipFill>
+          <a:blip r:embed="rId6"/>
+          <a:stretch/>
+        </p:blipFill>
+        <p:spPr>
+          <a:xfrm>
             <a:off x="3672000" y="3600000"/>
             <a:ext cx="4837320" cy="2302920"/>
           </a:xfrm>
@@ -5416,22 +6122,25 @@
       </p:pic>
     </p:spTree>
   </p:cSld>
+  <p:clrMapOvr>
+    <a:masterClrMapping/>
+  </p:clrMapOvr>
   <p:timing>
     <p:tnLst>
       <p:par>
-        <p:cTn id="9" dur="indefinite" restart="never" nodeType="tmRoot">
+        <p:cTn id="1" dur="indefinite" restart="never" nodeType="tmRoot">
           <p:childTnLst>
             <p:seq>
-              <p:cTn id="10" dur="indefinite" nodeType="mainSeq"/>
+              <p:cTn id="2" dur="indefinite" nodeType="mainSeq"/>
               <p:prevCondLst>
-                <p:cond delay="0" evt="onPrev">
+                <p:cond evt="onPrev" delay="0">
                   <p:tgtEl>
                     <p:sldTgt/>
                   </p:tgtEl>
                 </p:cond>
               </p:prevCondLst>
               <p:nextCondLst>
-                <p:cond delay="0" evt="onNext">
+                <p:cond evt="onNext" delay="0">
                   <p:tgtEl>
                     <p:sldTgt/>
                   </p:tgtEl>
@@ -5447,13 +6156,14 @@
 </file>
 
 <file path=ppt/slides/slide6.xml><?xml version="1.0" encoding="utf-8"?>
-<p:sld xmlns:a="http://schemas.openxmlformats.org/drawingml/2006/main" xmlns:p="http://schemas.openxmlformats.org/presentationml/2006/main" xmlns:r="http://schemas.openxmlformats.org/officeDocument/2006/relationships" xmlns:p14="http://schemas.microsoft.com/office/powerpoint/2010/main" xmlns:p15="http://schemas.microsoft.com/office/powerpoint/2012/main" xmlns:mc="http://schemas.openxmlformats.org/markup-compatibility/2006">
+<p:sld xmlns:a="http://schemas.openxmlformats.org/drawingml/2006/main" xmlns:r="http://schemas.openxmlformats.org/officeDocument/2006/relationships" xmlns:p="http://schemas.openxmlformats.org/presentationml/2006/main">
   <p:cSld>
     <p:bg>
       <p:bgPr>
         <a:solidFill>
-          <a:srgbClr val="ffffff"/>
+          <a:srgbClr val="FFFFFF"/>
         </a:solidFill>
+        <a:effectLst/>
       </p:bgPr>
     </p:bg>
     <p:spTree>
@@ -5485,27 +6195,33 @@
             <a:avLst/>
           </a:prstGeom>
           <a:solidFill>
-            <a:srgbClr val="347c36"/>
+            <a:srgbClr val="347C36"/>
           </a:solidFill>
           <a:ln>
             <a:noFill/>
           </a:ln>
         </p:spPr>
         <p:style>
-          <a:lnRef idx="0"/>
-          <a:fillRef idx="0"/>
-          <a:effectRef idx="0"/>
+          <a:lnRef idx="0">
+            <a:scrgbClr r="0" g="0" b="0"/>
+          </a:lnRef>
+          <a:fillRef idx="0">
+            <a:scrgbClr r="0" g="0" b="0"/>
+          </a:fillRef>
+          <a:effectRef idx="0">
+            <a:scrgbClr r="0" g="0" b="0"/>
+          </a:effectRef>
           <a:fontRef idx="minor"/>
         </p:style>
       </p:sp>
       <p:pic>
         <p:nvPicPr>
-          <p:cNvPr id="119" name="Google Shape;89;p13" descr=""/>
+          <p:cNvPr id="119" name="Google Shape;89;p13"/>
           <p:cNvPicPr/>
           <p:nvPr/>
         </p:nvPicPr>
         <p:blipFill>
-          <a:blip r:embed="rId1"/>
+          <a:blip r:embed="rId2"/>
           <a:stretch/>
         </p:blipFill>
         <p:spPr>
@@ -5541,13 +6257,20 @@
           </a:ln>
         </p:spPr>
         <p:style>
-          <a:lnRef idx="0"/>
-          <a:fillRef idx="0"/>
-          <a:effectRef idx="0"/>
+          <a:lnRef idx="0">
+            <a:scrgbClr r="0" g="0" b="0"/>
+          </a:lnRef>
+          <a:fillRef idx="0">
+            <a:scrgbClr r="0" g="0" b="0"/>
+          </a:fillRef>
+          <a:effectRef idx="0">
+            <a:scrgbClr r="0" g="0" b="0"/>
+          </a:effectRef>
           <a:fontRef idx="minor"/>
         </p:style>
         <p:txBody>
-          <a:bodyPr lIns="90000" rIns="90000" tIns="45000" bIns="45000"/>
+          <a:bodyPr lIns="90000" tIns="45000" rIns="90000" bIns="45000"/>
+          <a:lstStyle/>
           <a:p>
             <a:pPr algn="ctr">
               <a:lnSpc>
@@ -5556,16 +6279,16 @@
             </a:pPr>
             <a:br/>
             <a:r>
-              <a:rPr b="1" lang="pt-BR" sz="3200" spc="-1" strike="noStrike">
+              <a:rPr lang="pt-BR" sz="3200" b="1" strike="noStrike" spc="-1">
                 <a:solidFill>
-                  <a:srgbClr val="8dc641"/>
+                  <a:srgbClr val="8DC641"/>
                 </a:solidFill>
                 <a:latin typeface="Arial"/>
                 <a:ea typeface="Arial"/>
               </a:rPr>
               <a:t>Prática  de análise de sistemas</a:t>
             </a:r>
-            <a:endParaRPr b="0" lang="pt-BR" sz="3200" spc="-1" strike="noStrike">
+            <a:endParaRPr lang="pt-BR" sz="3200" b="0" strike="noStrike" spc="-1">
               <a:latin typeface="Arial"/>
             </a:endParaRPr>
           </a:p>
@@ -5575,7 +6298,7 @@
                 <a:spcPct val="100000"/>
               </a:lnSpc>
             </a:pPr>
-            <a:endParaRPr b="0" lang="pt-BR" sz="3200" spc="-1" strike="noStrike">
+            <a:endParaRPr lang="pt-BR" sz="3200" b="0" strike="noStrike" spc="-1">
               <a:latin typeface="Arial"/>
             </a:endParaRPr>
           </a:p>
@@ -5585,7 +6308,7 @@
                 <a:spcPct val="100000"/>
               </a:lnSpc>
             </a:pPr>
-            <a:endParaRPr b="0" lang="pt-BR" sz="3200" spc="-1" strike="noStrike">
+            <a:endParaRPr lang="pt-BR" sz="3200" b="0" strike="noStrike" spc="-1">
               <a:latin typeface="Arial"/>
             </a:endParaRPr>
           </a:p>
@@ -5611,13 +6334,20 @@
           </a:ln>
         </p:spPr>
         <p:style>
-          <a:lnRef idx="0"/>
-          <a:fillRef idx="0"/>
-          <a:effectRef idx="0"/>
+          <a:lnRef idx="0">
+            <a:scrgbClr r="0" g="0" b="0"/>
+          </a:lnRef>
+          <a:fillRef idx="0">
+            <a:scrgbClr r="0" g="0" b="0"/>
+          </a:fillRef>
+          <a:effectRef idx="0">
+            <a:scrgbClr r="0" g="0" b="0"/>
+          </a:effectRef>
           <a:fontRef idx="minor"/>
         </p:style>
         <p:txBody>
-          <a:bodyPr lIns="90000" rIns="90000" tIns="45000" bIns="45000"/>
+          <a:bodyPr lIns="90000" tIns="45000" rIns="90000" bIns="45000"/>
+          <a:lstStyle/>
           <a:p>
             <a:pPr algn="ctr">
               <a:lnSpc>
@@ -5625,26 +6355,16 @@
               </a:lnSpc>
             </a:pPr>
             <a:r>
-              <a:rPr b="1" lang="pt-BR" sz="1500" spc="-1" strike="noStrike">
+              <a:rPr lang="pt-BR" sz="1500" b="1" strike="noStrike" spc="-1">
                 <a:solidFill>
-                  <a:srgbClr val="8dc641"/>
+                  <a:srgbClr val="8DC641"/>
                 </a:solidFill>
                 <a:latin typeface="Arial"/>
                 <a:ea typeface="Arial"/>
               </a:rPr>
-              <a:t> </a:t>
+              <a:t> Fabio Vasques, Gieder Loreto</a:t>
             </a:r>
-            <a:r>
-              <a:rPr b="1" lang="pt-BR" sz="1500" spc="-1" strike="noStrike">
-                <a:solidFill>
-                  <a:srgbClr val="8dc641"/>
-                </a:solidFill>
-                <a:latin typeface="Arial"/>
-                <a:ea typeface="Arial"/>
-              </a:rPr>
-              <a:t>Fabio Vasques, Gieder Loreto</a:t>
-            </a:r>
-            <a:endParaRPr b="0" lang="pt-BR" sz="1500" spc="-1" strike="noStrike">
+            <a:endParaRPr lang="pt-BR" sz="1500" b="0" strike="noStrike" spc="-1">
               <a:latin typeface="Arial"/>
             </a:endParaRPr>
           </a:p>
@@ -5670,13 +6390,20 @@
           </a:ln>
         </p:spPr>
         <p:style>
-          <a:lnRef idx="0"/>
-          <a:fillRef idx="0"/>
-          <a:effectRef idx="0"/>
+          <a:lnRef idx="0">
+            <a:scrgbClr r="0" g="0" b="0"/>
+          </a:lnRef>
+          <a:fillRef idx="0">
+            <a:scrgbClr r="0" g="0" b="0"/>
+          </a:fillRef>
+          <a:effectRef idx="0">
+            <a:scrgbClr r="0" g="0" b="0"/>
+          </a:effectRef>
           <a:fontRef idx="minor"/>
         </p:style>
         <p:txBody>
-          <a:bodyPr lIns="0" rIns="0" tIns="0" bIns="0"/>
+          <a:bodyPr lIns="0" tIns="0" rIns="0" bIns="0"/>
+          <a:lstStyle/>
           <a:p>
             <a:pPr>
               <a:lnSpc>
@@ -5684,16 +6411,16 @@
               </a:lnSpc>
             </a:pPr>
             <a:r>
-              <a:rPr b="1" lang="pt-BR" sz="1800" spc="-1" strike="noStrike">
+              <a:rPr lang="pt-BR" sz="1800" b="1" strike="noStrike" spc="-1">
                 <a:solidFill>
-                  <a:srgbClr val="8dc641"/>
+                  <a:srgbClr val="8DC641"/>
                 </a:solidFill>
                 <a:latin typeface="Arial"/>
                 <a:ea typeface="DejaVu Sans"/>
               </a:rPr>
               <a:t>Será usado técnicas de normalização de dados para evitarmos redundância dos dados no banco.</a:t>
             </a:r>
-            <a:endParaRPr b="0" lang="pt-BR" sz="1800" spc="-1" strike="noStrike">
+            <a:endParaRPr lang="pt-BR" sz="1800" b="0" strike="noStrike" spc="-1">
               <a:latin typeface="Arial"/>
             </a:endParaRPr>
           </a:p>
@@ -5703,7 +6430,7 @@
                 <a:spcPct val="100000"/>
               </a:lnSpc>
             </a:pPr>
-            <a:endParaRPr b="0" lang="pt-BR" sz="1800" spc="-1" strike="noStrike">
+            <a:endParaRPr lang="pt-BR" sz="1800" b="0" strike="noStrike" spc="-1">
               <a:latin typeface="Arial"/>
             </a:endParaRPr>
           </a:p>
@@ -5713,7 +6440,7 @@
                 <a:spcPct val="100000"/>
               </a:lnSpc>
             </a:pPr>
-            <a:endParaRPr b="0" lang="pt-BR" sz="1800" spc="-1" strike="noStrike">
+            <a:endParaRPr lang="pt-BR" sz="1800" b="0" strike="noStrike" spc="-1">
               <a:latin typeface="Arial"/>
             </a:endParaRPr>
           </a:p>
@@ -5739,13 +6466,20 @@
           </a:ln>
         </p:spPr>
         <p:style>
-          <a:lnRef idx="0"/>
-          <a:fillRef idx="0"/>
-          <a:effectRef idx="0"/>
+          <a:lnRef idx="0">
+            <a:scrgbClr r="0" g="0" b="0"/>
+          </a:lnRef>
+          <a:fillRef idx="0">
+            <a:scrgbClr r="0" g="0" b="0"/>
+          </a:fillRef>
+          <a:effectRef idx="0">
+            <a:scrgbClr r="0" g="0" b="0"/>
+          </a:effectRef>
           <a:fontRef idx="minor"/>
         </p:style>
         <p:txBody>
-          <a:bodyPr lIns="90000" rIns="90000" tIns="45000" bIns="45000"/>
+          <a:bodyPr lIns="90000" tIns="45000" rIns="90000" bIns="45000"/>
+          <a:lstStyle/>
           <a:p>
             <a:pPr>
               <a:lnSpc>
@@ -5753,26 +6487,16 @@
               </a:lnSpc>
             </a:pPr>
             <a:r>
-              <a:rPr b="1" lang="pt-BR" sz="2600" spc="-1" strike="noStrike">
+              <a:rPr lang="pt-BR" sz="2600" b="1" strike="noStrike" spc="-1">
                 <a:solidFill>
-                  <a:srgbClr val="8dc641"/>
+                  <a:srgbClr val="8DC641"/>
                 </a:solidFill>
                 <a:latin typeface="Arial"/>
                 <a:ea typeface="Arial"/>
               </a:rPr>
-              <a:t> </a:t>
+              <a:t> Tecnologias envolvidas nas etapas</a:t>
             </a:r>
-            <a:r>
-              <a:rPr b="1" lang="pt-BR" sz="2600" spc="-1" strike="noStrike">
-                <a:solidFill>
-                  <a:srgbClr val="8dc641"/>
-                </a:solidFill>
-                <a:latin typeface="Arial"/>
-                <a:ea typeface="Arial"/>
-              </a:rPr>
-              <a:t>Tecnologias envolvidas nas etapas</a:t>
-            </a:r>
-            <a:endParaRPr b="0" lang="pt-BR" sz="2600" spc="-1" strike="noStrike">
+            <a:endParaRPr lang="pt-BR" sz="2600" b="0" strike="noStrike" spc="-1">
               <a:latin typeface="Arial"/>
             </a:endParaRPr>
           </a:p>
@@ -5780,12 +6504,12 @@
       </p:sp>
       <p:pic>
         <p:nvPicPr>
-          <p:cNvPr id="124" name="Google Shape;166;p39" descr=""/>
+          <p:cNvPr id="124" name="Google Shape;166;p39"/>
           <p:cNvPicPr/>
           <p:nvPr/>
         </p:nvPicPr>
         <p:blipFill>
-          <a:blip r:embed="rId2"/>
+          <a:blip r:embed="rId3"/>
           <a:stretch/>
         </p:blipFill>
         <p:spPr>
@@ -5803,22 +6527,25 @@
       </p:pic>
     </p:spTree>
   </p:cSld>
+  <p:clrMapOvr>
+    <a:masterClrMapping/>
+  </p:clrMapOvr>
   <p:timing>
     <p:tnLst>
       <p:par>
-        <p:cTn id="11" dur="indefinite" restart="never" nodeType="tmRoot">
+        <p:cTn id="1" dur="indefinite" restart="never" nodeType="tmRoot">
           <p:childTnLst>
             <p:seq>
-              <p:cTn id="12" dur="indefinite" nodeType="mainSeq"/>
+              <p:cTn id="2" dur="indefinite" nodeType="mainSeq"/>
               <p:prevCondLst>
-                <p:cond delay="0" evt="onPrev">
+                <p:cond evt="onPrev" delay="0">
                   <p:tgtEl>
                     <p:sldTgt/>
                   </p:tgtEl>
                 </p:cond>
               </p:prevCondLst>
               <p:nextCondLst>
-                <p:cond delay="0" evt="onNext">
+                <p:cond evt="onNext" delay="0">
                   <p:tgtEl>
                     <p:sldTgt/>
                   </p:tgtEl>
@@ -5834,13 +6561,14 @@
 </file>
 
 <file path=ppt/slides/slide7.xml><?xml version="1.0" encoding="utf-8"?>
-<p:sld xmlns:a="http://schemas.openxmlformats.org/drawingml/2006/main" xmlns:p="http://schemas.openxmlformats.org/presentationml/2006/main" xmlns:r="http://schemas.openxmlformats.org/officeDocument/2006/relationships" xmlns:p14="http://schemas.microsoft.com/office/powerpoint/2010/main" xmlns:p15="http://schemas.microsoft.com/office/powerpoint/2012/main" xmlns:mc="http://schemas.openxmlformats.org/markup-compatibility/2006">
+<p:sld xmlns:a="http://schemas.openxmlformats.org/drawingml/2006/main" xmlns:r="http://schemas.openxmlformats.org/officeDocument/2006/relationships" xmlns:p="http://schemas.openxmlformats.org/presentationml/2006/main">
   <p:cSld>
     <p:bg>
       <p:bgPr>
         <a:solidFill>
-          <a:srgbClr val="ffffff"/>
+          <a:srgbClr val="FFFFFF"/>
         </a:solidFill>
+        <a:effectLst/>
       </p:bgPr>
     </p:bg>
     <p:spTree>
@@ -5872,27 +6600,33 @@
             <a:avLst/>
           </a:prstGeom>
           <a:solidFill>
-            <a:srgbClr val="347c36"/>
+            <a:srgbClr val="347C36"/>
           </a:solidFill>
           <a:ln>
             <a:noFill/>
           </a:ln>
         </p:spPr>
         <p:style>
-          <a:lnRef idx="0"/>
-          <a:fillRef idx="0"/>
-          <a:effectRef idx="0"/>
+          <a:lnRef idx="0">
+            <a:scrgbClr r="0" g="0" b="0"/>
+          </a:lnRef>
+          <a:fillRef idx="0">
+            <a:scrgbClr r="0" g="0" b="0"/>
+          </a:fillRef>
+          <a:effectRef idx="0">
+            <a:scrgbClr r="0" g="0" b="0"/>
+          </a:effectRef>
           <a:fontRef idx="minor"/>
         </p:style>
       </p:sp>
       <p:pic>
         <p:nvPicPr>
-          <p:cNvPr id="126" name="Google Shape;89;p13" descr=""/>
+          <p:cNvPr id="126" name="Google Shape;89;p13"/>
           <p:cNvPicPr/>
           <p:nvPr/>
         </p:nvPicPr>
         <p:blipFill>
-          <a:blip r:embed="rId1"/>
+          <a:blip r:embed="rId2"/>
           <a:stretch/>
         </p:blipFill>
         <p:spPr>
@@ -5928,13 +6662,20 @@
           </a:ln>
         </p:spPr>
         <p:style>
-          <a:lnRef idx="0"/>
-          <a:fillRef idx="0"/>
-          <a:effectRef idx="0"/>
+          <a:lnRef idx="0">
+            <a:scrgbClr r="0" g="0" b="0"/>
+          </a:lnRef>
+          <a:fillRef idx="0">
+            <a:scrgbClr r="0" g="0" b="0"/>
+          </a:fillRef>
+          <a:effectRef idx="0">
+            <a:scrgbClr r="0" g="0" b="0"/>
+          </a:effectRef>
           <a:fontRef idx="minor"/>
         </p:style>
         <p:txBody>
-          <a:bodyPr lIns="90000" rIns="90000" tIns="45000" bIns="45000"/>
+          <a:bodyPr lIns="90000" tIns="45000" rIns="90000" bIns="45000"/>
+          <a:lstStyle/>
           <a:p>
             <a:pPr algn="ctr">
               <a:lnSpc>
@@ -5943,16 +6684,16 @@
             </a:pPr>
             <a:br/>
             <a:r>
-              <a:rPr b="1" lang="pt-BR" sz="3200" spc="-1" strike="noStrike">
+              <a:rPr lang="pt-BR" sz="3200" b="1" strike="noStrike" spc="-1">
                 <a:solidFill>
-                  <a:srgbClr val="8dc641"/>
+                  <a:srgbClr val="8DC641"/>
                 </a:solidFill>
                 <a:latin typeface="Arial"/>
                 <a:ea typeface="Arial"/>
               </a:rPr>
               <a:t>Prática  de análise de sistemas</a:t>
             </a:r>
-            <a:endParaRPr b="0" lang="pt-BR" sz="3200" spc="-1" strike="noStrike">
+            <a:endParaRPr lang="pt-BR" sz="3200" b="0" strike="noStrike" spc="-1">
               <a:latin typeface="Arial"/>
             </a:endParaRPr>
           </a:p>
@@ -5962,7 +6703,7 @@
                 <a:spcPct val="100000"/>
               </a:lnSpc>
             </a:pPr>
-            <a:endParaRPr b="0" lang="pt-BR" sz="3200" spc="-1" strike="noStrike">
+            <a:endParaRPr lang="pt-BR" sz="3200" b="0" strike="noStrike" spc="-1">
               <a:latin typeface="Arial"/>
             </a:endParaRPr>
           </a:p>
@@ -5988,13 +6729,20 @@
           </a:ln>
         </p:spPr>
         <p:style>
-          <a:lnRef idx="0"/>
-          <a:fillRef idx="0"/>
-          <a:effectRef idx="0"/>
+          <a:lnRef idx="0">
+            <a:scrgbClr r="0" g="0" b="0"/>
+          </a:lnRef>
+          <a:fillRef idx="0">
+            <a:scrgbClr r="0" g="0" b="0"/>
+          </a:fillRef>
+          <a:effectRef idx="0">
+            <a:scrgbClr r="0" g="0" b="0"/>
+          </a:effectRef>
           <a:fontRef idx="minor"/>
         </p:style>
         <p:txBody>
-          <a:bodyPr lIns="90000" rIns="90000" tIns="45000" bIns="45000"/>
+          <a:bodyPr lIns="90000" tIns="45000" rIns="90000" bIns="45000"/>
+          <a:lstStyle/>
           <a:p>
             <a:pPr algn="ctr">
               <a:lnSpc>
@@ -6002,26 +6750,16 @@
               </a:lnSpc>
             </a:pPr>
             <a:r>
-              <a:rPr b="1" lang="pt-BR" sz="1500" spc="-1" strike="noStrike">
+              <a:rPr lang="pt-BR" sz="1500" b="1" strike="noStrike" spc="-1">
                 <a:solidFill>
-                  <a:srgbClr val="8dc641"/>
+                  <a:srgbClr val="8DC641"/>
                 </a:solidFill>
                 <a:latin typeface="Arial"/>
                 <a:ea typeface="Arial"/>
               </a:rPr>
-              <a:t> </a:t>
+              <a:t> Fabio Vasques, Gieder Loreto</a:t>
             </a:r>
-            <a:r>
-              <a:rPr b="1" lang="pt-BR" sz="1500" spc="-1" strike="noStrike">
-                <a:solidFill>
-                  <a:srgbClr val="8dc641"/>
-                </a:solidFill>
-                <a:latin typeface="Arial"/>
-                <a:ea typeface="Arial"/>
-              </a:rPr>
-              <a:t>Fabio Vasques, Gieder Loreto</a:t>
-            </a:r>
-            <a:endParaRPr b="0" lang="pt-BR" sz="1500" spc="-1" strike="noStrike">
+            <a:endParaRPr lang="pt-BR" sz="1500" b="0" strike="noStrike" spc="-1">
               <a:latin typeface="Arial"/>
             </a:endParaRPr>
           </a:p>
@@ -6047,13 +6785,20 @@
           </a:ln>
         </p:spPr>
         <p:style>
-          <a:lnRef idx="0"/>
-          <a:fillRef idx="0"/>
-          <a:effectRef idx="0"/>
+          <a:lnRef idx="0">
+            <a:scrgbClr r="0" g="0" b="0"/>
+          </a:lnRef>
+          <a:fillRef idx="0">
+            <a:scrgbClr r="0" g="0" b="0"/>
+          </a:fillRef>
+          <a:effectRef idx="0">
+            <a:scrgbClr r="0" g="0" b="0"/>
+          </a:effectRef>
           <a:fontRef idx="minor"/>
         </p:style>
         <p:txBody>
-          <a:bodyPr lIns="90000" rIns="90000" tIns="45000" bIns="45000"/>
+          <a:bodyPr lIns="90000" tIns="45000" rIns="90000" bIns="45000"/>
+          <a:lstStyle/>
           <a:p>
             <a:pPr>
               <a:lnSpc>
@@ -6061,16 +6806,16 @@
               </a:lnSpc>
             </a:pPr>
             <a:r>
-              <a:rPr b="1" lang="pt-BR" sz="2600" spc="-1" strike="noStrike">
+              <a:rPr lang="pt-BR" sz="2600" b="1" strike="noStrike" spc="-1">
                 <a:solidFill>
-                  <a:srgbClr val="8dc641"/>
+                  <a:srgbClr val="8DC641"/>
                 </a:solidFill>
                 <a:latin typeface="Arial"/>
                 <a:ea typeface="Arial"/>
               </a:rPr>
               <a:t>Aplicações das tecnologias (onde serão aplicadas)</a:t>
             </a:r>
-            <a:endParaRPr b="0" lang="pt-BR" sz="2600" spc="-1" strike="noStrike">
+            <a:endParaRPr lang="pt-BR" sz="2600" b="0" strike="noStrike" spc="-1">
               <a:latin typeface="Arial"/>
             </a:endParaRPr>
           </a:p>
@@ -6096,13 +6841,20 @@
           </a:ln>
         </p:spPr>
         <p:style>
-          <a:lnRef idx="0"/>
-          <a:fillRef idx="0"/>
-          <a:effectRef idx="0"/>
+          <a:lnRef idx="0">
+            <a:scrgbClr r="0" g="0" b="0"/>
+          </a:lnRef>
+          <a:fillRef idx="0">
+            <a:scrgbClr r="0" g="0" b="0"/>
+          </a:fillRef>
+          <a:effectRef idx="0">
+            <a:scrgbClr r="0" g="0" b="0"/>
+          </a:effectRef>
           <a:fontRef idx="minor"/>
         </p:style>
         <p:txBody>
-          <a:bodyPr lIns="90000" rIns="90000" tIns="45000" bIns="45000"/>
+          <a:bodyPr lIns="90000" tIns="45000" rIns="90000" bIns="45000"/>
+          <a:lstStyle/>
           <a:p>
             <a:pPr algn="just">
               <a:lnSpc>
@@ -6110,16 +6862,16 @@
               </a:lnSpc>
             </a:pPr>
             <a:r>
-              <a:rPr b="1" lang="pt-BR" sz="1800" spc="-1" strike="noStrike">
+              <a:rPr lang="pt-BR" sz="1800" b="1" strike="noStrike" spc="-1">
                 <a:solidFill>
-                  <a:srgbClr val="8dc641"/>
+                  <a:srgbClr val="8DC641"/>
                 </a:solidFill>
                 <a:latin typeface="Arial"/>
                 <a:ea typeface="Arial"/>
               </a:rPr>
               <a:t>Para realizar a modelagem do sistema, será utilizado a ferramenta lucidchart</a:t>
             </a:r>
-            <a:endParaRPr b="0" lang="pt-BR" sz="1800" spc="-1" strike="noStrike">
+            <a:endParaRPr lang="pt-BR" sz="1800" b="0" strike="noStrike" spc="-1">
               <a:latin typeface="Arial"/>
             </a:endParaRPr>
           </a:p>
@@ -6130,16 +6882,16 @@
               </a:lnSpc>
             </a:pPr>
             <a:r>
-              <a:rPr b="1" lang="pt-BR" sz="1800" spc="-1" strike="noStrike">
+              <a:rPr lang="pt-BR" sz="1800" b="1" strike="noStrike" spc="-1">
                 <a:solidFill>
-                  <a:srgbClr val="8dc641"/>
+                  <a:srgbClr val="8DC641"/>
                 </a:solidFill>
                 <a:latin typeface="Arial"/>
                 <a:ea typeface="Arial"/>
               </a:rPr>
               <a:t>para fazermos os diagramas de classe e casos de uso do sistema.</a:t>
             </a:r>
-            <a:endParaRPr b="0" lang="pt-BR" sz="1800" spc="-1" strike="noStrike">
+            <a:endParaRPr lang="pt-BR" sz="1800" b="0" strike="noStrike" spc="-1">
               <a:latin typeface="Arial"/>
             </a:endParaRPr>
           </a:p>
@@ -6149,7 +6901,7 @@
                 <a:spcPct val="100000"/>
               </a:lnSpc>
             </a:pPr>
-            <a:endParaRPr b="0" lang="pt-BR" sz="1800" spc="-1" strike="noStrike">
+            <a:endParaRPr lang="pt-BR" sz="1800" b="0" strike="noStrike" spc="-1">
               <a:latin typeface="Arial"/>
             </a:endParaRPr>
           </a:p>
@@ -6160,16 +6912,16 @@
               </a:lnSpc>
             </a:pPr>
             <a:r>
-              <a:rPr b="1" lang="pt-BR" sz="1800" spc="-1" strike="noStrike">
+              <a:rPr lang="pt-BR" sz="1800" b="1" strike="noStrike" spc="-1">
                 <a:solidFill>
-                  <a:srgbClr val="8dc641"/>
+                  <a:srgbClr val="8DC641"/>
                 </a:solidFill>
                 <a:latin typeface="Arial"/>
                 <a:ea typeface="Arial"/>
               </a:rPr>
               <a:t>Para fazermos a modelagem do banco de dados, será usado o próprio mysql workbench</a:t>
             </a:r>
-            <a:endParaRPr b="0" lang="pt-BR" sz="1800" spc="-1" strike="noStrike">
+            <a:endParaRPr lang="pt-BR" sz="1800" b="0" strike="noStrike" spc="-1">
               <a:latin typeface="Arial"/>
             </a:endParaRPr>
           </a:p>
@@ -6180,16 +6932,16 @@
               </a:lnSpc>
             </a:pPr>
             <a:r>
-              <a:rPr b="1" lang="pt-BR" sz="1800" spc="-1" strike="noStrike">
+              <a:rPr lang="pt-BR" sz="1800" b="1" strike="noStrike" spc="-1">
                 <a:solidFill>
-                  <a:srgbClr val="8dc641"/>
+                  <a:srgbClr val="8DC641"/>
                 </a:solidFill>
                 <a:latin typeface="Arial"/>
                 <a:ea typeface="Arial"/>
               </a:rPr>
               <a:t>Pois quando fizermos o modelo lógico já poderemos convertê-lo  para o modelo físico</a:t>
             </a:r>
-            <a:endParaRPr b="0" lang="pt-BR" sz="1800" spc="-1" strike="noStrike">
+            <a:endParaRPr lang="pt-BR" sz="1800" b="0" strike="noStrike" spc="-1">
               <a:latin typeface="Arial"/>
             </a:endParaRPr>
           </a:p>
@@ -6199,7 +6951,7 @@
                 <a:spcPct val="100000"/>
               </a:lnSpc>
             </a:pPr>
-            <a:endParaRPr b="0" lang="pt-BR" sz="1800" spc="-1" strike="noStrike">
+            <a:endParaRPr lang="pt-BR" sz="1800" b="0" strike="noStrike" spc="-1">
               <a:latin typeface="Arial"/>
             </a:endParaRPr>
           </a:p>
@@ -6207,12 +6959,12 @@
       </p:sp>
       <p:pic>
         <p:nvPicPr>
-          <p:cNvPr id="131" name="Google Shape;166;p39" descr=""/>
+          <p:cNvPr id="131" name="Google Shape;166;p39"/>
           <p:cNvPicPr/>
           <p:nvPr/>
         </p:nvPicPr>
         <p:blipFill>
-          <a:blip r:embed="rId2"/>
+          <a:blip r:embed="rId3"/>
           <a:stretch/>
         </p:blipFill>
         <p:spPr>
@@ -6230,22 +6982,25 @@
       </p:pic>
     </p:spTree>
   </p:cSld>
+  <p:clrMapOvr>
+    <a:masterClrMapping/>
+  </p:clrMapOvr>
   <p:timing>
     <p:tnLst>
       <p:par>
-        <p:cTn id="13" dur="indefinite" restart="never" nodeType="tmRoot">
+        <p:cTn id="1" dur="indefinite" restart="never" nodeType="tmRoot">
           <p:childTnLst>
             <p:seq>
-              <p:cTn id="14" dur="indefinite" nodeType="mainSeq"/>
+              <p:cTn id="2" dur="indefinite" nodeType="mainSeq"/>
               <p:prevCondLst>
-                <p:cond delay="0" evt="onPrev">
+                <p:cond evt="onPrev" delay="0">
                   <p:tgtEl>
                     <p:sldTgt/>
                   </p:tgtEl>
                 </p:cond>
               </p:prevCondLst>
               <p:nextCondLst>
-                <p:cond delay="0" evt="onNext">
+                <p:cond evt="onNext" delay="0">
                   <p:tgtEl>
                     <p:sldTgt/>
                   </p:tgtEl>
@@ -6261,13 +7016,14 @@
 </file>
 
 <file path=ppt/slides/slide8.xml><?xml version="1.0" encoding="utf-8"?>
-<p:sld xmlns:a="http://schemas.openxmlformats.org/drawingml/2006/main" xmlns:p="http://schemas.openxmlformats.org/presentationml/2006/main" xmlns:r="http://schemas.openxmlformats.org/officeDocument/2006/relationships" xmlns:p14="http://schemas.microsoft.com/office/powerpoint/2010/main" xmlns:p15="http://schemas.microsoft.com/office/powerpoint/2012/main" xmlns:mc="http://schemas.openxmlformats.org/markup-compatibility/2006">
+<p:sld xmlns:a="http://schemas.openxmlformats.org/drawingml/2006/main" xmlns:r="http://schemas.openxmlformats.org/officeDocument/2006/relationships" xmlns:p="http://schemas.openxmlformats.org/presentationml/2006/main">
   <p:cSld>
     <p:bg>
       <p:bgPr>
         <a:solidFill>
-          <a:srgbClr val="ffffff"/>
+          <a:srgbClr val="FFFFFF"/>
         </a:solidFill>
+        <a:effectLst/>
       </p:bgPr>
     </p:bg>
     <p:spTree>
@@ -6299,27 +7055,33 @@
             <a:avLst/>
           </a:prstGeom>
           <a:solidFill>
-            <a:srgbClr val="347c36"/>
+            <a:srgbClr val="347C36"/>
           </a:solidFill>
           <a:ln>
             <a:noFill/>
           </a:ln>
         </p:spPr>
         <p:style>
-          <a:lnRef idx="0"/>
-          <a:fillRef idx="0"/>
-          <a:effectRef idx="0"/>
+          <a:lnRef idx="0">
+            <a:scrgbClr r="0" g="0" b="0"/>
+          </a:lnRef>
+          <a:fillRef idx="0">
+            <a:scrgbClr r="0" g="0" b="0"/>
+          </a:fillRef>
+          <a:effectRef idx="0">
+            <a:scrgbClr r="0" g="0" b="0"/>
+          </a:effectRef>
           <a:fontRef idx="minor"/>
         </p:style>
       </p:sp>
       <p:pic>
         <p:nvPicPr>
-          <p:cNvPr id="133" name="Google Shape;89;p13" descr=""/>
+          <p:cNvPr id="133" name="Google Shape;89;p13"/>
           <p:cNvPicPr/>
           <p:nvPr/>
         </p:nvPicPr>
         <p:blipFill>
-          <a:blip r:embed="rId1"/>
+          <a:blip r:embed="rId2"/>
           <a:stretch/>
         </p:blipFill>
         <p:spPr>
@@ -6355,13 +7117,20 @@
           </a:ln>
         </p:spPr>
         <p:style>
-          <a:lnRef idx="0"/>
-          <a:fillRef idx="0"/>
-          <a:effectRef idx="0"/>
+          <a:lnRef idx="0">
+            <a:scrgbClr r="0" g="0" b="0"/>
+          </a:lnRef>
+          <a:fillRef idx="0">
+            <a:scrgbClr r="0" g="0" b="0"/>
+          </a:fillRef>
+          <a:effectRef idx="0">
+            <a:scrgbClr r="0" g="0" b="0"/>
+          </a:effectRef>
           <a:fontRef idx="minor"/>
         </p:style>
         <p:txBody>
-          <a:bodyPr lIns="90000" rIns="90000" tIns="45000" bIns="45000"/>
+          <a:bodyPr lIns="90000" tIns="45000" rIns="90000" bIns="45000"/>
+          <a:lstStyle/>
           <a:p>
             <a:pPr algn="ctr">
               <a:lnSpc>
@@ -6370,16 +7139,16 @@
             </a:pPr>
             <a:br/>
             <a:r>
-              <a:rPr b="1" lang="pt-BR" sz="3200" spc="-1" strike="noStrike">
+              <a:rPr lang="pt-BR" sz="3200" b="1" strike="noStrike" spc="-1">
                 <a:solidFill>
-                  <a:srgbClr val="8dc641"/>
+                  <a:srgbClr val="8DC641"/>
                 </a:solidFill>
                 <a:latin typeface="Arial"/>
                 <a:ea typeface="Arial"/>
               </a:rPr>
               <a:t>Prática  de análise de sistemas</a:t>
             </a:r>
-            <a:endParaRPr b="0" lang="pt-BR" sz="3200" spc="-1" strike="noStrike">
+            <a:endParaRPr lang="pt-BR" sz="3200" b="0" strike="noStrike" spc="-1">
               <a:latin typeface="Arial"/>
             </a:endParaRPr>
           </a:p>
@@ -6389,7 +7158,7 @@
                 <a:spcPct val="100000"/>
               </a:lnSpc>
             </a:pPr>
-            <a:endParaRPr b="0" lang="pt-BR" sz="3200" spc="-1" strike="noStrike">
+            <a:endParaRPr lang="pt-BR" sz="3200" b="0" strike="noStrike" spc="-1">
               <a:latin typeface="Arial"/>
             </a:endParaRPr>
           </a:p>
@@ -6415,13 +7184,20 @@
           </a:ln>
         </p:spPr>
         <p:style>
-          <a:lnRef idx="0"/>
-          <a:fillRef idx="0"/>
-          <a:effectRef idx="0"/>
+          <a:lnRef idx="0">
+            <a:scrgbClr r="0" g="0" b="0"/>
+          </a:lnRef>
+          <a:fillRef idx="0">
+            <a:scrgbClr r="0" g="0" b="0"/>
+          </a:fillRef>
+          <a:effectRef idx="0">
+            <a:scrgbClr r="0" g="0" b="0"/>
+          </a:effectRef>
           <a:fontRef idx="minor"/>
         </p:style>
         <p:txBody>
-          <a:bodyPr lIns="90000" rIns="90000" tIns="45000" bIns="45000"/>
+          <a:bodyPr lIns="90000" tIns="45000" rIns="90000" bIns="45000"/>
+          <a:lstStyle/>
           <a:p>
             <a:pPr algn="ctr">
               <a:lnSpc>
@@ -6429,26 +7205,16 @@
               </a:lnSpc>
             </a:pPr>
             <a:r>
-              <a:rPr b="1" lang="pt-BR" sz="1500" spc="-1" strike="noStrike">
+              <a:rPr lang="pt-BR" sz="1500" b="1" strike="noStrike" spc="-1">
                 <a:solidFill>
-                  <a:srgbClr val="8dc641"/>
+                  <a:srgbClr val="8DC641"/>
                 </a:solidFill>
                 <a:latin typeface="Arial"/>
                 <a:ea typeface="Arial"/>
               </a:rPr>
-              <a:t> </a:t>
+              <a:t> Fabio Vasques, Gieder Loreto</a:t>
             </a:r>
-            <a:r>
-              <a:rPr b="1" lang="pt-BR" sz="1500" spc="-1" strike="noStrike">
-                <a:solidFill>
-                  <a:srgbClr val="8dc641"/>
-                </a:solidFill>
-                <a:latin typeface="Arial"/>
-                <a:ea typeface="Arial"/>
-              </a:rPr>
-              <a:t>Fabio Vasques, Gieder Loreto</a:t>
-            </a:r>
-            <a:endParaRPr b="0" lang="pt-BR" sz="1500" spc="-1" strike="noStrike">
+            <a:endParaRPr lang="pt-BR" sz="1500" b="0" strike="noStrike" spc="-1">
               <a:latin typeface="Arial"/>
             </a:endParaRPr>
           </a:p>
@@ -6474,20 +7240,27 @@
           </a:ln>
         </p:spPr>
         <p:style>
-          <a:lnRef idx="0"/>
-          <a:fillRef idx="0"/>
-          <a:effectRef idx="0"/>
+          <a:lnRef idx="0">
+            <a:scrgbClr r="0" g="0" b="0"/>
+          </a:lnRef>
+          <a:fillRef idx="0">
+            <a:scrgbClr r="0" g="0" b="0"/>
+          </a:fillRef>
+          <a:effectRef idx="0">
+            <a:scrgbClr r="0" g="0" b="0"/>
+          </a:effectRef>
           <a:fontRef idx="minor"/>
         </p:style>
         <p:txBody>
-          <a:bodyPr lIns="90000" rIns="90000" tIns="45000" bIns="45000"/>
+          <a:bodyPr lIns="90000" tIns="45000" rIns="90000" bIns="45000"/>
+          <a:lstStyle/>
           <a:p>
             <a:pPr algn="ctr">
               <a:lnSpc>
                 <a:spcPct val="100000"/>
               </a:lnSpc>
             </a:pPr>
-            <a:endParaRPr b="0" lang="pt-BR" sz="1800" spc="-1" strike="noStrike">
+            <a:endParaRPr lang="pt-BR" sz="1800" b="0" strike="noStrike" spc="-1">
               <a:latin typeface="Arial"/>
             </a:endParaRPr>
           </a:p>
@@ -6498,26 +7271,16 @@
               </a:lnSpc>
             </a:pPr>
             <a:r>
-              <a:rPr b="1" lang="pt-BR" sz="2600" spc="-1" strike="noStrike">
+              <a:rPr lang="pt-BR" sz="2600" b="1" strike="noStrike" spc="-1">
                 <a:solidFill>
-                  <a:srgbClr val="8dc641"/>
+                  <a:srgbClr val="8DC641"/>
                 </a:solidFill>
                 <a:latin typeface="Arial"/>
                 <a:ea typeface="Arial"/>
               </a:rPr>
-              <a:t> </a:t>
+              <a:t> Cronograma </a:t>
             </a:r>
-            <a:r>
-              <a:rPr b="1" lang="pt-BR" sz="2600" spc="-1" strike="noStrike">
-                <a:solidFill>
-                  <a:srgbClr val="8dc641"/>
-                </a:solidFill>
-                <a:latin typeface="Arial"/>
-                <a:ea typeface="Arial"/>
-              </a:rPr>
-              <a:t>Cronograma </a:t>
-            </a:r>
-            <a:endParaRPr b="0" lang="pt-BR" sz="2600" spc="-1" strike="noStrike">
+            <a:endParaRPr lang="pt-BR" sz="2600" b="0" strike="noStrike" spc="-1">
               <a:latin typeface="Arial"/>
             </a:endParaRPr>
           </a:p>
@@ -6543,13 +7306,20 @@
           </a:ln>
         </p:spPr>
         <p:style>
-          <a:lnRef idx="0"/>
-          <a:fillRef idx="0"/>
-          <a:effectRef idx="0"/>
+          <a:lnRef idx="0">
+            <a:scrgbClr r="0" g="0" b="0"/>
+          </a:lnRef>
+          <a:fillRef idx="0">
+            <a:scrgbClr r="0" g="0" b="0"/>
+          </a:fillRef>
+          <a:effectRef idx="0">
+            <a:scrgbClr r="0" g="0" b="0"/>
+          </a:effectRef>
           <a:fontRef idx="minor"/>
         </p:style>
         <p:txBody>
-          <a:bodyPr lIns="90000" rIns="90000" tIns="45000" bIns="45000"/>
+          <a:bodyPr lIns="90000" tIns="45000" rIns="90000" bIns="45000"/>
+          <a:lstStyle/>
           <a:p>
             <a:pPr>
               <a:lnSpc>
@@ -6557,16 +7327,16 @@
               </a:lnSpc>
             </a:pPr>
             <a:r>
-              <a:rPr b="1" lang="pt-BR" sz="2000" spc="-1" strike="noStrike">
+              <a:rPr lang="pt-BR" sz="2000" b="1" strike="noStrike" spc="-1">
                 <a:solidFill>
-                  <a:srgbClr val="8dc641"/>
+                  <a:srgbClr val="8DC641"/>
                 </a:solidFill>
                 <a:latin typeface="Arial"/>
                 <a:ea typeface="Arial"/>
               </a:rPr>
               <a:t>Durante as fases do projeto, será usado a ferramenta Trello para auxiliar no planejamento das tarefas.</a:t>
             </a:r>
-            <a:endParaRPr b="0" lang="pt-BR" sz="2000" spc="-1" strike="noStrike">
+            <a:endParaRPr lang="pt-BR" sz="2000" b="0" strike="noStrike" spc="-1">
               <a:latin typeface="Arial"/>
             </a:endParaRPr>
           </a:p>
@@ -6574,30 +7344,7 @@
       </p:sp>
       <p:pic>
         <p:nvPicPr>
-          <p:cNvPr id="138" name="Google Shape;166;p39" descr=""/>
-          <p:cNvPicPr/>
-          <p:nvPr/>
-        </p:nvPicPr>
-        <p:blipFill>
-          <a:blip r:embed="rId2"/>
-          <a:stretch/>
-        </p:blipFill>
-        <p:spPr>
-          <a:xfrm>
-            <a:off x="235080" y="283680"/>
-            <a:ext cx="3999960" cy="1018800"/>
-          </a:xfrm>
-          <a:prstGeom prst="rect">
-            <a:avLst/>
-          </a:prstGeom>
-          <a:ln>
-            <a:noFill/>
-          </a:ln>
-        </p:spPr>
-      </p:pic>
-      <p:pic>
-        <p:nvPicPr>
-          <p:cNvPr id="139" name="Imagem 2" descr=""/>
+          <p:cNvPr id="138" name="Google Shape;166;p39"/>
           <p:cNvPicPr/>
           <p:nvPr/>
         </p:nvPicPr>
@@ -6607,6 +7354,29 @@
         </p:blipFill>
         <p:spPr>
           <a:xfrm>
+            <a:off x="235080" y="283680"/>
+            <a:ext cx="3999960" cy="1018800"/>
+          </a:xfrm>
+          <a:prstGeom prst="rect">
+            <a:avLst/>
+          </a:prstGeom>
+          <a:ln>
+            <a:noFill/>
+          </a:ln>
+        </p:spPr>
+      </p:pic>
+      <p:pic>
+        <p:nvPicPr>
+          <p:cNvPr id="139" name="Imagem 2"/>
+          <p:cNvPicPr/>
+          <p:nvPr/>
+        </p:nvPicPr>
+        <p:blipFill>
+          <a:blip r:embed="rId4"/>
+          <a:stretch/>
+        </p:blipFill>
+        <p:spPr>
+          <a:xfrm>
             <a:off x="4320000" y="4592520"/>
             <a:ext cx="3613680" cy="965520"/>
           </a:xfrm>
@@ -6620,22 +7390,25 @@
       </p:pic>
     </p:spTree>
   </p:cSld>
+  <p:clrMapOvr>
+    <a:masterClrMapping/>
+  </p:clrMapOvr>
   <p:timing>
     <p:tnLst>
       <p:par>
-        <p:cTn id="15" dur="indefinite" restart="never" nodeType="tmRoot">
+        <p:cTn id="1" dur="indefinite" restart="never" nodeType="tmRoot">
           <p:childTnLst>
             <p:seq>
-              <p:cTn id="16" dur="indefinite" nodeType="mainSeq"/>
+              <p:cTn id="2" dur="indefinite" nodeType="mainSeq"/>
               <p:prevCondLst>
-                <p:cond delay="0" evt="onPrev">
+                <p:cond evt="onPrev" delay="0">
                   <p:tgtEl>
                     <p:sldTgt/>
                   </p:tgtEl>
                 </p:cond>
               </p:prevCondLst>
               <p:nextCondLst>
-                <p:cond delay="0" evt="onNext">
+                <p:cond evt="onNext" delay="0">
                   <p:tgtEl>
                     <p:sldTgt/>
                   </p:tgtEl>
@@ -6651,13 +7424,14 @@
 </file>
 
 <file path=ppt/slides/slide9.xml><?xml version="1.0" encoding="utf-8"?>
-<p:sld xmlns:a="http://schemas.openxmlformats.org/drawingml/2006/main" xmlns:p="http://schemas.openxmlformats.org/presentationml/2006/main" xmlns:r="http://schemas.openxmlformats.org/officeDocument/2006/relationships" xmlns:p14="http://schemas.microsoft.com/office/powerpoint/2010/main" xmlns:p15="http://schemas.microsoft.com/office/powerpoint/2012/main" xmlns:mc="http://schemas.openxmlformats.org/markup-compatibility/2006">
+<p:sld xmlns:a="http://schemas.openxmlformats.org/drawingml/2006/main" xmlns:r="http://schemas.openxmlformats.org/officeDocument/2006/relationships" xmlns:p="http://schemas.openxmlformats.org/presentationml/2006/main">
   <p:cSld>
     <p:bg>
       <p:bgPr>
         <a:solidFill>
-          <a:srgbClr val="ffffff"/>
+          <a:srgbClr val="FFFFFF"/>
         </a:solidFill>
+        <a:effectLst/>
       </p:bgPr>
     </p:bg>
     <p:spTree>
@@ -6689,27 +7463,33 @@
             <a:avLst/>
           </a:prstGeom>
           <a:solidFill>
-            <a:srgbClr val="347c36"/>
+            <a:srgbClr val="347C36"/>
           </a:solidFill>
           <a:ln>
             <a:noFill/>
           </a:ln>
         </p:spPr>
         <p:style>
-          <a:lnRef idx="0"/>
-          <a:fillRef idx="0"/>
-          <a:effectRef idx="0"/>
+          <a:lnRef idx="0">
+            <a:scrgbClr r="0" g="0" b="0"/>
+          </a:lnRef>
+          <a:fillRef idx="0">
+            <a:scrgbClr r="0" g="0" b="0"/>
+          </a:fillRef>
+          <a:effectRef idx="0">
+            <a:scrgbClr r="0" g="0" b="0"/>
+          </a:effectRef>
           <a:fontRef idx="minor"/>
         </p:style>
       </p:sp>
       <p:pic>
         <p:nvPicPr>
-          <p:cNvPr id="141" name="Google Shape;89;p13" descr=""/>
+          <p:cNvPr id="141" name="Google Shape;89;p13"/>
           <p:cNvPicPr/>
           <p:nvPr/>
         </p:nvPicPr>
         <p:blipFill>
-          <a:blip r:embed="rId1"/>
+          <a:blip r:embed="rId2"/>
           <a:stretch/>
         </p:blipFill>
         <p:spPr>
@@ -6745,13 +7525,20 @@
           </a:ln>
         </p:spPr>
         <p:style>
-          <a:lnRef idx="0"/>
-          <a:fillRef idx="0"/>
-          <a:effectRef idx="0"/>
+          <a:lnRef idx="0">
+            <a:scrgbClr r="0" g="0" b="0"/>
+          </a:lnRef>
+          <a:fillRef idx="0">
+            <a:scrgbClr r="0" g="0" b="0"/>
+          </a:fillRef>
+          <a:effectRef idx="0">
+            <a:scrgbClr r="0" g="0" b="0"/>
+          </a:effectRef>
           <a:fontRef idx="minor"/>
         </p:style>
         <p:txBody>
-          <a:bodyPr lIns="90000" rIns="90000" tIns="45000" bIns="45000"/>
+          <a:bodyPr lIns="90000" tIns="45000" rIns="90000" bIns="45000"/>
+          <a:lstStyle/>
           <a:p>
             <a:pPr algn="ctr">
               <a:lnSpc>
@@ -6759,26 +7546,16 @@
               </a:lnSpc>
             </a:pPr>
             <a:r>
-              <a:rPr b="1" lang="pt-BR" sz="1500" spc="-1" strike="noStrike">
+              <a:rPr lang="pt-BR" sz="1500" b="1" strike="noStrike" spc="-1">
                 <a:solidFill>
-                  <a:srgbClr val="8dc641"/>
+                  <a:srgbClr val="8DC641"/>
                 </a:solidFill>
                 <a:latin typeface="Arial"/>
                 <a:ea typeface="Arial"/>
               </a:rPr>
-              <a:t> </a:t>
+              <a:t> Fabio Vasques, Gieder Loreto</a:t>
             </a:r>
-            <a:r>
-              <a:rPr b="1" lang="pt-BR" sz="1500" spc="-1" strike="noStrike">
-                <a:solidFill>
-                  <a:srgbClr val="8dc641"/>
-                </a:solidFill>
-                <a:latin typeface="Arial"/>
-                <a:ea typeface="Arial"/>
-              </a:rPr>
-              <a:t>Fabio Vasques, Gieder Loreto</a:t>
-            </a:r>
-            <a:endParaRPr b="0" lang="pt-BR" sz="1500" spc="-1" strike="noStrike">
+            <a:endParaRPr lang="pt-BR" sz="1500" b="0" strike="noStrike" spc="-1">
               <a:latin typeface="Arial"/>
             </a:endParaRPr>
           </a:p>
@@ -6804,20 +7581,27 @@
           </a:ln>
         </p:spPr>
         <p:style>
-          <a:lnRef idx="0"/>
-          <a:fillRef idx="0"/>
-          <a:effectRef idx="0"/>
+          <a:lnRef idx="0">
+            <a:scrgbClr r="0" g="0" b="0"/>
+          </a:lnRef>
+          <a:fillRef idx="0">
+            <a:scrgbClr r="0" g="0" b="0"/>
+          </a:fillRef>
+          <a:effectRef idx="0">
+            <a:scrgbClr r="0" g="0" b="0"/>
+          </a:effectRef>
           <a:fontRef idx="minor"/>
         </p:style>
         <p:txBody>
-          <a:bodyPr lIns="90000" rIns="90000" tIns="45000" bIns="45000"/>
+          <a:bodyPr lIns="90000" tIns="45000" rIns="90000" bIns="45000"/>
+          <a:lstStyle/>
           <a:p>
             <a:pPr algn="ctr">
               <a:lnSpc>
                 <a:spcPct val="100000"/>
               </a:lnSpc>
             </a:pPr>
-            <a:endParaRPr b="0" lang="pt-BR" sz="1800" spc="-1" strike="noStrike">
+            <a:endParaRPr lang="pt-BR" sz="1800" b="0" strike="noStrike" spc="-1">
               <a:latin typeface="Arial"/>
             </a:endParaRPr>
           </a:p>
@@ -6828,26 +7612,16 @@
               </a:lnSpc>
             </a:pPr>
             <a:r>
-              <a:rPr b="1" lang="pt-BR" sz="2600" spc="-1" strike="noStrike">
+              <a:rPr lang="pt-BR" sz="2600" b="1" strike="noStrike" spc="-1">
                 <a:solidFill>
-                  <a:srgbClr val="8dc641"/>
+                  <a:srgbClr val="8DC641"/>
                 </a:solidFill>
                 <a:latin typeface="Arial"/>
                 <a:ea typeface="Arial"/>
               </a:rPr>
-              <a:t> </a:t>
+              <a:t> Cronograma </a:t>
             </a:r>
-            <a:r>
-              <a:rPr b="1" lang="pt-BR" sz="2600" spc="-1" strike="noStrike">
-                <a:solidFill>
-                  <a:srgbClr val="8dc641"/>
-                </a:solidFill>
-                <a:latin typeface="Arial"/>
-                <a:ea typeface="Arial"/>
-              </a:rPr>
-              <a:t>Cronograma </a:t>
-            </a:r>
-            <a:endParaRPr b="0" lang="pt-BR" sz="2600" spc="-1" strike="noStrike">
+            <a:endParaRPr lang="pt-BR" sz="2600" b="0" strike="noStrike" spc="-1">
               <a:latin typeface="Arial"/>
             </a:endParaRPr>
           </a:p>
@@ -6855,30 +7629,7 @@
       </p:sp>
       <p:pic>
         <p:nvPicPr>
-          <p:cNvPr id="144" name="Imagem 122" descr=""/>
-          <p:cNvPicPr/>
-          <p:nvPr/>
-        </p:nvPicPr>
-        <p:blipFill>
-          <a:blip r:embed="rId2"/>
-          <a:stretch/>
-        </p:blipFill>
-        <p:spPr>
-          <a:xfrm>
-            <a:off x="562320" y="2016000"/>
-            <a:ext cx="10416960" cy="4841280"/>
-          </a:xfrm>
-          <a:prstGeom prst="rect">
-            <a:avLst/>
-          </a:prstGeom>
-          <a:ln>
-            <a:noFill/>
-          </a:ln>
-        </p:spPr>
-      </p:pic>
-      <p:pic>
-        <p:nvPicPr>
-          <p:cNvPr id="145" name="Google Shape;166;p39" descr=""/>
+          <p:cNvPr id="144" name="Imagem 122"/>
           <p:cNvPicPr/>
           <p:nvPr/>
         </p:nvPicPr>
@@ -6888,6 +7639,29 @@
         </p:blipFill>
         <p:spPr>
           <a:xfrm>
+            <a:off x="562320" y="2016000"/>
+            <a:ext cx="10416960" cy="4841280"/>
+          </a:xfrm>
+          <a:prstGeom prst="rect">
+            <a:avLst/>
+          </a:prstGeom>
+          <a:ln>
+            <a:noFill/>
+          </a:ln>
+        </p:spPr>
+      </p:pic>
+      <p:pic>
+        <p:nvPicPr>
+          <p:cNvPr id="145" name="Google Shape;166;p39"/>
+          <p:cNvPicPr/>
+          <p:nvPr/>
+        </p:nvPicPr>
+        <p:blipFill>
+          <a:blip r:embed="rId4"/>
+          <a:stretch/>
+        </p:blipFill>
+        <p:spPr>
+          <a:xfrm>
             <a:off x="235080" y="283680"/>
             <a:ext cx="3999960" cy="1018800"/>
           </a:xfrm>
@@ -6901,22 +7675,25 @@
       </p:pic>
     </p:spTree>
   </p:cSld>
+  <p:clrMapOvr>
+    <a:masterClrMapping/>
+  </p:clrMapOvr>
   <p:timing>
     <p:tnLst>
       <p:par>
-        <p:cTn id="17" dur="indefinite" restart="never" nodeType="tmRoot">
+        <p:cTn id="1" dur="indefinite" restart="never" nodeType="tmRoot">
           <p:childTnLst>
             <p:seq>
-              <p:cTn id="18" dur="indefinite" nodeType="mainSeq"/>
+              <p:cTn id="2" dur="indefinite" nodeType="mainSeq"/>
               <p:prevCondLst>
-                <p:cond delay="0" evt="onPrev">
+                <p:cond evt="onPrev" delay="0">
                   <p:tgtEl>
                     <p:sldTgt/>
                   </p:tgtEl>
                 </p:cond>
               </p:prevCondLst>
               <p:nextCondLst>
-                <p:cond delay="0" evt="onNext">
+                <p:cond evt="onNext" delay="0">
                   <p:tgtEl>
                     <p:sldTgt/>
                   </p:tgtEl>
@@ -6942,22 +7719,22 @@
         <a:sysClr val="window" lastClr="FFFFFF"/>
       </a:lt1>
       <a:dk2>
-        <a:srgbClr val="6a7887"/>
+        <a:srgbClr val="6A7887"/>
       </a:dk2>
       <a:lt2>
-        <a:srgbClr val="e7e6e6"/>
+        <a:srgbClr val="E7E6E6"/>
       </a:lt2>
       <a:accent1>
-        <a:srgbClr val="1d9a78"/>
+        <a:srgbClr val="1D9A78"/>
       </a:accent1>
       <a:accent2>
-        <a:srgbClr val="7bc68e"/>
+        <a:srgbClr val="7BC68E"/>
       </a:accent2>
       <a:accent3>
-        <a:srgbClr val="3f3f3f"/>
+        <a:srgbClr val="3F3F3F"/>
       </a:accent3>
       <a:accent4>
-        <a:srgbClr val="3f3f3f"/>
+        <a:srgbClr val="3F3F3F"/>
       </a:accent4>
       <a:accent5>
         <a:srgbClr val="595959"/>
@@ -7151,5 +7928,7 @@
       </a:bgFillStyleLst>
     </a:fmtScheme>
   </a:themeElements>
+  <a:objectDefaults/>
+  <a:extraClrSchemeLst/>
 </a:theme>
 </file>
--- a/primeira entrega.pptx
+++ b/primeira entrega.pptx
@@ -113,6 +113,11 @@
       </a:defRPr>
     </a:lvl9pPr>
   </p:defaultTextStyle>
+  <p:extLst>
+    <p:ext uri="{EFAFB233-063F-42B5-8137-9DF3F51BA10A}">
+      <p15:sldGuideLst xmlns:p15="http://schemas.microsoft.com/office/powerpoint/2012/main"/>
+    </p:ext>
+  </p:extLst>
 </p:presentation>
 </file>
 
@@ -2349,6 +2354,26 @@
               </a:lnSpc>
             </a:pPr>
             <a:r>
+              <a:rPr lang="pt-BR" sz="1800" b="1" strike="noStrike" spc="-1" dirty="0">
+                <a:solidFill>
+                  <a:srgbClr val="62A73B"/>
+                </a:solidFill>
+                <a:latin typeface="Arial"/>
+                <a:ea typeface="DejaVu Sans"/>
+              </a:rPr>
+              <a:t>Será usado a ferramenta </a:t>
+            </a:r>
+            <a:r>
+              <a:rPr lang="pt-BR" sz="1800" b="1" strike="noStrike" spc="-1" dirty="0" err="1">
+                <a:solidFill>
+                  <a:srgbClr val="62A73B"/>
+                </a:solidFill>
+                <a:latin typeface="Arial"/>
+                <a:ea typeface="DejaVu Sans"/>
+              </a:rPr>
+              <a:t>git</a:t>
+            </a:r>
+            <a:r>
               <a:rPr lang="pt-BR" sz="1800" b="1" strike="noStrike" spc="-1">
                 <a:solidFill>
                   <a:srgbClr val="62A73B"/>
@@ -2356,7 +2381,7 @@
                 <a:latin typeface="Arial"/>
                 <a:ea typeface="DejaVu Sans"/>
               </a:rPr>
-              <a:t>Será usado a ferramenta git para controle de versionamento do sistema a ser desenvolvido, além disso durante a etapa de desenvolvimento será usado o método cascata onde será feito todo o planejamento, execução, validação e entrega do produto final.</a:t>
+              <a:t> para controle de versionamento do sistema a ser desenvolvido, além disso durante a etapa de desenvolvimento será usado o método cascata onde será feito todo o planejamento, execução, validação e entrega do produto final</a:t>
             </a:r>
             <a:endParaRPr lang="pt-BR" sz="1800" b="0" strike="noStrike" spc="-1">
               <a:latin typeface="Arial"/>
@@ -2368,7 +2393,7 @@
                 <a:spcPct val="100000"/>
               </a:lnSpc>
             </a:pPr>
-            <a:endParaRPr lang="pt-BR" sz="1800" b="0" strike="noStrike" spc="-1">
+            <a:endParaRPr lang="pt-BR" sz="1800" b="0" strike="noStrike" spc="-1" dirty="0">
               <a:latin typeface="Arial"/>
             </a:endParaRPr>
           </a:p>
